--- a/HyunhoCha/homework/c/01/차현호1회차숙제.pptx
+++ b/HyunhoCha/homework/c/01/차현호1회차숙제.pptx
@@ -13,6 +13,15 @@
     <p:sldId id="257" r:id="rId6"/>
     <p:sldId id="258" r:id="rId7"/>
     <p:sldId id="259" r:id="rId8"/>
+    <p:sldId id="260" r:id="rId9"/>
+    <p:sldId id="261" r:id="rId10"/>
+    <p:sldId id="262" r:id="rId11"/>
+    <p:sldId id="263" r:id="rId12"/>
+    <p:sldId id="264" r:id="rId13"/>
+    <p:sldId id="265" r:id="rId14"/>
+    <p:sldId id="266" r:id="rId15"/>
+    <p:sldId id="267" r:id="rId16"/>
+    <p:sldId id="268" r:id="rId17"/>
   </p:sldIdLst>
   <p:sldSz cx="10691812" cy="7559675"/>
   <p:notesSz cx="6797675" cy="9926637"/>
@@ -101,181 +110,7 @@
               <a:rPr b="0" lang="en-US" sz="2000" spc="-1" strike="noStrike">
                 <a:latin typeface="Arial"/>
               </a:rPr>
-              <a:t>C</a:t>
-            </a:r>
-            <a:r>
-              <a:rPr b="0" lang="en-US" sz="2000" spc="-1" strike="noStrike">
-                <a:latin typeface="Arial"/>
-              </a:rPr>
-              <a:t>l</a:t>
-            </a:r>
-            <a:r>
-              <a:rPr b="0" lang="en-US" sz="2000" spc="-1" strike="noStrike">
-                <a:latin typeface="Arial"/>
-              </a:rPr>
-              <a:t>i</a:t>
-            </a:r>
-            <a:r>
-              <a:rPr b="0" lang="en-US" sz="2000" spc="-1" strike="noStrike">
-                <a:latin typeface="Arial"/>
-              </a:rPr>
-              <a:t>c</a:t>
-            </a:r>
-            <a:r>
-              <a:rPr b="0" lang="en-US" sz="2000" spc="-1" strike="noStrike">
-                <a:latin typeface="Arial"/>
-              </a:rPr>
-              <a:t>k</a:t>
-            </a:r>
-            <a:r>
-              <a:rPr b="0" lang="en-US" sz="2000" spc="-1" strike="noStrike">
-                <a:latin typeface="Arial"/>
-              </a:rPr>
-              <a:t> </a:t>
-            </a:r>
-            <a:r>
-              <a:rPr b="0" lang="en-US" sz="2000" spc="-1" strike="noStrike">
-                <a:latin typeface="Arial"/>
-              </a:rPr>
-              <a:t>t</a:t>
-            </a:r>
-            <a:r>
-              <a:rPr b="0" lang="en-US" sz="2000" spc="-1" strike="noStrike">
-                <a:latin typeface="Arial"/>
-              </a:rPr>
-              <a:t>o</a:t>
-            </a:r>
-            <a:r>
-              <a:rPr b="0" lang="en-US" sz="2000" spc="-1" strike="noStrike">
-                <a:latin typeface="Arial"/>
-              </a:rPr>
-              <a:t> </a:t>
-            </a:r>
-            <a:r>
-              <a:rPr b="0" lang="en-US" sz="2000" spc="-1" strike="noStrike">
-                <a:latin typeface="Arial"/>
-              </a:rPr>
-              <a:t>e</a:t>
-            </a:r>
-            <a:r>
-              <a:rPr b="0" lang="en-US" sz="2000" spc="-1" strike="noStrike">
-                <a:latin typeface="Arial"/>
-              </a:rPr>
-              <a:t>d</a:t>
-            </a:r>
-            <a:r>
-              <a:rPr b="0" lang="en-US" sz="2000" spc="-1" strike="noStrike">
-                <a:latin typeface="Arial"/>
-              </a:rPr>
-              <a:t>i</a:t>
-            </a:r>
-            <a:r>
-              <a:rPr b="0" lang="en-US" sz="2000" spc="-1" strike="noStrike">
-                <a:latin typeface="Arial"/>
-              </a:rPr>
-              <a:t>t</a:t>
-            </a:r>
-            <a:r>
-              <a:rPr b="0" lang="en-US" sz="2000" spc="-1" strike="noStrike">
-                <a:latin typeface="Arial"/>
-              </a:rPr>
-              <a:t> </a:t>
-            </a:r>
-            <a:r>
-              <a:rPr b="0" lang="en-US" sz="2000" spc="-1" strike="noStrike">
-                <a:latin typeface="Arial"/>
-              </a:rPr>
-              <a:t>t</a:t>
-            </a:r>
-            <a:r>
-              <a:rPr b="0" lang="en-US" sz="2000" spc="-1" strike="noStrike">
-                <a:latin typeface="Arial"/>
-              </a:rPr>
-              <a:t>h</a:t>
-            </a:r>
-            <a:r>
-              <a:rPr b="0" lang="en-US" sz="2000" spc="-1" strike="noStrike">
-                <a:latin typeface="Arial"/>
-              </a:rPr>
-              <a:t>e</a:t>
-            </a:r>
-            <a:r>
-              <a:rPr b="0" lang="en-US" sz="2000" spc="-1" strike="noStrike">
-                <a:latin typeface="Arial"/>
-              </a:rPr>
-              <a:t> </a:t>
-            </a:r>
-            <a:r>
-              <a:rPr b="0" lang="en-US" sz="2000" spc="-1" strike="noStrike">
-                <a:latin typeface="Arial"/>
-              </a:rPr>
-              <a:t>n</a:t>
-            </a:r>
-            <a:r>
-              <a:rPr b="0" lang="en-US" sz="2000" spc="-1" strike="noStrike">
-                <a:latin typeface="Arial"/>
-              </a:rPr>
-              <a:t>o</a:t>
-            </a:r>
-            <a:r>
-              <a:rPr b="0" lang="en-US" sz="2000" spc="-1" strike="noStrike">
-                <a:latin typeface="Arial"/>
-              </a:rPr>
-              <a:t>t</a:t>
-            </a:r>
-            <a:r>
-              <a:rPr b="0" lang="en-US" sz="2000" spc="-1" strike="noStrike">
-                <a:latin typeface="Arial"/>
-              </a:rPr>
-              <a:t>e</a:t>
-            </a:r>
-            <a:r>
-              <a:rPr b="0" lang="en-US" sz="2000" spc="-1" strike="noStrike">
-                <a:latin typeface="Arial"/>
-              </a:rPr>
-              <a:t>s</a:t>
-            </a:r>
-            <a:r>
-              <a:rPr b="0" lang="en-US" sz="2000" spc="-1" strike="noStrike">
-                <a:latin typeface="Arial"/>
-              </a:rPr>
-              <a:t> </a:t>
-            </a:r>
-            <a:r>
-              <a:rPr b="0" lang="en-US" sz="2000" spc="-1" strike="noStrike">
-                <a:latin typeface="Arial"/>
-              </a:rPr>
-              <a:t>f</a:t>
-            </a:r>
-            <a:r>
-              <a:rPr b="0" lang="en-US" sz="2000" spc="-1" strike="noStrike">
-                <a:latin typeface="Arial"/>
-              </a:rPr>
-              <a:t>o</a:t>
-            </a:r>
-            <a:r>
-              <a:rPr b="0" lang="en-US" sz="2000" spc="-1" strike="noStrike">
-                <a:latin typeface="Arial"/>
-              </a:rPr>
-              <a:t>r</a:t>
-            </a:r>
-            <a:r>
-              <a:rPr b="0" lang="en-US" sz="2000" spc="-1" strike="noStrike">
-                <a:latin typeface="Arial"/>
-              </a:rPr>
-              <a:t>m</a:t>
-            </a:r>
-            <a:r>
-              <a:rPr b="0" lang="en-US" sz="2000" spc="-1" strike="noStrike">
-                <a:latin typeface="Arial"/>
-              </a:rPr>
-              <a:t>a</a:t>
-            </a:r>
-            <a:r>
-              <a:rPr b="0" lang="en-US" sz="2000" spc="-1" strike="noStrike">
-                <a:latin typeface="Arial"/>
-              </a:rPr>
-              <a:t>t</a:t>
+              <a:t>Click to edit the notes format</a:t>
             </a:r>
             <a:endParaRPr b="0" lang="en-US" sz="2000" spc="-1" strike="noStrike">
               <a:latin typeface="Arial"/>
@@ -417,7 +252,7 @@
           </a:bodyPr>
           <a:p>
             <a:pPr algn="r"/>
-            <a:fld id="{9E88BDB0-E330-43DF-B736-605FBAA3610E}" type="slidenum">
+            <a:fld id="{25599A07-7DC1-42FF-B93A-5484668F3529}" type="slidenum">
               <a:rPr b="0" lang="en-US" sz="1400" spc="-1" strike="noStrike">
                 <a:latin typeface="Noto Serif CJK KR"/>
               </a:rPr>
@@ -454,7 +289,7 @@
       </p:grpSpPr>
       <p:sp>
         <p:nvSpPr>
-          <p:cNvPr id="107" name="PlaceHolder 1"/>
+          <p:cNvPr id="151" name="PlaceHolder 1"/>
           <p:cNvSpPr>
             <a:spLocks noGrp="1"/>
           </p:cNvSpPr>
@@ -465,16 +300,16 @@
         <p:spPr>
           <a:xfrm>
             <a:off x="1030320" y="1241280"/>
-            <a:ext cx="4736520" cy="3349080"/>
-          </a:xfrm>
-          <a:prstGeom prst="rect">
-            <a:avLst/>
-          </a:prstGeom>
-        </p:spPr>
-      </p:sp>
-      <p:sp>
-        <p:nvSpPr>
-          <p:cNvPr id="108" name="PlaceHolder 2"/>
+            <a:ext cx="4735800" cy="3348360"/>
+          </a:xfrm>
+          <a:prstGeom prst="rect">
+            <a:avLst/>
+          </a:prstGeom>
+        </p:spPr>
+      </p:sp>
+      <p:sp>
+        <p:nvSpPr>
+          <p:cNvPr id="152" name="PlaceHolder 2"/>
           <p:cNvSpPr>
             <a:spLocks noGrp="1"/>
           </p:cNvSpPr>
@@ -485,7 +320,7 @@
         <p:spPr>
           <a:xfrm>
             <a:off x="679680" y="4777200"/>
-            <a:ext cx="5437440" cy="3907800"/>
+            <a:ext cx="5436720" cy="3907080"/>
           </a:xfrm>
           <a:prstGeom prst="rect">
             <a:avLst/>
@@ -504,14 +339,14 @@
       </p:sp>
       <p:sp>
         <p:nvSpPr>
-          <p:cNvPr id="109" name="슬라이드 번호 개체 틀 3"/>
+          <p:cNvPr id="153" name="슬라이드 번호 개체 틀 3"/>
           <p:cNvSpPr/>
           <p:nvPr/>
         </p:nvSpPr>
         <p:spPr>
           <a:xfrm>
             <a:off x="3850560" y="9428760"/>
-            <a:ext cx="2944800" cy="497160"/>
+            <a:ext cx="2944080" cy="496440"/>
           </a:xfrm>
           <a:prstGeom prst="rect">
             <a:avLst/>
@@ -537,13 +372,501 @@
                 <a:spcPct val="100000"/>
               </a:lnSpc>
             </a:pPr>
-            <a:fld id="{209A74C8-76C7-4F11-B3C3-BEAE1CFE72CA}" type="slidenum">
+            <a:fld id="{7BF75D5B-A03A-4C4C-8CAD-1399F6E0F338}" type="slidenum">
               <a:rPr b="0" lang="en-US" sz="1200" spc="-1" strike="noStrike">
                 <a:solidFill>
                   <a:srgbClr val="000000"/>
                 </a:solidFill>
                 <a:latin typeface="+mn-lt"/>
                 <a:ea typeface="+mn-ea"/>
+              </a:rPr>
+              <a:t>&lt;number&gt;</a:t>
+            </a:fld>
+            <a:endParaRPr b="0" lang="en-US" sz="1200" spc="-1" strike="noStrike">
+              <a:latin typeface="Arial"/>
+            </a:endParaRPr>
+          </a:p>
+        </p:txBody>
+      </p:sp>
+    </p:spTree>
+  </p:cSld>
+</p:notes>
+</file>
+
+<file path=ppt/notesSlides/notesSlide10.xml><?xml version="1.0" encoding="utf-8"?>
+<p:notes xmlns:a="http://schemas.openxmlformats.org/drawingml/2006/main" xmlns:p="http://schemas.openxmlformats.org/presentationml/2006/main" xmlns:r="http://schemas.openxmlformats.org/officeDocument/2006/relationships" xmlns:p14="http://schemas.microsoft.com/office/powerpoint/2010/main" xmlns:p15="http://schemas.microsoft.com/office/powerpoint/2012/main" xmlns:mc="http://schemas.openxmlformats.org/markup-compatibility/2006">
+  <p:cSld>
+    <p:spTree>
+      <p:nvGrpSpPr>
+        <p:cNvPr id="1" name=""/>
+        <p:cNvGrpSpPr/>
+        <p:nvPr/>
+      </p:nvGrpSpPr>
+      <p:grpSpPr>
+        <a:xfrm>
+          <a:off x="0" y="0"/>
+          <a:ext cx="0" cy="0"/>
+          <a:chOff x="0" y="0"/>
+          <a:chExt cx="0" cy="0"/>
+        </a:xfrm>
+      </p:grpSpPr>
+      <p:sp>
+        <p:nvSpPr>
+          <p:cNvPr id="178" name="PlaceHolder 1"/>
+          <p:cNvSpPr>
+            <a:spLocks noGrp="1"/>
+          </p:cNvSpPr>
+          <p:nvPr>
+            <p:ph type="sldImg"/>
+          </p:nvPr>
+        </p:nvSpPr>
+        <p:spPr>
+          <a:xfrm>
+            <a:off x="1030320" y="1241280"/>
+            <a:ext cx="4735800" cy="3348360"/>
+          </a:xfrm>
+          <a:prstGeom prst="rect">
+            <a:avLst/>
+          </a:prstGeom>
+        </p:spPr>
+      </p:sp>
+      <p:sp>
+        <p:nvSpPr>
+          <p:cNvPr id="179" name="PlaceHolder 2"/>
+          <p:cNvSpPr>
+            <a:spLocks noGrp="1"/>
+          </p:cNvSpPr>
+          <p:nvPr>
+            <p:ph type="body"/>
+          </p:nvPr>
+        </p:nvSpPr>
+        <p:spPr>
+          <a:xfrm>
+            <a:off x="679680" y="4777200"/>
+            <a:ext cx="5436720" cy="3907080"/>
+          </a:xfrm>
+          <a:prstGeom prst="rect">
+            <a:avLst/>
+          </a:prstGeom>
+        </p:spPr>
+        <p:txBody>
+          <a:bodyPr lIns="0" rIns="0" tIns="0" bIns="0">
+            <a:noAutofit/>
+          </a:bodyPr>
+          <a:p>
+            <a:endParaRPr b="0" lang="en-US" sz="2000" spc="-1" strike="noStrike">
+              <a:latin typeface="Arial"/>
+            </a:endParaRPr>
+          </a:p>
+        </p:txBody>
+      </p:sp>
+      <p:sp>
+        <p:nvSpPr>
+          <p:cNvPr id="180" name="슬라이드 번호 개체 틀 3_8"/>
+          <p:cNvSpPr/>
+          <p:nvPr/>
+        </p:nvSpPr>
+        <p:spPr>
+          <a:xfrm>
+            <a:off x="3850560" y="9428760"/>
+            <a:ext cx="2944080" cy="496440"/>
+          </a:xfrm>
+          <a:prstGeom prst="rect">
+            <a:avLst/>
+          </a:prstGeom>
+          <a:noFill/>
+          <a:ln w="0">
+            <a:noFill/>
+          </a:ln>
+        </p:spPr>
+        <p:style>
+          <a:lnRef idx="0"/>
+          <a:fillRef idx="0"/>
+          <a:effectRef idx="0"/>
+          <a:fontRef idx="minor"/>
+        </p:style>
+        <p:txBody>
+          <a:bodyPr lIns="90000" rIns="90000" tIns="45000" bIns="45000" anchor="b">
+            <a:noAutofit/>
+          </a:bodyPr>
+          <a:p>
+            <a:pPr algn="r">
+              <a:lnSpc>
+                <a:spcPct val="100000"/>
+              </a:lnSpc>
+            </a:pPr>
+            <a:fld id="{733217F7-77A4-4B51-BD28-164AF53A61A5}" type="slidenum">
+              <a:rPr b="0" lang="en-US" sz="1200" spc="-1" strike="noStrike">
+                <a:solidFill>
+                  <a:srgbClr val="000000"/>
+                </a:solidFill>
+                <a:latin typeface="Noto Serif CJK KR"/>
+              </a:rPr>
+              <a:t>&lt;number&gt;</a:t>
+            </a:fld>
+            <a:endParaRPr b="0" lang="en-US" sz="1200" spc="-1" strike="noStrike">
+              <a:latin typeface="Arial"/>
+            </a:endParaRPr>
+          </a:p>
+        </p:txBody>
+      </p:sp>
+    </p:spTree>
+  </p:cSld>
+</p:notes>
+</file>
+
+<file path=ppt/notesSlides/notesSlide11.xml><?xml version="1.0" encoding="utf-8"?>
+<p:notes xmlns:a="http://schemas.openxmlformats.org/drawingml/2006/main" xmlns:p="http://schemas.openxmlformats.org/presentationml/2006/main" xmlns:r="http://schemas.openxmlformats.org/officeDocument/2006/relationships" xmlns:p14="http://schemas.microsoft.com/office/powerpoint/2010/main" xmlns:p15="http://schemas.microsoft.com/office/powerpoint/2012/main" xmlns:mc="http://schemas.openxmlformats.org/markup-compatibility/2006">
+  <p:cSld>
+    <p:spTree>
+      <p:nvGrpSpPr>
+        <p:cNvPr id="1" name=""/>
+        <p:cNvGrpSpPr/>
+        <p:nvPr/>
+      </p:nvGrpSpPr>
+      <p:grpSpPr>
+        <a:xfrm>
+          <a:off x="0" y="0"/>
+          <a:ext cx="0" cy="0"/>
+          <a:chOff x="0" y="0"/>
+          <a:chExt cx="0" cy="0"/>
+        </a:xfrm>
+      </p:grpSpPr>
+      <p:sp>
+        <p:nvSpPr>
+          <p:cNvPr id="181" name="PlaceHolder 1"/>
+          <p:cNvSpPr>
+            <a:spLocks noGrp="1"/>
+          </p:cNvSpPr>
+          <p:nvPr>
+            <p:ph type="sldImg"/>
+          </p:nvPr>
+        </p:nvSpPr>
+        <p:spPr>
+          <a:xfrm>
+            <a:off x="1030320" y="1241280"/>
+            <a:ext cx="4735800" cy="3348360"/>
+          </a:xfrm>
+          <a:prstGeom prst="rect">
+            <a:avLst/>
+          </a:prstGeom>
+        </p:spPr>
+      </p:sp>
+      <p:sp>
+        <p:nvSpPr>
+          <p:cNvPr id="182" name="PlaceHolder 2"/>
+          <p:cNvSpPr>
+            <a:spLocks noGrp="1"/>
+          </p:cNvSpPr>
+          <p:nvPr>
+            <p:ph type="body"/>
+          </p:nvPr>
+        </p:nvSpPr>
+        <p:spPr>
+          <a:xfrm>
+            <a:off x="679680" y="4777200"/>
+            <a:ext cx="5436720" cy="3907080"/>
+          </a:xfrm>
+          <a:prstGeom prst="rect">
+            <a:avLst/>
+          </a:prstGeom>
+        </p:spPr>
+        <p:txBody>
+          <a:bodyPr lIns="0" rIns="0" tIns="0" bIns="0">
+            <a:noAutofit/>
+          </a:bodyPr>
+          <a:p>
+            <a:endParaRPr b="0" lang="en-US" sz="2000" spc="-1" strike="noStrike">
+              <a:latin typeface="Arial"/>
+            </a:endParaRPr>
+          </a:p>
+        </p:txBody>
+      </p:sp>
+      <p:sp>
+        <p:nvSpPr>
+          <p:cNvPr id="183" name="슬라이드 번호 개체 틀 3_9"/>
+          <p:cNvSpPr/>
+          <p:nvPr/>
+        </p:nvSpPr>
+        <p:spPr>
+          <a:xfrm>
+            <a:off x="3850560" y="9428760"/>
+            <a:ext cx="2944080" cy="496440"/>
+          </a:xfrm>
+          <a:prstGeom prst="rect">
+            <a:avLst/>
+          </a:prstGeom>
+          <a:noFill/>
+          <a:ln w="0">
+            <a:noFill/>
+          </a:ln>
+        </p:spPr>
+        <p:style>
+          <a:lnRef idx="0"/>
+          <a:fillRef idx="0"/>
+          <a:effectRef idx="0"/>
+          <a:fontRef idx="minor"/>
+        </p:style>
+        <p:txBody>
+          <a:bodyPr lIns="90000" rIns="90000" tIns="45000" bIns="45000" anchor="b">
+            <a:noAutofit/>
+          </a:bodyPr>
+          <a:p>
+            <a:pPr algn="r">
+              <a:lnSpc>
+                <a:spcPct val="100000"/>
+              </a:lnSpc>
+            </a:pPr>
+            <a:fld id="{ABFA40BD-C380-457E-9050-634511AE0F09}" type="slidenum">
+              <a:rPr b="0" lang="en-US" sz="1200" spc="-1" strike="noStrike">
+                <a:solidFill>
+                  <a:srgbClr val="000000"/>
+                </a:solidFill>
+                <a:latin typeface="Noto Serif CJK KR"/>
+              </a:rPr>
+              <a:t>&lt;number&gt;</a:t>
+            </a:fld>
+            <a:endParaRPr b="0" lang="en-US" sz="1200" spc="-1" strike="noStrike">
+              <a:latin typeface="Arial"/>
+            </a:endParaRPr>
+          </a:p>
+        </p:txBody>
+      </p:sp>
+    </p:spTree>
+  </p:cSld>
+</p:notes>
+</file>
+
+<file path=ppt/notesSlides/notesSlide12.xml><?xml version="1.0" encoding="utf-8"?>
+<p:notes xmlns:a="http://schemas.openxmlformats.org/drawingml/2006/main" xmlns:p="http://schemas.openxmlformats.org/presentationml/2006/main" xmlns:r="http://schemas.openxmlformats.org/officeDocument/2006/relationships" xmlns:p14="http://schemas.microsoft.com/office/powerpoint/2010/main" xmlns:p15="http://schemas.microsoft.com/office/powerpoint/2012/main" xmlns:mc="http://schemas.openxmlformats.org/markup-compatibility/2006">
+  <p:cSld>
+    <p:spTree>
+      <p:nvGrpSpPr>
+        <p:cNvPr id="1" name=""/>
+        <p:cNvGrpSpPr/>
+        <p:nvPr/>
+      </p:nvGrpSpPr>
+      <p:grpSpPr>
+        <a:xfrm>
+          <a:off x="0" y="0"/>
+          <a:ext cx="0" cy="0"/>
+          <a:chOff x="0" y="0"/>
+          <a:chExt cx="0" cy="0"/>
+        </a:xfrm>
+      </p:grpSpPr>
+      <p:sp>
+        <p:nvSpPr>
+          <p:cNvPr id="184" name="PlaceHolder 1"/>
+          <p:cNvSpPr>
+            <a:spLocks noGrp="1"/>
+          </p:cNvSpPr>
+          <p:nvPr>
+            <p:ph type="sldImg"/>
+          </p:nvPr>
+        </p:nvSpPr>
+        <p:spPr>
+          <a:xfrm>
+            <a:off x="1030320" y="1241280"/>
+            <a:ext cx="4735800" cy="3348360"/>
+          </a:xfrm>
+          <a:prstGeom prst="rect">
+            <a:avLst/>
+          </a:prstGeom>
+        </p:spPr>
+      </p:sp>
+      <p:sp>
+        <p:nvSpPr>
+          <p:cNvPr id="185" name="PlaceHolder 2"/>
+          <p:cNvSpPr>
+            <a:spLocks noGrp="1"/>
+          </p:cNvSpPr>
+          <p:nvPr>
+            <p:ph type="body"/>
+          </p:nvPr>
+        </p:nvSpPr>
+        <p:spPr>
+          <a:xfrm>
+            <a:off x="679680" y="4777200"/>
+            <a:ext cx="5436720" cy="3907080"/>
+          </a:xfrm>
+          <a:prstGeom prst="rect">
+            <a:avLst/>
+          </a:prstGeom>
+        </p:spPr>
+        <p:txBody>
+          <a:bodyPr lIns="0" rIns="0" tIns="0" bIns="0">
+            <a:noAutofit/>
+          </a:bodyPr>
+          <a:p>
+            <a:endParaRPr b="0" lang="en-US" sz="2000" spc="-1" strike="noStrike">
+              <a:latin typeface="Arial"/>
+            </a:endParaRPr>
+          </a:p>
+        </p:txBody>
+      </p:sp>
+      <p:sp>
+        <p:nvSpPr>
+          <p:cNvPr id="186" name="슬라이드 번호 개체 틀 3_10"/>
+          <p:cNvSpPr/>
+          <p:nvPr/>
+        </p:nvSpPr>
+        <p:spPr>
+          <a:xfrm>
+            <a:off x="3850560" y="9428760"/>
+            <a:ext cx="2944080" cy="496440"/>
+          </a:xfrm>
+          <a:prstGeom prst="rect">
+            <a:avLst/>
+          </a:prstGeom>
+          <a:noFill/>
+          <a:ln w="0">
+            <a:noFill/>
+          </a:ln>
+        </p:spPr>
+        <p:style>
+          <a:lnRef idx="0"/>
+          <a:fillRef idx="0"/>
+          <a:effectRef idx="0"/>
+          <a:fontRef idx="minor"/>
+        </p:style>
+        <p:txBody>
+          <a:bodyPr lIns="90000" rIns="90000" tIns="45000" bIns="45000" anchor="b">
+            <a:noAutofit/>
+          </a:bodyPr>
+          <a:p>
+            <a:pPr algn="r">
+              <a:lnSpc>
+                <a:spcPct val="100000"/>
+              </a:lnSpc>
+            </a:pPr>
+            <a:fld id="{000DBBA1-6F80-4181-9655-0AA04D29DCFF}" type="slidenum">
+              <a:rPr b="0" lang="en-US" sz="1200" spc="-1" strike="noStrike">
+                <a:solidFill>
+                  <a:srgbClr val="000000"/>
+                </a:solidFill>
+                <a:latin typeface="Noto Serif CJK KR"/>
+              </a:rPr>
+              <a:t>&lt;number&gt;</a:t>
+            </a:fld>
+            <a:endParaRPr b="0" lang="en-US" sz="1200" spc="-1" strike="noStrike">
+              <a:latin typeface="Arial"/>
+            </a:endParaRPr>
+          </a:p>
+        </p:txBody>
+      </p:sp>
+    </p:spTree>
+  </p:cSld>
+</p:notes>
+</file>
+
+<file path=ppt/notesSlides/notesSlide13.xml><?xml version="1.0" encoding="utf-8"?>
+<p:notes xmlns:a="http://schemas.openxmlformats.org/drawingml/2006/main" xmlns:p="http://schemas.openxmlformats.org/presentationml/2006/main" xmlns:r="http://schemas.openxmlformats.org/officeDocument/2006/relationships" xmlns:p14="http://schemas.microsoft.com/office/powerpoint/2010/main" xmlns:p15="http://schemas.microsoft.com/office/powerpoint/2012/main" xmlns:mc="http://schemas.openxmlformats.org/markup-compatibility/2006">
+  <p:cSld>
+    <p:spTree>
+      <p:nvGrpSpPr>
+        <p:cNvPr id="1" name=""/>
+        <p:cNvGrpSpPr/>
+        <p:nvPr/>
+      </p:nvGrpSpPr>
+      <p:grpSpPr>
+        <a:xfrm>
+          <a:off x="0" y="0"/>
+          <a:ext cx="0" cy="0"/>
+          <a:chOff x="0" y="0"/>
+          <a:chExt cx="0" cy="0"/>
+        </a:xfrm>
+      </p:grpSpPr>
+      <p:sp>
+        <p:nvSpPr>
+          <p:cNvPr id="187" name="PlaceHolder 1"/>
+          <p:cNvSpPr>
+            <a:spLocks noGrp="1"/>
+          </p:cNvSpPr>
+          <p:nvPr>
+            <p:ph type="sldImg"/>
+          </p:nvPr>
+        </p:nvSpPr>
+        <p:spPr>
+          <a:xfrm>
+            <a:off x="1030320" y="1241280"/>
+            <a:ext cx="4735800" cy="3348360"/>
+          </a:xfrm>
+          <a:prstGeom prst="rect">
+            <a:avLst/>
+          </a:prstGeom>
+        </p:spPr>
+      </p:sp>
+      <p:sp>
+        <p:nvSpPr>
+          <p:cNvPr id="188" name="PlaceHolder 2"/>
+          <p:cNvSpPr>
+            <a:spLocks noGrp="1"/>
+          </p:cNvSpPr>
+          <p:nvPr>
+            <p:ph type="body"/>
+          </p:nvPr>
+        </p:nvSpPr>
+        <p:spPr>
+          <a:xfrm>
+            <a:off x="679680" y="4777200"/>
+            <a:ext cx="5436720" cy="3907080"/>
+          </a:xfrm>
+          <a:prstGeom prst="rect">
+            <a:avLst/>
+          </a:prstGeom>
+        </p:spPr>
+        <p:txBody>
+          <a:bodyPr lIns="0" rIns="0" tIns="0" bIns="0">
+            <a:noAutofit/>
+          </a:bodyPr>
+          <a:p>
+            <a:endParaRPr b="0" lang="en-US" sz="2000" spc="-1" strike="noStrike">
+              <a:latin typeface="Arial"/>
+            </a:endParaRPr>
+          </a:p>
+        </p:txBody>
+      </p:sp>
+      <p:sp>
+        <p:nvSpPr>
+          <p:cNvPr id="189" name="슬라이드 번호 개체 틀 3_12"/>
+          <p:cNvSpPr/>
+          <p:nvPr/>
+        </p:nvSpPr>
+        <p:spPr>
+          <a:xfrm>
+            <a:off x="3850560" y="9428760"/>
+            <a:ext cx="2944080" cy="496440"/>
+          </a:xfrm>
+          <a:prstGeom prst="rect">
+            <a:avLst/>
+          </a:prstGeom>
+          <a:noFill/>
+          <a:ln w="0">
+            <a:noFill/>
+          </a:ln>
+        </p:spPr>
+        <p:style>
+          <a:lnRef idx="0"/>
+          <a:fillRef idx="0"/>
+          <a:effectRef idx="0"/>
+          <a:fontRef idx="minor"/>
+        </p:style>
+        <p:txBody>
+          <a:bodyPr lIns="90000" rIns="90000" tIns="45000" bIns="45000" anchor="b">
+            <a:noAutofit/>
+          </a:bodyPr>
+          <a:p>
+            <a:pPr algn="r">
+              <a:lnSpc>
+                <a:spcPct val="100000"/>
+              </a:lnSpc>
+            </a:pPr>
+            <a:fld id="{26B5A462-E093-468B-945B-0193EA7AEB9F}" type="slidenum">
+              <a:rPr b="0" lang="en-US" sz="1200" spc="-1" strike="noStrike">
+                <a:solidFill>
+                  <a:srgbClr val="000000"/>
+                </a:solidFill>
+                <a:latin typeface="Noto Serif CJK KR"/>
               </a:rPr>
               <a:t>&lt;number&gt;</a:t>
             </a:fld>
@@ -577,7 +900,7 @@
       </p:grpSpPr>
       <p:sp>
         <p:nvSpPr>
-          <p:cNvPr id="110" name="PlaceHolder 1"/>
+          <p:cNvPr id="154" name="PlaceHolder 1"/>
           <p:cNvSpPr>
             <a:spLocks noGrp="1"/>
           </p:cNvSpPr>
@@ -588,16 +911,16 @@
         <p:spPr>
           <a:xfrm>
             <a:off x="1030320" y="1241280"/>
-            <a:ext cx="4736520" cy="3349080"/>
-          </a:xfrm>
-          <a:prstGeom prst="rect">
-            <a:avLst/>
-          </a:prstGeom>
-        </p:spPr>
-      </p:sp>
-      <p:sp>
-        <p:nvSpPr>
-          <p:cNvPr id="111" name="PlaceHolder 2"/>
+            <a:ext cx="4735800" cy="3348360"/>
+          </a:xfrm>
+          <a:prstGeom prst="rect">
+            <a:avLst/>
+          </a:prstGeom>
+        </p:spPr>
+      </p:sp>
+      <p:sp>
+        <p:nvSpPr>
+          <p:cNvPr id="155" name="PlaceHolder 2"/>
           <p:cNvSpPr>
             <a:spLocks noGrp="1"/>
           </p:cNvSpPr>
@@ -608,7 +931,7 @@
         <p:spPr>
           <a:xfrm>
             <a:off x="679680" y="4777200"/>
-            <a:ext cx="5437440" cy="3907800"/>
+            <a:ext cx="5436720" cy="3907080"/>
           </a:xfrm>
           <a:prstGeom prst="rect">
             <a:avLst/>
@@ -627,14 +950,14 @@
       </p:sp>
       <p:sp>
         <p:nvSpPr>
-          <p:cNvPr id="112" name="슬라이드 번호 개체 틀 3_0"/>
+          <p:cNvPr id="156" name="슬라이드 번호 개체 틀 3_0"/>
           <p:cNvSpPr/>
           <p:nvPr/>
         </p:nvSpPr>
         <p:spPr>
           <a:xfrm>
             <a:off x="3850560" y="9428760"/>
-            <a:ext cx="2944800" cy="497160"/>
+            <a:ext cx="2944080" cy="496440"/>
           </a:xfrm>
           <a:prstGeom prst="rect">
             <a:avLst/>
@@ -660,8 +983,11 @@
                 <a:spcPct val="100000"/>
               </a:lnSpc>
             </a:pPr>
-            <a:fld id="{18224C17-CE0C-4A38-8299-82CFB3FC3A33}" type="slidenum">
+            <a:fld id="{5D4A65A4-3FF6-49DB-A2D8-9AC40DB661FA}" type="slidenum">
               <a:rPr b="0" lang="en-US" sz="1200" spc="-1" strike="noStrike">
+                <a:solidFill>
+                  <a:srgbClr val="000000"/>
+                </a:solidFill>
                 <a:latin typeface="Noto Serif CJK KR"/>
               </a:rPr>
               <a:t>&lt;number&gt;</a:t>
@@ -696,7 +1022,7 @@
       </p:grpSpPr>
       <p:sp>
         <p:nvSpPr>
-          <p:cNvPr id="113" name="PlaceHolder 1"/>
+          <p:cNvPr id="157" name="PlaceHolder 1"/>
           <p:cNvSpPr>
             <a:spLocks noGrp="1"/>
           </p:cNvSpPr>
@@ -707,16 +1033,16 @@
         <p:spPr>
           <a:xfrm>
             <a:off x="1030320" y="1241280"/>
-            <a:ext cx="4736520" cy="3349080"/>
-          </a:xfrm>
-          <a:prstGeom prst="rect">
-            <a:avLst/>
-          </a:prstGeom>
-        </p:spPr>
-      </p:sp>
-      <p:sp>
-        <p:nvSpPr>
-          <p:cNvPr id="114" name="PlaceHolder 2"/>
+            <a:ext cx="4735800" cy="3348360"/>
+          </a:xfrm>
+          <a:prstGeom prst="rect">
+            <a:avLst/>
+          </a:prstGeom>
+        </p:spPr>
+      </p:sp>
+      <p:sp>
+        <p:nvSpPr>
+          <p:cNvPr id="158" name="PlaceHolder 2"/>
           <p:cNvSpPr>
             <a:spLocks noGrp="1"/>
           </p:cNvSpPr>
@@ -727,7 +1053,7 @@
         <p:spPr>
           <a:xfrm>
             <a:off x="679680" y="4777200"/>
-            <a:ext cx="5437440" cy="3907800"/>
+            <a:ext cx="5436720" cy="3907080"/>
           </a:xfrm>
           <a:prstGeom prst="rect">
             <a:avLst/>
@@ -746,14 +1072,14 @@
       </p:sp>
       <p:sp>
         <p:nvSpPr>
-          <p:cNvPr id="115" name="슬라이드 번호 개체 틀 3_3"/>
+          <p:cNvPr id="159" name="슬라이드 번호 개체 틀 3_3"/>
           <p:cNvSpPr/>
           <p:nvPr/>
         </p:nvSpPr>
         <p:spPr>
           <a:xfrm>
             <a:off x="3850560" y="9428760"/>
-            <a:ext cx="2944800" cy="497160"/>
+            <a:ext cx="2944080" cy="496440"/>
           </a:xfrm>
           <a:prstGeom prst="rect">
             <a:avLst/>
@@ -779,8 +1105,11 @@
                 <a:spcPct val="100000"/>
               </a:lnSpc>
             </a:pPr>
-            <a:fld id="{C5FD5DFC-719F-430A-9B5C-AAF3106EE7CB}" type="slidenum">
+            <a:fld id="{2B9D1A51-D7EC-454B-A5CF-56254E4316B2}" type="slidenum">
               <a:rPr b="0" lang="en-US" sz="1200" spc="-1" strike="noStrike">
+                <a:solidFill>
+                  <a:srgbClr val="000000"/>
+                </a:solidFill>
                 <a:latin typeface="Noto Serif CJK KR"/>
               </a:rPr>
               <a:t>&lt;number&gt;</a:t>
@@ -815,7 +1144,7 @@
       </p:grpSpPr>
       <p:sp>
         <p:nvSpPr>
-          <p:cNvPr id="116" name="PlaceHolder 1"/>
+          <p:cNvPr id="160" name="PlaceHolder 1"/>
           <p:cNvSpPr>
             <a:spLocks noGrp="1"/>
           </p:cNvSpPr>
@@ -826,16 +1155,16 @@
         <p:spPr>
           <a:xfrm>
             <a:off x="1030320" y="1241280"/>
-            <a:ext cx="4736520" cy="3349080"/>
-          </a:xfrm>
-          <a:prstGeom prst="rect">
-            <a:avLst/>
-          </a:prstGeom>
-        </p:spPr>
-      </p:sp>
-      <p:sp>
-        <p:nvSpPr>
-          <p:cNvPr id="117" name="PlaceHolder 2"/>
+            <a:ext cx="4735800" cy="3348360"/>
+          </a:xfrm>
+          <a:prstGeom prst="rect">
+            <a:avLst/>
+          </a:prstGeom>
+        </p:spPr>
+      </p:sp>
+      <p:sp>
+        <p:nvSpPr>
+          <p:cNvPr id="161" name="PlaceHolder 2"/>
           <p:cNvSpPr>
             <a:spLocks noGrp="1"/>
           </p:cNvSpPr>
@@ -846,7 +1175,7 @@
         <p:spPr>
           <a:xfrm>
             <a:off x="679680" y="4777200"/>
-            <a:ext cx="5437440" cy="3907800"/>
+            <a:ext cx="5436720" cy="3907080"/>
           </a:xfrm>
           <a:prstGeom prst="rect">
             <a:avLst/>
@@ -865,14 +1194,14 @@
       </p:sp>
       <p:sp>
         <p:nvSpPr>
-          <p:cNvPr id="118" name="슬라이드 번호 개체 틀 3_1"/>
+          <p:cNvPr id="162" name="슬라이드 번호 개체 틀 3_1"/>
           <p:cNvSpPr/>
           <p:nvPr/>
         </p:nvSpPr>
         <p:spPr>
           <a:xfrm>
             <a:off x="3850560" y="9428760"/>
-            <a:ext cx="2944800" cy="497160"/>
+            <a:ext cx="2944080" cy="496440"/>
           </a:xfrm>
           <a:prstGeom prst="rect">
             <a:avLst/>
@@ -898,8 +1227,621 @@
                 <a:spcPct val="100000"/>
               </a:lnSpc>
             </a:pPr>
-            <a:fld id="{38F7C0AC-4E1B-4D50-90F6-20B2B3090294}" type="slidenum">
+            <a:fld id="{E57A2755-03B2-4296-B2D6-E2A96800BF9C}" type="slidenum">
               <a:rPr b="0" lang="en-US" sz="1200" spc="-1" strike="noStrike">
+                <a:solidFill>
+                  <a:srgbClr val="000000"/>
+                </a:solidFill>
+                <a:latin typeface="Noto Serif CJK KR"/>
+              </a:rPr>
+              <a:t>&lt;number&gt;</a:t>
+            </a:fld>
+            <a:endParaRPr b="0" lang="en-US" sz="1200" spc="-1" strike="noStrike">
+              <a:latin typeface="Arial"/>
+            </a:endParaRPr>
+          </a:p>
+        </p:txBody>
+      </p:sp>
+    </p:spTree>
+  </p:cSld>
+</p:notes>
+</file>
+
+<file path=ppt/notesSlides/notesSlide5.xml><?xml version="1.0" encoding="utf-8"?>
+<p:notes xmlns:a="http://schemas.openxmlformats.org/drawingml/2006/main" xmlns:p="http://schemas.openxmlformats.org/presentationml/2006/main" xmlns:r="http://schemas.openxmlformats.org/officeDocument/2006/relationships" xmlns:p14="http://schemas.microsoft.com/office/powerpoint/2010/main" xmlns:p15="http://schemas.microsoft.com/office/powerpoint/2012/main" xmlns:mc="http://schemas.openxmlformats.org/markup-compatibility/2006">
+  <p:cSld>
+    <p:spTree>
+      <p:nvGrpSpPr>
+        <p:cNvPr id="1" name=""/>
+        <p:cNvGrpSpPr/>
+        <p:nvPr/>
+      </p:nvGrpSpPr>
+      <p:grpSpPr>
+        <a:xfrm>
+          <a:off x="0" y="0"/>
+          <a:ext cx="0" cy="0"/>
+          <a:chOff x="0" y="0"/>
+          <a:chExt cx="0" cy="0"/>
+        </a:xfrm>
+      </p:grpSpPr>
+      <p:sp>
+        <p:nvSpPr>
+          <p:cNvPr id="163" name="PlaceHolder 1"/>
+          <p:cNvSpPr>
+            <a:spLocks noGrp="1"/>
+          </p:cNvSpPr>
+          <p:nvPr>
+            <p:ph type="sldImg"/>
+          </p:nvPr>
+        </p:nvSpPr>
+        <p:spPr>
+          <a:xfrm>
+            <a:off x="1030320" y="1241280"/>
+            <a:ext cx="4735800" cy="3348360"/>
+          </a:xfrm>
+          <a:prstGeom prst="rect">
+            <a:avLst/>
+          </a:prstGeom>
+        </p:spPr>
+      </p:sp>
+      <p:sp>
+        <p:nvSpPr>
+          <p:cNvPr id="164" name="PlaceHolder 2"/>
+          <p:cNvSpPr>
+            <a:spLocks noGrp="1"/>
+          </p:cNvSpPr>
+          <p:nvPr>
+            <p:ph type="body"/>
+          </p:nvPr>
+        </p:nvSpPr>
+        <p:spPr>
+          <a:xfrm>
+            <a:off x="679680" y="4777200"/>
+            <a:ext cx="5436720" cy="3907080"/>
+          </a:xfrm>
+          <a:prstGeom prst="rect">
+            <a:avLst/>
+          </a:prstGeom>
+        </p:spPr>
+        <p:txBody>
+          <a:bodyPr lIns="0" rIns="0" tIns="0" bIns="0">
+            <a:noAutofit/>
+          </a:bodyPr>
+          <a:p>
+            <a:endParaRPr b="0" lang="en-US" sz="2000" spc="-1" strike="noStrike">
+              <a:latin typeface="Arial"/>
+            </a:endParaRPr>
+          </a:p>
+        </p:txBody>
+      </p:sp>
+      <p:sp>
+        <p:nvSpPr>
+          <p:cNvPr id="165" name="슬라이드 번호 개체 틀 3_2"/>
+          <p:cNvSpPr/>
+          <p:nvPr/>
+        </p:nvSpPr>
+        <p:spPr>
+          <a:xfrm>
+            <a:off x="3850560" y="9428760"/>
+            <a:ext cx="2944080" cy="496440"/>
+          </a:xfrm>
+          <a:prstGeom prst="rect">
+            <a:avLst/>
+          </a:prstGeom>
+          <a:noFill/>
+          <a:ln w="0">
+            <a:noFill/>
+          </a:ln>
+        </p:spPr>
+        <p:style>
+          <a:lnRef idx="0"/>
+          <a:fillRef idx="0"/>
+          <a:effectRef idx="0"/>
+          <a:fontRef idx="minor"/>
+        </p:style>
+        <p:txBody>
+          <a:bodyPr lIns="90000" rIns="90000" tIns="45000" bIns="45000" anchor="b">
+            <a:noAutofit/>
+          </a:bodyPr>
+          <a:p>
+            <a:pPr algn="r">
+              <a:lnSpc>
+                <a:spcPct val="100000"/>
+              </a:lnSpc>
+            </a:pPr>
+            <a:fld id="{65776223-FDA6-4DC4-A9B9-8E44AF689B0D}" type="slidenum">
+              <a:rPr b="0" lang="en-US" sz="1200" spc="-1" strike="noStrike">
+                <a:solidFill>
+                  <a:srgbClr val="000000"/>
+                </a:solidFill>
+                <a:latin typeface="Noto Serif CJK KR"/>
+              </a:rPr>
+              <a:t>&lt;number&gt;</a:t>
+            </a:fld>
+            <a:endParaRPr b="0" lang="en-US" sz="1200" spc="-1" strike="noStrike">
+              <a:latin typeface="Arial"/>
+            </a:endParaRPr>
+          </a:p>
+        </p:txBody>
+      </p:sp>
+    </p:spTree>
+  </p:cSld>
+</p:notes>
+</file>
+
+<file path=ppt/notesSlides/notesSlide6.xml><?xml version="1.0" encoding="utf-8"?>
+<p:notes xmlns:a="http://schemas.openxmlformats.org/drawingml/2006/main" xmlns:p="http://schemas.openxmlformats.org/presentationml/2006/main" xmlns:r="http://schemas.openxmlformats.org/officeDocument/2006/relationships" xmlns:p14="http://schemas.microsoft.com/office/powerpoint/2010/main" xmlns:p15="http://schemas.microsoft.com/office/powerpoint/2012/main" xmlns:mc="http://schemas.openxmlformats.org/markup-compatibility/2006">
+  <p:cSld>
+    <p:spTree>
+      <p:nvGrpSpPr>
+        <p:cNvPr id="1" name=""/>
+        <p:cNvGrpSpPr/>
+        <p:nvPr/>
+      </p:nvGrpSpPr>
+      <p:grpSpPr>
+        <a:xfrm>
+          <a:off x="0" y="0"/>
+          <a:ext cx="0" cy="0"/>
+          <a:chOff x="0" y="0"/>
+          <a:chExt cx="0" cy="0"/>
+        </a:xfrm>
+      </p:grpSpPr>
+      <p:sp>
+        <p:nvSpPr>
+          <p:cNvPr id="166" name="PlaceHolder 1"/>
+          <p:cNvSpPr>
+            <a:spLocks noGrp="1"/>
+          </p:cNvSpPr>
+          <p:nvPr>
+            <p:ph type="sldImg"/>
+          </p:nvPr>
+        </p:nvSpPr>
+        <p:spPr>
+          <a:xfrm>
+            <a:off x="1030320" y="1241280"/>
+            <a:ext cx="4735800" cy="3348360"/>
+          </a:xfrm>
+          <a:prstGeom prst="rect">
+            <a:avLst/>
+          </a:prstGeom>
+        </p:spPr>
+      </p:sp>
+      <p:sp>
+        <p:nvSpPr>
+          <p:cNvPr id="167" name="PlaceHolder 2"/>
+          <p:cNvSpPr>
+            <a:spLocks noGrp="1"/>
+          </p:cNvSpPr>
+          <p:nvPr>
+            <p:ph type="body"/>
+          </p:nvPr>
+        </p:nvSpPr>
+        <p:spPr>
+          <a:xfrm>
+            <a:off x="679680" y="4777200"/>
+            <a:ext cx="5436720" cy="3907080"/>
+          </a:xfrm>
+          <a:prstGeom prst="rect">
+            <a:avLst/>
+          </a:prstGeom>
+        </p:spPr>
+        <p:txBody>
+          <a:bodyPr lIns="0" rIns="0" tIns="0" bIns="0">
+            <a:noAutofit/>
+          </a:bodyPr>
+          <a:p>
+            <a:endParaRPr b="0" lang="en-US" sz="2000" spc="-1" strike="noStrike">
+              <a:latin typeface="Arial"/>
+            </a:endParaRPr>
+          </a:p>
+        </p:txBody>
+      </p:sp>
+      <p:sp>
+        <p:nvSpPr>
+          <p:cNvPr id="168" name="슬라이드 번호 개체 틀 3_4"/>
+          <p:cNvSpPr/>
+          <p:nvPr/>
+        </p:nvSpPr>
+        <p:spPr>
+          <a:xfrm>
+            <a:off x="3850560" y="9428760"/>
+            <a:ext cx="2944080" cy="496440"/>
+          </a:xfrm>
+          <a:prstGeom prst="rect">
+            <a:avLst/>
+          </a:prstGeom>
+          <a:noFill/>
+          <a:ln w="0">
+            <a:noFill/>
+          </a:ln>
+        </p:spPr>
+        <p:style>
+          <a:lnRef idx="0"/>
+          <a:fillRef idx="0"/>
+          <a:effectRef idx="0"/>
+          <a:fontRef idx="minor"/>
+        </p:style>
+        <p:txBody>
+          <a:bodyPr lIns="90000" rIns="90000" tIns="45000" bIns="45000" anchor="b">
+            <a:noAutofit/>
+          </a:bodyPr>
+          <a:p>
+            <a:pPr algn="r">
+              <a:lnSpc>
+                <a:spcPct val="100000"/>
+              </a:lnSpc>
+            </a:pPr>
+            <a:fld id="{6778CB20-B9AF-4407-A0C5-6F7D1007EEBE}" type="slidenum">
+              <a:rPr b="0" lang="en-US" sz="1200" spc="-1" strike="noStrike">
+                <a:solidFill>
+                  <a:srgbClr val="000000"/>
+                </a:solidFill>
+                <a:latin typeface="Noto Serif CJK KR"/>
+              </a:rPr>
+              <a:t>&lt;number&gt;</a:t>
+            </a:fld>
+            <a:endParaRPr b="0" lang="en-US" sz="1200" spc="-1" strike="noStrike">
+              <a:latin typeface="Arial"/>
+            </a:endParaRPr>
+          </a:p>
+        </p:txBody>
+      </p:sp>
+    </p:spTree>
+  </p:cSld>
+</p:notes>
+</file>
+
+<file path=ppt/notesSlides/notesSlide7.xml><?xml version="1.0" encoding="utf-8"?>
+<p:notes xmlns:a="http://schemas.openxmlformats.org/drawingml/2006/main" xmlns:p="http://schemas.openxmlformats.org/presentationml/2006/main" xmlns:r="http://schemas.openxmlformats.org/officeDocument/2006/relationships" xmlns:p14="http://schemas.microsoft.com/office/powerpoint/2010/main" xmlns:p15="http://schemas.microsoft.com/office/powerpoint/2012/main" xmlns:mc="http://schemas.openxmlformats.org/markup-compatibility/2006">
+  <p:cSld>
+    <p:spTree>
+      <p:nvGrpSpPr>
+        <p:cNvPr id="1" name=""/>
+        <p:cNvGrpSpPr/>
+        <p:nvPr/>
+      </p:nvGrpSpPr>
+      <p:grpSpPr>
+        <a:xfrm>
+          <a:off x="0" y="0"/>
+          <a:ext cx="0" cy="0"/>
+          <a:chOff x="0" y="0"/>
+          <a:chExt cx="0" cy="0"/>
+        </a:xfrm>
+      </p:grpSpPr>
+      <p:sp>
+        <p:nvSpPr>
+          <p:cNvPr id="169" name="PlaceHolder 1"/>
+          <p:cNvSpPr>
+            <a:spLocks noGrp="1"/>
+          </p:cNvSpPr>
+          <p:nvPr>
+            <p:ph type="sldImg"/>
+          </p:nvPr>
+        </p:nvSpPr>
+        <p:spPr>
+          <a:xfrm>
+            <a:off x="1030320" y="1241280"/>
+            <a:ext cx="4735800" cy="3348360"/>
+          </a:xfrm>
+          <a:prstGeom prst="rect">
+            <a:avLst/>
+          </a:prstGeom>
+        </p:spPr>
+      </p:sp>
+      <p:sp>
+        <p:nvSpPr>
+          <p:cNvPr id="170" name="PlaceHolder 2"/>
+          <p:cNvSpPr>
+            <a:spLocks noGrp="1"/>
+          </p:cNvSpPr>
+          <p:nvPr>
+            <p:ph type="body"/>
+          </p:nvPr>
+        </p:nvSpPr>
+        <p:spPr>
+          <a:xfrm>
+            <a:off x="679680" y="4777200"/>
+            <a:ext cx="5436720" cy="3907080"/>
+          </a:xfrm>
+          <a:prstGeom prst="rect">
+            <a:avLst/>
+          </a:prstGeom>
+        </p:spPr>
+        <p:txBody>
+          <a:bodyPr lIns="0" rIns="0" tIns="0" bIns="0">
+            <a:noAutofit/>
+          </a:bodyPr>
+          <a:p>
+            <a:endParaRPr b="0" lang="en-US" sz="2000" spc="-1" strike="noStrike">
+              <a:latin typeface="Arial"/>
+            </a:endParaRPr>
+          </a:p>
+        </p:txBody>
+      </p:sp>
+      <p:sp>
+        <p:nvSpPr>
+          <p:cNvPr id="171" name="슬라이드 번호 개체 틀 3_5"/>
+          <p:cNvSpPr/>
+          <p:nvPr/>
+        </p:nvSpPr>
+        <p:spPr>
+          <a:xfrm>
+            <a:off x="3850560" y="9428760"/>
+            <a:ext cx="2944080" cy="496440"/>
+          </a:xfrm>
+          <a:prstGeom prst="rect">
+            <a:avLst/>
+          </a:prstGeom>
+          <a:noFill/>
+          <a:ln w="0">
+            <a:noFill/>
+          </a:ln>
+        </p:spPr>
+        <p:style>
+          <a:lnRef idx="0"/>
+          <a:fillRef idx="0"/>
+          <a:effectRef idx="0"/>
+          <a:fontRef idx="minor"/>
+        </p:style>
+        <p:txBody>
+          <a:bodyPr lIns="90000" rIns="90000" tIns="45000" bIns="45000" anchor="b">
+            <a:noAutofit/>
+          </a:bodyPr>
+          <a:p>
+            <a:pPr algn="r">
+              <a:lnSpc>
+                <a:spcPct val="100000"/>
+              </a:lnSpc>
+            </a:pPr>
+            <a:fld id="{42AFD711-06DE-4EAE-ABE2-AB241FD85070}" type="slidenum">
+              <a:rPr b="0" lang="en-US" sz="1200" spc="-1" strike="noStrike">
+                <a:solidFill>
+                  <a:srgbClr val="000000"/>
+                </a:solidFill>
+                <a:latin typeface="Noto Serif CJK KR"/>
+              </a:rPr>
+              <a:t>&lt;number&gt;</a:t>
+            </a:fld>
+            <a:endParaRPr b="0" lang="en-US" sz="1200" spc="-1" strike="noStrike">
+              <a:latin typeface="Arial"/>
+            </a:endParaRPr>
+          </a:p>
+        </p:txBody>
+      </p:sp>
+    </p:spTree>
+  </p:cSld>
+</p:notes>
+</file>
+
+<file path=ppt/notesSlides/notesSlide8.xml><?xml version="1.0" encoding="utf-8"?>
+<p:notes xmlns:a="http://schemas.openxmlformats.org/drawingml/2006/main" xmlns:p="http://schemas.openxmlformats.org/presentationml/2006/main" xmlns:r="http://schemas.openxmlformats.org/officeDocument/2006/relationships" xmlns:p14="http://schemas.microsoft.com/office/powerpoint/2010/main" xmlns:p15="http://schemas.microsoft.com/office/powerpoint/2012/main" xmlns:mc="http://schemas.openxmlformats.org/markup-compatibility/2006">
+  <p:cSld>
+    <p:spTree>
+      <p:nvGrpSpPr>
+        <p:cNvPr id="1" name=""/>
+        <p:cNvGrpSpPr/>
+        <p:nvPr/>
+      </p:nvGrpSpPr>
+      <p:grpSpPr>
+        <a:xfrm>
+          <a:off x="0" y="0"/>
+          <a:ext cx="0" cy="0"/>
+          <a:chOff x="0" y="0"/>
+          <a:chExt cx="0" cy="0"/>
+        </a:xfrm>
+      </p:grpSpPr>
+      <p:sp>
+        <p:nvSpPr>
+          <p:cNvPr id="172" name="PlaceHolder 1"/>
+          <p:cNvSpPr>
+            <a:spLocks noGrp="1"/>
+          </p:cNvSpPr>
+          <p:nvPr>
+            <p:ph type="sldImg"/>
+          </p:nvPr>
+        </p:nvSpPr>
+        <p:spPr>
+          <a:xfrm>
+            <a:off x="1030320" y="1241280"/>
+            <a:ext cx="4735800" cy="3348360"/>
+          </a:xfrm>
+          <a:prstGeom prst="rect">
+            <a:avLst/>
+          </a:prstGeom>
+        </p:spPr>
+      </p:sp>
+      <p:sp>
+        <p:nvSpPr>
+          <p:cNvPr id="173" name="PlaceHolder 2"/>
+          <p:cNvSpPr>
+            <a:spLocks noGrp="1"/>
+          </p:cNvSpPr>
+          <p:nvPr>
+            <p:ph type="body"/>
+          </p:nvPr>
+        </p:nvSpPr>
+        <p:spPr>
+          <a:xfrm>
+            <a:off x="679680" y="4777200"/>
+            <a:ext cx="5436720" cy="3907080"/>
+          </a:xfrm>
+          <a:prstGeom prst="rect">
+            <a:avLst/>
+          </a:prstGeom>
+        </p:spPr>
+        <p:txBody>
+          <a:bodyPr lIns="0" rIns="0" tIns="0" bIns="0">
+            <a:noAutofit/>
+          </a:bodyPr>
+          <a:p>
+            <a:endParaRPr b="0" lang="en-US" sz="2000" spc="-1" strike="noStrike">
+              <a:latin typeface="Arial"/>
+            </a:endParaRPr>
+          </a:p>
+        </p:txBody>
+      </p:sp>
+      <p:sp>
+        <p:nvSpPr>
+          <p:cNvPr id="174" name="슬라이드 번호 개체 틀 3_6"/>
+          <p:cNvSpPr/>
+          <p:nvPr/>
+        </p:nvSpPr>
+        <p:spPr>
+          <a:xfrm>
+            <a:off x="3850560" y="9428760"/>
+            <a:ext cx="2944080" cy="496440"/>
+          </a:xfrm>
+          <a:prstGeom prst="rect">
+            <a:avLst/>
+          </a:prstGeom>
+          <a:noFill/>
+          <a:ln w="0">
+            <a:noFill/>
+          </a:ln>
+        </p:spPr>
+        <p:style>
+          <a:lnRef idx="0"/>
+          <a:fillRef idx="0"/>
+          <a:effectRef idx="0"/>
+          <a:fontRef idx="minor"/>
+        </p:style>
+        <p:txBody>
+          <a:bodyPr lIns="90000" rIns="90000" tIns="45000" bIns="45000" anchor="b">
+            <a:noAutofit/>
+          </a:bodyPr>
+          <a:p>
+            <a:pPr algn="r">
+              <a:lnSpc>
+                <a:spcPct val="100000"/>
+              </a:lnSpc>
+            </a:pPr>
+            <a:fld id="{15185355-A4AA-479D-83EB-D78AE39B953B}" type="slidenum">
+              <a:rPr b="0" lang="en-US" sz="1200" spc="-1" strike="noStrike">
+                <a:solidFill>
+                  <a:srgbClr val="000000"/>
+                </a:solidFill>
+                <a:latin typeface="Noto Serif CJK KR"/>
+              </a:rPr>
+              <a:t>&lt;number&gt;</a:t>
+            </a:fld>
+            <a:endParaRPr b="0" lang="en-US" sz="1200" spc="-1" strike="noStrike">
+              <a:latin typeface="Arial"/>
+            </a:endParaRPr>
+          </a:p>
+        </p:txBody>
+      </p:sp>
+    </p:spTree>
+  </p:cSld>
+</p:notes>
+</file>
+
+<file path=ppt/notesSlides/notesSlide9.xml><?xml version="1.0" encoding="utf-8"?>
+<p:notes xmlns:a="http://schemas.openxmlformats.org/drawingml/2006/main" xmlns:p="http://schemas.openxmlformats.org/presentationml/2006/main" xmlns:r="http://schemas.openxmlformats.org/officeDocument/2006/relationships" xmlns:p14="http://schemas.microsoft.com/office/powerpoint/2010/main" xmlns:p15="http://schemas.microsoft.com/office/powerpoint/2012/main" xmlns:mc="http://schemas.openxmlformats.org/markup-compatibility/2006">
+  <p:cSld>
+    <p:spTree>
+      <p:nvGrpSpPr>
+        <p:cNvPr id="1" name=""/>
+        <p:cNvGrpSpPr/>
+        <p:nvPr/>
+      </p:nvGrpSpPr>
+      <p:grpSpPr>
+        <a:xfrm>
+          <a:off x="0" y="0"/>
+          <a:ext cx="0" cy="0"/>
+          <a:chOff x="0" y="0"/>
+          <a:chExt cx="0" cy="0"/>
+        </a:xfrm>
+      </p:grpSpPr>
+      <p:sp>
+        <p:nvSpPr>
+          <p:cNvPr id="175" name="PlaceHolder 1"/>
+          <p:cNvSpPr>
+            <a:spLocks noGrp="1"/>
+          </p:cNvSpPr>
+          <p:nvPr>
+            <p:ph type="sldImg"/>
+          </p:nvPr>
+        </p:nvSpPr>
+        <p:spPr>
+          <a:xfrm>
+            <a:off x="1030320" y="1241280"/>
+            <a:ext cx="4735800" cy="3348360"/>
+          </a:xfrm>
+          <a:prstGeom prst="rect">
+            <a:avLst/>
+          </a:prstGeom>
+        </p:spPr>
+      </p:sp>
+      <p:sp>
+        <p:nvSpPr>
+          <p:cNvPr id="176" name="PlaceHolder 2"/>
+          <p:cNvSpPr>
+            <a:spLocks noGrp="1"/>
+          </p:cNvSpPr>
+          <p:nvPr>
+            <p:ph type="body"/>
+          </p:nvPr>
+        </p:nvSpPr>
+        <p:spPr>
+          <a:xfrm>
+            <a:off x="679680" y="4777200"/>
+            <a:ext cx="5436720" cy="3907080"/>
+          </a:xfrm>
+          <a:prstGeom prst="rect">
+            <a:avLst/>
+          </a:prstGeom>
+        </p:spPr>
+        <p:txBody>
+          <a:bodyPr lIns="0" rIns="0" tIns="0" bIns="0">
+            <a:noAutofit/>
+          </a:bodyPr>
+          <a:p>
+            <a:endParaRPr b="0" lang="en-US" sz="2000" spc="-1" strike="noStrike">
+              <a:latin typeface="Arial"/>
+            </a:endParaRPr>
+          </a:p>
+        </p:txBody>
+      </p:sp>
+      <p:sp>
+        <p:nvSpPr>
+          <p:cNvPr id="177" name="슬라이드 번호 개체 틀 3_7"/>
+          <p:cNvSpPr/>
+          <p:nvPr/>
+        </p:nvSpPr>
+        <p:spPr>
+          <a:xfrm>
+            <a:off x="3850560" y="9428760"/>
+            <a:ext cx="2944080" cy="496440"/>
+          </a:xfrm>
+          <a:prstGeom prst="rect">
+            <a:avLst/>
+          </a:prstGeom>
+          <a:noFill/>
+          <a:ln w="0">
+            <a:noFill/>
+          </a:ln>
+        </p:spPr>
+        <p:style>
+          <a:lnRef idx="0"/>
+          <a:fillRef idx="0"/>
+          <a:effectRef idx="0"/>
+          <a:fontRef idx="minor"/>
+        </p:style>
+        <p:txBody>
+          <a:bodyPr lIns="90000" rIns="90000" tIns="45000" bIns="45000" anchor="b">
+            <a:noAutofit/>
+          </a:bodyPr>
+          <a:p>
+            <a:pPr algn="r">
+              <a:lnSpc>
+                <a:spcPct val="100000"/>
+              </a:lnSpc>
+            </a:pPr>
+            <a:fld id="{ECDB8F95-9574-4ABA-8F0E-DF7DA0783BF0}" type="slidenum">
+              <a:rPr b="0" lang="en-US" sz="1200" spc="-1" strike="noStrike">
+                <a:solidFill>
+                  <a:srgbClr val="000000"/>
+                </a:solidFill>
                 <a:latin typeface="Noto Serif CJK KR"/>
               </a:rPr>
               <a:t>&lt;number&gt;</a:t>
@@ -3680,13 +4622,7 @@
               <a:rPr b="0" lang="en-US" sz="4400" spc="-1" strike="noStrike">
                 <a:latin typeface="Arial"/>
               </a:rPr>
-              <a:t>Click to edit the </a:t>
-            </a:r>
-            <a:r>
-              <a:rPr b="0" lang="en-US" sz="4400" spc="-1" strike="noStrike">
-                <a:latin typeface="Arial"/>
-              </a:rPr>
-              <a:t>title text format</a:t>
+              <a:t>Click to edit the title text format</a:t>
             </a:r>
             <a:endParaRPr b="0" lang="en-US" sz="4400" spc="-1" strike="noStrike">
               <a:latin typeface="Arial"/>
@@ -3981,13 +4917,13 @@
         </p:nvPicPr>
         <p:blipFill>
           <a:blip r:embed="rId2"/>
-          <a:srcRect l="0" t="28854" r="0" b="35559"/>
+          <a:srcRect l="0" t="28847" r="0" b="35552"/>
           <a:stretch/>
         </p:blipFill>
         <p:spPr>
           <a:xfrm>
             <a:off x="166680" y="7096320"/>
-            <a:ext cx="974160" cy="403560"/>
+            <a:ext cx="973440" cy="402840"/>
           </a:xfrm>
           <a:prstGeom prst="rect">
             <a:avLst/>
@@ -4006,7 +4942,7 @@
         <p:spPr>
           <a:xfrm>
             <a:off x="8191800" y="7160040"/>
-            <a:ext cx="2222640" cy="272520"/>
+            <a:ext cx="2221920" cy="272160"/>
           </a:xfrm>
           <a:prstGeom prst="rect">
             <a:avLst/>
@@ -4320,7 +5256,7 @@
         <p:spPr>
           <a:xfrm>
             <a:off x="9293760" y="-686880"/>
-            <a:ext cx="1259280" cy="311400"/>
+            <a:ext cx="1258560" cy="310680"/>
           </a:xfrm>
           <a:prstGeom prst="rect">
             <a:avLst/>
@@ -4381,7 +5317,7 @@
         <p:spPr>
           <a:xfrm>
             <a:off x="7698600" y="-686880"/>
-            <a:ext cx="1259280" cy="311400"/>
+            <a:ext cx="1258560" cy="310680"/>
           </a:xfrm>
           <a:prstGeom prst="rect">
             <a:avLst/>
@@ -4442,7 +5378,7 @@
         <p:spPr>
           <a:xfrm>
             <a:off x="6103800" y="-686880"/>
-            <a:ext cx="1259280" cy="311400"/>
+            <a:ext cx="1258560" cy="310680"/>
           </a:xfrm>
           <a:prstGeom prst="rect">
             <a:avLst/>
@@ -4503,7 +5439,7 @@
         <p:spPr>
           <a:xfrm>
             <a:off x="9293760" y="-1301400"/>
-            <a:ext cx="1259280" cy="311400"/>
+            <a:ext cx="1258560" cy="310680"/>
           </a:xfrm>
           <a:prstGeom prst="rect">
             <a:avLst/>
@@ -4564,7 +5500,7 @@
         <p:spPr>
           <a:xfrm>
             <a:off x="7724520" y="-1301400"/>
-            <a:ext cx="1259280" cy="311400"/>
+            <a:ext cx="1258560" cy="310680"/>
           </a:xfrm>
           <a:prstGeom prst="rect">
             <a:avLst/>
@@ -4625,7 +5561,7 @@
         <p:spPr>
           <a:xfrm>
             <a:off x="6129720" y="-1301400"/>
-            <a:ext cx="1259280" cy="311400"/>
+            <a:ext cx="1258560" cy="310680"/>
           </a:xfrm>
           <a:prstGeom prst="rect">
             <a:avLst/>
@@ -4686,7 +5622,7 @@
         <p:spPr>
           <a:xfrm>
             <a:off x="4533120" y="-686880"/>
-            <a:ext cx="1259280" cy="311400"/>
+            <a:ext cx="1258560" cy="310680"/>
           </a:xfrm>
           <a:prstGeom prst="rect">
             <a:avLst/>
@@ -4747,7 +5683,7 @@
         <p:spPr>
           <a:xfrm>
             <a:off x="4559040" y="-1301400"/>
-            <a:ext cx="1259280" cy="311400"/>
+            <a:ext cx="1258560" cy="310680"/>
           </a:xfrm>
           <a:prstGeom prst="rect">
             <a:avLst/>
@@ -4808,7 +5744,7 @@
         <p:spPr>
           <a:xfrm>
             <a:off x="8016480" y="5586120"/>
-            <a:ext cx="2553840" cy="1532160"/>
+            <a:ext cx="2553120" cy="1531800"/>
           </a:xfrm>
           <a:prstGeom prst="rect">
             <a:avLst/>
@@ -4948,13 +5884,13 @@
         </p:nvPicPr>
         <p:blipFill>
           <a:blip r:embed="rId1"/>
-          <a:srcRect l="0" t="25883" r="0" b="33977"/>
+          <a:srcRect l="0" t="25876" r="0" b="33970"/>
           <a:stretch/>
         </p:blipFill>
         <p:spPr>
           <a:xfrm>
             <a:off x="1797120" y="1799640"/>
-            <a:ext cx="6927480" cy="2779200"/>
+            <a:ext cx="6926760" cy="2778480"/>
           </a:xfrm>
           <a:prstGeom prst="rect">
             <a:avLst/>
@@ -4973,7 +5909,7 @@
         <p:spPr>
           <a:xfrm>
             <a:off x="3397680" y="4579560"/>
-            <a:ext cx="3726720" cy="577440"/>
+            <a:ext cx="3726000" cy="577080"/>
           </a:xfrm>
           <a:prstGeom prst="rect">
             <a:avLst/>
@@ -5035,6 +5971,2653 @@
           </a:p>
         </p:txBody>
       </p:sp>
+    </p:spTree>
+  </p:cSld>
+  <mc:AlternateContent>
+    <mc:Choice Requires="p14">
+      <p:transition spd="slow" p14:dur="2000"/>
+    </mc:Choice>
+    <mc:Fallback>
+      <p:transition spd="slow"/>
+    </mc:Fallback>
+  </mc:AlternateContent>
+</p:sld>
+</file>
+
+<file path=ppt/slides/slide10.xml><?xml version="1.0" encoding="utf-8"?>
+<p:sld xmlns:a="http://schemas.openxmlformats.org/drawingml/2006/main" xmlns:p="http://schemas.openxmlformats.org/presentationml/2006/main" xmlns:r="http://schemas.openxmlformats.org/officeDocument/2006/relationships" xmlns:p14="http://schemas.microsoft.com/office/powerpoint/2010/main" xmlns:p15="http://schemas.microsoft.com/office/powerpoint/2012/main" xmlns:mc="http://schemas.openxmlformats.org/markup-compatibility/2006">
+  <p:cSld>
+    <p:spTree>
+      <p:nvGrpSpPr>
+        <p:cNvPr id="1" name=""/>
+        <p:cNvGrpSpPr/>
+        <p:nvPr/>
+      </p:nvGrpSpPr>
+      <p:grpSpPr>
+        <a:xfrm>
+          <a:off x="0" y="0"/>
+          <a:ext cx="0" cy="0"/>
+          <a:chOff x="0" y="0"/>
+          <a:chExt cx="0" cy="0"/>
+        </a:xfrm>
+      </p:grpSpPr>
+      <p:sp>
+        <p:nvSpPr>
+          <p:cNvPr id="134" name="TextBox 21_8"/>
+          <p:cNvSpPr/>
+          <p:nvPr/>
+        </p:nvSpPr>
+        <p:spPr>
+          <a:xfrm>
+            <a:off x="621000" y="849240"/>
+            <a:ext cx="9818640" cy="5028840"/>
+          </a:xfrm>
+          <a:prstGeom prst="rect">
+            <a:avLst/>
+          </a:prstGeom>
+          <a:noFill/>
+          <a:ln w="0">
+            <a:noFill/>
+          </a:ln>
+        </p:spPr>
+        <p:style>
+          <a:lnRef idx="0"/>
+          <a:fillRef idx="0"/>
+          <a:effectRef idx="0"/>
+          <a:fontRef idx="minor"/>
+        </p:style>
+        <p:txBody>
+          <a:bodyPr lIns="90000" rIns="90000" tIns="45000" bIns="45000">
+            <a:spAutoFit/>
+          </a:bodyPr>
+          <a:p>
+            <a:pPr>
+              <a:lnSpc>
+                <a:spcPct val="100000"/>
+              </a:lnSpc>
+            </a:pPr>
+            <a:r>
+              <a:rPr b="0" lang="en-US" sz="2000" spc="-1" strike="noStrike">
+                <a:solidFill>
+                  <a:srgbClr val="000000"/>
+                </a:solidFill>
+                <a:latin typeface="현대하모니 L"/>
+                <a:ea typeface="현대하모니 L"/>
+              </a:rPr>
+              <a:t>8</a:t>
+            </a:r>
+            <a:r>
+              <a:rPr b="0" lang="en-US" sz="2000" spc="-1" strike="noStrike">
+                <a:solidFill>
+                  <a:srgbClr val="000000"/>
+                </a:solidFill>
+                <a:latin typeface="현대하모니 L"/>
+                <a:ea typeface="현대하모니 L"/>
+              </a:rPr>
+              <a:t>.</a:t>
+            </a:r>
+            <a:r>
+              <a:rPr b="0" lang="en-US" sz="2000" spc="-1" strike="noStrike">
+                <a:solidFill>
+                  <a:srgbClr val="000000"/>
+                </a:solidFill>
+                <a:latin typeface="현대하모니 L"/>
+                <a:ea typeface="현대하모니 L"/>
+              </a:rPr>
+              <a:t> </a:t>
+            </a:r>
+            <a:r>
+              <a:rPr b="0" lang="en-US" sz="2000" spc="-1" strike="noStrike">
+                <a:solidFill>
+                  <a:srgbClr val="000000"/>
+                </a:solidFill>
+                <a:latin typeface="현대하모니 L"/>
+                <a:ea typeface="현대하모니 L"/>
+              </a:rPr>
+              <a:t>a</a:t>
+            </a:r>
+            <a:r>
+              <a:rPr b="0" lang="en-US" sz="2000" spc="-1" strike="noStrike">
+                <a:solidFill>
+                  <a:srgbClr val="000000"/>
+                </a:solidFill>
+                <a:latin typeface="현대하모니 L"/>
+                <a:ea typeface="현대하모니 L"/>
+              </a:rPr>
+              <a:t>d</a:t>
+            </a:r>
+            <a:r>
+              <a:rPr b="0" lang="en-US" sz="2000" spc="-1" strike="noStrike">
+                <a:solidFill>
+                  <a:srgbClr val="000000"/>
+                </a:solidFill>
+                <a:latin typeface="현대하모니 L"/>
+                <a:ea typeface="현대하모니 L"/>
+              </a:rPr>
+              <a:t>d</a:t>
+            </a:r>
+            <a:r>
+              <a:rPr b="0" lang="en-US" sz="2000" spc="-1" strike="noStrike">
+                <a:solidFill>
+                  <a:srgbClr val="000000"/>
+                </a:solidFill>
+                <a:latin typeface="현대하모니 L"/>
+                <a:ea typeface="현대하모니 L"/>
+              </a:rPr>
+              <a:t>u</a:t>
+            </a:r>
+            <a:r>
+              <a:rPr b="0" lang="en-US" sz="2000" spc="-1" strike="noStrike">
+                <a:solidFill>
+                  <a:srgbClr val="000000"/>
+                </a:solidFill>
+                <a:latin typeface="현대하모니 L"/>
+                <a:ea typeface="현대하모니 L"/>
+              </a:rPr>
+              <a:t>s</a:t>
+            </a:r>
+            <a:r>
+              <a:rPr b="0" lang="en-US" sz="2000" spc="-1" strike="noStrike">
+                <a:solidFill>
+                  <a:srgbClr val="000000"/>
+                </a:solidFill>
+                <a:latin typeface="현대하모니 L"/>
+                <a:ea typeface="현대하모니 L"/>
+              </a:rPr>
+              <a:t>e</a:t>
+            </a:r>
+            <a:r>
+              <a:rPr b="0" lang="en-US" sz="2000" spc="-1" strike="noStrike">
+                <a:solidFill>
+                  <a:srgbClr val="000000"/>
+                </a:solidFill>
+                <a:latin typeface="현대하모니 L"/>
+                <a:ea typeface="현대하모니 L"/>
+              </a:rPr>
+              <a:t>r</a:t>
+            </a:r>
+            <a:endParaRPr b="0" lang="en-US" sz="2000" spc="-1" strike="noStrike">
+              <a:latin typeface="Arial"/>
+            </a:endParaRPr>
+          </a:p>
+          <a:p>
+            <a:pPr>
+              <a:lnSpc>
+                <a:spcPct val="100000"/>
+              </a:lnSpc>
+            </a:pPr>
+            <a:endParaRPr b="0" lang="en-US" sz="2000" spc="-1" strike="noStrike">
+              <a:latin typeface="Arial"/>
+            </a:endParaRPr>
+          </a:p>
+          <a:p>
+            <a:pPr>
+              <a:lnSpc>
+                <a:spcPct val="100000"/>
+              </a:lnSpc>
+            </a:pPr>
+            <a:r>
+              <a:rPr b="0" lang="ko-KR" sz="2000" spc="-1" strike="noStrike">
+                <a:solidFill>
+                  <a:srgbClr val="000000"/>
+                </a:solidFill>
+                <a:latin typeface="현대하모니 L"/>
+                <a:ea typeface="현대하모니 L"/>
+              </a:rPr>
+              <a:t>사</a:t>
+            </a:r>
+            <a:r>
+              <a:rPr b="0" lang="ko-KR" sz="2000" spc="-1" strike="noStrike">
+                <a:solidFill>
+                  <a:srgbClr val="000000"/>
+                </a:solidFill>
+                <a:latin typeface="현대하모니 L"/>
+                <a:ea typeface="현대하모니 L"/>
+              </a:rPr>
+              <a:t>용</a:t>
+            </a:r>
+            <a:r>
+              <a:rPr b="0" lang="ko-KR" sz="2000" spc="-1" strike="noStrike">
+                <a:solidFill>
+                  <a:srgbClr val="000000"/>
+                </a:solidFill>
+                <a:latin typeface="현대하모니 L"/>
+                <a:ea typeface="현대하모니 L"/>
+              </a:rPr>
+              <a:t>자</a:t>
+            </a:r>
+            <a:r>
+              <a:rPr b="0" lang="en-US" sz="2000" spc="-1" strike="noStrike">
+                <a:solidFill>
+                  <a:srgbClr val="000000"/>
+                </a:solidFill>
+                <a:latin typeface="현대하모니 L"/>
+                <a:ea typeface="현대하모니 L"/>
+              </a:rPr>
+              <a:t> </a:t>
+            </a:r>
+            <a:r>
+              <a:rPr b="0" lang="ko-KR" sz="2000" spc="-1" strike="noStrike">
+                <a:solidFill>
+                  <a:srgbClr val="000000"/>
+                </a:solidFill>
+                <a:latin typeface="현대하모니 L"/>
+                <a:ea typeface="현대하모니 L"/>
+              </a:rPr>
+              <a:t>계</a:t>
+            </a:r>
+            <a:r>
+              <a:rPr b="0" lang="ko-KR" sz="2000" spc="-1" strike="noStrike">
+                <a:solidFill>
+                  <a:srgbClr val="000000"/>
+                </a:solidFill>
+                <a:latin typeface="현대하모니 L"/>
+                <a:ea typeface="현대하모니 L"/>
+              </a:rPr>
+              <a:t>정</a:t>
+            </a:r>
+            <a:r>
+              <a:rPr b="0" lang="ko-KR" sz="2000" spc="-1" strike="noStrike">
+                <a:solidFill>
+                  <a:srgbClr val="000000"/>
+                </a:solidFill>
+                <a:latin typeface="현대하모니 L"/>
+                <a:ea typeface="현대하모니 L"/>
+              </a:rPr>
+              <a:t>을</a:t>
+            </a:r>
+            <a:r>
+              <a:rPr b="0" lang="en-US" sz="2000" spc="-1" strike="noStrike">
+                <a:solidFill>
+                  <a:srgbClr val="000000"/>
+                </a:solidFill>
+                <a:latin typeface="현대하모니 L"/>
+                <a:ea typeface="현대하모니 L"/>
+              </a:rPr>
+              <a:t> </a:t>
+            </a:r>
+            <a:r>
+              <a:rPr b="0" lang="ko-KR" sz="2000" spc="-1" strike="noStrike">
+                <a:solidFill>
+                  <a:srgbClr val="000000"/>
+                </a:solidFill>
+                <a:latin typeface="현대하모니 L"/>
+                <a:ea typeface="현대하모니 L"/>
+              </a:rPr>
+              <a:t>추</a:t>
+            </a:r>
+            <a:r>
+              <a:rPr b="0" lang="ko-KR" sz="2000" spc="-1" strike="noStrike">
+                <a:solidFill>
+                  <a:srgbClr val="000000"/>
+                </a:solidFill>
+                <a:latin typeface="현대하모니 L"/>
+                <a:ea typeface="현대하모니 L"/>
+              </a:rPr>
+              <a:t>가</a:t>
+            </a:r>
+            <a:r>
+              <a:rPr b="0" lang="ko-KR" sz="2000" spc="-1" strike="noStrike">
+                <a:solidFill>
+                  <a:srgbClr val="000000"/>
+                </a:solidFill>
+                <a:latin typeface="현대하모니 L"/>
+                <a:ea typeface="현대하모니 L"/>
+              </a:rPr>
+              <a:t>하</a:t>
+            </a:r>
+            <a:r>
+              <a:rPr b="0" lang="ko-KR" sz="2000" spc="-1" strike="noStrike">
+                <a:solidFill>
+                  <a:srgbClr val="000000"/>
+                </a:solidFill>
+                <a:latin typeface="현대하모니 L"/>
+                <a:ea typeface="현대하모니 L"/>
+              </a:rPr>
+              <a:t>는</a:t>
+            </a:r>
+            <a:r>
+              <a:rPr b="0" lang="en-US" sz="2000" spc="-1" strike="noStrike">
+                <a:solidFill>
+                  <a:srgbClr val="000000"/>
+                </a:solidFill>
+                <a:latin typeface="현대하모니 L"/>
+                <a:ea typeface="현대하모니 L"/>
+              </a:rPr>
+              <a:t> </a:t>
+            </a:r>
+            <a:r>
+              <a:rPr b="0" lang="ko-KR" sz="2000" spc="-1" strike="noStrike">
+                <a:solidFill>
+                  <a:srgbClr val="000000"/>
+                </a:solidFill>
+                <a:latin typeface="현대하모니 L"/>
+                <a:ea typeface="현대하모니 L"/>
+              </a:rPr>
+              <a:t>명</a:t>
+            </a:r>
+            <a:r>
+              <a:rPr b="0" lang="ko-KR" sz="2000" spc="-1" strike="noStrike">
+                <a:solidFill>
+                  <a:srgbClr val="000000"/>
+                </a:solidFill>
+                <a:latin typeface="현대하모니 L"/>
+                <a:ea typeface="현대하모니 L"/>
+              </a:rPr>
+              <a:t>령</a:t>
+            </a:r>
+            <a:r>
+              <a:rPr b="0" lang="ko-KR" sz="2000" spc="-1" strike="noStrike">
+                <a:solidFill>
+                  <a:srgbClr val="000000"/>
+                </a:solidFill>
+                <a:latin typeface="현대하모니 L"/>
+                <a:ea typeface="현대하모니 L"/>
+              </a:rPr>
+              <a:t>어</a:t>
+            </a:r>
+            <a:r>
+              <a:rPr b="0" lang="ko-KR" sz="2000" spc="-1" strike="noStrike">
+                <a:solidFill>
+                  <a:srgbClr val="000000"/>
+                </a:solidFill>
+                <a:latin typeface="현대하모니 L"/>
+                <a:ea typeface="현대하모니 L"/>
+              </a:rPr>
+              <a:t>이</a:t>
+            </a:r>
+            <a:r>
+              <a:rPr b="0" lang="ko-KR" sz="2000" spc="-1" strike="noStrike">
+                <a:solidFill>
+                  <a:srgbClr val="000000"/>
+                </a:solidFill>
+                <a:latin typeface="현대하모니 L"/>
+                <a:ea typeface="현대하모니 L"/>
+              </a:rPr>
+              <a:t>며</a:t>
+            </a:r>
+            <a:r>
+              <a:rPr b="0" lang="en-US" sz="2000" spc="-1" strike="noStrike">
+                <a:solidFill>
+                  <a:srgbClr val="000000"/>
+                </a:solidFill>
+                <a:latin typeface="현대하모니 L"/>
+                <a:ea typeface="현대하모니 L"/>
+              </a:rPr>
+              <a:t> </a:t>
+            </a:r>
+            <a:r>
+              <a:rPr b="0" lang="ko-KR" sz="2000" spc="-1" strike="noStrike">
+                <a:solidFill>
+                  <a:srgbClr val="000000"/>
+                </a:solidFill>
+                <a:latin typeface="현대하모니 L"/>
+                <a:ea typeface="현대하모니 L"/>
+              </a:rPr>
+              <a:t>사</a:t>
+            </a:r>
+            <a:r>
+              <a:rPr b="0" lang="ko-KR" sz="2000" spc="-1" strike="noStrike">
+                <a:solidFill>
+                  <a:srgbClr val="000000"/>
+                </a:solidFill>
+                <a:latin typeface="현대하모니 L"/>
+                <a:ea typeface="현대하모니 L"/>
+              </a:rPr>
+              <a:t>용</a:t>
+            </a:r>
+            <a:r>
+              <a:rPr b="0" lang="ko-KR" sz="2000" spc="-1" strike="noStrike">
+                <a:solidFill>
+                  <a:srgbClr val="000000"/>
+                </a:solidFill>
+                <a:latin typeface="현대하모니 L"/>
+                <a:ea typeface="현대하모니 L"/>
+              </a:rPr>
+              <a:t>법</a:t>
+            </a:r>
+            <a:r>
+              <a:rPr b="0" lang="ko-KR" sz="2000" spc="-1" strike="noStrike">
+                <a:solidFill>
+                  <a:srgbClr val="000000"/>
+                </a:solidFill>
+                <a:latin typeface="현대하모니 L"/>
+                <a:ea typeface="현대하모니 L"/>
+              </a:rPr>
+              <a:t>은</a:t>
+            </a:r>
+            <a:r>
+              <a:rPr b="0" lang="en-US" sz="2000" spc="-1" strike="noStrike">
+                <a:solidFill>
+                  <a:srgbClr val="000000"/>
+                </a:solidFill>
+                <a:latin typeface="현대하모니 L"/>
+                <a:ea typeface="현대하모니 L"/>
+              </a:rPr>
+              <a:t> </a:t>
+            </a:r>
+            <a:r>
+              <a:rPr b="0" lang="en-US" sz="2000" spc="-1" strike="noStrike">
+                <a:solidFill>
+                  <a:srgbClr val="000000"/>
+                </a:solidFill>
+                <a:latin typeface="현대하모니 L"/>
+                <a:ea typeface="현대하모니 L"/>
+              </a:rPr>
+              <a:t>s</a:t>
+            </a:r>
+            <a:r>
+              <a:rPr b="0" lang="en-US" sz="2000" spc="-1" strike="noStrike">
+                <a:solidFill>
+                  <a:srgbClr val="000000"/>
+                </a:solidFill>
+                <a:latin typeface="현대하모니 L"/>
+                <a:ea typeface="현대하모니 L"/>
+              </a:rPr>
+              <a:t>u</a:t>
+            </a:r>
+            <a:r>
+              <a:rPr b="0" lang="en-US" sz="2000" spc="-1" strike="noStrike">
+                <a:solidFill>
+                  <a:srgbClr val="000000"/>
+                </a:solidFill>
+                <a:latin typeface="현대하모니 L"/>
+                <a:ea typeface="현대하모니 L"/>
+              </a:rPr>
+              <a:t>d</a:t>
+            </a:r>
+            <a:r>
+              <a:rPr b="0" lang="en-US" sz="2000" spc="-1" strike="noStrike">
+                <a:solidFill>
+                  <a:srgbClr val="000000"/>
+                </a:solidFill>
+                <a:latin typeface="현대하모니 L"/>
+                <a:ea typeface="현대하모니 L"/>
+              </a:rPr>
+              <a:t>o</a:t>
+            </a:r>
+            <a:r>
+              <a:rPr b="0" lang="en-US" sz="2000" spc="-1" strike="noStrike">
+                <a:solidFill>
+                  <a:srgbClr val="000000"/>
+                </a:solidFill>
+                <a:latin typeface="현대하모니 L"/>
+                <a:ea typeface="현대하모니 L"/>
+              </a:rPr>
+              <a:t> </a:t>
+            </a:r>
+            <a:r>
+              <a:rPr b="0" lang="en-US" sz="2000" spc="-1" strike="noStrike">
+                <a:solidFill>
+                  <a:srgbClr val="000000"/>
+                </a:solidFill>
+                <a:latin typeface="현대하모니 L"/>
+                <a:ea typeface="현대하모니 L"/>
+              </a:rPr>
+              <a:t>a</a:t>
+            </a:r>
+            <a:r>
+              <a:rPr b="0" lang="en-US" sz="2000" spc="-1" strike="noStrike">
+                <a:solidFill>
+                  <a:srgbClr val="000000"/>
+                </a:solidFill>
+                <a:latin typeface="현대하모니 L"/>
+                <a:ea typeface="현대하모니 L"/>
+              </a:rPr>
+              <a:t>d</a:t>
+            </a:r>
+            <a:r>
+              <a:rPr b="0" lang="en-US" sz="2000" spc="-1" strike="noStrike">
+                <a:solidFill>
+                  <a:srgbClr val="000000"/>
+                </a:solidFill>
+                <a:latin typeface="현대하모니 L"/>
+                <a:ea typeface="현대하모니 L"/>
+              </a:rPr>
+              <a:t>d</a:t>
+            </a:r>
+            <a:r>
+              <a:rPr b="0" lang="en-US" sz="2000" spc="-1" strike="noStrike">
+                <a:solidFill>
+                  <a:srgbClr val="000000"/>
+                </a:solidFill>
+                <a:latin typeface="현대하모니 L"/>
+                <a:ea typeface="현대하모니 L"/>
+              </a:rPr>
+              <a:t>u</a:t>
+            </a:r>
+            <a:r>
+              <a:rPr b="0" lang="en-US" sz="2000" spc="-1" strike="noStrike">
+                <a:solidFill>
+                  <a:srgbClr val="000000"/>
+                </a:solidFill>
+                <a:latin typeface="현대하모니 L"/>
+                <a:ea typeface="현대하모니 L"/>
+              </a:rPr>
+              <a:t>s</a:t>
+            </a:r>
+            <a:r>
+              <a:rPr b="0" lang="en-US" sz="2000" spc="-1" strike="noStrike">
+                <a:solidFill>
+                  <a:srgbClr val="000000"/>
+                </a:solidFill>
+                <a:latin typeface="현대하모니 L"/>
+                <a:ea typeface="현대하모니 L"/>
+              </a:rPr>
+              <a:t>e</a:t>
+            </a:r>
+            <a:r>
+              <a:rPr b="0" lang="en-US" sz="2000" spc="-1" strike="noStrike">
+                <a:solidFill>
+                  <a:srgbClr val="000000"/>
+                </a:solidFill>
+                <a:latin typeface="현대하모니 L"/>
+                <a:ea typeface="현대하모니 L"/>
+              </a:rPr>
+              <a:t>r</a:t>
+            </a:r>
+            <a:r>
+              <a:rPr b="0" lang="en-US" sz="2000" spc="-1" strike="noStrike">
+                <a:solidFill>
+                  <a:srgbClr val="000000"/>
+                </a:solidFill>
+                <a:latin typeface="현대하모니 L"/>
+                <a:ea typeface="현대하모니 L"/>
+              </a:rPr>
+              <a:t> </a:t>
+            </a:r>
+            <a:r>
+              <a:rPr b="0" lang="ko-KR" sz="2000" spc="-1" strike="noStrike">
+                <a:solidFill>
+                  <a:srgbClr val="000000"/>
+                </a:solidFill>
+                <a:latin typeface="현대하모니 L"/>
+                <a:ea typeface="현대하모니 L"/>
+              </a:rPr>
+              <a:t>계</a:t>
+            </a:r>
+            <a:r>
+              <a:rPr b="0" lang="ko-KR" sz="2000" spc="-1" strike="noStrike">
+                <a:solidFill>
+                  <a:srgbClr val="000000"/>
+                </a:solidFill>
+                <a:latin typeface="현대하모니 L"/>
+                <a:ea typeface="현대하모니 L"/>
+              </a:rPr>
+              <a:t>정</a:t>
+            </a:r>
+            <a:r>
+              <a:rPr b="0" lang="ko-KR" sz="2000" spc="-1" strike="noStrike">
+                <a:solidFill>
+                  <a:srgbClr val="000000"/>
+                </a:solidFill>
+                <a:latin typeface="현대하모니 L"/>
+                <a:ea typeface="현대하모니 L"/>
+              </a:rPr>
+              <a:t>명</a:t>
+            </a:r>
+            <a:r>
+              <a:rPr b="0" lang="en-US" sz="2000" spc="-1" strike="noStrike">
+                <a:solidFill>
+                  <a:srgbClr val="000000"/>
+                </a:solidFill>
+                <a:latin typeface="현대하모니 L"/>
+                <a:ea typeface="현대하모니 L"/>
+              </a:rPr>
+              <a:t> </a:t>
+            </a:r>
+            <a:r>
+              <a:rPr b="0" lang="ko-KR" sz="2000" spc="-1" strike="noStrike">
+                <a:solidFill>
+                  <a:srgbClr val="000000"/>
+                </a:solidFill>
+                <a:latin typeface="현대하모니 L"/>
+                <a:ea typeface="현대하모니 L"/>
+              </a:rPr>
+              <a:t>이</a:t>
+            </a:r>
+            <a:r>
+              <a:rPr b="0" lang="ko-KR" sz="2000" spc="-1" strike="noStrike">
+                <a:solidFill>
+                  <a:srgbClr val="000000"/>
+                </a:solidFill>
+                <a:latin typeface="현대하모니 L"/>
+                <a:ea typeface="현대하모니 L"/>
+              </a:rPr>
+              <a:t>다</a:t>
+            </a:r>
+            <a:r>
+              <a:rPr b="0" lang="en-US" sz="2000" spc="-1" strike="noStrike">
+                <a:solidFill>
+                  <a:srgbClr val="000000"/>
+                </a:solidFill>
+                <a:latin typeface="현대하모니 L"/>
+                <a:ea typeface="현대하모니 L"/>
+              </a:rPr>
+              <a:t>.</a:t>
+            </a:r>
+            <a:endParaRPr b="0" lang="en-US" sz="2000" spc="-1" strike="noStrike">
+              <a:latin typeface="Arial"/>
+            </a:endParaRPr>
+          </a:p>
+          <a:p>
+            <a:pPr>
+              <a:lnSpc>
+                <a:spcPct val="100000"/>
+              </a:lnSpc>
+            </a:pPr>
+            <a:endParaRPr b="0" lang="en-US" sz="2000" spc="-1" strike="noStrike">
+              <a:latin typeface="Arial"/>
+            </a:endParaRPr>
+          </a:p>
+          <a:p>
+            <a:pPr>
+              <a:lnSpc>
+                <a:spcPct val="100000"/>
+              </a:lnSpc>
+            </a:pPr>
+            <a:endParaRPr b="0" lang="en-US" sz="2000" spc="-1" strike="noStrike">
+              <a:latin typeface="Arial"/>
+            </a:endParaRPr>
+          </a:p>
+          <a:p>
+            <a:pPr>
+              <a:lnSpc>
+                <a:spcPct val="100000"/>
+              </a:lnSpc>
+            </a:pPr>
+            <a:endParaRPr b="0" lang="en-US" sz="2000" spc="-1" strike="noStrike">
+              <a:latin typeface="Arial"/>
+            </a:endParaRPr>
+          </a:p>
+          <a:p>
+            <a:pPr>
+              <a:lnSpc>
+                <a:spcPct val="100000"/>
+              </a:lnSpc>
+            </a:pPr>
+            <a:endParaRPr b="0" lang="en-US" sz="2000" spc="-1" strike="noStrike">
+              <a:latin typeface="Arial"/>
+            </a:endParaRPr>
+          </a:p>
+          <a:p>
+            <a:pPr>
+              <a:lnSpc>
+                <a:spcPct val="100000"/>
+              </a:lnSpc>
+            </a:pPr>
+            <a:endParaRPr b="0" lang="en-US" sz="2000" spc="-1" strike="noStrike">
+              <a:latin typeface="Arial"/>
+            </a:endParaRPr>
+          </a:p>
+          <a:p>
+            <a:pPr>
+              <a:lnSpc>
+                <a:spcPct val="100000"/>
+              </a:lnSpc>
+            </a:pPr>
+            <a:endParaRPr b="0" lang="en-US" sz="2000" spc="-1" strike="noStrike">
+              <a:latin typeface="Arial"/>
+            </a:endParaRPr>
+          </a:p>
+          <a:p>
+            <a:pPr>
+              <a:lnSpc>
+                <a:spcPct val="100000"/>
+              </a:lnSpc>
+            </a:pPr>
+            <a:endParaRPr b="0" lang="en-US" sz="2000" spc="-1" strike="noStrike">
+              <a:latin typeface="Arial"/>
+            </a:endParaRPr>
+          </a:p>
+          <a:p>
+            <a:pPr>
+              <a:lnSpc>
+                <a:spcPct val="100000"/>
+              </a:lnSpc>
+            </a:pPr>
+            <a:endParaRPr b="0" lang="en-US" sz="2000" spc="-1" strike="noStrike">
+              <a:latin typeface="Arial"/>
+            </a:endParaRPr>
+          </a:p>
+          <a:p>
+            <a:pPr>
+              <a:lnSpc>
+                <a:spcPct val="100000"/>
+              </a:lnSpc>
+            </a:pPr>
+            <a:endParaRPr b="0" lang="en-US" sz="2000" spc="-1" strike="noStrike">
+              <a:latin typeface="Arial"/>
+            </a:endParaRPr>
+          </a:p>
+          <a:p>
+            <a:pPr>
+              <a:lnSpc>
+                <a:spcPct val="100000"/>
+              </a:lnSpc>
+            </a:pPr>
+            <a:endParaRPr b="0" lang="en-US" sz="2000" spc="-1" strike="noStrike">
+              <a:latin typeface="Arial"/>
+            </a:endParaRPr>
+          </a:p>
+          <a:p>
+            <a:pPr>
+              <a:lnSpc>
+                <a:spcPct val="100000"/>
+              </a:lnSpc>
+            </a:pPr>
+            <a:endParaRPr b="0" lang="en-US" sz="2000" spc="-1" strike="noStrike">
+              <a:latin typeface="Arial"/>
+            </a:endParaRPr>
+          </a:p>
+          <a:p>
+            <a:pPr>
+              <a:lnSpc>
+                <a:spcPct val="100000"/>
+              </a:lnSpc>
+            </a:pPr>
+            <a:endParaRPr b="0" lang="en-US" sz="2000" spc="-1" strike="noStrike">
+              <a:latin typeface="Arial"/>
+            </a:endParaRPr>
+          </a:p>
+          <a:p>
+            <a:pPr>
+              <a:lnSpc>
+                <a:spcPct val="100000"/>
+              </a:lnSpc>
+            </a:pPr>
+            <a:endParaRPr b="0" lang="en-US" sz="2000" spc="-1" strike="noStrike">
+              <a:latin typeface="Arial"/>
+            </a:endParaRPr>
+          </a:p>
+          <a:p>
+            <a:pPr>
+              <a:lnSpc>
+                <a:spcPct val="100000"/>
+              </a:lnSpc>
+            </a:pPr>
+            <a:endParaRPr b="0" lang="en-US" sz="2000" spc="-1" strike="noStrike">
+              <a:latin typeface="Arial"/>
+            </a:endParaRPr>
+          </a:p>
+          <a:p>
+            <a:pPr>
+              <a:lnSpc>
+                <a:spcPct val="100000"/>
+              </a:lnSpc>
+            </a:pPr>
+            <a:endParaRPr b="0" lang="en-US" sz="2000" spc="-1" strike="noStrike">
+              <a:latin typeface="Arial"/>
+            </a:endParaRPr>
+          </a:p>
+        </p:txBody>
+      </p:sp>
+      <p:sp>
+        <p:nvSpPr>
+          <p:cNvPr id="135" name="TextBox 1_8"/>
+          <p:cNvSpPr/>
+          <p:nvPr/>
+        </p:nvSpPr>
+        <p:spPr>
+          <a:xfrm>
+            <a:off x="4668120" y="7177320"/>
+            <a:ext cx="954000" cy="272160"/>
+          </a:xfrm>
+          <a:prstGeom prst="rect">
+            <a:avLst/>
+          </a:prstGeom>
+          <a:noFill/>
+          <a:ln w="0">
+            <a:noFill/>
+          </a:ln>
+        </p:spPr>
+        <p:style>
+          <a:lnRef idx="0"/>
+          <a:fillRef idx="0"/>
+          <a:effectRef idx="0"/>
+          <a:fontRef idx="minor"/>
+        </p:style>
+        <p:txBody>
+          <a:bodyPr lIns="90000" rIns="90000" tIns="45000" bIns="45000">
+            <a:spAutoFit/>
+          </a:bodyPr>
+          <a:p>
+            <a:pPr algn="ctr">
+              <a:lnSpc>
+                <a:spcPct val="100000"/>
+              </a:lnSpc>
+            </a:pPr>
+            <a:r>
+              <a:rPr b="0" lang="en-US" sz="1200" spc="-1" strike="noStrike">
+                <a:solidFill>
+                  <a:srgbClr val="000000"/>
+                </a:solidFill>
+                <a:latin typeface="현대하모니 L"/>
+                <a:ea typeface="현대하모니 L"/>
+              </a:rPr>
+              <a:t>00/00</a:t>
+            </a:r>
+            <a:endParaRPr b="0" lang="en-US" sz="1200" spc="-1" strike="noStrike">
+              <a:latin typeface="Arial"/>
+            </a:endParaRPr>
+          </a:p>
+        </p:txBody>
+      </p:sp>
+      <p:sp>
+        <p:nvSpPr>
+          <p:cNvPr id="136" name="TextBox 5_8"/>
+          <p:cNvSpPr/>
+          <p:nvPr/>
+        </p:nvSpPr>
+        <p:spPr>
+          <a:xfrm>
+            <a:off x="327600" y="45000"/>
+            <a:ext cx="4655160" cy="546480"/>
+          </a:xfrm>
+          <a:prstGeom prst="rect">
+            <a:avLst/>
+          </a:prstGeom>
+          <a:noFill/>
+          <a:ln w="0">
+            <a:noFill/>
+          </a:ln>
+        </p:spPr>
+        <p:style>
+          <a:lnRef idx="0"/>
+          <a:fillRef idx="0"/>
+          <a:effectRef idx="0"/>
+          <a:fontRef idx="minor"/>
+        </p:style>
+        <p:txBody>
+          <a:bodyPr lIns="90000" rIns="90000" tIns="45000" bIns="45000">
+            <a:spAutoFit/>
+          </a:bodyPr>
+          <a:p>
+            <a:pPr>
+              <a:lnSpc>
+                <a:spcPct val="100000"/>
+              </a:lnSpc>
+            </a:pPr>
+            <a:r>
+              <a:rPr b="0" lang="en-US" sz="3000" spc="-1" strike="noStrike">
+                <a:solidFill>
+                  <a:srgbClr val="000000"/>
+                </a:solidFill>
+                <a:latin typeface="현대하모니 L"/>
+                <a:ea typeface="현대하모니 L"/>
+              </a:rPr>
+              <a:t>1. </a:t>
+            </a:r>
+            <a:r>
+              <a:rPr b="0" lang="ko-KR" sz="3000" spc="-1" strike="noStrike">
+                <a:solidFill>
+                  <a:srgbClr val="000000"/>
+                </a:solidFill>
+                <a:latin typeface="현대하모니 L"/>
+                <a:ea typeface="현대하모니 L"/>
+              </a:rPr>
+              <a:t>리눅스 명령어 복습</a:t>
+            </a:r>
+            <a:endParaRPr b="0" lang="en-US" sz="3000" spc="-1" strike="noStrike">
+              <a:latin typeface="Arial"/>
+            </a:endParaRPr>
+          </a:p>
+        </p:txBody>
+      </p:sp>
+    </p:spTree>
+  </p:cSld>
+  <mc:AlternateContent>
+    <mc:Choice Requires="p14">
+      <p:transition spd="slow" p14:dur="2000"/>
+    </mc:Choice>
+    <mc:Fallback>
+      <p:transition spd="slow"/>
+    </mc:Fallback>
+  </mc:AlternateContent>
+</p:sld>
+</file>
+
+<file path=ppt/slides/slide11.xml><?xml version="1.0" encoding="utf-8"?>
+<p:sld xmlns:a="http://schemas.openxmlformats.org/drawingml/2006/main" xmlns:p="http://schemas.openxmlformats.org/presentationml/2006/main" xmlns:r="http://schemas.openxmlformats.org/officeDocument/2006/relationships" xmlns:p14="http://schemas.microsoft.com/office/powerpoint/2010/main" xmlns:p15="http://schemas.microsoft.com/office/powerpoint/2012/main" xmlns:mc="http://schemas.openxmlformats.org/markup-compatibility/2006">
+  <p:cSld>
+    <p:spTree>
+      <p:nvGrpSpPr>
+        <p:cNvPr id="1" name=""/>
+        <p:cNvGrpSpPr/>
+        <p:nvPr/>
+      </p:nvGrpSpPr>
+      <p:grpSpPr>
+        <a:xfrm>
+          <a:off x="0" y="0"/>
+          <a:ext cx="0" cy="0"/>
+          <a:chOff x="0" y="0"/>
+          <a:chExt cx="0" cy="0"/>
+        </a:xfrm>
+      </p:grpSpPr>
+      <p:sp>
+        <p:nvSpPr>
+          <p:cNvPr id="137" name="TextBox 21_9"/>
+          <p:cNvSpPr/>
+          <p:nvPr/>
+        </p:nvSpPr>
+        <p:spPr>
+          <a:xfrm>
+            <a:off x="621000" y="849240"/>
+            <a:ext cx="9818640" cy="5806080"/>
+          </a:xfrm>
+          <a:prstGeom prst="rect">
+            <a:avLst/>
+          </a:prstGeom>
+          <a:noFill/>
+          <a:ln w="0">
+            <a:noFill/>
+          </a:ln>
+        </p:spPr>
+        <p:style>
+          <a:lnRef idx="0"/>
+          <a:fillRef idx="0"/>
+          <a:effectRef idx="0"/>
+          <a:fontRef idx="minor"/>
+        </p:style>
+        <p:txBody>
+          <a:bodyPr lIns="90000" rIns="90000" tIns="45000" bIns="45000">
+            <a:spAutoFit/>
+          </a:bodyPr>
+          <a:p>
+            <a:pPr>
+              <a:lnSpc>
+                <a:spcPct val="100000"/>
+              </a:lnSpc>
+            </a:pPr>
+            <a:r>
+              <a:rPr b="0" lang="en-US" sz="2000" spc="-1" strike="noStrike">
+                <a:solidFill>
+                  <a:srgbClr val="000000"/>
+                </a:solidFill>
+                <a:latin typeface="현대하모니 L"/>
+                <a:ea typeface="현대하모니 L"/>
+              </a:rPr>
+              <a:t>9. rm</a:t>
+            </a:r>
+            <a:endParaRPr b="0" lang="en-US" sz="2000" spc="-1" strike="noStrike">
+              <a:latin typeface="Arial"/>
+            </a:endParaRPr>
+          </a:p>
+          <a:p>
+            <a:pPr>
+              <a:lnSpc>
+                <a:spcPct val="100000"/>
+              </a:lnSpc>
+            </a:pPr>
+            <a:endParaRPr b="0" lang="en-US" sz="2000" spc="-1" strike="noStrike">
+              <a:latin typeface="Arial"/>
+            </a:endParaRPr>
+          </a:p>
+          <a:p>
+            <a:pPr>
+              <a:lnSpc>
+                <a:spcPct val="100000"/>
+              </a:lnSpc>
+            </a:pPr>
+            <a:r>
+              <a:rPr b="0" lang="ko-KR" sz="2000" spc="-1" strike="noStrike">
+                <a:solidFill>
+                  <a:srgbClr val="000000"/>
+                </a:solidFill>
+                <a:latin typeface="현대하모니 L"/>
+                <a:ea typeface="현대하모니 L"/>
+              </a:rPr>
+              <a:t>파일 또는 디렉토리를 삭제하는 명령어이다</a:t>
+            </a:r>
+            <a:r>
+              <a:rPr b="0" lang="en-US" sz="2000" spc="-1" strike="noStrike">
+                <a:solidFill>
+                  <a:srgbClr val="000000"/>
+                </a:solidFill>
+                <a:latin typeface="현대하모니 L"/>
+                <a:ea typeface="현대하모니 L"/>
+              </a:rPr>
+              <a:t>.</a:t>
+            </a:r>
+            <a:endParaRPr b="0" lang="en-US" sz="2000" spc="-1" strike="noStrike">
+              <a:latin typeface="Arial"/>
+            </a:endParaRPr>
+          </a:p>
+          <a:p>
+            <a:pPr>
+              <a:lnSpc>
+                <a:spcPct val="100000"/>
+              </a:lnSpc>
+            </a:pPr>
+            <a:endParaRPr b="0" lang="en-US" sz="2000" spc="-1" strike="noStrike">
+              <a:latin typeface="Arial"/>
+            </a:endParaRPr>
+          </a:p>
+          <a:p>
+            <a:pPr>
+              <a:lnSpc>
+                <a:spcPct val="100000"/>
+              </a:lnSpc>
+            </a:pPr>
+            <a:endParaRPr b="0" lang="en-US" sz="2000" spc="-1" strike="noStrike">
+              <a:latin typeface="Arial"/>
+            </a:endParaRPr>
+          </a:p>
+          <a:p>
+            <a:pPr>
+              <a:lnSpc>
+                <a:spcPct val="100000"/>
+              </a:lnSpc>
+            </a:pPr>
+            <a:endParaRPr b="0" lang="en-US" sz="2000" spc="-1" strike="noStrike">
+              <a:latin typeface="Arial"/>
+            </a:endParaRPr>
+          </a:p>
+          <a:p>
+            <a:pPr>
+              <a:lnSpc>
+                <a:spcPct val="100000"/>
+              </a:lnSpc>
+            </a:pPr>
+            <a:endParaRPr b="0" lang="en-US" sz="2000" spc="-1" strike="noStrike">
+              <a:latin typeface="Arial"/>
+            </a:endParaRPr>
+          </a:p>
+          <a:p>
+            <a:pPr>
+              <a:lnSpc>
+                <a:spcPct val="100000"/>
+              </a:lnSpc>
+            </a:pPr>
+            <a:endParaRPr b="0" lang="en-US" sz="2000" spc="-1" strike="noStrike">
+              <a:latin typeface="Arial"/>
+            </a:endParaRPr>
+          </a:p>
+          <a:p>
+            <a:pPr>
+              <a:lnSpc>
+                <a:spcPct val="100000"/>
+              </a:lnSpc>
+            </a:pPr>
+            <a:endParaRPr b="0" lang="en-US" sz="2000" spc="-1" strike="noStrike">
+              <a:latin typeface="Arial"/>
+            </a:endParaRPr>
+          </a:p>
+          <a:p>
+            <a:pPr>
+              <a:lnSpc>
+                <a:spcPct val="100000"/>
+              </a:lnSpc>
+            </a:pPr>
+            <a:endParaRPr b="0" lang="en-US" sz="2000" spc="-1" strike="noStrike">
+              <a:latin typeface="Arial"/>
+            </a:endParaRPr>
+          </a:p>
+          <a:p>
+            <a:pPr>
+              <a:lnSpc>
+                <a:spcPct val="100000"/>
+              </a:lnSpc>
+            </a:pPr>
+            <a:r>
+              <a:rPr b="0" lang="en-US" sz="2000" spc="-1" strike="noStrike">
+                <a:solidFill>
+                  <a:srgbClr val="000000"/>
+                </a:solidFill>
+                <a:latin typeface="현대하모니 L"/>
+                <a:ea typeface="현대하모니 L"/>
+              </a:rPr>
+              <a:t>1) </a:t>
+            </a:r>
+            <a:r>
+              <a:rPr b="0" lang="ko-KR" sz="2000" spc="-1" strike="noStrike">
+                <a:solidFill>
+                  <a:srgbClr val="000000"/>
+                </a:solidFill>
+                <a:latin typeface="현대하모니 L"/>
+                <a:ea typeface="현대하모니 L"/>
+              </a:rPr>
+              <a:t>옵션</a:t>
+            </a:r>
+            <a:endParaRPr b="0" lang="en-US" sz="2000" spc="-1" strike="noStrike">
+              <a:latin typeface="Arial"/>
+            </a:endParaRPr>
+          </a:p>
+          <a:p>
+            <a:pPr>
+              <a:lnSpc>
+                <a:spcPct val="100000"/>
+              </a:lnSpc>
+            </a:pPr>
+            <a:r>
+              <a:rPr b="0" lang="en-US" sz="1100" spc="-1" strike="noStrike">
+                <a:solidFill>
+                  <a:srgbClr val="000000"/>
+                </a:solidFill>
+                <a:latin typeface="현대하모니 L"/>
+                <a:ea typeface="현대하모니 L"/>
+              </a:rPr>
+              <a:t>● </a:t>
+            </a:r>
+            <a:r>
+              <a:rPr b="0" lang="en-US" sz="1100" spc="-1" strike="noStrike">
+                <a:solidFill>
+                  <a:srgbClr val="000000"/>
+                </a:solidFill>
+                <a:latin typeface="현대하모니 L"/>
+                <a:ea typeface="현대하모니 L"/>
+              </a:rPr>
+              <a:t>rm -rf : </a:t>
+            </a:r>
+            <a:r>
+              <a:rPr b="0" lang="ko-KR" sz="1100" spc="-1" strike="noStrike">
+                <a:solidFill>
+                  <a:srgbClr val="000000"/>
+                </a:solidFill>
+                <a:latin typeface="현대하모니 L"/>
+                <a:ea typeface="현대하모니 L"/>
+              </a:rPr>
+              <a:t>디렉토리를 삭제할때는 </a:t>
+            </a:r>
+            <a:r>
+              <a:rPr b="0" lang="en-US" sz="1100" spc="-1" strike="noStrike">
+                <a:solidFill>
+                  <a:srgbClr val="000000"/>
+                </a:solidFill>
+                <a:latin typeface="현대하모니 L"/>
+                <a:ea typeface="현대하모니 L"/>
+              </a:rPr>
+              <a:t>-rf </a:t>
+            </a:r>
+            <a:r>
+              <a:rPr b="0" lang="ko-KR" sz="1100" spc="-1" strike="noStrike">
+                <a:solidFill>
+                  <a:srgbClr val="000000"/>
+                </a:solidFill>
+                <a:latin typeface="현대하모니 L"/>
+                <a:ea typeface="현대하모니 L"/>
+              </a:rPr>
+              <a:t>옵션을 사용해야한다</a:t>
+            </a:r>
+            <a:r>
+              <a:rPr b="0" lang="en-US" sz="1100" spc="-1" strike="noStrike">
+                <a:solidFill>
+                  <a:srgbClr val="000000"/>
+                </a:solidFill>
+                <a:latin typeface="현대하모니 L"/>
+                <a:ea typeface="현대하모니 L"/>
+              </a:rPr>
+              <a:t>. </a:t>
+            </a:r>
+            <a:endParaRPr b="0" lang="en-US" sz="1100" spc="-1" strike="noStrike">
+              <a:latin typeface="Arial"/>
+            </a:endParaRPr>
+          </a:p>
+          <a:p>
+            <a:pPr>
+              <a:lnSpc>
+                <a:spcPct val="100000"/>
+              </a:lnSpc>
+            </a:pPr>
+            <a:endParaRPr b="0" lang="en-US" sz="1100" spc="-1" strike="noStrike">
+              <a:latin typeface="Arial"/>
+            </a:endParaRPr>
+          </a:p>
+          <a:p>
+            <a:pPr>
+              <a:lnSpc>
+                <a:spcPct val="100000"/>
+              </a:lnSpc>
+            </a:pPr>
+            <a:endParaRPr b="0" lang="en-US" sz="1100" spc="-1" strike="noStrike">
+              <a:latin typeface="Arial"/>
+            </a:endParaRPr>
+          </a:p>
+          <a:p>
+            <a:pPr>
+              <a:lnSpc>
+                <a:spcPct val="100000"/>
+              </a:lnSpc>
+            </a:pPr>
+            <a:endParaRPr b="0" lang="en-US" sz="1100" spc="-1" strike="noStrike">
+              <a:latin typeface="Arial"/>
+            </a:endParaRPr>
+          </a:p>
+          <a:p>
+            <a:pPr>
+              <a:lnSpc>
+                <a:spcPct val="100000"/>
+              </a:lnSpc>
+            </a:pPr>
+            <a:endParaRPr b="0" lang="en-US" sz="1100" spc="-1" strike="noStrike">
+              <a:latin typeface="Arial"/>
+            </a:endParaRPr>
+          </a:p>
+          <a:p>
+            <a:pPr>
+              <a:lnSpc>
+                <a:spcPct val="100000"/>
+              </a:lnSpc>
+            </a:pPr>
+            <a:endParaRPr b="0" lang="en-US" sz="1100" spc="-1" strike="noStrike">
+              <a:latin typeface="Arial"/>
+            </a:endParaRPr>
+          </a:p>
+          <a:p>
+            <a:pPr>
+              <a:lnSpc>
+                <a:spcPct val="100000"/>
+              </a:lnSpc>
+            </a:pPr>
+            <a:endParaRPr b="0" lang="en-US" sz="1100" spc="-1" strike="noStrike">
+              <a:latin typeface="Arial"/>
+            </a:endParaRPr>
+          </a:p>
+          <a:p>
+            <a:pPr>
+              <a:lnSpc>
+                <a:spcPct val="100000"/>
+              </a:lnSpc>
+            </a:pPr>
+            <a:endParaRPr b="0" lang="en-US" sz="1100" spc="-1" strike="noStrike">
+              <a:latin typeface="Arial"/>
+            </a:endParaRPr>
+          </a:p>
+          <a:p>
+            <a:pPr>
+              <a:lnSpc>
+                <a:spcPct val="100000"/>
+              </a:lnSpc>
+            </a:pPr>
+            <a:endParaRPr b="0" lang="en-US" sz="1100" spc="-1" strike="noStrike">
+              <a:latin typeface="Arial"/>
+            </a:endParaRPr>
+          </a:p>
+          <a:p>
+            <a:pPr>
+              <a:lnSpc>
+                <a:spcPct val="100000"/>
+              </a:lnSpc>
+            </a:pPr>
+            <a:r>
+              <a:rPr b="0" lang="en-US" sz="1100" spc="-1" strike="noStrike">
+                <a:solidFill>
+                  <a:srgbClr val="000000"/>
+                </a:solidFill>
+                <a:latin typeface="현대하모니 L"/>
+                <a:ea typeface="현대하모니 L"/>
+              </a:rPr>
+              <a:t>※</a:t>
+            </a:r>
+            <a:r>
+              <a:rPr b="0" lang="ko-KR" sz="1100" spc="-1" strike="noStrike">
+                <a:solidFill>
+                  <a:srgbClr val="000000"/>
+                </a:solidFill>
+                <a:latin typeface="현대하모니 L"/>
+                <a:ea typeface="현대하모니 L"/>
+              </a:rPr>
+              <a:t>주의 </a:t>
+            </a:r>
+            <a:r>
+              <a:rPr b="0" lang="en-US" sz="1100" spc="-1" strike="noStrike">
+                <a:solidFill>
+                  <a:srgbClr val="000000"/>
+                </a:solidFill>
+                <a:latin typeface="현대하모니 L"/>
+                <a:ea typeface="현대하모니 L"/>
+              </a:rPr>
+              <a:t>sudo rm -rf / </a:t>
+            </a:r>
+            <a:r>
+              <a:rPr b="0" lang="ko-KR" sz="1100" spc="-1" strike="noStrike">
+                <a:solidFill>
+                  <a:srgbClr val="000000"/>
+                </a:solidFill>
+                <a:latin typeface="현대하모니 L"/>
+                <a:ea typeface="현대하모니 L"/>
+              </a:rPr>
+              <a:t>절대금지</a:t>
+            </a:r>
+            <a:r>
+              <a:rPr b="0" lang="en-US" sz="1100" spc="-1" strike="noStrike">
+                <a:solidFill>
+                  <a:srgbClr val="000000"/>
+                </a:solidFill>
+                <a:latin typeface="현대하모니 L"/>
+                <a:ea typeface="현대하모니 L"/>
+              </a:rPr>
+              <a:t>!!</a:t>
+            </a:r>
+            <a:endParaRPr b="0" lang="en-US" sz="1100" spc="-1" strike="noStrike">
+              <a:latin typeface="Arial"/>
+            </a:endParaRPr>
+          </a:p>
+        </p:txBody>
+      </p:sp>
+      <p:sp>
+        <p:nvSpPr>
+          <p:cNvPr id="138" name="TextBox 1_9"/>
+          <p:cNvSpPr/>
+          <p:nvPr/>
+        </p:nvSpPr>
+        <p:spPr>
+          <a:xfrm>
+            <a:off x="4668120" y="7177320"/>
+            <a:ext cx="954000" cy="272160"/>
+          </a:xfrm>
+          <a:prstGeom prst="rect">
+            <a:avLst/>
+          </a:prstGeom>
+          <a:noFill/>
+          <a:ln w="0">
+            <a:noFill/>
+          </a:ln>
+        </p:spPr>
+        <p:style>
+          <a:lnRef idx="0"/>
+          <a:fillRef idx="0"/>
+          <a:effectRef idx="0"/>
+          <a:fontRef idx="minor"/>
+        </p:style>
+        <p:txBody>
+          <a:bodyPr lIns="90000" rIns="90000" tIns="45000" bIns="45000">
+            <a:spAutoFit/>
+          </a:bodyPr>
+          <a:p>
+            <a:pPr algn="ctr">
+              <a:lnSpc>
+                <a:spcPct val="100000"/>
+              </a:lnSpc>
+            </a:pPr>
+            <a:r>
+              <a:rPr b="0" lang="en-US" sz="1200" spc="-1" strike="noStrike">
+                <a:solidFill>
+                  <a:srgbClr val="000000"/>
+                </a:solidFill>
+                <a:latin typeface="현대하모니 L"/>
+                <a:ea typeface="현대하모니 L"/>
+              </a:rPr>
+              <a:t>00/00</a:t>
+            </a:r>
+            <a:endParaRPr b="0" lang="en-US" sz="1200" spc="-1" strike="noStrike">
+              <a:latin typeface="Arial"/>
+            </a:endParaRPr>
+          </a:p>
+        </p:txBody>
+      </p:sp>
+      <p:sp>
+        <p:nvSpPr>
+          <p:cNvPr id="139" name="TextBox 5_9"/>
+          <p:cNvSpPr/>
+          <p:nvPr/>
+        </p:nvSpPr>
+        <p:spPr>
+          <a:xfrm>
+            <a:off x="327600" y="45000"/>
+            <a:ext cx="4655160" cy="546480"/>
+          </a:xfrm>
+          <a:prstGeom prst="rect">
+            <a:avLst/>
+          </a:prstGeom>
+          <a:noFill/>
+          <a:ln w="0">
+            <a:noFill/>
+          </a:ln>
+        </p:spPr>
+        <p:style>
+          <a:lnRef idx="0"/>
+          <a:fillRef idx="0"/>
+          <a:effectRef idx="0"/>
+          <a:fontRef idx="minor"/>
+        </p:style>
+        <p:txBody>
+          <a:bodyPr lIns="90000" rIns="90000" tIns="45000" bIns="45000">
+            <a:spAutoFit/>
+          </a:bodyPr>
+          <a:p>
+            <a:pPr>
+              <a:lnSpc>
+                <a:spcPct val="100000"/>
+              </a:lnSpc>
+            </a:pPr>
+            <a:r>
+              <a:rPr b="0" lang="en-US" sz="3000" spc="-1" strike="noStrike">
+                <a:solidFill>
+                  <a:srgbClr val="000000"/>
+                </a:solidFill>
+                <a:latin typeface="현대하모니 L"/>
+                <a:ea typeface="현대하모니 L"/>
+              </a:rPr>
+              <a:t>1. </a:t>
+            </a:r>
+            <a:r>
+              <a:rPr b="0" lang="ko-KR" sz="3000" spc="-1" strike="noStrike">
+                <a:solidFill>
+                  <a:srgbClr val="000000"/>
+                </a:solidFill>
+                <a:latin typeface="현대하모니 L"/>
+                <a:ea typeface="현대하모니 L"/>
+              </a:rPr>
+              <a:t>리눅스 명령어 복습</a:t>
+            </a:r>
+            <a:endParaRPr b="0" lang="en-US" sz="3000" spc="-1" strike="noStrike">
+              <a:latin typeface="Arial"/>
+            </a:endParaRPr>
+          </a:p>
+        </p:txBody>
+      </p:sp>
+      <p:pic>
+        <p:nvPicPr>
+          <p:cNvPr id="140" name="" descr=""/>
+          <p:cNvPicPr/>
+          <p:nvPr/>
+        </p:nvPicPr>
+        <p:blipFill>
+          <a:blip r:embed="rId1"/>
+          <a:stretch/>
+        </p:blipFill>
+        <p:spPr>
+          <a:xfrm>
+            <a:off x="720000" y="1980000"/>
+            <a:ext cx="6990840" cy="1752120"/>
+          </a:xfrm>
+          <a:prstGeom prst="rect">
+            <a:avLst/>
+          </a:prstGeom>
+          <a:ln w="0">
+            <a:noFill/>
+          </a:ln>
+        </p:spPr>
+      </p:pic>
+      <p:pic>
+        <p:nvPicPr>
+          <p:cNvPr id="141" name="" descr=""/>
+          <p:cNvPicPr/>
+          <p:nvPr/>
+        </p:nvPicPr>
+        <p:blipFill>
+          <a:blip r:embed="rId2"/>
+          <a:stretch/>
+        </p:blipFill>
+        <p:spPr>
+          <a:xfrm>
+            <a:off x="720000" y="4500000"/>
+            <a:ext cx="6962400" cy="1856880"/>
+          </a:xfrm>
+          <a:prstGeom prst="rect">
+            <a:avLst/>
+          </a:prstGeom>
+          <a:ln w="0">
+            <a:noFill/>
+          </a:ln>
+        </p:spPr>
+      </p:pic>
+    </p:spTree>
+  </p:cSld>
+  <mc:AlternateContent>
+    <mc:Choice Requires="p14">
+      <p:transition spd="slow" p14:dur="2000"/>
+    </mc:Choice>
+    <mc:Fallback>
+      <p:transition spd="slow"/>
+    </mc:Fallback>
+  </mc:AlternateContent>
+</p:sld>
+</file>
+
+<file path=ppt/slides/slide12.xml><?xml version="1.0" encoding="utf-8"?>
+<p:sld xmlns:a="http://schemas.openxmlformats.org/drawingml/2006/main" xmlns:p="http://schemas.openxmlformats.org/presentationml/2006/main" xmlns:r="http://schemas.openxmlformats.org/officeDocument/2006/relationships" xmlns:p14="http://schemas.microsoft.com/office/powerpoint/2010/main" xmlns:p15="http://schemas.microsoft.com/office/powerpoint/2012/main" xmlns:mc="http://schemas.openxmlformats.org/markup-compatibility/2006">
+  <p:cSld>
+    <p:spTree>
+      <p:nvGrpSpPr>
+        <p:cNvPr id="1" name=""/>
+        <p:cNvGrpSpPr/>
+        <p:nvPr/>
+      </p:nvGrpSpPr>
+      <p:grpSpPr>
+        <a:xfrm>
+          <a:off x="0" y="0"/>
+          <a:ext cx="0" cy="0"/>
+          <a:chOff x="0" y="0"/>
+          <a:chExt cx="0" cy="0"/>
+        </a:xfrm>
+      </p:grpSpPr>
+      <p:sp>
+        <p:nvSpPr>
+          <p:cNvPr id="142" name="TextBox 21_10"/>
+          <p:cNvSpPr/>
+          <p:nvPr/>
+        </p:nvSpPr>
+        <p:spPr>
+          <a:xfrm>
+            <a:off x="621000" y="849240"/>
+            <a:ext cx="9818640" cy="5806080"/>
+          </a:xfrm>
+          <a:prstGeom prst="rect">
+            <a:avLst/>
+          </a:prstGeom>
+          <a:noFill/>
+          <a:ln w="0">
+            <a:noFill/>
+          </a:ln>
+        </p:spPr>
+        <p:style>
+          <a:lnRef idx="0"/>
+          <a:fillRef idx="0"/>
+          <a:effectRef idx="0"/>
+          <a:fontRef idx="minor"/>
+        </p:style>
+        <p:txBody>
+          <a:bodyPr lIns="90000" rIns="90000" tIns="45000" bIns="45000">
+            <a:spAutoFit/>
+          </a:bodyPr>
+          <a:p>
+            <a:pPr>
+              <a:lnSpc>
+                <a:spcPct val="100000"/>
+              </a:lnSpc>
+            </a:pPr>
+            <a:r>
+              <a:rPr b="0" lang="en-US" sz="2000" spc="-1" strike="noStrike">
+                <a:solidFill>
+                  <a:srgbClr val="000000"/>
+                </a:solidFill>
+                <a:latin typeface="현대하모니 L"/>
+                <a:ea typeface="현대하모니 L"/>
+              </a:rPr>
+              <a:t>9. rm</a:t>
+            </a:r>
+            <a:endParaRPr b="0" lang="en-US" sz="2000" spc="-1" strike="noStrike">
+              <a:latin typeface="Arial"/>
+            </a:endParaRPr>
+          </a:p>
+          <a:p>
+            <a:pPr>
+              <a:lnSpc>
+                <a:spcPct val="100000"/>
+              </a:lnSpc>
+            </a:pPr>
+            <a:endParaRPr b="0" lang="en-US" sz="2000" spc="-1" strike="noStrike">
+              <a:latin typeface="Arial"/>
+            </a:endParaRPr>
+          </a:p>
+          <a:p>
+            <a:pPr>
+              <a:lnSpc>
+                <a:spcPct val="100000"/>
+              </a:lnSpc>
+            </a:pPr>
+            <a:r>
+              <a:rPr b="0" lang="ko-KR" sz="2000" spc="-1" strike="noStrike">
+                <a:solidFill>
+                  <a:srgbClr val="000000"/>
+                </a:solidFill>
+                <a:latin typeface="현대하모니 L"/>
+                <a:ea typeface="현대하모니 L"/>
+              </a:rPr>
+              <a:t>파일 또는 디렉토리를 삭제하는 명령어이다</a:t>
+            </a:r>
+            <a:r>
+              <a:rPr b="0" lang="en-US" sz="2000" spc="-1" strike="noStrike">
+                <a:solidFill>
+                  <a:srgbClr val="000000"/>
+                </a:solidFill>
+                <a:latin typeface="현대하모니 L"/>
+                <a:ea typeface="현대하모니 L"/>
+              </a:rPr>
+              <a:t>.</a:t>
+            </a:r>
+            <a:endParaRPr b="0" lang="en-US" sz="2000" spc="-1" strike="noStrike">
+              <a:latin typeface="Arial"/>
+            </a:endParaRPr>
+          </a:p>
+          <a:p>
+            <a:pPr>
+              <a:lnSpc>
+                <a:spcPct val="100000"/>
+              </a:lnSpc>
+            </a:pPr>
+            <a:endParaRPr b="0" lang="en-US" sz="2000" spc="-1" strike="noStrike">
+              <a:latin typeface="Arial"/>
+            </a:endParaRPr>
+          </a:p>
+          <a:p>
+            <a:pPr>
+              <a:lnSpc>
+                <a:spcPct val="100000"/>
+              </a:lnSpc>
+            </a:pPr>
+            <a:endParaRPr b="0" lang="en-US" sz="2000" spc="-1" strike="noStrike">
+              <a:latin typeface="Arial"/>
+            </a:endParaRPr>
+          </a:p>
+          <a:p>
+            <a:pPr>
+              <a:lnSpc>
+                <a:spcPct val="100000"/>
+              </a:lnSpc>
+            </a:pPr>
+            <a:endParaRPr b="0" lang="en-US" sz="2000" spc="-1" strike="noStrike">
+              <a:latin typeface="Arial"/>
+            </a:endParaRPr>
+          </a:p>
+          <a:p>
+            <a:pPr>
+              <a:lnSpc>
+                <a:spcPct val="100000"/>
+              </a:lnSpc>
+            </a:pPr>
+            <a:endParaRPr b="0" lang="en-US" sz="2000" spc="-1" strike="noStrike">
+              <a:latin typeface="Arial"/>
+            </a:endParaRPr>
+          </a:p>
+          <a:p>
+            <a:pPr>
+              <a:lnSpc>
+                <a:spcPct val="100000"/>
+              </a:lnSpc>
+            </a:pPr>
+            <a:endParaRPr b="0" lang="en-US" sz="2000" spc="-1" strike="noStrike">
+              <a:latin typeface="Arial"/>
+            </a:endParaRPr>
+          </a:p>
+          <a:p>
+            <a:pPr>
+              <a:lnSpc>
+                <a:spcPct val="100000"/>
+              </a:lnSpc>
+            </a:pPr>
+            <a:endParaRPr b="0" lang="en-US" sz="2000" spc="-1" strike="noStrike">
+              <a:latin typeface="Arial"/>
+            </a:endParaRPr>
+          </a:p>
+          <a:p>
+            <a:pPr>
+              <a:lnSpc>
+                <a:spcPct val="100000"/>
+              </a:lnSpc>
+            </a:pPr>
+            <a:endParaRPr b="0" lang="en-US" sz="2000" spc="-1" strike="noStrike">
+              <a:latin typeface="Arial"/>
+            </a:endParaRPr>
+          </a:p>
+          <a:p>
+            <a:pPr>
+              <a:lnSpc>
+                <a:spcPct val="100000"/>
+              </a:lnSpc>
+            </a:pPr>
+            <a:r>
+              <a:rPr b="0" lang="en-US" sz="2000" spc="-1" strike="noStrike">
+                <a:solidFill>
+                  <a:srgbClr val="000000"/>
+                </a:solidFill>
+                <a:latin typeface="현대하모니 L"/>
+                <a:ea typeface="현대하모니 L"/>
+              </a:rPr>
+              <a:t>1) </a:t>
+            </a:r>
+            <a:r>
+              <a:rPr b="0" lang="ko-KR" sz="2000" spc="-1" strike="noStrike">
+                <a:solidFill>
+                  <a:srgbClr val="000000"/>
+                </a:solidFill>
+                <a:latin typeface="현대하모니 L"/>
+                <a:ea typeface="현대하모니 L"/>
+              </a:rPr>
+              <a:t>옵션</a:t>
+            </a:r>
+            <a:endParaRPr b="0" lang="en-US" sz="2000" spc="-1" strike="noStrike">
+              <a:latin typeface="Arial"/>
+            </a:endParaRPr>
+          </a:p>
+          <a:p>
+            <a:pPr>
+              <a:lnSpc>
+                <a:spcPct val="100000"/>
+              </a:lnSpc>
+            </a:pPr>
+            <a:r>
+              <a:rPr b="0" lang="en-US" sz="1100" spc="-1" strike="noStrike">
+                <a:solidFill>
+                  <a:srgbClr val="000000"/>
+                </a:solidFill>
+                <a:latin typeface="현대하모니 L"/>
+                <a:ea typeface="현대하모니 L"/>
+              </a:rPr>
+              <a:t>● </a:t>
+            </a:r>
+            <a:r>
+              <a:rPr b="0" lang="en-US" sz="1100" spc="-1" strike="noStrike">
+                <a:solidFill>
+                  <a:srgbClr val="000000"/>
+                </a:solidFill>
+                <a:latin typeface="현대하모니 L"/>
+                <a:ea typeface="현대하모니 L"/>
+              </a:rPr>
+              <a:t>rm -rf : </a:t>
+            </a:r>
+            <a:r>
+              <a:rPr b="0" lang="ko-KR" sz="1100" spc="-1" strike="noStrike">
+                <a:solidFill>
+                  <a:srgbClr val="000000"/>
+                </a:solidFill>
+                <a:latin typeface="현대하모니 L"/>
+                <a:ea typeface="현대하모니 L"/>
+              </a:rPr>
+              <a:t>디렉토리를 삭제할때는 </a:t>
+            </a:r>
+            <a:r>
+              <a:rPr b="0" lang="en-US" sz="1100" spc="-1" strike="noStrike">
+                <a:solidFill>
+                  <a:srgbClr val="000000"/>
+                </a:solidFill>
+                <a:latin typeface="현대하모니 L"/>
+                <a:ea typeface="현대하모니 L"/>
+              </a:rPr>
+              <a:t>-rf </a:t>
+            </a:r>
+            <a:r>
+              <a:rPr b="0" lang="ko-KR" sz="1100" spc="-1" strike="noStrike">
+                <a:solidFill>
+                  <a:srgbClr val="000000"/>
+                </a:solidFill>
+                <a:latin typeface="현대하모니 L"/>
+                <a:ea typeface="현대하모니 L"/>
+              </a:rPr>
+              <a:t>옵션을 사용해야한다</a:t>
+            </a:r>
+            <a:r>
+              <a:rPr b="0" lang="en-US" sz="1100" spc="-1" strike="noStrike">
+                <a:solidFill>
+                  <a:srgbClr val="000000"/>
+                </a:solidFill>
+                <a:latin typeface="현대하모니 L"/>
+                <a:ea typeface="현대하모니 L"/>
+              </a:rPr>
+              <a:t>. </a:t>
+            </a:r>
+            <a:endParaRPr b="0" lang="en-US" sz="1100" spc="-1" strike="noStrike">
+              <a:latin typeface="Arial"/>
+            </a:endParaRPr>
+          </a:p>
+          <a:p>
+            <a:pPr>
+              <a:lnSpc>
+                <a:spcPct val="100000"/>
+              </a:lnSpc>
+            </a:pPr>
+            <a:endParaRPr b="0" lang="en-US" sz="1100" spc="-1" strike="noStrike">
+              <a:latin typeface="Arial"/>
+            </a:endParaRPr>
+          </a:p>
+          <a:p>
+            <a:pPr>
+              <a:lnSpc>
+                <a:spcPct val="100000"/>
+              </a:lnSpc>
+            </a:pPr>
+            <a:endParaRPr b="0" lang="en-US" sz="1100" spc="-1" strike="noStrike">
+              <a:latin typeface="Arial"/>
+            </a:endParaRPr>
+          </a:p>
+          <a:p>
+            <a:pPr>
+              <a:lnSpc>
+                <a:spcPct val="100000"/>
+              </a:lnSpc>
+            </a:pPr>
+            <a:endParaRPr b="0" lang="en-US" sz="1100" spc="-1" strike="noStrike">
+              <a:latin typeface="Arial"/>
+            </a:endParaRPr>
+          </a:p>
+          <a:p>
+            <a:pPr>
+              <a:lnSpc>
+                <a:spcPct val="100000"/>
+              </a:lnSpc>
+            </a:pPr>
+            <a:endParaRPr b="0" lang="en-US" sz="1100" spc="-1" strike="noStrike">
+              <a:latin typeface="Arial"/>
+            </a:endParaRPr>
+          </a:p>
+          <a:p>
+            <a:pPr>
+              <a:lnSpc>
+                <a:spcPct val="100000"/>
+              </a:lnSpc>
+            </a:pPr>
+            <a:endParaRPr b="0" lang="en-US" sz="1100" spc="-1" strike="noStrike">
+              <a:latin typeface="Arial"/>
+            </a:endParaRPr>
+          </a:p>
+          <a:p>
+            <a:pPr>
+              <a:lnSpc>
+                <a:spcPct val="100000"/>
+              </a:lnSpc>
+            </a:pPr>
+            <a:endParaRPr b="0" lang="en-US" sz="1100" spc="-1" strike="noStrike">
+              <a:latin typeface="Arial"/>
+            </a:endParaRPr>
+          </a:p>
+          <a:p>
+            <a:pPr>
+              <a:lnSpc>
+                <a:spcPct val="100000"/>
+              </a:lnSpc>
+            </a:pPr>
+            <a:endParaRPr b="0" lang="en-US" sz="1100" spc="-1" strike="noStrike">
+              <a:latin typeface="Arial"/>
+            </a:endParaRPr>
+          </a:p>
+          <a:p>
+            <a:pPr>
+              <a:lnSpc>
+                <a:spcPct val="100000"/>
+              </a:lnSpc>
+            </a:pPr>
+            <a:endParaRPr b="0" lang="en-US" sz="1100" spc="-1" strike="noStrike">
+              <a:latin typeface="Arial"/>
+            </a:endParaRPr>
+          </a:p>
+          <a:p>
+            <a:pPr>
+              <a:lnSpc>
+                <a:spcPct val="100000"/>
+              </a:lnSpc>
+            </a:pPr>
+            <a:r>
+              <a:rPr b="0" lang="en-US" sz="1100" spc="-1" strike="noStrike">
+                <a:solidFill>
+                  <a:srgbClr val="000000"/>
+                </a:solidFill>
+                <a:latin typeface="현대하모니 L"/>
+                <a:ea typeface="현대하모니 L"/>
+              </a:rPr>
+              <a:t>※</a:t>
+            </a:r>
+            <a:r>
+              <a:rPr b="0" lang="ko-KR" sz="1100" spc="-1" strike="noStrike">
+                <a:solidFill>
+                  <a:srgbClr val="000000"/>
+                </a:solidFill>
+                <a:latin typeface="현대하모니 L"/>
+                <a:ea typeface="현대하모니 L"/>
+              </a:rPr>
+              <a:t>주의 </a:t>
+            </a:r>
+            <a:r>
+              <a:rPr b="0" lang="en-US" sz="1100" spc="-1" strike="noStrike">
+                <a:solidFill>
+                  <a:srgbClr val="000000"/>
+                </a:solidFill>
+                <a:latin typeface="현대하모니 L"/>
+                <a:ea typeface="현대하모니 L"/>
+              </a:rPr>
+              <a:t>sudo rm -rf / </a:t>
+            </a:r>
+            <a:r>
+              <a:rPr b="0" lang="ko-KR" sz="1100" spc="-1" strike="noStrike">
+                <a:solidFill>
+                  <a:srgbClr val="000000"/>
+                </a:solidFill>
+                <a:latin typeface="현대하모니 L"/>
+                <a:ea typeface="현대하모니 L"/>
+              </a:rPr>
+              <a:t>절대금지</a:t>
+            </a:r>
+            <a:r>
+              <a:rPr b="0" lang="en-US" sz="1100" spc="-1" strike="noStrike">
+                <a:solidFill>
+                  <a:srgbClr val="000000"/>
+                </a:solidFill>
+                <a:latin typeface="현대하모니 L"/>
+                <a:ea typeface="현대하모니 L"/>
+              </a:rPr>
+              <a:t>!!</a:t>
+            </a:r>
+            <a:endParaRPr b="0" lang="en-US" sz="1100" spc="-1" strike="noStrike">
+              <a:latin typeface="Arial"/>
+            </a:endParaRPr>
+          </a:p>
+        </p:txBody>
+      </p:sp>
+      <p:sp>
+        <p:nvSpPr>
+          <p:cNvPr id="143" name="TextBox 1_10"/>
+          <p:cNvSpPr/>
+          <p:nvPr/>
+        </p:nvSpPr>
+        <p:spPr>
+          <a:xfrm>
+            <a:off x="4668120" y="7177320"/>
+            <a:ext cx="954000" cy="272160"/>
+          </a:xfrm>
+          <a:prstGeom prst="rect">
+            <a:avLst/>
+          </a:prstGeom>
+          <a:noFill/>
+          <a:ln w="0">
+            <a:noFill/>
+          </a:ln>
+        </p:spPr>
+        <p:style>
+          <a:lnRef idx="0"/>
+          <a:fillRef idx="0"/>
+          <a:effectRef idx="0"/>
+          <a:fontRef idx="minor"/>
+        </p:style>
+        <p:txBody>
+          <a:bodyPr lIns="90000" rIns="90000" tIns="45000" bIns="45000">
+            <a:spAutoFit/>
+          </a:bodyPr>
+          <a:p>
+            <a:pPr algn="ctr">
+              <a:lnSpc>
+                <a:spcPct val="100000"/>
+              </a:lnSpc>
+            </a:pPr>
+            <a:r>
+              <a:rPr b="0" lang="en-US" sz="1200" spc="-1" strike="noStrike">
+                <a:solidFill>
+                  <a:srgbClr val="000000"/>
+                </a:solidFill>
+                <a:latin typeface="현대하모니 L"/>
+                <a:ea typeface="현대하모니 L"/>
+              </a:rPr>
+              <a:t>00/00</a:t>
+            </a:r>
+            <a:endParaRPr b="0" lang="en-US" sz="1200" spc="-1" strike="noStrike">
+              <a:latin typeface="Arial"/>
+            </a:endParaRPr>
+          </a:p>
+        </p:txBody>
+      </p:sp>
+      <p:sp>
+        <p:nvSpPr>
+          <p:cNvPr id="144" name="TextBox 5_10"/>
+          <p:cNvSpPr/>
+          <p:nvPr/>
+        </p:nvSpPr>
+        <p:spPr>
+          <a:xfrm>
+            <a:off x="327600" y="45000"/>
+            <a:ext cx="4655160" cy="546480"/>
+          </a:xfrm>
+          <a:prstGeom prst="rect">
+            <a:avLst/>
+          </a:prstGeom>
+          <a:noFill/>
+          <a:ln w="0">
+            <a:noFill/>
+          </a:ln>
+        </p:spPr>
+        <p:style>
+          <a:lnRef idx="0"/>
+          <a:fillRef idx="0"/>
+          <a:effectRef idx="0"/>
+          <a:fontRef idx="minor"/>
+        </p:style>
+        <p:txBody>
+          <a:bodyPr lIns="90000" rIns="90000" tIns="45000" bIns="45000">
+            <a:spAutoFit/>
+          </a:bodyPr>
+          <a:p>
+            <a:pPr>
+              <a:lnSpc>
+                <a:spcPct val="100000"/>
+              </a:lnSpc>
+            </a:pPr>
+            <a:r>
+              <a:rPr b="0" lang="en-US" sz="3000" spc="-1" strike="noStrike">
+                <a:solidFill>
+                  <a:srgbClr val="000000"/>
+                </a:solidFill>
+                <a:latin typeface="현대하모니 L"/>
+                <a:ea typeface="현대하모니 L"/>
+              </a:rPr>
+              <a:t>1. </a:t>
+            </a:r>
+            <a:r>
+              <a:rPr b="0" lang="ko-KR" sz="3000" spc="-1" strike="noStrike">
+                <a:solidFill>
+                  <a:srgbClr val="000000"/>
+                </a:solidFill>
+                <a:latin typeface="현대하모니 L"/>
+                <a:ea typeface="현대하모니 L"/>
+              </a:rPr>
+              <a:t>리눅스 명령어 복습</a:t>
+            </a:r>
+            <a:endParaRPr b="0" lang="en-US" sz="3000" spc="-1" strike="noStrike">
+              <a:latin typeface="Arial"/>
+            </a:endParaRPr>
+          </a:p>
+        </p:txBody>
+      </p:sp>
+      <p:pic>
+        <p:nvPicPr>
+          <p:cNvPr id="145" name="" descr=""/>
+          <p:cNvPicPr/>
+          <p:nvPr/>
+        </p:nvPicPr>
+        <p:blipFill>
+          <a:blip r:embed="rId1"/>
+          <a:stretch/>
+        </p:blipFill>
+        <p:spPr>
+          <a:xfrm>
+            <a:off x="720000" y="1980000"/>
+            <a:ext cx="6990840" cy="1752120"/>
+          </a:xfrm>
+          <a:prstGeom prst="rect">
+            <a:avLst/>
+          </a:prstGeom>
+          <a:ln w="0">
+            <a:noFill/>
+          </a:ln>
+        </p:spPr>
+      </p:pic>
+      <p:pic>
+        <p:nvPicPr>
+          <p:cNvPr id="146" name="" descr=""/>
+          <p:cNvPicPr/>
+          <p:nvPr/>
+        </p:nvPicPr>
+        <p:blipFill>
+          <a:blip r:embed="rId2"/>
+          <a:stretch/>
+        </p:blipFill>
+        <p:spPr>
+          <a:xfrm>
+            <a:off x="720000" y="4500000"/>
+            <a:ext cx="6962400" cy="1856880"/>
+          </a:xfrm>
+          <a:prstGeom prst="rect">
+            <a:avLst/>
+          </a:prstGeom>
+          <a:ln w="0">
+            <a:noFill/>
+          </a:ln>
+        </p:spPr>
+      </p:pic>
+    </p:spTree>
+  </p:cSld>
+  <mc:AlternateContent>
+    <mc:Choice Requires="p14">
+      <p:transition spd="slow" p14:dur="2000"/>
+    </mc:Choice>
+    <mc:Fallback>
+      <p:transition spd="slow"/>
+    </mc:Fallback>
+  </mc:AlternateContent>
+</p:sld>
+</file>
+
+<file path=ppt/slides/slide13.xml><?xml version="1.0" encoding="utf-8"?>
+<p:sld xmlns:a="http://schemas.openxmlformats.org/drawingml/2006/main" xmlns:p="http://schemas.openxmlformats.org/presentationml/2006/main" xmlns:r="http://schemas.openxmlformats.org/officeDocument/2006/relationships" xmlns:p14="http://schemas.microsoft.com/office/powerpoint/2010/main" xmlns:p15="http://schemas.microsoft.com/office/powerpoint/2012/main" xmlns:mc="http://schemas.openxmlformats.org/markup-compatibility/2006">
+  <p:cSld>
+    <p:spTree>
+      <p:nvGrpSpPr>
+        <p:cNvPr id="1" name=""/>
+        <p:cNvGrpSpPr/>
+        <p:nvPr/>
+      </p:nvGrpSpPr>
+      <p:grpSpPr>
+        <a:xfrm>
+          <a:off x="0" y="0"/>
+          <a:ext cx="0" cy="0"/>
+          <a:chOff x="0" y="0"/>
+          <a:chExt cx="0" cy="0"/>
+        </a:xfrm>
+      </p:grpSpPr>
+      <p:sp>
+        <p:nvSpPr>
+          <p:cNvPr id="147" name="TextBox 21_12"/>
+          <p:cNvSpPr/>
+          <p:nvPr/>
+        </p:nvSpPr>
+        <p:spPr>
+          <a:xfrm>
+            <a:off x="621000" y="849240"/>
+            <a:ext cx="9818640" cy="5806080"/>
+          </a:xfrm>
+          <a:prstGeom prst="rect">
+            <a:avLst/>
+          </a:prstGeom>
+          <a:noFill/>
+          <a:ln w="0">
+            <a:noFill/>
+          </a:ln>
+        </p:spPr>
+        <p:style>
+          <a:lnRef idx="0"/>
+          <a:fillRef idx="0"/>
+          <a:effectRef idx="0"/>
+          <a:fontRef idx="minor"/>
+        </p:style>
+        <p:txBody>
+          <a:bodyPr lIns="90000" rIns="90000" tIns="45000" bIns="45000">
+            <a:spAutoFit/>
+          </a:bodyPr>
+          <a:p>
+            <a:pPr>
+              <a:lnSpc>
+                <a:spcPct val="100000"/>
+              </a:lnSpc>
+            </a:pPr>
+            <a:r>
+              <a:rPr b="0" lang="en-US" sz="2000" spc="-1" strike="noStrike">
+                <a:solidFill>
+                  <a:srgbClr val="000000"/>
+                </a:solidFill>
+                <a:latin typeface="현대하모니 L"/>
+                <a:ea typeface="현대하모니 L"/>
+              </a:rPr>
+              <a:t> </a:t>
+            </a:r>
+            <a:r>
+              <a:rPr b="0" lang="en-US" sz="2000" spc="-1" strike="noStrike">
+                <a:solidFill>
+                  <a:srgbClr val="000000"/>
+                </a:solidFill>
+                <a:latin typeface="현대하모니 L"/>
+                <a:ea typeface="현대하모니 L"/>
+              </a:rPr>
+              <a:t>1. int</a:t>
+            </a:r>
+            <a:endParaRPr b="0" lang="en-US" sz="2000" spc="-1" strike="noStrike">
+              <a:latin typeface="Arial"/>
+            </a:endParaRPr>
+          </a:p>
+          <a:p>
+            <a:pPr>
+              <a:lnSpc>
+                <a:spcPct val="100000"/>
+              </a:lnSpc>
+            </a:pPr>
+            <a:endParaRPr b="0" lang="en-US" sz="2000" spc="-1" strike="noStrike">
+              <a:latin typeface="Arial"/>
+            </a:endParaRPr>
+          </a:p>
+          <a:p>
+            <a:pPr>
+              <a:lnSpc>
+                <a:spcPct val="100000"/>
+              </a:lnSpc>
+            </a:pPr>
+            <a:r>
+              <a:rPr b="0" lang="ko-KR" sz="2000" spc="-1" strike="noStrike">
+                <a:solidFill>
+                  <a:srgbClr val="000000"/>
+                </a:solidFill>
+                <a:latin typeface="현대하모니 L"/>
+                <a:ea typeface="현대하모니 L"/>
+              </a:rPr>
+              <a:t>파일 또는 디렉토리를 삭제하는 명령어이다</a:t>
+            </a:r>
+            <a:r>
+              <a:rPr b="0" lang="en-US" sz="2000" spc="-1" strike="noStrike">
+                <a:solidFill>
+                  <a:srgbClr val="000000"/>
+                </a:solidFill>
+                <a:latin typeface="현대하모니 L"/>
+                <a:ea typeface="현대하모니 L"/>
+              </a:rPr>
+              <a:t>.</a:t>
+            </a:r>
+            <a:endParaRPr b="0" lang="en-US" sz="2000" spc="-1" strike="noStrike">
+              <a:latin typeface="Arial"/>
+            </a:endParaRPr>
+          </a:p>
+          <a:p>
+            <a:pPr>
+              <a:lnSpc>
+                <a:spcPct val="100000"/>
+              </a:lnSpc>
+            </a:pPr>
+            <a:endParaRPr b="0" lang="en-US" sz="2000" spc="-1" strike="noStrike">
+              <a:latin typeface="Arial"/>
+            </a:endParaRPr>
+          </a:p>
+          <a:p>
+            <a:pPr>
+              <a:lnSpc>
+                <a:spcPct val="100000"/>
+              </a:lnSpc>
+            </a:pPr>
+            <a:endParaRPr b="0" lang="en-US" sz="2000" spc="-1" strike="noStrike">
+              <a:latin typeface="Arial"/>
+            </a:endParaRPr>
+          </a:p>
+          <a:p>
+            <a:pPr>
+              <a:lnSpc>
+                <a:spcPct val="100000"/>
+              </a:lnSpc>
+            </a:pPr>
+            <a:endParaRPr b="0" lang="en-US" sz="2000" spc="-1" strike="noStrike">
+              <a:latin typeface="Arial"/>
+            </a:endParaRPr>
+          </a:p>
+          <a:p>
+            <a:pPr>
+              <a:lnSpc>
+                <a:spcPct val="100000"/>
+              </a:lnSpc>
+            </a:pPr>
+            <a:endParaRPr b="0" lang="en-US" sz="2000" spc="-1" strike="noStrike">
+              <a:latin typeface="Arial"/>
+            </a:endParaRPr>
+          </a:p>
+          <a:p>
+            <a:pPr>
+              <a:lnSpc>
+                <a:spcPct val="100000"/>
+              </a:lnSpc>
+            </a:pPr>
+            <a:endParaRPr b="0" lang="en-US" sz="2000" spc="-1" strike="noStrike">
+              <a:latin typeface="Arial"/>
+            </a:endParaRPr>
+          </a:p>
+          <a:p>
+            <a:pPr>
+              <a:lnSpc>
+                <a:spcPct val="100000"/>
+              </a:lnSpc>
+            </a:pPr>
+            <a:endParaRPr b="0" lang="en-US" sz="2000" spc="-1" strike="noStrike">
+              <a:latin typeface="Arial"/>
+            </a:endParaRPr>
+          </a:p>
+          <a:p>
+            <a:pPr>
+              <a:lnSpc>
+                <a:spcPct val="100000"/>
+              </a:lnSpc>
+            </a:pPr>
+            <a:endParaRPr b="0" lang="en-US" sz="2000" spc="-1" strike="noStrike">
+              <a:latin typeface="Arial"/>
+            </a:endParaRPr>
+          </a:p>
+          <a:p>
+            <a:pPr>
+              <a:lnSpc>
+                <a:spcPct val="100000"/>
+              </a:lnSpc>
+            </a:pPr>
+            <a:r>
+              <a:rPr b="0" lang="en-US" sz="2000" spc="-1" strike="noStrike">
+                <a:solidFill>
+                  <a:srgbClr val="000000"/>
+                </a:solidFill>
+                <a:latin typeface="현대하모니 L"/>
+                <a:ea typeface="현대하모니 L"/>
+              </a:rPr>
+              <a:t>1) </a:t>
+            </a:r>
+            <a:r>
+              <a:rPr b="0" lang="ko-KR" sz="2000" spc="-1" strike="noStrike">
+                <a:solidFill>
+                  <a:srgbClr val="000000"/>
+                </a:solidFill>
+                <a:latin typeface="현대하모니 L"/>
+                <a:ea typeface="현대하모니 L"/>
+              </a:rPr>
+              <a:t>옵션</a:t>
+            </a:r>
+            <a:endParaRPr b="0" lang="en-US" sz="2000" spc="-1" strike="noStrike">
+              <a:latin typeface="Arial"/>
+            </a:endParaRPr>
+          </a:p>
+          <a:p>
+            <a:pPr>
+              <a:lnSpc>
+                <a:spcPct val="100000"/>
+              </a:lnSpc>
+            </a:pPr>
+            <a:r>
+              <a:rPr b="0" lang="en-US" sz="1100" spc="-1" strike="noStrike">
+                <a:solidFill>
+                  <a:srgbClr val="000000"/>
+                </a:solidFill>
+                <a:latin typeface="현대하모니 L"/>
+                <a:ea typeface="현대하모니 L"/>
+              </a:rPr>
+              <a:t>● </a:t>
+            </a:r>
+            <a:r>
+              <a:rPr b="0" lang="en-US" sz="1100" spc="-1" strike="noStrike">
+                <a:solidFill>
+                  <a:srgbClr val="000000"/>
+                </a:solidFill>
+                <a:latin typeface="현대하모니 L"/>
+                <a:ea typeface="현대하모니 L"/>
+              </a:rPr>
+              <a:t>rm -rf : </a:t>
+            </a:r>
+            <a:r>
+              <a:rPr b="0" lang="ko-KR" sz="1100" spc="-1" strike="noStrike">
+                <a:solidFill>
+                  <a:srgbClr val="000000"/>
+                </a:solidFill>
+                <a:latin typeface="현대하모니 L"/>
+                <a:ea typeface="현대하모니 L"/>
+              </a:rPr>
+              <a:t>디렉토리를 삭제할때는 </a:t>
+            </a:r>
+            <a:r>
+              <a:rPr b="0" lang="en-US" sz="1100" spc="-1" strike="noStrike">
+                <a:solidFill>
+                  <a:srgbClr val="000000"/>
+                </a:solidFill>
+                <a:latin typeface="현대하모니 L"/>
+                <a:ea typeface="현대하모니 L"/>
+              </a:rPr>
+              <a:t>-rf </a:t>
+            </a:r>
+            <a:r>
+              <a:rPr b="0" lang="ko-KR" sz="1100" spc="-1" strike="noStrike">
+                <a:solidFill>
+                  <a:srgbClr val="000000"/>
+                </a:solidFill>
+                <a:latin typeface="현대하모니 L"/>
+                <a:ea typeface="현대하모니 L"/>
+              </a:rPr>
+              <a:t>옵션을 사용해야한다</a:t>
+            </a:r>
+            <a:r>
+              <a:rPr b="0" lang="en-US" sz="1100" spc="-1" strike="noStrike">
+                <a:solidFill>
+                  <a:srgbClr val="000000"/>
+                </a:solidFill>
+                <a:latin typeface="현대하모니 L"/>
+                <a:ea typeface="현대하모니 L"/>
+              </a:rPr>
+              <a:t>. </a:t>
+            </a:r>
+            <a:endParaRPr b="0" lang="en-US" sz="1100" spc="-1" strike="noStrike">
+              <a:latin typeface="Arial"/>
+            </a:endParaRPr>
+          </a:p>
+          <a:p>
+            <a:pPr>
+              <a:lnSpc>
+                <a:spcPct val="100000"/>
+              </a:lnSpc>
+            </a:pPr>
+            <a:endParaRPr b="0" lang="en-US" sz="1100" spc="-1" strike="noStrike">
+              <a:latin typeface="Arial"/>
+            </a:endParaRPr>
+          </a:p>
+          <a:p>
+            <a:pPr>
+              <a:lnSpc>
+                <a:spcPct val="100000"/>
+              </a:lnSpc>
+            </a:pPr>
+            <a:endParaRPr b="0" lang="en-US" sz="1100" spc="-1" strike="noStrike">
+              <a:latin typeface="Arial"/>
+            </a:endParaRPr>
+          </a:p>
+          <a:p>
+            <a:pPr>
+              <a:lnSpc>
+                <a:spcPct val="100000"/>
+              </a:lnSpc>
+            </a:pPr>
+            <a:endParaRPr b="0" lang="en-US" sz="1100" spc="-1" strike="noStrike">
+              <a:latin typeface="Arial"/>
+            </a:endParaRPr>
+          </a:p>
+          <a:p>
+            <a:pPr>
+              <a:lnSpc>
+                <a:spcPct val="100000"/>
+              </a:lnSpc>
+            </a:pPr>
+            <a:endParaRPr b="0" lang="en-US" sz="1100" spc="-1" strike="noStrike">
+              <a:latin typeface="Arial"/>
+            </a:endParaRPr>
+          </a:p>
+          <a:p>
+            <a:pPr>
+              <a:lnSpc>
+                <a:spcPct val="100000"/>
+              </a:lnSpc>
+            </a:pPr>
+            <a:endParaRPr b="0" lang="en-US" sz="1100" spc="-1" strike="noStrike">
+              <a:latin typeface="Arial"/>
+            </a:endParaRPr>
+          </a:p>
+          <a:p>
+            <a:pPr>
+              <a:lnSpc>
+                <a:spcPct val="100000"/>
+              </a:lnSpc>
+            </a:pPr>
+            <a:endParaRPr b="0" lang="en-US" sz="1100" spc="-1" strike="noStrike">
+              <a:latin typeface="Arial"/>
+            </a:endParaRPr>
+          </a:p>
+          <a:p>
+            <a:pPr>
+              <a:lnSpc>
+                <a:spcPct val="100000"/>
+              </a:lnSpc>
+            </a:pPr>
+            <a:endParaRPr b="0" lang="en-US" sz="1100" spc="-1" strike="noStrike">
+              <a:latin typeface="Arial"/>
+            </a:endParaRPr>
+          </a:p>
+          <a:p>
+            <a:pPr>
+              <a:lnSpc>
+                <a:spcPct val="100000"/>
+              </a:lnSpc>
+            </a:pPr>
+            <a:endParaRPr b="0" lang="en-US" sz="1100" spc="-1" strike="noStrike">
+              <a:latin typeface="Arial"/>
+            </a:endParaRPr>
+          </a:p>
+          <a:p>
+            <a:pPr>
+              <a:lnSpc>
+                <a:spcPct val="100000"/>
+              </a:lnSpc>
+            </a:pPr>
+            <a:r>
+              <a:rPr b="0" lang="en-US" sz="1100" spc="-1" strike="noStrike">
+                <a:solidFill>
+                  <a:srgbClr val="000000"/>
+                </a:solidFill>
+                <a:latin typeface="현대하모니 L"/>
+                <a:ea typeface="현대하모니 L"/>
+              </a:rPr>
+              <a:t>※</a:t>
+            </a:r>
+            <a:r>
+              <a:rPr b="0" lang="ko-KR" sz="1100" spc="-1" strike="noStrike">
+                <a:solidFill>
+                  <a:srgbClr val="000000"/>
+                </a:solidFill>
+                <a:latin typeface="현대하모니 L"/>
+                <a:ea typeface="현대하모니 L"/>
+              </a:rPr>
+              <a:t>주의 </a:t>
+            </a:r>
+            <a:r>
+              <a:rPr b="0" lang="en-US" sz="1100" spc="-1" strike="noStrike">
+                <a:solidFill>
+                  <a:srgbClr val="000000"/>
+                </a:solidFill>
+                <a:latin typeface="현대하모니 L"/>
+                <a:ea typeface="현대하모니 L"/>
+              </a:rPr>
+              <a:t>sudo rm -rf / </a:t>
+            </a:r>
+            <a:r>
+              <a:rPr b="0" lang="ko-KR" sz="1100" spc="-1" strike="noStrike">
+                <a:solidFill>
+                  <a:srgbClr val="000000"/>
+                </a:solidFill>
+                <a:latin typeface="현대하모니 L"/>
+                <a:ea typeface="현대하모니 L"/>
+              </a:rPr>
+              <a:t>절대금지</a:t>
+            </a:r>
+            <a:r>
+              <a:rPr b="0" lang="en-US" sz="1100" spc="-1" strike="noStrike">
+                <a:solidFill>
+                  <a:srgbClr val="000000"/>
+                </a:solidFill>
+                <a:latin typeface="현대하모니 L"/>
+                <a:ea typeface="현대하모니 L"/>
+              </a:rPr>
+              <a:t>!!</a:t>
+            </a:r>
+            <a:endParaRPr b="0" lang="en-US" sz="1100" spc="-1" strike="noStrike">
+              <a:latin typeface="Arial"/>
+            </a:endParaRPr>
+          </a:p>
+        </p:txBody>
+      </p:sp>
+      <p:sp>
+        <p:nvSpPr>
+          <p:cNvPr id="148" name="TextBox 1_12"/>
+          <p:cNvSpPr/>
+          <p:nvPr/>
+        </p:nvSpPr>
+        <p:spPr>
+          <a:xfrm>
+            <a:off x="4668120" y="7177320"/>
+            <a:ext cx="954000" cy="272160"/>
+          </a:xfrm>
+          <a:prstGeom prst="rect">
+            <a:avLst/>
+          </a:prstGeom>
+          <a:noFill/>
+          <a:ln w="0">
+            <a:noFill/>
+          </a:ln>
+        </p:spPr>
+        <p:style>
+          <a:lnRef idx="0"/>
+          <a:fillRef idx="0"/>
+          <a:effectRef idx="0"/>
+          <a:fontRef idx="minor"/>
+        </p:style>
+        <p:txBody>
+          <a:bodyPr lIns="90000" rIns="90000" tIns="45000" bIns="45000">
+            <a:spAutoFit/>
+          </a:bodyPr>
+          <a:p>
+            <a:pPr algn="ctr">
+              <a:lnSpc>
+                <a:spcPct val="100000"/>
+              </a:lnSpc>
+            </a:pPr>
+            <a:r>
+              <a:rPr b="0" lang="en-US" sz="1200" spc="-1" strike="noStrike">
+                <a:solidFill>
+                  <a:srgbClr val="000000"/>
+                </a:solidFill>
+                <a:latin typeface="현대하모니 L"/>
+                <a:ea typeface="현대하모니 L"/>
+              </a:rPr>
+              <a:t>00/00</a:t>
+            </a:r>
+            <a:endParaRPr b="0" lang="en-US" sz="1200" spc="-1" strike="noStrike">
+              <a:latin typeface="Arial"/>
+            </a:endParaRPr>
+          </a:p>
+        </p:txBody>
+      </p:sp>
+      <p:sp>
+        <p:nvSpPr>
+          <p:cNvPr id="149" name="TextBox 5_12"/>
+          <p:cNvSpPr/>
+          <p:nvPr/>
+        </p:nvSpPr>
+        <p:spPr>
+          <a:xfrm>
+            <a:off x="327600" y="45000"/>
+            <a:ext cx="4655160" cy="546480"/>
+          </a:xfrm>
+          <a:prstGeom prst="rect">
+            <a:avLst/>
+          </a:prstGeom>
+          <a:noFill/>
+          <a:ln w="0">
+            <a:noFill/>
+          </a:ln>
+        </p:spPr>
+        <p:style>
+          <a:lnRef idx="0"/>
+          <a:fillRef idx="0"/>
+          <a:effectRef idx="0"/>
+          <a:fontRef idx="minor"/>
+        </p:style>
+        <p:txBody>
+          <a:bodyPr lIns="90000" rIns="90000" tIns="45000" bIns="45000">
+            <a:spAutoFit/>
+          </a:bodyPr>
+          <a:p>
+            <a:pPr>
+              <a:lnSpc>
+                <a:spcPct val="100000"/>
+              </a:lnSpc>
+            </a:pPr>
+            <a:r>
+              <a:rPr b="0" lang="en-US" sz="3000" spc="-1" strike="noStrike">
+                <a:solidFill>
+                  <a:srgbClr val="000000"/>
+                </a:solidFill>
+                <a:latin typeface="현대하모니 L"/>
+                <a:ea typeface="현대하모니 L"/>
+              </a:rPr>
+              <a:t>2. </a:t>
+            </a:r>
+            <a:r>
+              <a:rPr b="0" lang="ko-KR" sz="3000" spc="-1" strike="noStrike">
+                <a:solidFill>
+                  <a:srgbClr val="000000"/>
+                </a:solidFill>
+                <a:latin typeface="현대하모니 L"/>
+                <a:ea typeface="현대하모니 L"/>
+              </a:rPr>
+              <a:t>데이터 타입</a:t>
+            </a:r>
+            <a:endParaRPr b="0" lang="en-US" sz="3000" spc="-1" strike="noStrike">
+              <a:latin typeface="Arial"/>
+            </a:endParaRPr>
+          </a:p>
+        </p:txBody>
+      </p:sp>
+      <p:pic>
+        <p:nvPicPr>
+          <p:cNvPr id="150" name="" descr=""/>
+          <p:cNvPicPr/>
+          <p:nvPr/>
+        </p:nvPicPr>
+        <p:blipFill>
+          <a:blip r:embed="rId1"/>
+          <a:stretch/>
+        </p:blipFill>
+        <p:spPr>
+          <a:xfrm>
+            <a:off x="720000" y="4500000"/>
+            <a:ext cx="6962400" cy="1856880"/>
+          </a:xfrm>
+          <a:prstGeom prst="rect">
+            <a:avLst/>
+          </a:prstGeom>
+          <a:ln w="0">
+            <a:noFill/>
+          </a:ln>
+        </p:spPr>
+      </p:pic>
     </p:spTree>
   </p:cSld>
   <mc:AlternateContent>
@@ -5074,7 +8657,7 @@
         <p:spPr>
           <a:xfrm>
             <a:off x="327600" y="45000"/>
-            <a:ext cx="4655880" cy="546840"/>
+            <a:ext cx="4655160" cy="546480"/>
           </a:xfrm>
           <a:prstGeom prst="rect">
             <a:avLst/>
@@ -5135,7 +8718,7 @@
         <p:spPr>
           <a:xfrm>
             <a:off x="621000" y="849240"/>
-            <a:ext cx="9459000" cy="5799240"/>
+            <a:ext cx="9458280" cy="5799240"/>
           </a:xfrm>
           <a:prstGeom prst="rect">
             <a:avLst/>
@@ -5726,7 +9309,7 @@
         <p:spPr>
           <a:xfrm>
             <a:off x="4668120" y="7177320"/>
-            <a:ext cx="954720" cy="272520"/>
+            <a:ext cx="954000" cy="272160"/>
           </a:xfrm>
           <a:prstGeom prst="rect">
             <a:avLst/>
@@ -5781,7 +9364,7 @@
         <p:spPr>
           <a:xfrm>
             <a:off x="720000" y="3060000"/>
-            <a:ext cx="6981480" cy="2676240"/>
+            <a:ext cx="6980760" cy="2675520"/>
           </a:xfrm>
           <a:prstGeom prst="rect">
             <a:avLst/>
@@ -5830,7 +9413,7 @@
         <p:spPr>
           <a:xfrm>
             <a:off x="327600" y="45000"/>
-            <a:ext cx="4655880" cy="546840"/>
+            <a:ext cx="4655160" cy="546480"/>
           </a:xfrm>
           <a:prstGeom prst="rect">
             <a:avLst/>
@@ -5891,7 +9474,7 @@
         <p:spPr>
           <a:xfrm>
             <a:off x="621000" y="849240"/>
-            <a:ext cx="9459000" cy="3940560"/>
+            <a:ext cx="9458280" cy="3103200"/>
           </a:xfrm>
           <a:prstGeom prst="rect">
             <a:avLst/>
@@ -6077,6 +9660,126 @@
                 <a:spcPct val="100000"/>
               </a:lnSpc>
             </a:pPr>
+            <a:r>
+              <a:rPr b="0" lang="ko-KR" sz="1100" spc="-1" strike="noStrike">
+                <a:solidFill>
+                  <a:srgbClr val="000000"/>
+                </a:solidFill>
+                <a:latin typeface="Arial"/>
+                <a:ea typeface="DejaVu Sans"/>
+              </a:rPr>
+              <a:t>사진에서 </a:t>
+            </a:r>
+            <a:r>
+              <a:rPr b="0" lang="en-US" sz="1100" spc="-1" strike="noStrike">
+                <a:solidFill>
+                  <a:srgbClr val="000000"/>
+                </a:solidFill>
+                <a:latin typeface="Arial"/>
+                <a:ea typeface="DejaVu Sans"/>
+              </a:rPr>
+              <a:t>ls </a:t>
+            </a:r>
+            <a:r>
+              <a:rPr b="0" lang="ko-KR" sz="1100" spc="-1" strike="noStrike">
+                <a:solidFill>
+                  <a:srgbClr val="000000"/>
+                </a:solidFill>
+                <a:latin typeface="Arial"/>
+                <a:ea typeface="DejaVu Sans"/>
+              </a:rPr>
+              <a:t>명령어만 보이지 않던 </a:t>
+            </a:r>
+            <a:r>
+              <a:rPr b="0" lang="en-US" sz="1100" spc="-1" strike="noStrike">
+                <a:solidFill>
+                  <a:srgbClr val="000000"/>
+                </a:solidFill>
+                <a:latin typeface="Arial"/>
+                <a:ea typeface="DejaVu Sans"/>
+              </a:rPr>
+              <a:t>.secret.txt </a:t>
+            </a:r>
+            <a:r>
+              <a:rPr b="0" lang="ko-KR" sz="1100" spc="-1" strike="noStrike">
+                <a:solidFill>
+                  <a:srgbClr val="000000"/>
+                </a:solidFill>
+                <a:latin typeface="Arial"/>
+                <a:ea typeface="DejaVu Sans"/>
+              </a:rPr>
+              <a:t>파일이 </a:t>
+            </a:r>
+            <a:r>
+              <a:rPr b="0" lang="en-US" sz="1100" spc="-1" strike="noStrike">
+                <a:solidFill>
+                  <a:srgbClr val="000000"/>
+                </a:solidFill>
+                <a:latin typeface="Arial"/>
+                <a:ea typeface="DejaVu Sans"/>
+              </a:rPr>
+              <a:t>-a </a:t>
+            </a:r>
+            <a:r>
+              <a:rPr b="0" lang="ko-KR" sz="1100" spc="-1" strike="noStrike">
+                <a:solidFill>
+                  <a:srgbClr val="000000"/>
+                </a:solidFill>
+                <a:latin typeface="Arial"/>
+                <a:ea typeface="DejaVu Sans"/>
+              </a:rPr>
+              <a:t>옵션을 추가해서 보니 보였다</a:t>
+            </a:r>
+            <a:r>
+              <a:rPr b="0" lang="en-US" sz="1100" spc="-1" strike="noStrike">
+                <a:solidFill>
+                  <a:srgbClr val="000000"/>
+                </a:solidFill>
+                <a:latin typeface="Arial"/>
+                <a:ea typeface="DejaVu Sans"/>
+              </a:rPr>
+              <a:t>. </a:t>
+            </a:r>
+            <a:r>
+              <a:rPr b="0" lang="ko-KR" sz="1100" spc="-1" strike="noStrike">
+                <a:solidFill>
+                  <a:srgbClr val="000000"/>
+                </a:solidFill>
+                <a:latin typeface="Arial"/>
+                <a:ea typeface="DejaVu Sans"/>
+              </a:rPr>
+              <a:t>이로서 파일명 앞에 </a:t>
+            </a:r>
+            <a:r>
+              <a:rPr b="0" lang="en-US" sz="1100" spc="-1" strike="noStrike">
+                <a:solidFill>
+                  <a:srgbClr val="000000"/>
+                </a:solidFill>
+                <a:latin typeface="Arial"/>
+                <a:ea typeface="DejaVu Sans"/>
+              </a:rPr>
+              <a:t>.</a:t>
+            </a:r>
+            <a:r>
+              <a:rPr b="0" lang="ko-KR" sz="1100" spc="-1" strike="noStrike">
+                <a:solidFill>
+                  <a:srgbClr val="000000"/>
+                </a:solidFill>
+                <a:latin typeface="Arial"/>
+                <a:ea typeface="DejaVu Sans"/>
+              </a:rPr>
+              <a:t>이붙으면 숨긴파일이라는것을 알 수가 있다</a:t>
+            </a:r>
+            <a:r>
+              <a:rPr b="0" lang="en-US" sz="1100" spc="-1" strike="noStrike">
+                <a:solidFill>
+                  <a:srgbClr val="000000"/>
+                </a:solidFill>
+                <a:latin typeface="Arial"/>
+                <a:ea typeface="DejaVu Sans"/>
+              </a:rPr>
+              <a:t>.</a:t>
+            </a:r>
             <a:endParaRPr b="0" lang="en-US" sz="1100" spc="-1" strike="noStrike">
               <a:latin typeface="Arial"/>
             </a:endParaRPr>
@@ -6097,186 +9800,6 @@
                 <a:spcPct val="100000"/>
               </a:lnSpc>
             </a:pPr>
-            <a:endParaRPr b="0" lang="en-US" sz="1100" spc="-1" strike="noStrike">
-              <a:latin typeface="Arial"/>
-            </a:endParaRPr>
-          </a:p>
-          <a:p>
-            <a:pPr>
-              <a:lnSpc>
-                <a:spcPct val="100000"/>
-              </a:lnSpc>
-            </a:pPr>
-            <a:endParaRPr b="0" lang="en-US" sz="1100" spc="-1" strike="noStrike">
-              <a:latin typeface="Arial"/>
-            </a:endParaRPr>
-          </a:p>
-          <a:p>
-            <a:pPr>
-              <a:lnSpc>
-                <a:spcPct val="100000"/>
-              </a:lnSpc>
-            </a:pPr>
-            <a:endParaRPr b="0" lang="en-US" sz="1100" spc="-1" strike="noStrike">
-              <a:latin typeface="Arial"/>
-            </a:endParaRPr>
-          </a:p>
-          <a:p>
-            <a:pPr>
-              <a:lnSpc>
-                <a:spcPct val="100000"/>
-              </a:lnSpc>
-            </a:pPr>
-            <a:endParaRPr b="0" lang="en-US" sz="1100" spc="-1" strike="noStrike">
-              <a:latin typeface="Arial"/>
-            </a:endParaRPr>
-          </a:p>
-          <a:p>
-            <a:pPr>
-              <a:lnSpc>
-                <a:spcPct val="100000"/>
-              </a:lnSpc>
-            </a:pPr>
-            <a:r>
-              <a:rPr b="0" lang="ko-KR" sz="1100" spc="-1" strike="noStrike">
-                <a:solidFill>
-                  <a:srgbClr val="000000"/>
-                </a:solidFill>
-                <a:latin typeface="현대하모니 L"/>
-                <a:ea typeface="현대하모니 L"/>
-              </a:rPr>
-              <a:t>위 사진을 보면 현재디렉토리는 </a:t>
-            </a:r>
-            <a:r>
-              <a:rPr b="0" lang="en-US" sz="1100" spc="-1" strike="noStrike">
-                <a:solidFill>
-                  <a:srgbClr val="000000"/>
-                </a:solidFill>
-                <a:latin typeface="현대하모니 L"/>
-                <a:ea typeface="현대하모니 L"/>
-              </a:rPr>
-              <a:t>~/proj/es02/Lv01-02/HyunhoCha </a:t>
-            </a:r>
-            <a:r>
-              <a:rPr b="0" lang="ko-KR" sz="1100" spc="-1" strike="noStrike">
-                <a:solidFill>
-                  <a:srgbClr val="000000"/>
-                </a:solidFill>
-                <a:latin typeface="현대하모니 L"/>
-                <a:ea typeface="현대하모니 L"/>
-              </a:rPr>
-              <a:t>이다 여기서 </a:t>
-            </a:r>
-            <a:r>
-              <a:rPr b="0" lang="en-US" sz="1100" spc="-1" strike="noStrike">
-                <a:solidFill>
-                  <a:srgbClr val="000000"/>
-                </a:solidFill>
-                <a:latin typeface="현대하모니 L"/>
-                <a:ea typeface="현대하모니 L"/>
-              </a:rPr>
-              <a:t>ls -R </a:t>
-            </a:r>
-            <a:r>
-              <a:rPr b="0" lang="ko-KR" sz="1100" spc="-1" strike="noStrike">
-                <a:solidFill>
-                  <a:srgbClr val="000000"/>
-                </a:solidFill>
-                <a:latin typeface="현대하모니 L"/>
-                <a:ea typeface="현대하모니 L"/>
-              </a:rPr>
-              <a:t>명령어를 사용하면 하위 디렉토리인 </a:t>
-            </a:r>
-            <a:r>
-              <a:rPr b="0" lang="en-US" sz="1100" spc="-1" strike="noStrike">
-                <a:solidFill>
-                  <a:srgbClr val="000000"/>
-                </a:solidFill>
-                <a:latin typeface="현대하모니 L"/>
-                <a:ea typeface="현대하모니 L"/>
-              </a:rPr>
-              <a:t>c</a:t>
-            </a:r>
-            <a:r>
-              <a:rPr b="0" lang="ko-KR" sz="1100" spc="-1" strike="noStrike">
-                <a:solidFill>
-                  <a:srgbClr val="000000"/>
-                </a:solidFill>
-                <a:latin typeface="현대하모니 L"/>
-                <a:ea typeface="현대하모니 L"/>
-              </a:rPr>
-              <a:t>뿐 만아니라 </a:t>
-            </a:r>
-            <a:r>
-              <a:rPr b="0" lang="en-US" sz="1100" spc="-1" strike="noStrike">
-                <a:solidFill>
-                  <a:srgbClr val="000000"/>
-                </a:solidFill>
-                <a:latin typeface="현대하모니 L"/>
-                <a:ea typeface="현대하모니 L"/>
-              </a:rPr>
-              <a:t>c</a:t>
-            </a:r>
-            <a:r>
-              <a:rPr b="0" lang="ko-KR" sz="1100" spc="-1" strike="noStrike">
-                <a:solidFill>
-                  <a:srgbClr val="000000"/>
-                </a:solidFill>
-                <a:latin typeface="현대하모니 L"/>
-                <a:ea typeface="현대하모니 L"/>
-              </a:rPr>
-              <a:t>디렉토리의 하위 디렉토리인 </a:t>
-            </a:r>
-            <a:r>
-              <a:rPr b="0" lang="en-US" sz="1100" spc="-1" strike="noStrike">
-                <a:solidFill>
-                  <a:srgbClr val="000000"/>
-                </a:solidFill>
-                <a:latin typeface="현대하모니 L"/>
-                <a:ea typeface="현대하모니 L"/>
-              </a:rPr>
-              <a:t>01</a:t>
-            </a:r>
-            <a:r>
-              <a:rPr b="0" lang="ko-KR" sz="1100" spc="-1" strike="noStrike">
-                <a:solidFill>
-                  <a:srgbClr val="000000"/>
-                </a:solidFill>
-                <a:latin typeface="현대하모니 L"/>
-                <a:ea typeface="현대하모니 L"/>
-              </a:rPr>
-              <a:t>과 </a:t>
-            </a:r>
-            <a:r>
-              <a:rPr b="0" lang="en-US" sz="1100" spc="-1" strike="noStrike">
-                <a:solidFill>
-                  <a:srgbClr val="000000"/>
-                </a:solidFill>
-                <a:latin typeface="현대하모니 L"/>
-                <a:ea typeface="현대하모니 L"/>
-              </a:rPr>
-              <a:t>01 </a:t>
-            </a:r>
-            <a:r>
-              <a:rPr b="0" lang="ko-KR" sz="1100" spc="-1" strike="noStrike">
-                <a:solidFill>
-                  <a:srgbClr val="000000"/>
-                </a:solidFill>
-                <a:latin typeface="현대하모니 L"/>
-                <a:ea typeface="현대하모니 L"/>
-              </a:rPr>
-              <a:t>디렉토리 안의 파일까지 보여주는것을 확인할 수 있다</a:t>
-            </a:r>
-            <a:r>
-              <a:rPr b="0" lang="en-US" sz="1100" spc="-1" strike="noStrike">
-                <a:solidFill>
-                  <a:srgbClr val="000000"/>
-                </a:solidFill>
-                <a:latin typeface="현대하모니 L"/>
-                <a:ea typeface="현대하모니 L"/>
-              </a:rPr>
-              <a:t>.</a:t>
-            </a:r>
             <a:endParaRPr b="0" lang="en-US" sz="1100" spc="-1" strike="noStrike">
               <a:latin typeface="Arial"/>
             </a:endParaRPr>
@@ -6322,7 +9845,7 @@
         <p:spPr>
           <a:xfrm>
             <a:off x="4668120" y="7177320"/>
-            <a:ext cx="954720" cy="272520"/>
+            <a:ext cx="954000" cy="272160"/>
           </a:xfrm>
           <a:prstGeom prst="rect">
             <a:avLst/>
@@ -6364,6 +9887,29 @@
           </a:p>
         </p:txBody>
       </p:sp>
+      <p:pic>
+        <p:nvPicPr>
+          <p:cNvPr id="104" name="" descr=""/>
+          <p:cNvPicPr/>
+          <p:nvPr/>
+        </p:nvPicPr>
+        <p:blipFill>
+          <a:blip r:embed="rId1"/>
+          <a:stretch/>
+        </p:blipFill>
+        <p:spPr>
+          <a:xfrm>
+            <a:off x="720000" y="1119240"/>
+            <a:ext cx="7000200" cy="1580400"/>
+          </a:xfrm>
+          <a:prstGeom prst="rect">
+            <a:avLst/>
+          </a:prstGeom>
+          <a:ln w="0">
+            <a:noFill/>
+          </a:ln>
+        </p:spPr>
+      </p:pic>
     </p:spTree>
   </p:cSld>
   <mc:AlternateContent>
@@ -6396,14 +9942,14 @@
       </p:grpSpPr>
       <p:sp>
         <p:nvSpPr>
-          <p:cNvPr id="104" name="TextBox 21_1"/>
+          <p:cNvPr id="105" name="TextBox 21_1"/>
           <p:cNvSpPr/>
           <p:nvPr/>
         </p:nvSpPr>
         <p:spPr>
           <a:xfrm>
             <a:off x="621000" y="849240"/>
-            <a:ext cx="4655880" cy="1004760"/>
+            <a:ext cx="9818640" cy="1004760"/>
           </a:xfrm>
           <a:prstGeom prst="rect">
             <a:avLst/>
@@ -6437,7 +9983,37 @@
                 <a:latin typeface="현대하모니 L"/>
                 <a:ea typeface="현대하모니 L"/>
               </a:rPr>
-              <a:t>1) </a:t>
+              <a:t>2. clear</a:t>
+            </a:r>
+            <a:endParaRPr b="0" lang="en-US" sz="2000" spc="-1" strike="noStrike">
+              <a:latin typeface="Arial"/>
+            </a:endParaRPr>
+          </a:p>
+          <a:p>
+            <a:pPr>
+              <a:lnSpc>
+                <a:spcPct val="100000"/>
+              </a:lnSpc>
+            </a:pPr>
+            <a:endParaRPr b="0" lang="en-US" sz="2000" spc="-1" strike="noStrike">
+              <a:latin typeface="Arial"/>
+            </a:endParaRPr>
+          </a:p>
+          <a:p>
+            <a:pPr>
+              <a:lnSpc>
+                <a:spcPct val="100000"/>
+              </a:lnSpc>
+            </a:pPr>
+            <a:r>
+              <a:rPr b="0" lang="en-US" sz="2000" spc="-1" strike="noStrike">
+                <a:solidFill>
+                  <a:srgbClr val="000000"/>
+                </a:solidFill>
+                <a:latin typeface="현대하모니 L"/>
+                <a:ea typeface="현대하모니 L"/>
+              </a:rPr>
+              <a:t>Command </a:t>
             </a:r>
             <a:r>
               <a:rPr b="0" lang="ko-KR" sz="2000" spc="-1" strike="noStrike">
@@ -6447,7 +10023,7 @@
                 <a:latin typeface="현대하모니 L"/>
                 <a:ea typeface="현대하모니 L"/>
               </a:rPr>
-              <a:t>형식은 자유롭게</a:t>
+              <a:t>창을 깨끗하게 비워 주므로 커맨드창 정리시에 사용할 수 있다</a:t>
             </a:r>
             <a:r>
               <a:rPr b="0" lang="en-US" sz="2000" spc="-1" strike="noStrike">
@@ -6457,74 +10033,24 @@
                 <a:latin typeface="현대하모니 L"/>
                 <a:ea typeface="현대하모니 L"/>
               </a:rPr>
-              <a:t>~~~</a:t>
-            </a:r>
-            <a:endParaRPr b="0" lang="en-US" sz="2000" spc="-1" strike="noStrike">
-              <a:latin typeface="Arial"/>
-            </a:endParaRPr>
-          </a:p>
-          <a:p>
-            <a:pPr>
-              <a:lnSpc>
-                <a:spcPct val="100000"/>
-              </a:lnSpc>
-            </a:pPr>
-            <a:endParaRPr b="0" lang="en-US" sz="2000" spc="-1" strike="noStrike">
-              <a:latin typeface="Arial"/>
-            </a:endParaRPr>
-          </a:p>
-          <a:p>
-            <a:pPr>
-              <a:lnSpc>
-                <a:spcPct val="100000"/>
-              </a:lnSpc>
-            </a:pPr>
-            <a:r>
-              <a:rPr b="0" lang="en-US" sz="2000" spc="-1" strike="noStrike">
-                <a:solidFill>
-                  <a:srgbClr val="000000"/>
-                </a:solidFill>
-                <a:latin typeface="현대하모니 L"/>
-                <a:ea typeface="현대하모니 L"/>
-              </a:rPr>
-              <a:t>&lt;</a:t>
-            </a:r>
-            <a:r>
-              <a:rPr b="0" lang="ko-KR" sz="2000" spc="-1" strike="noStrike">
-                <a:solidFill>
-                  <a:srgbClr val="000000"/>
-                </a:solidFill>
-                <a:latin typeface="현대하모니 L"/>
-                <a:ea typeface="현대하모니 L"/>
-              </a:rPr>
-              <a:t>공부 내용을 적어주세요</a:t>
-            </a:r>
-            <a:r>
-              <a:rPr b="0" lang="en-US" sz="2000" spc="-1" strike="noStrike">
-                <a:solidFill>
-                  <a:srgbClr val="000000"/>
-                </a:solidFill>
-                <a:latin typeface="현대하모니 L"/>
-                <a:ea typeface="현대하모니 L"/>
-              </a:rPr>
-              <a:t>.&gt;</a:t>
-            </a:r>
-            <a:endParaRPr b="0" lang="en-US" sz="2000" spc="-1" strike="noStrike">
-              <a:latin typeface="Arial"/>
-            </a:endParaRPr>
-          </a:p>
-        </p:txBody>
-      </p:sp>
-      <p:sp>
-        <p:nvSpPr>
-          <p:cNvPr id="105" name="TextBox 1_1"/>
+              <a:t>. </a:t>
+            </a:r>
+            <a:endParaRPr b="0" lang="en-US" sz="2000" spc="-1" strike="noStrike">
+              <a:latin typeface="Arial"/>
+            </a:endParaRPr>
+          </a:p>
+        </p:txBody>
+      </p:sp>
+      <p:sp>
+        <p:nvSpPr>
+          <p:cNvPr id="106" name="TextBox 1_1"/>
           <p:cNvSpPr/>
           <p:nvPr/>
         </p:nvSpPr>
         <p:spPr>
           <a:xfrm>
             <a:off x="4668120" y="7177320"/>
-            <a:ext cx="954720" cy="272520"/>
+            <a:ext cx="954000" cy="272160"/>
           </a:xfrm>
           <a:prstGeom prst="rect">
             <a:avLst/>
@@ -6568,14 +10094,14 @@
       </p:sp>
       <p:sp>
         <p:nvSpPr>
-          <p:cNvPr id="106" name="TextBox 5_2"/>
+          <p:cNvPr id="107" name="TextBox 5_2"/>
           <p:cNvSpPr/>
           <p:nvPr/>
         </p:nvSpPr>
         <p:spPr>
           <a:xfrm>
             <a:off x="327600" y="45000"/>
-            <a:ext cx="4655880" cy="546840"/>
+            <a:ext cx="4655160" cy="546480"/>
           </a:xfrm>
           <a:prstGeom prst="rect">
             <a:avLst/>
@@ -6627,6 +10153,2647 @@
           </a:p>
         </p:txBody>
       </p:sp>
+      <p:pic>
+        <p:nvPicPr>
+          <p:cNvPr id="108" name="" descr=""/>
+          <p:cNvPicPr/>
+          <p:nvPr/>
+        </p:nvPicPr>
+        <p:blipFill>
+          <a:blip r:embed="rId1"/>
+          <a:stretch/>
+        </p:blipFill>
+        <p:spPr>
+          <a:xfrm>
+            <a:off x="529200" y="2181960"/>
+            <a:ext cx="4330440" cy="3757680"/>
+          </a:xfrm>
+          <a:prstGeom prst="rect">
+            <a:avLst/>
+          </a:prstGeom>
+          <a:ln w="0">
+            <a:noFill/>
+          </a:ln>
+        </p:spPr>
+      </p:pic>
+      <p:pic>
+        <p:nvPicPr>
+          <p:cNvPr id="109" name="" descr=""/>
+          <p:cNvPicPr/>
+          <p:nvPr/>
+        </p:nvPicPr>
+        <p:blipFill>
+          <a:blip r:embed="rId2"/>
+          <a:stretch/>
+        </p:blipFill>
+        <p:spPr>
+          <a:xfrm>
+            <a:off x="5760000" y="2160000"/>
+            <a:ext cx="4350240" cy="3757680"/>
+          </a:xfrm>
+          <a:prstGeom prst="rect">
+            <a:avLst/>
+          </a:prstGeom>
+          <a:ln w="0">
+            <a:noFill/>
+          </a:ln>
+        </p:spPr>
+      </p:pic>
+      <p:sp>
+        <p:nvSpPr>
+          <p:cNvPr id="110" name=""/>
+          <p:cNvSpPr/>
+          <p:nvPr/>
+        </p:nvSpPr>
+        <p:spPr>
+          <a:xfrm>
+            <a:off x="4860000" y="3780000"/>
+            <a:ext cx="899640" cy="359640"/>
+          </a:xfrm>
+          <a:custGeom>
+            <a:avLst/>
+            <a:gdLst/>
+            <a:ahLst/>
+            <a:rect l="l" t="t" r="r" b="b"/>
+            <a:pathLst>
+              <a:path w="2502" h="1002">
+                <a:moveTo>
+                  <a:pt x="0" y="250"/>
+                </a:moveTo>
+                <a:lnTo>
+                  <a:pt x="1875" y="250"/>
+                </a:lnTo>
+                <a:lnTo>
+                  <a:pt x="1875" y="0"/>
+                </a:lnTo>
+                <a:lnTo>
+                  <a:pt x="2501" y="500"/>
+                </a:lnTo>
+                <a:lnTo>
+                  <a:pt x="1875" y="1001"/>
+                </a:lnTo>
+                <a:lnTo>
+                  <a:pt x="1875" y="750"/>
+                </a:lnTo>
+                <a:lnTo>
+                  <a:pt x="0" y="750"/>
+                </a:lnTo>
+                <a:lnTo>
+                  <a:pt x="0" y="250"/>
+                </a:lnTo>
+              </a:path>
+            </a:pathLst>
+          </a:custGeom>
+          <a:solidFill>
+            <a:srgbClr val="729fcf"/>
+          </a:solidFill>
+          <a:ln w="0">
+            <a:solidFill>
+              <a:srgbClr val="3465a4"/>
+            </a:solidFill>
+          </a:ln>
+        </p:spPr>
+        <p:style>
+          <a:lnRef idx="0"/>
+          <a:fillRef idx="0"/>
+          <a:effectRef idx="0"/>
+          <a:fontRef idx="minor"/>
+        </p:style>
+        <p:txBody>
+          <a:bodyPr wrap="none" lIns="90000" rIns="90000" tIns="45000" bIns="45000" anchor="ctr">
+            <a:noAutofit/>
+          </a:bodyPr>
+          <a:p>
+            <a:pPr algn="ctr">
+              <a:lnSpc>
+                <a:spcPct val="100000"/>
+              </a:lnSpc>
+            </a:pPr>
+            <a:r>
+              <a:rPr b="0" lang="en-US" sz="1800" spc="-1" strike="noStrike">
+                <a:solidFill>
+                  <a:srgbClr val="000000"/>
+                </a:solidFill>
+                <a:latin typeface="Arial"/>
+                <a:ea typeface="DejaVu Sans"/>
+              </a:rPr>
+              <a:t>clear</a:t>
+            </a:r>
+            <a:endParaRPr b="0" lang="en-US" sz="1800" spc="-1" strike="noStrike">
+              <a:latin typeface="Arial"/>
+            </a:endParaRPr>
+          </a:p>
+        </p:txBody>
+      </p:sp>
+    </p:spTree>
+  </p:cSld>
+  <mc:AlternateContent>
+    <mc:Choice Requires="p14">
+      <p:transition spd="slow" p14:dur="2000"/>
+    </mc:Choice>
+    <mc:Fallback>
+      <p:transition spd="slow"/>
+    </mc:Fallback>
+  </mc:AlternateContent>
+</p:sld>
+</file>
+
+<file path=ppt/slides/slide5.xml><?xml version="1.0" encoding="utf-8"?>
+<p:sld xmlns:a="http://schemas.openxmlformats.org/drawingml/2006/main" xmlns:p="http://schemas.openxmlformats.org/presentationml/2006/main" xmlns:r="http://schemas.openxmlformats.org/officeDocument/2006/relationships" xmlns:p14="http://schemas.microsoft.com/office/powerpoint/2010/main" xmlns:p15="http://schemas.microsoft.com/office/powerpoint/2012/main" xmlns:mc="http://schemas.openxmlformats.org/markup-compatibility/2006">
+  <p:cSld>
+    <p:spTree>
+      <p:nvGrpSpPr>
+        <p:cNvPr id="1" name=""/>
+        <p:cNvGrpSpPr/>
+        <p:nvPr/>
+      </p:nvGrpSpPr>
+      <p:grpSpPr>
+        <a:xfrm>
+          <a:off x="0" y="0"/>
+          <a:ext cx="0" cy="0"/>
+          <a:chOff x="0" y="0"/>
+          <a:chExt cx="0" cy="0"/>
+        </a:xfrm>
+      </p:grpSpPr>
+      <p:sp>
+        <p:nvSpPr>
+          <p:cNvPr id="111" name="TextBox 21_2"/>
+          <p:cNvSpPr/>
+          <p:nvPr/>
+        </p:nvSpPr>
+        <p:spPr>
+          <a:xfrm>
+            <a:off x="621000" y="849240"/>
+            <a:ext cx="9818640" cy="4113360"/>
+          </a:xfrm>
+          <a:prstGeom prst="rect">
+            <a:avLst/>
+          </a:prstGeom>
+          <a:noFill/>
+          <a:ln w="0">
+            <a:noFill/>
+          </a:ln>
+        </p:spPr>
+        <p:style>
+          <a:lnRef idx="0"/>
+          <a:fillRef idx="0"/>
+          <a:effectRef idx="0"/>
+          <a:fontRef idx="minor"/>
+        </p:style>
+        <p:txBody>
+          <a:bodyPr lIns="90000" rIns="90000" tIns="45000" bIns="45000">
+            <a:spAutoFit/>
+          </a:bodyPr>
+          <a:p>
+            <a:pPr>
+              <a:lnSpc>
+                <a:spcPct val="100000"/>
+              </a:lnSpc>
+            </a:pPr>
+            <a:r>
+              <a:rPr b="0" lang="en-US" sz="2000" spc="-1" strike="noStrike">
+                <a:solidFill>
+                  <a:srgbClr val="000000"/>
+                </a:solidFill>
+                <a:latin typeface="현대하모니 L"/>
+                <a:ea typeface="현대하모니 L"/>
+              </a:rPr>
+              <a:t>3. cp</a:t>
+            </a:r>
+            <a:endParaRPr b="0" lang="en-US" sz="2000" spc="-1" strike="noStrike">
+              <a:latin typeface="Arial"/>
+            </a:endParaRPr>
+          </a:p>
+          <a:p>
+            <a:pPr>
+              <a:lnSpc>
+                <a:spcPct val="100000"/>
+              </a:lnSpc>
+            </a:pPr>
+            <a:endParaRPr b="0" lang="en-US" sz="2000" spc="-1" strike="noStrike">
+              <a:latin typeface="Arial"/>
+            </a:endParaRPr>
+          </a:p>
+          <a:p>
+            <a:pPr>
+              <a:lnSpc>
+                <a:spcPct val="100000"/>
+              </a:lnSpc>
+            </a:pPr>
+            <a:r>
+              <a:rPr b="0" lang="ko-KR" sz="2000" spc="-1" strike="noStrike">
+                <a:solidFill>
+                  <a:srgbClr val="000000"/>
+                </a:solidFill>
+                <a:latin typeface="현대하모니 L"/>
+                <a:ea typeface="현대하모니 L"/>
+              </a:rPr>
+              <a:t>파일 또는 디렉토리를 복사하는 명령어이며 사용법은 </a:t>
+            </a:r>
+            <a:r>
+              <a:rPr b="0" lang="en-US" sz="2000" spc="-1" strike="noStrike">
+                <a:solidFill>
+                  <a:srgbClr val="000000"/>
+                </a:solidFill>
+                <a:latin typeface="현대하모니 L"/>
+                <a:ea typeface="현대하모니 L"/>
+              </a:rPr>
+              <a:t>cp </a:t>
+            </a:r>
+            <a:r>
+              <a:rPr b="0" lang="ko-KR" sz="2000" spc="-1" strike="noStrike">
+                <a:solidFill>
+                  <a:srgbClr val="000000"/>
+                </a:solidFill>
+                <a:latin typeface="현대하모니 L"/>
+                <a:ea typeface="현대하모니 L"/>
+              </a:rPr>
+              <a:t>복사대상 사본의이름 순이다</a:t>
+            </a:r>
+            <a:r>
+              <a:rPr b="0" lang="en-US" sz="2000" spc="-1" strike="noStrike">
+                <a:solidFill>
+                  <a:srgbClr val="000000"/>
+                </a:solidFill>
+                <a:latin typeface="현대하모니 L"/>
+                <a:ea typeface="현대하모니 L"/>
+              </a:rPr>
+              <a:t>.</a:t>
+            </a:r>
+            <a:endParaRPr b="0" lang="en-US" sz="2000" spc="-1" strike="noStrike">
+              <a:latin typeface="Arial"/>
+            </a:endParaRPr>
+          </a:p>
+          <a:p>
+            <a:pPr>
+              <a:lnSpc>
+                <a:spcPct val="100000"/>
+              </a:lnSpc>
+            </a:pPr>
+            <a:endParaRPr b="0" lang="en-US" sz="2000" spc="-1" strike="noStrike">
+              <a:latin typeface="Arial"/>
+            </a:endParaRPr>
+          </a:p>
+          <a:p>
+            <a:pPr>
+              <a:lnSpc>
+                <a:spcPct val="100000"/>
+              </a:lnSpc>
+            </a:pPr>
+            <a:endParaRPr b="0" lang="en-US" sz="2000" spc="-1" strike="noStrike">
+              <a:latin typeface="Arial"/>
+            </a:endParaRPr>
+          </a:p>
+          <a:p>
+            <a:pPr>
+              <a:lnSpc>
+                <a:spcPct val="100000"/>
+              </a:lnSpc>
+            </a:pPr>
+            <a:endParaRPr b="0" lang="en-US" sz="2000" spc="-1" strike="noStrike">
+              <a:latin typeface="Arial"/>
+            </a:endParaRPr>
+          </a:p>
+          <a:p>
+            <a:pPr>
+              <a:lnSpc>
+                <a:spcPct val="100000"/>
+              </a:lnSpc>
+            </a:pPr>
+            <a:endParaRPr b="0" lang="en-US" sz="2000" spc="-1" strike="noStrike">
+              <a:latin typeface="Arial"/>
+            </a:endParaRPr>
+          </a:p>
+          <a:p>
+            <a:pPr>
+              <a:lnSpc>
+                <a:spcPct val="100000"/>
+              </a:lnSpc>
+            </a:pPr>
+            <a:endParaRPr b="0" lang="en-US" sz="2000" spc="-1" strike="noStrike">
+              <a:latin typeface="Arial"/>
+            </a:endParaRPr>
+          </a:p>
+          <a:p>
+            <a:pPr>
+              <a:lnSpc>
+                <a:spcPct val="100000"/>
+              </a:lnSpc>
+            </a:pPr>
+            <a:endParaRPr b="0" lang="en-US" sz="2000" spc="-1" strike="noStrike">
+              <a:latin typeface="Arial"/>
+            </a:endParaRPr>
+          </a:p>
+          <a:p>
+            <a:pPr>
+              <a:lnSpc>
+                <a:spcPct val="100000"/>
+              </a:lnSpc>
+            </a:pPr>
+            <a:endParaRPr b="0" lang="en-US" sz="2000" spc="-1" strike="noStrike">
+              <a:latin typeface="Arial"/>
+            </a:endParaRPr>
+          </a:p>
+          <a:p>
+            <a:pPr>
+              <a:lnSpc>
+                <a:spcPct val="100000"/>
+              </a:lnSpc>
+            </a:pPr>
+            <a:r>
+              <a:rPr b="0" lang="ko-KR" sz="1100" spc="-1" strike="noStrike">
+                <a:solidFill>
+                  <a:srgbClr val="000000"/>
+                </a:solidFill>
+                <a:latin typeface="현대하모니 L"/>
+                <a:ea typeface="현대하모니 L"/>
+              </a:rPr>
+              <a:t>위 사진을 보면 </a:t>
+            </a:r>
+            <a:r>
+              <a:rPr b="0" lang="en-US" sz="1100" spc="-1" strike="noStrike">
+                <a:solidFill>
+                  <a:srgbClr val="000000"/>
+                </a:solidFill>
+                <a:latin typeface="현대하모니 L"/>
+                <a:ea typeface="현대하모니 L"/>
+              </a:rPr>
+              <a:t>cp </a:t>
+            </a:r>
+            <a:r>
+              <a:rPr b="0" lang="ko-KR" sz="1100" spc="-1" strike="noStrike">
+                <a:solidFill>
+                  <a:srgbClr val="000000"/>
+                </a:solidFill>
+                <a:latin typeface="현대하모니 L"/>
+                <a:ea typeface="현대하모니 L"/>
+              </a:rPr>
+              <a:t>명령어를 사용하여 </a:t>
+            </a:r>
+            <a:r>
+              <a:rPr b="0" lang="en-US" sz="1100" spc="-1" strike="noStrike">
+                <a:solidFill>
+                  <a:srgbClr val="000000"/>
+                </a:solidFill>
+                <a:latin typeface="현대하모니 L"/>
+                <a:ea typeface="현대하모니 L"/>
+              </a:rPr>
+              <a:t>test.txt</a:t>
+            </a:r>
+            <a:r>
+              <a:rPr b="0" lang="ko-KR" sz="1100" spc="-1" strike="noStrike">
+                <a:solidFill>
+                  <a:srgbClr val="000000"/>
+                </a:solidFill>
+                <a:latin typeface="현대하모니 L"/>
+                <a:ea typeface="현대하모니 L"/>
+              </a:rPr>
+              <a:t>파일을 복사하여 </a:t>
+            </a:r>
+            <a:r>
+              <a:rPr b="0" lang="en-US" sz="1100" spc="-1" strike="noStrike">
+                <a:solidFill>
+                  <a:srgbClr val="000000"/>
+                </a:solidFill>
+                <a:latin typeface="현대하모니 L"/>
+                <a:ea typeface="현대하모니 L"/>
+              </a:rPr>
+              <a:t>text1.txt </a:t>
+            </a:r>
+            <a:r>
+              <a:rPr b="0" lang="ko-KR" sz="1100" spc="-1" strike="noStrike">
+                <a:solidFill>
+                  <a:srgbClr val="000000"/>
+                </a:solidFill>
+                <a:latin typeface="현대하모니 L"/>
+                <a:ea typeface="현대하모니 L"/>
+              </a:rPr>
+              <a:t>파일을 만들어낸것을 확일 할 수 있다</a:t>
+            </a:r>
+            <a:r>
+              <a:rPr b="0" lang="en-US" sz="1100" spc="-1" strike="noStrike">
+                <a:solidFill>
+                  <a:srgbClr val="000000"/>
+                </a:solidFill>
+                <a:latin typeface="현대하모니 L"/>
+                <a:ea typeface="현대하모니 L"/>
+              </a:rPr>
+              <a:t>.</a:t>
+            </a:r>
+            <a:endParaRPr b="0" lang="en-US" sz="1100" spc="-1" strike="noStrike">
+              <a:latin typeface="Arial"/>
+            </a:endParaRPr>
+          </a:p>
+          <a:p>
+            <a:pPr>
+              <a:lnSpc>
+                <a:spcPct val="100000"/>
+              </a:lnSpc>
+            </a:pPr>
+            <a:endParaRPr b="0" lang="en-US" sz="1100" spc="-1" strike="noStrike">
+              <a:latin typeface="Arial"/>
+            </a:endParaRPr>
+          </a:p>
+          <a:p>
+            <a:pPr>
+              <a:lnSpc>
+                <a:spcPct val="100000"/>
+              </a:lnSpc>
+            </a:pPr>
+            <a:r>
+              <a:rPr b="0" lang="en-US" sz="2000" spc="-1" strike="noStrike">
+                <a:solidFill>
+                  <a:srgbClr val="000000"/>
+                </a:solidFill>
+                <a:latin typeface="현대하모니 L"/>
+                <a:ea typeface="현대하모니 L"/>
+              </a:rPr>
+              <a:t>1) </a:t>
+            </a:r>
+            <a:r>
+              <a:rPr b="0" lang="ko-KR" sz="2000" spc="-1" strike="noStrike">
+                <a:solidFill>
+                  <a:srgbClr val="000000"/>
+                </a:solidFill>
+                <a:latin typeface="현대하모니 L"/>
+                <a:ea typeface="현대하모니 L"/>
+              </a:rPr>
+              <a:t>옵션</a:t>
+            </a:r>
+            <a:endParaRPr b="0" lang="en-US" sz="2000" spc="-1" strike="noStrike">
+              <a:latin typeface="Arial"/>
+            </a:endParaRPr>
+          </a:p>
+          <a:p>
+            <a:pPr>
+              <a:lnSpc>
+                <a:spcPct val="100000"/>
+              </a:lnSpc>
+            </a:pPr>
+            <a:endParaRPr b="0" lang="en-US" sz="2000" spc="-1" strike="noStrike">
+              <a:latin typeface="Arial"/>
+            </a:endParaRPr>
+          </a:p>
+          <a:p>
+            <a:pPr>
+              <a:lnSpc>
+                <a:spcPct val="100000"/>
+              </a:lnSpc>
+            </a:pPr>
+            <a:r>
+              <a:rPr b="0" lang="en-US" sz="1100" spc="-1" strike="noStrike">
+                <a:solidFill>
+                  <a:srgbClr val="000000"/>
+                </a:solidFill>
+                <a:latin typeface="현대하모니 L"/>
+                <a:ea typeface="현대하모니 L"/>
+              </a:rPr>
+              <a:t>● </a:t>
+            </a:r>
+            <a:r>
+              <a:rPr b="0" lang="en-US" sz="1100" spc="-1" strike="noStrike">
+                <a:solidFill>
+                  <a:srgbClr val="000000"/>
+                </a:solidFill>
+                <a:latin typeface="현대하모니 L"/>
+                <a:ea typeface="현대하모니 L"/>
+              </a:rPr>
+              <a:t>cp -r : </a:t>
+            </a:r>
+            <a:r>
+              <a:rPr b="0" lang="ko-KR" sz="1100" spc="-1" strike="noStrike">
+                <a:solidFill>
+                  <a:srgbClr val="000000"/>
+                </a:solidFill>
+                <a:latin typeface="현대하모니 L"/>
+                <a:ea typeface="현대하모니 L"/>
+              </a:rPr>
+              <a:t>아무런 옵션없이 디렉토리를 복사하려고 하면 복사가 실행 되지 않는다</a:t>
+            </a:r>
+            <a:r>
+              <a:rPr b="0" lang="en-US" sz="1100" spc="-1" strike="noStrike">
+                <a:solidFill>
+                  <a:srgbClr val="000000"/>
+                </a:solidFill>
+                <a:latin typeface="현대하모니 L"/>
+                <a:ea typeface="현대하모니 L"/>
+              </a:rPr>
+              <a:t>. </a:t>
+            </a:r>
+            <a:r>
+              <a:rPr b="0" lang="ko-KR" sz="1100" spc="-1" strike="noStrike">
+                <a:solidFill>
+                  <a:srgbClr val="000000"/>
+                </a:solidFill>
+                <a:latin typeface="현대하모니 L"/>
+                <a:ea typeface="현대하모니 L"/>
+              </a:rPr>
+              <a:t>디렉토리를 복사하려면 </a:t>
+            </a:r>
+            <a:r>
+              <a:rPr b="0" lang="en-US" sz="1100" spc="-1" strike="noStrike">
+                <a:solidFill>
+                  <a:srgbClr val="000000"/>
+                </a:solidFill>
+                <a:latin typeface="현대하모니 L"/>
+                <a:ea typeface="현대하모니 L"/>
+              </a:rPr>
+              <a:t>-r </a:t>
+            </a:r>
+            <a:r>
+              <a:rPr b="0" lang="ko-KR" sz="1100" spc="-1" strike="noStrike">
+                <a:solidFill>
+                  <a:srgbClr val="000000"/>
+                </a:solidFill>
+                <a:latin typeface="현대하모니 L"/>
+                <a:ea typeface="현대하모니 L"/>
+              </a:rPr>
+              <a:t>옵션을 사용해야만 한다</a:t>
+            </a:r>
+            <a:r>
+              <a:rPr b="0" lang="en-US" sz="1100" spc="-1" strike="noStrike">
+                <a:solidFill>
+                  <a:srgbClr val="000000"/>
+                </a:solidFill>
+                <a:latin typeface="현대하모니 L"/>
+                <a:ea typeface="현대하모니 L"/>
+              </a:rPr>
+              <a:t>.</a:t>
+            </a:r>
+            <a:endParaRPr b="0" lang="en-US" sz="1100" spc="-1" strike="noStrike">
+              <a:latin typeface="Arial"/>
+            </a:endParaRPr>
+          </a:p>
+        </p:txBody>
+      </p:sp>
+      <p:sp>
+        <p:nvSpPr>
+          <p:cNvPr id="112" name="TextBox 1_2"/>
+          <p:cNvSpPr/>
+          <p:nvPr/>
+        </p:nvSpPr>
+        <p:spPr>
+          <a:xfrm>
+            <a:off x="4668120" y="7177320"/>
+            <a:ext cx="954000" cy="272160"/>
+          </a:xfrm>
+          <a:prstGeom prst="rect">
+            <a:avLst/>
+          </a:prstGeom>
+          <a:noFill/>
+          <a:ln w="0">
+            <a:noFill/>
+          </a:ln>
+        </p:spPr>
+        <p:style>
+          <a:lnRef idx="0"/>
+          <a:fillRef idx="0"/>
+          <a:effectRef idx="0"/>
+          <a:fontRef idx="minor"/>
+        </p:style>
+        <p:txBody>
+          <a:bodyPr lIns="90000" rIns="90000" tIns="45000" bIns="45000">
+            <a:spAutoFit/>
+          </a:bodyPr>
+          <a:p>
+            <a:pPr algn="ctr">
+              <a:lnSpc>
+                <a:spcPct val="100000"/>
+              </a:lnSpc>
+            </a:pPr>
+            <a:r>
+              <a:rPr b="0" lang="en-US" sz="1200" spc="-1" strike="noStrike">
+                <a:solidFill>
+                  <a:srgbClr val="000000"/>
+                </a:solidFill>
+                <a:latin typeface="현대하모니 L"/>
+                <a:ea typeface="현대하모니 L"/>
+              </a:rPr>
+              <a:t>00/00</a:t>
+            </a:r>
+            <a:endParaRPr b="0" lang="en-US" sz="1200" spc="-1" strike="noStrike">
+              <a:latin typeface="Arial"/>
+            </a:endParaRPr>
+          </a:p>
+        </p:txBody>
+      </p:sp>
+      <p:sp>
+        <p:nvSpPr>
+          <p:cNvPr id="113" name="TextBox 5_3"/>
+          <p:cNvSpPr/>
+          <p:nvPr/>
+        </p:nvSpPr>
+        <p:spPr>
+          <a:xfrm>
+            <a:off x="327600" y="45000"/>
+            <a:ext cx="4655160" cy="546480"/>
+          </a:xfrm>
+          <a:prstGeom prst="rect">
+            <a:avLst/>
+          </a:prstGeom>
+          <a:noFill/>
+          <a:ln w="0">
+            <a:noFill/>
+          </a:ln>
+        </p:spPr>
+        <p:style>
+          <a:lnRef idx="0"/>
+          <a:fillRef idx="0"/>
+          <a:effectRef idx="0"/>
+          <a:fontRef idx="minor"/>
+        </p:style>
+        <p:txBody>
+          <a:bodyPr lIns="90000" rIns="90000" tIns="45000" bIns="45000">
+            <a:spAutoFit/>
+          </a:bodyPr>
+          <a:p>
+            <a:pPr>
+              <a:lnSpc>
+                <a:spcPct val="100000"/>
+              </a:lnSpc>
+            </a:pPr>
+            <a:r>
+              <a:rPr b="0" lang="en-US" sz="3000" spc="-1" strike="noStrike">
+                <a:solidFill>
+                  <a:srgbClr val="000000"/>
+                </a:solidFill>
+                <a:latin typeface="현대하모니 L"/>
+                <a:ea typeface="현대하모니 L"/>
+              </a:rPr>
+              <a:t>1. </a:t>
+            </a:r>
+            <a:r>
+              <a:rPr b="0" lang="ko-KR" sz="3000" spc="-1" strike="noStrike">
+                <a:solidFill>
+                  <a:srgbClr val="000000"/>
+                </a:solidFill>
+                <a:latin typeface="현대하모니 L"/>
+                <a:ea typeface="현대하모니 L"/>
+              </a:rPr>
+              <a:t>리눅스 명령어 복습</a:t>
+            </a:r>
+            <a:endParaRPr b="0" lang="en-US" sz="3000" spc="-1" strike="noStrike">
+              <a:latin typeface="Arial"/>
+            </a:endParaRPr>
+          </a:p>
+        </p:txBody>
+      </p:sp>
+      <p:pic>
+        <p:nvPicPr>
+          <p:cNvPr id="114" name="" descr=""/>
+          <p:cNvPicPr/>
+          <p:nvPr/>
+        </p:nvPicPr>
+        <p:blipFill>
+          <a:blip r:embed="rId1"/>
+          <a:stretch/>
+        </p:blipFill>
+        <p:spPr>
+          <a:xfrm>
+            <a:off x="1872720" y="1980000"/>
+            <a:ext cx="6972120" cy="1923840"/>
+          </a:xfrm>
+          <a:prstGeom prst="rect">
+            <a:avLst/>
+          </a:prstGeom>
+          <a:ln w="0">
+            <a:noFill/>
+          </a:ln>
+        </p:spPr>
+      </p:pic>
+      <p:pic>
+        <p:nvPicPr>
+          <p:cNvPr id="115" name="" descr=""/>
+          <p:cNvPicPr/>
+          <p:nvPr/>
+        </p:nvPicPr>
+        <p:blipFill>
+          <a:blip r:embed="rId2"/>
+          <a:stretch/>
+        </p:blipFill>
+        <p:spPr>
+          <a:xfrm>
+            <a:off x="1819440" y="5040000"/>
+            <a:ext cx="7000560" cy="1819080"/>
+          </a:xfrm>
+          <a:prstGeom prst="rect">
+            <a:avLst/>
+          </a:prstGeom>
+          <a:ln w="0">
+            <a:noFill/>
+          </a:ln>
+        </p:spPr>
+      </p:pic>
+    </p:spTree>
+  </p:cSld>
+  <mc:AlternateContent>
+    <mc:Choice Requires="p14">
+      <p:transition spd="slow" p14:dur="2000"/>
+    </mc:Choice>
+    <mc:Fallback>
+      <p:transition spd="slow"/>
+    </mc:Fallback>
+  </mc:AlternateContent>
+</p:sld>
+</file>
+
+<file path=ppt/slides/slide6.xml><?xml version="1.0" encoding="utf-8"?>
+<p:sld xmlns:a="http://schemas.openxmlformats.org/drawingml/2006/main" xmlns:p="http://schemas.openxmlformats.org/presentationml/2006/main" xmlns:r="http://schemas.openxmlformats.org/officeDocument/2006/relationships" xmlns:p14="http://schemas.microsoft.com/office/powerpoint/2010/main" xmlns:p15="http://schemas.microsoft.com/office/powerpoint/2012/main" xmlns:mc="http://schemas.openxmlformats.org/markup-compatibility/2006">
+  <p:cSld>
+    <p:spTree>
+      <p:nvGrpSpPr>
+        <p:cNvPr id="1" name=""/>
+        <p:cNvGrpSpPr/>
+        <p:nvPr/>
+      </p:nvGrpSpPr>
+      <p:grpSpPr>
+        <a:xfrm>
+          <a:off x="0" y="0"/>
+          <a:ext cx="0" cy="0"/>
+          <a:chOff x="0" y="0"/>
+          <a:chExt cx="0" cy="0"/>
+        </a:xfrm>
+      </p:grpSpPr>
+      <p:sp>
+        <p:nvSpPr>
+          <p:cNvPr id="116" name="TextBox 21_4"/>
+          <p:cNvSpPr/>
+          <p:nvPr/>
+        </p:nvSpPr>
+        <p:spPr>
+          <a:xfrm>
+            <a:off x="621000" y="849240"/>
+            <a:ext cx="9818640" cy="3474360"/>
+          </a:xfrm>
+          <a:prstGeom prst="rect">
+            <a:avLst/>
+          </a:prstGeom>
+          <a:noFill/>
+          <a:ln w="0">
+            <a:noFill/>
+          </a:ln>
+        </p:spPr>
+        <p:style>
+          <a:lnRef idx="0"/>
+          <a:fillRef idx="0"/>
+          <a:effectRef idx="0"/>
+          <a:fontRef idx="minor"/>
+        </p:style>
+        <p:txBody>
+          <a:bodyPr lIns="90000" rIns="90000" tIns="45000" bIns="45000">
+            <a:spAutoFit/>
+          </a:bodyPr>
+          <a:p>
+            <a:pPr>
+              <a:lnSpc>
+                <a:spcPct val="100000"/>
+              </a:lnSpc>
+            </a:pPr>
+            <a:r>
+              <a:rPr b="0" lang="en-US" sz="2000" spc="-1" strike="noStrike">
+                <a:solidFill>
+                  <a:srgbClr val="000000"/>
+                </a:solidFill>
+                <a:latin typeface="현대하모니 L"/>
+                <a:ea typeface="현대하모니 L"/>
+              </a:rPr>
+              <a:t>4. mkdir</a:t>
+            </a:r>
+            <a:endParaRPr b="0" lang="en-US" sz="2000" spc="-1" strike="noStrike">
+              <a:latin typeface="Arial"/>
+            </a:endParaRPr>
+          </a:p>
+          <a:p>
+            <a:pPr>
+              <a:lnSpc>
+                <a:spcPct val="100000"/>
+              </a:lnSpc>
+            </a:pPr>
+            <a:endParaRPr b="0" lang="en-US" sz="2000" spc="-1" strike="noStrike">
+              <a:latin typeface="Arial"/>
+            </a:endParaRPr>
+          </a:p>
+          <a:p>
+            <a:pPr>
+              <a:lnSpc>
+                <a:spcPct val="100000"/>
+              </a:lnSpc>
+            </a:pPr>
+            <a:r>
+              <a:rPr b="0" lang="en-US" sz="2000" spc="-1" strike="noStrike">
+                <a:solidFill>
+                  <a:srgbClr val="000000"/>
+                </a:solidFill>
+                <a:latin typeface="현대하모니 L"/>
+                <a:ea typeface="현대하모니 L"/>
+              </a:rPr>
+              <a:t>Make directory</a:t>
+            </a:r>
+            <a:r>
+              <a:rPr b="0" lang="ko-KR" sz="2000" spc="-1" strike="noStrike">
+                <a:solidFill>
+                  <a:srgbClr val="000000"/>
+                </a:solidFill>
+                <a:latin typeface="현대하모니 L"/>
+                <a:ea typeface="현대하모니 L"/>
+              </a:rPr>
+              <a:t>의 약자로서 말그대로 디렉토리를 생성하는 명령어이다</a:t>
+            </a:r>
+            <a:r>
+              <a:rPr b="0" lang="en-US" sz="2000" spc="-1" strike="noStrike">
+                <a:solidFill>
+                  <a:srgbClr val="000000"/>
+                </a:solidFill>
+                <a:latin typeface="현대하모니 L"/>
+                <a:ea typeface="현대하모니 L"/>
+              </a:rPr>
+              <a:t>.</a:t>
+            </a:r>
+            <a:endParaRPr b="0" lang="en-US" sz="2000" spc="-1" strike="noStrike">
+              <a:latin typeface="Arial"/>
+            </a:endParaRPr>
+          </a:p>
+          <a:p>
+            <a:pPr>
+              <a:lnSpc>
+                <a:spcPct val="100000"/>
+              </a:lnSpc>
+            </a:pPr>
+            <a:endParaRPr b="0" lang="en-US" sz="2000" spc="-1" strike="noStrike">
+              <a:latin typeface="Arial"/>
+            </a:endParaRPr>
+          </a:p>
+          <a:p>
+            <a:pPr>
+              <a:lnSpc>
+                <a:spcPct val="100000"/>
+              </a:lnSpc>
+            </a:pPr>
+            <a:endParaRPr b="0" lang="en-US" sz="2000" spc="-1" strike="noStrike">
+              <a:latin typeface="Arial"/>
+            </a:endParaRPr>
+          </a:p>
+          <a:p>
+            <a:pPr>
+              <a:lnSpc>
+                <a:spcPct val="100000"/>
+              </a:lnSpc>
+            </a:pPr>
+            <a:endParaRPr b="0" lang="en-US" sz="2000" spc="-1" strike="noStrike">
+              <a:latin typeface="Arial"/>
+            </a:endParaRPr>
+          </a:p>
+          <a:p>
+            <a:pPr>
+              <a:lnSpc>
+                <a:spcPct val="100000"/>
+              </a:lnSpc>
+            </a:pPr>
+            <a:endParaRPr b="0" lang="en-US" sz="2000" spc="-1" strike="noStrike">
+              <a:latin typeface="Arial"/>
+            </a:endParaRPr>
+          </a:p>
+          <a:p>
+            <a:pPr>
+              <a:lnSpc>
+                <a:spcPct val="100000"/>
+              </a:lnSpc>
+            </a:pPr>
+            <a:endParaRPr b="0" lang="en-US" sz="2000" spc="-1" strike="noStrike">
+              <a:latin typeface="Arial"/>
+            </a:endParaRPr>
+          </a:p>
+          <a:p>
+            <a:pPr>
+              <a:lnSpc>
+                <a:spcPct val="100000"/>
+              </a:lnSpc>
+            </a:pPr>
+            <a:endParaRPr b="0" lang="en-US" sz="2000" spc="-1" strike="noStrike">
+              <a:latin typeface="Arial"/>
+            </a:endParaRPr>
+          </a:p>
+          <a:p>
+            <a:pPr>
+              <a:lnSpc>
+                <a:spcPct val="100000"/>
+              </a:lnSpc>
+            </a:pPr>
+            <a:r>
+              <a:rPr b="0" lang="en-US" sz="2000" spc="-1" strike="noStrike">
+                <a:solidFill>
+                  <a:srgbClr val="000000"/>
+                </a:solidFill>
+                <a:latin typeface="현대하모니 L"/>
+                <a:ea typeface="현대하모니 L"/>
+              </a:rPr>
+              <a:t>1) </a:t>
+            </a:r>
+            <a:r>
+              <a:rPr b="0" lang="ko-KR" sz="2000" spc="-1" strike="noStrike">
+                <a:solidFill>
+                  <a:srgbClr val="000000"/>
+                </a:solidFill>
+                <a:latin typeface="현대하모니 L"/>
+                <a:ea typeface="현대하모니 L"/>
+              </a:rPr>
+              <a:t>옵션</a:t>
+            </a:r>
+            <a:endParaRPr b="0" lang="en-US" sz="2000" spc="-1" strike="noStrike">
+              <a:latin typeface="Arial"/>
+            </a:endParaRPr>
+          </a:p>
+          <a:p>
+            <a:pPr>
+              <a:lnSpc>
+                <a:spcPct val="100000"/>
+              </a:lnSpc>
+            </a:pPr>
+            <a:r>
+              <a:rPr b="0" lang="en-US" sz="1100" spc="-1" strike="noStrike">
+                <a:solidFill>
+                  <a:srgbClr val="000000"/>
+                </a:solidFill>
+                <a:latin typeface="현대하모니 L"/>
+                <a:ea typeface="현대하모니 L"/>
+              </a:rPr>
+              <a:t>● </a:t>
+            </a:r>
+            <a:r>
+              <a:rPr b="0" lang="en-US" sz="1100" spc="-1" strike="noStrike">
+                <a:solidFill>
+                  <a:srgbClr val="000000"/>
+                </a:solidFill>
+                <a:latin typeface="현대하모니 L"/>
+                <a:ea typeface="현대하모니 L"/>
+              </a:rPr>
+              <a:t>mkdir -p : </a:t>
+            </a:r>
+            <a:r>
+              <a:rPr b="0" lang="ko-KR" sz="1100" spc="-1" strike="noStrike">
+                <a:solidFill>
+                  <a:srgbClr val="000000"/>
+                </a:solidFill>
+                <a:latin typeface="현대하모니 L"/>
+                <a:ea typeface="현대하모니 L"/>
+              </a:rPr>
+              <a:t>한개의 디랙토리 뿐만 아니라 하위 디렉토리까지 한번에 생성하려면 </a:t>
+            </a:r>
+            <a:r>
+              <a:rPr b="0" lang="en-US" sz="1100" spc="-1" strike="noStrike">
+                <a:solidFill>
+                  <a:srgbClr val="000000"/>
+                </a:solidFill>
+                <a:latin typeface="현대하모니 L"/>
+                <a:ea typeface="현대하모니 L"/>
+              </a:rPr>
+              <a:t>-p </a:t>
+            </a:r>
+            <a:r>
+              <a:rPr b="0" lang="ko-KR" sz="1100" spc="-1" strike="noStrike">
+                <a:solidFill>
+                  <a:srgbClr val="000000"/>
+                </a:solidFill>
+                <a:latin typeface="현대하모니 L"/>
+                <a:ea typeface="현대하모니 L"/>
+              </a:rPr>
+              <a:t>옵션을 사용한다</a:t>
+            </a:r>
+            <a:r>
+              <a:rPr b="0" lang="en-US" sz="1100" spc="-1" strike="noStrike">
+                <a:solidFill>
+                  <a:srgbClr val="000000"/>
+                </a:solidFill>
+                <a:latin typeface="현대하모니 L"/>
+                <a:ea typeface="현대하모니 L"/>
+              </a:rPr>
+              <a:t>.</a:t>
+            </a:r>
+            <a:endParaRPr b="0" lang="en-US" sz="1100" spc="-1" strike="noStrike">
+              <a:latin typeface="Arial"/>
+            </a:endParaRPr>
+          </a:p>
+          <a:p>
+            <a:pPr>
+              <a:lnSpc>
+                <a:spcPct val="100000"/>
+              </a:lnSpc>
+            </a:pPr>
+            <a:endParaRPr b="0" lang="en-US" sz="1100" spc="-1" strike="noStrike">
+              <a:latin typeface="Arial"/>
+            </a:endParaRPr>
+          </a:p>
+        </p:txBody>
+      </p:sp>
+      <p:sp>
+        <p:nvSpPr>
+          <p:cNvPr id="117" name="TextBox 1_4"/>
+          <p:cNvSpPr/>
+          <p:nvPr/>
+        </p:nvSpPr>
+        <p:spPr>
+          <a:xfrm>
+            <a:off x="4668120" y="7177320"/>
+            <a:ext cx="954000" cy="272160"/>
+          </a:xfrm>
+          <a:prstGeom prst="rect">
+            <a:avLst/>
+          </a:prstGeom>
+          <a:noFill/>
+          <a:ln w="0">
+            <a:noFill/>
+          </a:ln>
+        </p:spPr>
+        <p:style>
+          <a:lnRef idx="0"/>
+          <a:fillRef idx="0"/>
+          <a:effectRef idx="0"/>
+          <a:fontRef idx="minor"/>
+        </p:style>
+        <p:txBody>
+          <a:bodyPr lIns="90000" rIns="90000" tIns="45000" bIns="45000">
+            <a:spAutoFit/>
+          </a:bodyPr>
+          <a:p>
+            <a:pPr algn="ctr">
+              <a:lnSpc>
+                <a:spcPct val="100000"/>
+              </a:lnSpc>
+            </a:pPr>
+            <a:r>
+              <a:rPr b="0" lang="en-US" sz="1200" spc="-1" strike="noStrike">
+                <a:solidFill>
+                  <a:srgbClr val="000000"/>
+                </a:solidFill>
+                <a:latin typeface="현대하모니 L"/>
+                <a:ea typeface="현대하모니 L"/>
+              </a:rPr>
+              <a:t>00/00</a:t>
+            </a:r>
+            <a:endParaRPr b="0" lang="en-US" sz="1200" spc="-1" strike="noStrike">
+              <a:latin typeface="Arial"/>
+            </a:endParaRPr>
+          </a:p>
+        </p:txBody>
+      </p:sp>
+      <p:sp>
+        <p:nvSpPr>
+          <p:cNvPr id="118" name="TextBox 5_4"/>
+          <p:cNvSpPr/>
+          <p:nvPr/>
+        </p:nvSpPr>
+        <p:spPr>
+          <a:xfrm>
+            <a:off x="327600" y="45000"/>
+            <a:ext cx="4655160" cy="546480"/>
+          </a:xfrm>
+          <a:prstGeom prst="rect">
+            <a:avLst/>
+          </a:prstGeom>
+          <a:noFill/>
+          <a:ln w="0">
+            <a:noFill/>
+          </a:ln>
+        </p:spPr>
+        <p:style>
+          <a:lnRef idx="0"/>
+          <a:fillRef idx="0"/>
+          <a:effectRef idx="0"/>
+          <a:fontRef idx="minor"/>
+        </p:style>
+        <p:txBody>
+          <a:bodyPr lIns="90000" rIns="90000" tIns="45000" bIns="45000">
+            <a:spAutoFit/>
+          </a:bodyPr>
+          <a:p>
+            <a:pPr>
+              <a:lnSpc>
+                <a:spcPct val="100000"/>
+              </a:lnSpc>
+            </a:pPr>
+            <a:r>
+              <a:rPr b="0" lang="en-US" sz="3000" spc="-1" strike="noStrike">
+                <a:solidFill>
+                  <a:srgbClr val="000000"/>
+                </a:solidFill>
+                <a:latin typeface="현대하모니 L"/>
+                <a:ea typeface="현대하모니 L"/>
+              </a:rPr>
+              <a:t>1. </a:t>
+            </a:r>
+            <a:r>
+              <a:rPr b="0" lang="ko-KR" sz="3000" spc="-1" strike="noStrike">
+                <a:solidFill>
+                  <a:srgbClr val="000000"/>
+                </a:solidFill>
+                <a:latin typeface="현대하모니 L"/>
+                <a:ea typeface="현대하모니 L"/>
+              </a:rPr>
+              <a:t>리눅스 명령어 복습</a:t>
+            </a:r>
+            <a:endParaRPr b="0" lang="en-US" sz="3000" spc="-1" strike="noStrike">
+              <a:latin typeface="Arial"/>
+            </a:endParaRPr>
+          </a:p>
+        </p:txBody>
+      </p:sp>
+      <p:pic>
+        <p:nvPicPr>
+          <p:cNvPr id="119" name="" descr=""/>
+          <p:cNvPicPr/>
+          <p:nvPr/>
+        </p:nvPicPr>
+        <p:blipFill>
+          <a:blip r:embed="rId1"/>
+          <a:stretch/>
+        </p:blipFill>
+        <p:spPr>
+          <a:xfrm>
+            <a:off x="720000" y="2039400"/>
+            <a:ext cx="7009920" cy="1380600"/>
+          </a:xfrm>
+          <a:prstGeom prst="rect">
+            <a:avLst/>
+          </a:prstGeom>
+          <a:ln w="0">
+            <a:noFill/>
+          </a:ln>
+        </p:spPr>
+      </p:pic>
+      <p:pic>
+        <p:nvPicPr>
+          <p:cNvPr id="120" name="" descr=""/>
+          <p:cNvPicPr/>
+          <p:nvPr/>
+        </p:nvPicPr>
+        <p:blipFill>
+          <a:blip r:embed="rId2"/>
+          <a:stretch/>
+        </p:blipFill>
+        <p:spPr>
+          <a:xfrm rot="9600">
+            <a:off x="734760" y="4275720"/>
+            <a:ext cx="6943320" cy="2573640"/>
+          </a:xfrm>
+          <a:prstGeom prst="rect">
+            <a:avLst/>
+          </a:prstGeom>
+          <a:ln w="0">
+            <a:noFill/>
+          </a:ln>
+        </p:spPr>
+      </p:pic>
+    </p:spTree>
+  </p:cSld>
+  <mc:AlternateContent>
+    <mc:Choice Requires="p14">
+      <p:transition spd="slow" p14:dur="2000"/>
+    </mc:Choice>
+    <mc:Fallback>
+      <p:transition spd="slow"/>
+    </mc:Fallback>
+  </mc:AlternateContent>
+</p:sld>
+</file>
+
+<file path=ppt/slides/slide7.xml><?xml version="1.0" encoding="utf-8"?>
+<p:sld xmlns:a="http://schemas.openxmlformats.org/drawingml/2006/main" xmlns:p="http://schemas.openxmlformats.org/presentationml/2006/main" xmlns:r="http://schemas.openxmlformats.org/officeDocument/2006/relationships" xmlns:p14="http://schemas.microsoft.com/office/powerpoint/2010/main" xmlns:p15="http://schemas.microsoft.com/office/powerpoint/2012/main" xmlns:mc="http://schemas.openxmlformats.org/markup-compatibility/2006">
+  <p:cSld>
+    <p:spTree>
+      <p:nvGrpSpPr>
+        <p:cNvPr id="1" name=""/>
+        <p:cNvGrpSpPr/>
+        <p:nvPr/>
+      </p:nvGrpSpPr>
+      <p:grpSpPr>
+        <a:xfrm>
+          <a:off x="0" y="0"/>
+          <a:ext cx="0" cy="0"/>
+          <a:chOff x="0" y="0"/>
+          <a:chExt cx="0" cy="0"/>
+        </a:xfrm>
+      </p:grpSpPr>
+      <p:sp>
+        <p:nvSpPr>
+          <p:cNvPr id="121" name="TextBox 21_5"/>
+          <p:cNvSpPr/>
+          <p:nvPr/>
+        </p:nvSpPr>
+        <p:spPr>
+          <a:xfrm>
+            <a:off x="621000" y="849240"/>
+            <a:ext cx="9818640" cy="5028120"/>
+          </a:xfrm>
+          <a:prstGeom prst="rect">
+            <a:avLst/>
+          </a:prstGeom>
+          <a:noFill/>
+          <a:ln w="0">
+            <a:noFill/>
+          </a:ln>
+        </p:spPr>
+        <p:style>
+          <a:lnRef idx="0"/>
+          <a:fillRef idx="0"/>
+          <a:effectRef idx="0"/>
+          <a:fontRef idx="minor"/>
+        </p:style>
+        <p:txBody>
+          <a:bodyPr lIns="90000" rIns="90000" tIns="45000" bIns="45000">
+            <a:spAutoFit/>
+          </a:bodyPr>
+          <a:p>
+            <a:pPr>
+              <a:lnSpc>
+                <a:spcPct val="100000"/>
+              </a:lnSpc>
+            </a:pPr>
+            <a:r>
+              <a:rPr b="0" lang="en-US" sz="2000" spc="-1" strike="noStrike">
+                <a:solidFill>
+                  <a:srgbClr val="000000"/>
+                </a:solidFill>
+                <a:latin typeface="현대하모니 L"/>
+                <a:ea typeface="현대하모니 L"/>
+              </a:rPr>
+              <a:t>5. cd</a:t>
+            </a:r>
+            <a:endParaRPr b="0" lang="en-US" sz="2000" spc="-1" strike="noStrike">
+              <a:latin typeface="Arial"/>
+            </a:endParaRPr>
+          </a:p>
+          <a:p>
+            <a:pPr>
+              <a:lnSpc>
+                <a:spcPct val="100000"/>
+              </a:lnSpc>
+            </a:pPr>
+            <a:endParaRPr b="0" lang="en-US" sz="2000" spc="-1" strike="noStrike">
+              <a:latin typeface="Arial"/>
+            </a:endParaRPr>
+          </a:p>
+          <a:p>
+            <a:pPr>
+              <a:lnSpc>
+                <a:spcPct val="100000"/>
+              </a:lnSpc>
+            </a:pPr>
+            <a:r>
+              <a:rPr b="0" lang="en-US" sz="2000" spc="-1" strike="noStrike">
+                <a:solidFill>
+                  <a:srgbClr val="000000"/>
+                </a:solidFill>
+                <a:latin typeface="현대하모니 L"/>
+                <a:ea typeface="현대하모니 L"/>
+              </a:rPr>
+              <a:t>Change directory</a:t>
+            </a:r>
+            <a:r>
+              <a:rPr b="0" lang="ko-KR" sz="2000" spc="-1" strike="noStrike">
+                <a:solidFill>
+                  <a:srgbClr val="000000"/>
+                </a:solidFill>
+                <a:latin typeface="현대하모니 L"/>
+                <a:ea typeface="현대하모니 L"/>
+              </a:rPr>
+              <a:t>의 약자로 디렉토리를 이동하는 명령어이다</a:t>
+            </a:r>
+            <a:r>
+              <a:rPr b="0" lang="en-US" sz="2000" spc="-1" strike="noStrike">
+                <a:solidFill>
+                  <a:srgbClr val="000000"/>
+                </a:solidFill>
+                <a:latin typeface="현대하모니 L"/>
+                <a:ea typeface="현대하모니 L"/>
+              </a:rPr>
+              <a:t>.</a:t>
+            </a:r>
+            <a:endParaRPr b="0" lang="en-US" sz="2000" spc="-1" strike="noStrike">
+              <a:latin typeface="Arial"/>
+            </a:endParaRPr>
+          </a:p>
+          <a:p>
+            <a:pPr>
+              <a:lnSpc>
+                <a:spcPct val="100000"/>
+              </a:lnSpc>
+            </a:pPr>
+            <a:endParaRPr b="0" lang="en-US" sz="2000" spc="-1" strike="noStrike">
+              <a:latin typeface="Arial"/>
+            </a:endParaRPr>
+          </a:p>
+          <a:p>
+            <a:pPr>
+              <a:lnSpc>
+                <a:spcPct val="100000"/>
+              </a:lnSpc>
+            </a:pPr>
+            <a:endParaRPr b="0" lang="en-US" sz="2000" spc="-1" strike="noStrike">
+              <a:latin typeface="Arial"/>
+            </a:endParaRPr>
+          </a:p>
+          <a:p>
+            <a:pPr>
+              <a:lnSpc>
+                <a:spcPct val="100000"/>
+              </a:lnSpc>
+            </a:pPr>
+            <a:endParaRPr b="0" lang="en-US" sz="2000" spc="-1" strike="noStrike">
+              <a:latin typeface="Arial"/>
+            </a:endParaRPr>
+          </a:p>
+          <a:p>
+            <a:pPr>
+              <a:lnSpc>
+                <a:spcPct val="100000"/>
+              </a:lnSpc>
+            </a:pPr>
+            <a:endParaRPr b="0" lang="en-US" sz="2000" spc="-1" strike="noStrike">
+              <a:latin typeface="Arial"/>
+            </a:endParaRPr>
+          </a:p>
+          <a:p>
+            <a:pPr>
+              <a:lnSpc>
+                <a:spcPct val="100000"/>
+              </a:lnSpc>
+            </a:pPr>
+            <a:endParaRPr b="0" lang="en-US" sz="2000" spc="-1" strike="noStrike">
+              <a:latin typeface="Arial"/>
+            </a:endParaRPr>
+          </a:p>
+          <a:p>
+            <a:pPr>
+              <a:lnSpc>
+                <a:spcPct val="100000"/>
+              </a:lnSpc>
+            </a:pPr>
+            <a:endParaRPr b="0" lang="en-US" sz="2000" spc="-1" strike="noStrike">
+              <a:latin typeface="Arial"/>
+            </a:endParaRPr>
+          </a:p>
+          <a:p>
+            <a:pPr>
+              <a:lnSpc>
+                <a:spcPct val="100000"/>
+              </a:lnSpc>
+            </a:pPr>
+            <a:r>
+              <a:rPr b="0" lang="ko-KR" sz="1100" spc="-1" strike="noStrike">
+                <a:solidFill>
+                  <a:srgbClr val="000000"/>
+                </a:solidFill>
+                <a:latin typeface="현대하모니 L"/>
+                <a:ea typeface="현대하모니 L"/>
+              </a:rPr>
+              <a:t>우분투에서 </a:t>
+            </a:r>
+            <a:r>
+              <a:rPr b="0" lang="en-US" sz="1100" spc="-1" strike="noStrike">
+                <a:solidFill>
+                  <a:srgbClr val="000000"/>
+                </a:solidFill>
+                <a:latin typeface="현대하모니 L"/>
+                <a:ea typeface="현대하모니 L"/>
+              </a:rPr>
+              <a:t>. </a:t>
+            </a:r>
+            <a:r>
+              <a:rPr b="0" lang="ko-KR" sz="1100" spc="-1" strike="noStrike">
+                <a:solidFill>
+                  <a:srgbClr val="000000"/>
+                </a:solidFill>
+                <a:latin typeface="현대하모니 L"/>
+                <a:ea typeface="현대하모니 L"/>
+              </a:rPr>
+              <a:t>의 경우에 현재 위치를 의미하며 </a:t>
+            </a:r>
+            <a:r>
+              <a:rPr b="0" lang="en-US" sz="1100" spc="-1" strike="noStrike">
+                <a:solidFill>
+                  <a:srgbClr val="000000"/>
+                </a:solidFill>
+                <a:latin typeface="현대하모니 L"/>
+                <a:ea typeface="현대하모니 L"/>
+              </a:rPr>
+              <a:t>..</a:t>
+            </a:r>
+            <a:r>
+              <a:rPr b="0" lang="ko-KR" sz="1100" spc="-1" strike="noStrike">
+                <a:solidFill>
+                  <a:srgbClr val="000000"/>
+                </a:solidFill>
+                <a:latin typeface="현대하모니 L"/>
+                <a:ea typeface="현대하모니 L"/>
+              </a:rPr>
+              <a:t>은 상위 디렉토리를 의미한다</a:t>
+            </a:r>
+            <a:r>
+              <a:rPr b="0" lang="en-US" sz="1100" spc="-1" strike="noStrike">
+                <a:solidFill>
+                  <a:srgbClr val="000000"/>
+                </a:solidFill>
+                <a:latin typeface="현대하모니 L"/>
+                <a:ea typeface="현대하모니 L"/>
+              </a:rPr>
+              <a:t>. ../..</a:t>
+            </a:r>
+            <a:r>
+              <a:rPr b="0" lang="ko-KR" sz="1100" spc="-1" strike="noStrike">
+                <a:solidFill>
+                  <a:srgbClr val="000000"/>
+                </a:solidFill>
+                <a:latin typeface="현대하모니 L"/>
+                <a:ea typeface="현대하모니 L"/>
+              </a:rPr>
+              <a:t>의 경우 </a:t>
+            </a:r>
+            <a:r>
+              <a:rPr b="0" lang="en-US" sz="1100" spc="-1" strike="noStrike">
+                <a:solidFill>
+                  <a:srgbClr val="000000"/>
+                </a:solidFill>
+                <a:latin typeface="현대하모니 L"/>
+                <a:ea typeface="현대하모니 L"/>
+              </a:rPr>
+              <a:t>2</a:t>
+            </a:r>
+            <a:r>
+              <a:rPr b="0" lang="ko-KR" sz="1100" spc="-1" strike="noStrike">
+                <a:solidFill>
+                  <a:srgbClr val="000000"/>
+                </a:solidFill>
+                <a:latin typeface="현대하모니 L"/>
+                <a:ea typeface="현대하모니 L"/>
+              </a:rPr>
+              <a:t>번 상위 디렉토리로 올라간다</a:t>
+            </a:r>
+            <a:r>
+              <a:rPr b="0" lang="en-US" sz="1100" spc="-1" strike="noStrike">
+                <a:solidFill>
+                  <a:srgbClr val="000000"/>
+                </a:solidFill>
+                <a:latin typeface="현대하모니 L"/>
+                <a:ea typeface="현대하모니 L"/>
+              </a:rPr>
+              <a:t>.</a:t>
+            </a:r>
+            <a:endParaRPr b="0" lang="en-US" sz="1100" spc="-1" strike="noStrike">
+              <a:latin typeface="Arial"/>
+            </a:endParaRPr>
+          </a:p>
+          <a:p>
+            <a:pPr>
+              <a:lnSpc>
+                <a:spcPct val="100000"/>
+              </a:lnSpc>
+            </a:pPr>
+            <a:endParaRPr b="0" lang="en-US" sz="1100" spc="-1" strike="noStrike">
+              <a:latin typeface="Arial"/>
+            </a:endParaRPr>
+          </a:p>
+          <a:p>
+            <a:pPr>
+              <a:lnSpc>
+                <a:spcPct val="100000"/>
+              </a:lnSpc>
+            </a:pPr>
+            <a:endParaRPr b="0" lang="en-US" sz="1100" spc="-1" strike="noStrike">
+              <a:latin typeface="Arial"/>
+            </a:endParaRPr>
+          </a:p>
+          <a:p>
+            <a:pPr>
+              <a:lnSpc>
+                <a:spcPct val="100000"/>
+              </a:lnSpc>
+            </a:pPr>
+            <a:endParaRPr b="0" lang="en-US" sz="1100" spc="-1" strike="noStrike">
+              <a:latin typeface="Arial"/>
+            </a:endParaRPr>
+          </a:p>
+          <a:p>
+            <a:pPr>
+              <a:lnSpc>
+                <a:spcPct val="100000"/>
+              </a:lnSpc>
+            </a:pPr>
+            <a:endParaRPr b="0" lang="en-US" sz="1100" spc="-1" strike="noStrike">
+              <a:latin typeface="Arial"/>
+            </a:endParaRPr>
+          </a:p>
+          <a:p>
+            <a:pPr>
+              <a:lnSpc>
+                <a:spcPct val="100000"/>
+              </a:lnSpc>
+            </a:pPr>
+            <a:endParaRPr b="0" lang="en-US" sz="1100" spc="-1" strike="noStrike">
+              <a:latin typeface="Arial"/>
+            </a:endParaRPr>
+          </a:p>
+          <a:p>
+            <a:pPr>
+              <a:lnSpc>
+                <a:spcPct val="100000"/>
+              </a:lnSpc>
+            </a:pPr>
+            <a:endParaRPr b="0" lang="en-US" sz="1100" spc="-1" strike="noStrike">
+              <a:latin typeface="Arial"/>
+            </a:endParaRPr>
+          </a:p>
+          <a:p>
+            <a:pPr>
+              <a:lnSpc>
+                <a:spcPct val="100000"/>
+              </a:lnSpc>
+            </a:pPr>
+            <a:endParaRPr b="0" lang="en-US" sz="1100" spc="-1" strike="noStrike">
+              <a:latin typeface="Arial"/>
+            </a:endParaRPr>
+          </a:p>
+          <a:p>
+            <a:pPr>
+              <a:lnSpc>
+                <a:spcPct val="100000"/>
+              </a:lnSpc>
+            </a:pPr>
+            <a:endParaRPr b="0" lang="en-US" sz="1100" spc="-1" strike="noStrike">
+              <a:latin typeface="Arial"/>
+            </a:endParaRPr>
+          </a:p>
+        </p:txBody>
+      </p:sp>
+      <p:sp>
+        <p:nvSpPr>
+          <p:cNvPr id="122" name="TextBox 1_5"/>
+          <p:cNvSpPr/>
+          <p:nvPr/>
+        </p:nvSpPr>
+        <p:spPr>
+          <a:xfrm>
+            <a:off x="4668120" y="7177320"/>
+            <a:ext cx="954000" cy="272160"/>
+          </a:xfrm>
+          <a:prstGeom prst="rect">
+            <a:avLst/>
+          </a:prstGeom>
+          <a:noFill/>
+          <a:ln w="0">
+            <a:noFill/>
+          </a:ln>
+        </p:spPr>
+        <p:style>
+          <a:lnRef idx="0"/>
+          <a:fillRef idx="0"/>
+          <a:effectRef idx="0"/>
+          <a:fontRef idx="minor"/>
+        </p:style>
+        <p:txBody>
+          <a:bodyPr lIns="90000" rIns="90000" tIns="45000" bIns="45000">
+            <a:spAutoFit/>
+          </a:bodyPr>
+          <a:p>
+            <a:pPr algn="ctr">
+              <a:lnSpc>
+                <a:spcPct val="100000"/>
+              </a:lnSpc>
+            </a:pPr>
+            <a:r>
+              <a:rPr b="0" lang="en-US" sz="1200" spc="-1" strike="noStrike">
+                <a:solidFill>
+                  <a:srgbClr val="000000"/>
+                </a:solidFill>
+                <a:latin typeface="현대하모니 L"/>
+                <a:ea typeface="현대하모니 L"/>
+              </a:rPr>
+              <a:t>00/00</a:t>
+            </a:r>
+            <a:endParaRPr b="0" lang="en-US" sz="1200" spc="-1" strike="noStrike">
+              <a:latin typeface="Arial"/>
+            </a:endParaRPr>
+          </a:p>
+        </p:txBody>
+      </p:sp>
+      <p:sp>
+        <p:nvSpPr>
+          <p:cNvPr id="123" name="TextBox 5_5"/>
+          <p:cNvSpPr/>
+          <p:nvPr/>
+        </p:nvSpPr>
+        <p:spPr>
+          <a:xfrm>
+            <a:off x="327600" y="45000"/>
+            <a:ext cx="4655160" cy="546480"/>
+          </a:xfrm>
+          <a:prstGeom prst="rect">
+            <a:avLst/>
+          </a:prstGeom>
+          <a:noFill/>
+          <a:ln w="0">
+            <a:noFill/>
+          </a:ln>
+        </p:spPr>
+        <p:style>
+          <a:lnRef idx="0"/>
+          <a:fillRef idx="0"/>
+          <a:effectRef idx="0"/>
+          <a:fontRef idx="minor"/>
+        </p:style>
+        <p:txBody>
+          <a:bodyPr lIns="90000" rIns="90000" tIns="45000" bIns="45000">
+            <a:spAutoFit/>
+          </a:bodyPr>
+          <a:p>
+            <a:pPr>
+              <a:lnSpc>
+                <a:spcPct val="100000"/>
+              </a:lnSpc>
+            </a:pPr>
+            <a:r>
+              <a:rPr b="0" lang="en-US" sz="3000" spc="-1" strike="noStrike">
+                <a:solidFill>
+                  <a:srgbClr val="000000"/>
+                </a:solidFill>
+                <a:latin typeface="현대하모니 L"/>
+                <a:ea typeface="현대하모니 L"/>
+              </a:rPr>
+              <a:t>1. </a:t>
+            </a:r>
+            <a:r>
+              <a:rPr b="0" lang="ko-KR" sz="3000" spc="-1" strike="noStrike">
+                <a:solidFill>
+                  <a:srgbClr val="000000"/>
+                </a:solidFill>
+                <a:latin typeface="현대하모니 L"/>
+                <a:ea typeface="현대하모니 L"/>
+              </a:rPr>
+              <a:t>리눅스 명령어 복습</a:t>
+            </a:r>
+            <a:endParaRPr b="0" lang="en-US" sz="3000" spc="-1" strike="noStrike">
+              <a:latin typeface="Arial"/>
+            </a:endParaRPr>
+          </a:p>
+        </p:txBody>
+      </p:sp>
+      <p:pic>
+        <p:nvPicPr>
+          <p:cNvPr id="124" name="" descr=""/>
+          <p:cNvPicPr/>
+          <p:nvPr/>
+        </p:nvPicPr>
+        <p:blipFill>
+          <a:blip r:embed="rId1"/>
+          <a:stretch/>
+        </p:blipFill>
+        <p:spPr>
+          <a:xfrm>
+            <a:off x="720000" y="1980000"/>
+            <a:ext cx="6990840" cy="1618920"/>
+          </a:xfrm>
+          <a:prstGeom prst="rect">
+            <a:avLst/>
+          </a:prstGeom>
+          <a:ln w="0">
+            <a:noFill/>
+          </a:ln>
+        </p:spPr>
+      </p:pic>
+      <p:pic>
+        <p:nvPicPr>
+          <p:cNvPr id="125" name="" descr=""/>
+          <p:cNvPicPr/>
+          <p:nvPr/>
+        </p:nvPicPr>
+        <p:blipFill>
+          <a:blip r:embed="rId2"/>
+          <a:stretch/>
+        </p:blipFill>
+        <p:spPr>
+          <a:xfrm>
+            <a:off x="720000" y="3960000"/>
+            <a:ext cx="6962400" cy="1456920"/>
+          </a:xfrm>
+          <a:prstGeom prst="rect">
+            <a:avLst/>
+          </a:prstGeom>
+          <a:ln w="0">
+            <a:noFill/>
+          </a:ln>
+        </p:spPr>
+      </p:pic>
+    </p:spTree>
+  </p:cSld>
+  <mc:AlternateContent>
+    <mc:Choice Requires="p14">
+      <p:transition spd="slow" p14:dur="2000"/>
+    </mc:Choice>
+    <mc:Fallback>
+      <p:transition spd="slow"/>
+    </mc:Fallback>
+  </mc:AlternateContent>
+</p:sld>
+</file>
+
+<file path=ppt/slides/slide8.xml><?xml version="1.0" encoding="utf-8"?>
+<p:sld xmlns:a="http://schemas.openxmlformats.org/drawingml/2006/main" xmlns:p="http://schemas.openxmlformats.org/presentationml/2006/main" xmlns:r="http://schemas.openxmlformats.org/officeDocument/2006/relationships" xmlns:p14="http://schemas.microsoft.com/office/powerpoint/2010/main" xmlns:p15="http://schemas.microsoft.com/office/powerpoint/2012/main" xmlns:mc="http://schemas.openxmlformats.org/markup-compatibility/2006">
+  <p:cSld>
+    <p:spTree>
+      <p:nvGrpSpPr>
+        <p:cNvPr id="1" name=""/>
+        <p:cNvGrpSpPr/>
+        <p:nvPr/>
+      </p:nvGrpSpPr>
+      <p:grpSpPr>
+        <a:xfrm>
+          <a:off x="0" y="0"/>
+          <a:ext cx="0" cy="0"/>
+          <a:chOff x="0" y="0"/>
+          <a:chExt cx="0" cy="0"/>
+        </a:xfrm>
+      </p:grpSpPr>
+      <p:sp>
+        <p:nvSpPr>
+          <p:cNvPr id="126" name="TextBox 21_6"/>
+          <p:cNvSpPr/>
+          <p:nvPr/>
+        </p:nvSpPr>
+        <p:spPr>
+          <a:xfrm>
+            <a:off x="621000" y="849240"/>
+            <a:ext cx="9818640" cy="3946680"/>
+          </a:xfrm>
+          <a:prstGeom prst="rect">
+            <a:avLst/>
+          </a:prstGeom>
+          <a:noFill/>
+          <a:ln w="0">
+            <a:noFill/>
+          </a:ln>
+        </p:spPr>
+        <p:style>
+          <a:lnRef idx="0"/>
+          <a:fillRef idx="0"/>
+          <a:effectRef idx="0"/>
+          <a:fontRef idx="minor"/>
+        </p:style>
+        <p:txBody>
+          <a:bodyPr lIns="90000" rIns="90000" tIns="45000" bIns="45000">
+            <a:spAutoFit/>
+          </a:bodyPr>
+          <a:p>
+            <a:pPr>
+              <a:lnSpc>
+                <a:spcPct val="100000"/>
+              </a:lnSpc>
+            </a:pPr>
+            <a:r>
+              <a:rPr b="0" lang="en-US" sz="2000" spc="-1" strike="noStrike">
+                <a:solidFill>
+                  <a:srgbClr val="000000"/>
+                </a:solidFill>
+                <a:latin typeface="현대하모니 L"/>
+                <a:ea typeface="현대하모니 L"/>
+              </a:rPr>
+              <a:t>6. pwd</a:t>
+            </a:r>
+            <a:endParaRPr b="0" lang="en-US" sz="2000" spc="-1" strike="noStrike">
+              <a:latin typeface="Arial"/>
+            </a:endParaRPr>
+          </a:p>
+          <a:p>
+            <a:pPr>
+              <a:lnSpc>
+                <a:spcPct val="100000"/>
+              </a:lnSpc>
+            </a:pPr>
+            <a:endParaRPr b="0" lang="en-US" sz="2000" spc="-1" strike="noStrike">
+              <a:latin typeface="Arial"/>
+            </a:endParaRPr>
+          </a:p>
+          <a:p>
+            <a:pPr>
+              <a:lnSpc>
+                <a:spcPct val="100000"/>
+              </a:lnSpc>
+            </a:pPr>
+            <a:r>
+              <a:rPr b="0" lang="en-US" sz="2000" spc="-1" strike="noStrike">
+                <a:solidFill>
+                  <a:srgbClr val="000000"/>
+                </a:solidFill>
+                <a:latin typeface="현대하모니 L"/>
+                <a:ea typeface="현대하모니 L"/>
+              </a:rPr>
+              <a:t>Command line </a:t>
+            </a:r>
+            <a:r>
+              <a:rPr b="0" lang="ko-KR" sz="2000" spc="-1" strike="noStrike">
+                <a:solidFill>
+                  <a:srgbClr val="000000"/>
+                </a:solidFill>
+                <a:latin typeface="현대하모니 L"/>
+                <a:ea typeface="현대하모니 L"/>
+              </a:rPr>
+              <a:t>창에서 현재 디렉토리를 나타낸다</a:t>
+            </a:r>
+            <a:r>
+              <a:rPr b="0" lang="en-US" sz="2000" spc="-1" strike="noStrike">
+                <a:solidFill>
+                  <a:srgbClr val="000000"/>
+                </a:solidFill>
+                <a:latin typeface="현대하모니 L"/>
+                <a:ea typeface="현대하모니 L"/>
+              </a:rPr>
+              <a:t>.</a:t>
+            </a:r>
+            <a:endParaRPr b="0" lang="en-US" sz="2000" spc="-1" strike="noStrike">
+              <a:latin typeface="Arial"/>
+            </a:endParaRPr>
+          </a:p>
+          <a:p>
+            <a:pPr>
+              <a:lnSpc>
+                <a:spcPct val="100000"/>
+              </a:lnSpc>
+            </a:pPr>
+            <a:endParaRPr b="0" lang="en-US" sz="2000" spc="-1" strike="noStrike">
+              <a:latin typeface="Arial"/>
+            </a:endParaRPr>
+          </a:p>
+          <a:p>
+            <a:pPr>
+              <a:lnSpc>
+                <a:spcPct val="100000"/>
+              </a:lnSpc>
+            </a:pPr>
+            <a:endParaRPr b="0" lang="en-US" sz="2000" spc="-1" strike="noStrike">
+              <a:latin typeface="Arial"/>
+            </a:endParaRPr>
+          </a:p>
+          <a:p>
+            <a:pPr>
+              <a:lnSpc>
+                <a:spcPct val="100000"/>
+              </a:lnSpc>
+            </a:pPr>
+            <a:endParaRPr b="0" lang="en-US" sz="2000" spc="-1" strike="noStrike">
+              <a:latin typeface="Arial"/>
+            </a:endParaRPr>
+          </a:p>
+          <a:p>
+            <a:pPr>
+              <a:lnSpc>
+                <a:spcPct val="100000"/>
+              </a:lnSpc>
+            </a:pPr>
+            <a:endParaRPr b="0" lang="en-US" sz="2000" spc="-1" strike="noStrike">
+              <a:latin typeface="Arial"/>
+            </a:endParaRPr>
+          </a:p>
+          <a:p>
+            <a:pPr>
+              <a:lnSpc>
+                <a:spcPct val="100000"/>
+              </a:lnSpc>
+            </a:pPr>
+            <a:endParaRPr b="0" lang="en-US" sz="2000" spc="-1" strike="noStrike">
+              <a:latin typeface="Arial"/>
+            </a:endParaRPr>
+          </a:p>
+          <a:p>
+            <a:pPr>
+              <a:lnSpc>
+                <a:spcPct val="100000"/>
+              </a:lnSpc>
+            </a:pPr>
+            <a:endParaRPr b="0" lang="en-US" sz="2000" spc="-1" strike="noStrike">
+              <a:latin typeface="Arial"/>
+            </a:endParaRPr>
+          </a:p>
+          <a:p>
+            <a:pPr>
+              <a:lnSpc>
+                <a:spcPct val="100000"/>
+              </a:lnSpc>
+            </a:pPr>
+            <a:endParaRPr b="0" lang="en-US" sz="2000" spc="-1" strike="noStrike">
+              <a:latin typeface="Arial"/>
+            </a:endParaRPr>
+          </a:p>
+          <a:p>
+            <a:pPr>
+              <a:lnSpc>
+                <a:spcPct val="100000"/>
+              </a:lnSpc>
+            </a:pPr>
+            <a:endParaRPr b="0" lang="en-US" sz="2000" spc="-1" strike="noStrike">
+              <a:latin typeface="Arial"/>
+            </a:endParaRPr>
+          </a:p>
+          <a:p>
+            <a:pPr>
+              <a:lnSpc>
+                <a:spcPct val="100000"/>
+              </a:lnSpc>
+            </a:pPr>
+            <a:endParaRPr b="0" lang="en-US" sz="2000" spc="-1" strike="noStrike">
+              <a:latin typeface="Arial"/>
+            </a:endParaRPr>
+          </a:p>
+          <a:p>
+            <a:pPr>
+              <a:lnSpc>
+                <a:spcPct val="100000"/>
+              </a:lnSpc>
+            </a:pPr>
+            <a:endParaRPr b="0" lang="en-US" sz="2000" spc="-1" strike="noStrike">
+              <a:latin typeface="Arial"/>
+            </a:endParaRPr>
+          </a:p>
+          <a:p>
+            <a:pPr>
+              <a:lnSpc>
+                <a:spcPct val="100000"/>
+              </a:lnSpc>
+            </a:pPr>
+            <a:endParaRPr b="0" lang="en-US" sz="2000" spc="-1" strike="noStrike">
+              <a:latin typeface="Arial"/>
+            </a:endParaRPr>
+          </a:p>
+        </p:txBody>
+      </p:sp>
+      <p:sp>
+        <p:nvSpPr>
+          <p:cNvPr id="127" name="TextBox 1_6"/>
+          <p:cNvSpPr/>
+          <p:nvPr/>
+        </p:nvSpPr>
+        <p:spPr>
+          <a:xfrm>
+            <a:off x="4668120" y="7177320"/>
+            <a:ext cx="954000" cy="272160"/>
+          </a:xfrm>
+          <a:prstGeom prst="rect">
+            <a:avLst/>
+          </a:prstGeom>
+          <a:noFill/>
+          <a:ln w="0">
+            <a:noFill/>
+          </a:ln>
+        </p:spPr>
+        <p:style>
+          <a:lnRef idx="0"/>
+          <a:fillRef idx="0"/>
+          <a:effectRef idx="0"/>
+          <a:fontRef idx="minor"/>
+        </p:style>
+        <p:txBody>
+          <a:bodyPr lIns="90000" rIns="90000" tIns="45000" bIns="45000">
+            <a:spAutoFit/>
+          </a:bodyPr>
+          <a:p>
+            <a:pPr algn="ctr">
+              <a:lnSpc>
+                <a:spcPct val="100000"/>
+              </a:lnSpc>
+            </a:pPr>
+            <a:r>
+              <a:rPr b="0" lang="en-US" sz="1200" spc="-1" strike="noStrike">
+                <a:solidFill>
+                  <a:srgbClr val="000000"/>
+                </a:solidFill>
+                <a:latin typeface="현대하모니 L"/>
+                <a:ea typeface="현대하모니 L"/>
+              </a:rPr>
+              <a:t>00/00</a:t>
+            </a:r>
+            <a:endParaRPr b="0" lang="en-US" sz="1200" spc="-1" strike="noStrike">
+              <a:latin typeface="Arial"/>
+            </a:endParaRPr>
+          </a:p>
+        </p:txBody>
+      </p:sp>
+      <p:sp>
+        <p:nvSpPr>
+          <p:cNvPr id="128" name="TextBox 5_6"/>
+          <p:cNvSpPr/>
+          <p:nvPr/>
+        </p:nvSpPr>
+        <p:spPr>
+          <a:xfrm>
+            <a:off x="327600" y="45000"/>
+            <a:ext cx="4655160" cy="546480"/>
+          </a:xfrm>
+          <a:prstGeom prst="rect">
+            <a:avLst/>
+          </a:prstGeom>
+          <a:noFill/>
+          <a:ln w="0">
+            <a:noFill/>
+          </a:ln>
+        </p:spPr>
+        <p:style>
+          <a:lnRef idx="0"/>
+          <a:fillRef idx="0"/>
+          <a:effectRef idx="0"/>
+          <a:fontRef idx="minor"/>
+        </p:style>
+        <p:txBody>
+          <a:bodyPr lIns="90000" rIns="90000" tIns="45000" bIns="45000">
+            <a:spAutoFit/>
+          </a:bodyPr>
+          <a:p>
+            <a:pPr>
+              <a:lnSpc>
+                <a:spcPct val="100000"/>
+              </a:lnSpc>
+            </a:pPr>
+            <a:r>
+              <a:rPr b="0" lang="en-US" sz="3000" spc="-1" strike="noStrike">
+                <a:solidFill>
+                  <a:srgbClr val="000000"/>
+                </a:solidFill>
+                <a:latin typeface="현대하모니 L"/>
+                <a:ea typeface="현대하모니 L"/>
+              </a:rPr>
+              <a:t>1. </a:t>
+            </a:r>
+            <a:r>
+              <a:rPr b="0" lang="ko-KR" sz="3000" spc="-1" strike="noStrike">
+                <a:solidFill>
+                  <a:srgbClr val="000000"/>
+                </a:solidFill>
+                <a:latin typeface="현대하모니 L"/>
+                <a:ea typeface="현대하모니 L"/>
+              </a:rPr>
+              <a:t>리눅스 명령어 복습</a:t>
+            </a:r>
+            <a:endParaRPr b="0" lang="en-US" sz="3000" spc="-1" strike="noStrike">
+              <a:latin typeface="Arial"/>
+            </a:endParaRPr>
+          </a:p>
+        </p:txBody>
+      </p:sp>
+      <p:pic>
+        <p:nvPicPr>
+          <p:cNvPr id="129" name="" descr=""/>
+          <p:cNvPicPr/>
+          <p:nvPr/>
+        </p:nvPicPr>
+        <p:blipFill>
+          <a:blip r:embed="rId1"/>
+          <a:stretch/>
+        </p:blipFill>
+        <p:spPr>
+          <a:xfrm>
+            <a:off x="720000" y="1980000"/>
+            <a:ext cx="7486920" cy="1440000"/>
+          </a:xfrm>
+          <a:prstGeom prst="rect">
+            <a:avLst/>
+          </a:prstGeom>
+          <a:ln w="0">
+            <a:noFill/>
+          </a:ln>
+        </p:spPr>
+      </p:pic>
+    </p:spTree>
+  </p:cSld>
+  <mc:AlternateContent>
+    <mc:Choice Requires="p14">
+      <p:transition spd="slow" p14:dur="2000"/>
+    </mc:Choice>
+    <mc:Fallback>
+      <p:transition spd="slow"/>
+    </mc:Fallback>
+  </mc:AlternateContent>
+</p:sld>
+</file>
+
+<file path=ppt/slides/slide9.xml><?xml version="1.0" encoding="utf-8"?>
+<p:sld xmlns:a="http://schemas.openxmlformats.org/drawingml/2006/main" xmlns:p="http://schemas.openxmlformats.org/presentationml/2006/main" xmlns:r="http://schemas.openxmlformats.org/officeDocument/2006/relationships" xmlns:p14="http://schemas.microsoft.com/office/powerpoint/2010/main" xmlns:p15="http://schemas.microsoft.com/office/powerpoint/2012/main" xmlns:mc="http://schemas.openxmlformats.org/markup-compatibility/2006">
+  <p:cSld>
+    <p:spTree>
+      <p:nvGrpSpPr>
+        <p:cNvPr id="1" name=""/>
+        <p:cNvGrpSpPr/>
+        <p:nvPr/>
+      </p:nvGrpSpPr>
+      <p:grpSpPr>
+        <a:xfrm>
+          <a:off x="0" y="0"/>
+          <a:ext cx="0" cy="0"/>
+          <a:chOff x="0" y="0"/>
+          <a:chExt cx="0" cy="0"/>
+        </a:xfrm>
+      </p:grpSpPr>
+      <p:sp>
+        <p:nvSpPr>
+          <p:cNvPr id="130" name="TextBox 21_7"/>
+          <p:cNvSpPr/>
+          <p:nvPr/>
+        </p:nvSpPr>
+        <p:spPr>
+          <a:xfrm>
+            <a:off x="621000" y="849240"/>
+            <a:ext cx="9818640" cy="5667840"/>
+          </a:xfrm>
+          <a:prstGeom prst="rect">
+            <a:avLst/>
+          </a:prstGeom>
+          <a:noFill/>
+          <a:ln w="0">
+            <a:noFill/>
+          </a:ln>
+        </p:spPr>
+        <p:style>
+          <a:lnRef idx="0"/>
+          <a:fillRef idx="0"/>
+          <a:effectRef idx="0"/>
+          <a:fontRef idx="minor"/>
+        </p:style>
+        <p:txBody>
+          <a:bodyPr lIns="90000" rIns="90000" tIns="45000" bIns="45000">
+            <a:spAutoFit/>
+          </a:bodyPr>
+          <a:p>
+            <a:pPr>
+              <a:lnSpc>
+                <a:spcPct val="100000"/>
+              </a:lnSpc>
+            </a:pPr>
+            <a:r>
+              <a:rPr b="0" lang="en-US" sz="2000" spc="-1" strike="noStrike">
+                <a:solidFill>
+                  <a:srgbClr val="000000"/>
+                </a:solidFill>
+                <a:latin typeface="현대하모니 L"/>
+                <a:ea typeface="현대하모니 L"/>
+              </a:rPr>
+              <a:t>7. sudo</a:t>
+            </a:r>
+            <a:endParaRPr b="0" lang="en-US" sz="2000" spc="-1" strike="noStrike">
+              <a:latin typeface="Arial"/>
+            </a:endParaRPr>
+          </a:p>
+          <a:p>
+            <a:pPr>
+              <a:lnSpc>
+                <a:spcPct val="100000"/>
+              </a:lnSpc>
+            </a:pPr>
+            <a:endParaRPr b="0" lang="en-US" sz="2000" spc="-1" strike="noStrike">
+              <a:latin typeface="Arial"/>
+            </a:endParaRPr>
+          </a:p>
+          <a:p>
+            <a:pPr>
+              <a:lnSpc>
+                <a:spcPct val="100000"/>
+              </a:lnSpc>
+            </a:pPr>
+            <a:r>
+              <a:rPr b="0" lang="ko-KR" sz="2000" spc="-1" strike="noStrike">
+                <a:solidFill>
+                  <a:srgbClr val="000000"/>
+                </a:solidFill>
+                <a:latin typeface="현대하모니 L"/>
+                <a:ea typeface="현대하모니 L"/>
+              </a:rPr>
+              <a:t>사용자에게 </a:t>
+            </a:r>
+            <a:r>
+              <a:rPr b="0" lang="en-US" sz="2000" spc="-1" strike="noStrike">
+                <a:solidFill>
+                  <a:srgbClr val="000000"/>
+                </a:solidFill>
+                <a:latin typeface="현대하모니 L"/>
+                <a:ea typeface="현대하모니 L"/>
+              </a:rPr>
+              <a:t>root </a:t>
+            </a:r>
+            <a:r>
+              <a:rPr b="0" lang="ko-KR" sz="2000" spc="-1" strike="noStrike">
+                <a:solidFill>
+                  <a:srgbClr val="000000"/>
+                </a:solidFill>
+                <a:latin typeface="현대하모니 L"/>
+                <a:ea typeface="현대하모니 L"/>
+              </a:rPr>
+              <a:t>권한을 부여하며 </a:t>
+            </a:r>
+            <a:r>
+              <a:rPr b="0" lang="en-US" sz="2000" spc="-1" strike="noStrike">
+                <a:solidFill>
+                  <a:srgbClr val="000000"/>
+                </a:solidFill>
+                <a:latin typeface="현대하모니 L"/>
+                <a:ea typeface="현대하모니 L"/>
+              </a:rPr>
+              <a:t>sudo </a:t>
+            </a:r>
+            <a:r>
+              <a:rPr b="0" lang="ko-KR" sz="2000" spc="-1" strike="noStrike">
+                <a:solidFill>
+                  <a:srgbClr val="000000"/>
+                </a:solidFill>
+                <a:latin typeface="현대하모니 L"/>
+                <a:ea typeface="현대하모니 L"/>
+              </a:rPr>
+              <a:t>명령어를 사용하려면 사용자 </a:t>
+            </a:r>
+            <a:r>
+              <a:rPr b="0" lang="en-US" sz="2000" spc="-1" strike="noStrike">
+                <a:solidFill>
+                  <a:srgbClr val="000000"/>
+                </a:solidFill>
+                <a:latin typeface="현대하모니 L"/>
+                <a:ea typeface="현대하모니 L"/>
+              </a:rPr>
+              <a:t>password</a:t>
+            </a:r>
+            <a:r>
+              <a:rPr b="0" lang="ko-KR" sz="2000" spc="-1" strike="noStrike">
+                <a:solidFill>
+                  <a:srgbClr val="000000"/>
+                </a:solidFill>
+                <a:latin typeface="현대하모니 L"/>
+                <a:ea typeface="현대하모니 L"/>
+              </a:rPr>
+              <a:t>를 알아야한다</a:t>
+            </a:r>
+            <a:r>
+              <a:rPr b="0" lang="en-US" sz="2000" spc="-1" strike="noStrike">
+                <a:solidFill>
+                  <a:srgbClr val="000000"/>
+                </a:solidFill>
+                <a:latin typeface="현대하모니 L"/>
+                <a:ea typeface="현대하모니 L"/>
+              </a:rPr>
+              <a:t>.</a:t>
+            </a:r>
+            <a:endParaRPr b="0" lang="en-US" sz="2000" spc="-1" strike="noStrike">
+              <a:latin typeface="Arial"/>
+            </a:endParaRPr>
+          </a:p>
+          <a:p>
+            <a:pPr>
+              <a:lnSpc>
+                <a:spcPct val="100000"/>
+              </a:lnSpc>
+            </a:pPr>
+            <a:endParaRPr b="0" lang="en-US" sz="2000" spc="-1" strike="noStrike">
+              <a:latin typeface="Arial"/>
+            </a:endParaRPr>
+          </a:p>
+          <a:p>
+            <a:pPr>
+              <a:lnSpc>
+                <a:spcPct val="100000"/>
+              </a:lnSpc>
+            </a:pPr>
+            <a:endParaRPr b="0" lang="en-US" sz="2000" spc="-1" strike="noStrike">
+              <a:latin typeface="Arial"/>
+            </a:endParaRPr>
+          </a:p>
+          <a:p>
+            <a:pPr>
+              <a:lnSpc>
+                <a:spcPct val="100000"/>
+              </a:lnSpc>
+            </a:pPr>
+            <a:endParaRPr b="0" lang="en-US" sz="2000" spc="-1" strike="noStrike">
+              <a:latin typeface="Arial"/>
+            </a:endParaRPr>
+          </a:p>
+          <a:p>
+            <a:pPr>
+              <a:lnSpc>
+                <a:spcPct val="100000"/>
+              </a:lnSpc>
+            </a:pPr>
+            <a:endParaRPr b="0" lang="en-US" sz="2000" spc="-1" strike="noStrike">
+              <a:latin typeface="Arial"/>
+            </a:endParaRPr>
+          </a:p>
+          <a:p>
+            <a:pPr>
+              <a:lnSpc>
+                <a:spcPct val="100000"/>
+              </a:lnSpc>
+            </a:pPr>
+            <a:endParaRPr b="0" lang="en-US" sz="2000" spc="-1" strike="noStrike">
+              <a:latin typeface="Arial"/>
+            </a:endParaRPr>
+          </a:p>
+          <a:p>
+            <a:pPr>
+              <a:lnSpc>
+                <a:spcPct val="100000"/>
+              </a:lnSpc>
+            </a:pPr>
+            <a:endParaRPr b="0" lang="en-US" sz="2000" spc="-1" strike="noStrike">
+              <a:latin typeface="Arial"/>
+            </a:endParaRPr>
+          </a:p>
+          <a:p>
+            <a:pPr>
+              <a:lnSpc>
+                <a:spcPct val="100000"/>
+              </a:lnSpc>
+            </a:pPr>
+            <a:endParaRPr b="0" lang="en-US" sz="2000" spc="-1" strike="noStrike">
+              <a:latin typeface="Arial"/>
+            </a:endParaRPr>
+          </a:p>
+          <a:p>
+            <a:pPr>
+              <a:lnSpc>
+                <a:spcPct val="100000"/>
+              </a:lnSpc>
+            </a:pPr>
+            <a:endParaRPr b="0" lang="en-US" sz="2000" spc="-1" strike="noStrike">
+              <a:latin typeface="Arial"/>
+            </a:endParaRPr>
+          </a:p>
+          <a:p>
+            <a:pPr>
+              <a:lnSpc>
+                <a:spcPct val="100000"/>
+              </a:lnSpc>
+            </a:pPr>
+            <a:endParaRPr b="0" lang="en-US" sz="2000" spc="-1" strike="noStrike">
+              <a:latin typeface="Arial"/>
+            </a:endParaRPr>
+          </a:p>
+          <a:p>
+            <a:pPr>
+              <a:lnSpc>
+                <a:spcPct val="100000"/>
+              </a:lnSpc>
+            </a:pPr>
+            <a:endParaRPr b="0" lang="en-US" sz="2000" spc="-1" strike="noStrike">
+              <a:latin typeface="Arial"/>
+            </a:endParaRPr>
+          </a:p>
+          <a:p>
+            <a:pPr>
+              <a:lnSpc>
+                <a:spcPct val="100000"/>
+              </a:lnSpc>
+            </a:pPr>
+            <a:endParaRPr b="0" lang="en-US" sz="2000" spc="-1" strike="noStrike">
+              <a:latin typeface="Arial"/>
+            </a:endParaRPr>
+          </a:p>
+          <a:p>
+            <a:pPr>
+              <a:lnSpc>
+                <a:spcPct val="100000"/>
+              </a:lnSpc>
+            </a:pPr>
+            <a:endParaRPr b="0" lang="en-US" sz="2000" spc="-1" strike="noStrike">
+              <a:latin typeface="Arial"/>
+            </a:endParaRPr>
+          </a:p>
+          <a:p>
+            <a:pPr>
+              <a:lnSpc>
+                <a:spcPct val="100000"/>
+              </a:lnSpc>
+            </a:pPr>
+            <a:endParaRPr b="0" lang="en-US" sz="2000" spc="-1" strike="noStrike">
+              <a:latin typeface="Arial"/>
+            </a:endParaRPr>
+          </a:p>
+          <a:p>
+            <a:pPr>
+              <a:lnSpc>
+                <a:spcPct val="100000"/>
+              </a:lnSpc>
+            </a:pPr>
+            <a:r>
+              <a:rPr b="0" lang="ko-KR" sz="1100" spc="-1" strike="noStrike">
+                <a:solidFill>
+                  <a:srgbClr val="000000"/>
+                </a:solidFill>
+                <a:latin typeface="현대하모니 L"/>
+                <a:ea typeface="현대하모니 L"/>
+              </a:rPr>
+              <a:t>처음에 일반 사용자 권한으로 </a:t>
+            </a:r>
+            <a:r>
+              <a:rPr b="0" lang="en-US" sz="1100" spc="-1" strike="noStrike">
+                <a:solidFill>
+                  <a:srgbClr val="000000"/>
+                </a:solidFill>
+                <a:latin typeface="현대하모니 L"/>
+                <a:ea typeface="현대하모니 L"/>
+              </a:rPr>
+              <a:t>apt-get update </a:t>
+            </a:r>
+            <a:r>
+              <a:rPr b="0" lang="ko-KR" sz="1100" spc="-1" strike="noStrike">
+                <a:solidFill>
+                  <a:srgbClr val="000000"/>
+                </a:solidFill>
+                <a:latin typeface="현대하모니 L"/>
+                <a:ea typeface="현대하모니 L"/>
+              </a:rPr>
+              <a:t>명령을 사용하였을때는 위의 사진처럼 허가 거부라는 에러 메시지가 나온것을 확인 할 수 있었으나 </a:t>
+            </a:r>
+            <a:r>
+              <a:rPr b="0" lang="en-US" sz="1100" spc="-1" strike="noStrike">
+                <a:solidFill>
+                  <a:srgbClr val="000000"/>
+                </a:solidFill>
+                <a:latin typeface="현대하모니 L"/>
+                <a:ea typeface="현대하모니 L"/>
+              </a:rPr>
+              <a:t>sudo </a:t>
+            </a:r>
+            <a:r>
+              <a:rPr b="0" lang="ko-KR" sz="1100" spc="-1" strike="noStrike">
+                <a:solidFill>
+                  <a:srgbClr val="000000"/>
+                </a:solidFill>
+                <a:latin typeface="현대하모니 L"/>
+                <a:ea typeface="현대하모니 L"/>
+              </a:rPr>
+              <a:t>명령어를 사용한후에는 잘 실행되는것을 확인 할 수 있다</a:t>
+            </a:r>
+            <a:r>
+              <a:rPr b="0" lang="en-US" sz="1100" spc="-1" strike="noStrike">
+                <a:solidFill>
+                  <a:srgbClr val="000000"/>
+                </a:solidFill>
+                <a:latin typeface="현대하모니 L"/>
+                <a:ea typeface="현대하모니 L"/>
+              </a:rPr>
+              <a:t>.</a:t>
+            </a:r>
+            <a:endParaRPr b="0" lang="en-US" sz="1100" spc="-1" strike="noStrike">
+              <a:latin typeface="Arial"/>
+            </a:endParaRPr>
+          </a:p>
+          <a:p>
+            <a:pPr>
+              <a:lnSpc>
+                <a:spcPct val="100000"/>
+              </a:lnSpc>
+            </a:pPr>
+            <a:endParaRPr b="0" lang="en-US" sz="1100" spc="-1" strike="noStrike">
+              <a:latin typeface="Arial"/>
+            </a:endParaRPr>
+          </a:p>
+          <a:p>
+            <a:pPr>
+              <a:lnSpc>
+                <a:spcPct val="100000"/>
+              </a:lnSpc>
+            </a:pPr>
+            <a:endParaRPr b="0" lang="en-US" sz="1100" spc="-1" strike="noStrike">
+              <a:latin typeface="Arial"/>
+            </a:endParaRPr>
+          </a:p>
+        </p:txBody>
+      </p:sp>
+      <p:sp>
+        <p:nvSpPr>
+          <p:cNvPr id="131" name="TextBox 1_7"/>
+          <p:cNvSpPr/>
+          <p:nvPr/>
+        </p:nvSpPr>
+        <p:spPr>
+          <a:xfrm>
+            <a:off x="4668120" y="7177320"/>
+            <a:ext cx="954000" cy="272160"/>
+          </a:xfrm>
+          <a:prstGeom prst="rect">
+            <a:avLst/>
+          </a:prstGeom>
+          <a:noFill/>
+          <a:ln w="0">
+            <a:noFill/>
+          </a:ln>
+        </p:spPr>
+        <p:style>
+          <a:lnRef idx="0"/>
+          <a:fillRef idx="0"/>
+          <a:effectRef idx="0"/>
+          <a:fontRef idx="minor"/>
+        </p:style>
+        <p:txBody>
+          <a:bodyPr lIns="90000" rIns="90000" tIns="45000" bIns="45000">
+            <a:spAutoFit/>
+          </a:bodyPr>
+          <a:p>
+            <a:pPr algn="ctr">
+              <a:lnSpc>
+                <a:spcPct val="100000"/>
+              </a:lnSpc>
+            </a:pPr>
+            <a:r>
+              <a:rPr b="0" lang="en-US" sz="1200" spc="-1" strike="noStrike">
+                <a:solidFill>
+                  <a:srgbClr val="000000"/>
+                </a:solidFill>
+                <a:latin typeface="현대하모니 L"/>
+                <a:ea typeface="현대하모니 L"/>
+              </a:rPr>
+              <a:t>00/00</a:t>
+            </a:r>
+            <a:endParaRPr b="0" lang="en-US" sz="1200" spc="-1" strike="noStrike">
+              <a:latin typeface="Arial"/>
+            </a:endParaRPr>
+          </a:p>
+        </p:txBody>
+      </p:sp>
+      <p:sp>
+        <p:nvSpPr>
+          <p:cNvPr id="132" name="TextBox 5_7"/>
+          <p:cNvSpPr/>
+          <p:nvPr/>
+        </p:nvSpPr>
+        <p:spPr>
+          <a:xfrm>
+            <a:off x="327600" y="45000"/>
+            <a:ext cx="4655160" cy="546480"/>
+          </a:xfrm>
+          <a:prstGeom prst="rect">
+            <a:avLst/>
+          </a:prstGeom>
+          <a:noFill/>
+          <a:ln w="0">
+            <a:noFill/>
+          </a:ln>
+        </p:spPr>
+        <p:style>
+          <a:lnRef idx="0"/>
+          <a:fillRef idx="0"/>
+          <a:effectRef idx="0"/>
+          <a:fontRef idx="minor"/>
+        </p:style>
+        <p:txBody>
+          <a:bodyPr lIns="90000" rIns="90000" tIns="45000" bIns="45000">
+            <a:spAutoFit/>
+          </a:bodyPr>
+          <a:p>
+            <a:pPr>
+              <a:lnSpc>
+                <a:spcPct val="100000"/>
+              </a:lnSpc>
+            </a:pPr>
+            <a:r>
+              <a:rPr b="0" lang="en-US" sz="3000" spc="-1" strike="noStrike">
+                <a:solidFill>
+                  <a:srgbClr val="000000"/>
+                </a:solidFill>
+                <a:latin typeface="현대하모니 L"/>
+                <a:ea typeface="현대하모니 L"/>
+              </a:rPr>
+              <a:t>1. </a:t>
+            </a:r>
+            <a:r>
+              <a:rPr b="0" lang="ko-KR" sz="3000" spc="-1" strike="noStrike">
+                <a:solidFill>
+                  <a:srgbClr val="000000"/>
+                </a:solidFill>
+                <a:latin typeface="현대하모니 L"/>
+                <a:ea typeface="현대하모니 L"/>
+              </a:rPr>
+              <a:t>리눅스 명령어 복습</a:t>
+            </a:r>
+            <a:endParaRPr b="0" lang="en-US" sz="3000" spc="-1" strike="noStrike">
+              <a:latin typeface="Arial"/>
+            </a:endParaRPr>
+          </a:p>
+        </p:txBody>
+      </p:sp>
+      <p:pic>
+        <p:nvPicPr>
+          <p:cNvPr id="133" name="" descr=""/>
+          <p:cNvPicPr/>
+          <p:nvPr/>
+        </p:nvPicPr>
+        <p:blipFill>
+          <a:blip r:embed="rId1"/>
+          <a:stretch/>
+        </p:blipFill>
+        <p:spPr>
+          <a:xfrm>
+            <a:off x="720000" y="2217960"/>
+            <a:ext cx="6924240" cy="3362040"/>
+          </a:xfrm>
+          <a:prstGeom prst="rect">
+            <a:avLst/>
+          </a:prstGeom>
+          <a:ln w="0">
+            <a:noFill/>
+          </a:ln>
+        </p:spPr>
+      </p:pic>
     </p:spTree>
   </p:cSld>
   <mc:AlternateContent>

--- a/HyunhoCha/homework/c/01/차현호1회차숙제.pptx
+++ b/HyunhoCha/homework/c/01/차현호1회차숙제.pptx
@@ -22,6 +22,8 @@
     <p:sldId id="266" r:id="rId15"/>
     <p:sldId id="267" r:id="rId16"/>
     <p:sldId id="268" r:id="rId17"/>
+    <p:sldId id="269" r:id="rId18"/>
+    <p:sldId id="270" r:id="rId19"/>
   </p:sldIdLst>
   <p:sldSz cx="10691812" cy="7559675"/>
   <p:notesSz cx="6797675" cy="9926637"/>
@@ -252,7 +254,7 @@
           </a:bodyPr>
           <a:p>
             <a:pPr algn="r"/>
-            <a:fld id="{25599A07-7DC1-42FF-B93A-5484668F3529}" type="slidenum">
+            <a:fld id="{FD21A41D-047C-4521-8426-293A1B0223F4}" type="slidenum">
               <a:rPr b="0" lang="en-US" sz="1400" spc="-1" strike="noStrike">
                 <a:latin typeface="Noto Serif CJK KR"/>
               </a:rPr>
@@ -289,7 +291,7 @@
       </p:grpSpPr>
       <p:sp>
         <p:nvSpPr>
-          <p:cNvPr id="151" name="PlaceHolder 1"/>
+          <p:cNvPr id="160" name="PlaceHolder 1"/>
           <p:cNvSpPr>
             <a:spLocks noGrp="1"/>
           </p:cNvSpPr>
@@ -300,16 +302,16 @@
         <p:spPr>
           <a:xfrm>
             <a:off x="1030320" y="1241280"/>
-            <a:ext cx="4735800" cy="3348360"/>
-          </a:xfrm>
-          <a:prstGeom prst="rect">
-            <a:avLst/>
-          </a:prstGeom>
-        </p:spPr>
-      </p:sp>
-      <p:sp>
-        <p:nvSpPr>
-          <p:cNvPr id="152" name="PlaceHolder 2"/>
+            <a:ext cx="4735440" cy="3348000"/>
+          </a:xfrm>
+          <a:prstGeom prst="rect">
+            <a:avLst/>
+          </a:prstGeom>
+        </p:spPr>
+      </p:sp>
+      <p:sp>
+        <p:nvSpPr>
+          <p:cNvPr id="161" name="PlaceHolder 2"/>
           <p:cNvSpPr>
             <a:spLocks noGrp="1"/>
           </p:cNvSpPr>
@@ -320,7 +322,7 @@
         <p:spPr>
           <a:xfrm>
             <a:off x="679680" y="4777200"/>
-            <a:ext cx="5436720" cy="3907080"/>
+            <a:ext cx="5436360" cy="3906720"/>
           </a:xfrm>
           <a:prstGeom prst="rect">
             <a:avLst/>
@@ -339,14 +341,14 @@
       </p:sp>
       <p:sp>
         <p:nvSpPr>
-          <p:cNvPr id="153" name="슬라이드 번호 개체 틀 3"/>
+          <p:cNvPr id="162" name="슬라이드 번호 개체 틀 3"/>
           <p:cNvSpPr/>
           <p:nvPr/>
         </p:nvSpPr>
         <p:spPr>
           <a:xfrm>
             <a:off x="3850560" y="9428760"/>
-            <a:ext cx="2944080" cy="496440"/>
+            <a:ext cx="2943720" cy="496080"/>
           </a:xfrm>
           <a:prstGeom prst="rect">
             <a:avLst/>
@@ -372,7 +374,7 @@
                 <a:spcPct val="100000"/>
               </a:lnSpc>
             </a:pPr>
-            <a:fld id="{7BF75D5B-A03A-4C4C-8CAD-1399F6E0F338}" type="slidenum">
+            <a:fld id="{AB9115D9-A2B7-4575-A74B-564548BCAC7D}" type="slidenum">
               <a:rPr b="0" lang="en-US" sz="1200" spc="-1" strike="noStrike">
                 <a:solidFill>
                   <a:srgbClr val="000000"/>
@@ -412,7 +414,7 @@
       </p:grpSpPr>
       <p:sp>
         <p:nvSpPr>
-          <p:cNvPr id="178" name="PlaceHolder 1"/>
+          <p:cNvPr id="187" name="PlaceHolder 1"/>
           <p:cNvSpPr>
             <a:spLocks noGrp="1"/>
           </p:cNvSpPr>
@@ -423,16 +425,16 @@
         <p:spPr>
           <a:xfrm>
             <a:off x="1030320" y="1241280"/>
-            <a:ext cx="4735800" cy="3348360"/>
-          </a:xfrm>
-          <a:prstGeom prst="rect">
-            <a:avLst/>
-          </a:prstGeom>
-        </p:spPr>
-      </p:sp>
-      <p:sp>
-        <p:nvSpPr>
-          <p:cNvPr id="179" name="PlaceHolder 2"/>
+            <a:ext cx="4735440" cy="3348000"/>
+          </a:xfrm>
+          <a:prstGeom prst="rect">
+            <a:avLst/>
+          </a:prstGeom>
+        </p:spPr>
+      </p:sp>
+      <p:sp>
+        <p:nvSpPr>
+          <p:cNvPr id="188" name="PlaceHolder 2"/>
           <p:cNvSpPr>
             <a:spLocks noGrp="1"/>
           </p:cNvSpPr>
@@ -443,7 +445,7 @@
         <p:spPr>
           <a:xfrm>
             <a:off x="679680" y="4777200"/>
-            <a:ext cx="5436720" cy="3907080"/>
+            <a:ext cx="5436360" cy="3906720"/>
           </a:xfrm>
           <a:prstGeom prst="rect">
             <a:avLst/>
@@ -462,14 +464,14 @@
       </p:sp>
       <p:sp>
         <p:nvSpPr>
-          <p:cNvPr id="180" name="슬라이드 번호 개체 틀 3_8"/>
+          <p:cNvPr id="189" name="슬라이드 번호 개체 틀 3_8"/>
           <p:cNvSpPr/>
           <p:nvPr/>
         </p:nvSpPr>
         <p:spPr>
           <a:xfrm>
             <a:off x="3850560" y="9428760"/>
-            <a:ext cx="2944080" cy="496440"/>
+            <a:ext cx="2943720" cy="496080"/>
           </a:xfrm>
           <a:prstGeom prst="rect">
             <a:avLst/>
@@ -495,7 +497,7 @@
                 <a:spcPct val="100000"/>
               </a:lnSpc>
             </a:pPr>
-            <a:fld id="{733217F7-77A4-4B51-BD28-164AF53A61A5}" type="slidenum">
+            <a:fld id="{BB885A56-C63D-4E12-8FC4-EF09BBA1224E}" type="slidenum">
               <a:rPr b="0" lang="en-US" sz="1200" spc="-1" strike="noStrike">
                 <a:solidFill>
                   <a:srgbClr val="000000"/>
@@ -534,7 +536,7 @@
       </p:grpSpPr>
       <p:sp>
         <p:nvSpPr>
-          <p:cNvPr id="181" name="PlaceHolder 1"/>
+          <p:cNvPr id="190" name="PlaceHolder 1"/>
           <p:cNvSpPr>
             <a:spLocks noGrp="1"/>
           </p:cNvSpPr>
@@ -545,16 +547,16 @@
         <p:spPr>
           <a:xfrm>
             <a:off x="1030320" y="1241280"/>
-            <a:ext cx="4735800" cy="3348360"/>
-          </a:xfrm>
-          <a:prstGeom prst="rect">
-            <a:avLst/>
-          </a:prstGeom>
-        </p:spPr>
-      </p:sp>
-      <p:sp>
-        <p:nvSpPr>
-          <p:cNvPr id="182" name="PlaceHolder 2"/>
+            <a:ext cx="4735440" cy="3348000"/>
+          </a:xfrm>
+          <a:prstGeom prst="rect">
+            <a:avLst/>
+          </a:prstGeom>
+        </p:spPr>
+      </p:sp>
+      <p:sp>
+        <p:nvSpPr>
+          <p:cNvPr id="191" name="PlaceHolder 2"/>
           <p:cNvSpPr>
             <a:spLocks noGrp="1"/>
           </p:cNvSpPr>
@@ -565,7 +567,7 @@
         <p:spPr>
           <a:xfrm>
             <a:off x="679680" y="4777200"/>
-            <a:ext cx="5436720" cy="3907080"/>
+            <a:ext cx="5436360" cy="3906720"/>
           </a:xfrm>
           <a:prstGeom prst="rect">
             <a:avLst/>
@@ -584,14 +586,14 @@
       </p:sp>
       <p:sp>
         <p:nvSpPr>
-          <p:cNvPr id="183" name="슬라이드 번호 개체 틀 3_9"/>
+          <p:cNvPr id="192" name="슬라이드 번호 개체 틀 3_9"/>
           <p:cNvSpPr/>
           <p:nvPr/>
         </p:nvSpPr>
         <p:spPr>
           <a:xfrm>
             <a:off x="3850560" y="9428760"/>
-            <a:ext cx="2944080" cy="496440"/>
+            <a:ext cx="2943720" cy="496080"/>
           </a:xfrm>
           <a:prstGeom prst="rect">
             <a:avLst/>
@@ -617,7 +619,7 @@
                 <a:spcPct val="100000"/>
               </a:lnSpc>
             </a:pPr>
-            <a:fld id="{ABFA40BD-C380-457E-9050-634511AE0F09}" type="slidenum">
+            <a:fld id="{D1866DC5-E043-45F6-8CED-EF8CCB1BB85A}" type="slidenum">
               <a:rPr b="0" lang="en-US" sz="1200" spc="-1" strike="noStrike">
                 <a:solidFill>
                   <a:srgbClr val="000000"/>
@@ -656,7 +658,7 @@
       </p:grpSpPr>
       <p:sp>
         <p:nvSpPr>
-          <p:cNvPr id="184" name="PlaceHolder 1"/>
+          <p:cNvPr id="193" name="PlaceHolder 1"/>
           <p:cNvSpPr>
             <a:spLocks noGrp="1"/>
           </p:cNvSpPr>
@@ -667,16 +669,16 @@
         <p:spPr>
           <a:xfrm>
             <a:off x="1030320" y="1241280"/>
-            <a:ext cx="4735800" cy="3348360"/>
-          </a:xfrm>
-          <a:prstGeom prst="rect">
-            <a:avLst/>
-          </a:prstGeom>
-        </p:spPr>
-      </p:sp>
-      <p:sp>
-        <p:nvSpPr>
-          <p:cNvPr id="185" name="PlaceHolder 2"/>
+            <a:ext cx="4735440" cy="3348000"/>
+          </a:xfrm>
+          <a:prstGeom prst="rect">
+            <a:avLst/>
+          </a:prstGeom>
+        </p:spPr>
+      </p:sp>
+      <p:sp>
+        <p:nvSpPr>
+          <p:cNvPr id="194" name="PlaceHolder 2"/>
           <p:cNvSpPr>
             <a:spLocks noGrp="1"/>
           </p:cNvSpPr>
@@ -687,7 +689,7 @@
         <p:spPr>
           <a:xfrm>
             <a:off x="679680" y="4777200"/>
-            <a:ext cx="5436720" cy="3907080"/>
+            <a:ext cx="5436360" cy="3906720"/>
           </a:xfrm>
           <a:prstGeom prst="rect">
             <a:avLst/>
@@ -706,14 +708,14 @@
       </p:sp>
       <p:sp>
         <p:nvSpPr>
-          <p:cNvPr id="186" name="슬라이드 번호 개체 틀 3_10"/>
+          <p:cNvPr id="195" name="슬라이드 번호 개체 틀 3_10"/>
           <p:cNvSpPr/>
           <p:nvPr/>
         </p:nvSpPr>
         <p:spPr>
           <a:xfrm>
             <a:off x="3850560" y="9428760"/>
-            <a:ext cx="2944080" cy="496440"/>
+            <a:ext cx="2943720" cy="496080"/>
           </a:xfrm>
           <a:prstGeom prst="rect">
             <a:avLst/>
@@ -739,7 +741,7 @@
                 <a:spcPct val="100000"/>
               </a:lnSpc>
             </a:pPr>
-            <a:fld id="{000DBBA1-6F80-4181-9655-0AA04D29DCFF}" type="slidenum">
+            <a:fld id="{770FC253-6CBD-4C16-B09E-498708AEE164}" type="slidenum">
               <a:rPr b="0" lang="en-US" sz="1200" spc="-1" strike="noStrike">
                 <a:solidFill>
                   <a:srgbClr val="000000"/>
@@ -778,7 +780,7 @@
       </p:grpSpPr>
       <p:sp>
         <p:nvSpPr>
-          <p:cNvPr id="187" name="PlaceHolder 1"/>
+          <p:cNvPr id="196" name="PlaceHolder 1"/>
           <p:cNvSpPr>
             <a:spLocks noGrp="1"/>
           </p:cNvSpPr>
@@ -789,16 +791,16 @@
         <p:spPr>
           <a:xfrm>
             <a:off x="1030320" y="1241280"/>
-            <a:ext cx="4735800" cy="3348360"/>
-          </a:xfrm>
-          <a:prstGeom prst="rect">
-            <a:avLst/>
-          </a:prstGeom>
-        </p:spPr>
-      </p:sp>
-      <p:sp>
-        <p:nvSpPr>
-          <p:cNvPr id="188" name="PlaceHolder 2"/>
+            <a:ext cx="4735440" cy="3348000"/>
+          </a:xfrm>
+          <a:prstGeom prst="rect">
+            <a:avLst/>
+          </a:prstGeom>
+        </p:spPr>
+      </p:sp>
+      <p:sp>
+        <p:nvSpPr>
+          <p:cNvPr id="197" name="PlaceHolder 2"/>
           <p:cNvSpPr>
             <a:spLocks noGrp="1"/>
           </p:cNvSpPr>
@@ -809,7 +811,7 @@
         <p:spPr>
           <a:xfrm>
             <a:off x="679680" y="4777200"/>
-            <a:ext cx="5436720" cy="3907080"/>
+            <a:ext cx="5436360" cy="3906720"/>
           </a:xfrm>
           <a:prstGeom prst="rect">
             <a:avLst/>
@@ -828,14 +830,14 @@
       </p:sp>
       <p:sp>
         <p:nvSpPr>
-          <p:cNvPr id="189" name="슬라이드 번호 개체 틀 3_12"/>
+          <p:cNvPr id="198" name="슬라이드 번호 개체 틀 3_12"/>
           <p:cNvSpPr/>
           <p:nvPr/>
         </p:nvSpPr>
         <p:spPr>
           <a:xfrm>
             <a:off x="3850560" y="9428760"/>
-            <a:ext cx="2944080" cy="496440"/>
+            <a:ext cx="2943720" cy="496080"/>
           </a:xfrm>
           <a:prstGeom prst="rect">
             <a:avLst/>
@@ -861,7 +863,251 @@
                 <a:spcPct val="100000"/>
               </a:lnSpc>
             </a:pPr>
-            <a:fld id="{26B5A462-E093-468B-945B-0193EA7AEB9F}" type="slidenum">
+            <a:fld id="{F7DDB1B2-EB56-483A-A365-87D139508D95}" type="slidenum">
+              <a:rPr b="0" lang="en-US" sz="1200" spc="-1" strike="noStrike">
+                <a:solidFill>
+                  <a:srgbClr val="000000"/>
+                </a:solidFill>
+                <a:latin typeface="Noto Serif CJK KR"/>
+              </a:rPr>
+              <a:t>&lt;number&gt;</a:t>
+            </a:fld>
+            <a:endParaRPr b="0" lang="en-US" sz="1200" spc="-1" strike="noStrike">
+              <a:latin typeface="Arial"/>
+            </a:endParaRPr>
+          </a:p>
+        </p:txBody>
+      </p:sp>
+    </p:spTree>
+  </p:cSld>
+</p:notes>
+</file>
+
+<file path=ppt/notesSlides/notesSlide14.xml><?xml version="1.0" encoding="utf-8"?>
+<p:notes xmlns:a="http://schemas.openxmlformats.org/drawingml/2006/main" xmlns:p="http://schemas.openxmlformats.org/presentationml/2006/main" xmlns:r="http://schemas.openxmlformats.org/officeDocument/2006/relationships" xmlns:p14="http://schemas.microsoft.com/office/powerpoint/2010/main" xmlns:p15="http://schemas.microsoft.com/office/powerpoint/2012/main" xmlns:mc="http://schemas.openxmlformats.org/markup-compatibility/2006">
+  <p:cSld>
+    <p:spTree>
+      <p:nvGrpSpPr>
+        <p:cNvPr id="1" name=""/>
+        <p:cNvGrpSpPr/>
+        <p:nvPr/>
+      </p:nvGrpSpPr>
+      <p:grpSpPr>
+        <a:xfrm>
+          <a:off x="0" y="0"/>
+          <a:ext cx="0" cy="0"/>
+          <a:chOff x="0" y="0"/>
+          <a:chExt cx="0" cy="0"/>
+        </a:xfrm>
+      </p:grpSpPr>
+      <p:sp>
+        <p:nvSpPr>
+          <p:cNvPr id="199" name="PlaceHolder 1"/>
+          <p:cNvSpPr>
+            <a:spLocks noGrp="1"/>
+          </p:cNvSpPr>
+          <p:nvPr>
+            <p:ph type="sldImg"/>
+          </p:nvPr>
+        </p:nvSpPr>
+        <p:spPr>
+          <a:xfrm>
+            <a:off x="1030320" y="1241280"/>
+            <a:ext cx="4735440" cy="3348000"/>
+          </a:xfrm>
+          <a:prstGeom prst="rect">
+            <a:avLst/>
+          </a:prstGeom>
+        </p:spPr>
+      </p:sp>
+      <p:sp>
+        <p:nvSpPr>
+          <p:cNvPr id="200" name="PlaceHolder 2"/>
+          <p:cNvSpPr>
+            <a:spLocks noGrp="1"/>
+          </p:cNvSpPr>
+          <p:nvPr>
+            <p:ph type="body"/>
+          </p:nvPr>
+        </p:nvSpPr>
+        <p:spPr>
+          <a:xfrm>
+            <a:off x="679680" y="4777200"/>
+            <a:ext cx="5436360" cy="3906720"/>
+          </a:xfrm>
+          <a:prstGeom prst="rect">
+            <a:avLst/>
+          </a:prstGeom>
+        </p:spPr>
+        <p:txBody>
+          <a:bodyPr lIns="0" rIns="0" tIns="0" bIns="0">
+            <a:noAutofit/>
+          </a:bodyPr>
+          <a:p>
+            <a:endParaRPr b="0" lang="en-US" sz="2000" spc="-1" strike="noStrike">
+              <a:latin typeface="Arial"/>
+            </a:endParaRPr>
+          </a:p>
+        </p:txBody>
+      </p:sp>
+      <p:sp>
+        <p:nvSpPr>
+          <p:cNvPr id="201" name="슬라이드 번호 개체 틀 3_11"/>
+          <p:cNvSpPr/>
+          <p:nvPr/>
+        </p:nvSpPr>
+        <p:spPr>
+          <a:xfrm>
+            <a:off x="3850560" y="9428760"/>
+            <a:ext cx="2943720" cy="496080"/>
+          </a:xfrm>
+          <a:prstGeom prst="rect">
+            <a:avLst/>
+          </a:prstGeom>
+          <a:noFill/>
+          <a:ln w="0">
+            <a:noFill/>
+          </a:ln>
+        </p:spPr>
+        <p:style>
+          <a:lnRef idx="0"/>
+          <a:fillRef idx="0"/>
+          <a:effectRef idx="0"/>
+          <a:fontRef idx="minor"/>
+        </p:style>
+        <p:txBody>
+          <a:bodyPr lIns="90000" rIns="90000" tIns="45000" bIns="45000" anchor="b">
+            <a:noAutofit/>
+          </a:bodyPr>
+          <a:p>
+            <a:pPr algn="r">
+              <a:lnSpc>
+                <a:spcPct val="100000"/>
+              </a:lnSpc>
+            </a:pPr>
+            <a:fld id="{D522ABD6-835E-48DA-804F-0FB44A0C37E2}" type="slidenum">
+              <a:rPr b="0" lang="en-US" sz="1200" spc="-1" strike="noStrike">
+                <a:solidFill>
+                  <a:srgbClr val="000000"/>
+                </a:solidFill>
+                <a:latin typeface="Noto Serif CJK KR"/>
+              </a:rPr>
+              <a:t>&lt;number&gt;</a:t>
+            </a:fld>
+            <a:endParaRPr b="0" lang="en-US" sz="1200" spc="-1" strike="noStrike">
+              <a:latin typeface="Arial"/>
+            </a:endParaRPr>
+          </a:p>
+        </p:txBody>
+      </p:sp>
+    </p:spTree>
+  </p:cSld>
+</p:notes>
+</file>
+
+<file path=ppt/notesSlides/notesSlide15.xml><?xml version="1.0" encoding="utf-8"?>
+<p:notes xmlns:a="http://schemas.openxmlformats.org/drawingml/2006/main" xmlns:p="http://schemas.openxmlformats.org/presentationml/2006/main" xmlns:r="http://schemas.openxmlformats.org/officeDocument/2006/relationships" xmlns:p14="http://schemas.microsoft.com/office/powerpoint/2010/main" xmlns:p15="http://schemas.microsoft.com/office/powerpoint/2012/main" xmlns:mc="http://schemas.openxmlformats.org/markup-compatibility/2006">
+  <p:cSld>
+    <p:spTree>
+      <p:nvGrpSpPr>
+        <p:cNvPr id="1" name=""/>
+        <p:cNvGrpSpPr/>
+        <p:nvPr/>
+      </p:nvGrpSpPr>
+      <p:grpSpPr>
+        <a:xfrm>
+          <a:off x="0" y="0"/>
+          <a:ext cx="0" cy="0"/>
+          <a:chOff x="0" y="0"/>
+          <a:chExt cx="0" cy="0"/>
+        </a:xfrm>
+      </p:grpSpPr>
+      <p:sp>
+        <p:nvSpPr>
+          <p:cNvPr id="202" name="PlaceHolder 1"/>
+          <p:cNvSpPr>
+            <a:spLocks noGrp="1"/>
+          </p:cNvSpPr>
+          <p:nvPr>
+            <p:ph type="sldImg"/>
+          </p:nvPr>
+        </p:nvSpPr>
+        <p:spPr>
+          <a:xfrm>
+            <a:off x="1030320" y="1241280"/>
+            <a:ext cx="4735440" cy="3348000"/>
+          </a:xfrm>
+          <a:prstGeom prst="rect">
+            <a:avLst/>
+          </a:prstGeom>
+        </p:spPr>
+      </p:sp>
+      <p:sp>
+        <p:nvSpPr>
+          <p:cNvPr id="203" name="PlaceHolder 2"/>
+          <p:cNvSpPr>
+            <a:spLocks noGrp="1"/>
+          </p:cNvSpPr>
+          <p:nvPr>
+            <p:ph type="body"/>
+          </p:nvPr>
+        </p:nvSpPr>
+        <p:spPr>
+          <a:xfrm>
+            <a:off x="679680" y="4777200"/>
+            <a:ext cx="5436360" cy="3906720"/>
+          </a:xfrm>
+          <a:prstGeom prst="rect">
+            <a:avLst/>
+          </a:prstGeom>
+        </p:spPr>
+        <p:txBody>
+          <a:bodyPr lIns="0" rIns="0" tIns="0" bIns="0">
+            <a:noAutofit/>
+          </a:bodyPr>
+          <a:p>
+            <a:endParaRPr b="0" lang="en-US" sz="2000" spc="-1" strike="noStrike">
+              <a:latin typeface="Arial"/>
+            </a:endParaRPr>
+          </a:p>
+        </p:txBody>
+      </p:sp>
+      <p:sp>
+        <p:nvSpPr>
+          <p:cNvPr id="204" name="슬라이드 번호 개체 틀 3_13"/>
+          <p:cNvSpPr/>
+          <p:nvPr/>
+        </p:nvSpPr>
+        <p:spPr>
+          <a:xfrm>
+            <a:off x="3850560" y="9428760"/>
+            <a:ext cx="2943720" cy="496080"/>
+          </a:xfrm>
+          <a:prstGeom prst="rect">
+            <a:avLst/>
+          </a:prstGeom>
+          <a:noFill/>
+          <a:ln w="0">
+            <a:noFill/>
+          </a:ln>
+        </p:spPr>
+        <p:style>
+          <a:lnRef idx="0"/>
+          <a:fillRef idx="0"/>
+          <a:effectRef idx="0"/>
+          <a:fontRef idx="minor"/>
+        </p:style>
+        <p:txBody>
+          <a:bodyPr lIns="90000" rIns="90000" tIns="45000" bIns="45000" anchor="b">
+            <a:noAutofit/>
+          </a:bodyPr>
+          <a:p>
+            <a:pPr algn="r">
+              <a:lnSpc>
+                <a:spcPct val="100000"/>
+              </a:lnSpc>
+            </a:pPr>
+            <a:fld id="{96EFD48E-E7CC-479D-8A21-6AFCB269D24B}" type="slidenum">
               <a:rPr b="0" lang="en-US" sz="1200" spc="-1" strike="noStrike">
                 <a:solidFill>
                   <a:srgbClr val="000000"/>
@@ -900,7 +1146,7 @@
       </p:grpSpPr>
       <p:sp>
         <p:nvSpPr>
-          <p:cNvPr id="154" name="PlaceHolder 1"/>
+          <p:cNvPr id="163" name="PlaceHolder 1"/>
           <p:cNvSpPr>
             <a:spLocks noGrp="1"/>
           </p:cNvSpPr>
@@ -911,16 +1157,16 @@
         <p:spPr>
           <a:xfrm>
             <a:off x="1030320" y="1241280"/>
-            <a:ext cx="4735800" cy="3348360"/>
-          </a:xfrm>
-          <a:prstGeom prst="rect">
-            <a:avLst/>
-          </a:prstGeom>
-        </p:spPr>
-      </p:sp>
-      <p:sp>
-        <p:nvSpPr>
-          <p:cNvPr id="155" name="PlaceHolder 2"/>
+            <a:ext cx="4735440" cy="3348000"/>
+          </a:xfrm>
+          <a:prstGeom prst="rect">
+            <a:avLst/>
+          </a:prstGeom>
+        </p:spPr>
+      </p:sp>
+      <p:sp>
+        <p:nvSpPr>
+          <p:cNvPr id="164" name="PlaceHolder 2"/>
           <p:cNvSpPr>
             <a:spLocks noGrp="1"/>
           </p:cNvSpPr>
@@ -931,7 +1177,7 @@
         <p:spPr>
           <a:xfrm>
             <a:off x="679680" y="4777200"/>
-            <a:ext cx="5436720" cy="3907080"/>
+            <a:ext cx="5436360" cy="3906720"/>
           </a:xfrm>
           <a:prstGeom prst="rect">
             <a:avLst/>
@@ -950,14 +1196,14 @@
       </p:sp>
       <p:sp>
         <p:nvSpPr>
-          <p:cNvPr id="156" name="슬라이드 번호 개체 틀 3_0"/>
+          <p:cNvPr id="165" name="슬라이드 번호 개체 틀 3_0"/>
           <p:cNvSpPr/>
           <p:nvPr/>
         </p:nvSpPr>
         <p:spPr>
           <a:xfrm>
             <a:off x="3850560" y="9428760"/>
-            <a:ext cx="2944080" cy="496440"/>
+            <a:ext cx="2943720" cy="496080"/>
           </a:xfrm>
           <a:prstGeom prst="rect">
             <a:avLst/>
@@ -983,7 +1229,7 @@
                 <a:spcPct val="100000"/>
               </a:lnSpc>
             </a:pPr>
-            <a:fld id="{5D4A65A4-3FF6-49DB-A2D8-9AC40DB661FA}" type="slidenum">
+            <a:fld id="{DC771CDE-FA40-4021-B0EA-D74F2119BDBA}" type="slidenum">
               <a:rPr b="0" lang="en-US" sz="1200" spc="-1" strike="noStrike">
                 <a:solidFill>
                   <a:srgbClr val="000000"/>
@@ -1022,7 +1268,7 @@
       </p:grpSpPr>
       <p:sp>
         <p:nvSpPr>
-          <p:cNvPr id="157" name="PlaceHolder 1"/>
+          <p:cNvPr id="166" name="PlaceHolder 1"/>
           <p:cNvSpPr>
             <a:spLocks noGrp="1"/>
           </p:cNvSpPr>
@@ -1033,16 +1279,16 @@
         <p:spPr>
           <a:xfrm>
             <a:off x="1030320" y="1241280"/>
-            <a:ext cx="4735800" cy="3348360"/>
-          </a:xfrm>
-          <a:prstGeom prst="rect">
-            <a:avLst/>
-          </a:prstGeom>
-        </p:spPr>
-      </p:sp>
-      <p:sp>
-        <p:nvSpPr>
-          <p:cNvPr id="158" name="PlaceHolder 2"/>
+            <a:ext cx="4735440" cy="3348000"/>
+          </a:xfrm>
+          <a:prstGeom prst="rect">
+            <a:avLst/>
+          </a:prstGeom>
+        </p:spPr>
+      </p:sp>
+      <p:sp>
+        <p:nvSpPr>
+          <p:cNvPr id="167" name="PlaceHolder 2"/>
           <p:cNvSpPr>
             <a:spLocks noGrp="1"/>
           </p:cNvSpPr>
@@ -1053,7 +1299,7 @@
         <p:spPr>
           <a:xfrm>
             <a:off x="679680" y="4777200"/>
-            <a:ext cx="5436720" cy="3907080"/>
+            <a:ext cx="5436360" cy="3906720"/>
           </a:xfrm>
           <a:prstGeom prst="rect">
             <a:avLst/>
@@ -1072,14 +1318,14 @@
       </p:sp>
       <p:sp>
         <p:nvSpPr>
-          <p:cNvPr id="159" name="슬라이드 번호 개체 틀 3_3"/>
+          <p:cNvPr id="168" name="슬라이드 번호 개체 틀 3_3"/>
           <p:cNvSpPr/>
           <p:nvPr/>
         </p:nvSpPr>
         <p:spPr>
           <a:xfrm>
             <a:off x="3850560" y="9428760"/>
-            <a:ext cx="2944080" cy="496440"/>
+            <a:ext cx="2943720" cy="496080"/>
           </a:xfrm>
           <a:prstGeom prst="rect">
             <a:avLst/>
@@ -1105,7 +1351,7 @@
                 <a:spcPct val="100000"/>
               </a:lnSpc>
             </a:pPr>
-            <a:fld id="{2B9D1A51-D7EC-454B-A5CF-56254E4316B2}" type="slidenum">
+            <a:fld id="{22558BD8-271E-4B72-B498-AC18CDF29E66}" type="slidenum">
               <a:rPr b="0" lang="en-US" sz="1200" spc="-1" strike="noStrike">
                 <a:solidFill>
                   <a:srgbClr val="000000"/>
@@ -1144,7 +1390,7 @@
       </p:grpSpPr>
       <p:sp>
         <p:nvSpPr>
-          <p:cNvPr id="160" name="PlaceHolder 1"/>
+          <p:cNvPr id="169" name="PlaceHolder 1"/>
           <p:cNvSpPr>
             <a:spLocks noGrp="1"/>
           </p:cNvSpPr>
@@ -1155,16 +1401,16 @@
         <p:spPr>
           <a:xfrm>
             <a:off x="1030320" y="1241280"/>
-            <a:ext cx="4735800" cy="3348360"/>
-          </a:xfrm>
-          <a:prstGeom prst="rect">
-            <a:avLst/>
-          </a:prstGeom>
-        </p:spPr>
-      </p:sp>
-      <p:sp>
-        <p:nvSpPr>
-          <p:cNvPr id="161" name="PlaceHolder 2"/>
+            <a:ext cx="4735440" cy="3348000"/>
+          </a:xfrm>
+          <a:prstGeom prst="rect">
+            <a:avLst/>
+          </a:prstGeom>
+        </p:spPr>
+      </p:sp>
+      <p:sp>
+        <p:nvSpPr>
+          <p:cNvPr id="170" name="PlaceHolder 2"/>
           <p:cNvSpPr>
             <a:spLocks noGrp="1"/>
           </p:cNvSpPr>
@@ -1175,7 +1421,7 @@
         <p:spPr>
           <a:xfrm>
             <a:off x="679680" y="4777200"/>
-            <a:ext cx="5436720" cy="3907080"/>
+            <a:ext cx="5436360" cy="3906720"/>
           </a:xfrm>
           <a:prstGeom prst="rect">
             <a:avLst/>
@@ -1194,14 +1440,14 @@
       </p:sp>
       <p:sp>
         <p:nvSpPr>
-          <p:cNvPr id="162" name="슬라이드 번호 개체 틀 3_1"/>
+          <p:cNvPr id="171" name="슬라이드 번호 개체 틀 3_1"/>
           <p:cNvSpPr/>
           <p:nvPr/>
         </p:nvSpPr>
         <p:spPr>
           <a:xfrm>
             <a:off x="3850560" y="9428760"/>
-            <a:ext cx="2944080" cy="496440"/>
+            <a:ext cx="2943720" cy="496080"/>
           </a:xfrm>
           <a:prstGeom prst="rect">
             <a:avLst/>
@@ -1227,7 +1473,7 @@
                 <a:spcPct val="100000"/>
               </a:lnSpc>
             </a:pPr>
-            <a:fld id="{E57A2755-03B2-4296-B2D6-E2A96800BF9C}" type="slidenum">
+            <a:fld id="{AA622764-125F-4DB1-8037-9F78AA323276}" type="slidenum">
               <a:rPr b="0" lang="en-US" sz="1200" spc="-1" strike="noStrike">
                 <a:solidFill>
                   <a:srgbClr val="000000"/>
@@ -1266,7 +1512,7 @@
       </p:grpSpPr>
       <p:sp>
         <p:nvSpPr>
-          <p:cNvPr id="163" name="PlaceHolder 1"/>
+          <p:cNvPr id="172" name="PlaceHolder 1"/>
           <p:cNvSpPr>
             <a:spLocks noGrp="1"/>
           </p:cNvSpPr>
@@ -1277,16 +1523,16 @@
         <p:spPr>
           <a:xfrm>
             <a:off x="1030320" y="1241280"/>
-            <a:ext cx="4735800" cy="3348360"/>
-          </a:xfrm>
-          <a:prstGeom prst="rect">
-            <a:avLst/>
-          </a:prstGeom>
-        </p:spPr>
-      </p:sp>
-      <p:sp>
-        <p:nvSpPr>
-          <p:cNvPr id="164" name="PlaceHolder 2"/>
+            <a:ext cx="4735440" cy="3348000"/>
+          </a:xfrm>
+          <a:prstGeom prst="rect">
+            <a:avLst/>
+          </a:prstGeom>
+        </p:spPr>
+      </p:sp>
+      <p:sp>
+        <p:nvSpPr>
+          <p:cNvPr id="173" name="PlaceHolder 2"/>
           <p:cNvSpPr>
             <a:spLocks noGrp="1"/>
           </p:cNvSpPr>
@@ -1297,7 +1543,7 @@
         <p:spPr>
           <a:xfrm>
             <a:off x="679680" y="4777200"/>
-            <a:ext cx="5436720" cy="3907080"/>
+            <a:ext cx="5436360" cy="3906720"/>
           </a:xfrm>
           <a:prstGeom prst="rect">
             <a:avLst/>
@@ -1316,14 +1562,14 @@
       </p:sp>
       <p:sp>
         <p:nvSpPr>
-          <p:cNvPr id="165" name="슬라이드 번호 개체 틀 3_2"/>
+          <p:cNvPr id="174" name="슬라이드 번호 개체 틀 3_2"/>
           <p:cNvSpPr/>
           <p:nvPr/>
         </p:nvSpPr>
         <p:spPr>
           <a:xfrm>
             <a:off x="3850560" y="9428760"/>
-            <a:ext cx="2944080" cy="496440"/>
+            <a:ext cx="2943720" cy="496080"/>
           </a:xfrm>
           <a:prstGeom prst="rect">
             <a:avLst/>
@@ -1349,7 +1595,7 @@
                 <a:spcPct val="100000"/>
               </a:lnSpc>
             </a:pPr>
-            <a:fld id="{65776223-FDA6-4DC4-A9B9-8E44AF689B0D}" type="slidenum">
+            <a:fld id="{69A92A17-C2DE-4896-A58A-3DE35A158E2C}" type="slidenum">
               <a:rPr b="0" lang="en-US" sz="1200" spc="-1" strike="noStrike">
                 <a:solidFill>
                   <a:srgbClr val="000000"/>
@@ -1388,7 +1634,7 @@
       </p:grpSpPr>
       <p:sp>
         <p:nvSpPr>
-          <p:cNvPr id="166" name="PlaceHolder 1"/>
+          <p:cNvPr id="175" name="PlaceHolder 1"/>
           <p:cNvSpPr>
             <a:spLocks noGrp="1"/>
           </p:cNvSpPr>
@@ -1399,16 +1645,16 @@
         <p:spPr>
           <a:xfrm>
             <a:off x="1030320" y="1241280"/>
-            <a:ext cx="4735800" cy="3348360"/>
-          </a:xfrm>
-          <a:prstGeom prst="rect">
-            <a:avLst/>
-          </a:prstGeom>
-        </p:spPr>
-      </p:sp>
-      <p:sp>
-        <p:nvSpPr>
-          <p:cNvPr id="167" name="PlaceHolder 2"/>
+            <a:ext cx="4735440" cy="3348000"/>
+          </a:xfrm>
+          <a:prstGeom prst="rect">
+            <a:avLst/>
+          </a:prstGeom>
+        </p:spPr>
+      </p:sp>
+      <p:sp>
+        <p:nvSpPr>
+          <p:cNvPr id="176" name="PlaceHolder 2"/>
           <p:cNvSpPr>
             <a:spLocks noGrp="1"/>
           </p:cNvSpPr>
@@ -1419,7 +1665,7 @@
         <p:spPr>
           <a:xfrm>
             <a:off x="679680" y="4777200"/>
-            <a:ext cx="5436720" cy="3907080"/>
+            <a:ext cx="5436360" cy="3906720"/>
           </a:xfrm>
           <a:prstGeom prst="rect">
             <a:avLst/>
@@ -1438,14 +1684,14 @@
       </p:sp>
       <p:sp>
         <p:nvSpPr>
-          <p:cNvPr id="168" name="슬라이드 번호 개체 틀 3_4"/>
+          <p:cNvPr id="177" name="슬라이드 번호 개체 틀 3_4"/>
           <p:cNvSpPr/>
           <p:nvPr/>
         </p:nvSpPr>
         <p:spPr>
           <a:xfrm>
             <a:off x="3850560" y="9428760"/>
-            <a:ext cx="2944080" cy="496440"/>
+            <a:ext cx="2943720" cy="496080"/>
           </a:xfrm>
           <a:prstGeom prst="rect">
             <a:avLst/>
@@ -1471,7 +1717,7 @@
                 <a:spcPct val="100000"/>
               </a:lnSpc>
             </a:pPr>
-            <a:fld id="{6778CB20-B9AF-4407-A0C5-6F7D1007EEBE}" type="slidenum">
+            <a:fld id="{C1284D8C-1571-4A6F-9D50-B106D459CCBB}" type="slidenum">
               <a:rPr b="0" lang="en-US" sz="1200" spc="-1" strike="noStrike">
                 <a:solidFill>
                   <a:srgbClr val="000000"/>
@@ -1510,7 +1756,7 @@
       </p:grpSpPr>
       <p:sp>
         <p:nvSpPr>
-          <p:cNvPr id="169" name="PlaceHolder 1"/>
+          <p:cNvPr id="178" name="PlaceHolder 1"/>
           <p:cNvSpPr>
             <a:spLocks noGrp="1"/>
           </p:cNvSpPr>
@@ -1521,16 +1767,16 @@
         <p:spPr>
           <a:xfrm>
             <a:off x="1030320" y="1241280"/>
-            <a:ext cx="4735800" cy="3348360"/>
-          </a:xfrm>
-          <a:prstGeom prst="rect">
-            <a:avLst/>
-          </a:prstGeom>
-        </p:spPr>
-      </p:sp>
-      <p:sp>
-        <p:nvSpPr>
-          <p:cNvPr id="170" name="PlaceHolder 2"/>
+            <a:ext cx="4735440" cy="3348000"/>
+          </a:xfrm>
+          <a:prstGeom prst="rect">
+            <a:avLst/>
+          </a:prstGeom>
+        </p:spPr>
+      </p:sp>
+      <p:sp>
+        <p:nvSpPr>
+          <p:cNvPr id="179" name="PlaceHolder 2"/>
           <p:cNvSpPr>
             <a:spLocks noGrp="1"/>
           </p:cNvSpPr>
@@ -1541,7 +1787,7 @@
         <p:spPr>
           <a:xfrm>
             <a:off x="679680" y="4777200"/>
-            <a:ext cx="5436720" cy="3907080"/>
+            <a:ext cx="5436360" cy="3906720"/>
           </a:xfrm>
           <a:prstGeom prst="rect">
             <a:avLst/>
@@ -1560,14 +1806,14 @@
       </p:sp>
       <p:sp>
         <p:nvSpPr>
-          <p:cNvPr id="171" name="슬라이드 번호 개체 틀 3_5"/>
+          <p:cNvPr id="180" name="슬라이드 번호 개체 틀 3_5"/>
           <p:cNvSpPr/>
           <p:nvPr/>
         </p:nvSpPr>
         <p:spPr>
           <a:xfrm>
             <a:off x="3850560" y="9428760"/>
-            <a:ext cx="2944080" cy="496440"/>
+            <a:ext cx="2943720" cy="496080"/>
           </a:xfrm>
           <a:prstGeom prst="rect">
             <a:avLst/>
@@ -1593,7 +1839,7 @@
                 <a:spcPct val="100000"/>
               </a:lnSpc>
             </a:pPr>
-            <a:fld id="{42AFD711-06DE-4EAE-ABE2-AB241FD85070}" type="slidenum">
+            <a:fld id="{78DF626A-90EF-4885-A96D-F172B94BE4A3}" type="slidenum">
               <a:rPr b="0" lang="en-US" sz="1200" spc="-1" strike="noStrike">
                 <a:solidFill>
                   <a:srgbClr val="000000"/>
@@ -1632,7 +1878,7 @@
       </p:grpSpPr>
       <p:sp>
         <p:nvSpPr>
-          <p:cNvPr id="172" name="PlaceHolder 1"/>
+          <p:cNvPr id="181" name="PlaceHolder 1"/>
           <p:cNvSpPr>
             <a:spLocks noGrp="1"/>
           </p:cNvSpPr>
@@ -1643,16 +1889,16 @@
         <p:spPr>
           <a:xfrm>
             <a:off x="1030320" y="1241280"/>
-            <a:ext cx="4735800" cy="3348360"/>
-          </a:xfrm>
-          <a:prstGeom prst="rect">
-            <a:avLst/>
-          </a:prstGeom>
-        </p:spPr>
-      </p:sp>
-      <p:sp>
-        <p:nvSpPr>
-          <p:cNvPr id="173" name="PlaceHolder 2"/>
+            <a:ext cx="4735440" cy="3348000"/>
+          </a:xfrm>
+          <a:prstGeom prst="rect">
+            <a:avLst/>
+          </a:prstGeom>
+        </p:spPr>
+      </p:sp>
+      <p:sp>
+        <p:nvSpPr>
+          <p:cNvPr id="182" name="PlaceHolder 2"/>
           <p:cNvSpPr>
             <a:spLocks noGrp="1"/>
           </p:cNvSpPr>
@@ -1663,7 +1909,7 @@
         <p:spPr>
           <a:xfrm>
             <a:off x="679680" y="4777200"/>
-            <a:ext cx="5436720" cy="3907080"/>
+            <a:ext cx="5436360" cy="3906720"/>
           </a:xfrm>
           <a:prstGeom prst="rect">
             <a:avLst/>
@@ -1682,14 +1928,14 @@
       </p:sp>
       <p:sp>
         <p:nvSpPr>
-          <p:cNvPr id="174" name="슬라이드 번호 개체 틀 3_6"/>
+          <p:cNvPr id="183" name="슬라이드 번호 개체 틀 3_6"/>
           <p:cNvSpPr/>
           <p:nvPr/>
         </p:nvSpPr>
         <p:spPr>
           <a:xfrm>
             <a:off x="3850560" y="9428760"/>
-            <a:ext cx="2944080" cy="496440"/>
+            <a:ext cx="2943720" cy="496080"/>
           </a:xfrm>
           <a:prstGeom prst="rect">
             <a:avLst/>
@@ -1715,7 +1961,7 @@
                 <a:spcPct val="100000"/>
               </a:lnSpc>
             </a:pPr>
-            <a:fld id="{15185355-A4AA-479D-83EB-D78AE39B953B}" type="slidenum">
+            <a:fld id="{663F7EA5-D89A-443C-82B1-6CD0F7226BC0}" type="slidenum">
               <a:rPr b="0" lang="en-US" sz="1200" spc="-1" strike="noStrike">
                 <a:solidFill>
                   <a:srgbClr val="000000"/>
@@ -1754,7 +2000,7 @@
       </p:grpSpPr>
       <p:sp>
         <p:nvSpPr>
-          <p:cNvPr id="175" name="PlaceHolder 1"/>
+          <p:cNvPr id="184" name="PlaceHolder 1"/>
           <p:cNvSpPr>
             <a:spLocks noGrp="1"/>
           </p:cNvSpPr>
@@ -1765,16 +2011,16 @@
         <p:spPr>
           <a:xfrm>
             <a:off x="1030320" y="1241280"/>
-            <a:ext cx="4735800" cy="3348360"/>
-          </a:xfrm>
-          <a:prstGeom prst="rect">
-            <a:avLst/>
-          </a:prstGeom>
-        </p:spPr>
-      </p:sp>
-      <p:sp>
-        <p:nvSpPr>
-          <p:cNvPr id="176" name="PlaceHolder 2"/>
+            <a:ext cx="4735440" cy="3348000"/>
+          </a:xfrm>
+          <a:prstGeom prst="rect">
+            <a:avLst/>
+          </a:prstGeom>
+        </p:spPr>
+      </p:sp>
+      <p:sp>
+        <p:nvSpPr>
+          <p:cNvPr id="185" name="PlaceHolder 2"/>
           <p:cNvSpPr>
             <a:spLocks noGrp="1"/>
           </p:cNvSpPr>
@@ -1785,7 +2031,7 @@
         <p:spPr>
           <a:xfrm>
             <a:off x="679680" y="4777200"/>
-            <a:ext cx="5436720" cy="3907080"/>
+            <a:ext cx="5436360" cy="3906720"/>
           </a:xfrm>
           <a:prstGeom prst="rect">
             <a:avLst/>
@@ -1804,14 +2050,14 @@
       </p:sp>
       <p:sp>
         <p:nvSpPr>
-          <p:cNvPr id="177" name="슬라이드 번호 개체 틀 3_7"/>
+          <p:cNvPr id="186" name="슬라이드 번호 개체 틀 3_7"/>
           <p:cNvSpPr/>
           <p:nvPr/>
         </p:nvSpPr>
         <p:spPr>
           <a:xfrm>
             <a:off x="3850560" y="9428760"/>
-            <a:ext cx="2944080" cy="496440"/>
+            <a:ext cx="2943720" cy="496080"/>
           </a:xfrm>
           <a:prstGeom prst="rect">
             <a:avLst/>
@@ -1837,7 +2083,7 @@
                 <a:spcPct val="100000"/>
               </a:lnSpc>
             </a:pPr>
-            <a:fld id="{ECDB8F95-9574-4ABA-8F0E-DF7DA0783BF0}" type="slidenum">
+            <a:fld id="{D698E3B0-7AE1-4824-8A0A-F8CC02F4A6EC}" type="slidenum">
               <a:rPr b="0" lang="en-US" sz="1200" spc="-1" strike="noStrike">
                 <a:solidFill>
                   <a:srgbClr val="000000"/>
@@ -4917,13 +5163,13 @@
         </p:nvPicPr>
         <p:blipFill>
           <a:blip r:embed="rId2"/>
-          <a:srcRect l="0" t="28847" r="0" b="35552"/>
+          <a:srcRect l="0" t="28843" r="0" b="35549"/>
           <a:stretch/>
         </p:blipFill>
         <p:spPr>
           <a:xfrm>
             <a:off x="166680" y="7096320"/>
-            <a:ext cx="973440" cy="402840"/>
+            <a:ext cx="973080" cy="402480"/>
           </a:xfrm>
           <a:prstGeom prst="rect">
             <a:avLst/>
@@ -4942,7 +5188,7 @@
         <p:spPr>
           <a:xfrm>
             <a:off x="8191800" y="7160040"/>
-            <a:ext cx="2221920" cy="272160"/>
+            <a:ext cx="2221560" cy="272160"/>
           </a:xfrm>
           <a:prstGeom prst="rect">
             <a:avLst/>
@@ -5256,7 +5502,7 @@
         <p:spPr>
           <a:xfrm>
             <a:off x="9293760" y="-686880"/>
-            <a:ext cx="1258560" cy="310680"/>
+            <a:ext cx="1258200" cy="310320"/>
           </a:xfrm>
           <a:prstGeom prst="rect">
             <a:avLst/>
@@ -5317,7 +5563,7 @@
         <p:spPr>
           <a:xfrm>
             <a:off x="7698600" y="-686880"/>
-            <a:ext cx="1258560" cy="310680"/>
+            <a:ext cx="1258200" cy="310320"/>
           </a:xfrm>
           <a:prstGeom prst="rect">
             <a:avLst/>
@@ -5378,7 +5624,7 @@
         <p:spPr>
           <a:xfrm>
             <a:off x="6103800" y="-686880"/>
-            <a:ext cx="1258560" cy="310680"/>
+            <a:ext cx="1258200" cy="310320"/>
           </a:xfrm>
           <a:prstGeom prst="rect">
             <a:avLst/>
@@ -5439,7 +5685,7 @@
         <p:spPr>
           <a:xfrm>
             <a:off x="9293760" y="-1301400"/>
-            <a:ext cx="1258560" cy="310680"/>
+            <a:ext cx="1258200" cy="310320"/>
           </a:xfrm>
           <a:prstGeom prst="rect">
             <a:avLst/>
@@ -5500,7 +5746,7 @@
         <p:spPr>
           <a:xfrm>
             <a:off x="7724520" y="-1301400"/>
-            <a:ext cx="1258560" cy="310680"/>
+            <a:ext cx="1258200" cy="310320"/>
           </a:xfrm>
           <a:prstGeom prst="rect">
             <a:avLst/>
@@ -5561,7 +5807,7 @@
         <p:spPr>
           <a:xfrm>
             <a:off x="6129720" y="-1301400"/>
-            <a:ext cx="1258560" cy="310680"/>
+            <a:ext cx="1258200" cy="310320"/>
           </a:xfrm>
           <a:prstGeom prst="rect">
             <a:avLst/>
@@ -5622,7 +5868,7 @@
         <p:spPr>
           <a:xfrm>
             <a:off x="4533120" y="-686880"/>
-            <a:ext cx="1258560" cy="310680"/>
+            <a:ext cx="1258200" cy="310320"/>
           </a:xfrm>
           <a:prstGeom prst="rect">
             <a:avLst/>
@@ -5683,7 +5929,7 @@
         <p:spPr>
           <a:xfrm>
             <a:off x="4559040" y="-1301400"/>
-            <a:ext cx="1258560" cy="310680"/>
+            <a:ext cx="1258200" cy="310320"/>
           </a:xfrm>
           <a:prstGeom prst="rect">
             <a:avLst/>
@@ -5744,7 +5990,7 @@
         <p:spPr>
           <a:xfrm>
             <a:off x="8016480" y="5586120"/>
-            <a:ext cx="2553120" cy="1531800"/>
+            <a:ext cx="2552760" cy="1531800"/>
           </a:xfrm>
           <a:prstGeom prst="rect">
             <a:avLst/>
@@ -5884,13 +6130,13 @@
         </p:nvPicPr>
         <p:blipFill>
           <a:blip r:embed="rId1"/>
-          <a:srcRect l="0" t="25876" r="0" b="33970"/>
+          <a:srcRect l="0" t="25872" r="0" b="33967"/>
           <a:stretch/>
         </p:blipFill>
         <p:spPr>
           <a:xfrm>
             <a:off x="1797120" y="1799640"/>
-            <a:ext cx="6926760" cy="2778480"/>
+            <a:ext cx="6926400" cy="2778120"/>
           </a:xfrm>
           <a:prstGeom prst="rect">
             <a:avLst/>
@@ -5909,7 +6155,7 @@
         <p:spPr>
           <a:xfrm>
             <a:off x="3397680" y="4579560"/>
-            <a:ext cx="3726000" cy="577080"/>
+            <a:ext cx="3725640" cy="577080"/>
           </a:xfrm>
           <a:prstGeom prst="rect">
             <a:avLst/>
@@ -6010,7 +6256,7 @@
         <p:spPr>
           <a:xfrm>
             <a:off x="621000" y="849240"/>
-            <a:ext cx="9818640" cy="5028840"/>
+            <a:ext cx="9818280" cy="5578200"/>
           </a:xfrm>
           <a:prstGeom prst="rect">
             <a:avLst/>
@@ -6044,7 +6290,37 @@
                 <a:latin typeface="현대하모니 L"/>
                 <a:ea typeface="현대하모니 L"/>
               </a:rPr>
-              <a:t>8</a:t>
+              <a:t>8. adduser</a:t>
+            </a:r>
+            <a:endParaRPr b="0" lang="en-US" sz="2000" spc="-1" strike="noStrike">
+              <a:latin typeface="Arial"/>
+            </a:endParaRPr>
+          </a:p>
+          <a:p>
+            <a:pPr>
+              <a:lnSpc>
+                <a:spcPct val="100000"/>
+              </a:lnSpc>
+            </a:pPr>
+            <a:endParaRPr b="0" lang="en-US" sz="2000" spc="-1" strike="noStrike">
+              <a:latin typeface="Arial"/>
+            </a:endParaRPr>
+          </a:p>
+          <a:p>
+            <a:pPr>
+              <a:lnSpc>
+                <a:spcPct val="100000"/>
+              </a:lnSpc>
+            </a:pPr>
+            <a:r>
+              <a:rPr b="0" lang="ko-KR" sz="2000" spc="-1" strike="noStrike">
+                <a:solidFill>
+                  <a:srgbClr val="000000"/>
+                </a:solidFill>
+                <a:latin typeface="현대하모니 L"/>
+                <a:ea typeface="현대하모니 L"/>
+              </a:rPr>
+              <a:t>사용자 계정을 추가하는 명령어이며 사용법은 </a:t>
             </a:r>
             <a:r>
               <a:rPr b="0" lang="en-US" sz="2000" spc="-1" strike="noStrike">
@@ -6054,108 +6330,8 @@
                 <a:latin typeface="현대하모니 L"/>
                 <a:ea typeface="현대하모니 L"/>
               </a:rPr>
-              <a:t>.</a:t>
-            </a:r>
-            <a:r>
-              <a:rPr b="0" lang="en-US" sz="2000" spc="-1" strike="noStrike">
-                <a:solidFill>
-                  <a:srgbClr val="000000"/>
-                </a:solidFill>
-                <a:latin typeface="현대하모니 L"/>
-                <a:ea typeface="현대하모니 L"/>
-              </a:rPr>
-              <a:t> </a:t>
-            </a:r>
-            <a:r>
-              <a:rPr b="0" lang="en-US" sz="2000" spc="-1" strike="noStrike">
-                <a:solidFill>
-                  <a:srgbClr val="000000"/>
-                </a:solidFill>
-                <a:latin typeface="현대하모니 L"/>
-                <a:ea typeface="현대하모니 L"/>
-              </a:rPr>
-              <a:t>a</a:t>
-            </a:r>
-            <a:r>
-              <a:rPr b="0" lang="en-US" sz="2000" spc="-1" strike="noStrike">
-                <a:solidFill>
-                  <a:srgbClr val="000000"/>
-                </a:solidFill>
-                <a:latin typeface="현대하모니 L"/>
-                <a:ea typeface="현대하모니 L"/>
-              </a:rPr>
-              <a:t>d</a:t>
-            </a:r>
-            <a:r>
-              <a:rPr b="0" lang="en-US" sz="2000" spc="-1" strike="noStrike">
-                <a:solidFill>
-                  <a:srgbClr val="000000"/>
-                </a:solidFill>
-                <a:latin typeface="현대하모니 L"/>
-                <a:ea typeface="현대하모니 L"/>
-              </a:rPr>
-              <a:t>d</a:t>
-            </a:r>
-            <a:r>
-              <a:rPr b="0" lang="en-US" sz="2000" spc="-1" strike="noStrike">
-                <a:solidFill>
-                  <a:srgbClr val="000000"/>
-                </a:solidFill>
-                <a:latin typeface="현대하모니 L"/>
-                <a:ea typeface="현대하모니 L"/>
-              </a:rPr>
-              <a:t>u</a:t>
-            </a:r>
-            <a:r>
-              <a:rPr b="0" lang="en-US" sz="2000" spc="-1" strike="noStrike">
-                <a:solidFill>
-                  <a:srgbClr val="000000"/>
-                </a:solidFill>
-                <a:latin typeface="현대하모니 L"/>
-                <a:ea typeface="현대하모니 L"/>
-              </a:rPr>
-              <a:t>s</a:t>
-            </a:r>
-            <a:r>
-              <a:rPr b="0" lang="en-US" sz="2000" spc="-1" strike="noStrike">
-                <a:solidFill>
-                  <a:srgbClr val="000000"/>
-                </a:solidFill>
-                <a:latin typeface="현대하모니 L"/>
-                <a:ea typeface="현대하모니 L"/>
-              </a:rPr>
-              <a:t>e</a:t>
-            </a:r>
-            <a:r>
-              <a:rPr b="0" lang="en-US" sz="2000" spc="-1" strike="noStrike">
-                <a:solidFill>
-                  <a:srgbClr val="000000"/>
-                </a:solidFill>
-                <a:latin typeface="현대하모니 L"/>
-                <a:ea typeface="현대하모니 L"/>
-              </a:rPr>
-              <a:t>r</a:t>
-            </a:r>
-            <a:endParaRPr b="0" lang="en-US" sz="2000" spc="-1" strike="noStrike">
-              <a:latin typeface="Arial"/>
-            </a:endParaRPr>
-          </a:p>
-          <a:p>
-            <a:pPr>
-              <a:lnSpc>
-                <a:spcPct val="100000"/>
-              </a:lnSpc>
-            </a:pPr>
-            <a:endParaRPr b="0" lang="en-US" sz="2000" spc="-1" strike="noStrike">
-              <a:latin typeface="Arial"/>
-            </a:endParaRPr>
-          </a:p>
-          <a:p>
-            <a:pPr>
-              <a:lnSpc>
-                <a:spcPct val="100000"/>
-              </a:lnSpc>
-            </a:pPr>
+              <a:t>sudo adduser </a:t>
+            </a:r>
             <a:r>
               <a:rPr b="0" lang="ko-KR" sz="2000" spc="-1" strike="noStrike">
                 <a:solidFill>
@@ -6164,427 +6340,7 @@
                 <a:latin typeface="현대하모니 L"/>
                 <a:ea typeface="현대하모니 L"/>
               </a:rPr>
-              <a:t>사</a:t>
-            </a:r>
-            <a:r>
-              <a:rPr b="0" lang="ko-KR" sz="2000" spc="-1" strike="noStrike">
-                <a:solidFill>
-                  <a:srgbClr val="000000"/>
-                </a:solidFill>
-                <a:latin typeface="현대하모니 L"/>
-                <a:ea typeface="현대하모니 L"/>
-              </a:rPr>
-              <a:t>용</a:t>
-            </a:r>
-            <a:r>
-              <a:rPr b="0" lang="ko-KR" sz="2000" spc="-1" strike="noStrike">
-                <a:solidFill>
-                  <a:srgbClr val="000000"/>
-                </a:solidFill>
-                <a:latin typeface="현대하모니 L"/>
-                <a:ea typeface="현대하모니 L"/>
-              </a:rPr>
-              <a:t>자</a:t>
-            </a:r>
-            <a:r>
-              <a:rPr b="0" lang="en-US" sz="2000" spc="-1" strike="noStrike">
-                <a:solidFill>
-                  <a:srgbClr val="000000"/>
-                </a:solidFill>
-                <a:latin typeface="현대하모니 L"/>
-                <a:ea typeface="현대하모니 L"/>
-              </a:rPr>
-              <a:t> </a:t>
-            </a:r>
-            <a:r>
-              <a:rPr b="0" lang="ko-KR" sz="2000" spc="-1" strike="noStrike">
-                <a:solidFill>
-                  <a:srgbClr val="000000"/>
-                </a:solidFill>
-                <a:latin typeface="현대하모니 L"/>
-                <a:ea typeface="현대하모니 L"/>
-              </a:rPr>
-              <a:t>계</a:t>
-            </a:r>
-            <a:r>
-              <a:rPr b="0" lang="ko-KR" sz="2000" spc="-1" strike="noStrike">
-                <a:solidFill>
-                  <a:srgbClr val="000000"/>
-                </a:solidFill>
-                <a:latin typeface="현대하모니 L"/>
-                <a:ea typeface="현대하모니 L"/>
-              </a:rPr>
-              <a:t>정</a:t>
-            </a:r>
-            <a:r>
-              <a:rPr b="0" lang="ko-KR" sz="2000" spc="-1" strike="noStrike">
-                <a:solidFill>
-                  <a:srgbClr val="000000"/>
-                </a:solidFill>
-                <a:latin typeface="현대하모니 L"/>
-                <a:ea typeface="현대하모니 L"/>
-              </a:rPr>
-              <a:t>을</a:t>
-            </a:r>
-            <a:r>
-              <a:rPr b="0" lang="en-US" sz="2000" spc="-1" strike="noStrike">
-                <a:solidFill>
-                  <a:srgbClr val="000000"/>
-                </a:solidFill>
-                <a:latin typeface="현대하모니 L"/>
-                <a:ea typeface="현대하모니 L"/>
-              </a:rPr>
-              <a:t> </a:t>
-            </a:r>
-            <a:r>
-              <a:rPr b="0" lang="ko-KR" sz="2000" spc="-1" strike="noStrike">
-                <a:solidFill>
-                  <a:srgbClr val="000000"/>
-                </a:solidFill>
-                <a:latin typeface="현대하모니 L"/>
-                <a:ea typeface="현대하모니 L"/>
-              </a:rPr>
-              <a:t>추</a:t>
-            </a:r>
-            <a:r>
-              <a:rPr b="0" lang="ko-KR" sz="2000" spc="-1" strike="noStrike">
-                <a:solidFill>
-                  <a:srgbClr val="000000"/>
-                </a:solidFill>
-                <a:latin typeface="현대하모니 L"/>
-                <a:ea typeface="현대하모니 L"/>
-              </a:rPr>
-              <a:t>가</a:t>
-            </a:r>
-            <a:r>
-              <a:rPr b="0" lang="ko-KR" sz="2000" spc="-1" strike="noStrike">
-                <a:solidFill>
-                  <a:srgbClr val="000000"/>
-                </a:solidFill>
-                <a:latin typeface="현대하모니 L"/>
-                <a:ea typeface="현대하모니 L"/>
-              </a:rPr>
-              <a:t>하</a:t>
-            </a:r>
-            <a:r>
-              <a:rPr b="0" lang="ko-KR" sz="2000" spc="-1" strike="noStrike">
-                <a:solidFill>
-                  <a:srgbClr val="000000"/>
-                </a:solidFill>
-                <a:latin typeface="현대하모니 L"/>
-                <a:ea typeface="현대하모니 L"/>
-              </a:rPr>
-              <a:t>는</a:t>
-            </a:r>
-            <a:r>
-              <a:rPr b="0" lang="en-US" sz="2000" spc="-1" strike="noStrike">
-                <a:solidFill>
-                  <a:srgbClr val="000000"/>
-                </a:solidFill>
-                <a:latin typeface="현대하모니 L"/>
-                <a:ea typeface="현대하모니 L"/>
-              </a:rPr>
-              <a:t> </a:t>
-            </a:r>
-            <a:r>
-              <a:rPr b="0" lang="ko-KR" sz="2000" spc="-1" strike="noStrike">
-                <a:solidFill>
-                  <a:srgbClr val="000000"/>
-                </a:solidFill>
-                <a:latin typeface="현대하모니 L"/>
-                <a:ea typeface="현대하모니 L"/>
-              </a:rPr>
-              <a:t>명</a:t>
-            </a:r>
-            <a:r>
-              <a:rPr b="0" lang="ko-KR" sz="2000" spc="-1" strike="noStrike">
-                <a:solidFill>
-                  <a:srgbClr val="000000"/>
-                </a:solidFill>
-                <a:latin typeface="현대하모니 L"/>
-                <a:ea typeface="현대하모니 L"/>
-              </a:rPr>
-              <a:t>령</a:t>
-            </a:r>
-            <a:r>
-              <a:rPr b="0" lang="ko-KR" sz="2000" spc="-1" strike="noStrike">
-                <a:solidFill>
-                  <a:srgbClr val="000000"/>
-                </a:solidFill>
-                <a:latin typeface="현대하모니 L"/>
-                <a:ea typeface="현대하모니 L"/>
-              </a:rPr>
-              <a:t>어</a:t>
-            </a:r>
-            <a:r>
-              <a:rPr b="0" lang="ko-KR" sz="2000" spc="-1" strike="noStrike">
-                <a:solidFill>
-                  <a:srgbClr val="000000"/>
-                </a:solidFill>
-                <a:latin typeface="현대하모니 L"/>
-                <a:ea typeface="현대하모니 L"/>
-              </a:rPr>
-              <a:t>이</a:t>
-            </a:r>
-            <a:r>
-              <a:rPr b="0" lang="ko-KR" sz="2000" spc="-1" strike="noStrike">
-                <a:solidFill>
-                  <a:srgbClr val="000000"/>
-                </a:solidFill>
-                <a:latin typeface="현대하모니 L"/>
-                <a:ea typeface="현대하모니 L"/>
-              </a:rPr>
-              <a:t>며</a:t>
-            </a:r>
-            <a:r>
-              <a:rPr b="0" lang="en-US" sz="2000" spc="-1" strike="noStrike">
-                <a:solidFill>
-                  <a:srgbClr val="000000"/>
-                </a:solidFill>
-                <a:latin typeface="현대하모니 L"/>
-                <a:ea typeface="현대하모니 L"/>
-              </a:rPr>
-              <a:t> </a:t>
-            </a:r>
-            <a:r>
-              <a:rPr b="0" lang="ko-KR" sz="2000" spc="-1" strike="noStrike">
-                <a:solidFill>
-                  <a:srgbClr val="000000"/>
-                </a:solidFill>
-                <a:latin typeface="현대하모니 L"/>
-                <a:ea typeface="현대하모니 L"/>
-              </a:rPr>
-              <a:t>사</a:t>
-            </a:r>
-            <a:r>
-              <a:rPr b="0" lang="ko-KR" sz="2000" spc="-1" strike="noStrike">
-                <a:solidFill>
-                  <a:srgbClr val="000000"/>
-                </a:solidFill>
-                <a:latin typeface="현대하모니 L"/>
-                <a:ea typeface="현대하모니 L"/>
-              </a:rPr>
-              <a:t>용</a:t>
-            </a:r>
-            <a:r>
-              <a:rPr b="0" lang="ko-KR" sz="2000" spc="-1" strike="noStrike">
-                <a:solidFill>
-                  <a:srgbClr val="000000"/>
-                </a:solidFill>
-                <a:latin typeface="현대하모니 L"/>
-                <a:ea typeface="현대하모니 L"/>
-              </a:rPr>
-              <a:t>법</a:t>
-            </a:r>
-            <a:r>
-              <a:rPr b="0" lang="ko-KR" sz="2000" spc="-1" strike="noStrike">
-                <a:solidFill>
-                  <a:srgbClr val="000000"/>
-                </a:solidFill>
-                <a:latin typeface="현대하모니 L"/>
-                <a:ea typeface="현대하모니 L"/>
-              </a:rPr>
-              <a:t>은</a:t>
-            </a:r>
-            <a:r>
-              <a:rPr b="0" lang="en-US" sz="2000" spc="-1" strike="noStrike">
-                <a:solidFill>
-                  <a:srgbClr val="000000"/>
-                </a:solidFill>
-                <a:latin typeface="현대하모니 L"/>
-                <a:ea typeface="현대하모니 L"/>
-              </a:rPr>
-              <a:t> </a:t>
-            </a:r>
-            <a:r>
-              <a:rPr b="0" lang="en-US" sz="2000" spc="-1" strike="noStrike">
-                <a:solidFill>
-                  <a:srgbClr val="000000"/>
-                </a:solidFill>
-                <a:latin typeface="현대하모니 L"/>
-                <a:ea typeface="현대하모니 L"/>
-              </a:rPr>
-              <a:t>s</a:t>
-            </a:r>
-            <a:r>
-              <a:rPr b="0" lang="en-US" sz="2000" spc="-1" strike="noStrike">
-                <a:solidFill>
-                  <a:srgbClr val="000000"/>
-                </a:solidFill>
-                <a:latin typeface="현대하모니 L"/>
-                <a:ea typeface="현대하모니 L"/>
-              </a:rPr>
-              <a:t>u</a:t>
-            </a:r>
-            <a:r>
-              <a:rPr b="0" lang="en-US" sz="2000" spc="-1" strike="noStrike">
-                <a:solidFill>
-                  <a:srgbClr val="000000"/>
-                </a:solidFill>
-                <a:latin typeface="현대하모니 L"/>
-                <a:ea typeface="현대하모니 L"/>
-              </a:rPr>
-              <a:t>d</a:t>
-            </a:r>
-            <a:r>
-              <a:rPr b="0" lang="en-US" sz="2000" spc="-1" strike="noStrike">
-                <a:solidFill>
-                  <a:srgbClr val="000000"/>
-                </a:solidFill>
-                <a:latin typeface="현대하모니 L"/>
-                <a:ea typeface="현대하모니 L"/>
-              </a:rPr>
-              <a:t>o</a:t>
-            </a:r>
-            <a:r>
-              <a:rPr b="0" lang="en-US" sz="2000" spc="-1" strike="noStrike">
-                <a:solidFill>
-                  <a:srgbClr val="000000"/>
-                </a:solidFill>
-                <a:latin typeface="현대하모니 L"/>
-                <a:ea typeface="현대하모니 L"/>
-              </a:rPr>
-              <a:t> </a:t>
-            </a:r>
-            <a:r>
-              <a:rPr b="0" lang="en-US" sz="2000" spc="-1" strike="noStrike">
-                <a:solidFill>
-                  <a:srgbClr val="000000"/>
-                </a:solidFill>
-                <a:latin typeface="현대하모니 L"/>
-                <a:ea typeface="현대하모니 L"/>
-              </a:rPr>
-              <a:t>a</a:t>
-            </a:r>
-            <a:r>
-              <a:rPr b="0" lang="en-US" sz="2000" spc="-1" strike="noStrike">
-                <a:solidFill>
-                  <a:srgbClr val="000000"/>
-                </a:solidFill>
-                <a:latin typeface="현대하모니 L"/>
-                <a:ea typeface="현대하모니 L"/>
-              </a:rPr>
-              <a:t>d</a:t>
-            </a:r>
-            <a:r>
-              <a:rPr b="0" lang="en-US" sz="2000" spc="-1" strike="noStrike">
-                <a:solidFill>
-                  <a:srgbClr val="000000"/>
-                </a:solidFill>
-                <a:latin typeface="현대하모니 L"/>
-                <a:ea typeface="현대하모니 L"/>
-              </a:rPr>
-              <a:t>d</a:t>
-            </a:r>
-            <a:r>
-              <a:rPr b="0" lang="en-US" sz="2000" spc="-1" strike="noStrike">
-                <a:solidFill>
-                  <a:srgbClr val="000000"/>
-                </a:solidFill>
-                <a:latin typeface="현대하모니 L"/>
-                <a:ea typeface="현대하모니 L"/>
-              </a:rPr>
-              <a:t>u</a:t>
-            </a:r>
-            <a:r>
-              <a:rPr b="0" lang="en-US" sz="2000" spc="-1" strike="noStrike">
-                <a:solidFill>
-                  <a:srgbClr val="000000"/>
-                </a:solidFill>
-                <a:latin typeface="현대하모니 L"/>
-                <a:ea typeface="현대하모니 L"/>
-              </a:rPr>
-              <a:t>s</a:t>
-            </a:r>
-            <a:r>
-              <a:rPr b="0" lang="en-US" sz="2000" spc="-1" strike="noStrike">
-                <a:solidFill>
-                  <a:srgbClr val="000000"/>
-                </a:solidFill>
-                <a:latin typeface="현대하모니 L"/>
-                <a:ea typeface="현대하모니 L"/>
-              </a:rPr>
-              <a:t>e</a:t>
-            </a:r>
-            <a:r>
-              <a:rPr b="0" lang="en-US" sz="2000" spc="-1" strike="noStrike">
-                <a:solidFill>
-                  <a:srgbClr val="000000"/>
-                </a:solidFill>
-                <a:latin typeface="현대하모니 L"/>
-                <a:ea typeface="현대하모니 L"/>
-              </a:rPr>
-              <a:t>r</a:t>
-            </a:r>
-            <a:r>
-              <a:rPr b="0" lang="en-US" sz="2000" spc="-1" strike="noStrike">
-                <a:solidFill>
-                  <a:srgbClr val="000000"/>
-                </a:solidFill>
-                <a:latin typeface="현대하모니 L"/>
-                <a:ea typeface="현대하모니 L"/>
-              </a:rPr>
-              <a:t> </a:t>
-            </a:r>
-            <a:r>
-              <a:rPr b="0" lang="ko-KR" sz="2000" spc="-1" strike="noStrike">
-                <a:solidFill>
-                  <a:srgbClr val="000000"/>
-                </a:solidFill>
-                <a:latin typeface="현대하모니 L"/>
-                <a:ea typeface="현대하모니 L"/>
-              </a:rPr>
-              <a:t>계</a:t>
-            </a:r>
-            <a:r>
-              <a:rPr b="0" lang="ko-KR" sz="2000" spc="-1" strike="noStrike">
-                <a:solidFill>
-                  <a:srgbClr val="000000"/>
-                </a:solidFill>
-                <a:latin typeface="현대하모니 L"/>
-                <a:ea typeface="현대하모니 L"/>
-              </a:rPr>
-              <a:t>정</a:t>
-            </a:r>
-            <a:r>
-              <a:rPr b="0" lang="ko-KR" sz="2000" spc="-1" strike="noStrike">
-                <a:solidFill>
-                  <a:srgbClr val="000000"/>
-                </a:solidFill>
-                <a:latin typeface="현대하모니 L"/>
-                <a:ea typeface="현대하모니 L"/>
-              </a:rPr>
-              <a:t>명</a:t>
-            </a:r>
-            <a:r>
-              <a:rPr b="0" lang="en-US" sz="2000" spc="-1" strike="noStrike">
-                <a:solidFill>
-                  <a:srgbClr val="000000"/>
-                </a:solidFill>
-                <a:latin typeface="현대하모니 L"/>
-                <a:ea typeface="현대하모니 L"/>
-              </a:rPr>
-              <a:t> </a:t>
-            </a:r>
-            <a:r>
-              <a:rPr b="0" lang="ko-KR" sz="2000" spc="-1" strike="noStrike">
-                <a:solidFill>
-                  <a:srgbClr val="000000"/>
-                </a:solidFill>
-                <a:latin typeface="현대하모니 L"/>
-                <a:ea typeface="현대하모니 L"/>
-              </a:rPr>
-              <a:t>이</a:t>
-            </a:r>
-            <a:r>
-              <a:rPr b="0" lang="ko-KR" sz="2000" spc="-1" strike="noStrike">
-                <a:solidFill>
-                  <a:srgbClr val="000000"/>
-                </a:solidFill>
-                <a:latin typeface="현대하모니 L"/>
-                <a:ea typeface="현대하모니 L"/>
-              </a:rPr>
-              <a:t>다</a:t>
+              <a:t>계정명 이다</a:t>
             </a:r>
             <a:r>
               <a:rPr b="0" lang="en-US" sz="2000" spc="-1" strike="noStrike">
@@ -6761,7 +6517,7 @@
         <p:spPr>
           <a:xfrm>
             <a:off x="4668120" y="7177320"/>
-            <a:ext cx="954000" cy="272160"/>
+            <a:ext cx="953640" cy="272160"/>
           </a:xfrm>
           <a:prstGeom prst="rect">
             <a:avLst/>
@@ -6812,7 +6568,7 @@
         <p:spPr>
           <a:xfrm>
             <a:off x="327600" y="45000"/>
-            <a:ext cx="4655160" cy="546480"/>
+            <a:ext cx="4654800" cy="546480"/>
           </a:xfrm>
           <a:prstGeom prst="rect">
             <a:avLst/>
@@ -6903,7 +6659,7 @@
         <p:spPr>
           <a:xfrm>
             <a:off x="621000" y="849240"/>
-            <a:ext cx="9818640" cy="5806080"/>
+            <a:ext cx="9818280" cy="5118480"/>
           </a:xfrm>
           <a:prstGeom prst="rect">
             <a:avLst/>
@@ -7304,7 +7060,7 @@
         <p:spPr>
           <a:xfrm>
             <a:off x="4668120" y="7177320"/>
-            <a:ext cx="954000" cy="272160"/>
+            <a:ext cx="953640" cy="272160"/>
           </a:xfrm>
           <a:prstGeom prst="rect">
             <a:avLst/>
@@ -7355,7 +7111,7 @@
         <p:spPr>
           <a:xfrm>
             <a:off x="327600" y="45000"/>
-            <a:ext cx="4655160" cy="546480"/>
+            <a:ext cx="4654800" cy="546480"/>
           </a:xfrm>
           <a:prstGeom prst="rect">
             <a:avLst/>
@@ -7420,7 +7176,7 @@
         <p:spPr>
           <a:xfrm>
             <a:off x="720000" y="1980000"/>
-            <a:ext cx="6990840" cy="1752120"/>
+            <a:ext cx="6990480" cy="1751760"/>
           </a:xfrm>
           <a:prstGeom prst="rect">
             <a:avLst/>
@@ -7443,7 +7199,7 @@
         <p:spPr>
           <a:xfrm>
             <a:off x="720000" y="4500000"/>
-            <a:ext cx="6962400" cy="1856880"/>
+            <a:ext cx="6962040" cy="1856520"/>
           </a:xfrm>
           <a:prstGeom prst="rect">
             <a:avLst/>
@@ -7492,7 +7248,7 @@
         <p:spPr>
           <a:xfrm>
             <a:off x="621000" y="849240"/>
-            <a:ext cx="9818640" cy="5806080"/>
+            <a:ext cx="9818280" cy="5118480"/>
           </a:xfrm>
           <a:prstGeom prst="rect">
             <a:avLst/>
@@ -7893,7 +7649,7 @@
         <p:spPr>
           <a:xfrm>
             <a:off x="4668120" y="7177320"/>
-            <a:ext cx="954000" cy="272160"/>
+            <a:ext cx="953640" cy="272160"/>
           </a:xfrm>
           <a:prstGeom prst="rect">
             <a:avLst/>
@@ -7944,7 +7700,7 @@
         <p:spPr>
           <a:xfrm>
             <a:off x="327600" y="45000"/>
-            <a:ext cx="4655160" cy="546480"/>
+            <a:ext cx="4654800" cy="546480"/>
           </a:xfrm>
           <a:prstGeom prst="rect">
             <a:avLst/>
@@ -8009,7 +7765,7 @@
         <p:spPr>
           <a:xfrm>
             <a:off x="720000" y="1980000"/>
-            <a:ext cx="6990840" cy="1752120"/>
+            <a:ext cx="6990480" cy="1751760"/>
           </a:xfrm>
           <a:prstGeom prst="rect">
             <a:avLst/>
@@ -8032,7 +7788,7 @@
         <p:spPr>
           <a:xfrm>
             <a:off x="720000" y="4500000"/>
-            <a:ext cx="6962400" cy="1856880"/>
+            <a:ext cx="6962040" cy="1856520"/>
           </a:xfrm>
           <a:prstGeom prst="rect">
             <a:avLst/>
@@ -8081,7 +7837,7 @@
         <p:spPr>
           <a:xfrm>
             <a:off x="621000" y="849240"/>
-            <a:ext cx="9818640" cy="5806080"/>
+            <a:ext cx="9818280" cy="4903200"/>
           </a:xfrm>
           <a:prstGeom prst="rect">
             <a:avLst/>
@@ -8125,28 +7881,38 @@
                 <a:latin typeface="현대하모니 L"/>
                 <a:ea typeface="현대하모니 L"/>
               </a:rPr>
-              <a:t>1. int</a:t>
-            </a:r>
-            <a:endParaRPr b="0" lang="en-US" sz="2000" spc="-1" strike="noStrike">
-              <a:latin typeface="Arial"/>
-            </a:endParaRPr>
-          </a:p>
-          <a:p>
-            <a:pPr>
-              <a:lnSpc>
-                <a:spcPct val="100000"/>
-              </a:lnSpc>
-            </a:pPr>
-            <a:endParaRPr b="0" lang="en-US" sz="2000" spc="-1" strike="noStrike">
-              <a:latin typeface="Arial"/>
-            </a:endParaRPr>
-          </a:p>
-          <a:p>
-            <a:pPr>
-              <a:lnSpc>
-                <a:spcPct val="100000"/>
-              </a:lnSpc>
-            </a:pPr>
+              <a:t>1. gcc</a:t>
+            </a:r>
+            <a:endParaRPr b="0" lang="en-US" sz="2000" spc="-1" strike="noStrike">
+              <a:latin typeface="Arial"/>
+            </a:endParaRPr>
+          </a:p>
+          <a:p>
+            <a:pPr>
+              <a:lnSpc>
+                <a:spcPct val="100000"/>
+              </a:lnSpc>
+            </a:pPr>
+            <a:endParaRPr b="0" lang="en-US" sz="2000" spc="-1" strike="noStrike">
+              <a:latin typeface="Arial"/>
+            </a:endParaRPr>
+          </a:p>
+          <a:p>
+            <a:pPr>
+              <a:lnSpc>
+                <a:spcPct val="100000"/>
+              </a:lnSpc>
+            </a:pPr>
+            <a:r>
+              <a:rPr b="0" lang="en-US" sz="2000" spc="-1" strike="noStrike">
+                <a:solidFill>
+                  <a:srgbClr val="000000"/>
+                </a:solidFill>
+                <a:latin typeface="현대하모니 L"/>
+                <a:ea typeface="현대하모니 L"/>
+              </a:rPr>
+              <a:t>GNU C Compiler </a:t>
+            </a:r>
             <a:r>
               <a:rPr b="0" lang="ko-KR" sz="2000" spc="-1" strike="noStrike">
                 <a:solidFill>
@@ -8155,7 +7921,7 @@
                 <a:latin typeface="현대하모니 L"/>
                 <a:ea typeface="현대하모니 L"/>
               </a:rPr>
-              <a:t>파일 또는 디렉토리를 삭제하는 명령어이다</a:t>
+              <a:t>의 약자이며 여러 다른 언어들의 컴파일도 지원하면서 </a:t>
             </a:r>
             <a:r>
               <a:rPr b="0" lang="en-US" sz="2000" spc="-1" strike="noStrike">
@@ -8165,6 +7931,26 @@
                 <a:latin typeface="현대하모니 L"/>
                 <a:ea typeface="현대하모니 L"/>
               </a:rPr>
+              <a:t>GNU Compiler Collection</a:t>
+            </a:r>
+            <a:r>
+              <a:rPr b="0" lang="ko-KR" sz="2000" spc="-1" strike="noStrike">
+                <a:solidFill>
+                  <a:srgbClr val="000000"/>
+                </a:solidFill>
+                <a:latin typeface="현대하모니 L"/>
+                <a:ea typeface="현대하모니 L"/>
+              </a:rPr>
+              <a:t>으로 부르기도 한다</a:t>
+            </a:r>
+            <a:r>
+              <a:rPr b="0" lang="en-US" sz="2000" spc="-1" strike="noStrike">
+                <a:solidFill>
+                  <a:srgbClr val="000000"/>
+                </a:solidFill>
+                <a:latin typeface="현대하모니 L"/>
+                <a:ea typeface="현대하모니 L"/>
+              </a:rPr>
               <a:t>.</a:t>
             </a:r>
             <a:endParaRPr b="0" lang="en-US" sz="2000" spc="-1" strike="noStrike">
@@ -8247,95 +8033,185 @@
                 <a:spcPct val="100000"/>
               </a:lnSpc>
             </a:pPr>
-            <a:r>
-              <a:rPr b="0" lang="en-US" sz="2000" spc="-1" strike="noStrike">
-                <a:solidFill>
-                  <a:srgbClr val="000000"/>
-                </a:solidFill>
-                <a:latin typeface="현대하모니 L"/>
-                <a:ea typeface="현대하모니 L"/>
-              </a:rPr>
-              <a:t>1) </a:t>
-            </a:r>
-            <a:r>
-              <a:rPr b="0" lang="ko-KR" sz="2000" spc="-1" strike="noStrike">
-                <a:solidFill>
-                  <a:srgbClr val="000000"/>
-                </a:solidFill>
-                <a:latin typeface="현대하모니 L"/>
-                <a:ea typeface="현대하모니 L"/>
-              </a:rPr>
-              <a:t>옵션</a:t>
-            </a:r>
-            <a:endParaRPr b="0" lang="en-US" sz="2000" spc="-1" strike="noStrike">
-              <a:latin typeface="Arial"/>
-            </a:endParaRPr>
-          </a:p>
-          <a:p>
-            <a:pPr>
-              <a:lnSpc>
-                <a:spcPct val="100000"/>
-              </a:lnSpc>
-            </a:pPr>
+            <a:endParaRPr b="0" lang="en-US" sz="2000" spc="-1" strike="noStrike">
+              <a:latin typeface="Arial"/>
+            </a:endParaRPr>
+          </a:p>
+          <a:p>
+            <a:pPr>
+              <a:lnSpc>
+                <a:spcPct val="100000"/>
+              </a:lnSpc>
+            </a:pPr>
+            <a:endParaRPr b="0" lang="en-US" sz="2000" spc="-1" strike="noStrike">
+              <a:latin typeface="Arial"/>
+            </a:endParaRPr>
+          </a:p>
+          <a:p>
+            <a:pPr>
+              <a:lnSpc>
+                <a:spcPct val="100000"/>
+              </a:lnSpc>
+            </a:pPr>
+            <a:endParaRPr b="0" lang="en-US" sz="2000" spc="-1" strike="noStrike">
+              <a:latin typeface="Arial"/>
+            </a:endParaRPr>
+          </a:p>
+          <a:p>
+            <a:pPr>
+              <a:lnSpc>
+                <a:spcPct val="100000"/>
+              </a:lnSpc>
+            </a:pPr>
+            <a:endParaRPr b="0" lang="en-US" sz="2000" spc="-1" strike="noStrike">
+              <a:latin typeface="Arial"/>
+            </a:endParaRPr>
+          </a:p>
+          <a:p>
+            <a:pPr>
+              <a:lnSpc>
+                <a:spcPct val="100000"/>
+              </a:lnSpc>
+            </a:pPr>
+            <a:endParaRPr b="0" lang="en-US" sz="2000" spc="-1" strike="noStrike">
+              <a:latin typeface="Arial"/>
+            </a:endParaRPr>
+          </a:p>
+          <a:p>
+            <a:pPr>
+              <a:lnSpc>
+                <a:spcPct val="100000"/>
+              </a:lnSpc>
+            </a:pPr>
+            <a:endParaRPr b="0" lang="en-US" sz="2000" spc="-1" strike="noStrike">
+              <a:latin typeface="Arial"/>
+            </a:endParaRPr>
+          </a:p>
+          <a:p>
+            <a:pPr>
+              <a:lnSpc>
+                <a:spcPct val="100000"/>
+              </a:lnSpc>
+            </a:pPr>
+            <a:endParaRPr b="0" lang="en-US" sz="2000" spc="-1" strike="noStrike">
+              <a:latin typeface="Arial"/>
+            </a:endParaRPr>
+          </a:p>
+          <a:p>
+            <a:pPr>
+              <a:lnSpc>
+                <a:spcPct val="100000"/>
+              </a:lnSpc>
+            </a:pPr>
+            <a:endParaRPr b="0" lang="en-US" sz="2000" spc="-1" strike="noStrike">
+              <a:latin typeface="Arial"/>
+            </a:endParaRPr>
+          </a:p>
+          <a:p>
+            <a:pPr>
+              <a:lnSpc>
+                <a:spcPct val="100000"/>
+              </a:lnSpc>
+            </a:pPr>
+            <a:endParaRPr b="0" lang="en-US" sz="2000" spc="-1" strike="noStrike">
+              <a:latin typeface="Arial"/>
+            </a:endParaRPr>
+          </a:p>
+          <a:p>
+            <a:pPr>
+              <a:lnSpc>
+                <a:spcPct val="100000"/>
+              </a:lnSpc>
+            </a:pPr>
+            <a:endParaRPr b="0" lang="en-US" sz="2000" spc="-1" strike="noStrike">
+              <a:latin typeface="Arial"/>
+            </a:endParaRPr>
+          </a:p>
+          <a:p>
+            <a:pPr>
+              <a:lnSpc>
+                <a:spcPct val="100000"/>
+              </a:lnSpc>
+            </a:pPr>
+            <a:r>
+              <a:rPr b="0" lang="ko-KR" sz="1100" spc="-1" strike="noStrike">
+                <a:solidFill>
+                  <a:srgbClr val="000000"/>
+                </a:solidFill>
+                <a:latin typeface="Arial"/>
+                <a:ea typeface="DejaVu Sans"/>
+              </a:rPr>
+              <a:t>위 사진을 보면 </a:t>
+            </a:r>
             <a:r>
               <a:rPr b="0" lang="en-US" sz="1100" spc="-1" strike="noStrike">
                 <a:solidFill>
                   <a:srgbClr val="000000"/>
                 </a:solidFill>
-                <a:latin typeface="현대하모니 L"/>
-                <a:ea typeface="현대하모니 L"/>
-              </a:rPr>
-              <a:t>● </a:t>
+                <a:latin typeface="Arial"/>
+                <a:ea typeface="DejaVu Sans"/>
+              </a:rPr>
+              <a:t>data_type.c </a:t>
+            </a:r>
+            <a:r>
+              <a:rPr b="0" lang="ko-KR" sz="1100" spc="-1" strike="noStrike">
+                <a:solidFill>
+                  <a:srgbClr val="000000"/>
+                </a:solidFill>
+                <a:latin typeface="Arial"/>
+                <a:ea typeface="DejaVu Sans"/>
+              </a:rPr>
+              <a:t>파일을 </a:t>
             </a:r>
             <a:r>
               <a:rPr b="0" lang="en-US" sz="1100" spc="-1" strike="noStrike">
                 <a:solidFill>
                   <a:srgbClr val="000000"/>
                 </a:solidFill>
-                <a:latin typeface="현대하모니 L"/>
-                <a:ea typeface="현대하모니 L"/>
-              </a:rPr>
-              <a:t>rm -rf : </a:t>
+                <a:latin typeface="Arial"/>
+                <a:ea typeface="DejaVu Sans"/>
+              </a:rPr>
+              <a:t>gcc </a:t>
             </a:r>
             <a:r>
               <a:rPr b="0" lang="ko-KR" sz="1100" spc="-1" strike="noStrike">
                 <a:solidFill>
                   <a:srgbClr val="000000"/>
                 </a:solidFill>
-                <a:latin typeface="현대하모니 L"/>
-                <a:ea typeface="현대하모니 L"/>
-              </a:rPr>
-              <a:t>디렉토리를 삭제할때는 </a:t>
+                <a:latin typeface="Arial"/>
+                <a:ea typeface="DejaVu Sans"/>
+              </a:rPr>
+              <a:t>명령으로 컴파일 한 결과 </a:t>
             </a:r>
             <a:r>
               <a:rPr b="0" lang="en-US" sz="1100" spc="-1" strike="noStrike">
                 <a:solidFill>
                   <a:srgbClr val="000000"/>
                 </a:solidFill>
-                <a:latin typeface="현대하모니 L"/>
-                <a:ea typeface="현대하모니 L"/>
-              </a:rPr>
-              <a:t>-rf </a:t>
+                <a:latin typeface="Arial"/>
+                <a:ea typeface="DejaVu Sans"/>
+              </a:rPr>
+              <a:t>a.out </a:t>
             </a:r>
             <a:r>
               <a:rPr b="0" lang="ko-KR" sz="1100" spc="-1" strike="noStrike">
                 <a:solidFill>
                   <a:srgbClr val="000000"/>
                 </a:solidFill>
-                <a:latin typeface="현대하모니 L"/>
-                <a:ea typeface="현대하모니 L"/>
-              </a:rPr>
-              <a:t>옵션을 사용해야한다</a:t>
+                <a:latin typeface="Arial"/>
+                <a:ea typeface="DejaVu Sans"/>
+              </a:rPr>
+              <a:t>실행파일이 생성된것을 확인 할 수 있다</a:t>
             </a:r>
             <a:r>
               <a:rPr b="0" lang="en-US" sz="1100" spc="-1" strike="noStrike">
                 <a:solidFill>
                   <a:srgbClr val="000000"/>
                 </a:solidFill>
-                <a:latin typeface="현대하모니 L"/>
-                <a:ea typeface="현대하모니 L"/>
-              </a:rPr>
-              <a:t>. </a:t>
+                <a:latin typeface="Arial"/>
+                <a:ea typeface="DejaVu Sans"/>
+              </a:rPr>
+              <a:t>.</a:t>
             </a:r>
             <a:endParaRPr b="0" lang="en-US" sz="1100" spc="-1" strike="noStrike">
               <a:latin typeface="Arial"/>
@@ -8347,136 +8223,6 @@
                 <a:spcPct val="100000"/>
               </a:lnSpc>
             </a:pPr>
-            <a:endParaRPr b="0" lang="en-US" sz="1100" spc="-1" strike="noStrike">
-              <a:latin typeface="Arial"/>
-            </a:endParaRPr>
-          </a:p>
-          <a:p>
-            <a:pPr>
-              <a:lnSpc>
-                <a:spcPct val="100000"/>
-              </a:lnSpc>
-            </a:pPr>
-            <a:endParaRPr b="0" lang="en-US" sz="1100" spc="-1" strike="noStrike">
-              <a:latin typeface="Arial"/>
-            </a:endParaRPr>
-          </a:p>
-          <a:p>
-            <a:pPr>
-              <a:lnSpc>
-                <a:spcPct val="100000"/>
-              </a:lnSpc>
-            </a:pPr>
-            <a:endParaRPr b="0" lang="en-US" sz="1100" spc="-1" strike="noStrike">
-              <a:latin typeface="Arial"/>
-            </a:endParaRPr>
-          </a:p>
-          <a:p>
-            <a:pPr>
-              <a:lnSpc>
-                <a:spcPct val="100000"/>
-              </a:lnSpc>
-            </a:pPr>
-            <a:endParaRPr b="0" lang="en-US" sz="1100" spc="-1" strike="noStrike">
-              <a:latin typeface="Arial"/>
-            </a:endParaRPr>
-          </a:p>
-          <a:p>
-            <a:pPr>
-              <a:lnSpc>
-                <a:spcPct val="100000"/>
-              </a:lnSpc>
-            </a:pPr>
-            <a:endParaRPr b="0" lang="en-US" sz="1100" spc="-1" strike="noStrike">
-              <a:latin typeface="Arial"/>
-            </a:endParaRPr>
-          </a:p>
-          <a:p>
-            <a:pPr>
-              <a:lnSpc>
-                <a:spcPct val="100000"/>
-              </a:lnSpc>
-            </a:pPr>
-            <a:endParaRPr b="0" lang="en-US" sz="1100" spc="-1" strike="noStrike">
-              <a:latin typeface="Arial"/>
-            </a:endParaRPr>
-          </a:p>
-          <a:p>
-            <a:pPr>
-              <a:lnSpc>
-                <a:spcPct val="100000"/>
-              </a:lnSpc>
-            </a:pPr>
-            <a:endParaRPr b="0" lang="en-US" sz="1100" spc="-1" strike="noStrike">
-              <a:latin typeface="Arial"/>
-            </a:endParaRPr>
-          </a:p>
-          <a:p>
-            <a:pPr>
-              <a:lnSpc>
-                <a:spcPct val="100000"/>
-              </a:lnSpc>
-            </a:pPr>
-            <a:endParaRPr b="0" lang="en-US" sz="1100" spc="-1" strike="noStrike">
-              <a:latin typeface="Arial"/>
-            </a:endParaRPr>
-          </a:p>
-          <a:p>
-            <a:pPr>
-              <a:lnSpc>
-                <a:spcPct val="100000"/>
-              </a:lnSpc>
-            </a:pPr>
-            <a:r>
-              <a:rPr b="0" lang="en-US" sz="1100" spc="-1" strike="noStrike">
-                <a:solidFill>
-                  <a:srgbClr val="000000"/>
-                </a:solidFill>
-                <a:latin typeface="현대하모니 L"/>
-                <a:ea typeface="현대하모니 L"/>
-              </a:rPr>
-              <a:t>※</a:t>
-            </a:r>
-            <a:r>
-              <a:rPr b="0" lang="ko-KR" sz="1100" spc="-1" strike="noStrike">
-                <a:solidFill>
-                  <a:srgbClr val="000000"/>
-                </a:solidFill>
-                <a:latin typeface="현대하모니 L"/>
-                <a:ea typeface="현대하모니 L"/>
-              </a:rPr>
-              <a:t>주의 </a:t>
-            </a:r>
-            <a:r>
-              <a:rPr b="0" lang="en-US" sz="1100" spc="-1" strike="noStrike">
-                <a:solidFill>
-                  <a:srgbClr val="000000"/>
-                </a:solidFill>
-                <a:latin typeface="현대하모니 L"/>
-                <a:ea typeface="현대하모니 L"/>
-              </a:rPr>
-              <a:t>sudo rm -rf / </a:t>
-            </a:r>
-            <a:r>
-              <a:rPr b="0" lang="ko-KR" sz="1100" spc="-1" strike="noStrike">
-                <a:solidFill>
-                  <a:srgbClr val="000000"/>
-                </a:solidFill>
-                <a:latin typeface="현대하모니 L"/>
-                <a:ea typeface="현대하모니 L"/>
-              </a:rPr>
-              <a:t>절대금지</a:t>
-            </a:r>
-            <a:r>
-              <a:rPr b="0" lang="en-US" sz="1100" spc="-1" strike="noStrike">
-                <a:solidFill>
-                  <a:srgbClr val="000000"/>
-                </a:solidFill>
-                <a:latin typeface="현대하모니 L"/>
-                <a:ea typeface="현대하모니 L"/>
-              </a:rPr>
-              <a:t>!!</a:t>
-            </a:r>
             <a:endParaRPr b="0" lang="en-US" sz="1100" spc="-1" strike="noStrike">
               <a:latin typeface="Arial"/>
             </a:endParaRPr>
@@ -8492,7 +8238,7 @@
         <p:spPr>
           <a:xfrm>
             <a:off x="4668120" y="7177320"/>
-            <a:ext cx="954000" cy="272160"/>
+            <a:ext cx="953640" cy="272160"/>
           </a:xfrm>
           <a:prstGeom prst="rect">
             <a:avLst/>
@@ -8543,7 +8289,7 @@
         <p:spPr>
           <a:xfrm>
             <a:off x="327600" y="45000"/>
-            <a:ext cx="4655160" cy="546480"/>
+            <a:ext cx="4654800" cy="546480"/>
           </a:xfrm>
           <a:prstGeom prst="rect">
             <a:avLst/>
@@ -8607,8 +8353,1533 @@
         </p:blipFill>
         <p:spPr>
           <a:xfrm>
-            <a:off x="720000" y="4500000"/>
-            <a:ext cx="6962400" cy="1856880"/>
+            <a:off x="720000" y="2160000"/>
+            <a:ext cx="6972120" cy="3180960"/>
+          </a:xfrm>
+          <a:prstGeom prst="rect">
+            <a:avLst/>
+          </a:prstGeom>
+          <a:ln w="0">
+            <a:noFill/>
+          </a:ln>
+        </p:spPr>
+      </p:pic>
+    </p:spTree>
+  </p:cSld>
+  <mc:AlternateContent>
+    <mc:Choice Requires="p14">
+      <p:transition spd="slow" p14:dur="2000"/>
+    </mc:Choice>
+    <mc:Fallback>
+      <p:transition spd="slow"/>
+    </mc:Fallback>
+  </mc:AlternateContent>
+</p:sld>
+</file>
+
+<file path=ppt/slides/slide14.xml><?xml version="1.0" encoding="utf-8"?>
+<p:sld xmlns:a="http://schemas.openxmlformats.org/drawingml/2006/main" xmlns:p="http://schemas.openxmlformats.org/presentationml/2006/main" xmlns:r="http://schemas.openxmlformats.org/officeDocument/2006/relationships" xmlns:p14="http://schemas.microsoft.com/office/powerpoint/2010/main" xmlns:p15="http://schemas.microsoft.com/office/powerpoint/2012/main" xmlns:mc="http://schemas.openxmlformats.org/markup-compatibility/2006">
+  <p:cSld>
+    <p:spTree>
+      <p:nvGrpSpPr>
+        <p:cNvPr id="1" name=""/>
+        <p:cNvGrpSpPr/>
+        <p:nvPr/>
+      </p:nvGrpSpPr>
+      <p:grpSpPr>
+        <a:xfrm>
+          <a:off x="0" y="0"/>
+          <a:ext cx="0" cy="0"/>
+          <a:chOff x="0" y="0"/>
+          <a:chExt cx="0" cy="0"/>
+        </a:xfrm>
+      </p:grpSpPr>
+      <p:sp>
+        <p:nvSpPr>
+          <p:cNvPr id="151" name="TextBox 21_11"/>
+          <p:cNvSpPr/>
+          <p:nvPr/>
+        </p:nvSpPr>
+        <p:spPr>
+          <a:xfrm>
+            <a:off x="621000" y="849240"/>
+            <a:ext cx="9818280" cy="4489920"/>
+          </a:xfrm>
+          <a:prstGeom prst="rect">
+            <a:avLst/>
+          </a:prstGeom>
+          <a:noFill/>
+          <a:ln w="0">
+            <a:noFill/>
+          </a:ln>
+        </p:spPr>
+        <p:style>
+          <a:lnRef idx="0"/>
+          <a:fillRef idx="0"/>
+          <a:effectRef idx="0"/>
+          <a:fontRef idx="minor"/>
+        </p:style>
+        <p:txBody>
+          <a:bodyPr lIns="90000" rIns="90000" tIns="45000" bIns="45000">
+            <a:spAutoFit/>
+          </a:bodyPr>
+          <a:p>
+            <a:pPr>
+              <a:lnSpc>
+                <a:spcPct val="100000"/>
+              </a:lnSpc>
+            </a:pPr>
+            <a:r>
+              <a:rPr b="0" lang="en-US" sz="2000" spc="-1" strike="noStrike">
+                <a:solidFill>
+                  <a:srgbClr val="000000"/>
+                </a:solidFill>
+                <a:latin typeface="현대하모니 L"/>
+                <a:ea typeface="현대하모니 L"/>
+              </a:rPr>
+              <a:t> </a:t>
+            </a:r>
+            <a:r>
+              <a:rPr b="0" lang="en-US" sz="2000" spc="-1" strike="noStrike">
+                <a:solidFill>
+                  <a:srgbClr val="000000"/>
+                </a:solidFill>
+                <a:latin typeface="현대하모니 L"/>
+                <a:ea typeface="현대하모니 L"/>
+              </a:rPr>
+              <a:t>1) </a:t>
+            </a:r>
+            <a:r>
+              <a:rPr b="0" lang="ko-KR" sz="2000" spc="-1" strike="noStrike">
+                <a:solidFill>
+                  <a:srgbClr val="000000"/>
+                </a:solidFill>
+                <a:latin typeface="현대하모니 L"/>
+                <a:ea typeface="현대하모니 L"/>
+              </a:rPr>
+              <a:t>옵션</a:t>
+            </a:r>
+            <a:endParaRPr b="0" lang="en-US" sz="2000" spc="-1" strike="noStrike">
+              <a:latin typeface="Arial"/>
+            </a:endParaRPr>
+          </a:p>
+          <a:p>
+            <a:pPr>
+              <a:lnSpc>
+                <a:spcPct val="100000"/>
+              </a:lnSpc>
+            </a:pPr>
+            <a:r>
+              <a:rPr b="0" lang="en-US" sz="1100" spc="-1" strike="noStrike">
+                <a:solidFill>
+                  <a:srgbClr val="000000"/>
+                </a:solidFill>
+                <a:latin typeface="현대하모니 L"/>
+                <a:ea typeface="현대하모니 L"/>
+              </a:rPr>
+              <a:t>● </a:t>
+            </a:r>
+            <a:r>
+              <a:rPr b="0" lang="en-US" sz="1100" spc="-1" strike="noStrike">
+                <a:solidFill>
+                  <a:srgbClr val="000000"/>
+                </a:solidFill>
+                <a:latin typeface="현대하모니 L"/>
+                <a:ea typeface="현대하모니 L"/>
+              </a:rPr>
+              <a:t>gcc -o : -o </a:t>
+            </a:r>
+            <a:r>
+              <a:rPr b="0" lang="ko-KR" sz="1100" spc="-1" strike="noStrike">
+                <a:solidFill>
+                  <a:srgbClr val="000000"/>
+                </a:solidFill>
+                <a:latin typeface="현대하모니 L"/>
+                <a:ea typeface="현대하모니 L"/>
+              </a:rPr>
+              <a:t>옵션을 주면 </a:t>
+            </a:r>
+            <a:r>
+              <a:rPr b="0" lang="en-US" sz="1100" spc="-1" strike="noStrike">
+                <a:solidFill>
+                  <a:srgbClr val="000000"/>
+                </a:solidFill>
+                <a:latin typeface="현대하모니 L"/>
+                <a:ea typeface="현대하모니 L"/>
+              </a:rPr>
+              <a:t>a.out </a:t>
+            </a:r>
+            <a:r>
+              <a:rPr b="0" lang="ko-KR" sz="1100" spc="-1" strike="noStrike">
+                <a:solidFill>
+                  <a:srgbClr val="000000"/>
+                </a:solidFill>
+                <a:latin typeface="현대하모니 L"/>
+                <a:ea typeface="현대하모니 L"/>
+              </a:rPr>
+              <a:t>이 아닌 사용자가 원하는 파일명으로 컴파일 결과물을 만들 수 있다</a:t>
+            </a:r>
+            <a:r>
+              <a:rPr b="0" lang="en-US" sz="1100" spc="-1" strike="noStrike">
+                <a:solidFill>
+                  <a:srgbClr val="000000"/>
+                </a:solidFill>
+                <a:latin typeface="현대하모니 L"/>
+                <a:ea typeface="현대하모니 L"/>
+              </a:rPr>
+              <a:t>.</a:t>
+            </a:r>
+            <a:endParaRPr b="0" lang="en-US" sz="1100" spc="-1" strike="noStrike">
+              <a:latin typeface="Arial"/>
+            </a:endParaRPr>
+          </a:p>
+          <a:p>
+            <a:pPr>
+              <a:lnSpc>
+                <a:spcPct val="100000"/>
+              </a:lnSpc>
+            </a:pPr>
+            <a:endParaRPr b="0" lang="en-US" sz="1100" spc="-1" strike="noStrike">
+              <a:latin typeface="Arial"/>
+            </a:endParaRPr>
+          </a:p>
+          <a:p>
+            <a:pPr>
+              <a:lnSpc>
+                <a:spcPct val="100000"/>
+              </a:lnSpc>
+            </a:pPr>
+            <a:endParaRPr b="0" lang="en-US" sz="1100" spc="-1" strike="noStrike">
+              <a:latin typeface="Arial"/>
+            </a:endParaRPr>
+          </a:p>
+          <a:p>
+            <a:pPr>
+              <a:lnSpc>
+                <a:spcPct val="100000"/>
+              </a:lnSpc>
+            </a:pPr>
+            <a:endParaRPr b="0" lang="en-US" sz="1100" spc="-1" strike="noStrike">
+              <a:latin typeface="Arial"/>
+            </a:endParaRPr>
+          </a:p>
+          <a:p>
+            <a:pPr>
+              <a:lnSpc>
+                <a:spcPct val="100000"/>
+              </a:lnSpc>
+            </a:pPr>
+            <a:endParaRPr b="0" lang="en-US" sz="1100" spc="-1" strike="noStrike">
+              <a:latin typeface="Arial"/>
+            </a:endParaRPr>
+          </a:p>
+          <a:p>
+            <a:pPr>
+              <a:lnSpc>
+                <a:spcPct val="100000"/>
+              </a:lnSpc>
+            </a:pPr>
+            <a:endParaRPr b="0" lang="en-US" sz="1100" spc="-1" strike="noStrike">
+              <a:latin typeface="Arial"/>
+            </a:endParaRPr>
+          </a:p>
+          <a:p>
+            <a:pPr>
+              <a:lnSpc>
+                <a:spcPct val="100000"/>
+              </a:lnSpc>
+            </a:pPr>
+            <a:endParaRPr b="0" lang="en-US" sz="1100" spc="-1" strike="noStrike">
+              <a:latin typeface="Arial"/>
+            </a:endParaRPr>
+          </a:p>
+          <a:p>
+            <a:pPr>
+              <a:lnSpc>
+                <a:spcPct val="100000"/>
+              </a:lnSpc>
+            </a:pPr>
+            <a:endParaRPr b="0" lang="en-US" sz="1100" spc="-1" strike="noStrike">
+              <a:latin typeface="Arial"/>
+            </a:endParaRPr>
+          </a:p>
+          <a:p>
+            <a:pPr>
+              <a:lnSpc>
+                <a:spcPct val="100000"/>
+              </a:lnSpc>
+            </a:pPr>
+            <a:endParaRPr b="0" lang="en-US" sz="1100" spc="-1" strike="noStrike">
+              <a:latin typeface="Arial"/>
+            </a:endParaRPr>
+          </a:p>
+          <a:p>
+            <a:pPr>
+              <a:lnSpc>
+                <a:spcPct val="100000"/>
+              </a:lnSpc>
+            </a:pPr>
+            <a:endParaRPr b="0" lang="en-US" sz="1100" spc="-1" strike="noStrike">
+              <a:latin typeface="Arial"/>
+            </a:endParaRPr>
+          </a:p>
+          <a:p>
+            <a:pPr>
+              <a:lnSpc>
+                <a:spcPct val="100000"/>
+              </a:lnSpc>
+            </a:pPr>
+            <a:endParaRPr b="0" lang="en-US" sz="1100" spc="-1" strike="noStrike">
+              <a:latin typeface="Arial"/>
+            </a:endParaRPr>
+          </a:p>
+          <a:p>
+            <a:pPr>
+              <a:lnSpc>
+                <a:spcPct val="100000"/>
+              </a:lnSpc>
+            </a:pPr>
+            <a:endParaRPr b="0" lang="en-US" sz="1100" spc="-1" strike="noStrike">
+              <a:latin typeface="Arial"/>
+            </a:endParaRPr>
+          </a:p>
+          <a:p>
+            <a:pPr>
+              <a:lnSpc>
+                <a:spcPct val="100000"/>
+              </a:lnSpc>
+            </a:pPr>
+            <a:endParaRPr b="0" lang="en-US" sz="1100" spc="-1" strike="noStrike">
+              <a:latin typeface="Arial"/>
+            </a:endParaRPr>
+          </a:p>
+          <a:p>
+            <a:pPr>
+              <a:lnSpc>
+                <a:spcPct val="100000"/>
+              </a:lnSpc>
+            </a:pPr>
+            <a:endParaRPr b="0" lang="en-US" sz="1100" spc="-1" strike="noStrike">
+              <a:latin typeface="Arial"/>
+            </a:endParaRPr>
+          </a:p>
+          <a:p>
+            <a:pPr>
+              <a:lnSpc>
+                <a:spcPct val="100000"/>
+              </a:lnSpc>
+            </a:pPr>
+            <a:endParaRPr b="0" lang="en-US" sz="1100" spc="-1" strike="noStrike">
+              <a:latin typeface="Arial"/>
+            </a:endParaRPr>
+          </a:p>
+          <a:p>
+            <a:pPr>
+              <a:lnSpc>
+                <a:spcPct val="100000"/>
+              </a:lnSpc>
+            </a:pPr>
+            <a:endParaRPr b="0" lang="en-US" sz="1100" spc="-1" strike="noStrike">
+              <a:latin typeface="Arial"/>
+            </a:endParaRPr>
+          </a:p>
+          <a:p>
+            <a:pPr>
+              <a:lnSpc>
+                <a:spcPct val="100000"/>
+              </a:lnSpc>
+            </a:pPr>
+            <a:endParaRPr b="0" lang="en-US" sz="1100" spc="-1" strike="noStrike">
+              <a:latin typeface="Arial"/>
+            </a:endParaRPr>
+          </a:p>
+          <a:p>
+            <a:pPr>
+              <a:lnSpc>
+                <a:spcPct val="100000"/>
+              </a:lnSpc>
+            </a:pPr>
+            <a:endParaRPr b="0" lang="en-US" sz="1100" spc="-1" strike="noStrike">
+              <a:latin typeface="Arial"/>
+            </a:endParaRPr>
+          </a:p>
+          <a:p>
+            <a:pPr>
+              <a:lnSpc>
+                <a:spcPct val="100000"/>
+              </a:lnSpc>
+            </a:pPr>
+            <a:endParaRPr b="0" lang="en-US" sz="1100" spc="-1" strike="noStrike">
+              <a:latin typeface="Arial"/>
+            </a:endParaRPr>
+          </a:p>
+          <a:p>
+            <a:pPr>
+              <a:lnSpc>
+                <a:spcPct val="100000"/>
+              </a:lnSpc>
+            </a:pPr>
+            <a:endParaRPr b="0" lang="en-US" sz="1100" spc="-1" strike="noStrike">
+              <a:latin typeface="Arial"/>
+            </a:endParaRPr>
+          </a:p>
+          <a:p>
+            <a:pPr>
+              <a:lnSpc>
+                <a:spcPct val="100000"/>
+              </a:lnSpc>
+            </a:pPr>
+            <a:endParaRPr b="0" lang="en-US" sz="1100" spc="-1" strike="noStrike">
+              <a:latin typeface="Arial"/>
+            </a:endParaRPr>
+          </a:p>
+          <a:p>
+            <a:pPr>
+              <a:lnSpc>
+                <a:spcPct val="100000"/>
+              </a:lnSpc>
+            </a:pPr>
+            <a:endParaRPr b="0" lang="en-US" sz="1100" spc="-1" strike="noStrike">
+              <a:latin typeface="Arial"/>
+            </a:endParaRPr>
+          </a:p>
+        </p:txBody>
+      </p:sp>
+      <p:sp>
+        <p:nvSpPr>
+          <p:cNvPr id="152" name="TextBox 1_11"/>
+          <p:cNvSpPr/>
+          <p:nvPr/>
+        </p:nvSpPr>
+        <p:spPr>
+          <a:xfrm>
+            <a:off x="4668120" y="7177320"/>
+            <a:ext cx="953640" cy="272160"/>
+          </a:xfrm>
+          <a:prstGeom prst="rect">
+            <a:avLst/>
+          </a:prstGeom>
+          <a:noFill/>
+          <a:ln w="0">
+            <a:noFill/>
+          </a:ln>
+        </p:spPr>
+        <p:style>
+          <a:lnRef idx="0"/>
+          <a:fillRef idx="0"/>
+          <a:effectRef idx="0"/>
+          <a:fontRef idx="minor"/>
+        </p:style>
+        <p:txBody>
+          <a:bodyPr lIns="90000" rIns="90000" tIns="45000" bIns="45000">
+            <a:spAutoFit/>
+          </a:bodyPr>
+          <a:p>
+            <a:pPr algn="ctr">
+              <a:lnSpc>
+                <a:spcPct val="100000"/>
+              </a:lnSpc>
+            </a:pPr>
+            <a:r>
+              <a:rPr b="0" lang="en-US" sz="1200" spc="-1" strike="noStrike">
+                <a:solidFill>
+                  <a:srgbClr val="000000"/>
+                </a:solidFill>
+                <a:latin typeface="현대하모니 L"/>
+                <a:ea typeface="현대하모니 L"/>
+              </a:rPr>
+              <a:t>00/00</a:t>
+            </a:r>
+            <a:endParaRPr b="0" lang="en-US" sz="1200" spc="-1" strike="noStrike">
+              <a:latin typeface="Arial"/>
+            </a:endParaRPr>
+          </a:p>
+        </p:txBody>
+      </p:sp>
+      <p:sp>
+        <p:nvSpPr>
+          <p:cNvPr id="153" name="TextBox 5_11"/>
+          <p:cNvSpPr/>
+          <p:nvPr/>
+        </p:nvSpPr>
+        <p:spPr>
+          <a:xfrm>
+            <a:off x="327600" y="45000"/>
+            <a:ext cx="4654800" cy="546480"/>
+          </a:xfrm>
+          <a:prstGeom prst="rect">
+            <a:avLst/>
+          </a:prstGeom>
+          <a:noFill/>
+          <a:ln w="0">
+            <a:noFill/>
+          </a:ln>
+        </p:spPr>
+        <p:style>
+          <a:lnRef idx="0"/>
+          <a:fillRef idx="0"/>
+          <a:effectRef idx="0"/>
+          <a:fontRef idx="minor"/>
+        </p:style>
+        <p:txBody>
+          <a:bodyPr lIns="90000" rIns="90000" tIns="45000" bIns="45000">
+            <a:spAutoFit/>
+          </a:bodyPr>
+          <a:p>
+            <a:pPr>
+              <a:lnSpc>
+                <a:spcPct val="100000"/>
+              </a:lnSpc>
+            </a:pPr>
+            <a:r>
+              <a:rPr b="0" lang="en-US" sz="3000" spc="-1" strike="noStrike">
+                <a:solidFill>
+                  <a:srgbClr val="000000"/>
+                </a:solidFill>
+                <a:latin typeface="현대하모니 L"/>
+                <a:ea typeface="현대하모니 L"/>
+              </a:rPr>
+              <a:t>2. </a:t>
+            </a:r>
+            <a:r>
+              <a:rPr b="0" lang="ko-KR" sz="3000" spc="-1" strike="noStrike">
+                <a:solidFill>
+                  <a:srgbClr val="000000"/>
+                </a:solidFill>
+                <a:latin typeface="현대하모니 L"/>
+                <a:ea typeface="현대하모니 L"/>
+              </a:rPr>
+              <a:t>데이터 타입</a:t>
+            </a:r>
+            <a:endParaRPr b="0" lang="en-US" sz="3000" spc="-1" strike="noStrike">
+              <a:latin typeface="Arial"/>
+            </a:endParaRPr>
+          </a:p>
+        </p:txBody>
+      </p:sp>
+      <p:pic>
+        <p:nvPicPr>
+          <p:cNvPr id="154" name="" descr=""/>
+          <p:cNvPicPr/>
+          <p:nvPr/>
+        </p:nvPicPr>
+        <p:blipFill>
+          <a:blip r:embed="rId1"/>
+          <a:stretch/>
+        </p:blipFill>
+        <p:spPr>
+          <a:xfrm>
+            <a:off x="720000" y="1507680"/>
+            <a:ext cx="6981480" cy="3352320"/>
+          </a:xfrm>
+          <a:prstGeom prst="rect">
+            <a:avLst/>
+          </a:prstGeom>
+          <a:ln w="0">
+            <a:noFill/>
+          </a:ln>
+        </p:spPr>
+      </p:pic>
+    </p:spTree>
+  </p:cSld>
+  <mc:AlternateContent>
+    <mc:Choice Requires="p14">
+      <p:transition spd="slow" p14:dur="2000"/>
+    </mc:Choice>
+    <mc:Fallback>
+      <p:transition spd="slow"/>
+    </mc:Fallback>
+  </mc:AlternateContent>
+</p:sld>
+</file>
+
+<file path=ppt/slides/slide15.xml><?xml version="1.0" encoding="utf-8"?>
+<p:sld xmlns:a="http://schemas.openxmlformats.org/drawingml/2006/main" xmlns:p="http://schemas.openxmlformats.org/presentationml/2006/main" xmlns:r="http://schemas.openxmlformats.org/officeDocument/2006/relationships" xmlns:p14="http://schemas.microsoft.com/office/powerpoint/2010/main" xmlns:p15="http://schemas.microsoft.com/office/powerpoint/2012/main" xmlns:mc="http://schemas.openxmlformats.org/markup-compatibility/2006">
+  <p:cSld>
+    <p:spTree>
+      <p:nvGrpSpPr>
+        <p:cNvPr id="1" name=""/>
+        <p:cNvGrpSpPr/>
+        <p:nvPr/>
+      </p:nvGrpSpPr>
+      <p:grpSpPr>
+        <a:xfrm>
+          <a:off x="0" y="0"/>
+          <a:ext cx="0" cy="0"/>
+          <a:chOff x="0" y="0"/>
+          <a:chExt cx="0" cy="0"/>
+        </a:xfrm>
+      </p:grpSpPr>
+      <p:sp>
+        <p:nvSpPr>
+          <p:cNvPr id="155" name="TextBox 21_13"/>
+          <p:cNvSpPr/>
+          <p:nvPr/>
+        </p:nvSpPr>
+        <p:spPr>
+          <a:xfrm>
+            <a:off x="621000" y="900000"/>
+            <a:ext cx="9818280" cy="6714720"/>
+          </a:xfrm>
+          <a:prstGeom prst="rect">
+            <a:avLst/>
+          </a:prstGeom>
+          <a:noFill/>
+          <a:ln w="0">
+            <a:noFill/>
+          </a:ln>
+        </p:spPr>
+        <p:style>
+          <a:lnRef idx="0"/>
+          <a:fillRef idx="0"/>
+          <a:effectRef idx="0"/>
+          <a:fontRef idx="minor"/>
+        </p:style>
+        <p:txBody>
+          <a:bodyPr lIns="90000" rIns="90000" tIns="45000" bIns="45000">
+            <a:spAutoFit/>
+          </a:bodyPr>
+          <a:p>
+            <a:pPr>
+              <a:lnSpc>
+                <a:spcPct val="100000"/>
+              </a:lnSpc>
+            </a:pPr>
+            <a:r>
+              <a:rPr b="0" lang="en-US" sz="2000" spc="-1" strike="noStrike">
+                <a:solidFill>
+                  <a:srgbClr val="000000"/>
+                </a:solidFill>
+                <a:latin typeface="현대하모니 L"/>
+                <a:ea typeface="현대하모니 L"/>
+              </a:rPr>
+              <a:t> </a:t>
+            </a:r>
+            <a:r>
+              <a:rPr b="0" lang="en-US" sz="2000" spc="-1" strike="noStrike">
+                <a:solidFill>
+                  <a:srgbClr val="000000"/>
+                </a:solidFill>
+                <a:latin typeface="현대하모니 L"/>
+                <a:ea typeface="현대하모니 L"/>
+              </a:rPr>
+              <a:t>1) int</a:t>
+            </a:r>
+            <a:endParaRPr b="0" lang="en-US" sz="2000" spc="-1" strike="noStrike">
+              <a:latin typeface="Arial"/>
+            </a:endParaRPr>
+          </a:p>
+          <a:p>
+            <a:pPr>
+              <a:lnSpc>
+                <a:spcPct val="100000"/>
+              </a:lnSpc>
+            </a:pPr>
+            <a:endParaRPr b="0" lang="en-US" sz="2000" spc="-1" strike="noStrike">
+              <a:latin typeface="Arial"/>
+            </a:endParaRPr>
+          </a:p>
+          <a:p>
+            <a:pPr>
+              <a:lnSpc>
+                <a:spcPct val="100000"/>
+              </a:lnSpc>
+            </a:pPr>
+            <a:r>
+              <a:rPr b="0" lang="en-US" sz="2000" spc="-1" strike="noStrike">
+                <a:solidFill>
+                  <a:srgbClr val="000000"/>
+                </a:solidFill>
+                <a:latin typeface="현대하모니 L"/>
+                <a:ea typeface="현대하모니 L"/>
+              </a:rPr>
+              <a:t>4</a:t>
+            </a:r>
+            <a:r>
+              <a:rPr b="0" lang="ko-KR" sz="2000" spc="-1" strike="noStrike">
+                <a:solidFill>
+                  <a:srgbClr val="000000"/>
+                </a:solidFill>
+                <a:latin typeface="현대하모니 L"/>
+                <a:ea typeface="현대하모니 L"/>
+              </a:rPr>
+              <a:t>바이트 크기를 가지는 정수형 데이터 타입이며 숫자의 범위는 </a:t>
+            </a:r>
+            <a:r>
+              <a:rPr b="0" lang="en-US" sz="2000" spc="-1" strike="noStrike">
+                <a:solidFill>
+                  <a:srgbClr val="000000"/>
+                </a:solidFill>
+                <a:latin typeface="현대하모니 L"/>
+                <a:ea typeface="현대하모니 L"/>
+              </a:rPr>
+              <a:t>-2^31 ~ 2^31 – 1</a:t>
+            </a:r>
+            <a:r>
+              <a:rPr b="0" lang="ko-KR" sz="2000" spc="-1" strike="noStrike">
+                <a:solidFill>
+                  <a:srgbClr val="000000"/>
+                </a:solidFill>
+                <a:latin typeface="현대하모니 L"/>
+                <a:ea typeface="현대하모니 L"/>
+              </a:rPr>
+              <a:t>이다</a:t>
+            </a:r>
+            <a:r>
+              <a:rPr b="0" lang="en-US" sz="2000" spc="-1" strike="noStrike">
+                <a:solidFill>
+                  <a:srgbClr val="000000"/>
+                </a:solidFill>
+                <a:latin typeface="현대하모니 L"/>
+                <a:ea typeface="현대하모니 L"/>
+              </a:rPr>
+              <a:t>.</a:t>
+            </a:r>
+            <a:endParaRPr b="0" lang="en-US" sz="2000" spc="-1" strike="noStrike">
+              <a:latin typeface="Arial"/>
+            </a:endParaRPr>
+          </a:p>
+          <a:p>
+            <a:pPr>
+              <a:lnSpc>
+                <a:spcPct val="100000"/>
+              </a:lnSpc>
+            </a:pPr>
+            <a:endParaRPr b="0" lang="en-US" sz="2000" spc="-1" strike="noStrike">
+              <a:latin typeface="Arial"/>
+            </a:endParaRPr>
+          </a:p>
+          <a:p>
+            <a:pPr>
+              <a:lnSpc>
+                <a:spcPct val="100000"/>
+              </a:lnSpc>
+            </a:pPr>
+            <a:endParaRPr b="0" lang="en-US" sz="2000" spc="-1" strike="noStrike">
+              <a:latin typeface="Arial"/>
+            </a:endParaRPr>
+          </a:p>
+          <a:p>
+            <a:pPr>
+              <a:lnSpc>
+                <a:spcPct val="100000"/>
+              </a:lnSpc>
+            </a:pPr>
+            <a:endParaRPr b="0" lang="en-US" sz="2000" spc="-1" strike="noStrike">
+              <a:latin typeface="Arial"/>
+            </a:endParaRPr>
+          </a:p>
+          <a:p>
+            <a:pPr>
+              <a:lnSpc>
+                <a:spcPct val="100000"/>
+              </a:lnSpc>
+            </a:pPr>
+            <a:endParaRPr b="0" lang="en-US" sz="2000" spc="-1" strike="noStrike">
+              <a:latin typeface="Arial"/>
+            </a:endParaRPr>
+          </a:p>
+          <a:p>
+            <a:pPr>
+              <a:lnSpc>
+                <a:spcPct val="100000"/>
+              </a:lnSpc>
+            </a:pPr>
+            <a:endParaRPr b="0" lang="en-US" sz="2000" spc="-1" strike="noStrike">
+              <a:latin typeface="Arial"/>
+            </a:endParaRPr>
+          </a:p>
+          <a:p>
+            <a:pPr>
+              <a:lnSpc>
+                <a:spcPct val="100000"/>
+              </a:lnSpc>
+            </a:pPr>
+            <a:endParaRPr b="0" lang="en-US" sz="2000" spc="-1" strike="noStrike">
+              <a:latin typeface="Arial"/>
+            </a:endParaRPr>
+          </a:p>
+          <a:p>
+            <a:pPr>
+              <a:lnSpc>
+                <a:spcPct val="100000"/>
+              </a:lnSpc>
+            </a:pPr>
+            <a:endParaRPr b="0" lang="en-US" sz="2000" spc="-1" strike="noStrike">
+              <a:latin typeface="Arial"/>
+            </a:endParaRPr>
+          </a:p>
+          <a:p>
+            <a:pPr>
+              <a:lnSpc>
+                <a:spcPct val="100000"/>
+              </a:lnSpc>
+            </a:pPr>
+            <a:r>
+              <a:rPr b="0" lang="ko-KR" sz="1100" spc="-1" strike="noStrike">
+                <a:solidFill>
+                  <a:srgbClr val="000000"/>
+                </a:solidFill>
+                <a:latin typeface="Arial"/>
+                <a:ea typeface="DejaVu Sans"/>
+              </a:rPr>
+              <a:t>위 사진을 보면 </a:t>
+            </a:r>
+            <a:r>
+              <a:rPr b="0" lang="en-US" sz="1100" spc="-1" strike="noStrike">
+                <a:solidFill>
+                  <a:srgbClr val="000000"/>
+                </a:solidFill>
+                <a:latin typeface="Arial"/>
+                <a:ea typeface="DejaVu Sans"/>
+              </a:rPr>
+              <a:t>int </a:t>
+            </a:r>
+            <a:r>
+              <a:rPr b="0" lang="ko-KR" sz="1100" spc="-1" strike="noStrike">
+                <a:solidFill>
+                  <a:srgbClr val="000000"/>
+                </a:solidFill>
+                <a:latin typeface="Arial"/>
+                <a:ea typeface="DejaVu Sans"/>
+              </a:rPr>
+              <a:t>형 데이터의 최솟값과 최댓값을 확인 할 수 있다</a:t>
+            </a:r>
+            <a:r>
+              <a:rPr b="0" lang="en-US" sz="1100" spc="-1" strike="noStrike">
+                <a:solidFill>
+                  <a:srgbClr val="000000"/>
+                </a:solidFill>
+                <a:latin typeface="Arial"/>
+                <a:ea typeface="DejaVu Sans"/>
+              </a:rPr>
+              <a:t>. </a:t>
+            </a:r>
+            <a:r>
+              <a:rPr b="0" lang="ko-KR" sz="1100" spc="-1" strike="noStrike">
+                <a:solidFill>
+                  <a:srgbClr val="000000"/>
+                </a:solidFill>
+                <a:latin typeface="Arial"/>
+                <a:ea typeface="DejaVu Sans"/>
+              </a:rPr>
+              <a:t>여기서 최솟값 – </a:t>
+            </a:r>
+            <a:r>
+              <a:rPr b="0" lang="en-US" sz="1100" spc="-1" strike="noStrike">
+                <a:solidFill>
+                  <a:srgbClr val="000000"/>
+                </a:solidFill>
+                <a:latin typeface="Arial"/>
+                <a:ea typeface="DejaVu Sans"/>
+              </a:rPr>
+              <a:t>1 </a:t>
+            </a:r>
+            <a:r>
+              <a:rPr b="0" lang="ko-KR" sz="1100" spc="-1" strike="noStrike">
+                <a:solidFill>
+                  <a:srgbClr val="000000"/>
+                </a:solidFill>
+                <a:latin typeface="Arial"/>
+                <a:ea typeface="DejaVu Sans"/>
+              </a:rPr>
+              <a:t>또는 최댓값 </a:t>
+            </a:r>
+            <a:r>
+              <a:rPr b="0" lang="en-US" sz="1100" spc="-1" strike="noStrike">
+                <a:solidFill>
+                  <a:srgbClr val="000000"/>
+                </a:solidFill>
+                <a:latin typeface="Arial"/>
+                <a:ea typeface="DejaVu Sans"/>
+              </a:rPr>
+              <a:t>+ 1</a:t>
+            </a:r>
+            <a:r>
+              <a:rPr b="0" lang="ko-KR" sz="1100" spc="-1" strike="noStrike">
+                <a:solidFill>
+                  <a:srgbClr val="000000"/>
+                </a:solidFill>
+                <a:latin typeface="Arial"/>
+                <a:ea typeface="DejaVu Sans"/>
+              </a:rPr>
+              <a:t>을 하면 어떻게 될까</a:t>
+            </a:r>
+            <a:r>
+              <a:rPr b="0" lang="en-US" sz="1100" spc="-1" strike="noStrike">
+                <a:solidFill>
+                  <a:srgbClr val="000000"/>
+                </a:solidFill>
+                <a:latin typeface="Arial"/>
+                <a:ea typeface="DejaVu Sans"/>
+              </a:rPr>
+              <a:t>?</a:t>
+            </a:r>
+            <a:endParaRPr b="0" lang="en-US" sz="1100" spc="-1" strike="noStrike">
+              <a:latin typeface="Arial"/>
+            </a:endParaRPr>
+          </a:p>
+          <a:p>
+            <a:pPr>
+              <a:lnSpc>
+                <a:spcPct val="100000"/>
+              </a:lnSpc>
+            </a:pPr>
+            <a:endParaRPr b="0" lang="en-US" sz="1100" spc="-1" strike="noStrike">
+              <a:latin typeface="Arial"/>
+            </a:endParaRPr>
+          </a:p>
+          <a:p>
+            <a:pPr>
+              <a:lnSpc>
+                <a:spcPct val="100000"/>
+              </a:lnSpc>
+            </a:pPr>
+            <a:r>
+              <a:rPr b="0" lang="ko-KR" sz="1100" spc="-1" strike="noStrike">
+                <a:solidFill>
+                  <a:srgbClr val="000000"/>
+                </a:solidFill>
+                <a:latin typeface="Arial"/>
+                <a:ea typeface="DejaVu Sans"/>
+              </a:rPr>
+              <a:t>결과는 위에 나와있는것처럼 </a:t>
+            </a:r>
+            <a:r>
+              <a:rPr b="0" lang="ko-KR" sz="1100" spc="-1" strike="noStrike">
+                <a:solidFill>
+                  <a:srgbClr val="c9211e"/>
+                </a:solidFill>
+                <a:latin typeface="Arial"/>
+                <a:ea typeface="DejaVu Sans"/>
+              </a:rPr>
+              <a:t>최솟값 – </a:t>
+            </a:r>
+            <a:r>
+              <a:rPr b="0" lang="en-US" sz="1100" spc="-1" strike="noStrike">
+                <a:solidFill>
+                  <a:srgbClr val="c9211e"/>
+                </a:solidFill>
+                <a:latin typeface="Arial"/>
+                <a:ea typeface="DejaVu Sans"/>
+              </a:rPr>
+              <a:t>1 == </a:t>
+            </a:r>
+            <a:r>
+              <a:rPr b="0" lang="ko-KR" sz="1100" spc="-1" strike="noStrike">
+                <a:solidFill>
+                  <a:srgbClr val="c9211e"/>
+                </a:solidFill>
+                <a:latin typeface="Arial"/>
+                <a:ea typeface="DejaVu Sans"/>
+              </a:rPr>
+              <a:t>최댓값</a:t>
+            </a:r>
+            <a:r>
+              <a:rPr b="0" lang="en-US" sz="1100" spc="-1" strike="noStrike">
+                <a:solidFill>
+                  <a:srgbClr val="c9211e"/>
+                </a:solidFill>
+                <a:latin typeface="Arial"/>
+                <a:ea typeface="DejaVu Sans"/>
+              </a:rPr>
+              <a:t>,  </a:t>
+            </a:r>
+            <a:r>
+              <a:rPr b="0" lang="ko-KR" sz="1100" spc="-1" strike="noStrike">
+                <a:solidFill>
+                  <a:srgbClr val="c9211e"/>
+                </a:solidFill>
+                <a:latin typeface="Arial"/>
+                <a:ea typeface="DejaVu Sans"/>
+              </a:rPr>
+              <a:t>최댓값 </a:t>
+            </a:r>
+            <a:r>
+              <a:rPr b="0" lang="en-US" sz="1100" spc="-1" strike="noStrike">
+                <a:solidFill>
+                  <a:srgbClr val="c9211e"/>
+                </a:solidFill>
+                <a:latin typeface="Arial"/>
+                <a:ea typeface="DejaVu Sans"/>
+              </a:rPr>
+              <a:t>+ 1 == </a:t>
+            </a:r>
+            <a:r>
+              <a:rPr b="0" lang="ko-KR" sz="1100" spc="-1" strike="noStrike">
+                <a:solidFill>
+                  <a:srgbClr val="c9211e"/>
+                </a:solidFill>
+                <a:latin typeface="Arial"/>
+                <a:ea typeface="DejaVu Sans"/>
+              </a:rPr>
+              <a:t>최솟값</a:t>
+            </a:r>
+            <a:r>
+              <a:rPr b="0" lang="ko-KR" sz="1100" spc="-1" strike="noStrike">
+                <a:solidFill>
+                  <a:srgbClr val="000000"/>
+                </a:solidFill>
+                <a:latin typeface="Arial"/>
+                <a:ea typeface="DejaVu Sans"/>
+              </a:rPr>
+              <a:t>이 되는것을 확인할 수 있다</a:t>
+            </a:r>
+            <a:r>
+              <a:rPr b="0" lang="en-US" sz="1100" spc="-1" strike="noStrike">
+                <a:solidFill>
+                  <a:srgbClr val="000000"/>
+                </a:solidFill>
+                <a:latin typeface="Arial"/>
+                <a:ea typeface="DejaVu Sans"/>
+              </a:rPr>
+              <a:t>.</a:t>
+            </a:r>
+            <a:endParaRPr b="0" lang="en-US" sz="1100" spc="-1" strike="noStrike">
+              <a:latin typeface="Arial"/>
+            </a:endParaRPr>
+          </a:p>
+          <a:p>
+            <a:pPr>
+              <a:lnSpc>
+                <a:spcPct val="100000"/>
+              </a:lnSpc>
+            </a:pPr>
+            <a:endParaRPr b="0" lang="en-US" sz="1100" spc="-1" strike="noStrike">
+              <a:latin typeface="Arial"/>
+            </a:endParaRPr>
+          </a:p>
+          <a:p>
+            <a:pPr>
+              <a:lnSpc>
+                <a:spcPct val="100000"/>
+              </a:lnSpc>
+            </a:pPr>
+            <a:endParaRPr b="0" lang="en-US" sz="1100" spc="-1" strike="noStrike">
+              <a:latin typeface="Arial"/>
+            </a:endParaRPr>
+          </a:p>
+          <a:p>
+            <a:pPr>
+              <a:lnSpc>
+                <a:spcPct val="100000"/>
+              </a:lnSpc>
+            </a:pPr>
+            <a:endParaRPr b="0" lang="en-US" sz="1100" spc="-1" strike="noStrike">
+              <a:latin typeface="Arial"/>
+            </a:endParaRPr>
+          </a:p>
+          <a:p>
+            <a:pPr>
+              <a:lnSpc>
+                <a:spcPct val="100000"/>
+              </a:lnSpc>
+            </a:pPr>
+            <a:endParaRPr b="0" lang="en-US" sz="1100" spc="-1" strike="noStrike">
+              <a:latin typeface="Arial"/>
+            </a:endParaRPr>
+          </a:p>
+          <a:p>
+            <a:pPr>
+              <a:lnSpc>
+                <a:spcPct val="100000"/>
+              </a:lnSpc>
+            </a:pPr>
+            <a:endParaRPr b="0" lang="en-US" sz="1100" spc="-1" strike="noStrike">
+              <a:latin typeface="Arial"/>
+            </a:endParaRPr>
+          </a:p>
+          <a:p>
+            <a:pPr>
+              <a:lnSpc>
+                <a:spcPct val="100000"/>
+              </a:lnSpc>
+            </a:pPr>
+            <a:endParaRPr b="0" lang="en-US" sz="1100" spc="-1" strike="noStrike">
+              <a:latin typeface="Arial"/>
+            </a:endParaRPr>
+          </a:p>
+          <a:p>
+            <a:pPr>
+              <a:lnSpc>
+                <a:spcPct val="100000"/>
+              </a:lnSpc>
+            </a:pPr>
+            <a:endParaRPr b="0" lang="en-US" sz="1100" spc="-1" strike="noStrike">
+              <a:latin typeface="Arial"/>
+            </a:endParaRPr>
+          </a:p>
+          <a:p>
+            <a:pPr>
+              <a:lnSpc>
+                <a:spcPct val="100000"/>
+              </a:lnSpc>
+            </a:pPr>
+            <a:endParaRPr b="0" lang="en-US" sz="1100" spc="-1" strike="noStrike">
+              <a:latin typeface="Arial"/>
+            </a:endParaRPr>
+          </a:p>
+          <a:p>
+            <a:pPr>
+              <a:lnSpc>
+                <a:spcPct val="100000"/>
+              </a:lnSpc>
+            </a:pPr>
+            <a:endParaRPr b="0" lang="en-US" sz="1100" spc="-1" strike="noStrike">
+              <a:latin typeface="Arial"/>
+            </a:endParaRPr>
+          </a:p>
+          <a:p>
+            <a:pPr>
+              <a:lnSpc>
+                <a:spcPct val="100000"/>
+              </a:lnSpc>
+            </a:pPr>
+            <a:endParaRPr b="0" lang="en-US" sz="1100" spc="-1" strike="noStrike">
+              <a:latin typeface="Arial"/>
+            </a:endParaRPr>
+          </a:p>
+          <a:p>
+            <a:pPr>
+              <a:lnSpc>
+                <a:spcPct val="100000"/>
+              </a:lnSpc>
+            </a:pPr>
+            <a:endParaRPr b="0" lang="en-US" sz="1100" spc="-1" strike="noStrike">
+              <a:latin typeface="Arial"/>
+            </a:endParaRPr>
+          </a:p>
+          <a:p>
+            <a:pPr>
+              <a:lnSpc>
+                <a:spcPct val="100000"/>
+              </a:lnSpc>
+            </a:pPr>
+            <a:r>
+              <a:rPr b="0" lang="ko-KR" sz="1100" spc="-1" strike="noStrike">
+                <a:solidFill>
+                  <a:srgbClr val="000000"/>
+                </a:solidFill>
+                <a:latin typeface="Arial"/>
+                <a:ea typeface="DejaVu Sans"/>
+              </a:rPr>
+              <a:t>이를 확인하기 위해 </a:t>
+            </a:r>
+            <a:r>
+              <a:rPr b="0" lang="en-US" sz="1100" spc="-1" strike="noStrike">
+                <a:solidFill>
+                  <a:srgbClr val="000000"/>
+                </a:solidFill>
+                <a:latin typeface="Arial"/>
+                <a:ea typeface="DejaVu Sans"/>
+              </a:rPr>
+              <a:t>2</a:t>
+            </a:r>
+            <a:r>
+              <a:rPr b="0" lang="ko-KR" sz="1100" spc="-1" strike="noStrike">
+                <a:solidFill>
+                  <a:srgbClr val="000000"/>
+                </a:solidFill>
+                <a:latin typeface="Arial"/>
+                <a:ea typeface="DejaVu Sans"/>
+              </a:rPr>
+              <a:t>진수로 출력해보았다</a:t>
+            </a:r>
+            <a:r>
+              <a:rPr b="0" lang="en-US" sz="1100" spc="-1" strike="noStrike">
+                <a:solidFill>
+                  <a:srgbClr val="000000"/>
+                </a:solidFill>
+                <a:latin typeface="Arial"/>
+                <a:ea typeface="DejaVu Sans"/>
+              </a:rPr>
+              <a:t>. 2</a:t>
+            </a:r>
+            <a:r>
+              <a:rPr b="0" lang="ko-KR" sz="1100" spc="-1" strike="noStrike">
+                <a:solidFill>
+                  <a:srgbClr val="000000"/>
+                </a:solidFill>
+                <a:latin typeface="Arial"/>
+                <a:ea typeface="DejaVu Sans"/>
+              </a:rPr>
+              <a:t>진수로 출력시 </a:t>
+            </a:r>
+            <a:r>
+              <a:rPr b="0" lang="en-US" sz="1100" spc="-1" strike="noStrike">
+                <a:solidFill>
+                  <a:srgbClr val="000000"/>
+                </a:solidFill>
+                <a:latin typeface="Arial"/>
+                <a:ea typeface="DejaVu Sans"/>
+              </a:rPr>
+              <a:t>max + 1</a:t>
+            </a:r>
+            <a:r>
+              <a:rPr b="0" lang="ko-KR" sz="1100" spc="-1" strike="noStrike">
+                <a:solidFill>
+                  <a:srgbClr val="000000"/>
+                </a:solidFill>
+                <a:latin typeface="Arial"/>
+                <a:ea typeface="DejaVu Sans"/>
+              </a:rPr>
+              <a:t>과 </a:t>
+            </a:r>
+            <a:r>
+              <a:rPr b="0" lang="en-US" sz="1100" spc="-1" strike="noStrike">
+                <a:solidFill>
+                  <a:srgbClr val="000000"/>
+                </a:solidFill>
+                <a:latin typeface="Arial"/>
+                <a:ea typeface="DejaVu Sans"/>
+              </a:rPr>
+              <a:t>min – 1 </a:t>
+            </a:r>
+            <a:r>
+              <a:rPr b="0" lang="ko-KR" sz="1100" spc="-1" strike="noStrike">
+                <a:solidFill>
+                  <a:srgbClr val="000000"/>
+                </a:solidFill>
+                <a:latin typeface="Arial"/>
+                <a:ea typeface="DejaVu Sans"/>
+              </a:rPr>
+              <a:t>의 값이 이진수 계산으로 잘된것을 확인 할 수 있었다</a:t>
+            </a:r>
+            <a:r>
+              <a:rPr b="0" lang="en-US" sz="1100" spc="-1" strike="noStrike">
+                <a:solidFill>
+                  <a:srgbClr val="000000"/>
+                </a:solidFill>
+                <a:latin typeface="Arial"/>
+                <a:ea typeface="DejaVu Sans"/>
+              </a:rPr>
+              <a:t>. </a:t>
+            </a:r>
+            <a:r>
+              <a:rPr b="0" lang="ko-KR" sz="1100" spc="-1" strike="noStrike">
+                <a:solidFill>
+                  <a:srgbClr val="000000"/>
+                </a:solidFill>
+                <a:latin typeface="Arial"/>
+                <a:ea typeface="DejaVu Sans"/>
+              </a:rPr>
+              <a:t>왜 이런 차이가 날까</a:t>
+            </a:r>
+            <a:r>
+              <a:rPr b="0" lang="en-US" sz="1100" spc="-1" strike="noStrike">
+                <a:solidFill>
+                  <a:srgbClr val="000000"/>
+                </a:solidFill>
+                <a:latin typeface="Arial"/>
+                <a:ea typeface="DejaVu Sans"/>
+              </a:rPr>
+              <a:t>?</a:t>
+            </a:r>
+            <a:endParaRPr b="0" lang="en-US" sz="1100" spc="-1" strike="noStrike">
+              <a:latin typeface="Arial"/>
+            </a:endParaRPr>
+          </a:p>
+          <a:p>
+            <a:pPr>
+              <a:lnSpc>
+                <a:spcPct val="100000"/>
+              </a:lnSpc>
+            </a:pPr>
+            <a:r>
+              <a:rPr b="0" lang="ko-KR" sz="1100" spc="-1" strike="noStrike">
+                <a:solidFill>
+                  <a:srgbClr val="000000"/>
+                </a:solidFill>
+                <a:latin typeface="Arial"/>
+                <a:ea typeface="DejaVu Sans"/>
+              </a:rPr>
+              <a:t>사실 부호라는것은 사람이 인식하기에 편하기 위해 최상위비트 </a:t>
+            </a:r>
+            <a:r>
+              <a:rPr b="0" lang="en-US" sz="1100" spc="-1" strike="noStrike">
+                <a:solidFill>
+                  <a:srgbClr val="000000"/>
+                </a:solidFill>
+                <a:latin typeface="Arial"/>
+                <a:ea typeface="DejaVu Sans"/>
+              </a:rPr>
+              <a:t>1</a:t>
+            </a:r>
+            <a:r>
+              <a:rPr b="0" lang="ko-KR" sz="1100" spc="-1" strike="noStrike">
+                <a:solidFill>
+                  <a:srgbClr val="000000"/>
+                </a:solidFill>
+                <a:latin typeface="Arial"/>
+                <a:ea typeface="DejaVu Sans"/>
+              </a:rPr>
+              <a:t>비트를 부호로 정한것이다</a:t>
+            </a:r>
+            <a:r>
+              <a:rPr b="0" lang="en-US" sz="1100" spc="-1" strike="noStrike">
+                <a:solidFill>
+                  <a:srgbClr val="000000"/>
+                </a:solidFill>
+                <a:latin typeface="Arial"/>
+                <a:ea typeface="DejaVu Sans"/>
+              </a:rPr>
+              <a:t>. </a:t>
+            </a:r>
+            <a:endParaRPr b="0" lang="en-US" sz="1100" spc="-1" strike="noStrike">
+              <a:latin typeface="Arial"/>
+            </a:endParaRPr>
+          </a:p>
+          <a:p>
+            <a:pPr>
+              <a:lnSpc>
+                <a:spcPct val="100000"/>
+              </a:lnSpc>
+            </a:pPr>
+            <a:r>
+              <a:rPr b="0" lang="ko-KR" sz="1100" spc="-1" strike="noStrike">
+                <a:solidFill>
+                  <a:srgbClr val="000000"/>
+                </a:solidFill>
+                <a:latin typeface="Arial"/>
+                <a:ea typeface="DejaVu Sans"/>
+              </a:rPr>
+              <a:t>컴퓨터에는 단순히 데이터가 저장 되어있을 뿐이며 이를 어떻게 해석할지를 프로그래밍 언어가 제공해준다</a:t>
+            </a:r>
+            <a:r>
+              <a:rPr b="0" lang="en-US" sz="1100" spc="-1" strike="noStrike">
+                <a:solidFill>
+                  <a:srgbClr val="000000"/>
+                </a:solidFill>
+                <a:latin typeface="Arial"/>
+                <a:ea typeface="DejaVu Sans"/>
+              </a:rPr>
+              <a:t>. </a:t>
+            </a:r>
+            <a:r>
+              <a:rPr b="0" lang="ko-KR" sz="1100" spc="-1" strike="noStrike">
+                <a:solidFill>
+                  <a:srgbClr val="000000"/>
+                </a:solidFill>
+                <a:latin typeface="Arial"/>
+                <a:ea typeface="DejaVu Sans"/>
+              </a:rPr>
+              <a:t>따라서 똑같은 데이터라 할지라도 데이터 타입을 어떻게 선언하는지에 따라 인식하 되는 값이 달라진다</a:t>
+            </a:r>
+            <a:r>
+              <a:rPr b="0" lang="en-US" sz="1100" spc="-1" strike="noStrike">
+                <a:solidFill>
+                  <a:srgbClr val="000000"/>
+                </a:solidFill>
+                <a:latin typeface="Arial"/>
+                <a:ea typeface="DejaVu Sans"/>
+              </a:rPr>
+              <a:t>.</a:t>
+            </a:r>
+            <a:endParaRPr b="0" lang="en-US" sz="1100" spc="-1" strike="noStrike">
+              <a:latin typeface="Arial"/>
+            </a:endParaRPr>
+          </a:p>
+          <a:p>
+            <a:pPr>
+              <a:lnSpc>
+                <a:spcPct val="100000"/>
+              </a:lnSpc>
+            </a:pPr>
+            <a:endParaRPr b="0" lang="en-US" sz="1100" spc="-1" strike="noStrike">
+              <a:latin typeface="Arial"/>
+            </a:endParaRPr>
+          </a:p>
+          <a:p>
+            <a:pPr>
+              <a:lnSpc>
+                <a:spcPct val="100000"/>
+              </a:lnSpc>
+            </a:pPr>
+            <a:endParaRPr b="0" lang="en-US" sz="1100" spc="-1" strike="noStrike">
+              <a:latin typeface="Arial"/>
+            </a:endParaRPr>
+          </a:p>
+          <a:p>
+            <a:pPr>
+              <a:lnSpc>
+                <a:spcPct val="100000"/>
+              </a:lnSpc>
+            </a:pPr>
+            <a:endParaRPr b="0" lang="en-US" sz="1100" spc="-1" strike="noStrike">
+              <a:latin typeface="Arial"/>
+            </a:endParaRPr>
+          </a:p>
+          <a:p>
+            <a:pPr>
+              <a:lnSpc>
+                <a:spcPct val="100000"/>
+              </a:lnSpc>
+            </a:pPr>
+            <a:endParaRPr b="0" lang="en-US" sz="1100" spc="-1" strike="noStrike">
+              <a:latin typeface="Arial"/>
+            </a:endParaRPr>
+          </a:p>
+          <a:p>
+            <a:pPr>
+              <a:lnSpc>
+                <a:spcPct val="100000"/>
+              </a:lnSpc>
+            </a:pPr>
+            <a:endParaRPr b="0" lang="en-US" sz="1100" spc="-1" strike="noStrike">
+              <a:latin typeface="Arial"/>
+            </a:endParaRPr>
+          </a:p>
+        </p:txBody>
+      </p:sp>
+      <p:sp>
+        <p:nvSpPr>
+          <p:cNvPr id="156" name="TextBox 1_13"/>
+          <p:cNvSpPr/>
+          <p:nvPr/>
+        </p:nvSpPr>
+        <p:spPr>
+          <a:xfrm>
+            <a:off x="4668120" y="7177320"/>
+            <a:ext cx="953640" cy="272160"/>
+          </a:xfrm>
+          <a:prstGeom prst="rect">
+            <a:avLst/>
+          </a:prstGeom>
+          <a:noFill/>
+          <a:ln w="0">
+            <a:noFill/>
+          </a:ln>
+        </p:spPr>
+        <p:style>
+          <a:lnRef idx="0"/>
+          <a:fillRef idx="0"/>
+          <a:effectRef idx="0"/>
+          <a:fontRef idx="minor"/>
+        </p:style>
+        <p:txBody>
+          <a:bodyPr lIns="90000" rIns="90000" tIns="45000" bIns="45000">
+            <a:spAutoFit/>
+          </a:bodyPr>
+          <a:p>
+            <a:pPr algn="ctr">
+              <a:lnSpc>
+                <a:spcPct val="100000"/>
+              </a:lnSpc>
+            </a:pPr>
+            <a:r>
+              <a:rPr b="0" lang="en-US" sz="1200" spc="-1" strike="noStrike">
+                <a:solidFill>
+                  <a:srgbClr val="000000"/>
+                </a:solidFill>
+                <a:latin typeface="현대하모니 L"/>
+                <a:ea typeface="현대하모니 L"/>
+              </a:rPr>
+              <a:t>00/00</a:t>
+            </a:r>
+            <a:endParaRPr b="0" lang="en-US" sz="1200" spc="-1" strike="noStrike">
+              <a:latin typeface="Arial"/>
+            </a:endParaRPr>
+          </a:p>
+        </p:txBody>
+      </p:sp>
+      <p:sp>
+        <p:nvSpPr>
+          <p:cNvPr id="157" name="TextBox 5_13"/>
+          <p:cNvSpPr/>
+          <p:nvPr/>
+        </p:nvSpPr>
+        <p:spPr>
+          <a:xfrm>
+            <a:off x="327600" y="45000"/>
+            <a:ext cx="4654800" cy="546480"/>
+          </a:xfrm>
+          <a:prstGeom prst="rect">
+            <a:avLst/>
+          </a:prstGeom>
+          <a:noFill/>
+          <a:ln w="0">
+            <a:noFill/>
+          </a:ln>
+        </p:spPr>
+        <p:style>
+          <a:lnRef idx="0"/>
+          <a:fillRef idx="0"/>
+          <a:effectRef idx="0"/>
+          <a:fontRef idx="minor"/>
+        </p:style>
+        <p:txBody>
+          <a:bodyPr lIns="90000" rIns="90000" tIns="45000" bIns="45000">
+            <a:spAutoFit/>
+          </a:bodyPr>
+          <a:p>
+            <a:pPr>
+              <a:lnSpc>
+                <a:spcPct val="100000"/>
+              </a:lnSpc>
+            </a:pPr>
+            <a:r>
+              <a:rPr b="0" lang="en-US" sz="3000" spc="-1" strike="noStrike">
+                <a:solidFill>
+                  <a:srgbClr val="000000"/>
+                </a:solidFill>
+                <a:latin typeface="현대하모니 L"/>
+                <a:ea typeface="현대하모니 L"/>
+              </a:rPr>
+              <a:t>2. </a:t>
+            </a:r>
+            <a:r>
+              <a:rPr b="0" lang="ko-KR" sz="3000" spc="-1" strike="noStrike">
+                <a:solidFill>
+                  <a:srgbClr val="000000"/>
+                </a:solidFill>
+                <a:latin typeface="현대하모니 L"/>
+                <a:ea typeface="현대하모니 L"/>
+              </a:rPr>
+              <a:t>데이터 타입</a:t>
+            </a:r>
+            <a:endParaRPr b="0" lang="en-US" sz="3000" spc="-1" strike="noStrike">
+              <a:latin typeface="Arial"/>
+            </a:endParaRPr>
+          </a:p>
+        </p:txBody>
+      </p:sp>
+      <p:pic>
+        <p:nvPicPr>
+          <p:cNvPr id="158" name="" descr=""/>
+          <p:cNvPicPr/>
+          <p:nvPr/>
+        </p:nvPicPr>
+        <p:blipFill>
+          <a:blip r:embed="rId1"/>
+          <a:stretch/>
+        </p:blipFill>
+        <p:spPr>
+          <a:xfrm>
+            <a:off x="720000" y="1800000"/>
+            <a:ext cx="7412760" cy="1800000"/>
+          </a:xfrm>
+          <a:prstGeom prst="rect">
+            <a:avLst/>
+          </a:prstGeom>
+          <a:ln w="0">
+            <a:noFill/>
+          </a:ln>
+        </p:spPr>
+      </p:pic>
+      <p:pic>
+        <p:nvPicPr>
+          <p:cNvPr id="159" name="" descr=""/>
+          <p:cNvPicPr/>
+          <p:nvPr/>
+        </p:nvPicPr>
+        <p:blipFill>
+          <a:blip r:embed="rId2"/>
+          <a:stretch/>
+        </p:blipFill>
+        <p:spPr>
+          <a:xfrm>
+            <a:off x="720000" y="4320000"/>
+            <a:ext cx="6962400" cy="1752120"/>
           </a:xfrm>
           <a:prstGeom prst="rect">
             <a:avLst/>
@@ -8657,7 +9928,7 @@
         <p:spPr>
           <a:xfrm>
             <a:off x="327600" y="45000"/>
-            <a:ext cx="4655160" cy="546480"/>
+            <a:ext cx="4654800" cy="546480"/>
           </a:xfrm>
           <a:prstGeom prst="rect">
             <a:avLst/>
@@ -8718,7 +9989,7 @@
         <p:spPr>
           <a:xfrm>
             <a:off x="621000" y="849240"/>
-            <a:ext cx="9458280" cy="5799240"/>
+            <a:ext cx="9457920" cy="5799240"/>
           </a:xfrm>
           <a:prstGeom prst="rect">
             <a:avLst/>
@@ -9309,7 +10580,7 @@
         <p:spPr>
           <a:xfrm>
             <a:off x="4668120" y="7177320"/>
-            <a:ext cx="954000" cy="272160"/>
+            <a:ext cx="953640" cy="272160"/>
           </a:xfrm>
           <a:prstGeom prst="rect">
             <a:avLst/>
@@ -9364,7 +10635,7 @@
         <p:spPr>
           <a:xfrm>
             <a:off x="720000" y="3060000"/>
-            <a:ext cx="6980760" cy="2675520"/>
+            <a:ext cx="6980400" cy="2675160"/>
           </a:xfrm>
           <a:prstGeom prst="rect">
             <a:avLst/>
@@ -9413,7 +10684,7 @@
         <p:spPr>
           <a:xfrm>
             <a:off x="327600" y="45000"/>
-            <a:ext cx="4655160" cy="546480"/>
+            <a:ext cx="4654800" cy="546480"/>
           </a:xfrm>
           <a:prstGeom prst="rect">
             <a:avLst/>
@@ -9474,7 +10745,7 @@
         <p:spPr>
           <a:xfrm>
             <a:off x="621000" y="849240"/>
-            <a:ext cx="9458280" cy="3103200"/>
+            <a:ext cx="9457920" cy="3102840"/>
           </a:xfrm>
           <a:prstGeom prst="rect">
             <a:avLst/>
@@ -9845,7 +11116,7 @@
         <p:spPr>
           <a:xfrm>
             <a:off x="4668120" y="7177320"/>
-            <a:ext cx="954000" cy="272160"/>
+            <a:ext cx="953640" cy="272160"/>
           </a:xfrm>
           <a:prstGeom prst="rect">
             <a:avLst/>
@@ -9900,7 +11171,7 @@
         <p:spPr>
           <a:xfrm>
             <a:off x="720000" y="1119240"/>
-            <a:ext cx="7000200" cy="1580400"/>
+            <a:ext cx="6999840" cy="1580040"/>
           </a:xfrm>
           <a:prstGeom prst="rect">
             <a:avLst/>
@@ -9949,7 +11220,7 @@
         <p:spPr>
           <a:xfrm>
             <a:off x="621000" y="849240"/>
-            <a:ext cx="9818640" cy="1004760"/>
+            <a:ext cx="9818280" cy="1004400"/>
           </a:xfrm>
           <a:prstGeom prst="rect">
             <a:avLst/>
@@ -10050,7 +11321,7 @@
         <p:spPr>
           <a:xfrm>
             <a:off x="4668120" y="7177320"/>
-            <a:ext cx="954000" cy="272160"/>
+            <a:ext cx="953640" cy="272160"/>
           </a:xfrm>
           <a:prstGeom prst="rect">
             <a:avLst/>
@@ -10101,7 +11372,7 @@
         <p:spPr>
           <a:xfrm>
             <a:off x="327600" y="45000"/>
-            <a:ext cx="4655160" cy="546480"/>
+            <a:ext cx="4654800" cy="546480"/>
           </a:xfrm>
           <a:prstGeom prst="rect">
             <a:avLst/>
@@ -10166,7 +11437,7 @@
         <p:spPr>
           <a:xfrm>
             <a:off x="529200" y="2181960"/>
-            <a:ext cx="4330440" cy="3757680"/>
+            <a:ext cx="4330080" cy="3757320"/>
           </a:xfrm>
           <a:prstGeom prst="rect">
             <a:avLst/>
@@ -10189,7 +11460,7 @@
         <p:spPr>
           <a:xfrm>
             <a:off x="5760000" y="2160000"/>
-            <a:ext cx="4350240" cy="3757680"/>
+            <a:ext cx="4349880" cy="3757320"/>
           </a:xfrm>
           <a:prstGeom prst="rect">
             <a:avLst/>
@@ -10208,7 +11479,7 @@
         <p:spPr>
           <a:xfrm>
             <a:off x="4860000" y="3780000"/>
-            <a:ext cx="899640" cy="359640"/>
+            <a:ext cx="899280" cy="359280"/>
           </a:xfrm>
           <a:custGeom>
             <a:avLst/>
@@ -10324,7 +11595,7 @@
         <p:spPr>
           <a:xfrm>
             <a:off x="621000" y="849240"/>
-            <a:ext cx="9818640" cy="4113360"/>
+            <a:ext cx="9818280" cy="3946680"/>
           </a:xfrm>
           <a:prstGeom prst="rect">
             <a:avLst/>
@@ -10630,16 +11901,6 @@
                 <a:spcPct val="100000"/>
               </a:lnSpc>
             </a:pPr>
-            <a:endParaRPr b="0" lang="en-US" sz="2000" spc="-1" strike="noStrike">
-              <a:latin typeface="Arial"/>
-            </a:endParaRPr>
-          </a:p>
-          <a:p>
-            <a:pPr>
-              <a:lnSpc>
-                <a:spcPct val="100000"/>
-              </a:lnSpc>
-            </a:pPr>
             <a:r>
               <a:rPr b="0" lang="en-US" sz="1100" spc="-1" strike="noStrike">
                 <a:solidFill>
@@ -10735,7 +11996,7 @@
         <p:spPr>
           <a:xfrm>
             <a:off x="4668120" y="7177320"/>
-            <a:ext cx="954000" cy="272160"/>
+            <a:ext cx="953640" cy="272160"/>
           </a:xfrm>
           <a:prstGeom prst="rect">
             <a:avLst/>
@@ -10786,7 +12047,7 @@
         <p:spPr>
           <a:xfrm>
             <a:off x="327600" y="45000"/>
-            <a:ext cx="4655160" cy="546480"/>
+            <a:ext cx="4654800" cy="546480"/>
           </a:xfrm>
           <a:prstGeom prst="rect">
             <a:avLst/>
@@ -10851,7 +12112,7 @@
         <p:spPr>
           <a:xfrm>
             <a:off x="1872720" y="1980000"/>
-            <a:ext cx="6972120" cy="1923840"/>
+            <a:ext cx="6971760" cy="1923480"/>
           </a:xfrm>
           <a:prstGeom prst="rect">
             <a:avLst/>
@@ -10874,7 +12135,7 @@
         <p:spPr>
           <a:xfrm>
             <a:off x="1819440" y="5040000"/>
-            <a:ext cx="7000560" cy="1819080"/>
+            <a:ext cx="7000200" cy="1818720"/>
           </a:xfrm>
           <a:prstGeom prst="rect">
             <a:avLst/>
@@ -10923,7 +12184,7 @@
         <p:spPr>
           <a:xfrm>
             <a:off x="621000" y="849240"/>
-            <a:ext cx="9818640" cy="3474360"/>
+            <a:ext cx="9818280" cy="3474000"/>
           </a:xfrm>
           <a:prstGeom prst="rect">
             <a:avLst/>
@@ -11194,7 +12455,7 @@
         <p:spPr>
           <a:xfrm>
             <a:off x="4668120" y="7177320"/>
-            <a:ext cx="954000" cy="272160"/>
+            <a:ext cx="953640" cy="272160"/>
           </a:xfrm>
           <a:prstGeom prst="rect">
             <a:avLst/>
@@ -11245,7 +12506,7 @@
         <p:spPr>
           <a:xfrm>
             <a:off x="327600" y="45000"/>
-            <a:ext cx="4655160" cy="546480"/>
+            <a:ext cx="4654800" cy="546480"/>
           </a:xfrm>
           <a:prstGeom prst="rect">
             <a:avLst/>
@@ -11310,7 +12571,7 @@
         <p:spPr>
           <a:xfrm>
             <a:off x="720000" y="2039400"/>
-            <a:ext cx="7009920" cy="1380600"/>
+            <a:ext cx="7009560" cy="1380240"/>
           </a:xfrm>
           <a:prstGeom prst="rect">
             <a:avLst/>
@@ -11332,8 +12593,8 @@
         </p:blipFill>
         <p:spPr>
           <a:xfrm rot="9600">
-            <a:off x="734760" y="4275720"/>
-            <a:ext cx="6943320" cy="2573640"/>
+            <a:off x="734400" y="4275360"/>
+            <a:ext cx="6942960" cy="2573280"/>
           </a:xfrm>
           <a:prstGeom prst="rect">
             <a:avLst/>
@@ -11382,7 +12643,7 @@
         <p:spPr>
           <a:xfrm>
             <a:off x="621000" y="849240"/>
-            <a:ext cx="9818640" cy="5028120"/>
+            <a:ext cx="9818280" cy="4341240"/>
           </a:xfrm>
           <a:prstGeom prst="rect">
             <a:avLst/>
@@ -11733,7 +12994,7 @@
         <p:spPr>
           <a:xfrm>
             <a:off x="4668120" y="7177320"/>
-            <a:ext cx="954000" cy="272160"/>
+            <a:ext cx="953640" cy="272160"/>
           </a:xfrm>
           <a:prstGeom prst="rect">
             <a:avLst/>
@@ -11784,7 +13045,7 @@
         <p:spPr>
           <a:xfrm>
             <a:off x="327600" y="45000"/>
-            <a:ext cx="4655160" cy="546480"/>
+            <a:ext cx="4654800" cy="546480"/>
           </a:xfrm>
           <a:prstGeom prst="rect">
             <a:avLst/>
@@ -11849,7 +13110,7 @@
         <p:spPr>
           <a:xfrm>
             <a:off x="720000" y="1980000"/>
-            <a:ext cx="6990840" cy="1618920"/>
+            <a:ext cx="6990480" cy="1618560"/>
           </a:xfrm>
           <a:prstGeom prst="rect">
             <a:avLst/>
@@ -11872,7 +13133,7 @@
         <p:spPr>
           <a:xfrm>
             <a:off x="720000" y="3960000"/>
-            <a:ext cx="6962400" cy="1456920"/>
+            <a:ext cx="6962040" cy="1456560"/>
           </a:xfrm>
           <a:prstGeom prst="rect">
             <a:avLst/>
@@ -11921,7 +13182,7 @@
         <p:spPr>
           <a:xfrm>
             <a:off x="621000" y="849240"/>
-            <a:ext cx="9818640" cy="3946680"/>
+            <a:ext cx="9818280" cy="4358520"/>
           </a:xfrm>
           <a:prstGeom prst="rect">
             <a:avLst/>
@@ -12132,7 +13393,7 @@
         <p:spPr>
           <a:xfrm>
             <a:off x="4668120" y="7177320"/>
-            <a:ext cx="954000" cy="272160"/>
+            <a:ext cx="953640" cy="272160"/>
           </a:xfrm>
           <a:prstGeom prst="rect">
             <a:avLst/>
@@ -12183,7 +13444,7 @@
         <p:spPr>
           <a:xfrm>
             <a:off x="327600" y="45000"/>
-            <a:ext cx="4655160" cy="546480"/>
+            <a:ext cx="4654800" cy="546480"/>
           </a:xfrm>
           <a:prstGeom prst="rect">
             <a:avLst/>
@@ -12248,7 +13509,7 @@
         <p:spPr>
           <a:xfrm>
             <a:off x="720000" y="1980000"/>
-            <a:ext cx="7486920" cy="1440000"/>
+            <a:ext cx="7486560" cy="1439640"/>
           </a:xfrm>
           <a:prstGeom prst="rect">
             <a:avLst/>
@@ -12297,7 +13558,7 @@
         <p:spPr>
           <a:xfrm>
             <a:off x="621000" y="849240"/>
-            <a:ext cx="9818640" cy="5667840"/>
+            <a:ext cx="9818280" cy="5942880"/>
           </a:xfrm>
           <a:prstGeom prst="rect">
             <a:avLst/>
@@ -12668,7 +13929,7 @@
         <p:spPr>
           <a:xfrm>
             <a:off x="4668120" y="7177320"/>
-            <a:ext cx="954000" cy="272160"/>
+            <a:ext cx="953640" cy="272160"/>
           </a:xfrm>
           <a:prstGeom prst="rect">
             <a:avLst/>
@@ -12719,7 +13980,7 @@
         <p:spPr>
           <a:xfrm>
             <a:off x="327600" y="45000"/>
-            <a:ext cx="4655160" cy="546480"/>
+            <a:ext cx="4654800" cy="546480"/>
           </a:xfrm>
           <a:prstGeom prst="rect">
             <a:avLst/>
@@ -12784,7 +14045,7 @@
         <p:spPr>
           <a:xfrm>
             <a:off x="720000" y="2217960"/>
-            <a:ext cx="6924240" cy="3362040"/>
+            <a:ext cx="6923880" cy="3361680"/>
           </a:xfrm>
           <a:prstGeom prst="rect">
             <a:avLst/>

--- a/HyunhoCha/homework/c/01/차현호1회차숙제.pptx
+++ b/HyunhoCha/homework/c/01/차현호1회차숙제.pptx
@@ -24,6 +24,10 @@
     <p:sldId id="268" r:id="rId17"/>
     <p:sldId id="269" r:id="rId18"/>
     <p:sldId id="270" r:id="rId19"/>
+    <p:sldId id="271" r:id="rId20"/>
+    <p:sldId id="272" r:id="rId21"/>
+    <p:sldId id="273" r:id="rId22"/>
+    <p:sldId id="274" r:id="rId23"/>
   </p:sldIdLst>
   <p:sldSz cx="10691812" cy="7559675"/>
   <p:notesSz cx="6797675" cy="9926637"/>
@@ -76,7 +80,139 @@
               <a:rPr b="0" lang="en-US" sz="4400" spc="-1" strike="noStrike">
                 <a:latin typeface="Arial"/>
               </a:rPr>
-              <a:t>Click to move the slide</a:t>
+              <a:t>C</a:t>
+            </a:r>
+            <a:r>
+              <a:rPr b="0" lang="en-US" sz="4400" spc="-1" strike="noStrike">
+                <a:latin typeface="Arial"/>
+              </a:rPr>
+              <a:t>l</a:t>
+            </a:r>
+            <a:r>
+              <a:rPr b="0" lang="en-US" sz="4400" spc="-1" strike="noStrike">
+                <a:latin typeface="Arial"/>
+              </a:rPr>
+              <a:t>i</a:t>
+            </a:r>
+            <a:r>
+              <a:rPr b="0" lang="en-US" sz="4400" spc="-1" strike="noStrike">
+                <a:latin typeface="Arial"/>
+              </a:rPr>
+              <a:t>c</a:t>
+            </a:r>
+            <a:r>
+              <a:rPr b="0" lang="en-US" sz="4400" spc="-1" strike="noStrike">
+                <a:latin typeface="Arial"/>
+              </a:rPr>
+              <a:t>k</a:t>
+            </a:r>
+            <a:r>
+              <a:rPr b="0" lang="en-US" sz="4400" spc="-1" strike="noStrike">
+                <a:latin typeface="Arial"/>
+              </a:rPr>
+              <a:t> </a:t>
+            </a:r>
+            <a:r>
+              <a:rPr b="0" lang="en-US" sz="4400" spc="-1" strike="noStrike">
+                <a:latin typeface="Arial"/>
+              </a:rPr>
+              <a:t>t</a:t>
+            </a:r>
+            <a:r>
+              <a:rPr b="0" lang="en-US" sz="4400" spc="-1" strike="noStrike">
+                <a:latin typeface="Arial"/>
+              </a:rPr>
+              <a:t>o</a:t>
+            </a:r>
+            <a:r>
+              <a:rPr b="0" lang="en-US" sz="4400" spc="-1" strike="noStrike">
+                <a:latin typeface="Arial"/>
+              </a:rPr>
+              <a:t> </a:t>
+            </a:r>
+            <a:r>
+              <a:rPr b="0" lang="en-US" sz="4400" spc="-1" strike="noStrike">
+                <a:latin typeface="Arial"/>
+              </a:rPr>
+              <a:t>m</a:t>
+            </a:r>
+            <a:r>
+              <a:rPr b="0" lang="en-US" sz="4400" spc="-1" strike="noStrike">
+                <a:latin typeface="Arial"/>
+              </a:rPr>
+              <a:t>o</a:t>
+            </a:r>
+            <a:r>
+              <a:rPr b="0" lang="en-US" sz="4400" spc="-1" strike="noStrike">
+                <a:latin typeface="Arial"/>
+              </a:rPr>
+              <a:t>v</a:t>
+            </a:r>
+            <a:r>
+              <a:rPr b="0" lang="en-US" sz="4400" spc="-1" strike="noStrike">
+                <a:latin typeface="Arial"/>
+              </a:rPr>
+              <a:t>e</a:t>
+            </a:r>
+            <a:r>
+              <a:rPr b="0" lang="en-US" sz="4400" spc="-1" strike="noStrike">
+                <a:latin typeface="Arial"/>
+              </a:rPr>
+              <a:t> </a:t>
+            </a:r>
+            <a:r>
+              <a:rPr b="0" lang="en-US" sz="4400" spc="-1" strike="noStrike">
+                <a:latin typeface="Arial"/>
+              </a:rPr>
+              <a:t>t</a:t>
+            </a:r>
+            <a:r>
+              <a:rPr b="0" lang="en-US" sz="4400" spc="-1" strike="noStrike">
+                <a:latin typeface="Arial"/>
+              </a:rPr>
+              <a:t>h</a:t>
+            </a:r>
+            <a:r>
+              <a:rPr b="0" lang="en-US" sz="4400" spc="-1" strike="noStrike">
+                <a:latin typeface="Arial"/>
+              </a:rPr>
+              <a:t>e</a:t>
+            </a:r>
+            <a:r>
+              <a:rPr b="0" lang="en-US" sz="4400" spc="-1" strike="noStrike">
+                <a:latin typeface="Arial"/>
+              </a:rPr>
+              <a:t> </a:t>
+            </a:r>
+            <a:r>
+              <a:rPr b="0" lang="en-US" sz="4400" spc="-1" strike="noStrike">
+                <a:latin typeface="Arial"/>
+              </a:rPr>
+              <a:t>s</a:t>
+            </a:r>
+            <a:r>
+              <a:rPr b="0" lang="en-US" sz="4400" spc="-1" strike="noStrike">
+                <a:latin typeface="Arial"/>
+              </a:rPr>
+              <a:t>l</a:t>
+            </a:r>
+            <a:r>
+              <a:rPr b="0" lang="en-US" sz="4400" spc="-1" strike="noStrike">
+                <a:latin typeface="Arial"/>
+              </a:rPr>
+              <a:t>i</a:t>
+            </a:r>
+            <a:r>
+              <a:rPr b="0" lang="en-US" sz="4400" spc="-1" strike="noStrike">
+                <a:latin typeface="Arial"/>
+              </a:rPr>
+              <a:t>d</a:t>
+            </a:r>
+            <a:r>
+              <a:rPr b="0" lang="en-US" sz="4400" spc="-1" strike="noStrike">
+                <a:latin typeface="Arial"/>
+              </a:rPr>
+              <a:t>e</a:t>
             </a:r>
             <a:endParaRPr b="0" lang="en-US" sz="4400" spc="-1" strike="noStrike">
               <a:latin typeface="Arial"/>
@@ -254,7 +390,7 @@
           </a:bodyPr>
           <a:p>
             <a:pPr algn="r"/>
-            <a:fld id="{FD21A41D-047C-4521-8426-293A1B0223F4}" type="slidenum">
+            <a:fld id="{30DDE954-1B4B-4895-A665-2D085B8CB5BD}" type="slidenum">
               <a:rPr b="0" lang="en-US" sz="1400" spc="-1" strike="noStrike">
                 <a:latin typeface="Noto Serif CJK KR"/>
               </a:rPr>
@@ -291,7 +427,7 @@
       </p:grpSpPr>
       <p:sp>
         <p:nvSpPr>
-          <p:cNvPr id="160" name="PlaceHolder 1"/>
+          <p:cNvPr id="176" name="PlaceHolder 1"/>
           <p:cNvSpPr>
             <a:spLocks noGrp="1"/>
           </p:cNvSpPr>
@@ -302,16 +438,16 @@
         <p:spPr>
           <a:xfrm>
             <a:off x="1030320" y="1241280"/>
-            <a:ext cx="4735440" cy="3348000"/>
-          </a:xfrm>
-          <a:prstGeom prst="rect">
-            <a:avLst/>
-          </a:prstGeom>
-        </p:spPr>
-      </p:sp>
-      <p:sp>
-        <p:nvSpPr>
-          <p:cNvPr id="161" name="PlaceHolder 2"/>
+            <a:ext cx="4735080" cy="3347640"/>
+          </a:xfrm>
+          <a:prstGeom prst="rect">
+            <a:avLst/>
+          </a:prstGeom>
+        </p:spPr>
+      </p:sp>
+      <p:sp>
+        <p:nvSpPr>
+          <p:cNvPr id="177" name="PlaceHolder 2"/>
           <p:cNvSpPr>
             <a:spLocks noGrp="1"/>
           </p:cNvSpPr>
@@ -322,7 +458,7 @@
         <p:spPr>
           <a:xfrm>
             <a:off x="679680" y="4777200"/>
-            <a:ext cx="5436360" cy="3906720"/>
+            <a:ext cx="5436000" cy="3906360"/>
           </a:xfrm>
           <a:prstGeom prst="rect">
             <a:avLst/>
@@ -341,14 +477,14 @@
       </p:sp>
       <p:sp>
         <p:nvSpPr>
-          <p:cNvPr id="162" name="슬라이드 번호 개체 틀 3"/>
+          <p:cNvPr id="178" name="슬라이드 번호 개체 틀 3"/>
           <p:cNvSpPr/>
           <p:nvPr/>
         </p:nvSpPr>
         <p:spPr>
           <a:xfrm>
             <a:off x="3850560" y="9428760"/>
-            <a:ext cx="2943720" cy="496080"/>
+            <a:ext cx="2943360" cy="495720"/>
           </a:xfrm>
           <a:prstGeom prst="rect">
             <a:avLst/>
@@ -374,7 +510,7 @@
                 <a:spcPct val="100000"/>
               </a:lnSpc>
             </a:pPr>
-            <a:fld id="{AB9115D9-A2B7-4575-A74B-564548BCAC7D}" type="slidenum">
+            <a:fld id="{F5664D02-EDD6-4224-98E9-5F2E8CB875F0}" type="slidenum">
               <a:rPr b="0" lang="en-US" sz="1200" spc="-1" strike="noStrike">
                 <a:solidFill>
                   <a:srgbClr val="000000"/>
@@ -414,7 +550,7 @@
       </p:grpSpPr>
       <p:sp>
         <p:nvSpPr>
-          <p:cNvPr id="187" name="PlaceHolder 1"/>
+          <p:cNvPr id="203" name="PlaceHolder 1"/>
           <p:cNvSpPr>
             <a:spLocks noGrp="1"/>
           </p:cNvSpPr>
@@ -425,16 +561,16 @@
         <p:spPr>
           <a:xfrm>
             <a:off x="1030320" y="1241280"/>
-            <a:ext cx="4735440" cy="3348000"/>
-          </a:xfrm>
-          <a:prstGeom prst="rect">
-            <a:avLst/>
-          </a:prstGeom>
-        </p:spPr>
-      </p:sp>
-      <p:sp>
-        <p:nvSpPr>
-          <p:cNvPr id="188" name="PlaceHolder 2"/>
+            <a:ext cx="4735080" cy="3347640"/>
+          </a:xfrm>
+          <a:prstGeom prst="rect">
+            <a:avLst/>
+          </a:prstGeom>
+        </p:spPr>
+      </p:sp>
+      <p:sp>
+        <p:nvSpPr>
+          <p:cNvPr id="204" name="PlaceHolder 2"/>
           <p:cNvSpPr>
             <a:spLocks noGrp="1"/>
           </p:cNvSpPr>
@@ -445,7 +581,7 @@
         <p:spPr>
           <a:xfrm>
             <a:off x="679680" y="4777200"/>
-            <a:ext cx="5436360" cy="3906720"/>
+            <a:ext cx="5436000" cy="3906360"/>
           </a:xfrm>
           <a:prstGeom prst="rect">
             <a:avLst/>
@@ -464,14 +600,14 @@
       </p:sp>
       <p:sp>
         <p:nvSpPr>
-          <p:cNvPr id="189" name="슬라이드 번호 개체 틀 3_8"/>
+          <p:cNvPr id="205" name="슬라이드 번호 개체 틀 3_8"/>
           <p:cNvSpPr/>
           <p:nvPr/>
         </p:nvSpPr>
         <p:spPr>
           <a:xfrm>
             <a:off x="3850560" y="9428760"/>
-            <a:ext cx="2943720" cy="496080"/>
+            <a:ext cx="2943360" cy="495720"/>
           </a:xfrm>
           <a:prstGeom prst="rect">
             <a:avLst/>
@@ -497,7 +633,7 @@
                 <a:spcPct val="100000"/>
               </a:lnSpc>
             </a:pPr>
-            <a:fld id="{BB885A56-C63D-4E12-8FC4-EF09BBA1224E}" type="slidenum">
+            <a:fld id="{A0A823E3-0635-4AB6-B856-013242DA90DF}" type="slidenum">
               <a:rPr b="0" lang="en-US" sz="1200" spc="-1" strike="noStrike">
                 <a:solidFill>
                   <a:srgbClr val="000000"/>
@@ -536,7 +672,7 @@
       </p:grpSpPr>
       <p:sp>
         <p:nvSpPr>
-          <p:cNvPr id="190" name="PlaceHolder 1"/>
+          <p:cNvPr id="206" name="PlaceHolder 1"/>
           <p:cNvSpPr>
             <a:spLocks noGrp="1"/>
           </p:cNvSpPr>
@@ -547,16 +683,16 @@
         <p:spPr>
           <a:xfrm>
             <a:off x="1030320" y="1241280"/>
-            <a:ext cx="4735440" cy="3348000"/>
-          </a:xfrm>
-          <a:prstGeom prst="rect">
-            <a:avLst/>
-          </a:prstGeom>
-        </p:spPr>
-      </p:sp>
-      <p:sp>
-        <p:nvSpPr>
-          <p:cNvPr id="191" name="PlaceHolder 2"/>
+            <a:ext cx="4735080" cy="3347640"/>
+          </a:xfrm>
+          <a:prstGeom prst="rect">
+            <a:avLst/>
+          </a:prstGeom>
+        </p:spPr>
+      </p:sp>
+      <p:sp>
+        <p:nvSpPr>
+          <p:cNvPr id="207" name="PlaceHolder 2"/>
           <p:cNvSpPr>
             <a:spLocks noGrp="1"/>
           </p:cNvSpPr>
@@ -567,7 +703,7 @@
         <p:spPr>
           <a:xfrm>
             <a:off x="679680" y="4777200"/>
-            <a:ext cx="5436360" cy="3906720"/>
+            <a:ext cx="5436000" cy="3906360"/>
           </a:xfrm>
           <a:prstGeom prst="rect">
             <a:avLst/>
@@ -586,14 +722,14 @@
       </p:sp>
       <p:sp>
         <p:nvSpPr>
-          <p:cNvPr id="192" name="슬라이드 번호 개체 틀 3_9"/>
+          <p:cNvPr id="208" name="슬라이드 번호 개체 틀 3_9"/>
           <p:cNvSpPr/>
           <p:nvPr/>
         </p:nvSpPr>
         <p:spPr>
           <a:xfrm>
             <a:off x="3850560" y="9428760"/>
-            <a:ext cx="2943720" cy="496080"/>
+            <a:ext cx="2943360" cy="495720"/>
           </a:xfrm>
           <a:prstGeom prst="rect">
             <a:avLst/>
@@ -619,7 +755,7 @@
                 <a:spcPct val="100000"/>
               </a:lnSpc>
             </a:pPr>
-            <a:fld id="{D1866DC5-E043-45F6-8CED-EF8CCB1BB85A}" type="slidenum">
+            <a:fld id="{7CF84DD5-5458-4244-9AEC-EDCA07299953}" type="slidenum">
               <a:rPr b="0" lang="en-US" sz="1200" spc="-1" strike="noStrike">
                 <a:solidFill>
                   <a:srgbClr val="000000"/>
@@ -658,7 +794,7 @@
       </p:grpSpPr>
       <p:sp>
         <p:nvSpPr>
-          <p:cNvPr id="193" name="PlaceHolder 1"/>
+          <p:cNvPr id="209" name="PlaceHolder 1"/>
           <p:cNvSpPr>
             <a:spLocks noGrp="1"/>
           </p:cNvSpPr>
@@ -669,16 +805,16 @@
         <p:spPr>
           <a:xfrm>
             <a:off x="1030320" y="1241280"/>
-            <a:ext cx="4735440" cy="3348000"/>
-          </a:xfrm>
-          <a:prstGeom prst="rect">
-            <a:avLst/>
-          </a:prstGeom>
-        </p:spPr>
-      </p:sp>
-      <p:sp>
-        <p:nvSpPr>
-          <p:cNvPr id="194" name="PlaceHolder 2"/>
+            <a:ext cx="4735080" cy="3347640"/>
+          </a:xfrm>
+          <a:prstGeom prst="rect">
+            <a:avLst/>
+          </a:prstGeom>
+        </p:spPr>
+      </p:sp>
+      <p:sp>
+        <p:nvSpPr>
+          <p:cNvPr id="210" name="PlaceHolder 2"/>
           <p:cNvSpPr>
             <a:spLocks noGrp="1"/>
           </p:cNvSpPr>
@@ -689,7 +825,7 @@
         <p:spPr>
           <a:xfrm>
             <a:off x="679680" y="4777200"/>
-            <a:ext cx="5436360" cy="3906720"/>
+            <a:ext cx="5436000" cy="3906360"/>
           </a:xfrm>
           <a:prstGeom prst="rect">
             <a:avLst/>
@@ -708,14 +844,14 @@
       </p:sp>
       <p:sp>
         <p:nvSpPr>
-          <p:cNvPr id="195" name="슬라이드 번호 개체 틀 3_10"/>
+          <p:cNvPr id="211" name="슬라이드 번호 개체 틀 3_10"/>
           <p:cNvSpPr/>
           <p:nvPr/>
         </p:nvSpPr>
         <p:spPr>
           <a:xfrm>
             <a:off x="3850560" y="9428760"/>
-            <a:ext cx="2943720" cy="496080"/>
+            <a:ext cx="2943360" cy="495720"/>
           </a:xfrm>
           <a:prstGeom prst="rect">
             <a:avLst/>
@@ -741,7 +877,7 @@
                 <a:spcPct val="100000"/>
               </a:lnSpc>
             </a:pPr>
-            <a:fld id="{770FC253-6CBD-4C16-B09E-498708AEE164}" type="slidenum">
+            <a:fld id="{6B338ED6-0646-48B3-993A-B067E1660AB1}" type="slidenum">
               <a:rPr b="0" lang="en-US" sz="1200" spc="-1" strike="noStrike">
                 <a:solidFill>
                   <a:srgbClr val="000000"/>
@@ -780,7 +916,7 @@
       </p:grpSpPr>
       <p:sp>
         <p:nvSpPr>
-          <p:cNvPr id="196" name="PlaceHolder 1"/>
+          <p:cNvPr id="212" name="PlaceHolder 1"/>
           <p:cNvSpPr>
             <a:spLocks noGrp="1"/>
           </p:cNvSpPr>
@@ -791,16 +927,16 @@
         <p:spPr>
           <a:xfrm>
             <a:off x="1030320" y="1241280"/>
-            <a:ext cx="4735440" cy="3348000"/>
-          </a:xfrm>
-          <a:prstGeom prst="rect">
-            <a:avLst/>
-          </a:prstGeom>
-        </p:spPr>
-      </p:sp>
-      <p:sp>
-        <p:nvSpPr>
-          <p:cNvPr id="197" name="PlaceHolder 2"/>
+            <a:ext cx="4735080" cy="3347640"/>
+          </a:xfrm>
+          <a:prstGeom prst="rect">
+            <a:avLst/>
+          </a:prstGeom>
+        </p:spPr>
+      </p:sp>
+      <p:sp>
+        <p:nvSpPr>
+          <p:cNvPr id="213" name="PlaceHolder 2"/>
           <p:cNvSpPr>
             <a:spLocks noGrp="1"/>
           </p:cNvSpPr>
@@ -811,7 +947,7 @@
         <p:spPr>
           <a:xfrm>
             <a:off x="679680" y="4777200"/>
-            <a:ext cx="5436360" cy="3906720"/>
+            <a:ext cx="5436000" cy="3906360"/>
           </a:xfrm>
           <a:prstGeom prst="rect">
             <a:avLst/>
@@ -830,14 +966,14 @@
       </p:sp>
       <p:sp>
         <p:nvSpPr>
-          <p:cNvPr id="198" name="슬라이드 번호 개체 틀 3_12"/>
+          <p:cNvPr id="214" name="슬라이드 번호 개체 틀 3_12"/>
           <p:cNvSpPr/>
           <p:nvPr/>
         </p:nvSpPr>
         <p:spPr>
           <a:xfrm>
             <a:off x="3850560" y="9428760"/>
-            <a:ext cx="2943720" cy="496080"/>
+            <a:ext cx="2943360" cy="495720"/>
           </a:xfrm>
           <a:prstGeom prst="rect">
             <a:avLst/>
@@ -863,7 +999,7 @@
                 <a:spcPct val="100000"/>
               </a:lnSpc>
             </a:pPr>
-            <a:fld id="{F7DDB1B2-EB56-483A-A365-87D139508D95}" type="slidenum">
+            <a:fld id="{210647EE-990C-442F-B1EB-EF2F2C6C1CC0}" type="slidenum">
               <a:rPr b="0" lang="en-US" sz="1200" spc="-1" strike="noStrike">
                 <a:solidFill>
                   <a:srgbClr val="000000"/>
@@ -902,7 +1038,7 @@
       </p:grpSpPr>
       <p:sp>
         <p:nvSpPr>
-          <p:cNvPr id="199" name="PlaceHolder 1"/>
+          <p:cNvPr id="215" name="PlaceHolder 1"/>
           <p:cNvSpPr>
             <a:spLocks noGrp="1"/>
           </p:cNvSpPr>
@@ -913,16 +1049,16 @@
         <p:spPr>
           <a:xfrm>
             <a:off x="1030320" y="1241280"/>
-            <a:ext cx="4735440" cy="3348000"/>
-          </a:xfrm>
-          <a:prstGeom prst="rect">
-            <a:avLst/>
-          </a:prstGeom>
-        </p:spPr>
-      </p:sp>
-      <p:sp>
-        <p:nvSpPr>
-          <p:cNvPr id="200" name="PlaceHolder 2"/>
+            <a:ext cx="4735080" cy="3347640"/>
+          </a:xfrm>
+          <a:prstGeom prst="rect">
+            <a:avLst/>
+          </a:prstGeom>
+        </p:spPr>
+      </p:sp>
+      <p:sp>
+        <p:nvSpPr>
+          <p:cNvPr id="216" name="PlaceHolder 2"/>
           <p:cNvSpPr>
             <a:spLocks noGrp="1"/>
           </p:cNvSpPr>
@@ -933,7 +1069,7 @@
         <p:spPr>
           <a:xfrm>
             <a:off x="679680" y="4777200"/>
-            <a:ext cx="5436360" cy="3906720"/>
+            <a:ext cx="5436000" cy="3906360"/>
           </a:xfrm>
           <a:prstGeom prst="rect">
             <a:avLst/>
@@ -952,14 +1088,14 @@
       </p:sp>
       <p:sp>
         <p:nvSpPr>
-          <p:cNvPr id="201" name="슬라이드 번호 개체 틀 3_11"/>
+          <p:cNvPr id="217" name="슬라이드 번호 개체 틀 3_11"/>
           <p:cNvSpPr/>
           <p:nvPr/>
         </p:nvSpPr>
         <p:spPr>
           <a:xfrm>
             <a:off x="3850560" y="9428760"/>
-            <a:ext cx="2943720" cy="496080"/>
+            <a:ext cx="2943360" cy="495720"/>
           </a:xfrm>
           <a:prstGeom prst="rect">
             <a:avLst/>
@@ -985,7 +1121,7 @@
                 <a:spcPct val="100000"/>
               </a:lnSpc>
             </a:pPr>
-            <a:fld id="{D522ABD6-835E-48DA-804F-0FB44A0C37E2}" type="slidenum">
+            <a:fld id="{FA4B0F55-A5D4-44B4-AE7F-0B464F0CE32F}" type="slidenum">
               <a:rPr b="0" lang="en-US" sz="1200" spc="-1" strike="noStrike">
                 <a:solidFill>
                   <a:srgbClr val="000000"/>
@@ -1024,7 +1160,7 @@
       </p:grpSpPr>
       <p:sp>
         <p:nvSpPr>
-          <p:cNvPr id="202" name="PlaceHolder 1"/>
+          <p:cNvPr id="218" name="PlaceHolder 1"/>
           <p:cNvSpPr>
             <a:spLocks noGrp="1"/>
           </p:cNvSpPr>
@@ -1035,16 +1171,16 @@
         <p:spPr>
           <a:xfrm>
             <a:off x="1030320" y="1241280"/>
-            <a:ext cx="4735440" cy="3348000"/>
-          </a:xfrm>
-          <a:prstGeom prst="rect">
-            <a:avLst/>
-          </a:prstGeom>
-        </p:spPr>
-      </p:sp>
-      <p:sp>
-        <p:nvSpPr>
-          <p:cNvPr id="203" name="PlaceHolder 2"/>
+            <a:ext cx="4735080" cy="3347640"/>
+          </a:xfrm>
+          <a:prstGeom prst="rect">
+            <a:avLst/>
+          </a:prstGeom>
+        </p:spPr>
+      </p:sp>
+      <p:sp>
+        <p:nvSpPr>
+          <p:cNvPr id="219" name="PlaceHolder 2"/>
           <p:cNvSpPr>
             <a:spLocks noGrp="1"/>
           </p:cNvSpPr>
@@ -1055,7 +1191,7 @@
         <p:spPr>
           <a:xfrm>
             <a:off x="679680" y="4777200"/>
-            <a:ext cx="5436360" cy="3906720"/>
+            <a:ext cx="5436000" cy="3906360"/>
           </a:xfrm>
           <a:prstGeom prst="rect">
             <a:avLst/>
@@ -1074,14 +1210,14 @@
       </p:sp>
       <p:sp>
         <p:nvSpPr>
-          <p:cNvPr id="204" name="슬라이드 번호 개체 틀 3_13"/>
+          <p:cNvPr id="220" name="슬라이드 번호 개체 틀 3_13"/>
           <p:cNvSpPr/>
           <p:nvPr/>
         </p:nvSpPr>
         <p:spPr>
           <a:xfrm>
             <a:off x="3850560" y="9428760"/>
-            <a:ext cx="2943720" cy="496080"/>
+            <a:ext cx="2943360" cy="495720"/>
           </a:xfrm>
           <a:prstGeom prst="rect">
             <a:avLst/>
@@ -1107,7 +1243,495 @@
                 <a:spcPct val="100000"/>
               </a:lnSpc>
             </a:pPr>
-            <a:fld id="{96EFD48E-E7CC-479D-8A21-6AFCB269D24B}" type="slidenum">
+            <a:fld id="{9800AD3B-5080-4156-B59F-442E3B290FF6}" type="slidenum">
+              <a:rPr b="0" lang="en-US" sz="1200" spc="-1" strike="noStrike">
+                <a:solidFill>
+                  <a:srgbClr val="000000"/>
+                </a:solidFill>
+                <a:latin typeface="Noto Serif CJK KR"/>
+              </a:rPr>
+              <a:t>&lt;number&gt;</a:t>
+            </a:fld>
+            <a:endParaRPr b="0" lang="en-US" sz="1200" spc="-1" strike="noStrike">
+              <a:latin typeface="Arial"/>
+            </a:endParaRPr>
+          </a:p>
+        </p:txBody>
+      </p:sp>
+    </p:spTree>
+  </p:cSld>
+</p:notes>
+</file>
+
+<file path=ppt/notesSlides/notesSlide16.xml><?xml version="1.0" encoding="utf-8"?>
+<p:notes xmlns:a="http://schemas.openxmlformats.org/drawingml/2006/main" xmlns:p="http://schemas.openxmlformats.org/presentationml/2006/main" xmlns:r="http://schemas.openxmlformats.org/officeDocument/2006/relationships" xmlns:p14="http://schemas.microsoft.com/office/powerpoint/2010/main" xmlns:p15="http://schemas.microsoft.com/office/powerpoint/2012/main" xmlns:mc="http://schemas.openxmlformats.org/markup-compatibility/2006">
+  <p:cSld>
+    <p:spTree>
+      <p:nvGrpSpPr>
+        <p:cNvPr id="1" name=""/>
+        <p:cNvGrpSpPr/>
+        <p:nvPr/>
+      </p:nvGrpSpPr>
+      <p:grpSpPr>
+        <a:xfrm>
+          <a:off x="0" y="0"/>
+          <a:ext cx="0" cy="0"/>
+          <a:chOff x="0" y="0"/>
+          <a:chExt cx="0" cy="0"/>
+        </a:xfrm>
+      </p:grpSpPr>
+      <p:sp>
+        <p:nvSpPr>
+          <p:cNvPr id="221" name="PlaceHolder 1"/>
+          <p:cNvSpPr>
+            <a:spLocks noGrp="1"/>
+          </p:cNvSpPr>
+          <p:nvPr>
+            <p:ph type="sldImg"/>
+          </p:nvPr>
+        </p:nvSpPr>
+        <p:spPr>
+          <a:xfrm>
+            <a:off x="1030320" y="1241280"/>
+            <a:ext cx="4735080" cy="3347640"/>
+          </a:xfrm>
+          <a:prstGeom prst="rect">
+            <a:avLst/>
+          </a:prstGeom>
+        </p:spPr>
+      </p:sp>
+      <p:sp>
+        <p:nvSpPr>
+          <p:cNvPr id="222" name="PlaceHolder 2"/>
+          <p:cNvSpPr>
+            <a:spLocks noGrp="1"/>
+          </p:cNvSpPr>
+          <p:nvPr>
+            <p:ph type="body"/>
+          </p:nvPr>
+        </p:nvSpPr>
+        <p:spPr>
+          <a:xfrm>
+            <a:off x="679680" y="4777200"/>
+            <a:ext cx="5436000" cy="3906360"/>
+          </a:xfrm>
+          <a:prstGeom prst="rect">
+            <a:avLst/>
+          </a:prstGeom>
+        </p:spPr>
+        <p:txBody>
+          <a:bodyPr lIns="0" rIns="0" tIns="0" bIns="0">
+            <a:noAutofit/>
+          </a:bodyPr>
+          <a:p>
+            <a:endParaRPr b="0" lang="en-US" sz="2000" spc="-1" strike="noStrike">
+              <a:latin typeface="Arial"/>
+            </a:endParaRPr>
+          </a:p>
+        </p:txBody>
+      </p:sp>
+      <p:sp>
+        <p:nvSpPr>
+          <p:cNvPr id="223" name="슬라이드 번호 개체 틀 3_14"/>
+          <p:cNvSpPr/>
+          <p:nvPr/>
+        </p:nvSpPr>
+        <p:spPr>
+          <a:xfrm>
+            <a:off x="3850560" y="9428760"/>
+            <a:ext cx="2943360" cy="495720"/>
+          </a:xfrm>
+          <a:prstGeom prst="rect">
+            <a:avLst/>
+          </a:prstGeom>
+          <a:noFill/>
+          <a:ln w="0">
+            <a:noFill/>
+          </a:ln>
+        </p:spPr>
+        <p:style>
+          <a:lnRef idx="0"/>
+          <a:fillRef idx="0"/>
+          <a:effectRef idx="0"/>
+          <a:fontRef idx="minor"/>
+        </p:style>
+        <p:txBody>
+          <a:bodyPr lIns="90000" rIns="90000" tIns="45000" bIns="45000" anchor="b">
+            <a:noAutofit/>
+          </a:bodyPr>
+          <a:p>
+            <a:pPr algn="r">
+              <a:lnSpc>
+                <a:spcPct val="100000"/>
+              </a:lnSpc>
+            </a:pPr>
+            <a:fld id="{73D40D16-F9DB-4BAB-9F4D-9634AC07E3C6}" type="slidenum">
+              <a:rPr b="0" lang="en-US" sz="1200" spc="-1" strike="noStrike">
+                <a:solidFill>
+                  <a:srgbClr val="000000"/>
+                </a:solidFill>
+                <a:latin typeface="Noto Serif CJK KR"/>
+              </a:rPr>
+              <a:t>&lt;number&gt;</a:t>
+            </a:fld>
+            <a:endParaRPr b="0" lang="en-US" sz="1200" spc="-1" strike="noStrike">
+              <a:latin typeface="Arial"/>
+            </a:endParaRPr>
+          </a:p>
+        </p:txBody>
+      </p:sp>
+    </p:spTree>
+  </p:cSld>
+</p:notes>
+</file>
+
+<file path=ppt/notesSlides/notesSlide17.xml><?xml version="1.0" encoding="utf-8"?>
+<p:notes xmlns:a="http://schemas.openxmlformats.org/drawingml/2006/main" xmlns:p="http://schemas.openxmlformats.org/presentationml/2006/main" xmlns:r="http://schemas.openxmlformats.org/officeDocument/2006/relationships" xmlns:p14="http://schemas.microsoft.com/office/powerpoint/2010/main" xmlns:p15="http://schemas.microsoft.com/office/powerpoint/2012/main" xmlns:mc="http://schemas.openxmlformats.org/markup-compatibility/2006">
+  <p:cSld>
+    <p:spTree>
+      <p:nvGrpSpPr>
+        <p:cNvPr id="1" name=""/>
+        <p:cNvGrpSpPr/>
+        <p:nvPr/>
+      </p:nvGrpSpPr>
+      <p:grpSpPr>
+        <a:xfrm>
+          <a:off x="0" y="0"/>
+          <a:ext cx="0" cy="0"/>
+          <a:chOff x="0" y="0"/>
+          <a:chExt cx="0" cy="0"/>
+        </a:xfrm>
+      </p:grpSpPr>
+      <p:sp>
+        <p:nvSpPr>
+          <p:cNvPr id="224" name="PlaceHolder 1"/>
+          <p:cNvSpPr>
+            <a:spLocks noGrp="1"/>
+          </p:cNvSpPr>
+          <p:nvPr>
+            <p:ph type="sldImg"/>
+          </p:nvPr>
+        </p:nvSpPr>
+        <p:spPr>
+          <a:xfrm>
+            <a:off x="1030320" y="1241280"/>
+            <a:ext cx="4735080" cy="3347640"/>
+          </a:xfrm>
+          <a:prstGeom prst="rect">
+            <a:avLst/>
+          </a:prstGeom>
+        </p:spPr>
+      </p:sp>
+      <p:sp>
+        <p:nvSpPr>
+          <p:cNvPr id="225" name="PlaceHolder 2"/>
+          <p:cNvSpPr>
+            <a:spLocks noGrp="1"/>
+          </p:cNvSpPr>
+          <p:nvPr>
+            <p:ph type="body"/>
+          </p:nvPr>
+        </p:nvSpPr>
+        <p:spPr>
+          <a:xfrm>
+            <a:off x="679680" y="4777200"/>
+            <a:ext cx="5436000" cy="3906360"/>
+          </a:xfrm>
+          <a:prstGeom prst="rect">
+            <a:avLst/>
+          </a:prstGeom>
+        </p:spPr>
+        <p:txBody>
+          <a:bodyPr lIns="0" rIns="0" tIns="0" bIns="0">
+            <a:noAutofit/>
+          </a:bodyPr>
+          <a:p>
+            <a:endParaRPr b="0" lang="en-US" sz="2000" spc="-1" strike="noStrike">
+              <a:latin typeface="Arial"/>
+            </a:endParaRPr>
+          </a:p>
+        </p:txBody>
+      </p:sp>
+      <p:sp>
+        <p:nvSpPr>
+          <p:cNvPr id="226" name="슬라이드 번호 개체 틀 3_15"/>
+          <p:cNvSpPr/>
+          <p:nvPr/>
+        </p:nvSpPr>
+        <p:spPr>
+          <a:xfrm>
+            <a:off x="3850560" y="9428760"/>
+            <a:ext cx="2943360" cy="495720"/>
+          </a:xfrm>
+          <a:prstGeom prst="rect">
+            <a:avLst/>
+          </a:prstGeom>
+          <a:noFill/>
+          <a:ln w="0">
+            <a:noFill/>
+          </a:ln>
+        </p:spPr>
+        <p:style>
+          <a:lnRef idx="0"/>
+          <a:fillRef idx="0"/>
+          <a:effectRef idx="0"/>
+          <a:fontRef idx="minor"/>
+        </p:style>
+        <p:txBody>
+          <a:bodyPr lIns="90000" rIns="90000" tIns="45000" bIns="45000" anchor="b">
+            <a:noAutofit/>
+          </a:bodyPr>
+          <a:p>
+            <a:pPr algn="r">
+              <a:lnSpc>
+                <a:spcPct val="100000"/>
+              </a:lnSpc>
+            </a:pPr>
+            <a:fld id="{6C575429-399D-4A08-8D37-CBC3F9E57D8C}" type="slidenum">
+              <a:rPr b="0" lang="en-US" sz="1200" spc="-1" strike="noStrike">
+                <a:solidFill>
+                  <a:srgbClr val="000000"/>
+                </a:solidFill>
+                <a:latin typeface="Noto Serif CJK KR"/>
+              </a:rPr>
+              <a:t>&lt;number&gt;</a:t>
+            </a:fld>
+            <a:endParaRPr b="0" lang="en-US" sz="1200" spc="-1" strike="noStrike">
+              <a:latin typeface="Arial"/>
+            </a:endParaRPr>
+          </a:p>
+        </p:txBody>
+      </p:sp>
+    </p:spTree>
+  </p:cSld>
+</p:notes>
+</file>
+
+<file path=ppt/notesSlides/notesSlide18.xml><?xml version="1.0" encoding="utf-8"?>
+<p:notes xmlns:a="http://schemas.openxmlformats.org/drawingml/2006/main" xmlns:p="http://schemas.openxmlformats.org/presentationml/2006/main" xmlns:r="http://schemas.openxmlformats.org/officeDocument/2006/relationships" xmlns:p14="http://schemas.microsoft.com/office/powerpoint/2010/main" xmlns:p15="http://schemas.microsoft.com/office/powerpoint/2012/main" xmlns:mc="http://schemas.openxmlformats.org/markup-compatibility/2006">
+  <p:cSld>
+    <p:spTree>
+      <p:nvGrpSpPr>
+        <p:cNvPr id="1" name=""/>
+        <p:cNvGrpSpPr/>
+        <p:nvPr/>
+      </p:nvGrpSpPr>
+      <p:grpSpPr>
+        <a:xfrm>
+          <a:off x="0" y="0"/>
+          <a:ext cx="0" cy="0"/>
+          <a:chOff x="0" y="0"/>
+          <a:chExt cx="0" cy="0"/>
+        </a:xfrm>
+      </p:grpSpPr>
+      <p:sp>
+        <p:nvSpPr>
+          <p:cNvPr id="227" name="PlaceHolder 1"/>
+          <p:cNvSpPr>
+            <a:spLocks noGrp="1"/>
+          </p:cNvSpPr>
+          <p:nvPr>
+            <p:ph type="sldImg"/>
+          </p:nvPr>
+        </p:nvSpPr>
+        <p:spPr>
+          <a:xfrm>
+            <a:off x="1030320" y="1241280"/>
+            <a:ext cx="4735080" cy="3347640"/>
+          </a:xfrm>
+          <a:prstGeom prst="rect">
+            <a:avLst/>
+          </a:prstGeom>
+        </p:spPr>
+      </p:sp>
+      <p:sp>
+        <p:nvSpPr>
+          <p:cNvPr id="228" name="PlaceHolder 2"/>
+          <p:cNvSpPr>
+            <a:spLocks noGrp="1"/>
+          </p:cNvSpPr>
+          <p:nvPr>
+            <p:ph type="body"/>
+          </p:nvPr>
+        </p:nvSpPr>
+        <p:spPr>
+          <a:xfrm>
+            <a:off x="679680" y="4777200"/>
+            <a:ext cx="5436000" cy="3906360"/>
+          </a:xfrm>
+          <a:prstGeom prst="rect">
+            <a:avLst/>
+          </a:prstGeom>
+        </p:spPr>
+        <p:txBody>
+          <a:bodyPr lIns="0" rIns="0" tIns="0" bIns="0">
+            <a:noAutofit/>
+          </a:bodyPr>
+          <a:p>
+            <a:endParaRPr b="0" lang="en-US" sz="2000" spc="-1" strike="noStrike">
+              <a:latin typeface="Arial"/>
+            </a:endParaRPr>
+          </a:p>
+        </p:txBody>
+      </p:sp>
+      <p:sp>
+        <p:nvSpPr>
+          <p:cNvPr id="229" name="슬라이드 번호 개체 틀 3_16"/>
+          <p:cNvSpPr/>
+          <p:nvPr/>
+        </p:nvSpPr>
+        <p:spPr>
+          <a:xfrm>
+            <a:off x="3850560" y="9428760"/>
+            <a:ext cx="2943360" cy="495720"/>
+          </a:xfrm>
+          <a:prstGeom prst="rect">
+            <a:avLst/>
+          </a:prstGeom>
+          <a:noFill/>
+          <a:ln w="0">
+            <a:noFill/>
+          </a:ln>
+        </p:spPr>
+        <p:style>
+          <a:lnRef idx="0"/>
+          <a:fillRef idx="0"/>
+          <a:effectRef idx="0"/>
+          <a:fontRef idx="minor"/>
+        </p:style>
+        <p:txBody>
+          <a:bodyPr lIns="90000" rIns="90000" tIns="45000" bIns="45000" anchor="b">
+            <a:noAutofit/>
+          </a:bodyPr>
+          <a:p>
+            <a:pPr algn="r">
+              <a:lnSpc>
+                <a:spcPct val="100000"/>
+              </a:lnSpc>
+            </a:pPr>
+            <a:fld id="{6389D877-4810-4F23-99BC-7674E3003BBF}" type="slidenum">
+              <a:rPr b="0" lang="en-US" sz="1200" spc="-1" strike="noStrike">
+                <a:solidFill>
+                  <a:srgbClr val="000000"/>
+                </a:solidFill>
+                <a:latin typeface="Noto Serif CJK KR"/>
+              </a:rPr>
+              <a:t>&lt;number&gt;</a:t>
+            </a:fld>
+            <a:endParaRPr b="0" lang="en-US" sz="1200" spc="-1" strike="noStrike">
+              <a:latin typeface="Arial"/>
+            </a:endParaRPr>
+          </a:p>
+        </p:txBody>
+      </p:sp>
+    </p:spTree>
+  </p:cSld>
+</p:notes>
+</file>
+
+<file path=ppt/notesSlides/notesSlide19.xml><?xml version="1.0" encoding="utf-8"?>
+<p:notes xmlns:a="http://schemas.openxmlformats.org/drawingml/2006/main" xmlns:p="http://schemas.openxmlformats.org/presentationml/2006/main" xmlns:r="http://schemas.openxmlformats.org/officeDocument/2006/relationships" xmlns:p14="http://schemas.microsoft.com/office/powerpoint/2010/main" xmlns:p15="http://schemas.microsoft.com/office/powerpoint/2012/main" xmlns:mc="http://schemas.openxmlformats.org/markup-compatibility/2006">
+  <p:cSld>
+    <p:spTree>
+      <p:nvGrpSpPr>
+        <p:cNvPr id="1" name=""/>
+        <p:cNvGrpSpPr/>
+        <p:nvPr/>
+      </p:nvGrpSpPr>
+      <p:grpSpPr>
+        <a:xfrm>
+          <a:off x="0" y="0"/>
+          <a:ext cx="0" cy="0"/>
+          <a:chOff x="0" y="0"/>
+          <a:chExt cx="0" cy="0"/>
+        </a:xfrm>
+      </p:grpSpPr>
+      <p:sp>
+        <p:nvSpPr>
+          <p:cNvPr id="230" name="PlaceHolder 1"/>
+          <p:cNvSpPr>
+            <a:spLocks noGrp="1"/>
+          </p:cNvSpPr>
+          <p:nvPr>
+            <p:ph type="sldImg"/>
+          </p:nvPr>
+        </p:nvSpPr>
+        <p:spPr>
+          <a:xfrm>
+            <a:off x="1030320" y="1241280"/>
+            <a:ext cx="4735080" cy="3347640"/>
+          </a:xfrm>
+          <a:prstGeom prst="rect">
+            <a:avLst/>
+          </a:prstGeom>
+        </p:spPr>
+      </p:sp>
+      <p:sp>
+        <p:nvSpPr>
+          <p:cNvPr id="231" name="PlaceHolder 2"/>
+          <p:cNvSpPr>
+            <a:spLocks noGrp="1"/>
+          </p:cNvSpPr>
+          <p:nvPr>
+            <p:ph type="body"/>
+          </p:nvPr>
+        </p:nvSpPr>
+        <p:spPr>
+          <a:xfrm>
+            <a:off x="679680" y="4777200"/>
+            <a:ext cx="5436000" cy="3906360"/>
+          </a:xfrm>
+          <a:prstGeom prst="rect">
+            <a:avLst/>
+          </a:prstGeom>
+        </p:spPr>
+        <p:txBody>
+          <a:bodyPr lIns="0" rIns="0" tIns="0" bIns="0">
+            <a:noAutofit/>
+          </a:bodyPr>
+          <a:p>
+            <a:endParaRPr b="0" lang="en-US" sz="2000" spc="-1" strike="noStrike">
+              <a:latin typeface="Arial"/>
+            </a:endParaRPr>
+          </a:p>
+        </p:txBody>
+      </p:sp>
+      <p:sp>
+        <p:nvSpPr>
+          <p:cNvPr id="232" name="슬라이드 번호 개체 틀 3_17"/>
+          <p:cNvSpPr/>
+          <p:nvPr/>
+        </p:nvSpPr>
+        <p:spPr>
+          <a:xfrm>
+            <a:off x="3850560" y="9428760"/>
+            <a:ext cx="2943360" cy="495720"/>
+          </a:xfrm>
+          <a:prstGeom prst="rect">
+            <a:avLst/>
+          </a:prstGeom>
+          <a:noFill/>
+          <a:ln w="0">
+            <a:noFill/>
+          </a:ln>
+        </p:spPr>
+        <p:style>
+          <a:lnRef idx="0"/>
+          <a:fillRef idx="0"/>
+          <a:effectRef idx="0"/>
+          <a:fontRef idx="minor"/>
+        </p:style>
+        <p:txBody>
+          <a:bodyPr lIns="90000" rIns="90000" tIns="45000" bIns="45000" anchor="b">
+            <a:noAutofit/>
+          </a:bodyPr>
+          <a:p>
+            <a:pPr algn="r">
+              <a:lnSpc>
+                <a:spcPct val="100000"/>
+              </a:lnSpc>
+            </a:pPr>
+            <a:fld id="{AB46011C-3926-4D23-A14D-D8D285779564}" type="slidenum">
               <a:rPr b="0" lang="en-US" sz="1200" spc="-1" strike="noStrike">
                 <a:solidFill>
                   <a:srgbClr val="000000"/>
@@ -1146,7 +1770,7 @@
       </p:grpSpPr>
       <p:sp>
         <p:nvSpPr>
-          <p:cNvPr id="163" name="PlaceHolder 1"/>
+          <p:cNvPr id="179" name="PlaceHolder 1"/>
           <p:cNvSpPr>
             <a:spLocks noGrp="1"/>
           </p:cNvSpPr>
@@ -1157,16 +1781,16 @@
         <p:spPr>
           <a:xfrm>
             <a:off x="1030320" y="1241280"/>
-            <a:ext cx="4735440" cy="3348000"/>
-          </a:xfrm>
-          <a:prstGeom prst="rect">
-            <a:avLst/>
-          </a:prstGeom>
-        </p:spPr>
-      </p:sp>
-      <p:sp>
-        <p:nvSpPr>
-          <p:cNvPr id="164" name="PlaceHolder 2"/>
+            <a:ext cx="4735080" cy="3347640"/>
+          </a:xfrm>
+          <a:prstGeom prst="rect">
+            <a:avLst/>
+          </a:prstGeom>
+        </p:spPr>
+      </p:sp>
+      <p:sp>
+        <p:nvSpPr>
+          <p:cNvPr id="180" name="PlaceHolder 2"/>
           <p:cNvSpPr>
             <a:spLocks noGrp="1"/>
           </p:cNvSpPr>
@@ -1177,7 +1801,7 @@
         <p:spPr>
           <a:xfrm>
             <a:off x="679680" y="4777200"/>
-            <a:ext cx="5436360" cy="3906720"/>
+            <a:ext cx="5436000" cy="3906360"/>
           </a:xfrm>
           <a:prstGeom prst="rect">
             <a:avLst/>
@@ -1196,14 +1820,14 @@
       </p:sp>
       <p:sp>
         <p:nvSpPr>
-          <p:cNvPr id="165" name="슬라이드 번호 개체 틀 3_0"/>
+          <p:cNvPr id="181" name="슬라이드 번호 개체 틀 3_0"/>
           <p:cNvSpPr/>
           <p:nvPr/>
         </p:nvSpPr>
         <p:spPr>
           <a:xfrm>
             <a:off x="3850560" y="9428760"/>
-            <a:ext cx="2943720" cy="496080"/>
+            <a:ext cx="2943360" cy="495720"/>
           </a:xfrm>
           <a:prstGeom prst="rect">
             <a:avLst/>
@@ -1229,7 +1853,7 @@
                 <a:spcPct val="100000"/>
               </a:lnSpc>
             </a:pPr>
-            <a:fld id="{DC771CDE-FA40-4021-B0EA-D74F2119BDBA}" type="slidenum">
+            <a:fld id="{015A83A0-C99E-4723-8326-4F9F90589A70}" type="slidenum">
               <a:rPr b="0" lang="en-US" sz="1200" spc="-1" strike="noStrike">
                 <a:solidFill>
                   <a:srgbClr val="000000"/>
@@ -1268,7 +1892,7 @@
       </p:grpSpPr>
       <p:sp>
         <p:nvSpPr>
-          <p:cNvPr id="166" name="PlaceHolder 1"/>
+          <p:cNvPr id="182" name="PlaceHolder 1"/>
           <p:cNvSpPr>
             <a:spLocks noGrp="1"/>
           </p:cNvSpPr>
@@ -1279,16 +1903,16 @@
         <p:spPr>
           <a:xfrm>
             <a:off x="1030320" y="1241280"/>
-            <a:ext cx="4735440" cy="3348000"/>
-          </a:xfrm>
-          <a:prstGeom prst="rect">
-            <a:avLst/>
-          </a:prstGeom>
-        </p:spPr>
-      </p:sp>
-      <p:sp>
-        <p:nvSpPr>
-          <p:cNvPr id="167" name="PlaceHolder 2"/>
+            <a:ext cx="4735080" cy="3347640"/>
+          </a:xfrm>
+          <a:prstGeom prst="rect">
+            <a:avLst/>
+          </a:prstGeom>
+        </p:spPr>
+      </p:sp>
+      <p:sp>
+        <p:nvSpPr>
+          <p:cNvPr id="183" name="PlaceHolder 2"/>
           <p:cNvSpPr>
             <a:spLocks noGrp="1"/>
           </p:cNvSpPr>
@@ -1299,7 +1923,7 @@
         <p:spPr>
           <a:xfrm>
             <a:off x="679680" y="4777200"/>
-            <a:ext cx="5436360" cy="3906720"/>
+            <a:ext cx="5436000" cy="3906360"/>
           </a:xfrm>
           <a:prstGeom prst="rect">
             <a:avLst/>
@@ -1318,14 +1942,14 @@
       </p:sp>
       <p:sp>
         <p:nvSpPr>
-          <p:cNvPr id="168" name="슬라이드 번호 개체 틀 3_3"/>
+          <p:cNvPr id="184" name="슬라이드 번호 개체 틀 3_3"/>
           <p:cNvSpPr/>
           <p:nvPr/>
         </p:nvSpPr>
         <p:spPr>
           <a:xfrm>
             <a:off x="3850560" y="9428760"/>
-            <a:ext cx="2943720" cy="496080"/>
+            <a:ext cx="2943360" cy="495720"/>
           </a:xfrm>
           <a:prstGeom prst="rect">
             <a:avLst/>
@@ -1351,7 +1975,7 @@
                 <a:spcPct val="100000"/>
               </a:lnSpc>
             </a:pPr>
-            <a:fld id="{22558BD8-271E-4B72-B498-AC18CDF29E66}" type="slidenum">
+            <a:fld id="{092DB717-05A2-458D-8E30-C32592943D9C}" type="slidenum">
               <a:rPr b="0" lang="en-US" sz="1200" spc="-1" strike="noStrike">
                 <a:solidFill>
                   <a:srgbClr val="000000"/>
@@ -1390,7 +2014,7 @@
       </p:grpSpPr>
       <p:sp>
         <p:nvSpPr>
-          <p:cNvPr id="169" name="PlaceHolder 1"/>
+          <p:cNvPr id="185" name="PlaceHolder 1"/>
           <p:cNvSpPr>
             <a:spLocks noGrp="1"/>
           </p:cNvSpPr>
@@ -1401,16 +2025,16 @@
         <p:spPr>
           <a:xfrm>
             <a:off x="1030320" y="1241280"/>
-            <a:ext cx="4735440" cy="3348000"/>
-          </a:xfrm>
-          <a:prstGeom prst="rect">
-            <a:avLst/>
-          </a:prstGeom>
-        </p:spPr>
-      </p:sp>
-      <p:sp>
-        <p:nvSpPr>
-          <p:cNvPr id="170" name="PlaceHolder 2"/>
+            <a:ext cx="4735080" cy="3347640"/>
+          </a:xfrm>
+          <a:prstGeom prst="rect">
+            <a:avLst/>
+          </a:prstGeom>
+        </p:spPr>
+      </p:sp>
+      <p:sp>
+        <p:nvSpPr>
+          <p:cNvPr id="186" name="PlaceHolder 2"/>
           <p:cNvSpPr>
             <a:spLocks noGrp="1"/>
           </p:cNvSpPr>
@@ -1421,7 +2045,7 @@
         <p:spPr>
           <a:xfrm>
             <a:off x="679680" y="4777200"/>
-            <a:ext cx="5436360" cy="3906720"/>
+            <a:ext cx="5436000" cy="3906360"/>
           </a:xfrm>
           <a:prstGeom prst="rect">
             <a:avLst/>
@@ -1440,14 +2064,14 @@
       </p:sp>
       <p:sp>
         <p:nvSpPr>
-          <p:cNvPr id="171" name="슬라이드 번호 개체 틀 3_1"/>
+          <p:cNvPr id="187" name="슬라이드 번호 개체 틀 3_1"/>
           <p:cNvSpPr/>
           <p:nvPr/>
         </p:nvSpPr>
         <p:spPr>
           <a:xfrm>
             <a:off x="3850560" y="9428760"/>
-            <a:ext cx="2943720" cy="496080"/>
+            <a:ext cx="2943360" cy="495720"/>
           </a:xfrm>
           <a:prstGeom prst="rect">
             <a:avLst/>
@@ -1473,7 +2097,7 @@
                 <a:spcPct val="100000"/>
               </a:lnSpc>
             </a:pPr>
-            <a:fld id="{AA622764-125F-4DB1-8037-9F78AA323276}" type="slidenum">
+            <a:fld id="{6ECC2DB7-66FF-4EFD-B3FE-832D2F934ABB}" type="slidenum">
               <a:rPr b="0" lang="en-US" sz="1200" spc="-1" strike="noStrike">
                 <a:solidFill>
                   <a:srgbClr val="000000"/>
@@ -1512,7 +2136,7 @@
       </p:grpSpPr>
       <p:sp>
         <p:nvSpPr>
-          <p:cNvPr id="172" name="PlaceHolder 1"/>
+          <p:cNvPr id="188" name="PlaceHolder 1"/>
           <p:cNvSpPr>
             <a:spLocks noGrp="1"/>
           </p:cNvSpPr>
@@ -1523,16 +2147,16 @@
         <p:spPr>
           <a:xfrm>
             <a:off x="1030320" y="1241280"/>
-            <a:ext cx="4735440" cy="3348000"/>
-          </a:xfrm>
-          <a:prstGeom prst="rect">
-            <a:avLst/>
-          </a:prstGeom>
-        </p:spPr>
-      </p:sp>
-      <p:sp>
-        <p:nvSpPr>
-          <p:cNvPr id="173" name="PlaceHolder 2"/>
+            <a:ext cx="4735080" cy="3347640"/>
+          </a:xfrm>
+          <a:prstGeom prst="rect">
+            <a:avLst/>
+          </a:prstGeom>
+        </p:spPr>
+      </p:sp>
+      <p:sp>
+        <p:nvSpPr>
+          <p:cNvPr id="189" name="PlaceHolder 2"/>
           <p:cNvSpPr>
             <a:spLocks noGrp="1"/>
           </p:cNvSpPr>
@@ -1543,7 +2167,7 @@
         <p:spPr>
           <a:xfrm>
             <a:off x="679680" y="4777200"/>
-            <a:ext cx="5436360" cy="3906720"/>
+            <a:ext cx="5436000" cy="3906360"/>
           </a:xfrm>
           <a:prstGeom prst="rect">
             <a:avLst/>
@@ -1562,14 +2186,14 @@
       </p:sp>
       <p:sp>
         <p:nvSpPr>
-          <p:cNvPr id="174" name="슬라이드 번호 개체 틀 3_2"/>
+          <p:cNvPr id="190" name="슬라이드 번호 개체 틀 3_2"/>
           <p:cNvSpPr/>
           <p:nvPr/>
         </p:nvSpPr>
         <p:spPr>
           <a:xfrm>
             <a:off x="3850560" y="9428760"/>
-            <a:ext cx="2943720" cy="496080"/>
+            <a:ext cx="2943360" cy="495720"/>
           </a:xfrm>
           <a:prstGeom prst="rect">
             <a:avLst/>
@@ -1595,7 +2219,7 @@
                 <a:spcPct val="100000"/>
               </a:lnSpc>
             </a:pPr>
-            <a:fld id="{69A92A17-C2DE-4896-A58A-3DE35A158E2C}" type="slidenum">
+            <a:fld id="{55407E58-5812-4E7D-921F-386E637BA458}" type="slidenum">
               <a:rPr b="0" lang="en-US" sz="1200" spc="-1" strike="noStrike">
                 <a:solidFill>
                   <a:srgbClr val="000000"/>
@@ -1634,7 +2258,7 @@
       </p:grpSpPr>
       <p:sp>
         <p:nvSpPr>
-          <p:cNvPr id="175" name="PlaceHolder 1"/>
+          <p:cNvPr id="191" name="PlaceHolder 1"/>
           <p:cNvSpPr>
             <a:spLocks noGrp="1"/>
           </p:cNvSpPr>
@@ -1645,16 +2269,16 @@
         <p:spPr>
           <a:xfrm>
             <a:off x="1030320" y="1241280"/>
-            <a:ext cx="4735440" cy="3348000"/>
-          </a:xfrm>
-          <a:prstGeom prst="rect">
-            <a:avLst/>
-          </a:prstGeom>
-        </p:spPr>
-      </p:sp>
-      <p:sp>
-        <p:nvSpPr>
-          <p:cNvPr id="176" name="PlaceHolder 2"/>
+            <a:ext cx="4735080" cy="3347640"/>
+          </a:xfrm>
+          <a:prstGeom prst="rect">
+            <a:avLst/>
+          </a:prstGeom>
+        </p:spPr>
+      </p:sp>
+      <p:sp>
+        <p:nvSpPr>
+          <p:cNvPr id="192" name="PlaceHolder 2"/>
           <p:cNvSpPr>
             <a:spLocks noGrp="1"/>
           </p:cNvSpPr>
@@ -1665,7 +2289,7 @@
         <p:spPr>
           <a:xfrm>
             <a:off x="679680" y="4777200"/>
-            <a:ext cx="5436360" cy="3906720"/>
+            <a:ext cx="5436000" cy="3906360"/>
           </a:xfrm>
           <a:prstGeom prst="rect">
             <a:avLst/>
@@ -1684,14 +2308,14 @@
       </p:sp>
       <p:sp>
         <p:nvSpPr>
-          <p:cNvPr id="177" name="슬라이드 번호 개체 틀 3_4"/>
+          <p:cNvPr id="193" name="슬라이드 번호 개체 틀 3_4"/>
           <p:cNvSpPr/>
           <p:nvPr/>
         </p:nvSpPr>
         <p:spPr>
           <a:xfrm>
             <a:off x="3850560" y="9428760"/>
-            <a:ext cx="2943720" cy="496080"/>
+            <a:ext cx="2943360" cy="495720"/>
           </a:xfrm>
           <a:prstGeom prst="rect">
             <a:avLst/>
@@ -1717,7 +2341,7 @@
                 <a:spcPct val="100000"/>
               </a:lnSpc>
             </a:pPr>
-            <a:fld id="{C1284D8C-1571-4A6F-9D50-B106D459CCBB}" type="slidenum">
+            <a:fld id="{D976E8C6-7D22-443D-BBF4-69CC5B1D9BF4}" type="slidenum">
               <a:rPr b="0" lang="en-US" sz="1200" spc="-1" strike="noStrike">
                 <a:solidFill>
                   <a:srgbClr val="000000"/>
@@ -1756,7 +2380,7 @@
       </p:grpSpPr>
       <p:sp>
         <p:nvSpPr>
-          <p:cNvPr id="178" name="PlaceHolder 1"/>
+          <p:cNvPr id="194" name="PlaceHolder 1"/>
           <p:cNvSpPr>
             <a:spLocks noGrp="1"/>
           </p:cNvSpPr>
@@ -1767,16 +2391,16 @@
         <p:spPr>
           <a:xfrm>
             <a:off x="1030320" y="1241280"/>
-            <a:ext cx="4735440" cy="3348000"/>
-          </a:xfrm>
-          <a:prstGeom prst="rect">
-            <a:avLst/>
-          </a:prstGeom>
-        </p:spPr>
-      </p:sp>
-      <p:sp>
-        <p:nvSpPr>
-          <p:cNvPr id="179" name="PlaceHolder 2"/>
+            <a:ext cx="4735080" cy="3347640"/>
+          </a:xfrm>
+          <a:prstGeom prst="rect">
+            <a:avLst/>
+          </a:prstGeom>
+        </p:spPr>
+      </p:sp>
+      <p:sp>
+        <p:nvSpPr>
+          <p:cNvPr id="195" name="PlaceHolder 2"/>
           <p:cNvSpPr>
             <a:spLocks noGrp="1"/>
           </p:cNvSpPr>
@@ -1787,7 +2411,7 @@
         <p:spPr>
           <a:xfrm>
             <a:off x="679680" y="4777200"/>
-            <a:ext cx="5436360" cy="3906720"/>
+            <a:ext cx="5436000" cy="3906360"/>
           </a:xfrm>
           <a:prstGeom prst="rect">
             <a:avLst/>
@@ -1806,14 +2430,14 @@
       </p:sp>
       <p:sp>
         <p:nvSpPr>
-          <p:cNvPr id="180" name="슬라이드 번호 개체 틀 3_5"/>
+          <p:cNvPr id="196" name="슬라이드 번호 개체 틀 3_5"/>
           <p:cNvSpPr/>
           <p:nvPr/>
         </p:nvSpPr>
         <p:spPr>
           <a:xfrm>
             <a:off x="3850560" y="9428760"/>
-            <a:ext cx="2943720" cy="496080"/>
+            <a:ext cx="2943360" cy="495720"/>
           </a:xfrm>
           <a:prstGeom prst="rect">
             <a:avLst/>
@@ -1839,7 +2463,7 @@
                 <a:spcPct val="100000"/>
               </a:lnSpc>
             </a:pPr>
-            <a:fld id="{78DF626A-90EF-4885-A96D-F172B94BE4A3}" type="slidenum">
+            <a:fld id="{0F07B6B8-141F-40A0-914D-2EBD9519A5C8}" type="slidenum">
               <a:rPr b="0" lang="en-US" sz="1200" spc="-1" strike="noStrike">
                 <a:solidFill>
                   <a:srgbClr val="000000"/>
@@ -1878,7 +2502,7 @@
       </p:grpSpPr>
       <p:sp>
         <p:nvSpPr>
-          <p:cNvPr id="181" name="PlaceHolder 1"/>
+          <p:cNvPr id="197" name="PlaceHolder 1"/>
           <p:cNvSpPr>
             <a:spLocks noGrp="1"/>
           </p:cNvSpPr>
@@ -1889,16 +2513,16 @@
         <p:spPr>
           <a:xfrm>
             <a:off x="1030320" y="1241280"/>
-            <a:ext cx="4735440" cy="3348000"/>
-          </a:xfrm>
-          <a:prstGeom prst="rect">
-            <a:avLst/>
-          </a:prstGeom>
-        </p:spPr>
-      </p:sp>
-      <p:sp>
-        <p:nvSpPr>
-          <p:cNvPr id="182" name="PlaceHolder 2"/>
+            <a:ext cx="4735080" cy="3347640"/>
+          </a:xfrm>
+          <a:prstGeom prst="rect">
+            <a:avLst/>
+          </a:prstGeom>
+        </p:spPr>
+      </p:sp>
+      <p:sp>
+        <p:nvSpPr>
+          <p:cNvPr id="198" name="PlaceHolder 2"/>
           <p:cNvSpPr>
             <a:spLocks noGrp="1"/>
           </p:cNvSpPr>
@@ -1909,7 +2533,7 @@
         <p:spPr>
           <a:xfrm>
             <a:off x="679680" y="4777200"/>
-            <a:ext cx="5436360" cy="3906720"/>
+            <a:ext cx="5436000" cy="3906360"/>
           </a:xfrm>
           <a:prstGeom prst="rect">
             <a:avLst/>
@@ -1928,14 +2552,14 @@
       </p:sp>
       <p:sp>
         <p:nvSpPr>
-          <p:cNvPr id="183" name="슬라이드 번호 개체 틀 3_6"/>
+          <p:cNvPr id="199" name="슬라이드 번호 개체 틀 3_6"/>
           <p:cNvSpPr/>
           <p:nvPr/>
         </p:nvSpPr>
         <p:spPr>
           <a:xfrm>
             <a:off x="3850560" y="9428760"/>
-            <a:ext cx="2943720" cy="496080"/>
+            <a:ext cx="2943360" cy="495720"/>
           </a:xfrm>
           <a:prstGeom prst="rect">
             <a:avLst/>
@@ -1961,7 +2585,7 @@
                 <a:spcPct val="100000"/>
               </a:lnSpc>
             </a:pPr>
-            <a:fld id="{663F7EA5-D89A-443C-82B1-6CD0F7226BC0}" type="slidenum">
+            <a:fld id="{525E1593-C2BC-45D9-AFE8-E8BD5320443C}" type="slidenum">
               <a:rPr b="0" lang="en-US" sz="1200" spc="-1" strike="noStrike">
                 <a:solidFill>
                   <a:srgbClr val="000000"/>
@@ -2000,7 +2624,7 @@
       </p:grpSpPr>
       <p:sp>
         <p:nvSpPr>
-          <p:cNvPr id="184" name="PlaceHolder 1"/>
+          <p:cNvPr id="200" name="PlaceHolder 1"/>
           <p:cNvSpPr>
             <a:spLocks noGrp="1"/>
           </p:cNvSpPr>
@@ -2011,16 +2635,16 @@
         <p:spPr>
           <a:xfrm>
             <a:off x="1030320" y="1241280"/>
-            <a:ext cx="4735440" cy="3348000"/>
-          </a:xfrm>
-          <a:prstGeom prst="rect">
-            <a:avLst/>
-          </a:prstGeom>
-        </p:spPr>
-      </p:sp>
-      <p:sp>
-        <p:nvSpPr>
-          <p:cNvPr id="185" name="PlaceHolder 2"/>
+            <a:ext cx="4735080" cy="3347640"/>
+          </a:xfrm>
+          <a:prstGeom prst="rect">
+            <a:avLst/>
+          </a:prstGeom>
+        </p:spPr>
+      </p:sp>
+      <p:sp>
+        <p:nvSpPr>
+          <p:cNvPr id="201" name="PlaceHolder 2"/>
           <p:cNvSpPr>
             <a:spLocks noGrp="1"/>
           </p:cNvSpPr>
@@ -2031,7 +2655,7 @@
         <p:spPr>
           <a:xfrm>
             <a:off x="679680" y="4777200"/>
-            <a:ext cx="5436360" cy="3906720"/>
+            <a:ext cx="5436000" cy="3906360"/>
           </a:xfrm>
           <a:prstGeom prst="rect">
             <a:avLst/>
@@ -2050,14 +2674,14 @@
       </p:sp>
       <p:sp>
         <p:nvSpPr>
-          <p:cNvPr id="186" name="슬라이드 번호 개체 틀 3_7"/>
+          <p:cNvPr id="202" name="슬라이드 번호 개체 틀 3_7"/>
           <p:cNvSpPr/>
           <p:nvPr/>
         </p:nvSpPr>
         <p:spPr>
           <a:xfrm>
             <a:off x="3850560" y="9428760"/>
-            <a:ext cx="2943720" cy="496080"/>
+            <a:ext cx="2943360" cy="495720"/>
           </a:xfrm>
           <a:prstGeom prst="rect">
             <a:avLst/>
@@ -2083,7 +2707,7 @@
                 <a:spcPct val="100000"/>
               </a:lnSpc>
             </a:pPr>
-            <a:fld id="{D698E3B0-7AE1-4824-8A0A-F8CC02F4A6EC}" type="slidenum">
+            <a:fld id="{507F9686-CAD8-41BA-B5E2-0FA4F729E108}" type="slidenum">
               <a:rPr b="0" lang="en-US" sz="1200" spc="-1" strike="noStrike">
                 <a:solidFill>
                   <a:srgbClr val="000000"/>
@@ -5163,13 +5787,13 @@
         </p:nvPicPr>
         <p:blipFill>
           <a:blip r:embed="rId2"/>
-          <a:srcRect l="0" t="28843" r="0" b="35549"/>
+          <a:srcRect l="0" t="28840" r="0" b="35545"/>
           <a:stretch/>
         </p:blipFill>
         <p:spPr>
           <a:xfrm>
             <a:off x="166680" y="7096320"/>
-            <a:ext cx="973080" cy="402480"/>
+            <a:ext cx="972720" cy="402120"/>
           </a:xfrm>
           <a:prstGeom prst="rect">
             <a:avLst/>
@@ -5502,7 +6126,7 @@
         <p:spPr>
           <a:xfrm>
             <a:off x="9293760" y="-686880"/>
-            <a:ext cx="1258200" cy="310320"/>
+            <a:ext cx="1257840" cy="309960"/>
           </a:xfrm>
           <a:prstGeom prst="rect">
             <a:avLst/>
@@ -5563,7 +6187,7 @@
         <p:spPr>
           <a:xfrm>
             <a:off x="7698600" y="-686880"/>
-            <a:ext cx="1258200" cy="310320"/>
+            <a:ext cx="1257840" cy="309960"/>
           </a:xfrm>
           <a:prstGeom prst="rect">
             <a:avLst/>
@@ -5624,7 +6248,7 @@
         <p:spPr>
           <a:xfrm>
             <a:off x="6103800" y="-686880"/>
-            <a:ext cx="1258200" cy="310320"/>
+            <a:ext cx="1257840" cy="309960"/>
           </a:xfrm>
           <a:prstGeom prst="rect">
             <a:avLst/>
@@ -5685,7 +6309,7 @@
         <p:spPr>
           <a:xfrm>
             <a:off x="9293760" y="-1301400"/>
-            <a:ext cx="1258200" cy="310320"/>
+            <a:ext cx="1257840" cy="309960"/>
           </a:xfrm>
           <a:prstGeom prst="rect">
             <a:avLst/>
@@ -5746,7 +6370,7 @@
         <p:spPr>
           <a:xfrm>
             <a:off x="7724520" y="-1301400"/>
-            <a:ext cx="1258200" cy="310320"/>
+            <a:ext cx="1257840" cy="309960"/>
           </a:xfrm>
           <a:prstGeom prst="rect">
             <a:avLst/>
@@ -5807,7 +6431,7 @@
         <p:spPr>
           <a:xfrm>
             <a:off x="6129720" y="-1301400"/>
-            <a:ext cx="1258200" cy="310320"/>
+            <a:ext cx="1257840" cy="309960"/>
           </a:xfrm>
           <a:prstGeom prst="rect">
             <a:avLst/>
@@ -5868,7 +6492,7 @@
         <p:spPr>
           <a:xfrm>
             <a:off x="4533120" y="-686880"/>
-            <a:ext cx="1258200" cy="310320"/>
+            <a:ext cx="1257840" cy="309960"/>
           </a:xfrm>
           <a:prstGeom prst="rect">
             <a:avLst/>
@@ -5929,7 +6553,7 @@
         <p:spPr>
           <a:xfrm>
             <a:off x="4559040" y="-1301400"/>
-            <a:ext cx="1258200" cy="310320"/>
+            <a:ext cx="1257840" cy="309960"/>
           </a:xfrm>
           <a:prstGeom prst="rect">
             <a:avLst/>
@@ -5990,7 +6614,7 @@
         <p:spPr>
           <a:xfrm>
             <a:off x="8016480" y="5586120"/>
-            <a:ext cx="2552760" cy="1531800"/>
+            <a:ext cx="2552400" cy="1531800"/>
           </a:xfrm>
           <a:prstGeom prst="rect">
             <a:avLst/>
@@ -6130,13 +6754,13 @@
         </p:nvPicPr>
         <p:blipFill>
           <a:blip r:embed="rId1"/>
-          <a:srcRect l="0" t="25872" r="0" b="33967"/>
+          <a:srcRect l="0" t="25869" r="0" b="33963"/>
           <a:stretch/>
         </p:blipFill>
         <p:spPr>
           <a:xfrm>
             <a:off x="1797120" y="1799640"/>
-            <a:ext cx="6926400" cy="2778120"/>
+            <a:ext cx="6926040" cy="2777760"/>
           </a:xfrm>
           <a:prstGeom prst="rect">
             <a:avLst/>
@@ -6155,7 +6779,7 @@
         <p:spPr>
           <a:xfrm>
             <a:off x="3397680" y="4579560"/>
-            <a:ext cx="3725640" cy="577080"/>
+            <a:ext cx="3725280" cy="577080"/>
           </a:xfrm>
           <a:prstGeom prst="rect">
             <a:avLst/>
@@ -6256,7 +6880,7 @@
         <p:spPr>
           <a:xfrm>
             <a:off x="621000" y="849240"/>
-            <a:ext cx="9818280" cy="5578200"/>
+            <a:ext cx="9817920" cy="5578200"/>
           </a:xfrm>
           <a:prstGeom prst="rect">
             <a:avLst/>
@@ -6517,7 +7141,7 @@
         <p:spPr>
           <a:xfrm>
             <a:off x="4668120" y="7177320"/>
-            <a:ext cx="953640" cy="272160"/>
+            <a:ext cx="953280" cy="272160"/>
           </a:xfrm>
           <a:prstGeom prst="rect">
             <a:avLst/>
@@ -6568,7 +7192,7 @@
         <p:spPr>
           <a:xfrm>
             <a:off x="327600" y="45000"/>
-            <a:ext cx="4654800" cy="546480"/>
+            <a:ext cx="4654440" cy="546480"/>
           </a:xfrm>
           <a:prstGeom prst="rect">
             <a:avLst/>
@@ -6659,7 +7283,7 @@
         <p:spPr>
           <a:xfrm>
             <a:off x="621000" y="849240"/>
-            <a:ext cx="9818280" cy="5118480"/>
+            <a:ext cx="9817920" cy="5118120"/>
           </a:xfrm>
           <a:prstGeom prst="rect">
             <a:avLst/>
@@ -7060,7 +7684,7 @@
         <p:spPr>
           <a:xfrm>
             <a:off x="4668120" y="7177320"/>
-            <a:ext cx="953640" cy="272160"/>
+            <a:ext cx="953280" cy="272160"/>
           </a:xfrm>
           <a:prstGeom prst="rect">
             <a:avLst/>
@@ -7111,7 +7735,7 @@
         <p:spPr>
           <a:xfrm>
             <a:off x="327600" y="45000"/>
-            <a:ext cx="4654800" cy="546480"/>
+            <a:ext cx="4654440" cy="546480"/>
           </a:xfrm>
           <a:prstGeom prst="rect">
             <a:avLst/>
@@ -7176,7 +7800,7 @@
         <p:spPr>
           <a:xfrm>
             <a:off x="720000" y="1980000"/>
-            <a:ext cx="6990480" cy="1751760"/>
+            <a:ext cx="6990120" cy="1751400"/>
           </a:xfrm>
           <a:prstGeom prst="rect">
             <a:avLst/>
@@ -7199,7 +7823,7 @@
         <p:spPr>
           <a:xfrm>
             <a:off x="720000" y="4500000"/>
-            <a:ext cx="6962040" cy="1856520"/>
+            <a:ext cx="6961680" cy="1856160"/>
           </a:xfrm>
           <a:prstGeom prst="rect">
             <a:avLst/>
@@ -7248,7 +7872,7 @@
         <p:spPr>
           <a:xfrm>
             <a:off x="621000" y="849240"/>
-            <a:ext cx="9818280" cy="5118480"/>
+            <a:ext cx="9817920" cy="5118120"/>
           </a:xfrm>
           <a:prstGeom prst="rect">
             <a:avLst/>
@@ -7649,7 +8273,7 @@
         <p:spPr>
           <a:xfrm>
             <a:off x="4668120" y="7177320"/>
-            <a:ext cx="953640" cy="272160"/>
+            <a:ext cx="953280" cy="272160"/>
           </a:xfrm>
           <a:prstGeom prst="rect">
             <a:avLst/>
@@ -7700,7 +8324,7 @@
         <p:spPr>
           <a:xfrm>
             <a:off x="327600" y="45000"/>
-            <a:ext cx="4654800" cy="546480"/>
+            <a:ext cx="4654440" cy="546480"/>
           </a:xfrm>
           <a:prstGeom prst="rect">
             <a:avLst/>
@@ -7765,7 +8389,7 @@
         <p:spPr>
           <a:xfrm>
             <a:off x="720000" y="1980000"/>
-            <a:ext cx="6990480" cy="1751760"/>
+            <a:ext cx="6990120" cy="1751400"/>
           </a:xfrm>
           <a:prstGeom prst="rect">
             <a:avLst/>
@@ -7788,7 +8412,7 @@
         <p:spPr>
           <a:xfrm>
             <a:off x="720000" y="4500000"/>
-            <a:ext cx="6962040" cy="1856520"/>
+            <a:ext cx="6961680" cy="1856160"/>
           </a:xfrm>
           <a:prstGeom prst="rect">
             <a:avLst/>
@@ -7837,7 +8461,7 @@
         <p:spPr>
           <a:xfrm>
             <a:off x="621000" y="849240"/>
-            <a:ext cx="9818280" cy="4903200"/>
+            <a:ext cx="9817920" cy="6827760"/>
           </a:xfrm>
           <a:prstGeom prst="rect">
             <a:avLst/>
@@ -8238,7 +8862,7 @@
         <p:spPr>
           <a:xfrm>
             <a:off x="4668120" y="7177320"/>
-            <a:ext cx="953640" cy="272160"/>
+            <a:ext cx="953280" cy="272160"/>
           </a:xfrm>
           <a:prstGeom prst="rect">
             <a:avLst/>
@@ -8289,7 +8913,7 @@
         <p:spPr>
           <a:xfrm>
             <a:off x="327600" y="45000"/>
-            <a:ext cx="4654800" cy="546480"/>
+            <a:ext cx="4654440" cy="546480"/>
           </a:xfrm>
           <a:prstGeom prst="rect">
             <a:avLst/>
@@ -8354,7 +8978,7 @@
         <p:spPr>
           <a:xfrm>
             <a:off x="720000" y="2160000"/>
-            <a:ext cx="6972120" cy="3180960"/>
+            <a:ext cx="6971760" cy="3180600"/>
           </a:xfrm>
           <a:prstGeom prst="rect">
             <a:avLst/>
@@ -8403,7 +9027,7 @@
         <p:spPr>
           <a:xfrm>
             <a:off x="621000" y="849240"/>
-            <a:ext cx="9818280" cy="4489920"/>
+            <a:ext cx="9817920" cy="4078080"/>
           </a:xfrm>
           <a:prstGeom prst="rect">
             <a:avLst/>
@@ -8754,7 +9378,7 @@
         <p:spPr>
           <a:xfrm>
             <a:off x="4668120" y="7177320"/>
-            <a:ext cx="953640" cy="272160"/>
+            <a:ext cx="953280" cy="272160"/>
           </a:xfrm>
           <a:prstGeom prst="rect">
             <a:avLst/>
@@ -8805,7 +9429,7 @@
         <p:spPr>
           <a:xfrm>
             <a:off x="327600" y="45000"/>
-            <a:ext cx="4654800" cy="546480"/>
+            <a:ext cx="4654440" cy="546480"/>
           </a:xfrm>
           <a:prstGeom prst="rect">
             <a:avLst/>
@@ -8870,7 +9494,7 @@
         <p:spPr>
           <a:xfrm>
             <a:off x="720000" y="1507680"/>
-            <a:ext cx="6981480" cy="3352320"/>
+            <a:ext cx="6981120" cy="3351960"/>
           </a:xfrm>
           <a:prstGeom prst="rect">
             <a:avLst/>
@@ -8918,8 +9542,8 @@
         </p:nvSpPr>
         <p:spPr>
           <a:xfrm>
-            <a:off x="621000" y="900000"/>
-            <a:ext cx="9818280" cy="6714720"/>
+            <a:off x="622080" y="540000"/>
+            <a:ext cx="9817920" cy="6851520"/>
           </a:xfrm>
           <a:prstGeom prst="rect">
             <a:avLst/>
@@ -9003,7 +9627,7 @@
                 <a:latin typeface="현대하모니 L"/>
                 <a:ea typeface="현대하모니 L"/>
               </a:rPr>
-              <a:t>바이트 크기를 가지는 정수형 데이터 타입이며 숫자의 범위는 </a:t>
+              <a:t>바이트 크기의 부호 가지는 정수형 데이터 타입이며 숫자의 범위는 </a:t>
             </a:r>
             <a:r>
               <a:rPr b="0" lang="en-US" sz="2000" spc="-1" strike="noStrike">
@@ -9455,6 +10079,16 @@
                 <a:spcPct val="100000"/>
               </a:lnSpc>
             </a:pPr>
+            <a:endParaRPr b="0" lang="en-US" sz="1100" spc="-1" strike="noStrike">
+              <a:latin typeface="Arial"/>
+            </a:endParaRPr>
+          </a:p>
+          <a:p>
+            <a:pPr>
+              <a:lnSpc>
+                <a:spcPct val="100000"/>
+              </a:lnSpc>
+            </a:pPr>
             <a:r>
               <a:rPr b="0" lang="ko-KR" sz="1100" spc="-1" strike="noStrike">
                 <a:solidFill>
@@ -9555,26 +10189,6 @@
               </a:rPr>
               <a:t>. </a:t>
             </a:r>
-            <a:r>
-              <a:rPr b="0" lang="ko-KR" sz="1100" spc="-1" strike="noStrike">
-                <a:solidFill>
-                  <a:srgbClr val="000000"/>
-                </a:solidFill>
-                <a:latin typeface="Arial"/>
-                <a:ea typeface="DejaVu Sans"/>
-              </a:rPr>
-              <a:t>왜 이런 차이가 날까</a:t>
-            </a:r>
-            <a:r>
-              <a:rPr b="0" lang="en-US" sz="1100" spc="-1" strike="noStrike">
-                <a:solidFill>
-                  <a:srgbClr val="000000"/>
-                </a:solidFill>
-                <a:latin typeface="Arial"/>
-                <a:ea typeface="DejaVu Sans"/>
-              </a:rPr>
-              <a:t>?</a:t>
-            </a:r>
             <a:endParaRPr b="0" lang="en-US" sz="1100" spc="-1" strike="noStrike">
               <a:latin typeface="Arial"/>
             </a:endParaRPr>
@@ -9585,96 +10199,6 @@
                 <a:spcPct val="100000"/>
               </a:lnSpc>
             </a:pPr>
-            <a:r>
-              <a:rPr b="0" lang="ko-KR" sz="1100" spc="-1" strike="noStrike">
-                <a:solidFill>
-                  <a:srgbClr val="000000"/>
-                </a:solidFill>
-                <a:latin typeface="Arial"/>
-                <a:ea typeface="DejaVu Sans"/>
-              </a:rPr>
-              <a:t>사실 부호라는것은 사람이 인식하기에 편하기 위해 최상위비트 </a:t>
-            </a:r>
-            <a:r>
-              <a:rPr b="0" lang="en-US" sz="1100" spc="-1" strike="noStrike">
-                <a:solidFill>
-                  <a:srgbClr val="000000"/>
-                </a:solidFill>
-                <a:latin typeface="Arial"/>
-                <a:ea typeface="DejaVu Sans"/>
-              </a:rPr>
-              <a:t>1</a:t>
-            </a:r>
-            <a:r>
-              <a:rPr b="0" lang="ko-KR" sz="1100" spc="-1" strike="noStrike">
-                <a:solidFill>
-                  <a:srgbClr val="000000"/>
-                </a:solidFill>
-                <a:latin typeface="Arial"/>
-                <a:ea typeface="DejaVu Sans"/>
-              </a:rPr>
-              <a:t>비트를 부호로 정한것이다</a:t>
-            </a:r>
-            <a:r>
-              <a:rPr b="0" lang="en-US" sz="1100" spc="-1" strike="noStrike">
-                <a:solidFill>
-                  <a:srgbClr val="000000"/>
-                </a:solidFill>
-                <a:latin typeface="Arial"/>
-                <a:ea typeface="DejaVu Sans"/>
-              </a:rPr>
-              <a:t>. </a:t>
-            </a:r>
-            <a:endParaRPr b="0" lang="en-US" sz="1100" spc="-1" strike="noStrike">
-              <a:latin typeface="Arial"/>
-            </a:endParaRPr>
-          </a:p>
-          <a:p>
-            <a:pPr>
-              <a:lnSpc>
-                <a:spcPct val="100000"/>
-              </a:lnSpc>
-            </a:pPr>
-            <a:r>
-              <a:rPr b="0" lang="ko-KR" sz="1100" spc="-1" strike="noStrike">
-                <a:solidFill>
-                  <a:srgbClr val="000000"/>
-                </a:solidFill>
-                <a:latin typeface="Arial"/>
-                <a:ea typeface="DejaVu Sans"/>
-              </a:rPr>
-              <a:t>컴퓨터에는 단순히 데이터가 저장 되어있을 뿐이며 이를 어떻게 해석할지를 프로그래밍 언어가 제공해준다</a:t>
-            </a:r>
-            <a:r>
-              <a:rPr b="0" lang="en-US" sz="1100" spc="-1" strike="noStrike">
-                <a:solidFill>
-                  <a:srgbClr val="000000"/>
-                </a:solidFill>
-                <a:latin typeface="Arial"/>
-                <a:ea typeface="DejaVu Sans"/>
-              </a:rPr>
-              <a:t>. </a:t>
-            </a:r>
-            <a:r>
-              <a:rPr b="0" lang="ko-KR" sz="1100" spc="-1" strike="noStrike">
-                <a:solidFill>
-                  <a:srgbClr val="000000"/>
-                </a:solidFill>
-                <a:latin typeface="Arial"/>
-                <a:ea typeface="DejaVu Sans"/>
-              </a:rPr>
-              <a:t>따라서 똑같은 데이터라 할지라도 데이터 타입을 어떻게 선언하는지에 따라 인식하 되는 값이 달라진다</a:t>
-            </a:r>
-            <a:r>
-              <a:rPr b="0" lang="en-US" sz="1100" spc="-1" strike="noStrike">
-                <a:solidFill>
-                  <a:srgbClr val="000000"/>
-                </a:solidFill>
-                <a:latin typeface="Arial"/>
-                <a:ea typeface="DejaVu Sans"/>
-              </a:rPr>
-              <a:t>.</a:t>
-            </a:r>
             <a:endParaRPr b="0" lang="en-US" sz="1100" spc="-1" strike="noStrike">
               <a:latin typeface="Arial"/>
             </a:endParaRPr>
@@ -9740,7 +10264,7 @@
         <p:spPr>
           <a:xfrm>
             <a:off x="4668120" y="7177320"/>
-            <a:ext cx="953640" cy="272160"/>
+            <a:ext cx="953280" cy="272160"/>
           </a:xfrm>
           <a:prstGeom prst="rect">
             <a:avLst/>
@@ -9791,7 +10315,7 @@
         <p:spPr>
           <a:xfrm>
             <a:off x="327600" y="45000"/>
-            <a:ext cx="4654800" cy="546480"/>
+            <a:ext cx="4654440" cy="546480"/>
           </a:xfrm>
           <a:prstGeom prst="rect">
             <a:avLst/>
@@ -9856,7 +10380,7 @@
         <p:spPr>
           <a:xfrm>
             <a:off x="720000" y="1800000"/>
-            <a:ext cx="7412760" cy="1800000"/>
+            <a:ext cx="7412400" cy="1799640"/>
           </a:xfrm>
           <a:prstGeom prst="rect">
             <a:avLst/>
@@ -9879,7 +10403,7 @@
         <p:spPr>
           <a:xfrm>
             <a:off x="720000" y="4320000"/>
-            <a:ext cx="6962400" cy="1752120"/>
+            <a:ext cx="6962040" cy="1751760"/>
           </a:xfrm>
           <a:prstGeom prst="rect">
             <a:avLst/>
@@ -9889,6 +10413,2660 @@
           </a:ln>
         </p:spPr>
       </p:pic>
+    </p:spTree>
+  </p:cSld>
+  <mc:AlternateContent>
+    <mc:Choice Requires="p14">
+      <p:transition spd="slow" p14:dur="2000"/>
+    </mc:Choice>
+    <mc:Fallback>
+      <p:transition spd="slow"/>
+    </mc:Fallback>
+  </mc:AlternateContent>
+</p:sld>
+</file>
+
+<file path=ppt/slides/slide16.xml><?xml version="1.0" encoding="utf-8"?>
+<p:sld xmlns:a="http://schemas.openxmlformats.org/drawingml/2006/main" xmlns:p="http://schemas.openxmlformats.org/presentationml/2006/main" xmlns:r="http://schemas.openxmlformats.org/officeDocument/2006/relationships" xmlns:p14="http://schemas.microsoft.com/office/powerpoint/2010/main" xmlns:p15="http://schemas.microsoft.com/office/powerpoint/2012/main" xmlns:mc="http://schemas.openxmlformats.org/markup-compatibility/2006">
+  <p:cSld>
+    <p:spTree>
+      <p:nvGrpSpPr>
+        <p:cNvPr id="1" name=""/>
+        <p:cNvGrpSpPr/>
+        <p:nvPr/>
+      </p:nvGrpSpPr>
+      <p:grpSpPr>
+        <a:xfrm>
+          <a:off x="0" y="0"/>
+          <a:ext cx="0" cy="0"/>
+          <a:chOff x="0" y="0"/>
+          <a:chExt cx="0" cy="0"/>
+        </a:xfrm>
+      </p:grpSpPr>
+      <p:sp>
+        <p:nvSpPr>
+          <p:cNvPr id="160" name="TextBox 21_14"/>
+          <p:cNvSpPr/>
+          <p:nvPr/>
+        </p:nvSpPr>
+        <p:spPr>
+          <a:xfrm>
+            <a:off x="621000" y="849240"/>
+            <a:ext cx="9817920" cy="5129640"/>
+          </a:xfrm>
+          <a:prstGeom prst="rect">
+            <a:avLst/>
+          </a:prstGeom>
+          <a:noFill/>
+          <a:ln w="0">
+            <a:noFill/>
+          </a:ln>
+        </p:spPr>
+        <p:style>
+          <a:lnRef idx="0"/>
+          <a:fillRef idx="0"/>
+          <a:effectRef idx="0"/>
+          <a:fontRef idx="minor"/>
+        </p:style>
+        <p:txBody>
+          <a:bodyPr lIns="90000" rIns="90000" tIns="45000" bIns="45000">
+            <a:spAutoFit/>
+          </a:bodyPr>
+          <a:p>
+            <a:pPr>
+              <a:lnSpc>
+                <a:spcPct val="100000"/>
+              </a:lnSpc>
+            </a:pPr>
+            <a:r>
+              <a:rPr b="0" lang="en-US" sz="2000" spc="-1" strike="noStrike">
+                <a:solidFill>
+                  <a:srgbClr val="000000"/>
+                </a:solidFill>
+                <a:latin typeface="현대하모니 L"/>
+                <a:ea typeface="현대하모니 L"/>
+              </a:rPr>
+              <a:t> </a:t>
+            </a:r>
+            <a:r>
+              <a:rPr b="0" lang="en-US" sz="2000" spc="-1" strike="noStrike">
+                <a:solidFill>
+                  <a:srgbClr val="000000"/>
+                </a:solidFill>
+                <a:latin typeface="현대하모니 L"/>
+                <a:ea typeface="현대하모니 L"/>
+              </a:rPr>
+              <a:t>2) </a:t>
+            </a:r>
+            <a:r>
+              <a:rPr b="0" lang="en-US" sz="2000" spc="-1" strike="noStrike">
+                <a:solidFill>
+                  <a:srgbClr val="000000"/>
+                </a:solidFill>
+                <a:latin typeface="현대하모니 L"/>
+                <a:ea typeface="현대하모니 L"/>
+              </a:rPr>
+              <a:t>Char</a:t>
+            </a:r>
+            <a:endParaRPr b="0" lang="en-US" sz="2000" spc="-1" strike="noStrike">
+              <a:latin typeface="Arial"/>
+            </a:endParaRPr>
+          </a:p>
+          <a:p>
+            <a:pPr>
+              <a:lnSpc>
+                <a:spcPct val="100000"/>
+              </a:lnSpc>
+            </a:pPr>
+            <a:endParaRPr b="0" lang="en-US" sz="2000" spc="-1" strike="noStrike">
+              <a:latin typeface="Arial"/>
+            </a:endParaRPr>
+          </a:p>
+          <a:p>
+            <a:pPr>
+              <a:lnSpc>
+                <a:spcPct val="100000"/>
+              </a:lnSpc>
+            </a:pPr>
+            <a:r>
+              <a:rPr b="0" lang="en-US" sz="2000" spc="-1" strike="noStrike">
+                <a:solidFill>
+                  <a:srgbClr val="000000"/>
+                </a:solidFill>
+                <a:latin typeface="현대하모니 L"/>
+                <a:ea typeface="현대하모니 L"/>
+              </a:rPr>
+              <a:t>1</a:t>
+            </a:r>
+            <a:r>
+              <a:rPr b="0" lang="ko-KR" sz="2000" spc="-1" strike="noStrike">
+                <a:solidFill>
+                  <a:srgbClr val="000000"/>
+                </a:solidFill>
+                <a:latin typeface="현대하모니 L"/>
+                <a:ea typeface="현대하모니 L"/>
+              </a:rPr>
+              <a:t>바이트 </a:t>
+            </a:r>
+            <a:r>
+              <a:rPr b="0" lang="ko-KR" sz="2000" spc="-1" strike="noStrike">
+                <a:solidFill>
+                  <a:srgbClr val="000000"/>
+                </a:solidFill>
+                <a:latin typeface="현대하모니 L"/>
+                <a:ea typeface="현대하모니 L"/>
+              </a:rPr>
+              <a:t>크기의 </a:t>
+            </a:r>
+            <a:r>
+              <a:rPr b="0" lang="ko-KR" sz="2000" spc="-1" strike="noStrike">
+                <a:solidFill>
+                  <a:srgbClr val="000000"/>
+                </a:solidFill>
+                <a:latin typeface="현대하모니 L"/>
+                <a:ea typeface="현대하모니 L"/>
+              </a:rPr>
+              <a:t>부호 </a:t>
+            </a:r>
+            <a:r>
+              <a:rPr b="0" lang="ko-KR" sz="2000" spc="-1" strike="noStrike">
+                <a:solidFill>
+                  <a:srgbClr val="000000"/>
+                </a:solidFill>
+                <a:latin typeface="현대하모니 L"/>
+                <a:ea typeface="현대하모니 L"/>
+              </a:rPr>
+              <a:t>가지는 </a:t>
+            </a:r>
+            <a:r>
+              <a:rPr b="0" lang="ko-KR" sz="2000" spc="-1" strike="noStrike">
+                <a:solidFill>
+                  <a:srgbClr val="000000"/>
+                </a:solidFill>
+                <a:latin typeface="현대하모니 L"/>
+                <a:ea typeface="현대하모니 L"/>
+              </a:rPr>
+              <a:t>정수형 </a:t>
+            </a:r>
+            <a:r>
+              <a:rPr b="0" lang="ko-KR" sz="2000" spc="-1" strike="noStrike">
+                <a:solidFill>
+                  <a:srgbClr val="000000"/>
+                </a:solidFill>
+                <a:latin typeface="현대하모니 L"/>
+                <a:ea typeface="현대하모니 L"/>
+              </a:rPr>
+              <a:t>데이터</a:t>
+            </a:r>
+            <a:r>
+              <a:rPr b="0" lang="ko-KR" sz="2000" spc="-1" strike="noStrike">
+                <a:solidFill>
+                  <a:srgbClr val="000000"/>
+                </a:solidFill>
+                <a:latin typeface="현대하모니 L"/>
+                <a:ea typeface="현대하모니 L"/>
+              </a:rPr>
+              <a:t>타입이</a:t>
+            </a:r>
+            <a:r>
+              <a:rPr b="0" lang="ko-KR" sz="2000" spc="-1" strike="noStrike">
+                <a:solidFill>
+                  <a:srgbClr val="000000"/>
+                </a:solidFill>
+                <a:latin typeface="현대하모니 L"/>
+                <a:ea typeface="현대하모니 L"/>
+              </a:rPr>
+              <a:t>며 </a:t>
+            </a:r>
+            <a:r>
+              <a:rPr b="0" lang="ko-KR" sz="2000" spc="-1" strike="noStrike">
+                <a:solidFill>
+                  <a:srgbClr val="000000"/>
+                </a:solidFill>
+                <a:latin typeface="현대하모니 L"/>
+                <a:ea typeface="현대하모니 L"/>
+              </a:rPr>
+              <a:t>정수 </a:t>
+            </a:r>
+            <a:r>
+              <a:rPr b="0" lang="ko-KR" sz="2000" spc="-1" strike="noStrike">
+                <a:solidFill>
+                  <a:srgbClr val="000000"/>
+                </a:solidFill>
+                <a:latin typeface="현대하모니 L"/>
+                <a:ea typeface="현대하모니 L"/>
+              </a:rPr>
+              <a:t>범위는 </a:t>
+            </a:r>
+            <a:r>
+              <a:rPr b="0" lang="en-US" sz="2000" spc="-1" strike="noStrike">
+                <a:solidFill>
+                  <a:srgbClr val="000000"/>
+                </a:solidFill>
+                <a:latin typeface="현대하모니 L"/>
+                <a:ea typeface="현대하모니 L"/>
+              </a:rPr>
+              <a:t>-2^7 </a:t>
+            </a:r>
+            <a:r>
+              <a:rPr b="0" lang="en-US" sz="2000" spc="-1" strike="noStrike">
+                <a:solidFill>
+                  <a:srgbClr val="000000"/>
+                </a:solidFill>
+                <a:latin typeface="현대하모니 L"/>
+                <a:ea typeface="현대하모니 L"/>
+              </a:rPr>
+              <a:t>~ </a:t>
+            </a:r>
+            <a:r>
+              <a:rPr b="0" lang="en-US" sz="2000" spc="-1" strike="noStrike">
+                <a:solidFill>
+                  <a:srgbClr val="000000"/>
+                </a:solidFill>
+                <a:latin typeface="현대하모니 L"/>
+                <a:ea typeface="현대하모니 L"/>
+              </a:rPr>
+              <a:t>2^7 – </a:t>
+            </a:r>
+            <a:r>
+              <a:rPr b="0" lang="en-US" sz="2000" spc="-1" strike="noStrike">
+                <a:solidFill>
+                  <a:srgbClr val="000000"/>
+                </a:solidFill>
+                <a:latin typeface="현대하모니 L"/>
+                <a:ea typeface="현대하모니 L"/>
+              </a:rPr>
+              <a:t>1 </a:t>
+            </a:r>
+            <a:r>
+              <a:rPr b="0" lang="ko-KR" sz="2000" spc="-1" strike="noStrike">
+                <a:solidFill>
+                  <a:srgbClr val="000000"/>
+                </a:solidFill>
+                <a:latin typeface="현대하모니 L"/>
+                <a:ea typeface="현대하모니 L"/>
+              </a:rPr>
+              <a:t>이</a:t>
+            </a:r>
+            <a:r>
+              <a:rPr b="0" lang="ko-KR" sz="2000" spc="-1" strike="noStrike">
+                <a:solidFill>
+                  <a:srgbClr val="000000"/>
+                </a:solidFill>
+                <a:latin typeface="현대하모니 L"/>
+                <a:ea typeface="현대하모니 L"/>
+              </a:rPr>
+              <a:t>다</a:t>
+            </a:r>
+            <a:r>
+              <a:rPr b="0" lang="en-US" sz="2000" spc="-1" strike="noStrike">
+                <a:solidFill>
+                  <a:srgbClr val="000000"/>
+                </a:solidFill>
+                <a:latin typeface="현대하모니 L"/>
+                <a:ea typeface="현대하모니 L"/>
+              </a:rPr>
+              <a:t>.</a:t>
+            </a:r>
+            <a:endParaRPr b="0" lang="en-US" sz="2000" spc="-1" strike="noStrike">
+              <a:latin typeface="Arial"/>
+            </a:endParaRPr>
+          </a:p>
+          <a:p>
+            <a:pPr>
+              <a:lnSpc>
+                <a:spcPct val="100000"/>
+              </a:lnSpc>
+            </a:pPr>
+            <a:endParaRPr b="0" lang="en-US" sz="2000" spc="-1" strike="noStrike">
+              <a:latin typeface="Arial"/>
+            </a:endParaRPr>
+          </a:p>
+          <a:p>
+            <a:pPr>
+              <a:lnSpc>
+                <a:spcPct val="100000"/>
+              </a:lnSpc>
+            </a:pPr>
+            <a:r>
+              <a:rPr b="0" lang="en-US" sz="2000" spc="-1" strike="noStrike">
+                <a:solidFill>
+                  <a:srgbClr val="000000"/>
+                </a:solidFill>
+                <a:latin typeface="현대하모니 L"/>
+                <a:ea typeface="현대하모니 L"/>
+              </a:rPr>
+              <a:t> </a:t>
+            </a:r>
+            <a:endParaRPr b="0" lang="en-US" sz="2000" spc="-1" strike="noStrike">
+              <a:latin typeface="Arial"/>
+            </a:endParaRPr>
+          </a:p>
+          <a:p>
+            <a:pPr>
+              <a:lnSpc>
+                <a:spcPct val="100000"/>
+              </a:lnSpc>
+            </a:pPr>
+            <a:endParaRPr b="0" lang="en-US" sz="2000" spc="-1" strike="noStrike">
+              <a:latin typeface="Arial"/>
+            </a:endParaRPr>
+          </a:p>
+          <a:p>
+            <a:pPr>
+              <a:lnSpc>
+                <a:spcPct val="100000"/>
+              </a:lnSpc>
+            </a:pPr>
+            <a:endParaRPr b="0" lang="en-US" sz="2000" spc="-1" strike="noStrike">
+              <a:latin typeface="Arial"/>
+            </a:endParaRPr>
+          </a:p>
+          <a:p>
+            <a:pPr>
+              <a:lnSpc>
+                <a:spcPct val="100000"/>
+              </a:lnSpc>
+            </a:pPr>
+            <a:endParaRPr b="0" lang="en-US" sz="2000" spc="-1" strike="noStrike">
+              <a:latin typeface="Arial"/>
+            </a:endParaRPr>
+          </a:p>
+          <a:p>
+            <a:pPr>
+              <a:lnSpc>
+                <a:spcPct val="100000"/>
+              </a:lnSpc>
+            </a:pPr>
+            <a:endParaRPr b="0" lang="en-US" sz="2000" spc="-1" strike="noStrike">
+              <a:latin typeface="Arial"/>
+            </a:endParaRPr>
+          </a:p>
+          <a:p>
+            <a:pPr>
+              <a:lnSpc>
+                <a:spcPct val="100000"/>
+              </a:lnSpc>
+            </a:pPr>
+            <a:endParaRPr b="0" lang="en-US" sz="2000" spc="-1" strike="noStrike">
+              <a:latin typeface="Arial"/>
+            </a:endParaRPr>
+          </a:p>
+          <a:p>
+            <a:pPr>
+              <a:lnSpc>
+                <a:spcPct val="100000"/>
+              </a:lnSpc>
+            </a:pPr>
+            <a:endParaRPr b="0" lang="en-US" sz="2000" spc="-1" strike="noStrike">
+              <a:latin typeface="Arial"/>
+            </a:endParaRPr>
+          </a:p>
+          <a:p>
+            <a:pPr>
+              <a:lnSpc>
+                <a:spcPct val="100000"/>
+              </a:lnSpc>
+            </a:pPr>
+            <a:endParaRPr b="0" lang="en-US" sz="2000" spc="-1" strike="noStrike">
+              <a:latin typeface="Arial"/>
+            </a:endParaRPr>
+          </a:p>
+          <a:p>
+            <a:pPr>
+              <a:lnSpc>
+                <a:spcPct val="100000"/>
+              </a:lnSpc>
+            </a:pPr>
+            <a:endParaRPr b="0" lang="en-US" sz="2000" spc="-1" strike="noStrike">
+              <a:latin typeface="Arial"/>
+            </a:endParaRPr>
+          </a:p>
+          <a:p>
+            <a:pPr>
+              <a:lnSpc>
+                <a:spcPct val="100000"/>
+              </a:lnSpc>
+            </a:pPr>
+            <a:r>
+              <a:rPr b="0" lang="en-US" sz="1100" spc="-1" strike="noStrike">
+                <a:solidFill>
+                  <a:srgbClr val="000000"/>
+                </a:solidFill>
+                <a:latin typeface="Arial"/>
+                <a:ea typeface="DejaVu Sans"/>
+              </a:rPr>
+              <a:t>Char </a:t>
+            </a:r>
+            <a:r>
+              <a:rPr b="0" lang="ko-KR" sz="1100" spc="-1" strike="noStrike">
+                <a:solidFill>
+                  <a:srgbClr val="000000"/>
+                </a:solidFill>
+                <a:latin typeface="Arial"/>
+                <a:ea typeface="DejaVu Sans"/>
+              </a:rPr>
+              <a:t>형 </a:t>
+            </a:r>
+            <a:r>
+              <a:rPr b="0" lang="ko-KR" sz="1100" spc="-1" strike="noStrike">
+                <a:solidFill>
+                  <a:srgbClr val="000000"/>
+                </a:solidFill>
+                <a:latin typeface="Arial"/>
+                <a:ea typeface="DejaVu Sans"/>
+              </a:rPr>
+              <a:t>데이터타입</a:t>
+            </a:r>
+            <a:r>
+              <a:rPr b="0" lang="ko-KR" sz="1100" spc="-1" strike="noStrike">
+                <a:solidFill>
+                  <a:srgbClr val="000000"/>
+                </a:solidFill>
+                <a:latin typeface="Arial"/>
+                <a:ea typeface="DejaVu Sans"/>
+              </a:rPr>
+              <a:t>의 최대값과 </a:t>
+            </a:r>
+            <a:r>
+              <a:rPr b="0" lang="ko-KR" sz="1100" spc="-1" strike="noStrike">
+                <a:solidFill>
+                  <a:srgbClr val="000000"/>
+                </a:solidFill>
+                <a:latin typeface="Arial"/>
+                <a:ea typeface="DejaVu Sans"/>
+              </a:rPr>
+              <a:t>최솟값을 </a:t>
+            </a:r>
+            <a:r>
+              <a:rPr b="0" lang="ko-KR" sz="1100" spc="-1" strike="noStrike">
+                <a:solidFill>
+                  <a:srgbClr val="000000"/>
+                </a:solidFill>
+                <a:latin typeface="Arial"/>
+                <a:ea typeface="DejaVu Sans"/>
+              </a:rPr>
+              <a:t>확인해보면 </a:t>
+            </a:r>
+            <a:r>
+              <a:rPr b="0" lang="en-US" sz="1100" spc="-1" strike="noStrike">
+                <a:solidFill>
+                  <a:srgbClr val="000000"/>
+                </a:solidFill>
+                <a:latin typeface="Arial"/>
+                <a:ea typeface="DejaVu Sans"/>
+              </a:rPr>
+              <a:t>-</a:t>
+            </a:r>
+            <a:r>
+              <a:rPr b="0" lang="en-US" sz="1100" spc="-1" strike="noStrike">
+                <a:solidFill>
+                  <a:srgbClr val="000000"/>
+                </a:solidFill>
+                <a:latin typeface="Arial"/>
+                <a:ea typeface="DejaVu Sans"/>
+              </a:rPr>
+              <a:t>2^7, 2^7 – 1 </a:t>
+            </a:r>
+            <a:r>
+              <a:rPr b="0" lang="ko-KR" sz="1100" spc="-1" strike="noStrike">
+                <a:solidFill>
+                  <a:srgbClr val="000000"/>
+                </a:solidFill>
+                <a:latin typeface="Arial"/>
+                <a:ea typeface="DejaVu Sans"/>
+              </a:rPr>
+              <a:t>인것을 </a:t>
+            </a:r>
+            <a:r>
+              <a:rPr b="0" lang="ko-KR" sz="1100" spc="-1" strike="noStrike">
+                <a:solidFill>
+                  <a:srgbClr val="000000"/>
+                </a:solidFill>
+                <a:latin typeface="Arial"/>
+                <a:ea typeface="DejaVu Sans"/>
+              </a:rPr>
+              <a:t>확인해 볼 수 </a:t>
+            </a:r>
+            <a:r>
+              <a:rPr b="0" lang="ko-KR" sz="1100" spc="-1" strike="noStrike">
+                <a:solidFill>
+                  <a:srgbClr val="000000"/>
+                </a:solidFill>
+                <a:latin typeface="Arial"/>
+                <a:ea typeface="DejaVu Sans"/>
+              </a:rPr>
+              <a:t>있다</a:t>
+            </a:r>
+            <a:r>
+              <a:rPr b="0" lang="en-US" sz="1100" spc="-1" strike="noStrike">
+                <a:solidFill>
+                  <a:srgbClr val="000000"/>
+                </a:solidFill>
+                <a:latin typeface="Arial"/>
+                <a:ea typeface="DejaVu Sans"/>
+              </a:rPr>
+              <a:t>.</a:t>
+            </a:r>
+            <a:endParaRPr b="0" lang="en-US" sz="1100" spc="-1" strike="noStrike">
+              <a:latin typeface="Arial"/>
+            </a:endParaRPr>
+          </a:p>
+          <a:p>
+            <a:pPr>
+              <a:lnSpc>
+                <a:spcPct val="100000"/>
+              </a:lnSpc>
+            </a:pPr>
+            <a:endParaRPr b="0" lang="en-US" sz="1100" spc="-1" strike="noStrike">
+              <a:latin typeface="Arial"/>
+            </a:endParaRPr>
+          </a:p>
+          <a:p>
+            <a:pPr>
+              <a:lnSpc>
+                <a:spcPct val="100000"/>
+              </a:lnSpc>
+            </a:pPr>
+            <a:endParaRPr b="0" lang="en-US" sz="1100" spc="-1" strike="noStrike">
+              <a:latin typeface="Arial"/>
+            </a:endParaRPr>
+          </a:p>
+          <a:p>
+            <a:pPr>
+              <a:lnSpc>
+                <a:spcPct val="100000"/>
+              </a:lnSpc>
+            </a:pPr>
+            <a:endParaRPr b="0" lang="en-US" sz="1100" spc="-1" strike="noStrike">
+              <a:latin typeface="Arial"/>
+            </a:endParaRPr>
+          </a:p>
+          <a:p>
+            <a:pPr>
+              <a:lnSpc>
+                <a:spcPct val="100000"/>
+              </a:lnSpc>
+            </a:pPr>
+            <a:endParaRPr b="0" lang="en-US" sz="1100" spc="-1" strike="noStrike">
+              <a:latin typeface="Arial"/>
+            </a:endParaRPr>
+          </a:p>
+          <a:p>
+            <a:pPr>
+              <a:lnSpc>
+                <a:spcPct val="100000"/>
+              </a:lnSpc>
+            </a:pPr>
+            <a:endParaRPr b="0" lang="en-US" sz="1100" spc="-1" strike="noStrike">
+              <a:latin typeface="Arial"/>
+            </a:endParaRPr>
+          </a:p>
+          <a:p>
+            <a:pPr>
+              <a:lnSpc>
+                <a:spcPct val="100000"/>
+              </a:lnSpc>
+            </a:pPr>
+            <a:endParaRPr b="0" lang="en-US" sz="1100" spc="-1" strike="noStrike">
+              <a:latin typeface="Arial"/>
+            </a:endParaRPr>
+          </a:p>
+          <a:p>
+            <a:pPr>
+              <a:lnSpc>
+                <a:spcPct val="100000"/>
+              </a:lnSpc>
+            </a:pPr>
+            <a:endParaRPr b="0" lang="en-US" sz="1100" spc="-1" strike="noStrike">
+              <a:latin typeface="Arial"/>
+            </a:endParaRPr>
+          </a:p>
+          <a:p>
+            <a:pPr>
+              <a:lnSpc>
+                <a:spcPct val="100000"/>
+              </a:lnSpc>
+            </a:pPr>
+            <a:endParaRPr b="0" lang="en-US" sz="1100" spc="-1" strike="noStrike">
+              <a:latin typeface="Arial"/>
+            </a:endParaRPr>
+          </a:p>
+          <a:p>
+            <a:pPr>
+              <a:lnSpc>
+                <a:spcPct val="100000"/>
+              </a:lnSpc>
+            </a:pPr>
+            <a:endParaRPr b="0" lang="en-US" sz="1100" spc="-1" strike="noStrike">
+              <a:latin typeface="Arial"/>
+            </a:endParaRPr>
+          </a:p>
+          <a:p>
+            <a:pPr>
+              <a:lnSpc>
+                <a:spcPct val="100000"/>
+              </a:lnSpc>
+            </a:pPr>
+            <a:endParaRPr b="0" lang="en-US" sz="1100" spc="-1" strike="noStrike">
+              <a:latin typeface="Arial"/>
+            </a:endParaRPr>
+          </a:p>
+          <a:p>
+            <a:pPr>
+              <a:lnSpc>
+                <a:spcPct val="100000"/>
+              </a:lnSpc>
+            </a:pPr>
+            <a:endParaRPr b="0" lang="en-US" sz="1100" spc="-1" strike="noStrike">
+              <a:latin typeface="Arial"/>
+            </a:endParaRPr>
+          </a:p>
+          <a:p>
+            <a:pPr>
+              <a:lnSpc>
+                <a:spcPct val="100000"/>
+              </a:lnSpc>
+            </a:pPr>
+            <a:endParaRPr b="0" lang="en-US" sz="1100" spc="-1" strike="noStrike">
+              <a:latin typeface="Arial"/>
+            </a:endParaRPr>
+          </a:p>
+        </p:txBody>
+      </p:sp>
+      <p:sp>
+        <p:nvSpPr>
+          <p:cNvPr id="161" name="TextBox 1_14"/>
+          <p:cNvSpPr/>
+          <p:nvPr/>
+        </p:nvSpPr>
+        <p:spPr>
+          <a:xfrm>
+            <a:off x="4668120" y="7177320"/>
+            <a:ext cx="953280" cy="272160"/>
+          </a:xfrm>
+          <a:prstGeom prst="rect">
+            <a:avLst/>
+          </a:prstGeom>
+          <a:noFill/>
+          <a:ln w="0">
+            <a:noFill/>
+          </a:ln>
+        </p:spPr>
+        <p:style>
+          <a:lnRef idx="0"/>
+          <a:fillRef idx="0"/>
+          <a:effectRef idx="0"/>
+          <a:fontRef idx="minor"/>
+        </p:style>
+        <p:txBody>
+          <a:bodyPr lIns="90000" rIns="90000" tIns="45000" bIns="45000">
+            <a:spAutoFit/>
+          </a:bodyPr>
+          <a:p>
+            <a:pPr algn="ctr">
+              <a:lnSpc>
+                <a:spcPct val="100000"/>
+              </a:lnSpc>
+            </a:pPr>
+            <a:r>
+              <a:rPr b="0" lang="en-US" sz="1200" spc="-1" strike="noStrike">
+                <a:solidFill>
+                  <a:srgbClr val="000000"/>
+                </a:solidFill>
+                <a:latin typeface="현대하모니 L"/>
+                <a:ea typeface="현대하모니 L"/>
+              </a:rPr>
+              <a:t>00/00</a:t>
+            </a:r>
+            <a:endParaRPr b="0" lang="en-US" sz="1200" spc="-1" strike="noStrike">
+              <a:latin typeface="Arial"/>
+            </a:endParaRPr>
+          </a:p>
+        </p:txBody>
+      </p:sp>
+      <p:sp>
+        <p:nvSpPr>
+          <p:cNvPr id="162" name="TextBox 5_14"/>
+          <p:cNvSpPr/>
+          <p:nvPr/>
+        </p:nvSpPr>
+        <p:spPr>
+          <a:xfrm>
+            <a:off x="327600" y="45000"/>
+            <a:ext cx="4654440" cy="546480"/>
+          </a:xfrm>
+          <a:prstGeom prst="rect">
+            <a:avLst/>
+          </a:prstGeom>
+          <a:noFill/>
+          <a:ln w="0">
+            <a:noFill/>
+          </a:ln>
+        </p:spPr>
+        <p:style>
+          <a:lnRef idx="0"/>
+          <a:fillRef idx="0"/>
+          <a:effectRef idx="0"/>
+          <a:fontRef idx="minor"/>
+        </p:style>
+        <p:txBody>
+          <a:bodyPr lIns="90000" rIns="90000" tIns="45000" bIns="45000">
+            <a:spAutoFit/>
+          </a:bodyPr>
+          <a:p>
+            <a:pPr>
+              <a:lnSpc>
+                <a:spcPct val="100000"/>
+              </a:lnSpc>
+            </a:pPr>
+            <a:r>
+              <a:rPr b="0" lang="en-US" sz="3000" spc="-1" strike="noStrike">
+                <a:solidFill>
+                  <a:srgbClr val="000000"/>
+                </a:solidFill>
+                <a:latin typeface="현대하모니 L"/>
+                <a:ea typeface="현대하모니 L"/>
+              </a:rPr>
+              <a:t>2. </a:t>
+            </a:r>
+            <a:r>
+              <a:rPr b="0" lang="ko-KR" sz="3000" spc="-1" strike="noStrike">
+                <a:solidFill>
+                  <a:srgbClr val="000000"/>
+                </a:solidFill>
+                <a:latin typeface="현대하모니 L"/>
+                <a:ea typeface="현대하모니 L"/>
+              </a:rPr>
+              <a:t>데이터 타입</a:t>
+            </a:r>
+            <a:endParaRPr b="0" lang="en-US" sz="3000" spc="-1" strike="noStrike">
+              <a:latin typeface="Arial"/>
+            </a:endParaRPr>
+          </a:p>
+        </p:txBody>
+      </p:sp>
+      <p:pic>
+        <p:nvPicPr>
+          <p:cNvPr id="163" name="" descr=""/>
+          <p:cNvPicPr/>
+          <p:nvPr/>
+        </p:nvPicPr>
+        <p:blipFill>
+          <a:blip r:embed="rId1"/>
+          <a:stretch/>
+        </p:blipFill>
+        <p:spPr>
+          <a:xfrm>
+            <a:off x="720000" y="1980000"/>
+            <a:ext cx="6990840" cy="1628280"/>
+          </a:xfrm>
+          <a:prstGeom prst="rect">
+            <a:avLst/>
+          </a:prstGeom>
+          <a:ln w="0">
+            <a:noFill/>
+          </a:ln>
+        </p:spPr>
+      </p:pic>
+    </p:spTree>
+  </p:cSld>
+  <mc:AlternateContent>
+    <mc:Choice Requires="p14">
+      <p:transition spd="slow" p14:dur="2000"/>
+    </mc:Choice>
+    <mc:Fallback>
+      <p:transition spd="slow"/>
+    </mc:Fallback>
+  </mc:AlternateContent>
+</p:sld>
+</file>
+
+<file path=ppt/slides/slide17.xml><?xml version="1.0" encoding="utf-8"?>
+<p:sld xmlns:a="http://schemas.openxmlformats.org/drawingml/2006/main" xmlns:p="http://schemas.openxmlformats.org/presentationml/2006/main" xmlns:r="http://schemas.openxmlformats.org/officeDocument/2006/relationships" xmlns:p14="http://schemas.microsoft.com/office/powerpoint/2010/main" xmlns:p15="http://schemas.microsoft.com/office/powerpoint/2012/main" xmlns:mc="http://schemas.openxmlformats.org/markup-compatibility/2006">
+  <p:cSld>
+    <p:spTree>
+      <p:nvGrpSpPr>
+        <p:cNvPr id="1" name=""/>
+        <p:cNvGrpSpPr/>
+        <p:nvPr/>
+      </p:nvGrpSpPr>
+      <p:grpSpPr>
+        <a:xfrm>
+          <a:off x="0" y="0"/>
+          <a:ext cx="0" cy="0"/>
+          <a:chOff x="0" y="0"/>
+          <a:chExt cx="0" cy="0"/>
+        </a:xfrm>
+      </p:grpSpPr>
+      <p:sp>
+        <p:nvSpPr>
+          <p:cNvPr id="164" name="TextBox 21_15"/>
+          <p:cNvSpPr/>
+          <p:nvPr/>
+        </p:nvSpPr>
+        <p:spPr>
+          <a:xfrm>
+            <a:off x="621000" y="849240"/>
+            <a:ext cx="9817920" cy="5434560"/>
+          </a:xfrm>
+          <a:prstGeom prst="rect">
+            <a:avLst/>
+          </a:prstGeom>
+          <a:noFill/>
+          <a:ln w="0">
+            <a:noFill/>
+          </a:ln>
+        </p:spPr>
+        <p:style>
+          <a:lnRef idx="0"/>
+          <a:fillRef idx="0"/>
+          <a:effectRef idx="0"/>
+          <a:fontRef idx="minor"/>
+        </p:style>
+        <p:txBody>
+          <a:bodyPr lIns="90000" rIns="90000" tIns="45000" bIns="45000">
+            <a:spAutoFit/>
+          </a:bodyPr>
+          <a:p>
+            <a:pPr>
+              <a:lnSpc>
+                <a:spcPct val="100000"/>
+              </a:lnSpc>
+            </a:pPr>
+            <a:r>
+              <a:rPr b="0" lang="en-US" sz="2000" spc="-1" strike="noStrike">
+                <a:solidFill>
+                  <a:srgbClr val="000000"/>
+                </a:solidFill>
+                <a:latin typeface="현대하모니 L"/>
+                <a:ea typeface="현대하모니 L"/>
+              </a:rPr>
+              <a:t> </a:t>
+            </a:r>
+            <a:r>
+              <a:rPr b="0" lang="en-US" sz="2000" spc="-1" strike="noStrike">
+                <a:solidFill>
+                  <a:srgbClr val="000000"/>
+                </a:solidFill>
+                <a:latin typeface="현대하모니 L"/>
+                <a:ea typeface="현대하모니 L"/>
+              </a:rPr>
+              <a:t>3) </a:t>
+            </a:r>
+            <a:r>
+              <a:rPr b="0" lang="en-US" sz="2000" spc="-1" strike="noStrike">
+                <a:solidFill>
+                  <a:srgbClr val="000000"/>
+                </a:solidFill>
+                <a:latin typeface="현대하모니 L"/>
+                <a:ea typeface="현대하모니 L"/>
+              </a:rPr>
+              <a:t>short</a:t>
+            </a:r>
+            <a:endParaRPr b="0" lang="en-US" sz="2000" spc="-1" strike="noStrike">
+              <a:latin typeface="Arial"/>
+            </a:endParaRPr>
+          </a:p>
+          <a:p>
+            <a:pPr>
+              <a:lnSpc>
+                <a:spcPct val="100000"/>
+              </a:lnSpc>
+            </a:pPr>
+            <a:endParaRPr b="0" lang="en-US" sz="2000" spc="-1" strike="noStrike">
+              <a:latin typeface="Arial"/>
+            </a:endParaRPr>
+          </a:p>
+          <a:p>
+            <a:pPr>
+              <a:lnSpc>
+                <a:spcPct val="100000"/>
+              </a:lnSpc>
+            </a:pPr>
+            <a:r>
+              <a:rPr b="0" lang="en-US" sz="2000" spc="-1" strike="noStrike">
+                <a:solidFill>
+                  <a:srgbClr val="000000"/>
+                </a:solidFill>
+                <a:latin typeface="현대하모니 L"/>
+                <a:ea typeface="현대하모니 L"/>
+              </a:rPr>
+              <a:t>2</a:t>
+            </a:r>
+            <a:r>
+              <a:rPr b="0" lang="ko-KR" sz="2000" spc="-1" strike="noStrike">
+                <a:solidFill>
+                  <a:srgbClr val="000000"/>
+                </a:solidFill>
+                <a:latin typeface="현대하모니 L"/>
+                <a:ea typeface="현대하모니 L"/>
+              </a:rPr>
+              <a:t>바이트 크기의 부호 가지는 정수형 데이터타입이며 정수 범위는 </a:t>
+            </a:r>
+            <a:r>
+              <a:rPr b="0" lang="en-US" sz="2000" spc="-1" strike="noStrike">
+                <a:solidFill>
+                  <a:srgbClr val="000000"/>
+                </a:solidFill>
+                <a:latin typeface="현대하모니 L"/>
+                <a:ea typeface="현대하모니 L"/>
+              </a:rPr>
+              <a:t>-2^15 ~ 2^15 – 1 </a:t>
+            </a:r>
+            <a:r>
+              <a:rPr b="0" lang="ko-KR" sz="2000" spc="-1" strike="noStrike">
+                <a:solidFill>
+                  <a:srgbClr val="000000"/>
+                </a:solidFill>
+                <a:latin typeface="현대하모니 L"/>
+                <a:ea typeface="현대하모니 L"/>
+              </a:rPr>
+              <a:t>이다</a:t>
+            </a:r>
+            <a:r>
+              <a:rPr b="0" lang="en-US" sz="2000" spc="-1" strike="noStrike">
+                <a:solidFill>
+                  <a:srgbClr val="000000"/>
+                </a:solidFill>
+                <a:latin typeface="현대하모니 L"/>
+                <a:ea typeface="현대하모니 L"/>
+              </a:rPr>
+              <a:t>.</a:t>
+            </a:r>
+            <a:endParaRPr b="0" lang="en-US" sz="2000" spc="-1" strike="noStrike">
+              <a:latin typeface="Arial"/>
+            </a:endParaRPr>
+          </a:p>
+          <a:p>
+            <a:pPr>
+              <a:lnSpc>
+                <a:spcPct val="100000"/>
+              </a:lnSpc>
+            </a:pPr>
+            <a:endParaRPr b="0" lang="en-US" sz="2000" spc="-1" strike="noStrike">
+              <a:latin typeface="Arial"/>
+            </a:endParaRPr>
+          </a:p>
+          <a:p>
+            <a:pPr>
+              <a:lnSpc>
+                <a:spcPct val="100000"/>
+              </a:lnSpc>
+            </a:pPr>
+            <a:r>
+              <a:rPr b="0" lang="en-US" sz="2000" spc="-1" strike="noStrike">
+                <a:solidFill>
+                  <a:srgbClr val="000000"/>
+                </a:solidFill>
+                <a:latin typeface="현대하모니 L"/>
+                <a:ea typeface="현대하모니 L"/>
+              </a:rPr>
+              <a:t> </a:t>
+            </a:r>
+            <a:endParaRPr b="0" lang="en-US" sz="2000" spc="-1" strike="noStrike">
+              <a:latin typeface="Arial"/>
+            </a:endParaRPr>
+          </a:p>
+          <a:p>
+            <a:pPr>
+              <a:lnSpc>
+                <a:spcPct val="100000"/>
+              </a:lnSpc>
+            </a:pPr>
+            <a:endParaRPr b="0" lang="en-US" sz="2000" spc="-1" strike="noStrike">
+              <a:latin typeface="Arial"/>
+            </a:endParaRPr>
+          </a:p>
+          <a:p>
+            <a:pPr>
+              <a:lnSpc>
+                <a:spcPct val="100000"/>
+              </a:lnSpc>
+            </a:pPr>
+            <a:endParaRPr b="0" lang="en-US" sz="2000" spc="-1" strike="noStrike">
+              <a:latin typeface="Arial"/>
+            </a:endParaRPr>
+          </a:p>
+          <a:p>
+            <a:pPr>
+              <a:lnSpc>
+                <a:spcPct val="100000"/>
+              </a:lnSpc>
+            </a:pPr>
+            <a:endParaRPr b="0" lang="en-US" sz="2000" spc="-1" strike="noStrike">
+              <a:latin typeface="Arial"/>
+            </a:endParaRPr>
+          </a:p>
+          <a:p>
+            <a:pPr>
+              <a:lnSpc>
+                <a:spcPct val="100000"/>
+              </a:lnSpc>
+            </a:pPr>
+            <a:endParaRPr b="0" lang="en-US" sz="2000" spc="-1" strike="noStrike">
+              <a:latin typeface="Arial"/>
+            </a:endParaRPr>
+          </a:p>
+          <a:p>
+            <a:pPr>
+              <a:lnSpc>
+                <a:spcPct val="100000"/>
+              </a:lnSpc>
+            </a:pPr>
+            <a:endParaRPr b="0" lang="en-US" sz="2000" spc="-1" strike="noStrike">
+              <a:latin typeface="Arial"/>
+            </a:endParaRPr>
+          </a:p>
+          <a:p>
+            <a:pPr>
+              <a:lnSpc>
+                <a:spcPct val="100000"/>
+              </a:lnSpc>
+            </a:pPr>
+            <a:endParaRPr b="0" lang="en-US" sz="2000" spc="-1" strike="noStrike">
+              <a:latin typeface="Arial"/>
+            </a:endParaRPr>
+          </a:p>
+          <a:p>
+            <a:pPr>
+              <a:lnSpc>
+                <a:spcPct val="100000"/>
+              </a:lnSpc>
+            </a:pPr>
+            <a:endParaRPr b="0" lang="en-US" sz="2000" spc="-1" strike="noStrike">
+              <a:latin typeface="Arial"/>
+            </a:endParaRPr>
+          </a:p>
+          <a:p>
+            <a:pPr>
+              <a:lnSpc>
+                <a:spcPct val="100000"/>
+              </a:lnSpc>
+            </a:pPr>
+            <a:endParaRPr b="0" lang="en-US" sz="2000" spc="-1" strike="noStrike">
+              <a:latin typeface="Arial"/>
+            </a:endParaRPr>
+          </a:p>
+          <a:p>
+            <a:pPr>
+              <a:lnSpc>
+                <a:spcPct val="100000"/>
+              </a:lnSpc>
+            </a:pPr>
+            <a:r>
+              <a:rPr b="0" lang="en-US" sz="1100" spc="-1" strike="noStrike">
+                <a:solidFill>
+                  <a:srgbClr val="000000"/>
+                </a:solidFill>
+                <a:latin typeface="Arial"/>
+                <a:ea typeface="DejaVu Sans"/>
+              </a:rPr>
+              <a:t>Char </a:t>
+            </a:r>
+            <a:r>
+              <a:rPr b="0" lang="ko-KR" sz="1100" spc="-1" strike="noStrike">
+                <a:solidFill>
+                  <a:srgbClr val="000000"/>
+                </a:solidFill>
+                <a:latin typeface="Arial"/>
+                <a:ea typeface="DejaVu Sans"/>
+              </a:rPr>
+              <a:t>형 데이터타입의 사이즈와 최대값과 최솟값을 확인해보면 </a:t>
+            </a:r>
+            <a:r>
+              <a:rPr b="0" lang="en-US" sz="1100" spc="-1" strike="noStrike">
+                <a:solidFill>
+                  <a:srgbClr val="000000"/>
+                </a:solidFill>
+                <a:latin typeface="Arial"/>
+                <a:ea typeface="DejaVu Sans"/>
+              </a:rPr>
+              <a:t>2, -2^15, 2^15 – 1 </a:t>
+            </a:r>
+            <a:r>
+              <a:rPr b="0" lang="ko-KR" sz="1100" spc="-1" strike="noStrike">
+                <a:solidFill>
+                  <a:srgbClr val="000000"/>
+                </a:solidFill>
+                <a:latin typeface="Arial"/>
+                <a:ea typeface="DejaVu Sans"/>
+              </a:rPr>
+              <a:t>인것을 확인해 볼 수 있다</a:t>
+            </a:r>
+            <a:r>
+              <a:rPr b="0" lang="en-US" sz="1100" spc="-1" strike="noStrike">
+                <a:solidFill>
+                  <a:srgbClr val="000000"/>
+                </a:solidFill>
+                <a:latin typeface="Arial"/>
+                <a:ea typeface="DejaVu Sans"/>
+              </a:rPr>
+              <a:t>.</a:t>
+            </a:r>
+            <a:endParaRPr b="0" lang="en-US" sz="1100" spc="-1" strike="noStrike">
+              <a:latin typeface="Arial"/>
+            </a:endParaRPr>
+          </a:p>
+          <a:p>
+            <a:pPr>
+              <a:lnSpc>
+                <a:spcPct val="100000"/>
+              </a:lnSpc>
+            </a:pPr>
+            <a:endParaRPr b="0" lang="en-US" sz="1100" spc="-1" strike="noStrike">
+              <a:latin typeface="Arial"/>
+            </a:endParaRPr>
+          </a:p>
+          <a:p>
+            <a:pPr>
+              <a:lnSpc>
+                <a:spcPct val="100000"/>
+              </a:lnSpc>
+            </a:pPr>
+            <a:endParaRPr b="0" lang="en-US" sz="1100" spc="-1" strike="noStrike">
+              <a:latin typeface="Arial"/>
+            </a:endParaRPr>
+          </a:p>
+          <a:p>
+            <a:pPr>
+              <a:lnSpc>
+                <a:spcPct val="100000"/>
+              </a:lnSpc>
+            </a:pPr>
+            <a:endParaRPr b="0" lang="en-US" sz="1100" spc="-1" strike="noStrike">
+              <a:latin typeface="Arial"/>
+            </a:endParaRPr>
+          </a:p>
+          <a:p>
+            <a:pPr>
+              <a:lnSpc>
+                <a:spcPct val="100000"/>
+              </a:lnSpc>
+            </a:pPr>
+            <a:endParaRPr b="0" lang="en-US" sz="1100" spc="-1" strike="noStrike">
+              <a:latin typeface="Arial"/>
+            </a:endParaRPr>
+          </a:p>
+          <a:p>
+            <a:pPr>
+              <a:lnSpc>
+                <a:spcPct val="100000"/>
+              </a:lnSpc>
+            </a:pPr>
+            <a:endParaRPr b="0" lang="en-US" sz="1100" spc="-1" strike="noStrike">
+              <a:latin typeface="Arial"/>
+            </a:endParaRPr>
+          </a:p>
+          <a:p>
+            <a:pPr>
+              <a:lnSpc>
+                <a:spcPct val="100000"/>
+              </a:lnSpc>
+            </a:pPr>
+            <a:endParaRPr b="0" lang="en-US" sz="1100" spc="-1" strike="noStrike">
+              <a:latin typeface="Arial"/>
+            </a:endParaRPr>
+          </a:p>
+          <a:p>
+            <a:pPr>
+              <a:lnSpc>
+                <a:spcPct val="100000"/>
+              </a:lnSpc>
+            </a:pPr>
+            <a:endParaRPr b="0" lang="en-US" sz="1100" spc="-1" strike="noStrike">
+              <a:latin typeface="Arial"/>
+            </a:endParaRPr>
+          </a:p>
+          <a:p>
+            <a:pPr>
+              <a:lnSpc>
+                <a:spcPct val="100000"/>
+              </a:lnSpc>
+            </a:pPr>
+            <a:endParaRPr b="0" lang="en-US" sz="1100" spc="-1" strike="noStrike">
+              <a:latin typeface="Arial"/>
+            </a:endParaRPr>
+          </a:p>
+          <a:p>
+            <a:pPr>
+              <a:lnSpc>
+                <a:spcPct val="100000"/>
+              </a:lnSpc>
+            </a:pPr>
+            <a:endParaRPr b="0" lang="en-US" sz="1100" spc="-1" strike="noStrike">
+              <a:latin typeface="Arial"/>
+            </a:endParaRPr>
+          </a:p>
+          <a:p>
+            <a:pPr>
+              <a:lnSpc>
+                <a:spcPct val="100000"/>
+              </a:lnSpc>
+            </a:pPr>
+            <a:endParaRPr b="0" lang="en-US" sz="1100" spc="-1" strike="noStrike">
+              <a:latin typeface="Arial"/>
+            </a:endParaRPr>
+          </a:p>
+          <a:p>
+            <a:pPr>
+              <a:lnSpc>
+                <a:spcPct val="100000"/>
+              </a:lnSpc>
+            </a:pPr>
+            <a:endParaRPr b="0" lang="en-US" sz="1100" spc="-1" strike="noStrike">
+              <a:latin typeface="Arial"/>
+            </a:endParaRPr>
+          </a:p>
+          <a:p>
+            <a:pPr>
+              <a:lnSpc>
+                <a:spcPct val="100000"/>
+              </a:lnSpc>
+            </a:pPr>
+            <a:endParaRPr b="0" lang="en-US" sz="1100" spc="-1" strike="noStrike">
+              <a:latin typeface="Arial"/>
+            </a:endParaRPr>
+          </a:p>
+        </p:txBody>
+      </p:sp>
+      <p:sp>
+        <p:nvSpPr>
+          <p:cNvPr id="165" name="TextBox 1_15"/>
+          <p:cNvSpPr/>
+          <p:nvPr/>
+        </p:nvSpPr>
+        <p:spPr>
+          <a:xfrm>
+            <a:off x="4668120" y="7177320"/>
+            <a:ext cx="953280" cy="272160"/>
+          </a:xfrm>
+          <a:prstGeom prst="rect">
+            <a:avLst/>
+          </a:prstGeom>
+          <a:noFill/>
+          <a:ln w="0">
+            <a:noFill/>
+          </a:ln>
+        </p:spPr>
+        <p:style>
+          <a:lnRef idx="0"/>
+          <a:fillRef idx="0"/>
+          <a:effectRef idx="0"/>
+          <a:fontRef idx="minor"/>
+        </p:style>
+        <p:txBody>
+          <a:bodyPr lIns="90000" rIns="90000" tIns="45000" bIns="45000">
+            <a:spAutoFit/>
+          </a:bodyPr>
+          <a:p>
+            <a:pPr algn="ctr">
+              <a:lnSpc>
+                <a:spcPct val="100000"/>
+              </a:lnSpc>
+            </a:pPr>
+            <a:r>
+              <a:rPr b="0" lang="en-US" sz="1200" spc="-1" strike="noStrike">
+                <a:solidFill>
+                  <a:srgbClr val="000000"/>
+                </a:solidFill>
+                <a:latin typeface="현대하모니 L"/>
+                <a:ea typeface="현대하모니 L"/>
+              </a:rPr>
+              <a:t>00/00</a:t>
+            </a:r>
+            <a:endParaRPr b="0" lang="en-US" sz="1200" spc="-1" strike="noStrike">
+              <a:latin typeface="Arial"/>
+            </a:endParaRPr>
+          </a:p>
+        </p:txBody>
+      </p:sp>
+      <p:sp>
+        <p:nvSpPr>
+          <p:cNvPr id="166" name="TextBox 5_15"/>
+          <p:cNvSpPr/>
+          <p:nvPr/>
+        </p:nvSpPr>
+        <p:spPr>
+          <a:xfrm>
+            <a:off x="327600" y="45000"/>
+            <a:ext cx="4654440" cy="546480"/>
+          </a:xfrm>
+          <a:prstGeom prst="rect">
+            <a:avLst/>
+          </a:prstGeom>
+          <a:noFill/>
+          <a:ln w="0">
+            <a:noFill/>
+          </a:ln>
+        </p:spPr>
+        <p:style>
+          <a:lnRef idx="0"/>
+          <a:fillRef idx="0"/>
+          <a:effectRef idx="0"/>
+          <a:fontRef idx="minor"/>
+        </p:style>
+        <p:txBody>
+          <a:bodyPr lIns="90000" rIns="90000" tIns="45000" bIns="45000">
+            <a:spAutoFit/>
+          </a:bodyPr>
+          <a:p>
+            <a:pPr>
+              <a:lnSpc>
+                <a:spcPct val="100000"/>
+              </a:lnSpc>
+            </a:pPr>
+            <a:r>
+              <a:rPr b="0" lang="en-US" sz="3000" spc="-1" strike="noStrike">
+                <a:solidFill>
+                  <a:srgbClr val="000000"/>
+                </a:solidFill>
+                <a:latin typeface="현대하모니 L"/>
+                <a:ea typeface="현대하모니 L"/>
+              </a:rPr>
+              <a:t>2. </a:t>
+            </a:r>
+            <a:r>
+              <a:rPr b="0" lang="ko-KR" sz="3000" spc="-1" strike="noStrike">
+                <a:solidFill>
+                  <a:srgbClr val="000000"/>
+                </a:solidFill>
+                <a:latin typeface="현대하모니 L"/>
+                <a:ea typeface="현대하모니 L"/>
+              </a:rPr>
+              <a:t>데이터 타입</a:t>
+            </a:r>
+            <a:endParaRPr b="0" lang="en-US" sz="3000" spc="-1" strike="noStrike">
+              <a:latin typeface="Arial"/>
+            </a:endParaRPr>
+          </a:p>
+        </p:txBody>
+      </p:sp>
+      <p:pic>
+        <p:nvPicPr>
+          <p:cNvPr id="167" name="" descr=""/>
+          <p:cNvPicPr/>
+          <p:nvPr/>
+        </p:nvPicPr>
+        <p:blipFill>
+          <a:blip r:embed="rId1"/>
+          <a:stretch/>
+        </p:blipFill>
+        <p:spPr>
+          <a:xfrm>
+            <a:off x="720000" y="2160000"/>
+            <a:ext cx="6990840" cy="1837800"/>
+          </a:xfrm>
+          <a:prstGeom prst="rect">
+            <a:avLst/>
+          </a:prstGeom>
+          <a:ln w="0">
+            <a:noFill/>
+          </a:ln>
+        </p:spPr>
+      </p:pic>
+    </p:spTree>
+  </p:cSld>
+  <mc:AlternateContent>
+    <mc:Choice Requires="p14">
+      <p:transition spd="slow" p14:dur="2000"/>
+    </mc:Choice>
+    <mc:Fallback>
+      <p:transition spd="slow"/>
+    </mc:Fallback>
+  </mc:AlternateContent>
+</p:sld>
+</file>
+
+<file path=ppt/slides/slide18.xml><?xml version="1.0" encoding="utf-8"?>
+<p:sld xmlns:a="http://schemas.openxmlformats.org/drawingml/2006/main" xmlns:p="http://schemas.openxmlformats.org/presentationml/2006/main" xmlns:r="http://schemas.openxmlformats.org/officeDocument/2006/relationships" xmlns:p14="http://schemas.microsoft.com/office/powerpoint/2010/main" xmlns:p15="http://schemas.microsoft.com/office/powerpoint/2012/main" xmlns:mc="http://schemas.openxmlformats.org/markup-compatibility/2006">
+  <p:cSld>
+    <p:spTree>
+      <p:nvGrpSpPr>
+        <p:cNvPr id="1" name=""/>
+        <p:cNvGrpSpPr/>
+        <p:nvPr/>
+      </p:nvGrpSpPr>
+      <p:grpSpPr>
+        <a:xfrm>
+          <a:off x="0" y="0"/>
+          <a:ext cx="0" cy="0"/>
+          <a:chOff x="0" y="0"/>
+          <a:chExt cx="0" cy="0"/>
+        </a:xfrm>
+      </p:grpSpPr>
+      <p:sp>
+        <p:nvSpPr>
+          <p:cNvPr id="168" name="TextBox 21_16"/>
+          <p:cNvSpPr/>
+          <p:nvPr/>
+        </p:nvSpPr>
+        <p:spPr>
+          <a:xfrm>
+            <a:off x="621000" y="849240"/>
+            <a:ext cx="9817920" cy="5966640"/>
+          </a:xfrm>
+          <a:prstGeom prst="rect">
+            <a:avLst/>
+          </a:prstGeom>
+          <a:noFill/>
+          <a:ln w="0">
+            <a:noFill/>
+          </a:ln>
+        </p:spPr>
+        <p:style>
+          <a:lnRef idx="0"/>
+          <a:fillRef idx="0"/>
+          <a:effectRef idx="0"/>
+          <a:fontRef idx="minor"/>
+        </p:style>
+        <p:txBody>
+          <a:bodyPr lIns="90000" rIns="90000" tIns="45000" bIns="45000">
+            <a:spAutoFit/>
+          </a:bodyPr>
+          <a:p>
+            <a:pPr>
+              <a:lnSpc>
+                <a:spcPct val="100000"/>
+              </a:lnSpc>
+            </a:pPr>
+            <a:r>
+              <a:rPr b="0" lang="en-US" sz="2000" spc="-1" strike="noStrike">
+                <a:solidFill>
+                  <a:srgbClr val="000000"/>
+                </a:solidFill>
+                <a:latin typeface="현대하모니 L"/>
+                <a:ea typeface="현대하모니 L"/>
+              </a:rPr>
+              <a:t> </a:t>
+            </a:r>
+            <a:r>
+              <a:rPr b="0" lang="en-US" sz="2000" spc="-1" strike="noStrike">
+                <a:solidFill>
+                  <a:srgbClr val="000000"/>
+                </a:solidFill>
+                <a:latin typeface="현대하모니 L"/>
+                <a:ea typeface="현대하모니 L"/>
+              </a:rPr>
+              <a:t>4) </a:t>
+            </a:r>
+            <a:r>
+              <a:rPr b="0" lang="en-US" sz="2000" spc="-1" strike="noStrike">
+                <a:solidFill>
+                  <a:srgbClr val="000000"/>
+                </a:solidFill>
+                <a:latin typeface="현대하모니 L"/>
+                <a:ea typeface="현대하모니 L"/>
+              </a:rPr>
+              <a:t>float</a:t>
+            </a:r>
+            <a:endParaRPr b="0" lang="en-US" sz="2000" spc="-1" strike="noStrike">
+              <a:latin typeface="Arial"/>
+            </a:endParaRPr>
+          </a:p>
+          <a:p>
+            <a:pPr>
+              <a:lnSpc>
+                <a:spcPct val="100000"/>
+              </a:lnSpc>
+            </a:pPr>
+            <a:endParaRPr b="0" lang="en-US" sz="2000" spc="-1" strike="noStrike">
+              <a:latin typeface="Arial"/>
+            </a:endParaRPr>
+          </a:p>
+          <a:p>
+            <a:pPr>
+              <a:lnSpc>
+                <a:spcPct val="100000"/>
+              </a:lnSpc>
+            </a:pPr>
+            <a:r>
+              <a:rPr b="0" lang="en-US" sz="2000" spc="-1" strike="noStrike">
+                <a:solidFill>
+                  <a:srgbClr val="000000"/>
+                </a:solidFill>
+                <a:latin typeface="현대하모니 L"/>
+                <a:ea typeface="현대하모니 L"/>
+              </a:rPr>
+              <a:t>4</a:t>
+            </a:r>
+            <a:r>
+              <a:rPr b="0" lang="ko-KR" sz="2000" spc="-1" strike="noStrike">
+                <a:solidFill>
+                  <a:srgbClr val="000000"/>
+                </a:solidFill>
+                <a:latin typeface="현대하모니 L"/>
+                <a:ea typeface="현대하모니 L"/>
+              </a:rPr>
+              <a:t>바이트 데이터 크기의 실수형 데이터 타입이며 </a:t>
+            </a:r>
+            <a:r>
+              <a:rPr b="0" lang="en-US" sz="2000" spc="-1" strike="noStrike">
+                <a:solidFill>
+                  <a:srgbClr val="000000"/>
+                </a:solidFill>
+                <a:latin typeface="현대하모니 L"/>
+                <a:ea typeface="현대하모니 L"/>
+              </a:rPr>
+              <a:t>IEEE 754 </a:t>
+            </a:r>
+            <a:r>
+              <a:rPr b="0" lang="ko-KR" sz="2000" spc="-1" strike="noStrike">
+                <a:solidFill>
+                  <a:srgbClr val="000000"/>
+                </a:solidFill>
+                <a:latin typeface="현대하모니 L"/>
+                <a:ea typeface="현대하모니 L"/>
+              </a:rPr>
+              <a:t>표준을 따르고있다</a:t>
+            </a:r>
+            <a:r>
+              <a:rPr b="0" lang="en-US" sz="2000" spc="-1" strike="noStrike">
+                <a:solidFill>
+                  <a:srgbClr val="000000"/>
+                </a:solidFill>
+                <a:latin typeface="현대하모니 L"/>
+                <a:ea typeface="현대하모니 L"/>
+              </a:rPr>
+              <a:t>.</a:t>
+            </a:r>
+            <a:endParaRPr b="0" lang="en-US" sz="2000" spc="-1" strike="noStrike">
+              <a:latin typeface="Arial"/>
+            </a:endParaRPr>
+          </a:p>
+          <a:p>
+            <a:pPr>
+              <a:lnSpc>
+                <a:spcPct val="100000"/>
+              </a:lnSpc>
+            </a:pPr>
+            <a:endParaRPr b="0" lang="en-US" sz="2000" spc="-1" strike="noStrike">
+              <a:latin typeface="Arial"/>
+            </a:endParaRPr>
+          </a:p>
+          <a:p>
+            <a:pPr>
+              <a:lnSpc>
+                <a:spcPct val="100000"/>
+              </a:lnSpc>
+            </a:pPr>
+            <a:r>
+              <a:rPr b="0" lang="en-US" sz="2000" spc="-1" strike="noStrike">
+                <a:solidFill>
+                  <a:srgbClr val="000000"/>
+                </a:solidFill>
+                <a:latin typeface="현대하모니 L"/>
+                <a:ea typeface="현대하모니 L"/>
+              </a:rPr>
+              <a:t> </a:t>
+            </a:r>
+            <a:endParaRPr b="0" lang="en-US" sz="2000" spc="-1" strike="noStrike">
+              <a:latin typeface="Arial"/>
+            </a:endParaRPr>
+          </a:p>
+          <a:p>
+            <a:pPr>
+              <a:lnSpc>
+                <a:spcPct val="100000"/>
+              </a:lnSpc>
+            </a:pPr>
+            <a:endParaRPr b="0" lang="en-US" sz="2000" spc="-1" strike="noStrike">
+              <a:latin typeface="Arial"/>
+            </a:endParaRPr>
+          </a:p>
+          <a:p>
+            <a:pPr>
+              <a:lnSpc>
+                <a:spcPct val="100000"/>
+              </a:lnSpc>
+            </a:pPr>
+            <a:endParaRPr b="0" lang="en-US" sz="2000" spc="-1" strike="noStrike">
+              <a:latin typeface="Arial"/>
+            </a:endParaRPr>
+          </a:p>
+          <a:p>
+            <a:pPr>
+              <a:lnSpc>
+                <a:spcPct val="100000"/>
+              </a:lnSpc>
+            </a:pPr>
+            <a:r>
+              <a:rPr b="0" lang="en-US" sz="1100" spc="-1" strike="noStrike">
+                <a:solidFill>
+                  <a:srgbClr val="000000"/>
+                </a:solidFill>
+                <a:latin typeface="Arial"/>
+                <a:ea typeface="DejaVu Sans"/>
+              </a:rPr>
+              <a:t> </a:t>
+            </a:r>
+            <a:r>
+              <a:rPr b="0" lang="en-US" sz="1100" spc="-1" strike="noStrike">
+                <a:solidFill>
+                  <a:srgbClr val="000000"/>
+                </a:solidFill>
+                <a:latin typeface="Arial"/>
+                <a:ea typeface="DejaVu Sans"/>
+              </a:rPr>
+              <a:t>float</a:t>
+            </a:r>
+            <a:r>
+              <a:rPr b="0" lang="ko-KR" sz="1100" spc="-1" strike="noStrike">
+                <a:solidFill>
+                  <a:srgbClr val="000000"/>
+                </a:solidFill>
+                <a:latin typeface="Arial"/>
+                <a:ea typeface="DejaVu Sans"/>
+              </a:rPr>
+              <a:t>형 데이터타입의 사이즈는 </a:t>
+            </a:r>
+            <a:r>
+              <a:rPr b="0" lang="en-US" sz="1100" spc="-1" strike="noStrike">
+                <a:solidFill>
+                  <a:srgbClr val="000000"/>
+                </a:solidFill>
+                <a:latin typeface="Arial"/>
+                <a:ea typeface="DejaVu Sans"/>
+              </a:rPr>
+              <a:t>4</a:t>
+            </a:r>
+            <a:r>
+              <a:rPr b="0" lang="ko-KR" sz="1100" spc="-1" strike="noStrike">
+                <a:solidFill>
+                  <a:srgbClr val="000000"/>
+                </a:solidFill>
+                <a:latin typeface="Arial"/>
+                <a:ea typeface="DejaVu Sans"/>
+              </a:rPr>
+              <a:t>바이트 </a:t>
+            </a:r>
+            <a:r>
+              <a:rPr b="0" lang="en-US" sz="1100" spc="-1" strike="noStrike">
+                <a:solidFill>
+                  <a:srgbClr val="000000"/>
+                </a:solidFill>
+                <a:latin typeface="Arial"/>
+                <a:ea typeface="DejaVu Sans"/>
+              </a:rPr>
+              <a:t>0.1</a:t>
+            </a:r>
+            <a:r>
+              <a:rPr b="0" lang="ko-KR" sz="1100" spc="-1" strike="noStrike">
+                <a:solidFill>
+                  <a:srgbClr val="000000"/>
+                </a:solidFill>
+                <a:latin typeface="Arial"/>
+                <a:ea typeface="DejaVu Sans"/>
+              </a:rPr>
+              <a:t>을 넣었을때와 </a:t>
+            </a:r>
+            <a:r>
+              <a:rPr b="0" lang="en-US" sz="1100" spc="-1" strike="noStrike">
+                <a:solidFill>
+                  <a:srgbClr val="000000"/>
+                </a:solidFill>
+                <a:latin typeface="Arial"/>
+                <a:ea typeface="DejaVu Sans"/>
+              </a:rPr>
+              <a:t>-0.1</a:t>
+            </a:r>
+            <a:r>
+              <a:rPr b="0" lang="ko-KR" sz="1100" spc="-1" strike="noStrike">
+                <a:solidFill>
+                  <a:srgbClr val="000000"/>
+                </a:solidFill>
+                <a:latin typeface="Arial"/>
+                <a:ea typeface="DejaVu Sans"/>
+              </a:rPr>
+              <a:t>을 넣었을때의 값을 확인 할 수 있다</a:t>
+            </a:r>
+            <a:r>
+              <a:rPr b="0" lang="en-US" sz="1100" spc="-1" strike="noStrike">
+                <a:solidFill>
+                  <a:srgbClr val="000000"/>
+                </a:solidFill>
+                <a:latin typeface="Arial"/>
+                <a:ea typeface="DejaVu Sans"/>
+              </a:rPr>
+              <a:t>.</a:t>
+            </a:r>
+            <a:endParaRPr b="0" lang="en-US" sz="1100" spc="-1" strike="noStrike">
+              <a:latin typeface="Arial"/>
+            </a:endParaRPr>
+          </a:p>
+          <a:p>
+            <a:pPr>
+              <a:lnSpc>
+                <a:spcPct val="100000"/>
+              </a:lnSpc>
+            </a:pPr>
+            <a:r>
+              <a:rPr b="0" lang="en-US" sz="1100" spc="-1" strike="noStrike">
+                <a:solidFill>
+                  <a:srgbClr val="000000"/>
+                </a:solidFill>
+                <a:latin typeface="Arial"/>
+                <a:ea typeface="DejaVu Sans"/>
+              </a:rPr>
+              <a:t> </a:t>
+            </a:r>
+            <a:r>
+              <a:rPr b="0" lang="en-US" sz="1100" spc="-1" strike="noStrike">
+                <a:solidFill>
+                  <a:srgbClr val="000000"/>
+                </a:solidFill>
+                <a:latin typeface="Arial"/>
+                <a:ea typeface="DejaVu Sans"/>
+              </a:rPr>
+              <a:t>Number1, number2</a:t>
+            </a:r>
+            <a:r>
+              <a:rPr b="0" lang="ko-KR" sz="1100" spc="-1" strike="noStrike">
+                <a:solidFill>
+                  <a:srgbClr val="000000"/>
+                </a:solidFill>
+                <a:latin typeface="Arial"/>
+                <a:ea typeface="DejaVu Sans"/>
+              </a:rPr>
+              <a:t>의 메모리에 저장된 값이 궁금하여 </a:t>
+            </a:r>
+            <a:r>
+              <a:rPr b="0" lang="en-US" sz="1100" spc="-1" strike="noStrike">
+                <a:solidFill>
+                  <a:srgbClr val="000000"/>
+                </a:solidFill>
+                <a:latin typeface="Arial"/>
+                <a:ea typeface="DejaVu Sans"/>
+              </a:rPr>
+              <a:t>gdb</a:t>
+            </a:r>
+            <a:r>
+              <a:rPr b="0" lang="ko-KR" sz="1100" spc="-1" strike="noStrike">
+                <a:solidFill>
+                  <a:srgbClr val="000000"/>
+                </a:solidFill>
+                <a:latin typeface="Arial"/>
+                <a:ea typeface="DejaVu Sans"/>
+              </a:rPr>
+              <a:t>를 이용해 메모리 값을 출력해 보았다</a:t>
+            </a:r>
+            <a:r>
+              <a:rPr b="0" lang="en-US" sz="1100" spc="-1" strike="noStrike">
+                <a:solidFill>
+                  <a:srgbClr val="000000"/>
+                </a:solidFill>
+                <a:latin typeface="Arial"/>
+                <a:ea typeface="DejaVu Sans"/>
+              </a:rPr>
+              <a:t>.</a:t>
+            </a:r>
+            <a:endParaRPr b="0" lang="en-US" sz="1100" spc="-1" strike="noStrike">
+              <a:latin typeface="Arial"/>
+            </a:endParaRPr>
+          </a:p>
+          <a:p>
+            <a:pPr>
+              <a:lnSpc>
+                <a:spcPct val="100000"/>
+              </a:lnSpc>
+            </a:pPr>
+            <a:endParaRPr b="0" lang="en-US" sz="1100" spc="-1" strike="noStrike">
+              <a:latin typeface="Arial"/>
+            </a:endParaRPr>
+          </a:p>
+          <a:p>
+            <a:pPr>
+              <a:lnSpc>
+                <a:spcPct val="100000"/>
+              </a:lnSpc>
+            </a:pPr>
+            <a:endParaRPr b="0" lang="en-US" sz="1100" spc="-1" strike="noStrike">
+              <a:latin typeface="Arial"/>
+            </a:endParaRPr>
+          </a:p>
+          <a:p>
+            <a:pPr>
+              <a:lnSpc>
+                <a:spcPct val="100000"/>
+              </a:lnSpc>
+            </a:pPr>
+            <a:endParaRPr b="0" lang="en-US" sz="1100" spc="-1" strike="noStrike">
+              <a:latin typeface="Arial"/>
+            </a:endParaRPr>
+          </a:p>
+          <a:p>
+            <a:pPr>
+              <a:lnSpc>
+                <a:spcPct val="100000"/>
+              </a:lnSpc>
+            </a:pPr>
+            <a:endParaRPr b="0" lang="en-US" sz="1100" spc="-1" strike="noStrike">
+              <a:latin typeface="Arial"/>
+            </a:endParaRPr>
+          </a:p>
+          <a:p>
+            <a:pPr>
+              <a:lnSpc>
+                <a:spcPct val="100000"/>
+              </a:lnSpc>
+            </a:pPr>
+            <a:endParaRPr b="0" lang="en-US" sz="1100" spc="-1" strike="noStrike">
+              <a:latin typeface="Arial"/>
+            </a:endParaRPr>
+          </a:p>
+          <a:p>
+            <a:pPr>
+              <a:lnSpc>
+                <a:spcPct val="100000"/>
+              </a:lnSpc>
+            </a:pPr>
+            <a:endParaRPr b="0" lang="en-US" sz="1100" spc="-1" strike="noStrike">
+              <a:latin typeface="Arial"/>
+            </a:endParaRPr>
+          </a:p>
+          <a:p>
+            <a:pPr>
+              <a:lnSpc>
+                <a:spcPct val="100000"/>
+              </a:lnSpc>
+            </a:pPr>
+            <a:endParaRPr b="0" lang="en-US" sz="1100" spc="-1" strike="noStrike">
+              <a:latin typeface="Arial"/>
+            </a:endParaRPr>
+          </a:p>
+          <a:p>
+            <a:pPr>
+              <a:lnSpc>
+                <a:spcPct val="100000"/>
+              </a:lnSpc>
+            </a:pPr>
+            <a:endParaRPr b="0" lang="en-US" sz="1100" spc="-1" strike="noStrike">
+              <a:latin typeface="Arial"/>
+            </a:endParaRPr>
+          </a:p>
+          <a:p>
+            <a:pPr>
+              <a:lnSpc>
+                <a:spcPct val="100000"/>
+              </a:lnSpc>
+            </a:pPr>
+            <a:endParaRPr b="0" lang="en-US" sz="1100" spc="-1" strike="noStrike">
+              <a:latin typeface="Arial"/>
+            </a:endParaRPr>
+          </a:p>
+          <a:p>
+            <a:pPr>
+              <a:lnSpc>
+                <a:spcPct val="100000"/>
+              </a:lnSpc>
+            </a:pPr>
+            <a:endParaRPr b="0" lang="en-US" sz="1100" spc="-1" strike="noStrike">
+              <a:latin typeface="Arial"/>
+            </a:endParaRPr>
+          </a:p>
+          <a:p>
+            <a:pPr>
+              <a:lnSpc>
+                <a:spcPct val="100000"/>
+              </a:lnSpc>
+            </a:pPr>
+            <a:endParaRPr b="0" lang="en-US" sz="1100" spc="-1" strike="noStrike">
+              <a:latin typeface="Arial"/>
+            </a:endParaRPr>
+          </a:p>
+          <a:p>
+            <a:pPr>
+              <a:lnSpc>
+                <a:spcPct val="100000"/>
+              </a:lnSpc>
+            </a:pPr>
+            <a:endParaRPr b="0" lang="en-US" sz="1100" spc="-1" strike="noStrike">
+              <a:latin typeface="Arial"/>
+            </a:endParaRPr>
+          </a:p>
+          <a:p>
+            <a:pPr>
+              <a:lnSpc>
+                <a:spcPct val="100000"/>
+              </a:lnSpc>
+            </a:pPr>
+            <a:endParaRPr b="0" lang="en-US" sz="1100" spc="-1" strike="noStrike">
+              <a:latin typeface="Arial"/>
+            </a:endParaRPr>
+          </a:p>
+          <a:p>
+            <a:pPr>
+              <a:lnSpc>
+                <a:spcPct val="100000"/>
+              </a:lnSpc>
+            </a:pPr>
+            <a:endParaRPr b="0" lang="en-US" sz="1100" spc="-1" strike="noStrike">
+              <a:latin typeface="Arial"/>
+            </a:endParaRPr>
+          </a:p>
+          <a:p>
+            <a:pPr>
+              <a:lnSpc>
+                <a:spcPct val="100000"/>
+              </a:lnSpc>
+            </a:pPr>
+            <a:endParaRPr b="0" lang="en-US" sz="1100" spc="-1" strike="noStrike">
+              <a:latin typeface="Arial"/>
+            </a:endParaRPr>
+          </a:p>
+          <a:p>
+            <a:pPr>
+              <a:lnSpc>
+                <a:spcPct val="100000"/>
+              </a:lnSpc>
+            </a:pPr>
+            <a:endParaRPr b="0" lang="en-US" sz="1100" spc="-1" strike="noStrike">
+              <a:latin typeface="Arial"/>
+            </a:endParaRPr>
+          </a:p>
+          <a:p>
+            <a:pPr>
+              <a:lnSpc>
+                <a:spcPct val="100000"/>
+              </a:lnSpc>
+            </a:pPr>
+            <a:endParaRPr b="0" lang="en-US" sz="1100" spc="-1" strike="noStrike">
+              <a:latin typeface="Arial"/>
+            </a:endParaRPr>
+          </a:p>
+          <a:p>
+            <a:pPr>
+              <a:lnSpc>
+                <a:spcPct val="100000"/>
+              </a:lnSpc>
+            </a:pPr>
+            <a:endParaRPr b="0" lang="en-US" sz="1100" spc="-1" strike="noStrike">
+              <a:latin typeface="Arial"/>
+            </a:endParaRPr>
+          </a:p>
+          <a:p>
+            <a:pPr>
+              <a:lnSpc>
+                <a:spcPct val="100000"/>
+              </a:lnSpc>
+            </a:pPr>
+            <a:endParaRPr b="0" lang="en-US" sz="1100" spc="-1" strike="noStrike">
+              <a:latin typeface="Arial"/>
+            </a:endParaRPr>
+          </a:p>
+          <a:p>
+            <a:pPr>
+              <a:lnSpc>
+                <a:spcPct val="100000"/>
+              </a:lnSpc>
+            </a:pPr>
+            <a:r>
+              <a:rPr b="0" lang="en-US" sz="1100" spc="-1" strike="noStrike">
+                <a:solidFill>
+                  <a:srgbClr val="000000"/>
+                </a:solidFill>
+                <a:latin typeface="Arial"/>
+                <a:ea typeface="DejaVu Sans"/>
+              </a:rPr>
+              <a:t>gdb</a:t>
+            </a:r>
+            <a:r>
+              <a:rPr b="0" lang="ko-KR" sz="1100" spc="-1" strike="noStrike">
+                <a:solidFill>
+                  <a:srgbClr val="000000"/>
+                </a:solidFill>
+                <a:latin typeface="Arial"/>
+                <a:ea typeface="DejaVu Sans"/>
+              </a:rPr>
+              <a:t>로 메모리에 저장된 값을 확인해보면 맨 앞의 상위비트 </a:t>
+            </a:r>
+            <a:r>
+              <a:rPr b="0" lang="en-US" sz="1100" spc="-1" strike="noStrike">
+                <a:solidFill>
+                  <a:srgbClr val="000000"/>
+                </a:solidFill>
+                <a:latin typeface="Arial"/>
+                <a:ea typeface="DejaVu Sans"/>
+              </a:rPr>
+              <a:t>1bit</a:t>
+            </a:r>
+            <a:r>
+              <a:rPr b="0" lang="ko-KR" sz="1100" spc="-1" strike="noStrike">
+                <a:solidFill>
+                  <a:srgbClr val="000000"/>
+                </a:solidFill>
+                <a:latin typeface="Arial"/>
+                <a:ea typeface="DejaVu Sans"/>
+              </a:rPr>
+              <a:t>가 부호를 나타내는 값인것을 확인할 수 있다</a:t>
+            </a:r>
+            <a:r>
+              <a:rPr b="0" lang="en-US" sz="1100" spc="-1" strike="noStrike">
+                <a:solidFill>
+                  <a:srgbClr val="000000"/>
+                </a:solidFill>
+                <a:latin typeface="Arial"/>
+                <a:ea typeface="DejaVu Sans"/>
+              </a:rPr>
+              <a:t>. </a:t>
+            </a:r>
+            <a:r>
+              <a:rPr b="0" lang="ko-KR" sz="1100" spc="-1" strike="noStrike">
+                <a:solidFill>
+                  <a:srgbClr val="000000"/>
+                </a:solidFill>
+                <a:latin typeface="Arial"/>
+                <a:ea typeface="DejaVu Sans"/>
+              </a:rPr>
+              <a:t>왜이렇게 나왔는지</a:t>
+            </a:r>
+            <a:endParaRPr b="0" lang="en-US" sz="1100" spc="-1" strike="noStrike">
+              <a:latin typeface="Arial"/>
+            </a:endParaRPr>
+          </a:p>
+          <a:p>
+            <a:pPr>
+              <a:lnSpc>
+                <a:spcPct val="100000"/>
+              </a:lnSpc>
+            </a:pPr>
+            <a:r>
+              <a:rPr b="0" lang="en-US" sz="1100" spc="-1" strike="noStrike">
+                <a:solidFill>
+                  <a:srgbClr val="000000"/>
+                </a:solidFill>
+                <a:latin typeface="Arial"/>
+                <a:ea typeface="DejaVu Sans"/>
+              </a:rPr>
+              <a:t>IEEE 754 </a:t>
+            </a:r>
+            <a:r>
+              <a:rPr b="0" lang="ko-KR" sz="1100" spc="-1" strike="noStrike">
+                <a:solidFill>
+                  <a:srgbClr val="000000"/>
+                </a:solidFill>
+                <a:latin typeface="Arial"/>
+                <a:ea typeface="DejaVu Sans"/>
+              </a:rPr>
+              <a:t>표준을 보며 확인해보</a:t>
+            </a:r>
+            <a:endParaRPr b="0" lang="en-US" sz="1100" spc="-1" strike="noStrike">
+              <a:latin typeface="Arial"/>
+            </a:endParaRPr>
+          </a:p>
+          <a:p>
+            <a:pPr>
+              <a:lnSpc>
+                <a:spcPct val="100000"/>
+              </a:lnSpc>
+            </a:pPr>
+            <a:endParaRPr b="0" lang="en-US" sz="1100" spc="-1" strike="noStrike">
+              <a:latin typeface="Arial"/>
+            </a:endParaRPr>
+          </a:p>
+        </p:txBody>
+      </p:sp>
+      <p:sp>
+        <p:nvSpPr>
+          <p:cNvPr id="169" name="TextBox 1_16"/>
+          <p:cNvSpPr/>
+          <p:nvPr/>
+        </p:nvSpPr>
+        <p:spPr>
+          <a:xfrm>
+            <a:off x="4668120" y="7177320"/>
+            <a:ext cx="953280" cy="272160"/>
+          </a:xfrm>
+          <a:prstGeom prst="rect">
+            <a:avLst/>
+          </a:prstGeom>
+          <a:noFill/>
+          <a:ln w="0">
+            <a:noFill/>
+          </a:ln>
+        </p:spPr>
+        <p:style>
+          <a:lnRef idx="0"/>
+          <a:fillRef idx="0"/>
+          <a:effectRef idx="0"/>
+          <a:fontRef idx="minor"/>
+        </p:style>
+        <p:txBody>
+          <a:bodyPr lIns="90000" rIns="90000" tIns="45000" bIns="45000">
+            <a:spAutoFit/>
+          </a:bodyPr>
+          <a:p>
+            <a:pPr algn="ctr">
+              <a:lnSpc>
+                <a:spcPct val="100000"/>
+              </a:lnSpc>
+            </a:pPr>
+            <a:r>
+              <a:rPr b="0" lang="en-US" sz="1200" spc="-1" strike="noStrike">
+                <a:solidFill>
+                  <a:srgbClr val="000000"/>
+                </a:solidFill>
+                <a:latin typeface="현대하모니 L"/>
+                <a:ea typeface="현대하모니 L"/>
+              </a:rPr>
+              <a:t>00/00</a:t>
+            </a:r>
+            <a:endParaRPr b="0" lang="en-US" sz="1200" spc="-1" strike="noStrike">
+              <a:latin typeface="Arial"/>
+            </a:endParaRPr>
+          </a:p>
+        </p:txBody>
+      </p:sp>
+      <p:sp>
+        <p:nvSpPr>
+          <p:cNvPr id="170" name="TextBox 5_16"/>
+          <p:cNvSpPr/>
+          <p:nvPr/>
+        </p:nvSpPr>
+        <p:spPr>
+          <a:xfrm>
+            <a:off x="327600" y="45000"/>
+            <a:ext cx="4654440" cy="546480"/>
+          </a:xfrm>
+          <a:prstGeom prst="rect">
+            <a:avLst/>
+          </a:prstGeom>
+          <a:noFill/>
+          <a:ln w="0">
+            <a:noFill/>
+          </a:ln>
+        </p:spPr>
+        <p:style>
+          <a:lnRef idx="0"/>
+          <a:fillRef idx="0"/>
+          <a:effectRef idx="0"/>
+          <a:fontRef idx="minor"/>
+        </p:style>
+        <p:txBody>
+          <a:bodyPr lIns="90000" rIns="90000" tIns="45000" bIns="45000">
+            <a:spAutoFit/>
+          </a:bodyPr>
+          <a:p>
+            <a:pPr>
+              <a:lnSpc>
+                <a:spcPct val="100000"/>
+              </a:lnSpc>
+            </a:pPr>
+            <a:r>
+              <a:rPr b="0" lang="en-US" sz="3000" spc="-1" strike="noStrike">
+                <a:solidFill>
+                  <a:srgbClr val="000000"/>
+                </a:solidFill>
+                <a:latin typeface="현대하모니 L"/>
+                <a:ea typeface="현대하모니 L"/>
+              </a:rPr>
+              <a:t>2. </a:t>
+            </a:r>
+            <a:r>
+              <a:rPr b="0" lang="ko-KR" sz="3000" spc="-1" strike="noStrike">
+                <a:solidFill>
+                  <a:srgbClr val="000000"/>
+                </a:solidFill>
+                <a:latin typeface="현대하모니 L"/>
+                <a:ea typeface="현대하모니 L"/>
+              </a:rPr>
+              <a:t>데이터 타입</a:t>
+            </a:r>
+            <a:endParaRPr b="0" lang="en-US" sz="3000" spc="-1" strike="noStrike">
+              <a:latin typeface="Arial"/>
+            </a:endParaRPr>
+          </a:p>
+        </p:txBody>
+      </p:sp>
+      <p:pic>
+        <p:nvPicPr>
+          <p:cNvPr id="171" name="" descr=""/>
+          <p:cNvPicPr/>
+          <p:nvPr/>
+        </p:nvPicPr>
+        <p:blipFill>
+          <a:blip r:embed="rId1"/>
+          <a:stretch/>
+        </p:blipFill>
+        <p:spPr>
+          <a:xfrm>
+            <a:off x="749160" y="1980000"/>
+            <a:ext cx="6990840" cy="666360"/>
+          </a:xfrm>
+          <a:prstGeom prst="rect">
+            <a:avLst/>
+          </a:prstGeom>
+          <a:ln w="0">
+            <a:noFill/>
+          </a:ln>
+        </p:spPr>
+      </p:pic>
+      <p:pic>
+        <p:nvPicPr>
+          <p:cNvPr id="172" name="" descr=""/>
+          <p:cNvPicPr/>
+          <p:nvPr/>
+        </p:nvPicPr>
+        <p:blipFill>
+          <a:blip r:embed="rId2"/>
+          <a:stretch/>
+        </p:blipFill>
+        <p:spPr>
+          <a:xfrm>
+            <a:off x="720000" y="3240000"/>
+            <a:ext cx="6962400" cy="3028680"/>
+          </a:xfrm>
+          <a:prstGeom prst="rect">
+            <a:avLst/>
+          </a:prstGeom>
+          <a:ln w="0">
+            <a:noFill/>
+          </a:ln>
+        </p:spPr>
+      </p:pic>
+    </p:spTree>
+  </p:cSld>
+  <mc:AlternateContent>
+    <mc:Choice Requires="p14">
+      <p:transition spd="slow" p14:dur="2000"/>
+    </mc:Choice>
+    <mc:Fallback>
+      <p:transition spd="slow"/>
+    </mc:Fallback>
+  </mc:AlternateContent>
+</p:sld>
+</file>
+
+<file path=ppt/slides/slide19.xml><?xml version="1.0" encoding="utf-8"?>
+<p:sld xmlns:a="http://schemas.openxmlformats.org/drawingml/2006/main" xmlns:p="http://schemas.openxmlformats.org/presentationml/2006/main" xmlns:r="http://schemas.openxmlformats.org/officeDocument/2006/relationships" xmlns:p14="http://schemas.microsoft.com/office/powerpoint/2010/main" xmlns:p15="http://schemas.microsoft.com/office/powerpoint/2012/main" xmlns:mc="http://schemas.openxmlformats.org/markup-compatibility/2006">
+  <p:cSld>
+    <p:spTree>
+      <p:nvGrpSpPr>
+        <p:cNvPr id="1" name=""/>
+        <p:cNvGrpSpPr/>
+        <p:nvPr/>
+      </p:nvGrpSpPr>
+      <p:grpSpPr>
+        <a:xfrm>
+          <a:off x="0" y="0"/>
+          <a:ext cx="0" cy="0"/>
+          <a:chOff x="0" y="0"/>
+          <a:chExt cx="0" cy="0"/>
+        </a:xfrm>
+      </p:grpSpPr>
+      <p:sp>
+        <p:nvSpPr>
+          <p:cNvPr id="173" name="TextBox 21_17"/>
+          <p:cNvSpPr/>
+          <p:nvPr/>
+        </p:nvSpPr>
+        <p:spPr>
+          <a:xfrm>
+            <a:off x="621000" y="849240"/>
+            <a:ext cx="9817920" cy="4125960"/>
+          </a:xfrm>
+          <a:prstGeom prst="rect">
+            <a:avLst/>
+          </a:prstGeom>
+          <a:noFill/>
+          <a:ln w="0">
+            <a:noFill/>
+          </a:ln>
+        </p:spPr>
+        <p:style>
+          <a:lnRef idx="0"/>
+          <a:fillRef idx="0"/>
+          <a:effectRef idx="0"/>
+          <a:fontRef idx="minor"/>
+        </p:style>
+        <p:txBody>
+          <a:bodyPr lIns="90000" rIns="90000" tIns="45000" bIns="45000">
+            <a:spAutoFit/>
+          </a:bodyPr>
+          <a:p>
+            <a:pPr>
+              <a:lnSpc>
+                <a:spcPct val="100000"/>
+              </a:lnSpc>
+            </a:pPr>
+            <a:r>
+              <a:rPr b="0" lang="en-US" sz="2000" spc="-1" strike="noStrike">
+                <a:solidFill>
+                  <a:srgbClr val="000000"/>
+                </a:solidFill>
+                <a:latin typeface="현대하모니 L"/>
+                <a:ea typeface="현대하모니 L"/>
+              </a:rPr>
+              <a:t>5) </a:t>
+            </a:r>
+            <a:r>
+              <a:rPr b="0" lang="en-US" sz="2000" spc="-1" strike="noStrike">
+                <a:solidFill>
+                  <a:srgbClr val="000000"/>
+                </a:solidFill>
+                <a:latin typeface="현대하모니 L"/>
+                <a:ea typeface="현대하모니 L"/>
+              </a:rPr>
+              <a:t>IEEE 754</a:t>
+            </a:r>
+            <a:endParaRPr b="0" lang="en-US" sz="2000" spc="-1" strike="noStrike">
+              <a:latin typeface="Arial"/>
+            </a:endParaRPr>
+          </a:p>
+          <a:p>
+            <a:pPr>
+              <a:lnSpc>
+                <a:spcPct val="100000"/>
+              </a:lnSpc>
+            </a:pPr>
+            <a:endParaRPr b="0" lang="en-US" sz="2000" spc="-1" strike="noStrike">
+              <a:latin typeface="Arial"/>
+            </a:endParaRPr>
+          </a:p>
+          <a:p>
+            <a:pPr>
+              <a:lnSpc>
+                <a:spcPct val="100000"/>
+              </a:lnSpc>
+            </a:pPr>
+            <a:endParaRPr b="0" lang="en-US" sz="2000" spc="-1" strike="noStrike">
+              <a:latin typeface="Arial"/>
+            </a:endParaRPr>
+          </a:p>
+          <a:p>
+            <a:pPr>
+              <a:lnSpc>
+                <a:spcPct val="100000"/>
+              </a:lnSpc>
+            </a:pPr>
+            <a:endParaRPr b="0" lang="en-US" sz="2000" spc="-1" strike="noStrike">
+              <a:latin typeface="Arial"/>
+            </a:endParaRPr>
+          </a:p>
+          <a:p>
+            <a:pPr>
+              <a:lnSpc>
+                <a:spcPct val="100000"/>
+              </a:lnSpc>
+            </a:pPr>
+            <a:r>
+              <a:rPr b="0" lang="en-US" sz="2000" spc="-1" strike="noStrike">
+                <a:solidFill>
+                  <a:srgbClr val="000000"/>
+                </a:solidFill>
+                <a:latin typeface="현대하모니 L"/>
+                <a:ea typeface="현대하모니 L"/>
+              </a:rPr>
+              <a:t> </a:t>
+            </a:r>
+            <a:endParaRPr b="0" lang="en-US" sz="2000" spc="-1" strike="noStrike">
+              <a:latin typeface="Arial"/>
+            </a:endParaRPr>
+          </a:p>
+          <a:p>
+            <a:pPr>
+              <a:lnSpc>
+                <a:spcPct val="100000"/>
+              </a:lnSpc>
+            </a:pPr>
+            <a:endParaRPr b="0" lang="en-US" sz="2000" spc="-1" strike="noStrike">
+              <a:latin typeface="Arial"/>
+            </a:endParaRPr>
+          </a:p>
+          <a:p>
+            <a:pPr>
+              <a:lnSpc>
+                <a:spcPct val="100000"/>
+              </a:lnSpc>
+            </a:pPr>
+            <a:endParaRPr b="0" lang="en-US" sz="2000" spc="-1" strike="noStrike">
+              <a:latin typeface="Arial"/>
+            </a:endParaRPr>
+          </a:p>
+          <a:p>
+            <a:pPr>
+              <a:lnSpc>
+                <a:spcPct val="100000"/>
+              </a:lnSpc>
+            </a:pPr>
+            <a:endParaRPr b="0" lang="en-US" sz="2000" spc="-1" strike="noStrike">
+              <a:latin typeface="Arial"/>
+            </a:endParaRPr>
+          </a:p>
+          <a:p>
+            <a:pPr>
+              <a:lnSpc>
+                <a:spcPct val="100000"/>
+              </a:lnSpc>
+            </a:pPr>
+            <a:endParaRPr b="0" lang="en-US" sz="2000" spc="-1" strike="noStrike">
+              <a:latin typeface="Arial"/>
+            </a:endParaRPr>
+          </a:p>
+          <a:p>
+            <a:pPr>
+              <a:lnSpc>
+                <a:spcPct val="100000"/>
+              </a:lnSpc>
+            </a:pPr>
+            <a:endParaRPr b="0" lang="en-US" sz="2000" spc="-1" strike="noStrike">
+              <a:latin typeface="Arial"/>
+            </a:endParaRPr>
+          </a:p>
+          <a:p>
+            <a:pPr>
+              <a:lnSpc>
+                <a:spcPct val="100000"/>
+              </a:lnSpc>
+            </a:pPr>
+            <a:endParaRPr b="0" lang="en-US" sz="2000" spc="-1" strike="noStrike">
+              <a:latin typeface="Arial"/>
+            </a:endParaRPr>
+          </a:p>
+          <a:p>
+            <a:pPr>
+              <a:lnSpc>
+                <a:spcPct val="100000"/>
+              </a:lnSpc>
+            </a:pPr>
+            <a:endParaRPr b="0" lang="en-US" sz="2000" spc="-1" strike="noStrike">
+              <a:latin typeface="Arial"/>
+            </a:endParaRPr>
+          </a:p>
+          <a:p>
+            <a:pPr>
+              <a:lnSpc>
+                <a:spcPct val="100000"/>
+              </a:lnSpc>
+            </a:pPr>
+            <a:endParaRPr b="0" lang="en-US" sz="2000" spc="-1" strike="noStrike">
+              <a:latin typeface="Arial"/>
+            </a:endParaRPr>
+          </a:p>
+          <a:p>
+            <a:pPr>
+              <a:lnSpc>
+                <a:spcPct val="100000"/>
+              </a:lnSpc>
+            </a:pPr>
+            <a:endParaRPr b="0" lang="en-US" sz="2000" spc="-1" strike="noStrike">
+              <a:latin typeface="Arial"/>
+            </a:endParaRPr>
+          </a:p>
+          <a:p>
+            <a:pPr>
+              <a:lnSpc>
+                <a:spcPct val="100000"/>
+              </a:lnSpc>
+            </a:pPr>
+            <a:endParaRPr b="0" lang="en-US" sz="2000" spc="-1" strike="noStrike">
+              <a:latin typeface="Arial"/>
+            </a:endParaRPr>
+          </a:p>
+          <a:p>
+            <a:pPr>
+              <a:lnSpc>
+                <a:spcPct val="100000"/>
+              </a:lnSpc>
+            </a:pPr>
+            <a:endParaRPr b="0" lang="en-US" sz="2000" spc="-1" strike="noStrike">
+              <a:latin typeface="Arial"/>
+            </a:endParaRPr>
+          </a:p>
+          <a:p>
+            <a:pPr>
+              <a:lnSpc>
+                <a:spcPct val="100000"/>
+              </a:lnSpc>
+            </a:pPr>
+            <a:endParaRPr b="0" lang="en-US" sz="2000" spc="-1" strike="noStrike">
+              <a:latin typeface="Arial"/>
+            </a:endParaRPr>
+          </a:p>
+          <a:p>
+            <a:pPr>
+              <a:lnSpc>
+                <a:spcPct val="100000"/>
+              </a:lnSpc>
+            </a:pPr>
+            <a:endParaRPr b="0" lang="en-US" sz="2000" spc="-1" strike="noStrike">
+              <a:latin typeface="Arial"/>
+            </a:endParaRPr>
+          </a:p>
+          <a:p>
+            <a:pPr>
+              <a:lnSpc>
+                <a:spcPct val="100000"/>
+              </a:lnSpc>
+            </a:pPr>
+            <a:endParaRPr b="0" lang="en-US" sz="2000" spc="-1" strike="noStrike">
+              <a:latin typeface="Arial"/>
+            </a:endParaRPr>
+          </a:p>
+          <a:p>
+            <a:pPr>
+              <a:lnSpc>
+                <a:spcPct val="100000"/>
+              </a:lnSpc>
+            </a:pPr>
+            <a:endParaRPr b="0" lang="en-US" sz="2000" spc="-1" strike="noStrike">
+              <a:latin typeface="Arial"/>
+            </a:endParaRPr>
+          </a:p>
+        </p:txBody>
+      </p:sp>
+      <p:sp>
+        <p:nvSpPr>
+          <p:cNvPr id="174" name="TextBox 1_17"/>
+          <p:cNvSpPr/>
+          <p:nvPr/>
+        </p:nvSpPr>
+        <p:spPr>
+          <a:xfrm>
+            <a:off x="4668120" y="7177320"/>
+            <a:ext cx="953280" cy="272160"/>
+          </a:xfrm>
+          <a:prstGeom prst="rect">
+            <a:avLst/>
+          </a:prstGeom>
+          <a:noFill/>
+          <a:ln w="0">
+            <a:noFill/>
+          </a:ln>
+        </p:spPr>
+        <p:style>
+          <a:lnRef idx="0"/>
+          <a:fillRef idx="0"/>
+          <a:effectRef idx="0"/>
+          <a:fontRef idx="minor"/>
+        </p:style>
+        <p:txBody>
+          <a:bodyPr lIns="90000" rIns="90000" tIns="45000" bIns="45000">
+            <a:spAutoFit/>
+          </a:bodyPr>
+          <a:p>
+            <a:pPr algn="ctr">
+              <a:lnSpc>
+                <a:spcPct val="100000"/>
+              </a:lnSpc>
+            </a:pPr>
+            <a:r>
+              <a:rPr b="0" lang="en-US" sz="1200" spc="-1" strike="noStrike">
+                <a:solidFill>
+                  <a:srgbClr val="000000"/>
+                </a:solidFill>
+                <a:latin typeface="현대하모니 L"/>
+                <a:ea typeface="현대하모니 L"/>
+              </a:rPr>
+              <a:t>00/00</a:t>
+            </a:r>
+            <a:endParaRPr b="0" lang="en-US" sz="1200" spc="-1" strike="noStrike">
+              <a:latin typeface="Arial"/>
+            </a:endParaRPr>
+          </a:p>
+        </p:txBody>
+      </p:sp>
+      <p:sp>
+        <p:nvSpPr>
+          <p:cNvPr id="175" name="TextBox 5_17"/>
+          <p:cNvSpPr/>
+          <p:nvPr/>
+        </p:nvSpPr>
+        <p:spPr>
+          <a:xfrm>
+            <a:off x="327600" y="45000"/>
+            <a:ext cx="4654440" cy="546480"/>
+          </a:xfrm>
+          <a:prstGeom prst="rect">
+            <a:avLst/>
+          </a:prstGeom>
+          <a:noFill/>
+          <a:ln w="0">
+            <a:noFill/>
+          </a:ln>
+        </p:spPr>
+        <p:style>
+          <a:lnRef idx="0"/>
+          <a:fillRef idx="0"/>
+          <a:effectRef idx="0"/>
+          <a:fontRef idx="minor"/>
+        </p:style>
+        <p:txBody>
+          <a:bodyPr lIns="90000" rIns="90000" tIns="45000" bIns="45000">
+            <a:spAutoFit/>
+          </a:bodyPr>
+          <a:p>
+            <a:pPr>
+              <a:lnSpc>
+                <a:spcPct val="100000"/>
+              </a:lnSpc>
+            </a:pPr>
+            <a:r>
+              <a:rPr b="0" lang="en-US" sz="3000" spc="-1" strike="noStrike">
+                <a:solidFill>
+                  <a:srgbClr val="000000"/>
+                </a:solidFill>
+                <a:latin typeface="현대하모니 L"/>
+                <a:ea typeface="현대하모니 L"/>
+              </a:rPr>
+              <a:t>2. </a:t>
+            </a:r>
+            <a:r>
+              <a:rPr b="0" lang="ko-KR" sz="3000" spc="-1" strike="noStrike">
+                <a:solidFill>
+                  <a:srgbClr val="000000"/>
+                </a:solidFill>
+                <a:latin typeface="현대하모니 L"/>
+                <a:ea typeface="현대하모니 L"/>
+              </a:rPr>
+              <a:t>데이터 타입</a:t>
+            </a:r>
+            <a:endParaRPr b="0" lang="en-US" sz="3000" spc="-1" strike="noStrike">
+              <a:latin typeface="Arial"/>
+            </a:endParaRPr>
+          </a:p>
+        </p:txBody>
+      </p:sp>
     </p:spTree>
   </p:cSld>
   <mc:AlternateContent>
@@ -9928,7 +13106,7 @@
         <p:spPr>
           <a:xfrm>
             <a:off x="327600" y="45000"/>
-            <a:ext cx="4654800" cy="546480"/>
+            <a:ext cx="4654440" cy="546480"/>
           </a:xfrm>
           <a:prstGeom prst="rect">
             <a:avLst/>
@@ -9989,7 +13167,7 @@
         <p:spPr>
           <a:xfrm>
             <a:off x="621000" y="849240"/>
-            <a:ext cx="9457920" cy="5799240"/>
+            <a:ext cx="9457560" cy="5799240"/>
           </a:xfrm>
           <a:prstGeom prst="rect">
             <a:avLst/>
@@ -10580,7 +13758,7 @@
         <p:spPr>
           <a:xfrm>
             <a:off x="4668120" y="7177320"/>
-            <a:ext cx="953640" cy="272160"/>
+            <a:ext cx="953280" cy="272160"/>
           </a:xfrm>
           <a:prstGeom prst="rect">
             <a:avLst/>
@@ -10635,7 +13813,7 @@
         <p:spPr>
           <a:xfrm>
             <a:off x="720000" y="3060000"/>
-            <a:ext cx="6980400" cy="2675160"/>
+            <a:ext cx="6980040" cy="2674800"/>
           </a:xfrm>
           <a:prstGeom prst="rect">
             <a:avLst/>
@@ -10684,7 +13862,7 @@
         <p:spPr>
           <a:xfrm>
             <a:off x="327600" y="45000"/>
-            <a:ext cx="4654800" cy="546480"/>
+            <a:ext cx="4654440" cy="546480"/>
           </a:xfrm>
           <a:prstGeom prst="rect">
             <a:avLst/>
@@ -10745,7 +13923,7 @@
         <p:spPr>
           <a:xfrm>
             <a:off x="621000" y="849240"/>
-            <a:ext cx="9457920" cy="3102840"/>
+            <a:ext cx="9457560" cy="3102840"/>
           </a:xfrm>
           <a:prstGeom prst="rect">
             <a:avLst/>
@@ -11116,7 +14294,7 @@
         <p:spPr>
           <a:xfrm>
             <a:off x="4668120" y="7177320"/>
-            <a:ext cx="953640" cy="272160"/>
+            <a:ext cx="953280" cy="272160"/>
           </a:xfrm>
           <a:prstGeom prst="rect">
             <a:avLst/>
@@ -11171,7 +14349,7 @@
         <p:spPr>
           <a:xfrm>
             <a:off x="720000" y="1119240"/>
-            <a:ext cx="6999840" cy="1580040"/>
+            <a:ext cx="6999480" cy="1579680"/>
           </a:xfrm>
           <a:prstGeom prst="rect">
             <a:avLst/>
@@ -11220,7 +14398,7 @@
         <p:spPr>
           <a:xfrm>
             <a:off x="621000" y="849240"/>
-            <a:ext cx="9818280" cy="1004400"/>
+            <a:ext cx="9817920" cy="1004400"/>
           </a:xfrm>
           <a:prstGeom prst="rect">
             <a:avLst/>
@@ -11321,7 +14499,7 @@
         <p:spPr>
           <a:xfrm>
             <a:off x="4668120" y="7177320"/>
-            <a:ext cx="953640" cy="272160"/>
+            <a:ext cx="953280" cy="272160"/>
           </a:xfrm>
           <a:prstGeom prst="rect">
             <a:avLst/>
@@ -11372,7 +14550,7 @@
         <p:spPr>
           <a:xfrm>
             <a:off x="327600" y="45000"/>
-            <a:ext cx="4654800" cy="546480"/>
+            <a:ext cx="4654440" cy="546480"/>
           </a:xfrm>
           <a:prstGeom prst="rect">
             <a:avLst/>
@@ -11437,7 +14615,7 @@
         <p:spPr>
           <a:xfrm>
             <a:off x="529200" y="2181960"/>
-            <a:ext cx="4330080" cy="3757320"/>
+            <a:ext cx="4329720" cy="3756960"/>
           </a:xfrm>
           <a:prstGeom prst="rect">
             <a:avLst/>
@@ -11460,7 +14638,7 @@
         <p:spPr>
           <a:xfrm>
             <a:off x="5760000" y="2160000"/>
-            <a:ext cx="4349880" cy="3757320"/>
+            <a:ext cx="4349520" cy="3756960"/>
           </a:xfrm>
           <a:prstGeom prst="rect">
             <a:avLst/>
@@ -11479,7 +14657,7 @@
         <p:spPr>
           <a:xfrm>
             <a:off x="4860000" y="3780000"/>
-            <a:ext cx="899280" cy="359280"/>
+            <a:ext cx="898920" cy="358920"/>
           </a:xfrm>
           <a:custGeom>
             <a:avLst/>
@@ -11595,7 +14773,7 @@
         <p:spPr>
           <a:xfrm>
             <a:off x="621000" y="849240"/>
-            <a:ext cx="9818280" cy="3946680"/>
+            <a:ext cx="9817920" cy="3946320"/>
           </a:xfrm>
           <a:prstGeom prst="rect">
             <a:avLst/>
@@ -11996,7 +15174,7 @@
         <p:spPr>
           <a:xfrm>
             <a:off x="4668120" y="7177320"/>
-            <a:ext cx="953640" cy="272160"/>
+            <a:ext cx="953280" cy="272160"/>
           </a:xfrm>
           <a:prstGeom prst="rect">
             <a:avLst/>
@@ -12047,7 +15225,7 @@
         <p:spPr>
           <a:xfrm>
             <a:off x="327600" y="45000"/>
-            <a:ext cx="4654800" cy="546480"/>
+            <a:ext cx="4654440" cy="546480"/>
           </a:xfrm>
           <a:prstGeom prst="rect">
             <a:avLst/>
@@ -12112,7 +15290,7 @@
         <p:spPr>
           <a:xfrm>
             <a:off x="1872720" y="1980000"/>
-            <a:ext cx="6971760" cy="1923480"/>
+            <a:ext cx="6971400" cy="1923120"/>
           </a:xfrm>
           <a:prstGeom prst="rect">
             <a:avLst/>
@@ -12135,7 +15313,7 @@
         <p:spPr>
           <a:xfrm>
             <a:off x="1819440" y="5040000"/>
-            <a:ext cx="7000200" cy="1818720"/>
+            <a:ext cx="6999840" cy="1818360"/>
           </a:xfrm>
           <a:prstGeom prst="rect">
             <a:avLst/>
@@ -12184,7 +15362,7 @@
         <p:spPr>
           <a:xfrm>
             <a:off x="621000" y="849240"/>
-            <a:ext cx="9818280" cy="3474000"/>
+            <a:ext cx="9817920" cy="3473640"/>
           </a:xfrm>
           <a:prstGeom prst="rect">
             <a:avLst/>
@@ -12455,7 +15633,7 @@
         <p:spPr>
           <a:xfrm>
             <a:off x="4668120" y="7177320"/>
-            <a:ext cx="953640" cy="272160"/>
+            <a:ext cx="953280" cy="272160"/>
           </a:xfrm>
           <a:prstGeom prst="rect">
             <a:avLst/>
@@ -12506,7 +15684,7 @@
         <p:spPr>
           <a:xfrm>
             <a:off x="327600" y="45000"/>
-            <a:ext cx="4654800" cy="546480"/>
+            <a:ext cx="4654440" cy="546480"/>
           </a:xfrm>
           <a:prstGeom prst="rect">
             <a:avLst/>
@@ -12571,7 +15749,7 @@
         <p:spPr>
           <a:xfrm>
             <a:off x="720000" y="2039400"/>
-            <a:ext cx="7009560" cy="1380240"/>
+            <a:ext cx="7009200" cy="1379880"/>
           </a:xfrm>
           <a:prstGeom prst="rect">
             <a:avLst/>
@@ -12593,8 +15771,8 @@
         </p:blipFill>
         <p:spPr>
           <a:xfrm rot="9600">
-            <a:off x="734400" y="4275360"/>
-            <a:ext cx="6942960" cy="2573280"/>
+            <a:off x="734040" y="4275000"/>
+            <a:ext cx="6942600" cy="2572920"/>
           </a:xfrm>
           <a:prstGeom prst="rect">
             <a:avLst/>
@@ -12643,7 +15821,7 @@
         <p:spPr>
           <a:xfrm>
             <a:off x="621000" y="849240"/>
-            <a:ext cx="9818280" cy="4341240"/>
+            <a:ext cx="9817920" cy="4340880"/>
           </a:xfrm>
           <a:prstGeom prst="rect">
             <a:avLst/>
@@ -12994,7 +16172,7 @@
         <p:spPr>
           <a:xfrm>
             <a:off x="4668120" y="7177320"/>
-            <a:ext cx="953640" cy="272160"/>
+            <a:ext cx="953280" cy="272160"/>
           </a:xfrm>
           <a:prstGeom prst="rect">
             <a:avLst/>
@@ -13045,7 +16223,7 @@
         <p:spPr>
           <a:xfrm>
             <a:off x="327600" y="45000"/>
-            <a:ext cx="4654800" cy="546480"/>
+            <a:ext cx="4654440" cy="546480"/>
           </a:xfrm>
           <a:prstGeom prst="rect">
             <a:avLst/>
@@ -13110,7 +16288,7 @@
         <p:spPr>
           <a:xfrm>
             <a:off x="720000" y="1980000"/>
-            <a:ext cx="6990480" cy="1618560"/>
+            <a:ext cx="6990120" cy="1618200"/>
           </a:xfrm>
           <a:prstGeom prst="rect">
             <a:avLst/>
@@ -13133,7 +16311,7 @@
         <p:spPr>
           <a:xfrm>
             <a:off x="720000" y="3960000"/>
-            <a:ext cx="6962040" cy="1456560"/>
+            <a:ext cx="6961680" cy="1456200"/>
           </a:xfrm>
           <a:prstGeom prst="rect">
             <a:avLst/>
@@ -13182,7 +16360,7 @@
         <p:spPr>
           <a:xfrm>
             <a:off x="621000" y="849240"/>
-            <a:ext cx="9818280" cy="4358520"/>
+            <a:ext cx="9817920" cy="4358520"/>
           </a:xfrm>
           <a:prstGeom prst="rect">
             <a:avLst/>
@@ -13393,7 +16571,7 @@
         <p:spPr>
           <a:xfrm>
             <a:off x="4668120" y="7177320"/>
-            <a:ext cx="953640" cy="272160"/>
+            <a:ext cx="953280" cy="272160"/>
           </a:xfrm>
           <a:prstGeom prst="rect">
             <a:avLst/>
@@ -13444,7 +16622,7 @@
         <p:spPr>
           <a:xfrm>
             <a:off x="327600" y="45000"/>
-            <a:ext cx="4654800" cy="546480"/>
+            <a:ext cx="4654440" cy="546480"/>
           </a:xfrm>
           <a:prstGeom prst="rect">
             <a:avLst/>
@@ -13509,7 +16687,7 @@
         <p:spPr>
           <a:xfrm>
             <a:off x="720000" y="1980000"/>
-            <a:ext cx="7486560" cy="1439640"/>
+            <a:ext cx="7486200" cy="1439280"/>
           </a:xfrm>
           <a:prstGeom prst="rect">
             <a:avLst/>
@@ -13558,7 +16736,7 @@
         <p:spPr>
           <a:xfrm>
             <a:off x="621000" y="849240"/>
-            <a:ext cx="9818280" cy="5942880"/>
+            <a:ext cx="9817920" cy="5942880"/>
           </a:xfrm>
           <a:prstGeom prst="rect">
             <a:avLst/>
@@ -13929,7 +17107,7 @@
         <p:spPr>
           <a:xfrm>
             <a:off x="4668120" y="7177320"/>
-            <a:ext cx="953640" cy="272160"/>
+            <a:ext cx="953280" cy="272160"/>
           </a:xfrm>
           <a:prstGeom prst="rect">
             <a:avLst/>
@@ -13980,7 +17158,7 @@
         <p:spPr>
           <a:xfrm>
             <a:off x="327600" y="45000"/>
-            <a:ext cx="4654800" cy="546480"/>
+            <a:ext cx="4654440" cy="546480"/>
           </a:xfrm>
           <a:prstGeom prst="rect">
             <a:avLst/>
@@ -14045,7 +17223,7 @@
         <p:spPr>
           <a:xfrm>
             <a:off x="720000" y="2217960"/>
-            <a:ext cx="6923880" cy="3361680"/>
+            <a:ext cx="6923520" cy="3361320"/>
           </a:xfrm>
           <a:prstGeom prst="rect">
             <a:avLst/>

--- a/HyunhoCha/homework/c/01/차현호1회차숙제.pptx
+++ b/HyunhoCha/homework/c/01/차현호1회차숙제.pptx
@@ -28,6 +28,8 @@
     <p:sldId id="272" r:id="rId21"/>
     <p:sldId id="273" r:id="rId22"/>
     <p:sldId id="274" r:id="rId23"/>
+    <p:sldId id="275" r:id="rId24"/>
+    <p:sldId id="276" r:id="rId25"/>
   </p:sldIdLst>
   <p:sldSz cx="10691812" cy="7559675"/>
   <p:notesSz cx="6797675" cy="9926637"/>
@@ -80,139 +82,7 @@
               <a:rPr b="0" lang="en-US" sz="4400" spc="-1" strike="noStrike">
                 <a:latin typeface="Arial"/>
               </a:rPr>
-              <a:t>C</a:t>
-            </a:r>
-            <a:r>
-              <a:rPr b="0" lang="en-US" sz="4400" spc="-1" strike="noStrike">
-                <a:latin typeface="Arial"/>
-              </a:rPr>
-              <a:t>l</a:t>
-            </a:r>
-            <a:r>
-              <a:rPr b="0" lang="en-US" sz="4400" spc="-1" strike="noStrike">
-                <a:latin typeface="Arial"/>
-              </a:rPr>
-              <a:t>i</a:t>
-            </a:r>
-            <a:r>
-              <a:rPr b="0" lang="en-US" sz="4400" spc="-1" strike="noStrike">
-                <a:latin typeface="Arial"/>
-              </a:rPr>
-              <a:t>c</a:t>
-            </a:r>
-            <a:r>
-              <a:rPr b="0" lang="en-US" sz="4400" spc="-1" strike="noStrike">
-                <a:latin typeface="Arial"/>
-              </a:rPr>
-              <a:t>k</a:t>
-            </a:r>
-            <a:r>
-              <a:rPr b="0" lang="en-US" sz="4400" spc="-1" strike="noStrike">
-                <a:latin typeface="Arial"/>
-              </a:rPr>
-              <a:t> </a:t>
-            </a:r>
-            <a:r>
-              <a:rPr b="0" lang="en-US" sz="4400" spc="-1" strike="noStrike">
-                <a:latin typeface="Arial"/>
-              </a:rPr>
-              <a:t>t</a:t>
-            </a:r>
-            <a:r>
-              <a:rPr b="0" lang="en-US" sz="4400" spc="-1" strike="noStrike">
-                <a:latin typeface="Arial"/>
-              </a:rPr>
-              <a:t>o</a:t>
-            </a:r>
-            <a:r>
-              <a:rPr b="0" lang="en-US" sz="4400" spc="-1" strike="noStrike">
-                <a:latin typeface="Arial"/>
-              </a:rPr>
-              <a:t> </a:t>
-            </a:r>
-            <a:r>
-              <a:rPr b="0" lang="en-US" sz="4400" spc="-1" strike="noStrike">
-                <a:latin typeface="Arial"/>
-              </a:rPr>
-              <a:t>m</a:t>
-            </a:r>
-            <a:r>
-              <a:rPr b="0" lang="en-US" sz="4400" spc="-1" strike="noStrike">
-                <a:latin typeface="Arial"/>
-              </a:rPr>
-              <a:t>o</a:t>
-            </a:r>
-            <a:r>
-              <a:rPr b="0" lang="en-US" sz="4400" spc="-1" strike="noStrike">
-                <a:latin typeface="Arial"/>
-              </a:rPr>
-              <a:t>v</a:t>
-            </a:r>
-            <a:r>
-              <a:rPr b="0" lang="en-US" sz="4400" spc="-1" strike="noStrike">
-                <a:latin typeface="Arial"/>
-              </a:rPr>
-              <a:t>e</a:t>
-            </a:r>
-            <a:r>
-              <a:rPr b="0" lang="en-US" sz="4400" spc="-1" strike="noStrike">
-                <a:latin typeface="Arial"/>
-              </a:rPr>
-              <a:t> </a:t>
-            </a:r>
-            <a:r>
-              <a:rPr b="0" lang="en-US" sz="4400" spc="-1" strike="noStrike">
-                <a:latin typeface="Arial"/>
-              </a:rPr>
-              <a:t>t</a:t>
-            </a:r>
-            <a:r>
-              <a:rPr b="0" lang="en-US" sz="4400" spc="-1" strike="noStrike">
-                <a:latin typeface="Arial"/>
-              </a:rPr>
-              <a:t>h</a:t>
-            </a:r>
-            <a:r>
-              <a:rPr b="0" lang="en-US" sz="4400" spc="-1" strike="noStrike">
-                <a:latin typeface="Arial"/>
-              </a:rPr>
-              <a:t>e</a:t>
-            </a:r>
-            <a:r>
-              <a:rPr b="0" lang="en-US" sz="4400" spc="-1" strike="noStrike">
-                <a:latin typeface="Arial"/>
-              </a:rPr>
-              <a:t> </a:t>
-            </a:r>
-            <a:r>
-              <a:rPr b="0" lang="en-US" sz="4400" spc="-1" strike="noStrike">
-                <a:latin typeface="Arial"/>
-              </a:rPr>
-              <a:t>s</a:t>
-            </a:r>
-            <a:r>
-              <a:rPr b="0" lang="en-US" sz="4400" spc="-1" strike="noStrike">
-                <a:latin typeface="Arial"/>
-              </a:rPr>
-              <a:t>l</a:t>
-            </a:r>
-            <a:r>
-              <a:rPr b="0" lang="en-US" sz="4400" spc="-1" strike="noStrike">
-                <a:latin typeface="Arial"/>
-              </a:rPr>
-              <a:t>i</a:t>
-            </a:r>
-            <a:r>
-              <a:rPr b="0" lang="en-US" sz="4400" spc="-1" strike="noStrike">
-                <a:latin typeface="Arial"/>
-              </a:rPr>
-              <a:t>d</a:t>
-            </a:r>
-            <a:r>
-              <a:rPr b="0" lang="en-US" sz="4400" spc="-1" strike="noStrike">
-                <a:latin typeface="Arial"/>
-              </a:rPr>
-              <a:t>e</a:t>
+              <a:t>Click to move the slide</a:t>
             </a:r>
             <a:endParaRPr b="0" lang="en-US" sz="4400" spc="-1" strike="noStrike">
               <a:latin typeface="Arial"/>
@@ -390,7 +260,7 @@
           </a:bodyPr>
           <a:p>
             <a:pPr algn="r"/>
-            <a:fld id="{30DDE954-1B4B-4895-A665-2D085B8CB5BD}" type="slidenum">
+            <a:fld id="{EA2EEA1A-87D6-42F0-A7F4-54C0FB97D518}" type="slidenum">
               <a:rPr b="0" lang="en-US" sz="1400" spc="-1" strike="noStrike">
                 <a:latin typeface="Noto Serif CJK KR"/>
               </a:rPr>
@@ -427,7 +297,7 @@
       </p:grpSpPr>
       <p:sp>
         <p:nvSpPr>
-          <p:cNvPr id="176" name="PlaceHolder 1"/>
+          <p:cNvPr id="186" name="PlaceHolder 1"/>
           <p:cNvSpPr>
             <a:spLocks noGrp="1"/>
           </p:cNvSpPr>
@@ -438,16 +308,16 @@
         <p:spPr>
           <a:xfrm>
             <a:off x="1030320" y="1241280"/>
-            <a:ext cx="4735080" cy="3347640"/>
-          </a:xfrm>
-          <a:prstGeom prst="rect">
-            <a:avLst/>
-          </a:prstGeom>
-        </p:spPr>
-      </p:sp>
-      <p:sp>
-        <p:nvSpPr>
-          <p:cNvPr id="177" name="PlaceHolder 2"/>
+            <a:ext cx="4734360" cy="3346920"/>
+          </a:xfrm>
+          <a:prstGeom prst="rect">
+            <a:avLst/>
+          </a:prstGeom>
+        </p:spPr>
+      </p:sp>
+      <p:sp>
+        <p:nvSpPr>
+          <p:cNvPr id="187" name="PlaceHolder 2"/>
           <p:cNvSpPr>
             <a:spLocks noGrp="1"/>
           </p:cNvSpPr>
@@ -458,7 +328,7 @@
         <p:spPr>
           <a:xfrm>
             <a:off x="679680" y="4777200"/>
-            <a:ext cx="5436000" cy="3906360"/>
+            <a:ext cx="5435280" cy="3905640"/>
           </a:xfrm>
           <a:prstGeom prst="rect">
             <a:avLst/>
@@ -477,14 +347,14 @@
       </p:sp>
       <p:sp>
         <p:nvSpPr>
-          <p:cNvPr id="178" name="슬라이드 번호 개체 틀 3"/>
+          <p:cNvPr id="188" name="슬라이드 번호 개체 틀 3"/>
           <p:cNvSpPr/>
           <p:nvPr/>
         </p:nvSpPr>
         <p:spPr>
           <a:xfrm>
             <a:off x="3850560" y="9428760"/>
-            <a:ext cx="2943360" cy="495720"/>
+            <a:ext cx="2942640" cy="495000"/>
           </a:xfrm>
           <a:prstGeom prst="rect">
             <a:avLst/>
@@ -510,7 +380,7 @@
                 <a:spcPct val="100000"/>
               </a:lnSpc>
             </a:pPr>
-            <a:fld id="{F5664D02-EDD6-4224-98E9-5F2E8CB875F0}" type="slidenum">
+            <a:fld id="{1EF63CC8-F2CD-4CBE-9352-91B52A9CE1BD}" type="slidenum">
               <a:rPr b="0" lang="en-US" sz="1200" spc="-1" strike="noStrike">
                 <a:solidFill>
                   <a:srgbClr val="000000"/>
@@ -550,7 +420,7 @@
       </p:grpSpPr>
       <p:sp>
         <p:nvSpPr>
-          <p:cNvPr id="203" name="PlaceHolder 1"/>
+          <p:cNvPr id="213" name="PlaceHolder 1"/>
           <p:cNvSpPr>
             <a:spLocks noGrp="1"/>
           </p:cNvSpPr>
@@ -561,16 +431,16 @@
         <p:spPr>
           <a:xfrm>
             <a:off x="1030320" y="1241280"/>
-            <a:ext cx="4735080" cy="3347640"/>
-          </a:xfrm>
-          <a:prstGeom prst="rect">
-            <a:avLst/>
-          </a:prstGeom>
-        </p:spPr>
-      </p:sp>
-      <p:sp>
-        <p:nvSpPr>
-          <p:cNvPr id="204" name="PlaceHolder 2"/>
+            <a:ext cx="4734360" cy="3346920"/>
+          </a:xfrm>
+          <a:prstGeom prst="rect">
+            <a:avLst/>
+          </a:prstGeom>
+        </p:spPr>
+      </p:sp>
+      <p:sp>
+        <p:nvSpPr>
+          <p:cNvPr id="214" name="PlaceHolder 2"/>
           <p:cNvSpPr>
             <a:spLocks noGrp="1"/>
           </p:cNvSpPr>
@@ -581,7 +451,7 @@
         <p:spPr>
           <a:xfrm>
             <a:off x="679680" y="4777200"/>
-            <a:ext cx="5436000" cy="3906360"/>
+            <a:ext cx="5435280" cy="3905640"/>
           </a:xfrm>
           <a:prstGeom prst="rect">
             <a:avLst/>
@@ -600,14 +470,14 @@
       </p:sp>
       <p:sp>
         <p:nvSpPr>
-          <p:cNvPr id="205" name="슬라이드 번호 개체 틀 3_8"/>
+          <p:cNvPr id="215" name="슬라이드 번호 개체 틀 3_8"/>
           <p:cNvSpPr/>
           <p:nvPr/>
         </p:nvSpPr>
         <p:spPr>
           <a:xfrm>
             <a:off x="3850560" y="9428760"/>
-            <a:ext cx="2943360" cy="495720"/>
+            <a:ext cx="2942640" cy="495000"/>
           </a:xfrm>
           <a:prstGeom prst="rect">
             <a:avLst/>
@@ -633,7 +503,7 @@
                 <a:spcPct val="100000"/>
               </a:lnSpc>
             </a:pPr>
-            <a:fld id="{A0A823E3-0635-4AB6-B856-013242DA90DF}" type="slidenum">
+            <a:fld id="{FDC78767-1CFB-4DA5-A9EA-4DEFDC2F6271}" type="slidenum">
               <a:rPr b="0" lang="en-US" sz="1200" spc="-1" strike="noStrike">
                 <a:solidFill>
                   <a:srgbClr val="000000"/>
@@ -672,7 +542,7 @@
       </p:grpSpPr>
       <p:sp>
         <p:nvSpPr>
-          <p:cNvPr id="206" name="PlaceHolder 1"/>
+          <p:cNvPr id="216" name="PlaceHolder 1"/>
           <p:cNvSpPr>
             <a:spLocks noGrp="1"/>
           </p:cNvSpPr>
@@ -683,16 +553,16 @@
         <p:spPr>
           <a:xfrm>
             <a:off x="1030320" y="1241280"/>
-            <a:ext cx="4735080" cy="3347640"/>
-          </a:xfrm>
-          <a:prstGeom prst="rect">
-            <a:avLst/>
-          </a:prstGeom>
-        </p:spPr>
-      </p:sp>
-      <p:sp>
-        <p:nvSpPr>
-          <p:cNvPr id="207" name="PlaceHolder 2"/>
+            <a:ext cx="4734360" cy="3346920"/>
+          </a:xfrm>
+          <a:prstGeom prst="rect">
+            <a:avLst/>
+          </a:prstGeom>
+        </p:spPr>
+      </p:sp>
+      <p:sp>
+        <p:nvSpPr>
+          <p:cNvPr id="217" name="PlaceHolder 2"/>
           <p:cNvSpPr>
             <a:spLocks noGrp="1"/>
           </p:cNvSpPr>
@@ -703,7 +573,7 @@
         <p:spPr>
           <a:xfrm>
             <a:off x="679680" y="4777200"/>
-            <a:ext cx="5436000" cy="3906360"/>
+            <a:ext cx="5435280" cy="3905640"/>
           </a:xfrm>
           <a:prstGeom prst="rect">
             <a:avLst/>
@@ -722,14 +592,14 @@
       </p:sp>
       <p:sp>
         <p:nvSpPr>
-          <p:cNvPr id="208" name="슬라이드 번호 개체 틀 3_9"/>
+          <p:cNvPr id="218" name="슬라이드 번호 개체 틀 3_9"/>
           <p:cNvSpPr/>
           <p:nvPr/>
         </p:nvSpPr>
         <p:spPr>
           <a:xfrm>
             <a:off x="3850560" y="9428760"/>
-            <a:ext cx="2943360" cy="495720"/>
+            <a:ext cx="2942640" cy="495000"/>
           </a:xfrm>
           <a:prstGeom prst="rect">
             <a:avLst/>
@@ -755,7 +625,7 @@
                 <a:spcPct val="100000"/>
               </a:lnSpc>
             </a:pPr>
-            <a:fld id="{7CF84DD5-5458-4244-9AEC-EDCA07299953}" type="slidenum">
+            <a:fld id="{CD2D92D8-AF4D-41B2-9FAC-0D2B2F58BC92}" type="slidenum">
               <a:rPr b="0" lang="en-US" sz="1200" spc="-1" strike="noStrike">
                 <a:solidFill>
                   <a:srgbClr val="000000"/>
@@ -794,7 +664,7 @@
       </p:grpSpPr>
       <p:sp>
         <p:nvSpPr>
-          <p:cNvPr id="209" name="PlaceHolder 1"/>
+          <p:cNvPr id="219" name="PlaceHolder 1"/>
           <p:cNvSpPr>
             <a:spLocks noGrp="1"/>
           </p:cNvSpPr>
@@ -805,16 +675,16 @@
         <p:spPr>
           <a:xfrm>
             <a:off x="1030320" y="1241280"/>
-            <a:ext cx="4735080" cy="3347640"/>
-          </a:xfrm>
-          <a:prstGeom prst="rect">
-            <a:avLst/>
-          </a:prstGeom>
-        </p:spPr>
-      </p:sp>
-      <p:sp>
-        <p:nvSpPr>
-          <p:cNvPr id="210" name="PlaceHolder 2"/>
+            <a:ext cx="4734360" cy="3346920"/>
+          </a:xfrm>
+          <a:prstGeom prst="rect">
+            <a:avLst/>
+          </a:prstGeom>
+        </p:spPr>
+      </p:sp>
+      <p:sp>
+        <p:nvSpPr>
+          <p:cNvPr id="220" name="PlaceHolder 2"/>
           <p:cNvSpPr>
             <a:spLocks noGrp="1"/>
           </p:cNvSpPr>
@@ -825,7 +695,7 @@
         <p:spPr>
           <a:xfrm>
             <a:off x="679680" y="4777200"/>
-            <a:ext cx="5436000" cy="3906360"/>
+            <a:ext cx="5435280" cy="3905640"/>
           </a:xfrm>
           <a:prstGeom prst="rect">
             <a:avLst/>
@@ -844,14 +714,14 @@
       </p:sp>
       <p:sp>
         <p:nvSpPr>
-          <p:cNvPr id="211" name="슬라이드 번호 개체 틀 3_10"/>
+          <p:cNvPr id="221" name="슬라이드 번호 개체 틀 3_10"/>
           <p:cNvSpPr/>
           <p:nvPr/>
         </p:nvSpPr>
         <p:spPr>
           <a:xfrm>
             <a:off x="3850560" y="9428760"/>
-            <a:ext cx="2943360" cy="495720"/>
+            <a:ext cx="2942640" cy="495000"/>
           </a:xfrm>
           <a:prstGeom prst="rect">
             <a:avLst/>
@@ -877,7 +747,7 @@
                 <a:spcPct val="100000"/>
               </a:lnSpc>
             </a:pPr>
-            <a:fld id="{6B338ED6-0646-48B3-993A-B067E1660AB1}" type="slidenum">
+            <a:fld id="{78F37253-767D-451F-B4B1-B07B1FEB74EA}" type="slidenum">
               <a:rPr b="0" lang="en-US" sz="1200" spc="-1" strike="noStrike">
                 <a:solidFill>
                   <a:srgbClr val="000000"/>
@@ -916,7 +786,7 @@
       </p:grpSpPr>
       <p:sp>
         <p:nvSpPr>
-          <p:cNvPr id="212" name="PlaceHolder 1"/>
+          <p:cNvPr id="222" name="PlaceHolder 1"/>
           <p:cNvSpPr>
             <a:spLocks noGrp="1"/>
           </p:cNvSpPr>
@@ -927,16 +797,16 @@
         <p:spPr>
           <a:xfrm>
             <a:off x="1030320" y="1241280"/>
-            <a:ext cx="4735080" cy="3347640"/>
-          </a:xfrm>
-          <a:prstGeom prst="rect">
-            <a:avLst/>
-          </a:prstGeom>
-        </p:spPr>
-      </p:sp>
-      <p:sp>
-        <p:nvSpPr>
-          <p:cNvPr id="213" name="PlaceHolder 2"/>
+            <a:ext cx="4734360" cy="3346920"/>
+          </a:xfrm>
+          <a:prstGeom prst="rect">
+            <a:avLst/>
+          </a:prstGeom>
+        </p:spPr>
+      </p:sp>
+      <p:sp>
+        <p:nvSpPr>
+          <p:cNvPr id="223" name="PlaceHolder 2"/>
           <p:cNvSpPr>
             <a:spLocks noGrp="1"/>
           </p:cNvSpPr>
@@ -947,7 +817,7 @@
         <p:spPr>
           <a:xfrm>
             <a:off x="679680" y="4777200"/>
-            <a:ext cx="5436000" cy="3906360"/>
+            <a:ext cx="5435280" cy="3905640"/>
           </a:xfrm>
           <a:prstGeom prst="rect">
             <a:avLst/>
@@ -966,14 +836,14 @@
       </p:sp>
       <p:sp>
         <p:nvSpPr>
-          <p:cNvPr id="214" name="슬라이드 번호 개체 틀 3_12"/>
+          <p:cNvPr id="224" name="슬라이드 번호 개체 틀 3_12"/>
           <p:cNvSpPr/>
           <p:nvPr/>
         </p:nvSpPr>
         <p:spPr>
           <a:xfrm>
             <a:off x="3850560" y="9428760"/>
-            <a:ext cx="2943360" cy="495720"/>
+            <a:ext cx="2942640" cy="495000"/>
           </a:xfrm>
           <a:prstGeom prst="rect">
             <a:avLst/>
@@ -999,7 +869,7 @@
                 <a:spcPct val="100000"/>
               </a:lnSpc>
             </a:pPr>
-            <a:fld id="{210647EE-990C-442F-B1EB-EF2F2C6C1CC0}" type="slidenum">
+            <a:fld id="{7E72E6D5-6950-41AC-AC5D-24C6FA36B631}" type="slidenum">
               <a:rPr b="0" lang="en-US" sz="1200" spc="-1" strike="noStrike">
                 <a:solidFill>
                   <a:srgbClr val="000000"/>
@@ -1038,7 +908,7 @@
       </p:grpSpPr>
       <p:sp>
         <p:nvSpPr>
-          <p:cNvPr id="215" name="PlaceHolder 1"/>
+          <p:cNvPr id="225" name="PlaceHolder 1"/>
           <p:cNvSpPr>
             <a:spLocks noGrp="1"/>
           </p:cNvSpPr>
@@ -1049,16 +919,16 @@
         <p:spPr>
           <a:xfrm>
             <a:off x="1030320" y="1241280"/>
-            <a:ext cx="4735080" cy="3347640"/>
-          </a:xfrm>
-          <a:prstGeom prst="rect">
-            <a:avLst/>
-          </a:prstGeom>
-        </p:spPr>
-      </p:sp>
-      <p:sp>
-        <p:nvSpPr>
-          <p:cNvPr id="216" name="PlaceHolder 2"/>
+            <a:ext cx="4734360" cy="3346920"/>
+          </a:xfrm>
+          <a:prstGeom prst="rect">
+            <a:avLst/>
+          </a:prstGeom>
+        </p:spPr>
+      </p:sp>
+      <p:sp>
+        <p:nvSpPr>
+          <p:cNvPr id="226" name="PlaceHolder 2"/>
           <p:cNvSpPr>
             <a:spLocks noGrp="1"/>
           </p:cNvSpPr>
@@ -1069,7 +939,7 @@
         <p:spPr>
           <a:xfrm>
             <a:off x="679680" y="4777200"/>
-            <a:ext cx="5436000" cy="3906360"/>
+            <a:ext cx="5435280" cy="3905640"/>
           </a:xfrm>
           <a:prstGeom prst="rect">
             <a:avLst/>
@@ -1088,14 +958,14 @@
       </p:sp>
       <p:sp>
         <p:nvSpPr>
-          <p:cNvPr id="217" name="슬라이드 번호 개체 틀 3_11"/>
+          <p:cNvPr id="227" name="슬라이드 번호 개체 틀 3_11"/>
           <p:cNvSpPr/>
           <p:nvPr/>
         </p:nvSpPr>
         <p:spPr>
           <a:xfrm>
             <a:off x="3850560" y="9428760"/>
-            <a:ext cx="2943360" cy="495720"/>
+            <a:ext cx="2942640" cy="495000"/>
           </a:xfrm>
           <a:prstGeom prst="rect">
             <a:avLst/>
@@ -1121,7 +991,7 @@
                 <a:spcPct val="100000"/>
               </a:lnSpc>
             </a:pPr>
-            <a:fld id="{FA4B0F55-A5D4-44B4-AE7F-0B464F0CE32F}" type="slidenum">
+            <a:fld id="{92BB88E2-7407-443B-91BA-0877CB81BFF8}" type="slidenum">
               <a:rPr b="0" lang="en-US" sz="1200" spc="-1" strike="noStrike">
                 <a:solidFill>
                   <a:srgbClr val="000000"/>
@@ -1160,7 +1030,7 @@
       </p:grpSpPr>
       <p:sp>
         <p:nvSpPr>
-          <p:cNvPr id="218" name="PlaceHolder 1"/>
+          <p:cNvPr id="228" name="PlaceHolder 1"/>
           <p:cNvSpPr>
             <a:spLocks noGrp="1"/>
           </p:cNvSpPr>
@@ -1171,16 +1041,16 @@
         <p:spPr>
           <a:xfrm>
             <a:off x="1030320" y="1241280"/>
-            <a:ext cx="4735080" cy="3347640"/>
-          </a:xfrm>
-          <a:prstGeom prst="rect">
-            <a:avLst/>
-          </a:prstGeom>
-        </p:spPr>
-      </p:sp>
-      <p:sp>
-        <p:nvSpPr>
-          <p:cNvPr id="219" name="PlaceHolder 2"/>
+            <a:ext cx="4734360" cy="3346920"/>
+          </a:xfrm>
+          <a:prstGeom prst="rect">
+            <a:avLst/>
+          </a:prstGeom>
+        </p:spPr>
+      </p:sp>
+      <p:sp>
+        <p:nvSpPr>
+          <p:cNvPr id="229" name="PlaceHolder 2"/>
           <p:cNvSpPr>
             <a:spLocks noGrp="1"/>
           </p:cNvSpPr>
@@ -1191,7 +1061,7 @@
         <p:spPr>
           <a:xfrm>
             <a:off x="679680" y="4777200"/>
-            <a:ext cx="5436000" cy="3906360"/>
+            <a:ext cx="5435280" cy="3905640"/>
           </a:xfrm>
           <a:prstGeom prst="rect">
             <a:avLst/>
@@ -1210,14 +1080,14 @@
       </p:sp>
       <p:sp>
         <p:nvSpPr>
-          <p:cNvPr id="220" name="슬라이드 번호 개체 틀 3_13"/>
+          <p:cNvPr id="230" name="슬라이드 번호 개체 틀 3_13"/>
           <p:cNvSpPr/>
           <p:nvPr/>
         </p:nvSpPr>
         <p:spPr>
           <a:xfrm>
             <a:off x="3850560" y="9428760"/>
-            <a:ext cx="2943360" cy="495720"/>
+            <a:ext cx="2942640" cy="495000"/>
           </a:xfrm>
           <a:prstGeom prst="rect">
             <a:avLst/>
@@ -1243,7 +1113,7 @@
                 <a:spcPct val="100000"/>
               </a:lnSpc>
             </a:pPr>
-            <a:fld id="{9800AD3B-5080-4156-B59F-442E3B290FF6}" type="slidenum">
+            <a:fld id="{C8C54D62-6420-4B7C-BB9D-5E7CB9C1154E}" type="slidenum">
               <a:rPr b="0" lang="en-US" sz="1200" spc="-1" strike="noStrike">
                 <a:solidFill>
                   <a:srgbClr val="000000"/>
@@ -1282,7 +1152,7 @@
       </p:grpSpPr>
       <p:sp>
         <p:nvSpPr>
-          <p:cNvPr id="221" name="PlaceHolder 1"/>
+          <p:cNvPr id="231" name="PlaceHolder 1"/>
           <p:cNvSpPr>
             <a:spLocks noGrp="1"/>
           </p:cNvSpPr>
@@ -1293,16 +1163,16 @@
         <p:spPr>
           <a:xfrm>
             <a:off x="1030320" y="1241280"/>
-            <a:ext cx="4735080" cy="3347640"/>
-          </a:xfrm>
-          <a:prstGeom prst="rect">
-            <a:avLst/>
-          </a:prstGeom>
-        </p:spPr>
-      </p:sp>
-      <p:sp>
-        <p:nvSpPr>
-          <p:cNvPr id="222" name="PlaceHolder 2"/>
+            <a:ext cx="4734360" cy="3346920"/>
+          </a:xfrm>
+          <a:prstGeom prst="rect">
+            <a:avLst/>
+          </a:prstGeom>
+        </p:spPr>
+      </p:sp>
+      <p:sp>
+        <p:nvSpPr>
+          <p:cNvPr id="232" name="PlaceHolder 2"/>
           <p:cNvSpPr>
             <a:spLocks noGrp="1"/>
           </p:cNvSpPr>
@@ -1313,7 +1183,7 @@
         <p:spPr>
           <a:xfrm>
             <a:off x="679680" y="4777200"/>
-            <a:ext cx="5436000" cy="3906360"/>
+            <a:ext cx="5435280" cy="3905640"/>
           </a:xfrm>
           <a:prstGeom prst="rect">
             <a:avLst/>
@@ -1332,14 +1202,14 @@
       </p:sp>
       <p:sp>
         <p:nvSpPr>
-          <p:cNvPr id="223" name="슬라이드 번호 개체 틀 3_14"/>
+          <p:cNvPr id="233" name="슬라이드 번호 개체 틀 3_14"/>
           <p:cNvSpPr/>
           <p:nvPr/>
         </p:nvSpPr>
         <p:spPr>
           <a:xfrm>
             <a:off x="3850560" y="9428760"/>
-            <a:ext cx="2943360" cy="495720"/>
+            <a:ext cx="2942640" cy="495000"/>
           </a:xfrm>
           <a:prstGeom prst="rect">
             <a:avLst/>
@@ -1365,7 +1235,7 @@
                 <a:spcPct val="100000"/>
               </a:lnSpc>
             </a:pPr>
-            <a:fld id="{73D40D16-F9DB-4BAB-9F4D-9634AC07E3C6}" type="slidenum">
+            <a:fld id="{52D3A77E-929E-4B4A-BD76-E78351C9734B}" type="slidenum">
               <a:rPr b="0" lang="en-US" sz="1200" spc="-1" strike="noStrike">
                 <a:solidFill>
                   <a:srgbClr val="000000"/>
@@ -1404,7 +1274,7 @@
       </p:grpSpPr>
       <p:sp>
         <p:nvSpPr>
-          <p:cNvPr id="224" name="PlaceHolder 1"/>
+          <p:cNvPr id="234" name="PlaceHolder 1"/>
           <p:cNvSpPr>
             <a:spLocks noGrp="1"/>
           </p:cNvSpPr>
@@ -1415,16 +1285,16 @@
         <p:spPr>
           <a:xfrm>
             <a:off x="1030320" y="1241280"/>
-            <a:ext cx="4735080" cy="3347640"/>
-          </a:xfrm>
-          <a:prstGeom prst="rect">
-            <a:avLst/>
-          </a:prstGeom>
-        </p:spPr>
-      </p:sp>
-      <p:sp>
-        <p:nvSpPr>
-          <p:cNvPr id="225" name="PlaceHolder 2"/>
+            <a:ext cx="4734360" cy="3346920"/>
+          </a:xfrm>
+          <a:prstGeom prst="rect">
+            <a:avLst/>
+          </a:prstGeom>
+        </p:spPr>
+      </p:sp>
+      <p:sp>
+        <p:nvSpPr>
+          <p:cNvPr id="235" name="PlaceHolder 2"/>
           <p:cNvSpPr>
             <a:spLocks noGrp="1"/>
           </p:cNvSpPr>
@@ -1435,7 +1305,7 @@
         <p:spPr>
           <a:xfrm>
             <a:off x="679680" y="4777200"/>
-            <a:ext cx="5436000" cy="3906360"/>
+            <a:ext cx="5435280" cy="3905640"/>
           </a:xfrm>
           <a:prstGeom prst="rect">
             <a:avLst/>
@@ -1454,14 +1324,14 @@
       </p:sp>
       <p:sp>
         <p:nvSpPr>
-          <p:cNvPr id="226" name="슬라이드 번호 개체 틀 3_15"/>
+          <p:cNvPr id="236" name="슬라이드 번호 개체 틀 3_15"/>
           <p:cNvSpPr/>
           <p:nvPr/>
         </p:nvSpPr>
         <p:spPr>
           <a:xfrm>
             <a:off x="3850560" y="9428760"/>
-            <a:ext cx="2943360" cy="495720"/>
+            <a:ext cx="2942640" cy="495000"/>
           </a:xfrm>
           <a:prstGeom prst="rect">
             <a:avLst/>
@@ -1487,7 +1357,7 @@
                 <a:spcPct val="100000"/>
               </a:lnSpc>
             </a:pPr>
-            <a:fld id="{6C575429-399D-4A08-8D37-CBC3F9E57D8C}" type="slidenum">
+            <a:fld id="{AFC64F15-052C-4AF6-83AE-99B62707C2D1}" type="slidenum">
               <a:rPr b="0" lang="en-US" sz="1200" spc="-1" strike="noStrike">
                 <a:solidFill>
                   <a:srgbClr val="000000"/>
@@ -1526,7 +1396,7 @@
       </p:grpSpPr>
       <p:sp>
         <p:nvSpPr>
-          <p:cNvPr id="227" name="PlaceHolder 1"/>
+          <p:cNvPr id="237" name="PlaceHolder 1"/>
           <p:cNvSpPr>
             <a:spLocks noGrp="1"/>
           </p:cNvSpPr>
@@ -1537,16 +1407,16 @@
         <p:spPr>
           <a:xfrm>
             <a:off x="1030320" y="1241280"/>
-            <a:ext cx="4735080" cy="3347640"/>
-          </a:xfrm>
-          <a:prstGeom prst="rect">
-            <a:avLst/>
-          </a:prstGeom>
-        </p:spPr>
-      </p:sp>
-      <p:sp>
-        <p:nvSpPr>
-          <p:cNvPr id="228" name="PlaceHolder 2"/>
+            <a:ext cx="4734360" cy="3346920"/>
+          </a:xfrm>
+          <a:prstGeom prst="rect">
+            <a:avLst/>
+          </a:prstGeom>
+        </p:spPr>
+      </p:sp>
+      <p:sp>
+        <p:nvSpPr>
+          <p:cNvPr id="238" name="PlaceHolder 2"/>
           <p:cNvSpPr>
             <a:spLocks noGrp="1"/>
           </p:cNvSpPr>
@@ -1557,7 +1427,7 @@
         <p:spPr>
           <a:xfrm>
             <a:off x="679680" y="4777200"/>
-            <a:ext cx="5436000" cy="3906360"/>
+            <a:ext cx="5435280" cy="3905640"/>
           </a:xfrm>
           <a:prstGeom prst="rect">
             <a:avLst/>
@@ -1576,14 +1446,14 @@
       </p:sp>
       <p:sp>
         <p:nvSpPr>
-          <p:cNvPr id="229" name="슬라이드 번호 개체 틀 3_16"/>
+          <p:cNvPr id="239" name="슬라이드 번호 개체 틀 3_16"/>
           <p:cNvSpPr/>
           <p:nvPr/>
         </p:nvSpPr>
         <p:spPr>
           <a:xfrm>
             <a:off x="3850560" y="9428760"/>
-            <a:ext cx="2943360" cy="495720"/>
+            <a:ext cx="2942640" cy="495000"/>
           </a:xfrm>
           <a:prstGeom prst="rect">
             <a:avLst/>
@@ -1609,7 +1479,7 @@
                 <a:spcPct val="100000"/>
               </a:lnSpc>
             </a:pPr>
-            <a:fld id="{6389D877-4810-4F23-99BC-7674E3003BBF}" type="slidenum">
+            <a:fld id="{E6D2CF2C-ED8E-4CDA-8F57-14CCCC217527}" type="slidenum">
               <a:rPr b="0" lang="en-US" sz="1200" spc="-1" strike="noStrike">
                 <a:solidFill>
                   <a:srgbClr val="000000"/>
@@ -1648,7 +1518,7 @@
       </p:grpSpPr>
       <p:sp>
         <p:nvSpPr>
-          <p:cNvPr id="230" name="PlaceHolder 1"/>
+          <p:cNvPr id="240" name="PlaceHolder 1"/>
           <p:cNvSpPr>
             <a:spLocks noGrp="1"/>
           </p:cNvSpPr>
@@ -1659,16 +1529,16 @@
         <p:spPr>
           <a:xfrm>
             <a:off x="1030320" y="1241280"/>
-            <a:ext cx="4735080" cy="3347640"/>
-          </a:xfrm>
-          <a:prstGeom prst="rect">
-            <a:avLst/>
-          </a:prstGeom>
-        </p:spPr>
-      </p:sp>
-      <p:sp>
-        <p:nvSpPr>
-          <p:cNvPr id="231" name="PlaceHolder 2"/>
+            <a:ext cx="4734360" cy="3346920"/>
+          </a:xfrm>
+          <a:prstGeom prst="rect">
+            <a:avLst/>
+          </a:prstGeom>
+        </p:spPr>
+      </p:sp>
+      <p:sp>
+        <p:nvSpPr>
+          <p:cNvPr id="241" name="PlaceHolder 2"/>
           <p:cNvSpPr>
             <a:spLocks noGrp="1"/>
           </p:cNvSpPr>
@@ -1679,7 +1549,7 @@
         <p:spPr>
           <a:xfrm>
             <a:off x="679680" y="4777200"/>
-            <a:ext cx="5436000" cy="3906360"/>
+            <a:ext cx="5435280" cy="3905640"/>
           </a:xfrm>
           <a:prstGeom prst="rect">
             <a:avLst/>
@@ -1698,14 +1568,14 @@
       </p:sp>
       <p:sp>
         <p:nvSpPr>
-          <p:cNvPr id="232" name="슬라이드 번호 개체 틀 3_17"/>
+          <p:cNvPr id="242" name="슬라이드 번호 개체 틀 3_17"/>
           <p:cNvSpPr/>
           <p:nvPr/>
         </p:nvSpPr>
         <p:spPr>
           <a:xfrm>
             <a:off x="3850560" y="9428760"/>
-            <a:ext cx="2943360" cy="495720"/>
+            <a:ext cx="2942640" cy="495000"/>
           </a:xfrm>
           <a:prstGeom prst="rect">
             <a:avLst/>
@@ -1731,7 +1601,7 @@
                 <a:spcPct val="100000"/>
               </a:lnSpc>
             </a:pPr>
-            <a:fld id="{AB46011C-3926-4D23-A14D-D8D285779564}" type="slidenum">
+            <a:fld id="{D389062A-38ED-486F-8716-0EBEC6932A02}" type="slidenum">
               <a:rPr b="0" lang="en-US" sz="1200" spc="-1" strike="noStrike">
                 <a:solidFill>
                   <a:srgbClr val="000000"/>
@@ -1770,7 +1640,7 @@
       </p:grpSpPr>
       <p:sp>
         <p:nvSpPr>
-          <p:cNvPr id="179" name="PlaceHolder 1"/>
+          <p:cNvPr id="189" name="PlaceHolder 1"/>
           <p:cNvSpPr>
             <a:spLocks noGrp="1"/>
           </p:cNvSpPr>
@@ -1781,16 +1651,16 @@
         <p:spPr>
           <a:xfrm>
             <a:off x="1030320" y="1241280"/>
-            <a:ext cx="4735080" cy="3347640"/>
-          </a:xfrm>
-          <a:prstGeom prst="rect">
-            <a:avLst/>
-          </a:prstGeom>
-        </p:spPr>
-      </p:sp>
-      <p:sp>
-        <p:nvSpPr>
-          <p:cNvPr id="180" name="PlaceHolder 2"/>
+            <a:ext cx="4734360" cy="3346920"/>
+          </a:xfrm>
+          <a:prstGeom prst="rect">
+            <a:avLst/>
+          </a:prstGeom>
+        </p:spPr>
+      </p:sp>
+      <p:sp>
+        <p:nvSpPr>
+          <p:cNvPr id="190" name="PlaceHolder 2"/>
           <p:cNvSpPr>
             <a:spLocks noGrp="1"/>
           </p:cNvSpPr>
@@ -1801,7 +1671,7 @@
         <p:spPr>
           <a:xfrm>
             <a:off x="679680" y="4777200"/>
-            <a:ext cx="5436000" cy="3906360"/>
+            <a:ext cx="5435280" cy="3905640"/>
           </a:xfrm>
           <a:prstGeom prst="rect">
             <a:avLst/>
@@ -1820,14 +1690,14 @@
       </p:sp>
       <p:sp>
         <p:nvSpPr>
-          <p:cNvPr id="181" name="슬라이드 번호 개체 틀 3_0"/>
+          <p:cNvPr id="191" name="슬라이드 번호 개체 틀 3_0"/>
           <p:cNvSpPr/>
           <p:nvPr/>
         </p:nvSpPr>
         <p:spPr>
           <a:xfrm>
             <a:off x="3850560" y="9428760"/>
-            <a:ext cx="2943360" cy="495720"/>
+            <a:ext cx="2942640" cy="495000"/>
           </a:xfrm>
           <a:prstGeom prst="rect">
             <a:avLst/>
@@ -1853,7 +1723,251 @@
                 <a:spcPct val="100000"/>
               </a:lnSpc>
             </a:pPr>
-            <a:fld id="{015A83A0-C99E-4723-8326-4F9F90589A70}" type="slidenum">
+            <a:fld id="{E0D886A4-D73F-46E5-8BE5-AAC334CC1FB6}" type="slidenum">
+              <a:rPr b="0" lang="en-US" sz="1200" spc="-1" strike="noStrike">
+                <a:solidFill>
+                  <a:srgbClr val="000000"/>
+                </a:solidFill>
+                <a:latin typeface="Noto Serif CJK KR"/>
+              </a:rPr>
+              <a:t>&lt;number&gt;</a:t>
+            </a:fld>
+            <a:endParaRPr b="0" lang="en-US" sz="1200" spc="-1" strike="noStrike">
+              <a:latin typeface="Arial"/>
+            </a:endParaRPr>
+          </a:p>
+        </p:txBody>
+      </p:sp>
+    </p:spTree>
+  </p:cSld>
+</p:notes>
+</file>
+
+<file path=ppt/notesSlides/notesSlide20.xml><?xml version="1.0" encoding="utf-8"?>
+<p:notes xmlns:a="http://schemas.openxmlformats.org/drawingml/2006/main" xmlns:p="http://schemas.openxmlformats.org/presentationml/2006/main" xmlns:r="http://schemas.openxmlformats.org/officeDocument/2006/relationships" xmlns:p14="http://schemas.microsoft.com/office/powerpoint/2010/main" xmlns:p15="http://schemas.microsoft.com/office/powerpoint/2012/main" xmlns:mc="http://schemas.openxmlformats.org/markup-compatibility/2006">
+  <p:cSld>
+    <p:spTree>
+      <p:nvGrpSpPr>
+        <p:cNvPr id="1" name=""/>
+        <p:cNvGrpSpPr/>
+        <p:nvPr/>
+      </p:nvGrpSpPr>
+      <p:grpSpPr>
+        <a:xfrm>
+          <a:off x="0" y="0"/>
+          <a:ext cx="0" cy="0"/>
+          <a:chOff x="0" y="0"/>
+          <a:chExt cx="0" cy="0"/>
+        </a:xfrm>
+      </p:grpSpPr>
+      <p:sp>
+        <p:nvSpPr>
+          <p:cNvPr id="243" name="PlaceHolder 1"/>
+          <p:cNvSpPr>
+            <a:spLocks noGrp="1"/>
+          </p:cNvSpPr>
+          <p:nvPr>
+            <p:ph type="sldImg"/>
+          </p:nvPr>
+        </p:nvSpPr>
+        <p:spPr>
+          <a:xfrm>
+            <a:off x="1030320" y="1241280"/>
+            <a:ext cx="4734360" cy="3346920"/>
+          </a:xfrm>
+          <a:prstGeom prst="rect">
+            <a:avLst/>
+          </a:prstGeom>
+        </p:spPr>
+      </p:sp>
+      <p:sp>
+        <p:nvSpPr>
+          <p:cNvPr id="244" name="PlaceHolder 2"/>
+          <p:cNvSpPr>
+            <a:spLocks noGrp="1"/>
+          </p:cNvSpPr>
+          <p:nvPr>
+            <p:ph type="body"/>
+          </p:nvPr>
+        </p:nvSpPr>
+        <p:spPr>
+          <a:xfrm>
+            <a:off x="679680" y="4777200"/>
+            <a:ext cx="5435280" cy="3905640"/>
+          </a:xfrm>
+          <a:prstGeom prst="rect">
+            <a:avLst/>
+          </a:prstGeom>
+        </p:spPr>
+        <p:txBody>
+          <a:bodyPr lIns="0" rIns="0" tIns="0" bIns="0">
+            <a:noAutofit/>
+          </a:bodyPr>
+          <a:p>
+            <a:endParaRPr b="0" lang="en-US" sz="2000" spc="-1" strike="noStrike">
+              <a:latin typeface="Arial"/>
+            </a:endParaRPr>
+          </a:p>
+        </p:txBody>
+      </p:sp>
+      <p:sp>
+        <p:nvSpPr>
+          <p:cNvPr id="245" name="슬라이드 번호 개체 틀 3_18"/>
+          <p:cNvSpPr/>
+          <p:nvPr/>
+        </p:nvSpPr>
+        <p:spPr>
+          <a:xfrm>
+            <a:off x="3850560" y="9428760"/>
+            <a:ext cx="2942640" cy="495000"/>
+          </a:xfrm>
+          <a:prstGeom prst="rect">
+            <a:avLst/>
+          </a:prstGeom>
+          <a:noFill/>
+          <a:ln w="0">
+            <a:noFill/>
+          </a:ln>
+        </p:spPr>
+        <p:style>
+          <a:lnRef idx="0"/>
+          <a:fillRef idx="0"/>
+          <a:effectRef idx="0"/>
+          <a:fontRef idx="minor"/>
+        </p:style>
+        <p:txBody>
+          <a:bodyPr lIns="90000" rIns="90000" tIns="45000" bIns="45000" anchor="b">
+            <a:noAutofit/>
+          </a:bodyPr>
+          <a:p>
+            <a:pPr algn="r">
+              <a:lnSpc>
+                <a:spcPct val="100000"/>
+              </a:lnSpc>
+            </a:pPr>
+            <a:fld id="{A3ADBA74-5F00-4187-A9CD-07E029D7DA23}" type="slidenum">
+              <a:rPr b="0" lang="en-US" sz="1200" spc="-1" strike="noStrike">
+                <a:solidFill>
+                  <a:srgbClr val="000000"/>
+                </a:solidFill>
+                <a:latin typeface="Noto Serif CJK KR"/>
+              </a:rPr>
+              <a:t>&lt;number&gt;</a:t>
+            </a:fld>
+            <a:endParaRPr b="0" lang="en-US" sz="1200" spc="-1" strike="noStrike">
+              <a:latin typeface="Arial"/>
+            </a:endParaRPr>
+          </a:p>
+        </p:txBody>
+      </p:sp>
+    </p:spTree>
+  </p:cSld>
+</p:notes>
+</file>
+
+<file path=ppt/notesSlides/notesSlide21.xml><?xml version="1.0" encoding="utf-8"?>
+<p:notes xmlns:a="http://schemas.openxmlformats.org/drawingml/2006/main" xmlns:p="http://schemas.openxmlformats.org/presentationml/2006/main" xmlns:r="http://schemas.openxmlformats.org/officeDocument/2006/relationships" xmlns:p14="http://schemas.microsoft.com/office/powerpoint/2010/main" xmlns:p15="http://schemas.microsoft.com/office/powerpoint/2012/main" xmlns:mc="http://schemas.openxmlformats.org/markup-compatibility/2006">
+  <p:cSld>
+    <p:spTree>
+      <p:nvGrpSpPr>
+        <p:cNvPr id="1" name=""/>
+        <p:cNvGrpSpPr/>
+        <p:nvPr/>
+      </p:nvGrpSpPr>
+      <p:grpSpPr>
+        <a:xfrm>
+          <a:off x="0" y="0"/>
+          <a:ext cx="0" cy="0"/>
+          <a:chOff x="0" y="0"/>
+          <a:chExt cx="0" cy="0"/>
+        </a:xfrm>
+      </p:grpSpPr>
+      <p:sp>
+        <p:nvSpPr>
+          <p:cNvPr id="246" name="PlaceHolder 1"/>
+          <p:cNvSpPr>
+            <a:spLocks noGrp="1"/>
+          </p:cNvSpPr>
+          <p:nvPr>
+            <p:ph type="sldImg"/>
+          </p:nvPr>
+        </p:nvSpPr>
+        <p:spPr>
+          <a:xfrm>
+            <a:off x="1030320" y="1241280"/>
+            <a:ext cx="4734360" cy="3346920"/>
+          </a:xfrm>
+          <a:prstGeom prst="rect">
+            <a:avLst/>
+          </a:prstGeom>
+        </p:spPr>
+      </p:sp>
+      <p:sp>
+        <p:nvSpPr>
+          <p:cNvPr id="247" name="PlaceHolder 2"/>
+          <p:cNvSpPr>
+            <a:spLocks noGrp="1"/>
+          </p:cNvSpPr>
+          <p:nvPr>
+            <p:ph type="body"/>
+          </p:nvPr>
+        </p:nvSpPr>
+        <p:spPr>
+          <a:xfrm>
+            <a:off x="679680" y="4777200"/>
+            <a:ext cx="5435280" cy="3905640"/>
+          </a:xfrm>
+          <a:prstGeom prst="rect">
+            <a:avLst/>
+          </a:prstGeom>
+        </p:spPr>
+        <p:txBody>
+          <a:bodyPr lIns="0" rIns="0" tIns="0" bIns="0">
+            <a:noAutofit/>
+          </a:bodyPr>
+          <a:p>
+            <a:endParaRPr b="0" lang="en-US" sz="2000" spc="-1" strike="noStrike">
+              <a:latin typeface="Arial"/>
+            </a:endParaRPr>
+          </a:p>
+        </p:txBody>
+      </p:sp>
+      <p:sp>
+        <p:nvSpPr>
+          <p:cNvPr id="248" name="슬라이드 번호 개체 틀 3_19"/>
+          <p:cNvSpPr/>
+          <p:nvPr/>
+        </p:nvSpPr>
+        <p:spPr>
+          <a:xfrm>
+            <a:off x="3850560" y="9428760"/>
+            <a:ext cx="2942640" cy="495000"/>
+          </a:xfrm>
+          <a:prstGeom prst="rect">
+            <a:avLst/>
+          </a:prstGeom>
+          <a:noFill/>
+          <a:ln w="0">
+            <a:noFill/>
+          </a:ln>
+        </p:spPr>
+        <p:style>
+          <a:lnRef idx="0"/>
+          <a:fillRef idx="0"/>
+          <a:effectRef idx="0"/>
+          <a:fontRef idx="minor"/>
+        </p:style>
+        <p:txBody>
+          <a:bodyPr lIns="90000" rIns="90000" tIns="45000" bIns="45000" anchor="b">
+            <a:noAutofit/>
+          </a:bodyPr>
+          <a:p>
+            <a:pPr algn="r">
+              <a:lnSpc>
+                <a:spcPct val="100000"/>
+              </a:lnSpc>
+            </a:pPr>
+            <a:fld id="{EC4F54FC-431D-489D-A0E0-E2F3861C1400}" type="slidenum">
               <a:rPr b="0" lang="en-US" sz="1200" spc="-1" strike="noStrike">
                 <a:solidFill>
                   <a:srgbClr val="000000"/>
@@ -1892,7 +2006,7 @@
       </p:grpSpPr>
       <p:sp>
         <p:nvSpPr>
-          <p:cNvPr id="182" name="PlaceHolder 1"/>
+          <p:cNvPr id="192" name="PlaceHolder 1"/>
           <p:cNvSpPr>
             <a:spLocks noGrp="1"/>
           </p:cNvSpPr>
@@ -1903,16 +2017,16 @@
         <p:spPr>
           <a:xfrm>
             <a:off x="1030320" y="1241280"/>
-            <a:ext cx="4735080" cy="3347640"/>
-          </a:xfrm>
-          <a:prstGeom prst="rect">
-            <a:avLst/>
-          </a:prstGeom>
-        </p:spPr>
-      </p:sp>
-      <p:sp>
-        <p:nvSpPr>
-          <p:cNvPr id="183" name="PlaceHolder 2"/>
+            <a:ext cx="4734360" cy="3346920"/>
+          </a:xfrm>
+          <a:prstGeom prst="rect">
+            <a:avLst/>
+          </a:prstGeom>
+        </p:spPr>
+      </p:sp>
+      <p:sp>
+        <p:nvSpPr>
+          <p:cNvPr id="193" name="PlaceHolder 2"/>
           <p:cNvSpPr>
             <a:spLocks noGrp="1"/>
           </p:cNvSpPr>
@@ -1923,7 +2037,7 @@
         <p:spPr>
           <a:xfrm>
             <a:off x="679680" y="4777200"/>
-            <a:ext cx="5436000" cy="3906360"/>
+            <a:ext cx="5435280" cy="3905640"/>
           </a:xfrm>
           <a:prstGeom prst="rect">
             <a:avLst/>
@@ -1942,14 +2056,14 @@
       </p:sp>
       <p:sp>
         <p:nvSpPr>
-          <p:cNvPr id="184" name="슬라이드 번호 개체 틀 3_3"/>
+          <p:cNvPr id="194" name="슬라이드 번호 개체 틀 3_3"/>
           <p:cNvSpPr/>
           <p:nvPr/>
         </p:nvSpPr>
         <p:spPr>
           <a:xfrm>
             <a:off x="3850560" y="9428760"/>
-            <a:ext cx="2943360" cy="495720"/>
+            <a:ext cx="2942640" cy="495000"/>
           </a:xfrm>
           <a:prstGeom prst="rect">
             <a:avLst/>
@@ -1975,7 +2089,7 @@
                 <a:spcPct val="100000"/>
               </a:lnSpc>
             </a:pPr>
-            <a:fld id="{092DB717-05A2-458D-8E30-C32592943D9C}" type="slidenum">
+            <a:fld id="{46156438-E1BF-4A5F-BCCB-95024D091973}" type="slidenum">
               <a:rPr b="0" lang="en-US" sz="1200" spc="-1" strike="noStrike">
                 <a:solidFill>
                   <a:srgbClr val="000000"/>
@@ -2014,7 +2128,7 @@
       </p:grpSpPr>
       <p:sp>
         <p:nvSpPr>
-          <p:cNvPr id="185" name="PlaceHolder 1"/>
+          <p:cNvPr id="195" name="PlaceHolder 1"/>
           <p:cNvSpPr>
             <a:spLocks noGrp="1"/>
           </p:cNvSpPr>
@@ -2025,16 +2139,16 @@
         <p:spPr>
           <a:xfrm>
             <a:off x="1030320" y="1241280"/>
-            <a:ext cx="4735080" cy="3347640"/>
-          </a:xfrm>
-          <a:prstGeom prst="rect">
-            <a:avLst/>
-          </a:prstGeom>
-        </p:spPr>
-      </p:sp>
-      <p:sp>
-        <p:nvSpPr>
-          <p:cNvPr id="186" name="PlaceHolder 2"/>
+            <a:ext cx="4734360" cy="3346920"/>
+          </a:xfrm>
+          <a:prstGeom prst="rect">
+            <a:avLst/>
+          </a:prstGeom>
+        </p:spPr>
+      </p:sp>
+      <p:sp>
+        <p:nvSpPr>
+          <p:cNvPr id="196" name="PlaceHolder 2"/>
           <p:cNvSpPr>
             <a:spLocks noGrp="1"/>
           </p:cNvSpPr>
@@ -2045,7 +2159,7 @@
         <p:spPr>
           <a:xfrm>
             <a:off x="679680" y="4777200"/>
-            <a:ext cx="5436000" cy="3906360"/>
+            <a:ext cx="5435280" cy="3905640"/>
           </a:xfrm>
           <a:prstGeom prst="rect">
             <a:avLst/>
@@ -2064,14 +2178,14 @@
       </p:sp>
       <p:sp>
         <p:nvSpPr>
-          <p:cNvPr id="187" name="슬라이드 번호 개체 틀 3_1"/>
+          <p:cNvPr id="197" name="슬라이드 번호 개체 틀 3_1"/>
           <p:cNvSpPr/>
           <p:nvPr/>
         </p:nvSpPr>
         <p:spPr>
           <a:xfrm>
             <a:off x="3850560" y="9428760"/>
-            <a:ext cx="2943360" cy="495720"/>
+            <a:ext cx="2942640" cy="495000"/>
           </a:xfrm>
           <a:prstGeom prst="rect">
             <a:avLst/>
@@ -2097,7 +2211,7 @@
                 <a:spcPct val="100000"/>
               </a:lnSpc>
             </a:pPr>
-            <a:fld id="{6ECC2DB7-66FF-4EFD-B3FE-832D2F934ABB}" type="slidenum">
+            <a:fld id="{78B01A07-4C57-4D1F-8B68-FEFE8044845E}" type="slidenum">
               <a:rPr b="0" lang="en-US" sz="1200" spc="-1" strike="noStrike">
                 <a:solidFill>
                   <a:srgbClr val="000000"/>
@@ -2136,7 +2250,7 @@
       </p:grpSpPr>
       <p:sp>
         <p:nvSpPr>
-          <p:cNvPr id="188" name="PlaceHolder 1"/>
+          <p:cNvPr id="198" name="PlaceHolder 1"/>
           <p:cNvSpPr>
             <a:spLocks noGrp="1"/>
           </p:cNvSpPr>
@@ -2147,16 +2261,16 @@
         <p:spPr>
           <a:xfrm>
             <a:off x="1030320" y="1241280"/>
-            <a:ext cx="4735080" cy="3347640"/>
-          </a:xfrm>
-          <a:prstGeom prst="rect">
-            <a:avLst/>
-          </a:prstGeom>
-        </p:spPr>
-      </p:sp>
-      <p:sp>
-        <p:nvSpPr>
-          <p:cNvPr id="189" name="PlaceHolder 2"/>
+            <a:ext cx="4734360" cy="3346920"/>
+          </a:xfrm>
+          <a:prstGeom prst="rect">
+            <a:avLst/>
+          </a:prstGeom>
+        </p:spPr>
+      </p:sp>
+      <p:sp>
+        <p:nvSpPr>
+          <p:cNvPr id="199" name="PlaceHolder 2"/>
           <p:cNvSpPr>
             <a:spLocks noGrp="1"/>
           </p:cNvSpPr>
@@ -2167,7 +2281,7 @@
         <p:spPr>
           <a:xfrm>
             <a:off x="679680" y="4777200"/>
-            <a:ext cx="5436000" cy="3906360"/>
+            <a:ext cx="5435280" cy="3905640"/>
           </a:xfrm>
           <a:prstGeom prst="rect">
             <a:avLst/>
@@ -2186,14 +2300,14 @@
       </p:sp>
       <p:sp>
         <p:nvSpPr>
-          <p:cNvPr id="190" name="슬라이드 번호 개체 틀 3_2"/>
+          <p:cNvPr id="200" name="슬라이드 번호 개체 틀 3_2"/>
           <p:cNvSpPr/>
           <p:nvPr/>
         </p:nvSpPr>
         <p:spPr>
           <a:xfrm>
             <a:off x="3850560" y="9428760"/>
-            <a:ext cx="2943360" cy="495720"/>
+            <a:ext cx="2942640" cy="495000"/>
           </a:xfrm>
           <a:prstGeom prst="rect">
             <a:avLst/>
@@ -2219,7 +2333,7 @@
                 <a:spcPct val="100000"/>
               </a:lnSpc>
             </a:pPr>
-            <a:fld id="{55407E58-5812-4E7D-921F-386E637BA458}" type="slidenum">
+            <a:fld id="{00BCAAFD-90A2-411F-8EED-6FA1CF1B0A75}" type="slidenum">
               <a:rPr b="0" lang="en-US" sz="1200" spc="-1" strike="noStrike">
                 <a:solidFill>
                   <a:srgbClr val="000000"/>
@@ -2258,7 +2372,7 @@
       </p:grpSpPr>
       <p:sp>
         <p:nvSpPr>
-          <p:cNvPr id="191" name="PlaceHolder 1"/>
+          <p:cNvPr id="201" name="PlaceHolder 1"/>
           <p:cNvSpPr>
             <a:spLocks noGrp="1"/>
           </p:cNvSpPr>
@@ -2269,16 +2383,16 @@
         <p:spPr>
           <a:xfrm>
             <a:off x="1030320" y="1241280"/>
-            <a:ext cx="4735080" cy="3347640"/>
-          </a:xfrm>
-          <a:prstGeom prst="rect">
-            <a:avLst/>
-          </a:prstGeom>
-        </p:spPr>
-      </p:sp>
-      <p:sp>
-        <p:nvSpPr>
-          <p:cNvPr id="192" name="PlaceHolder 2"/>
+            <a:ext cx="4734360" cy="3346920"/>
+          </a:xfrm>
+          <a:prstGeom prst="rect">
+            <a:avLst/>
+          </a:prstGeom>
+        </p:spPr>
+      </p:sp>
+      <p:sp>
+        <p:nvSpPr>
+          <p:cNvPr id="202" name="PlaceHolder 2"/>
           <p:cNvSpPr>
             <a:spLocks noGrp="1"/>
           </p:cNvSpPr>
@@ -2289,7 +2403,7 @@
         <p:spPr>
           <a:xfrm>
             <a:off x="679680" y="4777200"/>
-            <a:ext cx="5436000" cy="3906360"/>
+            <a:ext cx="5435280" cy="3905640"/>
           </a:xfrm>
           <a:prstGeom prst="rect">
             <a:avLst/>
@@ -2308,14 +2422,14 @@
       </p:sp>
       <p:sp>
         <p:nvSpPr>
-          <p:cNvPr id="193" name="슬라이드 번호 개체 틀 3_4"/>
+          <p:cNvPr id="203" name="슬라이드 번호 개체 틀 3_4"/>
           <p:cNvSpPr/>
           <p:nvPr/>
         </p:nvSpPr>
         <p:spPr>
           <a:xfrm>
             <a:off x="3850560" y="9428760"/>
-            <a:ext cx="2943360" cy="495720"/>
+            <a:ext cx="2942640" cy="495000"/>
           </a:xfrm>
           <a:prstGeom prst="rect">
             <a:avLst/>
@@ -2341,7 +2455,7 @@
                 <a:spcPct val="100000"/>
               </a:lnSpc>
             </a:pPr>
-            <a:fld id="{D976E8C6-7D22-443D-BBF4-69CC5B1D9BF4}" type="slidenum">
+            <a:fld id="{7B430CB8-0069-4A54-8B68-7E9CE062E77B}" type="slidenum">
               <a:rPr b="0" lang="en-US" sz="1200" spc="-1" strike="noStrike">
                 <a:solidFill>
                   <a:srgbClr val="000000"/>
@@ -2380,7 +2494,7 @@
       </p:grpSpPr>
       <p:sp>
         <p:nvSpPr>
-          <p:cNvPr id="194" name="PlaceHolder 1"/>
+          <p:cNvPr id="204" name="PlaceHolder 1"/>
           <p:cNvSpPr>
             <a:spLocks noGrp="1"/>
           </p:cNvSpPr>
@@ -2391,16 +2505,16 @@
         <p:spPr>
           <a:xfrm>
             <a:off x="1030320" y="1241280"/>
-            <a:ext cx="4735080" cy="3347640"/>
-          </a:xfrm>
-          <a:prstGeom prst="rect">
-            <a:avLst/>
-          </a:prstGeom>
-        </p:spPr>
-      </p:sp>
-      <p:sp>
-        <p:nvSpPr>
-          <p:cNvPr id="195" name="PlaceHolder 2"/>
+            <a:ext cx="4734360" cy="3346920"/>
+          </a:xfrm>
+          <a:prstGeom prst="rect">
+            <a:avLst/>
+          </a:prstGeom>
+        </p:spPr>
+      </p:sp>
+      <p:sp>
+        <p:nvSpPr>
+          <p:cNvPr id="205" name="PlaceHolder 2"/>
           <p:cNvSpPr>
             <a:spLocks noGrp="1"/>
           </p:cNvSpPr>
@@ -2411,7 +2525,7 @@
         <p:spPr>
           <a:xfrm>
             <a:off x="679680" y="4777200"/>
-            <a:ext cx="5436000" cy="3906360"/>
+            <a:ext cx="5435280" cy="3905640"/>
           </a:xfrm>
           <a:prstGeom prst="rect">
             <a:avLst/>
@@ -2430,14 +2544,14 @@
       </p:sp>
       <p:sp>
         <p:nvSpPr>
-          <p:cNvPr id="196" name="슬라이드 번호 개체 틀 3_5"/>
+          <p:cNvPr id="206" name="슬라이드 번호 개체 틀 3_5"/>
           <p:cNvSpPr/>
           <p:nvPr/>
         </p:nvSpPr>
         <p:spPr>
           <a:xfrm>
             <a:off x="3850560" y="9428760"/>
-            <a:ext cx="2943360" cy="495720"/>
+            <a:ext cx="2942640" cy="495000"/>
           </a:xfrm>
           <a:prstGeom prst="rect">
             <a:avLst/>
@@ -2463,7 +2577,7 @@
                 <a:spcPct val="100000"/>
               </a:lnSpc>
             </a:pPr>
-            <a:fld id="{0F07B6B8-141F-40A0-914D-2EBD9519A5C8}" type="slidenum">
+            <a:fld id="{AD872FE6-A951-4B9F-8AE0-8C9F0100165E}" type="slidenum">
               <a:rPr b="0" lang="en-US" sz="1200" spc="-1" strike="noStrike">
                 <a:solidFill>
                   <a:srgbClr val="000000"/>
@@ -2502,7 +2616,7 @@
       </p:grpSpPr>
       <p:sp>
         <p:nvSpPr>
-          <p:cNvPr id="197" name="PlaceHolder 1"/>
+          <p:cNvPr id="207" name="PlaceHolder 1"/>
           <p:cNvSpPr>
             <a:spLocks noGrp="1"/>
           </p:cNvSpPr>
@@ -2513,16 +2627,16 @@
         <p:spPr>
           <a:xfrm>
             <a:off x="1030320" y="1241280"/>
-            <a:ext cx="4735080" cy="3347640"/>
-          </a:xfrm>
-          <a:prstGeom prst="rect">
-            <a:avLst/>
-          </a:prstGeom>
-        </p:spPr>
-      </p:sp>
-      <p:sp>
-        <p:nvSpPr>
-          <p:cNvPr id="198" name="PlaceHolder 2"/>
+            <a:ext cx="4734360" cy="3346920"/>
+          </a:xfrm>
+          <a:prstGeom prst="rect">
+            <a:avLst/>
+          </a:prstGeom>
+        </p:spPr>
+      </p:sp>
+      <p:sp>
+        <p:nvSpPr>
+          <p:cNvPr id="208" name="PlaceHolder 2"/>
           <p:cNvSpPr>
             <a:spLocks noGrp="1"/>
           </p:cNvSpPr>
@@ -2533,7 +2647,7 @@
         <p:spPr>
           <a:xfrm>
             <a:off x="679680" y="4777200"/>
-            <a:ext cx="5436000" cy="3906360"/>
+            <a:ext cx="5435280" cy="3905640"/>
           </a:xfrm>
           <a:prstGeom prst="rect">
             <a:avLst/>
@@ -2552,14 +2666,14 @@
       </p:sp>
       <p:sp>
         <p:nvSpPr>
-          <p:cNvPr id="199" name="슬라이드 번호 개체 틀 3_6"/>
+          <p:cNvPr id="209" name="슬라이드 번호 개체 틀 3_6"/>
           <p:cNvSpPr/>
           <p:nvPr/>
         </p:nvSpPr>
         <p:spPr>
           <a:xfrm>
             <a:off x="3850560" y="9428760"/>
-            <a:ext cx="2943360" cy="495720"/>
+            <a:ext cx="2942640" cy="495000"/>
           </a:xfrm>
           <a:prstGeom prst="rect">
             <a:avLst/>
@@ -2585,7 +2699,7 @@
                 <a:spcPct val="100000"/>
               </a:lnSpc>
             </a:pPr>
-            <a:fld id="{525E1593-C2BC-45D9-AFE8-E8BD5320443C}" type="slidenum">
+            <a:fld id="{DF901C94-67E0-473F-BF54-253EE5A8FA24}" type="slidenum">
               <a:rPr b="0" lang="en-US" sz="1200" spc="-1" strike="noStrike">
                 <a:solidFill>
                   <a:srgbClr val="000000"/>
@@ -2624,7 +2738,7 @@
       </p:grpSpPr>
       <p:sp>
         <p:nvSpPr>
-          <p:cNvPr id="200" name="PlaceHolder 1"/>
+          <p:cNvPr id="210" name="PlaceHolder 1"/>
           <p:cNvSpPr>
             <a:spLocks noGrp="1"/>
           </p:cNvSpPr>
@@ -2635,16 +2749,16 @@
         <p:spPr>
           <a:xfrm>
             <a:off x="1030320" y="1241280"/>
-            <a:ext cx="4735080" cy="3347640"/>
-          </a:xfrm>
-          <a:prstGeom prst="rect">
-            <a:avLst/>
-          </a:prstGeom>
-        </p:spPr>
-      </p:sp>
-      <p:sp>
-        <p:nvSpPr>
-          <p:cNvPr id="201" name="PlaceHolder 2"/>
+            <a:ext cx="4734360" cy="3346920"/>
+          </a:xfrm>
+          <a:prstGeom prst="rect">
+            <a:avLst/>
+          </a:prstGeom>
+        </p:spPr>
+      </p:sp>
+      <p:sp>
+        <p:nvSpPr>
+          <p:cNvPr id="211" name="PlaceHolder 2"/>
           <p:cNvSpPr>
             <a:spLocks noGrp="1"/>
           </p:cNvSpPr>
@@ -2655,7 +2769,7 @@
         <p:spPr>
           <a:xfrm>
             <a:off x="679680" y="4777200"/>
-            <a:ext cx="5436000" cy="3906360"/>
+            <a:ext cx="5435280" cy="3905640"/>
           </a:xfrm>
           <a:prstGeom prst="rect">
             <a:avLst/>
@@ -2674,14 +2788,14 @@
       </p:sp>
       <p:sp>
         <p:nvSpPr>
-          <p:cNvPr id="202" name="슬라이드 번호 개체 틀 3_7"/>
+          <p:cNvPr id="212" name="슬라이드 번호 개체 틀 3_7"/>
           <p:cNvSpPr/>
           <p:nvPr/>
         </p:nvSpPr>
         <p:spPr>
           <a:xfrm>
             <a:off x="3850560" y="9428760"/>
-            <a:ext cx="2943360" cy="495720"/>
+            <a:ext cx="2942640" cy="495000"/>
           </a:xfrm>
           <a:prstGeom prst="rect">
             <a:avLst/>
@@ -2707,7 +2821,7 @@
                 <a:spcPct val="100000"/>
               </a:lnSpc>
             </a:pPr>
-            <a:fld id="{507F9686-CAD8-41BA-B5E2-0FA4F729E108}" type="slidenum">
+            <a:fld id="{1A9BF23C-9BEF-490E-827C-79B068482129}" type="slidenum">
               <a:rPr b="0" lang="en-US" sz="1200" spc="-1" strike="noStrike">
                 <a:solidFill>
                   <a:srgbClr val="000000"/>
@@ -5492,7 +5606,85 @@
               <a:rPr b="0" lang="en-US" sz="4400" spc="-1" strike="noStrike">
                 <a:latin typeface="Arial"/>
               </a:rPr>
-              <a:t>Click to edit the title text format</a:t>
+              <a:t>Cli</a:t>
+            </a:r>
+            <a:r>
+              <a:rPr b="0" lang="en-US" sz="4400" spc="-1" strike="noStrike">
+                <a:latin typeface="Arial"/>
+              </a:rPr>
+              <a:t>ck </a:t>
+            </a:r>
+            <a:r>
+              <a:rPr b="0" lang="en-US" sz="4400" spc="-1" strike="noStrike">
+                <a:latin typeface="Arial"/>
+              </a:rPr>
+              <a:t>to </a:t>
+            </a:r>
+            <a:r>
+              <a:rPr b="0" lang="en-US" sz="4400" spc="-1" strike="noStrike">
+                <a:latin typeface="Arial"/>
+              </a:rPr>
+              <a:t>edi</a:t>
+            </a:r>
+            <a:r>
+              <a:rPr b="0" lang="en-US" sz="4400" spc="-1" strike="noStrike">
+                <a:latin typeface="Arial"/>
+              </a:rPr>
+              <a:t>t </a:t>
+            </a:r>
+            <a:r>
+              <a:rPr b="0" lang="en-US" sz="4400" spc="-1" strike="noStrike">
+                <a:latin typeface="Arial"/>
+              </a:rPr>
+              <a:t>th</a:t>
+            </a:r>
+            <a:r>
+              <a:rPr b="0" lang="en-US" sz="4400" spc="-1" strike="noStrike">
+                <a:latin typeface="Arial"/>
+              </a:rPr>
+              <a:t>e </a:t>
+            </a:r>
+            <a:r>
+              <a:rPr b="0" lang="en-US" sz="4400" spc="-1" strike="noStrike">
+                <a:latin typeface="Arial"/>
+              </a:rPr>
+              <a:t>titl</a:t>
+            </a:r>
+            <a:r>
+              <a:rPr b="0" lang="en-US" sz="4400" spc="-1" strike="noStrike">
+                <a:latin typeface="Arial"/>
+              </a:rPr>
+              <a:t>e </a:t>
+            </a:r>
+            <a:r>
+              <a:rPr b="0" lang="en-US" sz="4400" spc="-1" strike="noStrike">
+                <a:latin typeface="Arial"/>
+              </a:rPr>
+              <a:t>tex</a:t>
+            </a:r>
+            <a:r>
+              <a:rPr b="0" lang="en-US" sz="4400" spc="-1" strike="noStrike">
+                <a:latin typeface="Arial"/>
+              </a:rPr>
+              <a:t>t </a:t>
+            </a:r>
+            <a:r>
+              <a:rPr b="0" lang="en-US" sz="4400" spc="-1" strike="noStrike">
+                <a:latin typeface="Arial"/>
+              </a:rPr>
+              <a:t>for</a:t>
+            </a:r>
+            <a:r>
+              <a:rPr b="0" lang="en-US" sz="4400" spc="-1" strike="noStrike">
+                <a:latin typeface="Arial"/>
+              </a:rPr>
+              <a:t>m</a:t>
+            </a:r>
+            <a:r>
+              <a:rPr b="0" lang="en-US" sz="4400" spc="-1" strike="noStrike">
+                <a:latin typeface="Arial"/>
+              </a:rPr>
+              <a:t>at</a:t>
             </a:r>
             <a:endParaRPr b="0" lang="en-US" sz="4400" spc="-1" strike="noStrike">
               <a:latin typeface="Arial"/>
@@ -5787,13 +5979,13 @@
         </p:nvPicPr>
         <p:blipFill>
           <a:blip r:embed="rId2"/>
-          <a:srcRect l="0" t="28840" r="0" b="35545"/>
+          <a:srcRect l="0" t="28833" r="0" b="35538"/>
           <a:stretch/>
         </p:blipFill>
         <p:spPr>
           <a:xfrm>
             <a:off x="166680" y="7096320"/>
-            <a:ext cx="972720" cy="402120"/>
+            <a:ext cx="972000" cy="401400"/>
           </a:xfrm>
           <a:prstGeom prst="rect">
             <a:avLst/>
@@ -6126,7 +6318,7 @@
         <p:spPr>
           <a:xfrm>
             <a:off x="9293760" y="-686880"/>
-            <a:ext cx="1257840" cy="309960"/>
+            <a:ext cx="1257120" cy="309240"/>
           </a:xfrm>
           <a:prstGeom prst="rect">
             <a:avLst/>
@@ -6187,7 +6379,7 @@
         <p:spPr>
           <a:xfrm>
             <a:off x="7698600" y="-686880"/>
-            <a:ext cx="1257840" cy="309960"/>
+            <a:ext cx="1257120" cy="309240"/>
           </a:xfrm>
           <a:prstGeom prst="rect">
             <a:avLst/>
@@ -6248,7 +6440,7 @@
         <p:spPr>
           <a:xfrm>
             <a:off x="6103800" y="-686880"/>
-            <a:ext cx="1257840" cy="309960"/>
+            <a:ext cx="1257120" cy="309240"/>
           </a:xfrm>
           <a:prstGeom prst="rect">
             <a:avLst/>
@@ -6309,7 +6501,7 @@
         <p:spPr>
           <a:xfrm>
             <a:off x="9293760" y="-1301400"/>
-            <a:ext cx="1257840" cy="309960"/>
+            <a:ext cx="1257120" cy="309240"/>
           </a:xfrm>
           <a:prstGeom prst="rect">
             <a:avLst/>
@@ -6370,7 +6562,7 @@
         <p:spPr>
           <a:xfrm>
             <a:off x="7724520" y="-1301400"/>
-            <a:ext cx="1257840" cy="309960"/>
+            <a:ext cx="1257120" cy="309240"/>
           </a:xfrm>
           <a:prstGeom prst="rect">
             <a:avLst/>
@@ -6431,7 +6623,7 @@
         <p:spPr>
           <a:xfrm>
             <a:off x="6129720" y="-1301400"/>
-            <a:ext cx="1257840" cy="309960"/>
+            <a:ext cx="1257120" cy="309240"/>
           </a:xfrm>
           <a:prstGeom prst="rect">
             <a:avLst/>
@@ -6492,7 +6684,7 @@
         <p:spPr>
           <a:xfrm>
             <a:off x="4533120" y="-686880"/>
-            <a:ext cx="1257840" cy="309960"/>
+            <a:ext cx="1257120" cy="309240"/>
           </a:xfrm>
           <a:prstGeom prst="rect">
             <a:avLst/>
@@ -6553,7 +6745,7 @@
         <p:spPr>
           <a:xfrm>
             <a:off x="4559040" y="-1301400"/>
-            <a:ext cx="1257840" cy="309960"/>
+            <a:ext cx="1257120" cy="309240"/>
           </a:xfrm>
           <a:prstGeom prst="rect">
             <a:avLst/>
@@ -6614,7 +6806,7 @@
         <p:spPr>
           <a:xfrm>
             <a:off x="8016480" y="5586120"/>
-            <a:ext cx="2552400" cy="1531800"/>
+            <a:ext cx="2551680" cy="1531800"/>
           </a:xfrm>
           <a:prstGeom prst="rect">
             <a:avLst/>
@@ -6754,13 +6946,13 @@
         </p:nvPicPr>
         <p:blipFill>
           <a:blip r:embed="rId1"/>
-          <a:srcRect l="0" t="25869" r="0" b="33963"/>
+          <a:srcRect l="0" t="25862" r="0" b="33956"/>
           <a:stretch/>
         </p:blipFill>
         <p:spPr>
           <a:xfrm>
             <a:off x="1797120" y="1799640"/>
-            <a:ext cx="6926040" cy="2777760"/>
+            <a:ext cx="6925320" cy="2777040"/>
           </a:xfrm>
           <a:prstGeom prst="rect">
             <a:avLst/>
@@ -6779,7 +6971,7 @@
         <p:spPr>
           <a:xfrm>
             <a:off x="3397680" y="4579560"/>
-            <a:ext cx="3725280" cy="577080"/>
+            <a:ext cx="3724560" cy="577080"/>
           </a:xfrm>
           <a:prstGeom prst="rect">
             <a:avLst/>
@@ -6880,7 +7072,7 @@
         <p:spPr>
           <a:xfrm>
             <a:off x="621000" y="849240"/>
-            <a:ext cx="9817920" cy="5578200"/>
+            <a:ext cx="9817200" cy="5578200"/>
           </a:xfrm>
           <a:prstGeom prst="rect">
             <a:avLst/>
@@ -7141,7 +7333,7 @@
         <p:spPr>
           <a:xfrm>
             <a:off x="4668120" y="7177320"/>
-            <a:ext cx="953280" cy="272160"/>
+            <a:ext cx="952560" cy="272160"/>
           </a:xfrm>
           <a:prstGeom prst="rect">
             <a:avLst/>
@@ -7192,7 +7384,7 @@
         <p:spPr>
           <a:xfrm>
             <a:off x="327600" y="45000"/>
-            <a:ext cx="4654440" cy="546480"/>
+            <a:ext cx="4653720" cy="546480"/>
           </a:xfrm>
           <a:prstGeom prst="rect">
             <a:avLst/>
@@ -7283,7 +7475,7 @@
         <p:spPr>
           <a:xfrm>
             <a:off x="621000" y="849240"/>
-            <a:ext cx="9817920" cy="5118120"/>
+            <a:ext cx="9817200" cy="5117760"/>
           </a:xfrm>
           <a:prstGeom prst="rect">
             <a:avLst/>
@@ -7684,7 +7876,7 @@
         <p:spPr>
           <a:xfrm>
             <a:off x="4668120" y="7177320"/>
-            <a:ext cx="953280" cy="272160"/>
+            <a:ext cx="952560" cy="272160"/>
           </a:xfrm>
           <a:prstGeom prst="rect">
             <a:avLst/>
@@ -7735,7 +7927,7 @@
         <p:spPr>
           <a:xfrm>
             <a:off x="327600" y="45000"/>
-            <a:ext cx="4654440" cy="546480"/>
+            <a:ext cx="4653720" cy="546480"/>
           </a:xfrm>
           <a:prstGeom prst="rect">
             <a:avLst/>
@@ -7800,7 +7992,7 @@
         <p:spPr>
           <a:xfrm>
             <a:off x="720000" y="1980000"/>
-            <a:ext cx="6990120" cy="1751400"/>
+            <a:ext cx="6989400" cy="1750680"/>
           </a:xfrm>
           <a:prstGeom prst="rect">
             <a:avLst/>
@@ -7823,7 +8015,7 @@
         <p:spPr>
           <a:xfrm>
             <a:off x="720000" y="4500000"/>
-            <a:ext cx="6961680" cy="1856160"/>
+            <a:ext cx="6960960" cy="1855440"/>
           </a:xfrm>
           <a:prstGeom prst="rect">
             <a:avLst/>
@@ -7872,7 +8064,7 @@
         <p:spPr>
           <a:xfrm>
             <a:off x="621000" y="849240"/>
-            <a:ext cx="9817920" cy="5118120"/>
+            <a:ext cx="9817200" cy="5117760"/>
           </a:xfrm>
           <a:prstGeom prst="rect">
             <a:avLst/>
@@ -8273,7 +8465,7 @@
         <p:spPr>
           <a:xfrm>
             <a:off x="4668120" y="7177320"/>
-            <a:ext cx="953280" cy="272160"/>
+            <a:ext cx="952560" cy="272160"/>
           </a:xfrm>
           <a:prstGeom prst="rect">
             <a:avLst/>
@@ -8324,7 +8516,7 @@
         <p:spPr>
           <a:xfrm>
             <a:off x="327600" y="45000"/>
-            <a:ext cx="4654440" cy="546480"/>
+            <a:ext cx="4653720" cy="546480"/>
           </a:xfrm>
           <a:prstGeom prst="rect">
             <a:avLst/>
@@ -8389,7 +8581,7 @@
         <p:spPr>
           <a:xfrm>
             <a:off x="720000" y="1980000"/>
-            <a:ext cx="6990120" cy="1751400"/>
+            <a:ext cx="6989400" cy="1750680"/>
           </a:xfrm>
           <a:prstGeom prst="rect">
             <a:avLst/>
@@ -8412,7 +8604,7 @@
         <p:spPr>
           <a:xfrm>
             <a:off x="720000" y="4500000"/>
-            <a:ext cx="6961680" cy="1856160"/>
+            <a:ext cx="6960960" cy="1855440"/>
           </a:xfrm>
           <a:prstGeom prst="rect">
             <a:avLst/>
@@ -8461,7 +8653,7 @@
         <p:spPr>
           <a:xfrm>
             <a:off x="621000" y="849240"/>
-            <a:ext cx="9817920" cy="6827760"/>
+            <a:ext cx="9817200" cy="6827760"/>
           </a:xfrm>
           <a:prstGeom prst="rect">
             <a:avLst/>
@@ -8862,7 +9054,7 @@
         <p:spPr>
           <a:xfrm>
             <a:off x="4668120" y="7177320"/>
-            <a:ext cx="953280" cy="272160"/>
+            <a:ext cx="952560" cy="272160"/>
           </a:xfrm>
           <a:prstGeom prst="rect">
             <a:avLst/>
@@ -8913,7 +9105,7 @@
         <p:spPr>
           <a:xfrm>
             <a:off x="327600" y="45000"/>
-            <a:ext cx="4654440" cy="546480"/>
+            <a:ext cx="4653720" cy="546480"/>
           </a:xfrm>
           <a:prstGeom prst="rect">
             <a:avLst/>
@@ -8978,7 +9170,7 @@
         <p:spPr>
           <a:xfrm>
             <a:off x="720000" y="2160000"/>
-            <a:ext cx="6971760" cy="3180600"/>
+            <a:ext cx="6971040" cy="3179880"/>
           </a:xfrm>
           <a:prstGeom prst="rect">
             <a:avLst/>
@@ -9027,7 +9219,7 @@
         <p:spPr>
           <a:xfrm>
             <a:off x="621000" y="849240"/>
-            <a:ext cx="9817920" cy="4078080"/>
+            <a:ext cx="9817200" cy="4077360"/>
           </a:xfrm>
           <a:prstGeom prst="rect">
             <a:avLst/>
@@ -9378,7 +9570,7 @@
         <p:spPr>
           <a:xfrm>
             <a:off x="4668120" y="7177320"/>
-            <a:ext cx="953280" cy="272160"/>
+            <a:ext cx="952560" cy="272160"/>
           </a:xfrm>
           <a:prstGeom prst="rect">
             <a:avLst/>
@@ -9429,7 +9621,7 @@
         <p:spPr>
           <a:xfrm>
             <a:off x="327600" y="45000"/>
-            <a:ext cx="4654440" cy="546480"/>
+            <a:ext cx="4653720" cy="546480"/>
           </a:xfrm>
           <a:prstGeom prst="rect">
             <a:avLst/>
@@ -9494,7 +9686,7 @@
         <p:spPr>
           <a:xfrm>
             <a:off x="720000" y="1507680"/>
-            <a:ext cx="6981120" cy="3351960"/>
+            <a:ext cx="6980400" cy="3351240"/>
           </a:xfrm>
           <a:prstGeom prst="rect">
             <a:avLst/>
@@ -9543,7 +9735,7 @@
         <p:spPr>
           <a:xfrm>
             <a:off x="622080" y="540000"/>
-            <a:ext cx="9817920" cy="6851520"/>
+            <a:ext cx="9817200" cy="6289920"/>
           </a:xfrm>
           <a:prstGeom prst="rect">
             <a:avLst/>
@@ -10203,56 +10395,6 @@
               <a:latin typeface="Arial"/>
             </a:endParaRPr>
           </a:p>
-          <a:p>
-            <a:pPr>
-              <a:lnSpc>
-                <a:spcPct val="100000"/>
-              </a:lnSpc>
-            </a:pPr>
-            <a:endParaRPr b="0" lang="en-US" sz="1100" spc="-1" strike="noStrike">
-              <a:latin typeface="Arial"/>
-            </a:endParaRPr>
-          </a:p>
-          <a:p>
-            <a:pPr>
-              <a:lnSpc>
-                <a:spcPct val="100000"/>
-              </a:lnSpc>
-            </a:pPr>
-            <a:endParaRPr b="0" lang="en-US" sz="1100" spc="-1" strike="noStrike">
-              <a:latin typeface="Arial"/>
-            </a:endParaRPr>
-          </a:p>
-          <a:p>
-            <a:pPr>
-              <a:lnSpc>
-                <a:spcPct val="100000"/>
-              </a:lnSpc>
-            </a:pPr>
-            <a:endParaRPr b="0" lang="en-US" sz="1100" spc="-1" strike="noStrike">
-              <a:latin typeface="Arial"/>
-            </a:endParaRPr>
-          </a:p>
-          <a:p>
-            <a:pPr>
-              <a:lnSpc>
-                <a:spcPct val="100000"/>
-              </a:lnSpc>
-            </a:pPr>
-            <a:endParaRPr b="0" lang="en-US" sz="1100" spc="-1" strike="noStrike">
-              <a:latin typeface="Arial"/>
-            </a:endParaRPr>
-          </a:p>
-          <a:p>
-            <a:pPr>
-              <a:lnSpc>
-                <a:spcPct val="100000"/>
-              </a:lnSpc>
-            </a:pPr>
-            <a:endParaRPr b="0" lang="en-US" sz="1100" spc="-1" strike="noStrike">
-              <a:latin typeface="Arial"/>
-            </a:endParaRPr>
-          </a:p>
         </p:txBody>
       </p:sp>
       <p:sp>
@@ -10264,7 +10406,7 @@
         <p:spPr>
           <a:xfrm>
             <a:off x="4668120" y="7177320"/>
-            <a:ext cx="953280" cy="272160"/>
+            <a:ext cx="952560" cy="272160"/>
           </a:xfrm>
           <a:prstGeom prst="rect">
             <a:avLst/>
@@ -10315,7 +10457,7 @@
         <p:spPr>
           <a:xfrm>
             <a:off x="327600" y="45000"/>
-            <a:ext cx="4654440" cy="546480"/>
+            <a:ext cx="4653720" cy="546480"/>
           </a:xfrm>
           <a:prstGeom prst="rect">
             <a:avLst/>
@@ -10380,7 +10522,7 @@
         <p:spPr>
           <a:xfrm>
             <a:off x="720000" y="1800000"/>
-            <a:ext cx="7412400" cy="1799640"/>
+            <a:ext cx="7411680" cy="1798920"/>
           </a:xfrm>
           <a:prstGeom prst="rect">
             <a:avLst/>
@@ -10402,8 +10544,8 @@
         </p:blipFill>
         <p:spPr>
           <a:xfrm>
-            <a:off x="720000" y="4320000"/>
-            <a:ext cx="6962040" cy="1751760"/>
+            <a:off x="720000" y="4500000"/>
+            <a:ext cx="6961320" cy="1751040"/>
           </a:xfrm>
           <a:prstGeom prst="rect">
             <a:avLst/>
@@ -10452,7 +10594,7 @@
         <p:spPr>
           <a:xfrm>
             <a:off x="621000" y="849240"/>
-            <a:ext cx="9817920" cy="5129640"/>
+            <a:ext cx="9817200" cy="3975840"/>
           </a:xfrm>
           <a:prstGeom prst="rect">
             <a:avLst/>
@@ -10496,8 +10638,28 @@
                 <a:latin typeface="현대하모니 L"/>
                 <a:ea typeface="현대하모니 L"/>
               </a:rPr>
-              <a:t>2) </a:t>
-            </a:r>
+              <a:t>2) Char</a:t>
+            </a:r>
+            <a:endParaRPr b="0" lang="en-US" sz="2000" spc="-1" strike="noStrike">
+              <a:latin typeface="Arial"/>
+            </a:endParaRPr>
+          </a:p>
+          <a:p>
+            <a:pPr>
+              <a:lnSpc>
+                <a:spcPct val="100000"/>
+              </a:lnSpc>
+            </a:pPr>
+            <a:endParaRPr b="0" lang="en-US" sz="2000" spc="-1" strike="noStrike">
+              <a:latin typeface="Arial"/>
+            </a:endParaRPr>
+          </a:p>
+          <a:p>
+            <a:pPr>
+              <a:lnSpc>
+                <a:spcPct val="100000"/>
+              </a:lnSpc>
+            </a:pPr>
             <a:r>
               <a:rPr b="0" lang="en-US" sz="2000" spc="-1" strike="noStrike">
                 <a:solidFill>
@@ -10506,28 +10668,18 @@
                 <a:latin typeface="현대하모니 L"/>
                 <a:ea typeface="현대하모니 L"/>
               </a:rPr>
-              <a:t>Char</a:t>
-            </a:r>
-            <a:endParaRPr b="0" lang="en-US" sz="2000" spc="-1" strike="noStrike">
-              <a:latin typeface="Arial"/>
-            </a:endParaRPr>
-          </a:p>
-          <a:p>
-            <a:pPr>
-              <a:lnSpc>
-                <a:spcPct val="100000"/>
-              </a:lnSpc>
-            </a:pPr>
-            <a:endParaRPr b="0" lang="en-US" sz="2000" spc="-1" strike="noStrike">
-              <a:latin typeface="Arial"/>
-            </a:endParaRPr>
-          </a:p>
-          <a:p>
-            <a:pPr>
-              <a:lnSpc>
-                <a:spcPct val="100000"/>
-              </a:lnSpc>
-            </a:pPr>
+              <a:t>1</a:t>
+            </a:r>
+            <a:r>
+              <a:rPr b="0" lang="ko-KR" sz="2000" spc="-1" strike="noStrike">
+                <a:solidFill>
+                  <a:srgbClr val="000000"/>
+                </a:solidFill>
+                <a:latin typeface="현대하모니 L"/>
+                <a:ea typeface="현대하모니 L"/>
+              </a:rPr>
+              <a:t>바이트 크기의 부호 가지는 정수형 데이터타입이며 정수 범위는 </a:t>
+            </a:r>
             <a:r>
               <a:rPr b="0" lang="en-US" sz="2000" spc="-1" strike="noStrike">
                 <a:solidFill>
@@ -10536,7 +10688,7 @@
                 <a:latin typeface="현대하모니 L"/>
                 <a:ea typeface="현대하모니 L"/>
               </a:rPr>
-              <a:t>1</a:t>
+              <a:t>-2^7 ~ 2^7 – 1 </a:t>
             </a:r>
             <a:r>
               <a:rPr b="0" lang="ko-KR" sz="2000" spc="-1" strike="noStrike">
@@ -10546,97 +10698,7 @@
                 <a:latin typeface="현대하모니 L"/>
                 <a:ea typeface="현대하모니 L"/>
               </a:rPr>
-              <a:t>바이트 </a:t>
-            </a:r>
-            <a:r>
-              <a:rPr b="0" lang="ko-KR" sz="2000" spc="-1" strike="noStrike">
-                <a:solidFill>
-                  <a:srgbClr val="000000"/>
-                </a:solidFill>
-                <a:latin typeface="현대하모니 L"/>
-                <a:ea typeface="현대하모니 L"/>
-              </a:rPr>
-              <a:t>크기의 </a:t>
-            </a:r>
-            <a:r>
-              <a:rPr b="0" lang="ko-KR" sz="2000" spc="-1" strike="noStrike">
-                <a:solidFill>
-                  <a:srgbClr val="000000"/>
-                </a:solidFill>
-                <a:latin typeface="현대하모니 L"/>
-                <a:ea typeface="현대하모니 L"/>
-              </a:rPr>
-              <a:t>부호 </a:t>
-            </a:r>
-            <a:r>
-              <a:rPr b="0" lang="ko-KR" sz="2000" spc="-1" strike="noStrike">
-                <a:solidFill>
-                  <a:srgbClr val="000000"/>
-                </a:solidFill>
-                <a:latin typeface="현대하모니 L"/>
-                <a:ea typeface="현대하모니 L"/>
-              </a:rPr>
-              <a:t>가지는 </a:t>
-            </a:r>
-            <a:r>
-              <a:rPr b="0" lang="ko-KR" sz="2000" spc="-1" strike="noStrike">
-                <a:solidFill>
-                  <a:srgbClr val="000000"/>
-                </a:solidFill>
-                <a:latin typeface="현대하모니 L"/>
-                <a:ea typeface="현대하모니 L"/>
-              </a:rPr>
-              <a:t>정수형 </a:t>
-            </a:r>
-            <a:r>
-              <a:rPr b="0" lang="ko-KR" sz="2000" spc="-1" strike="noStrike">
-                <a:solidFill>
-                  <a:srgbClr val="000000"/>
-                </a:solidFill>
-                <a:latin typeface="현대하모니 L"/>
-                <a:ea typeface="현대하모니 L"/>
-              </a:rPr>
-              <a:t>데이터</a:t>
-            </a:r>
-            <a:r>
-              <a:rPr b="0" lang="ko-KR" sz="2000" spc="-1" strike="noStrike">
-                <a:solidFill>
-                  <a:srgbClr val="000000"/>
-                </a:solidFill>
-                <a:latin typeface="현대하모니 L"/>
-                <a:ea typeface="현대하모니 L"/>
-              </a:rPr>
-              <a:t>타입이</a:t>
-            </a:r>
-            <a:r>
-              <a:rPr b="0" lang="ko-KR" sz="2000" spc="-1" strike="noStrike">
-                <a:solidFill>
-                  <a:srgbClr val="000000"/>
-                </a:solidFill>
-                <a:latin typeface="현대하모니 L"/>
-                <a:ea typeface="현대하모니 L"/>
-              </a:rPr>
-              <a:t>며 </a:t>
-            </a:r>
-            <a:r>
-              <a:rPr b="0" lang="ko-KR" sz="2000" spc="-1" strike="noStrike">
-                <a:solidFill>
-                  <a:srgbClr val="000000"/>
-                </a:solidFill>
-                <a:latin typeface="현대하모니 L"/>
-                <a:ea typeface="현대하모니 L"/>
-              </a:rPr>
-              <a:t>정수 </a:t>
-            </a:r>
-            <a:r>
-              <a:rPr b="0" lang="ko-KR" sz="2000" spc="-1" strike="noStrike">
-                <a:solidFill>
-                  <a:srgbClr val="000000"/>
-                </a:solidFill>
-                <a:latin typeface="현대하모니 L"/>
-                <a:ea typeface="현대하모니 L"/>
-              </a:rPr>
-              <a:t>범위는 </a:t>
+              <a:t>이다</a:t>
             </a:r>
             <a:r>
               <a:rPr b="0" lang="en-US" sz="2000" spc="-1" strike="noStrike">
@@ -10646,8 +10708,28 @@
                 <a:latin typeface="현대하모니 L"/>
                 <a:ea typeface="현대하모니 L"/>
               </a:rPr>
-              <a:t>-2^7 </a:t>
-            </a:r>
+              <a:t>.</a:t>
+            </a:r>
+            <a:endParaRPr b="0" lang="en-US" sz="2000" spc="-1" strike="noStrike">
+              <a:latin typeface="Arial"/>
+            </a:endParaRPr>
+          </a:p>
+          <a:p>
+            <a:pPr>
+              <a:lnSpc>
+                <a:spcPct val="100000"/>
+              </a:lnSpc>
+            </a:pPr>
+            <a:endParaRPr b="0" lang="en-US" sz="2000" spc="-1" strike="noStrike">
+              <a:latin typeface="Arial"/>
+            </a:endParaRPr>
+          </a:p>
+          <a:p>
+            <a:pPr>
+              <a:lnSpc>
+                <a:spcPct val="100000"/>
+              </a:lnSpc>
+            </a:pPr>
             <a:r>
               <a:rPr b="0" lang="en-US" sz="2000" spc="-1" strike="noStrike">
                 <a:solidFill>
@@ -10656,118 +10738,8 @@
                 <a:latin typeface="현대하모니 L"/>
                 <a:ea typeface="현대하모니 L"/>
               </a:rPr>
-              <a:t>~ </a:t>
-            </a:r>
-            <a:r>
-              <a:rPr b="0" lang="en-US" sz="2000" spc="-1" strike="noStrike">
-                <a:solidFill>
-                  <a:srgbClr val="000000"/>
-                </a:solidFill>
-                <a:latin typeface="현대하모니 L"/>
-                <a:ea typeface="현대하모니 L"/>
-              </a:rPr>
-              <a:t>2^7 – </a:t>
-            </a:r>
-            <a:r>
-              <a:rPr b="0" lang="en-US" sz="2000" spc="-1" strike="noStrike">
-                <a:solidFill>
-                  <a:srgbClr val="000000"/>
-                </a:solidFill>
-                <a:latin typeface="현대하모니 L"/>
-                <a:ea typeface="현대하모니 L"/>
-              </a:rPr>
-              <a:t>1 </a:t>
-            </a:r>
-            <a:r>
-              <a:rPr b="0" lang="ko-KR" sz="2000" spc="-1" strike="noStrike">
-                <a:solidFill>
-                  <a:srgbClr val="000000"/>
-                </a:solidFill>
-                <a:latin typeface="현대하모니 L"/>
-                <a:ea typeface="현대하모니 L"/>
-              </a:rPr>
-              <a:t>이</a:t>
-            </a:r>
-            <a:r>
-              <a:rPr b="0" lang="ko-KR" sz="2000" spc="-1" strike="noStrike">
-                <a:solidFill>
-                  <a:srgbClr val="000000"/>
-                </a:solidFill>
-                <a:latin typeface="현대하모니 L"/>
-                <a:ea typeface="현대하모니 L"/>
-              </a:rPr>
-              <a:t>다</a:t>
-            </a:r>
-            <a:r>
-              <a:rPr b="0" lang="en-US" sz="2000" spc="-1" strike="noStrike">
-                <a:solidFill>
-                  <a:srgbClr val="000000"/>
-                </a:solidFill>
-                <a:latin typeface="현대하모니 L"/>
-                <a:ea typeface="현대하모니 L"/>
-              </a:rPr>
-              <a:t>.</a:t>
-            </a:r>
-            <a:endParaRPr b="0" lang="en-US" sz="2000" spc="-1" strike="noStrike">
-              <a:latin typeface="Arial"/>
-            </a:endParaRPr>
-          </a:p>
-          <a:p>
-            <a:pPr>
-              <a:lnSpc>
-                <a:spcPct val="100000"/>
-              </a:lnSpc>
-            </a:pPr>
-            <a:endParaRPr b="0" lang="en-US" sz="2000" spc="-1" strike="noStrike">
-              <a:latin typeface="Arial"/>
-            </a:endParaRPr>
-          </a:p>
-          <a:p>
-            <a:pPr>
-              <a:lnSpc>
-                <a:spcPct val="100000"/>
-              </a:lnSpc>
-            </a:pPr>
-            <a:r>
-              <a:rPr b="0" lang="en-US" sz="2000" spc="-1" strike="noStrike">
-                <a:solidFill>
-                  <a:srgbClr val="000000"/>
-                </a:solidFill>
-                <a:latin typeface="현대하모니 L"/>
-                <a:ea typeface="현대하모니 L"/>
-              </a:rPr>
               <a:t> </a:t>
             </a:r>
-            <a:endParaRPr b="0" lang="en-US" sz="2000" spc="-1" strike="noStrike">
-              <a:latin typeface="Arial"/>
-            </a:endParaRPr>
-          </a:p>
-          <a:p>
-            <a:pPr>
-              <a:lnSpc>
-                <a:spcPct val="100000"/>
-              </a:lnSpc>
-            </a:pPr>
-            <a:endParaRPr b="0" lang="en-US" sz="2000" spc="-1" strike="noStrike">
-              <a:latin typeface="Arial"/>
-            </a:endParaRPr>
-          </a:p>
-          <a:p>
-            <a:pPr>
-              <a:lnSpc>
-                <a:spcPct val="100000"/>
-              </a:lnSpc>
-            </a:pPr>
-            <a:endParaRPr b="0" lang="en-US" sz="2000" spc="-1" strike="noStrike">
-              <a:latin typeface="Arial"/>
-            </a:endParaRPr>
-          </a:p>
-          <a:p>
-            <a:pPr>
-              <a:lnSpc>
-                <a:spcPct val="100000"/>
-              </a:lnSpc>
-            </a:pPr>
             <a:endParaRPr b="0" lang="en-US" sz="2000" spc="-1" strike="noStrike">
               <a:latin typeface="Arial"/>
             </a:endParaRPr>
@@ -10846,17 +10818,17 @@
                 <a:latin typeface="Arial"/>
                 <a:ea typeface="DejaVu Sans"/>
               </a:rPr>
-              <a:t>형 </a:t>
-            </a:r>
-            <a:r>
-              <a:rPr b="0" lang="ko-KR" sz="1100" spc="-1" strike="noStrike">
+              <a:t>형 데이터타입의 최대값과 최솟값을 확인해보면 </a:t>
+            </a:r>
+            <a:r>
+              <a:rPr b="0" lang="en-US" sz="1100" spc="-1" strike="noStrike">
                 <a:solidFill>
                   <a:srgbClr val="000000"/>
                 </a:solidFill>
                 <a:latin typeface="Arial"/>
                 <a:ea typeface="DejaVu Sans"/>
               </a:rPr>
-              <a:t>데이터타입</a:t>
+              <a:t>-2^7, 2^7 – 1 </a:t>
             </a:r>
             <a:r>
               <a:rPr b="0" lang="ko-KR" sz="1100" spc="-1" strike="noStrike">
@@ -10866,168 +10838,18 @@
                 <a:latin typeface="Arial"/>
                 <a:ea typeface="DejaVu Sans"/>
               </a:rPr>
-              <a:t>의 최대값과 </a:t>
-            </a:r>
-            <a:r>
-              <a:rPr b="0" lang="ko-KR" sz="1100" spc="-1" strike="noStrike">
+              <a:t>인것을 확인해 볼 수 있다</a:t>
+            </a:r>
+            <a:r>
+              <a:rPr b="0" lang="en-US" sz="1100" spc="-1" strike="noStrike">
                 <a:solidFill>
                   <a:srgbClr val="000000"/>
                 </a:solidFill>
                 <a:latin typeface="Arial"/>
                 <a:ea typeface="DejaVu Sans"/>
               </a:rPr>
-              <a:t>최솟값을 </a:t>
-            </a:r>
-            <a:r>
-              <a:rPr b="0" lang="ko-KR" sz="1100" spc="-1" strike="noStrike">
-                <a:solidFill>
-                  <a:srgbClr val="000000"/>
-                </a:solidFill>
-                <a:latin typeface="Arial"/>
-                <a:ea typeface="DejaVu Sans"/>
-              </a:rPr>
-              <a:t>확인해보면 </a:t>
-            </a:r>
-            <a:r>
-              <a:rPr b="0" lang="en-US" sz="1100" spc="-1" strike="noStrike">
-                <a:solidFill>
-                  <a:srgbClr val="000000"/>
-                </a:solidFill>
-                <a:latin typeface="Arial"/>
-                <a:ea typeface="DejaVu Sans"/>
-              </a:rPr>
-              <a:t>-</a:t>
-            </a:r>
-            <a:r>
-              <a:rPr b="0" lang="en-US" sz="1100" spc="-1" strike="noStrike">
-                <a:solidFill>
-                  <a:srgbClr val="000000"/>
-                </a:solidFill>
-                <a:latin typeface="Arial"/>
-                <a:ea typeface="DejaVu Sans"/>
-              </a:rPr>
-              <a:t>2^7, 2^7 – 1 </a:t>
-            </a:r>
-            <a:r>
-              <a:rPr b="0" lang="ko-KR" sz="1100" spc="-1" strike="noStrike">
-                <a:solidFill>
-                  <a:srgbClr val="000000"/>
-                </a:solidFill>
-                <a:latin typeface="Arial"/>
-                <a:ea typeface="DejaVu Sans"/>
-              </a:rPr>
-              <a:t>인것을 </a:t>
-            </a:r>
-            <a:r>
-              <a:rPr b="0" lang="ko-KR" sz="1100" spc="-1" strike="noStrike">
-                <a:solidFill>
-                  <a:srgbClr val="000000"/>
-                </a:solidFill>
-                <a:latin typeface="Arial"/>
-                <a:ea typeface="DejaVu Sans"/>
-              </a:rPr>
-              <a:t>확인해 볼 수 </a:t>
-            </a:r>
-            <a:r>
-              <a:rPr b="0" lang="ko-KR" sz="1100" spc="-1" strike="noStrike">
-                <a:solidFill>
-                  <a:srgbClr val="000000"/>
-                </a:solidFill>
-                <a:latin typeface="Arial"/>
-                <a:ea typeface="DejaVu Sans"/>
-              </a:rPr>
-              <a:t>있다</a:t>
-            </a:r>
-            <a:r>
-              <a:rPr b="0" lang="en-US" sz="1100" spc="-1" strike="noStrike">
-                <a:solidFill>
-                  <a:srgbClr val="000000"/>
-                </a:solidFill>
-                <a:latin typeface="Arial"/>
-                <a:ea typeface="DejaVu Sans"/>
-              </a:rPr>
               <a:t>.</a:t>
             </a:r>
-            <a:endParaRPr b="0" lang="en-US" sz="1100" spc="-1" strike="noStrike">
-              <a:latin typeface="Arial"/>
-            </a:endParaRPr>
-          </a:p>
-          <a:p>
-            <a:pPr>
-              <a:lnSpc>
-                <a:spcPct val="100000"/>
-              </a:lnSpc>
-            </a:pPr>
-            <a:endParaRPr b="0" lang="en-US" sz="1100" spc="-1" strike="noStrike">
-              <a:latin typeface="Arial"/>
-            </a:endParaRPr>
-          </a:p>
-          <a:p>
-            <a:pPr>
-              <a:lnSpc>
-                <a:spcPct val="100000"/>
-              </a:lnSpc>
-            </a:pPr>
-            <a:endParaRPr b="0" lang="en-US" sz="1100" spc="-1" strike="noStrike">
-              <a:latin typeface="Arial"/>
-            </a:endParaRPr>
-          </a:p>
-          <a:p>
-            <a:pPr>
-              <a:lnSpc>
-                <a:spcPct val="100000"/>
-              </a:lnSpc>
-            </a:pPr>
-            <a:endParaRPr b="0" lang="en-US" sz="1100" spc="-1" strike="noStrike">
-              <a:latin typeface="Arial"/>
-            </a:endParaRPr>
-          </a:p>
-          <a:p>
-            <a:pPr>
-              <a:lnSpc>
-                <a:spcPct val="100000"/>
-              </a:lnSpc>
-            </a:pPr>
-            <a:endParaRPr b="0" lang="en-US" sz="1100" spc="-1" strike="noStrike">
-              <a:latin typeface="Arial"/>
-            </a:endParaRPr>
-          </a:p>
-          <a:p>
-            <a:pPr>
-              <a:lnSpc>
-                <a:spcPct val="100000"/>
-              </a:lnSpc>
-            </a:pPr>
-            <a:endParaRPr b="0" lang="en-US" sz="1100" spc="-1" strike="noStrike">
-              <a:latin typeface="Arial"/>
-            </a:endParaRPr>
-          </a:p>
-          <a:p>
-            <a:pPr>
-              <a:lnSpc>
-                <a:spcPct val="100000"/>
-              </a:lnSpc>
-            </a:pPr>
-            <a:endParaRPr b="0" lang="en-US" sz="1100" spc="-1" strike="noStrike">
-              <a:latin typeface="Arial"/>
-            </a:endParaRPr>
-          </a:p>
-          <a:p>
-            <a:pPr>
-              <a:lnSpc>
-                <a:spcPct val="100000"/>
-              </a:lnSpc>
-            </a:pPr>
-            <a:endParaRPr b="0" lang="en-US" sz="1100" spc="-1" strike="noStrike">
-              <a:latin typeface="Arial"/>
-            </a:endParaRPr>
-          </a:p>
-          <a:p>
-            <a:pPr>
-              <a:lnSpc>
-                <a:spcPct val="100000"/>
-              </a:lnSpc>
-            </a:pPr>
             <a:endParaRPr b="0" lang="en-US" sz="1100" spc="-1" strike="noStrike">
               <a:latin typeface="Arial"/>
             </a:endParaRPr>
@@ -11083,7 +10905,7 @@
         <p:spPr>
           <a:xfrm>
             <a:off x="4668120" y="7177320"/>
-            <a:ext cx="953280" cy="272160"/>
+            <a:ext cx="952560" cy="272160"/>
           </a:xfrm>
           <a:prstGeom prst="rect">
             <a:avLst/>
@@ -11134,7 +10956,7 @@
         <p:spPr>
           <a:xfrm>
             <a:off x="327600" y="45000"/>
-            <a:ext cx="4654440" cy="546480"/>
+            <a:ext cx="4653720" cy="546480"/>
           </a:xfrm>
           <a:prstGeom prst="rect">
             <a:avLst/>
@@ -11198,8 +11020,8 @@
         </p:blipFill>
         <p:spPr>
           <a:xfrm>
-            <a:off x="720000" y="1980000"/>
-            <a:ext cx="6990840" cy="1628280"/>
+            <a:off x="720000" y="2152080"/>
+            <a:ext cx="6990120" cy="1627560"/>
           </a:xfrm>
           <a:prstGeom prst="rect">
             <a:avLst/>
@@ -11248,7 +11070,7 @@
         <p:spPr>
           <a:xfrm>
             <a:off x="621000" y="849240"/>
-            <a:ext cx="9817920" cy="5434560"/>
+            <a:ext cx="9817200" cy="4675320"/>
           </a:xfrm>
           <a:prstGeom prst="rect">
             <a:avLst/>
@@ -11292,8 +11114,28 @@
                 <a:latin typeface="현대하모니 L"/>
                 <a:ea typeface="현대하모니 L"/>
               </a:rPr>
-              <a:t>3) </a:t>
-            </a:r>
+              <a:t>3) short</a:t>
+            </a:r>
+            <a:endParaRPr b="0" lang="en-US" sz="2000" spc="-1" strike="noStrike">
+              <a:latin typeface="Arial"/>
+            </a:endParaRPr>
+          </a:p>
+          <a:p>
+            <a:pPr>
+              <a:lnSpc>
+                <a:spcPct val="100000"/>
+              </a:lnSpc>
+            </a:pPr>
+            <a:endParaRPr b="0" lang="en-US" sz="2000" spc="-1" strike="noStrike">
+              <a:latin typeface="Arial"/>
+            </a:endParaRPr>
+          </a:p>
+          <a:p>
+            <a:pPr>
+              <a:lnSpc>
+                <a:spcPct val="100000"/>
+              </a:lnSpc>
+            </a:pPr>
             <a:r>
               <a:rPr b="0" lang="en-US" sz="2000" spc="-1" strike="noStrike">
                 <a:solidFill>
@@ -11302,28 +11144,18 @@
                 <a:latin typeface="현대하모니 L"/>
                 <a:ea typeface="현대하모니 L"/>
               </a:rPr>
-              <a:t>short</a:t>
-            </a:r>
-            <a:endParaRPr b="0" lang="en-US" sz="2000" spc="-1" strike="noStrike">
-              <a:latin typeface="Arial"/>
-            </a:endParaRPr>
-          </a:p>
-          <a:p>
-            <a:pPr>
-              <a:lnSpc>
-                <a:spcPct val="100000"/>
-              </a:lnSpc>
-            </a:pPr>
-            <a:endParaRPr b="0" lang="en-US" sz="2000" spc="-1" strike="noStrike">
-              <a:latin typeface="Arial"/>
-            </a:endParaRPr>
-          </a:p>
-          <a:p>
-            <a:pPr>
-              <a:lnSpc>
-                <a:spcPct val="100000"/>
-              </a:lnSpc>
-            </a:pPr>
+              <a:t>2</a:t>
+            </a:r>
+            <a:r>
+              <a:rPr b="0" lang="ko-KR" sz="2000" spc="-1" strike="noStrike">
+                <a:solidFill>
+                  <a:srgbClr val="000000"/>
+                </a:solidFill>
+                <a:latin typeface="현대하모니 L"/>
+                <a:ea typeface="현대하모니 L"/>
+              </a:rPr>
+              <a:t>바이트 크기의 부호 가지는 정수형 데이터타입이며 정수 범위는 </a:t>
+            </a:r>
             <a:r>
               <a:rPr b="0" lang="en-US" sz="2000" spc="-1" strike="noStrike">
                 <a:solidFill>
@@ -11332,7 +11164,7 @@
                 <a:latin typeface="현대하모니 L"/>
                 <a:ea typeface="현대하모니 L"/>
               </a:rPr>
-              <a:t>2</a:t>
+              <a:t>-2^15 ~ 2^15 – 1 </a:t>
             </a:r>
             <a:r>
               <a:rPr b="0" lang="ko-KR" sz="2000" spc="-1" strike="noStrike">
@@ -11342,7 +11174,7 @@
                 <a:latin typeface="현대하모니 L"/>
                 <a:ea typeface="현대하모니 L"/>
               </a:rPr>
-              <a:t>바이트 크기의 부호 가지는 정수형 데이터타입이며 정수 범위는 </a:t>
+              <a:t>이다</a:t>
             </a:r>
             <a:r>
               <a:rPr b="0" lang="en-US" sz="2000" spc="-1" strike="noStrike">
@@ -11352,18 +11184,28 @@
                 <a:latin typeface="현대하모니 L"/>
                 <a:ea typeface="현대하모니 L"/>
               </a:rPr>
-              <a:t>-2^15 ~ 2^15 – 1 </a:t>
-            </a:r>
-            <a:r>
-              <a:rPr b="0" lang="ko-KR" sz="2000" spc="-1" strike="noStrike">
-                <a:solidFill>
-                  <a:srgbClr val="000000"/>
-                </a:solidFill>
-                <a:latin typeface="현대하모니 L"/>
-                <a:ea typeface="현대하모니 L"/>
-              </a:rPr>
-              <a:t>이다</a:t>
-            </a:r>
+              <a:t>.</a:t>
+            </a:r>
+            <a:endParaRPr b="0" lang="en-US" sz="2000" spc="-1" strike="noStrike">
+              <a:latin typeface="Arial"/>
+            </a:endParaRPr>
+          </a:p>
+          <a:p>
+            <a:pPr>
+              <a:lnSpc>
+                <a:spcPct val="100000"/>
+              </a:lnSpc>
+            </a:pPr>
+            <a:endParaRPr b="0" lang="en-US" sz="2000" spc="-1" strike="noStrike">
+              <a:latin typeface="Arial"/>
+            </a:endParaRPr>
+          </a:p>
+          <a:p>
+            <a:pPr>
+              <a:lnSpc>
+                <a:spcPct val="100000"/>
+              </a:lnSpc>
+            </a:pPr>
             <a:r>
               <a:rPr b="0" lang="en-US" sz="2000" spc="-1" strike="noStrike">
                 <a:solidFill>
@@ -11372,88 +11214,8 @@
                 <a:latin typeface="현대하모니 L"/>
                 <a:ea typeface="현대하모니 L"/>
               </a:rPr>
-              <a:t>.</a:t>
-            </a:r>
-            <a:endParaRPr b="0" lang="en-US" sz="2000" spc="-1" strike="noStrike">
-              <a:latin typeface="Arial"/>
-            </a:endParaRPr>
-          </a:p>
-          <a:p>
-            <a:pPr>
-              <a:lnSpc>
-                <a:spcPct val="100000"/>
-              </a:lnSpc>
-            </a:pPr>
-            <a:endParaRPr b="0" lang="en-US" sz="2000" spc="-1" strike="noStrike">
-              <a:latin typeface="Arial"/>
-            </a:endParaRPr>
-          </a:p>
-          <a:p>
-            <a:pPr>
-              <a:lnSpc>
-                <a:spcPct val="100000"/>
-              </a:lnSpc>
-            </a:pPr>
-            <a:r>
-              <a:rPr b="0" lang="en-US" sz="2000" spc="-1" strike="noStrike">
-                <a:solidFill>
-                  <a:srgbClr val="000000"/>
-                </a:solidFill>
-                <a:latin typeface="현대하모니 L"/>
-                <a:ea typeface="현대하모니 L"/>
-              </a:rPr>
               <a:t> </a:t>
             </a:r>
-            <a:endParaRPr b="0" lang="en-US" sz="2000" spc="-1" strike="noStrike">
-              <a:latin typeface="Arial"/>
-            </a:endParaRPr>
-          </a:p>
-          <a:p>
-            <a:pPr>
-              <a:lnSpc>
-                <a:spcPct val="100000"/>
-              </a:lnSpc>
-            </a:pPr>
-            <a:endParaRPr b="0" lang="en-US" sz="2000" spc="-1" strike="noStrike">
-              <a:latin typeface="Arial"/>
-            </a:endParaRPr>
-          </a:p>
-          <a:p>
-            <a:pPr>
-              <a:lnSpc>
-                <a:spcPct val="100000"/>
-              </a:lnSpc>
-            </a:pPr>
-            <a:endParaRPr b="0" lang="en-US" sz="2000" spc="-1" strike="noStrike">
-              <a:latin typeface="Arial"/>
-            </a:endParaRPr>
-          </a:p>
-          <a:p>
-            <a:pPr>
-              <a:lnSpc>
-                <a:spcPct val="100000"/>
-              </a:lnSpc>
-            </a:pPr>
-            <a:endParaRPr b="0" lang="en-US" sz="2000" spc="-1" strike="noStrike">
-              <a:latin typeface="Arial"/>
-            </a:endParaRPr>
-          </a:p>
-          <a:p>
-            <a:pPr>
-              <a:lnSpc>
-                <a:spcPct val="100000"/>
-              </a:lnSpc>
-            </a:pPr>
-            <a:endParaRPr b="0" lang="en-US" sz="2000" spc="-1" strike="noStrike">
-              <a:latin typeface="Arial"/>
-            </a:endParaRPr>
-          </a:p>
-          <a:p>
-            <a:pPr>
-              <a:lnSpc>
-                <a:spcPct val="100000"/>
-              </a:lnSpc>
-            </a:pPr>
             <a:endParaRPr b="0" lang="en-US" sz="2000" spc="-1" strike="noStrike">
               <a:latin typeface="Arial"/>
             </a:endParaRPr>
@@ -11502,98 +11264,88 @@
                 <a:latin typeface="Arial"/>
                 <a:ea typeface="DejaVu Sans"/>
               </a:rPr>
-              <a:t>Char </a:t>
-            </a:r>
-            <a:r>
-              <a:rPr b="0" lang="ko-KR" sz="1100" spc="-1" strike="noStrike">
+              <a:t>\</a:t>
+            </a:r>
+            <a:endParaRPr b="0" lang="en-US" sz="1100" spc="-1" strike="noStrike">
+              <a:latin typeface="Arial"/>
+            </a:endParaRPr>
+          </a:p>
+          <a:p>
+            <a:pPr>
+              <a:lnSpc>
+                <a:spcPct val="100000"/>
+              </a:lnSpc>
+            </a:pPr>
+            <a:endParaRPr b="0" lang="en-US" sz="1100" spc="-1" strike="noStrike">
+              <a:latin typeface="Arial"/>
+            </a:endParaRPr>
+          </a:p>
+          <a:p>
+            <a:pPr>
+              <a:lnSpc>
+                <a:spcPct val="100000"/>
+              </a:lnSpc>
+            </a:pPr>
+            <a:endParaRPr b="0" lang="en-US" sz="1100" spc="-1" strike="noStrike">
+              <a:latin typeface="Arial"/>
+            </a:endParaRPr>
+          </a:p>
+          <a:p>
+            <a:pPr>
+              <a:lnSpc>
+                <a:spcPct val="100000"/>
+              </a:lnSpc>
+            </a:pPr>
+            <a:r>
+              <a:rPr b="0" lang="en-US" sz="1100" spc="-1" strike="noStrike">
                 <a:solidFill>
                   <a:srgbClr val="000000"/>
                 </a:solidFill>
                 <a:latin typeface="Arial"/>
                 <a:ea typeface="DejaVu Sans"/>
               </a:rPr>
-              <a:t>형 데이터타입의 사이즈와 최대값과 최솟값을 확인해보면 </a:t>
-            </a:r>
-            <a:r>
-              <a:rPr b="0" lang="en-US" sz="1100" spc="-1" strike="noStrike">
+              <a:t>Char </a:t>
+            </a:r>
+            <a:r>
+              <a:rPr b="0" lang="ko-KR" sz="1100" spc="-1" strike="noStrike">
                 <a:solidFill>
                   <a:srgbClr val="000000"/>
                 </a:solidFill>
                 <a:latin typeface="Arial"/>
                 <a:ea typeface="DejaVu Sans"/>
               </a:rPr>
-              <a:t>2, -2^15, 2^15 – 1 </a:t>
-            </a:r>
-            <a:r>
-              <a:rPr b="0" lang="ko-KR" sz="1100" spc="-1" strike="noStrike">
+              <a:t>형 데이터타입의 사이즈와 최대값과 최솟값을 확인해보면 </a:t>
+            </a:r>
+            <a:r>
+              <a:rPr b="0" lang="en-US" sz="1100" spc="-1" strike="noStrike">
                 <a:solidFill>
                   <a:srgbClr val="000000"/>
                 </a:solidFill>
                 <a:latin typeface="Arial"/>
                 <a:ea typeface="DejaVu Sans"/>
               </a:rPr>
-              <a:t>인것을 확인해 볼 수 있다</a:t>
-            </a:r>
-            <a:r>
-              <a:rPr b="0" lang="en-US" sz="1100" spc="-1" strike="noStrike">
+              <a:t>2, -2^15, 2^15 – 1 </a:t>
+            </a:r>
+            <a:r>
+              <a:rPr b="0" lang="ko-KR" sz="1100" spc="-1" strike="noStrike">
                 <a:solidFill>
                   <a:srgbClr val="000000"/>
                 </a:solidFill>
                 <a:latin typeface="Arial"/>
                 <a:ea typeface="DejaVu Sans"/>
               </a:rPr>
+              <a:t>인것을 확인해 볼 수 있다</a:t>
+            </a:r>
+            <a:r>
+              <a:rPr b="0" lang="en-US" sz="1100" spc="-1" strike="noStrike">
+                <a:solidFill>
+                  <a:srgbClr val="000000"/>
+                </a:solidFill>
+                <a:latin typeface="Arial"/>
+                <a:ea typeface="DejaVu Sans"/>
+              </a:rPr>
               <a:t>.</a:t>
             </a:r>
-            <a:endParaRPr b="0" lang="en-US" sz="1100" spc="-1" strike="noStrike">
-              <a:latin typeface="Arial"/>
-            </a:endParaRPr>
-          </a:p>
-          <a:p>
-            <a:pPr>
-              <a:lnSpc>
-                <a:spcPct val="100000"/>
-              </a:lnSpc>
-            </a:pPr>
-            <a:endParaRPr b="0" lang="en-US" sz="1100" spc="-1" strike="noStrike">
-              <a:latin typeface="Arial"/>
-            </a:endParaRPr>
-          </a:p>
-          <a:p>
-            <a:pPr>
-              <a:lnSpc>
-                <a:spcPct val="100000"/>
-              </a:lnSpc>
-            </a:pPr>
-            <a:endParaRPr b="0" lang="en-US" sz="1100" spc="-1" strike="noStrike">
-              <a:latin typeface="Arial"/>
-            </a:endParaRPr>
-          </a:p>
-          <a:p>
-            <a:pPr>
-              <a:lnSpc>
-                <a:spcPct val="100000"/>
-              </a:lnSpc>
-            </a:pPr>
-            <a:endParaRPr b="0" lang="en-US" sz="1100" spc="-1" strike="noStrike">
-              <a:latin typeface="Arial"/>
-            </a:endParaRPr>
-          </a:p>
-          <a:p>
-            <a:pPr>
-              <a:lnSpc>
-                <a:spcPct val="100000"/>
-              </a:lnSpc>
-            </a:pPr>
-            <a:endParaRPr b="0" lang="en-US" sz="1100" spc="-1" strike="noStrike">
-              <a:latin typeface="Arial"/>
-            </a:endParaRPr>
-          </a:p>
-          <a:p>
-            <a:pPr>
-              <a:lnSpc>
-                <a:spcPct val="100000"/>
-              </a:lnSpc>
-            </a:pPr>
             <a:endParaRPr b="0" lang="en-US" sz="1100" spc="-1" strike="noStrike">
               <a:latin typeface="Arial"/>
             </a:endParaRPr>
@@ -11679,7 +11431,7 @@
         <p:spPr>
           <a:xfrm>
             <a:off x="4668120" y="7177320"/>
-            <a:ext cx="953280" cy="272160"/>
+            <a:ext cx="952560" cy="272160"/>
           </a:xfrm>
           <a:prstGeom prst="rect">
             <a:avLst/>
@@ -11730,7 +11482,7 @@
         <p:spPr>
           <a:xfrm>
             <a:off x="327600" y="45000"/>
-            <a:ext cx="4654440" cy="546480"/>
+            <a:ext cx="4653720" cy="546480"/>
           </a:xfrm>
           <a:prstGeom prst="rect">
             <a:avLst/>
@@ -11795,7 +11547,7 @@
         <p:spPr>
           <a:xfrm>
             <a:off x="720000" y="2160000"/>
-            <a:ext cx="6990840" cy="1837800"/>
+            <a:ext cx="6990120" cy="1837080"/>
           </a:xfrm>
           <a:prstGeom prst="rect">
             <a:avLst/>
@@ -11844,7 +11596,7 @@
         <p:spPr>
           <a:xfrm>
             <a:off x="621000" y="849240"/>
-            <a:ext cx="9817920" cy="5966640"/>
+            <a:ext cx="9817200" cy="5937120"/>
           </a:xfrm>
           <a:prstGeom prst="rect">
             <a:avLst/>
@@ -11888,28 +11640,8 @@
                 <a:latin typeface="현대하모니 L"/>
                 <a:ea typeface="현대하모니 L"/>
               </a:rPr>
-              <a:t>4) </a:t>
-            </a:r>
-            <a:r>
-              <a:rPr b="0" lang="en-US" sz="2000" spc="-1" strike="noStrike">
-                <a:solidFill>
-                  <a:srgbClr val="000000"/>
-                </a:solidFill>
-                <a:latin typeface="현대하모니 L"/>
-                <a:ea typeface="현대하모니 L"/>
-              </a:rPr>
-              <a:t>float</a:t>
-            </a:r>
-            <a:endParaRPr b="0" lang="en-US" sz="2000" spc="-1" strike="noStrike">
-              <a:latin typeface="Arial"/>
-            </a:endParaRPr>
-          </a:p>
-          <a:p>
-            <a:pPr>
-              <a:lnSpc>
-                <a:spcPct val="100000"/>
-              </a:lnSpc>
-            </a:pPr>
+              <a:t>4) float</a:t>
+            </a:r>
             <a:endParaRPr b="0" lang="en-US" sz="2000" spc="-1" strike="noStrike">
               <a:latin typeface="Arial"/>
             </a:endParaRPr>
@@ -12488,7 +12220,7 @@
                 <a:latin typeface="Arial"/>
                 <a:ea typeface="DejaVu Sans"/>
               </a:rPr>
-              <a:t>표준을 보며 확인해보</a:t>
+              <a:t>표준을 보며 확인해보자</a:t>
             </a:r>
             <a:endParaRPr b="0" lang="en-US" sz="1100" spc="-1" strike="noStrike">
               <a:latin typeface="Arial"/>
@@ -12515,7 +12247,7 @@
         <p:spPr>
           <a:xfrm>
             <a:off x="4668120" y="7177320"/>
-            <a:ext cx="953280" cy="272160"/>
+            <a:ext cx="952560" cy="272160"/>
           </a:xfrm>
           <a:prstGeom prst="rect">
             <a:avLst/>
@@ -12566,7 +12298,7 @@
         <p:spPr>
           <a:xfrm>
             <a:off x="327600" y="45000"/>
-            <a:ext cx="4654440" cy="546480"/>
+            <a:ext cx="4653720" cy="546480"/>
           </a:xfrm>
           <a:prstGeom prst="rect">
             <a:avLst/>
@@ -12631,7 +12363,7 @@
         <p:spPr>
           <a:xfrm>
             <a:off x="749160" y="1980000"/>
-            <a:ext cx="6990840" cy="666360"/>
+            <a:ext cx="6990120" cy="665640"/>
           </a:xfrm>
           <a:prstGeom prst="rect">
             <a:avLst/>
@@ -12653,8 +12385,8 @@
         </p:blipFill>
         <p:spPr>
           <a:xfrm>
-            <a:off x="720000" y="3240000"/>
-            <a:ext cx="6962400" cy="3028680"/>
+            <a:off x="720000" y="3091680"/>
+            <a:ext cx="6961680" cy="3027960"/>
           </a:xfrm>
           <a:prstGeom prst="rect">
             <a:avLst/>
@@ -12703,7 +12435,7 @@
         <p:spPr>
           <a:xfrm>
             <a:off x="621000" y="849240"/>
-            <a:ext cx="9817920" cy="4125960"/>
+            <a:ext cx="9817200" cy="5913360"/>
           </a:xfrm>
           <a:prstGeom prst="rect">
             <a:avLst/>
@@ -12737,15 +12469,35 @@
                 <a:latin typeface="현대하모니 L"/>
                 <a:ea typeface="현대하모니 L"/>
               </a:rPr>
-              <a:t>5) </a:t>
-            </a:r>
+              <a:t>4) float</a:t>
+            </a:r>
+            <a:endParaRPr b="0" lang="en-US" sz="2000" spc="-1" strike="noStrike">
+              <a:latin typeface="Arial"/>
+            </a:endParaRPr>
+          </a:p>
+          <a:p>
+            <a:pPr>
+              <a:lnSpc>
+                <a:spcPct val="100000"/>
+              </a:lnSpc>
+            </a:pPr>
+            <a:endParaRPr b="0" lang="en-US" sz="2000" spc="-1" strike="noStrike">
+              <a:latin typeface="Arial"/>
+            </a:endParaRPr>
+          </a:p>
+          <a:p>
+            <a:pPr>
+              <a:lnSpc>
+                <a:spcPct val="100000"/>
+              </a:lnSpc>
+            </a:pPr>
             <a:r>
               <a:rPr b="0" lang="en-US" sz="2000" spc="-1" strike="noStrike">
                 <a:solidFill>
                   <a:srgbClr val="000000"/>
                 </a:solidFill>
-                <a:latin typeface="현대하모니 L"/>
-                <a:ea typeface="현대하모니 L"/>
+                <a:latin typeface="Arial"/>
+                <a:ea typeface="DejaVu Sans"/>
               </a:rPr>
               <a:t>IEEE 754</a:t>
             </a:r>
@@ -12779,16 +12531,6 @@
                 <a:spcPct val="100000"/>
               </a:lnSpc>
             </a:pPr>
-            <a:endParaRPr b="0" lang="en-US" sz="2000" spc="-1" strike="noStrike">
-              <a:latin typeface="Arial"/>
-            </a:endParaRPr>
-          </a:p>
-          <a:p>
-            <a:pPr>
-              <a:lnSpc>
-                <a:spcPct val="100000"/>
-              </a:lnSpc>
-            </a:pPr>
             <a:r>
               <a:rPr b="0" lang="en-US" sz="2000" spc="-1" strike="noStrike">
                 <a:solidFill>
@@ -12919,37 +12661,157 @@
                 <a:spcPct val="100000"/>
               </a:lnSpc>
             </a:pPr>
-            <a:endParaRPr b="0" lang="en-US" sz="2000" spc="-1" strike="noStrike">
-              <a:latin typeface="Arial"/>
-            </a:endParaRPr>
-          </a:p>
-          <a:p>
-            <a:pPr>
-              <a:lnSpc>
-                <a:spcPct val="100000"/>
-              </a:lnSpc>
-            </a:pPr>
-            <a:endParaRPr b="0" lang="en-US" sz="2000" spc="-1" strike="noStrike">
-              <a:latin typeface="Arial"/>
-            </a:endParaRPr>
-          </a:p>
-          <a:p>
-            <a:pPr>
-              <a:lnSpc>
-                <a:spcPct val="100000"/>
-              </a:lnSpc>
-            </a:pPr>
-            <a:endParaRPr b="0" lang="en-US" sz="2000" spc="-1" strike="noStrike">
-              <a:latin typeface="Arial"/>
-            </a:endParaRPr>
-          </a:p>
-          <a:p>
-            <a:pPr>
-              <a:lnSpc>
-                <a:spcPct val="100000"/>
-              </a:lnSpc>
-            </a:pPr>
-            <a:endParaRPr b="0" lang="en-US" sz="2000" spc="-1" strike="noStrike">
+            <a:r>
+              <a:rPr b="0" lang="ko-KR" sz="1400" spc="-1" strike="noStrike">
+                <a:solidFill>
+                  <a:srgbClr val="000000"/>
+                </a:solidFill>
+                <a:latin typeface="Arial"/>
+                <a:ea typeface="DejaVu Sans"/>
+              </a:rPr>
+              <a:t>컴퓨터가 소수점을 표현하는 방식은 부동 소수점 방식이며 </a:t>
+            </a:r>
+            <a:r>
+              <a:rPr b="0" lang="en-US" sz="1400" spc="-1" strike="noStrike">
+                <a:solidFill>
+                  <a:srgbClr val="000000"/>
+                </a:solidFill>
+                <a:latin typeface="Arial"/>
+                <a:ea typeface="DejaVu Sans"/>
+              </a:rPr>
+              <a:t>IEEE 754 </a:t>
+            </a:r>
+            <a:r>
+              <a:rPr b="0" lang="ko-KR" sz="1400" spc="-1" strike="noStrike">
+                <a:solidFill>
+                  <a:srgbClr val="000000"/>
+                </a:solidFill>
+                <a:latin typeface="Arial"/>
+                <a:ea typeface="DejaVu Sans"/>
+              </a:rPr>
+              <a:t>표준을 따르고 있다</a:t>
+            </a:r>
+            <a:r>
+              <a:rPr b="0" lang="en-US" sz="1400" spc="-1" strike="noStrike">
+                <a:solidFill>
+                  <a:srgbClr val="000000"/>
+                </a:solidFill>
+                <a:latin typeface="Arial"/>
+                <a:ea typeface="DejaVu Sans"/>
+              </a:rPr>
+              <a:t>. 4</a:t>
+            </a:r>
+            <a:r>
+              <a:rPr b="0" lang="ko-KR" sz="1400" spc="-1" strike="noStrike">
+                <a:solidFill>
+                  <a:srgbClr val="000000"/>
+                </a:solidFill>
+                <a:latin typeface="Arial"/>
+                <a:ea typeface="DejaVu Sans"/>
+              </a:rPr>
+              <a:t>바이트기준으로 </a:t>
+            </a:r>
+            <a:r>
+              <a:rPr b="0" lang="en-US" sz="1400" spc="-1" strike="noStrike">
+                <a:solidFill>
+                  <a:srgbClr val="000000"/>
+                </a:solidFill>
+                <a:latin typeface="Arial"/>
+                <a:ea typeface="DejaVu Sans"/>
+              </a:rPr>
+              <a:t>IEEE 754 </a:t>
+            </a:r>
+            <a:r>
+              <a:rPr b="0" lang="ko-KR" sz="1400" spc="-1" strike="noStrike">
+                <a:solidFill>
+                  <a:srgbClr val="000000"/>
+                </a:solidFill>
+                <a:latin typeface="Arial"/>
+                <a:ea typeface="DejaVu Sans"/>
+              </a:rPr>
+              <a:t>표준으로 표현하면 최상위 </a:t>
+            </a:r>
+            <a:r>
+              <a:rPr b="0" lang="en-US" sz="1400" spc="-1" strike="noStrike">
+                <a:solidFill>
+                  <a:srgbClr val="000000"/>
+                </a:solidFill>
+                <a:latin typeface="Arial"/>
+                <a:ea typeface="DejaVu Sans"/>
+              </a:rPr>
+              <a:t>1</a:t>
+            </a:r>
+            <a:r>
+              <a:rPr b="0" lang="ko-KR" sz="1400" spc="-1" strike="noStrike">
+                <a:solidFill>
+                  <a:srgbClr val="000000"/>
+                </a:solidFill>
+                <a:latin typeface="Arial"/>
+                <a:ea typeface="DejaVu Sans"/>
+              </a:rPr>
+              <a:t>비트는 부호를 그다음 상위 </a:t>
+            </a:r>
+            <a:r>
+              <a:rPr b="0" lang="en-US" sz="1400" spc="-1" strike="noStrike">
+                <a:solidFill>
+                  <a:srgbClr val="000000"/>
+                </a:solidFill>
+                <a:latin typeface="Arial"/>
+                <a:ea typeface="DejaVu Sans"/>
+              </a:rPr>
+              <a:t>8</a:t>
+            </a:r>
+            <a:r>
+              <a:rPr b="0" lang="ko-KR" sz="1400" spc="-1" strike="noStrike">
+                <a:solidFill>
+                  <a:srgbClr val="000000"/>
+                </a:solidFill>
+                <a:latin typeface="Arial"/>
+                <a:ea typeface="DejaVu Sans"/>
+              </a:rPr>
+              <a:t>비트는 지수비트를 그다음 </a:t>
+            </a:r>
+            <a:r>
+              <a:rPr b="0" lang="en-US" sz="1400" spc="-1" strike="noStrike">
+                <a:solidFill>
+                  <a:srgbClr val="000000"/>
+                </a:solidFill>
+                <a:latin typeface="Arial"/>
+                <a:ea typeface="DejaVu Sans"/>
+              </a:rPr>
+              <a:t>23</a:t>
+            </a:r>
+            <a:r>
+              <a:rPr b="0" lang="ko-KR" sz="1400" spc="-1" strike="noStrike">
+                <a:solidFill>
+                  <a:srgbClr val="000000"/>
+                </a:solidFill>
+                <a:latin typeface="Arial"/>
+                <a:ea typeface="DejaVu Sans"/>
+              </a:rPr>
+              <a:t>비트는 가수를 나타낸다</a:t>
+            </a:r>
+            <a:r>
+              <a:rPr b="0" lang="en-US" sz="1400" spc="-1" strike="noStrike">
+                <a:solidFill>
+                  <a:srgbClr val="000000"/>
+                </a:solidFill>
+                <a:latin typeface="Arial"/>
+                <a:ea typeface="DejaVu Sans"/>
+              </a:rPr>
+              <a:t>.</a:t>
+            </a:r>
+            <a:endParaRPr b="0" lang="en-US" sz="1400" spc="-1" strike="noStrike">
+              <a:latin typeface="Arial"/>
+            </a:endParaRPr>
+          </a:p>
+          <a:p>
+            <a:pPr>
+              <a:lnSpc>
+                <a:spcPct val="100000"/>
+              </a:lnSpc>
+            </a:pPr>
+            <a:endParaRPr b="0" lang="en-US" sz="1400" spc="-1" strike="noStrike">
               <a:latin typeface="Arial"/>
             </a:endParaRPr>
           </a:p>
@@ -12964,7 +12826,7 @@
         <p:spPr>
           <a:xfrm>
             <a:off x="4668120" y="7177320"/>
-            <a:ext cx="953280" cy="272160"/>
+            <a:ext cx="952560" cy="272160"/>
           </a:xfrm>
           <a:prstGeom prst="rect">
             <a:avLst/>
@@ -13015,7 +12877,7 @@
         <p:spPr>
           <a:xfrm>
             <a:off x="327600" y="45000"/>
-            <a:ext cx="4654440" cy="546480"/>
+            <a:ext cx="4653720" cy="546480"/>
           </a:xfrm>
           <a:prstGeom prst="rect">
             <a:avLst/>
@@ -13067,6 +12929,29 @@
           </a:p>
         </p:txBody>
       </p:sp>
+      <p:pic>
+        <p:nvPicPr>
+          <p:cNvPr id="176" name="" descr=""/>
+          <p:cNvPicPr/>
+          <p:nvPr/>
+        </p:nvPicPr>
+        <p:blipFill>
+          <a:blip r:embed="rId1"/>
+          <a:stretch/>
+        </p:blipFill>
+        <p:spPr>
+          <a:xfrm>
+            <a:off x="367560" y="1980000"/>
+            <a:ext cx="9892080" cy="3941280"/>
+          </a:xfrm>
+          <a:prstGeom prst="rect">
+            <a:avLst/>
+          </a:prstGeom>
+          <a:ln w="0">
+            <a:noFill/>
+          </a:ln>
+        </p:spPr>
+      </p:pic>
     </p:spTree>
   </p:cSld>
   <mc:AlternateContent>
@@ -13106,7 +12991,7 @@
         <p:spPr>
           <a:xfrm>
             <a:off x="327600" y="45000"/>
-            <a:ext cx="4654440" cy="546480"/>
+            <a:ext cx="4653720" cy="546480"/>
           </a:xfrm>
           <a:prstGeom prst="rect">
             <a:avLst/>
@@ -13167,7 +13052,7 @@
         <p:spPr>
           <a:xfrm>
             <a:off x="621000" y="849240"/>
-            <a:ext cx="9457560" cy="5799240"/>
+            <a:ext cx="9456840" cy="5799240"/>
           </a:xfrm>
           <a:prstGeom prst="rect">
             <a:avLst/>
@@ -13758,7 +13643,7 @@
         <p:spPr>
           <a:xfrm>
             <a:off x="4668120" y="7177320"/>
-            <a:ext cx="953280" cy="272160"/>
+            <a:ext cx="952560" cy="272160"/>
           </a:xfrm>
           <a:prstGeom prst="rect">
             <a:avLst/>
@@ -13813,7 +13698,1147 @@
         <p:spPr>
           <a:xfrm>
             <a:off x="720000" y="3060000"/>
-            <a:ext cx="6980040" cy="2674800"/>
+            <a:ext cx="6979320" cy="2674080"/>
+          </a:xfrm>
+          <a:prstGeom prst="rect">
+            <a:avLst/>
+          </a:prstGeom>
+          <a:ln w="0">
+            <a:noFill/>
+          </a:ln>
+        </p:spPr>
+      </p:pic>
+    </p:spTree>
+  </p:cSld>
+  <mc:AlternateContent>
+    <mc:Choice Requires="p14">
+      <p:transition spd="slow" p14:dur="2000"/>
+    </mc:Choice>
+    <mc:Fallback>
+      <p:transition spd="slow"/>
+    </mc:Fallback>
+  </mc:AlternateContent>
+</p:sld>
+</file>
+
+<file path=ppt/slides/slide20.xml><?xml version="1.0" encoding="utf-8"?>
+<p:sld xmlns:a="http://schemas.openxmlformats.org/drawingml/2006/main" xmlns:p="http://schemas.openxmlformats.org/presentationml/2006/main" xmlns:r="http://schemas.openxmlformats.org/officeDocument/2006/relationships" xmlns:p14="http://schemas.microsoft.com/office/powerpoint/2010/main" xmlns:p15="http://schemas.microsoft.com/office/powerpoint/2012/main" xmlns:mc="http://schemas.openxmlformats.org/markup-compatibility/2006">
+  <p:cSld>
+    <p:spTree>
+      <p:nvGrpSpPr>
+        <p:cNvPr id="1" name=""/>
+        <p:cNvGrpSpPr/>
+        <p:nvPr/>
+      </p:nvGrpSpPr>
+      <p:grpSpPr>
+        <a:xfrm>
+          <a:off x="0" y="0"/>
+          <a:ext cx="0" cy="0"/>
+          <a:chOff x="0" y="0"/>
+          <a:chExt cx="0" cy="0"/>
+        </a:xfrm>
+      </p:grpSpPr>
+      <p:sp>
+        <p:nvSpPr>
+          <p:cNvPr id="177" name="TextBox 21_18"/>
+          <p:cNvSpPr/>
+          <p:nvPr/>
+        </p:nvSpPr>
+        <p:spPr>
+          <a:xfrm>
+            <a:off x="621000" y="849240"/>
+            <a:ext cx="9817200" cy="5590800"/>
+          </a:xfrm>
+          <a:prstGeom prst="rect">
+            <a:avLst/>
+          </a:prstGeom>
+          <a:noFill/>
+          <a:ln w="0">
+            <a:noFill/>
+          </a:ln>
+        </p:spPr>
+        <p:style>
+          <a:lnRef idx="0"/>
+          <a:fillRef idx="0"/>
+          <a:effectRef idx="0"/>
+          <a:fontRef idx="minor"/>
+        </p:style>
+        <p:txBody>
+          <a:bodyPr lIns="90000" rIns="90000" tIns="45000" bIns="45000">
+            <a:spAutoFit/>
+          </a:bodyPr>
+          <a:p>
+            <a:pPr>
+              <a:lnSpc>
+                <a:spcPct val="100000"/>
+              </a:lnSpc>
+            </a:pPr>
+            <a:r>
+              <a:rPr b="0" lang="en-US" sz="2000" spc="-1" strike="noStrike">
+                <a:solidFill>
+                  <a:srgbClr val="000000"/>
+                </a:solidFill>
+                <a:latin typeface="현대하모니 L"/>
+                <a:ea typeface="현대하모니 L"/>
+              </a:rPr>
+              <a:t> </a:t>
+            </a:r>
+            <a:r>
+              <a:rPr b="0" lang="en-US" sz="2000" spc="-1" strike="noStrike">
+                <a:solidFill>
+                  <a:srgbClr val="000000"/>
+                </a:solidFill>
+                <a:latin typeface="현대하모니 L"/>
+                <a:ea typeface="현대하모니 L"/>
+              </a:rPr>
+              <a:t>4) float</a:t>
+            </a:r>
+            <a:endParaRPr b="0" lang="en-US" sz="2000" spc="-1" strike="noStrike">
+              <a:latin typeface="Arial"/>
+            </a:endParaRPr>
+          </a:p>
+          <a:p>
+            <a:pPr>
+              <a:lnSpc>
+                <a:spcPct val="100000"/>
+              </a:lnSpc>
+            </a:pPr>
+            <a:endParaRPr b="0" lang="en-US" sz="2000" spc="-1" strike="noStrike">
+              <a:latin typeface="Arial"/>
+            </a:endParaRPr>
+          </a:p>
+          <a:p>
+            <a:pPr>
+              <a:lnSpc>
+                <a:spcPct val="100000"/>
+              </a:lnSpc>
+            </a:pPr>
+            <a:endParaRPr b="0" lang="en-US" sz="2000" spc="-1" strike="noStrike">
+              <a:latin typeface="Arial"/>
+            </a:endParaRPr>
+          </a:p>
+          <a:p>
+            <a:pPr>
+              <a:lnSpc>
+                <a:spcPct val="100000"/>
+              </a:lnSpc>
+            </a:pPr>
+            <a:endParaRPr b="0" lang="en-US" sz="2000" spc="-1" strike="noStrike">
+              <a:latin typeface="Arial"/>
+            </a:endParaRPr>
+          </a:p>
+          <a:p>
+            <a:pPr>
+              <a:lnSpc>
+                <a:spcPct val="100000"/>
+              </a:lnSpc>
+            </a:pPr>
+            <a:endParaRPr b="0" lang="en-US" sz="2000" spc="-1" strike="noStrike">
+              <a:latin typeface="Arial"/>
+            </a:endParaRPr>
+          </a:p>
+          <a:p>
+            <a:pPr>
+              <a:lnSpc>
+                <a:spcPct val="100000"/>
+              </a:lnSpc>
+            </a:pPr>
+            <a:endParaRPr b="0" lang="en-US" sz="2000" spc="-1" strike="noStrike">
+              <a:latin typeface="Arial"/>
+            </a:endParaRPr>
+          </a:p>
+          <a:p>
+            <a:pPr>
+              <a:lnSpc>
+                <a:spcPct val="100000"/>
+              </a:lnSpc>
+            </a:pPr>
+            <a:endParaRPr b="0" lang="en-US" sz="2000" spc="-1" strike="noStrike">
+              <a:latin typeface="Arial"/>
+            </a:endParaRPr>
+          </a:p>
+          <a:p>
+            <a:pPr>
+              <a:lnSpc>
+                <a:spcPct val="100000"/>
+              </a:lnSpc>
+            </a:pPr>
+            <a:endParaRPr b="0" lang="en-US" sz="2000" spc="-1" strike="noStrike">
+              <a:latin typeface="Arial"/>
+            </a:endParaRPr>
+          </a:p>
+          <a:p>
+            <a:pPr>
+              <a:lnSpc>
+                <a:spcPct val="100000"/>
+              </a:lnSpc>
+            </a:pPr>
+            <a:endParaRPr b="0" lang="en-US" sz="2000" spc="-1" strike="noStrike">
+              <a:latin typeface="Arial"/>
+            </a:endParaRPr>
+          </a:p>
+          <a:p>
+            <a:pPr>
+              <a:lnSpc>
+                <a:spcPct val="100000"/>
+              </a:lnSpc>
+            </a:pPr>
+            <a:endParaRPr b="0" lang="en-US" sz="2000" spc="-1" strike="noStrike">
+              <a:latin typeface="Arial"/>
+            </a:endParaRPr>
+          </a:p>
+          <a:p>
+            <a:pPr>
+              <a:lnSpc>
+                <a:spcPct val="100000"/>
+              </a:lnSpc>
+            </a:pPr>
+            <a:endParaRPr b="0" lang="en-US" sz="2000" spc="-1" strike="noStrike">
+              <a:latin typeface="Arial"/>
+            </a:endParaRPr>
+          </a:p>
+          <a:p>
+            <a:pPr>
+              <a:lnSpc>
+                <a:spcPct val="100000"/>
+              </a:lnSpc>
+            </a:pPr>
+            <a:endParaRPr b="0" lang="en-US" sz="2000" spc="-1" strike="noStrike">
+              <a:latin typeface="Arial"/>
+            </a:endParaRPr>
+          </a:p>
+          <a:p>
+            <a:pPr>
+              <a:lnSpc>
+                <a:spcPct val="100000"/>
+              </a:lnSpc>
+            </a:pPr>
+            <a:r>
+              <a:rPr b="0" lang="en-US" sz="1100" spc="-1" strike="noStrike">
+                <a:solidFill>
+                  <a:srgbClr val="000000"/>
+                </a:solidFill>
+                <a:latin typeface="Arial"/>
+                <a:ea typeface="DejaVu Sans"/>
+              </a:rPr>
+              <a:t>IEEE 754 </a:t>
+            </a:r>
+            <a:r>
+              <a:rPr b="0" lang="ko-KR" sz="1100" spc="-1" strike="noStrike">
+                <a:solidFill>
+                  <a:srgbClr val="000000"/>
+                </a:solidFill>
+                <a:latin typeface="Arial"/>
+                <a:ea typeface="DejaVu Sans"/>
+              </a:rPr>
+              <a:t>표준으로 </a:t>
+            </a:r>
+            <a:r>
+              <a:rPr b="0" lang="en-US" sz="1100" spc="-1" strike="noStrike">
+                <a:solidFill>
+                  <a:srgbClr val="000000"/>
+                </a:solidFill>
+                <a:latin typeface="Arial"/>
+                <a:ea typeface="DejaVu Sans"/>
+              </a:rPr>
+              <a:t>number1 0.100000001 </a:t>
+            </a:r>
+            <a:r>
+              <a:rPr b="0" lang="ko-KR" sz="1100" spc="-1" strike="noStrike">
+                <a:solidFill>
+                  <a:srgbClr val="000000"/>
+                </a:solidFill>
+                <a:latin typeface="Arial"/>
+                <a:ea typeface="DejaVu Sans"/>
+              </a:rPr>
+              <a:t>값이 저장되어있는 메모리 데이터를 보면  다음과 같이 분리할 수 있다</a:t>
+            </a:r>
+            <a:r>
+              <a:rPr b="0" lang="en-US" sz="1100" spc="-1" strike="noStrike">
+                <a:solidFill>
+                  <a:srgbClr val="000000"/>
+                </a:solidFill>
+                <a:latin typeface="Arial"/>
+                <a:ea typeface="DejaVu Sans"/>
+              </a:rPr>
+              <a:t>.</a:t>
+            </a:r>
+            <a:endParaRPr b="0" lang="en-US" sz="1100" spc="-1" strike="noStrike">
+              <a:latin typeface="Arial"/>
+            </a:endParaRPr>
+          </a:p>
+          <a:p>
+            <a:pPr>
+              <a:lnSpc>
+                <a:spcPct val="100000"/>
+              </a:lnSpc>
+            </a:pPr>
+            <a:endParaRPr b="0" lang="en-US" sz="1100" spc="-1" strike="noStrike">
+              <a:latin typeface="Arial"/>
+            </a:endParaRPr>
+          </a:p>
+          <a:p>
+            <a:pPr>
+              <a:lnSpc>
+                <a:spcPct val="100000"/>
+              </a:lnSpc>
+            </a:pPr>
+            <a:r>
+              <a:rPr b="0" lang="ko-KR" sz="1100" spc="-1" strike="noStrike">
+                <a:solidFill>
+                  <a:srgbClr val="000000"/>
+                </a:solidFill>
+                <a:latin typeface="Arial"/>
+                <a:ea typeface="DejaVu Sans"/>
+              </a:rPr>
+              <a:t>부호비트 </a:t>
+            </a:r>
+            <a:r>
+              <a:rPr b="0" lang="en-US" sz="1100" spc="-1" strike="noStrike">
+                <a:solidFill>
+                  <a:srgbClr val="000000"/>
+                </a:solidFill>
+                <a:latin typeface="Arial"/>
+                <a:ea typeface="DejaVu Sans"/>
+              </a:rPr>
+              <a:t>: 0</a:t>
+            </a:r>
+            <a:endParaRPr b="0" lang="en-US" sz="1100" spc="-1" strike="noStrike">
+              <a:latin typeface="Arial"/>
+            </a:endParaRPr>
+          </a:p>
+          <a:p>
+            <a:pPr>
+              <a:lnSpc>
+                <a:spcPct val="100000"/>
+              </a:lnSpc>
+            </a:pPr>
+            <a:r>
+              <a:rPr b="0" lang="ko-KR" sz="1100" spc="-1" strike="noStrike">
+                <a:solidFill>
+                  <a:srgbClr val="000000"/>
+                </a:solidFill>
+                <a:latin typeface="Arial"/>
+                <a:ea typeface="DejaVu Sans"/>
+              </a:rPr>
+              <a:t>지수비트 </a:t>
+            </a:r>
+            <a:r>
+              <a:rPr b="0" lang="en-US" sz="1100" spc="-1" strike="noStrike">
+                <a:solidFill>
+                  <a:srgbClr val="000000"/>
+                </a:solidFill>
+                <a:latin typeface="Arial"/>
+                <a:ea typeface="DejaVu Sans"/>
+              </a:rPr>
+              <a:t>: 01111011</a:t>
+            </a:r>
+            <a:endParaRPr b="0" lang="en-US" sz="1100" spc="-1" strike="noStrike">
+              <a:latin typeface="Arial"/>
+            </a:endParaRPr>
+          </a:p>
+          <a:p>
+            <a:pPr>
+              <a:lnSpc>
+                <a:spcPct val="100000"/>
+              </a:lnSpc>
+            </a:pPr>
+            <a:r>
+              <a:rPr b="0" lang="ko-KR" sz="1100" spc="-1" strike="noStrike">
+                <a:solidFill>
+                  <a:srgbClr val="000000"/>
+                </a:solidFill>
+                <a:latin typeface="Arial"/>
+                <a:ea typeface="DejaVu Sans"/>
+              </a:rPr>
+              <a:t>가수비트 </a:t>
+            </a:r>
+            <a:r>
+              <a:rPr b="0" lang="en-US" sz="1100" spc="-1" strike="noStrike">
+                <a:solidFill>
+                  <a:srgbClr val="000000"/>
+                </a:solidFill>
+                <a:latin typeface="Arial"/>
+                <a:ea typeface="DejaVu Sans"/>
+              </a:rPr>
+              <a:t>: 10011001100110011001101</a:t>
+            </a:r>
+            <a:endParaRPr b="0" lang="en-US" sz="1100" spc="-1" strike="noStrike">
+              <a:latin typeface="Arial"/>
+            </a:endParaRPr>
+          </a:p>
+          <a:p>
+            <a:pPr>
+              <a:lnSpc>
+                <a:spcPct val="100000"/>
+              </a:lnSpc>
+            </a:pPr>
+            <a:r>
+              <a:rPr b="0" lang="ko-KR" sz="1100" spc="-1" strike="noStrike">
+                <a:solidFill>
+                  <a:srgbClr val="000000"/>
+                </a:solidFill>
+                <a:latin typeface="Arial"/>
+                <a:ea typeface="DejaVu Sans"/>
+              </a:rPr>
+              <a:t>부호비트를 우선보면 </a:t>
+            </a:r>
+            <a:r>
+              <a:rPr b="0" lang="en-US" sz="1100" spc="-1" strike="noStrike">
+                <a:solidFill>
+                  <a:srgbClr val="000000"/>
+                </a:solidFill>
+                <a:latin typeface="Arial"/>
+                <a:ea typeface="DejaVu Sans"/>
+              </a:rPr>
+              <a:t>0</a:t>
+            </a:r>
+            <a:r>
+              <a:rPr b="0" lang="ko-KR" sz="1100" spc="-1" strike="noStrike">
+                <a:solidFill>
+                  <a:srgbClr val="000000"/>
+                </a:solidFill>
+                <a:latin typeface="Arial"/>
+                <a:ea typeface="DejaVu Sans"/>
+              </a:rPr>
+              <a:t>이므로 양수인것을 확인 할 수 있다</a:t>
+            </a:r>
+            <a:r>
+              <a:rPr b="0" lang="en-US" sz="1100" spc="-1" strike="noStrike">
+                <a:solidFill>
+                  <a:srgbClr val="000000"/>
+                </a:solidFill>
+                <a:latin typeface="Arial"/>
+                <a:ea typeface="DejaVu Sans"/>
+              </a:rPr>
+              <a:t>.</a:t>
+            </a:r>
+            <a:endParaRPr b="0" lang="en-US" sz="1100" spc="-1" strike="noStrike">
+              <a:latin typeface="Arial"/>
+            </a:endParaRPr>
+          </a:p>
+          <a:p>
+            <a:pPr>
+              <a:lnSpc>
+                <a:spcPct val="100000"/>
+              </a:lnSpc>
+            </a:pPr>
+            <a:endParaRPr b="0" lang="en-US" sz="1100" spc="-1" strike="noStrike">
+              <a:latin typeface="Arial"/>
+            </a:endParaRPr>
+          </a:p>
+          <a:p>
+            <a:pPr>
+              <a:lnSpc>
+                <a:spcPct val="100000"/>
+              </a:lnSpc>
+            </a:pPr>
+            <a:r>
+              <a:rPr b="0" lang="en-US" sz="1100" spc="-1" strike="noStrike">
+                <a:solidFill>
+                  <a:srgbClr val="000000"/>
+                </a:solidFill>
+                <a:latin typeface="Arial"/>
+                <a:ea typeface="DejaVu Sans"/>
+              </a:rPr>
+              <a:t>0.1</a:t>
+            </a:r>
+            <a:r>
+              <a:rPr b="0" lang="ko-KR" sz="1100" spc="-1" strike="noStrike">
+                <a:solidFill>
+                  <a:srgbClr val="000000"/>
+                </a:solidFill>
+                <a:latin typeface="Arial"/>
+                <a:ea typeface="DejaVu Sans"/>
+              </a:rPr>
+              <a:t>을 이진수로 표현하면 </a:t>
+            </a:r>
+            <a:r>
+              <a:rPr b="0" lang="en-US" sz="1100" spc="-1" strike="noStrike">
+                <a:solidFill>
+                  <a:srgbClr val="000000"/>
+                </a:solidFill>
+                <a:latin typeface="Arial"/>
+                <a:ea typeface="DejaVu Sans"/>
+              </a:rPr>
+              <a:t>0.00010011001100110011001101…. </a:t>
+            </a:r>
+            <a:r>
+              <a:rPr b="0" lang="ko-KR" sz="1100" spc="-1" strike="noStrike">
+                <a:solidFill>
+                  <a:srgbClr val="000000"/>
+                </a:solidFill>
+                <a:latin typeface="Arial"/>
+                <a:ea typeface="DejaVu Sans"/>
+              </a:rPr>
+              <a:t>이되며 이를 이진수 과학표기로 바꾸면 </a:t>
+            </a:r>
+            <a:r>
+              <a:rPr b="0" lang="en-US" sz="1100" spc="-1" strike="noStrike">
+                <a:solidFill>
+                  <a:srgbClr val="000000"/>
+                </a:solidFill>
+                <a:latin typeface="Arial"/>
+                <a:ea typeface="DejaVu Sans"/>
+              </a:rPr>
+              <a:t>0.10011001100110011001101 x 2^-3 </a:t>
+            </a:r>
+            <a:r>
+              <a:rPr b="0" lang="ko-KR" sz="1100" spc="-1" strike="noStrike">
+                <a:solidFill>
+                  <a:srgbClr val="000000"/>
+                </a:solidFill>
+                <a:latin typeface="Arial"/>
+                <a:ea typeface="DejaVu Sans"/>
+              </a:rPr>
+              <a:t>이된다</a:t>
+            </a:r>
+            <a:r>
+              <a:rPr b="0" lang="en-US" sz="1100" spc="-1" strike="noStrike">
+                <a:solidFill>
+                  <a:srgbClr val="000000"/>
+                </a:solidFill>
+                <a:latin typeface="Arial"/>
+                <a:ea typeface="DejaVu Sans"/>
+              </a:rPr>
+              <a:t>.</a:t>
+            </a:r>
+            <a:endParaRPr b="0" lang="en-US" sz="1100" spc="-1" strike="noStrike">
+              <a:latin typeface="Arial"/>
+            </a:endParaRPr>
+          </a:p>
+          <a:p>
+            <a:pPr>
+              <a:lnSpc>
+                <a:spcPct val="100000"/>
+              </a:lnSpc>
+            </a:pPr>
+            <a:r>
+              <a:rPr b="0" lang="ko-KR" sz="1100" spc="-1" strike="noStrike">
+                <a:solidFill>
+                  <a:srgbClr val="000000"/>
+                </a:solidFill>
+                <a:latin typeface="Arial"/>
+                <a:ea typeface="DejaVu Sans"/>
+              </a:rPr>
+              <a:t>여기소 가수부 값은 </a:t>
+            </a:r>
+            <a:r>
+              <a:rPr b="0" lang="en-US" sz="1100" spc="-1" strike="noStrike">
+                <a:solidFill>
+                  <a:srgbClr val="000000"/>
+                </a:solidFill>
+                <a:latin typeface="Arial"/>
+                <a:ea typeface="DejaVu Sans"/>
+              </a:rPr>
+              <a:t>127 + (-3) = 124 = 0b01111011 </a:t>
+            </a:r>
+            <a:r>
+              <a:rPr b="0" lang="ko-KR" sz="1100" spc="-1" strike="noStrike">
+                <a:solidFill>
+                  <a:srgbClr val="000000"/>
+                </a:solidFill>
+                <a:latin typeface="Arial"/>
+                <a:ea typeface="DejaVu Sans"/>
+              </a:rPr>
+              <a:t>이된다</a:t>
+            </a:r>
+            <a:r>
+              <a:rPr b="0" lang="en-US" sz="1100" spc="-1" strike="noStrike">
+                <a:solidFill>
+                  <a:srgbClr val="000000"/>
+                </a:solidFill>
+                <a:latin typeface="Arial"/>
+                <a:ea typeface="DejaVu Sans"/>
+              </a:rPr>
+              <a:t>.</a:t>
+            </a:r>
+            <a:endParaRPr b="0" lang="en-US" sz="1100" spc="-1" strike="noStrike">
+              <a:latin typeface="Arial"/>
+            </a:endParaRPr>
+          </a:p>
+          <a:p>
+            <a:pPr>
+              <a:lnSpc>
+                <a:spcPct val="100000"/>
+              </a:lnSpc>
+            </a:pPr>
+            <a:r>
+              <a:rPr b="0" lang="ko-KR" sz="1100" spc="-1" strike="noStrike">
+                <a:solidFill>
+                  <a:srgbClr val="000000"/>
+                </a:solidFill>
+                <a:latin typeface="Arial"/>
+                <a:ea typeface="DejaVu Sans"/>
+              </a:rPr>
+              <a:t>그리고 과학표기법의 앞부분이 가수비트로 들어가는것을 확인할 수 있다</a:t>
+            </a:r>
+            <a:r>
+              <a:rPr b="0" lang="en-US" sz="1100" spc="-1" strike="noStrike">
+                <a:solidFill>
+                  <a:srgbClr val="000000"/>
+                </a:solidFill>
+                <a:latin typeface="Arial"/>
+                <a:ea typeface="DejaVu Sans"/>
+              </a:rPr>
+              <a:t>.</a:t>
+            </a:r>
+            <a:endParaRPr b="0" lang="en-US" sz="1100" spc="-1" strike="noStrike">
+              <a:latin typeface="Arial"/>
+            </a:endParaRPr>
+          </a:p>
+          <a:p>
+            <a:pPr>
+              <a:lnSpc>
+                <a:spcPct val="100000"/>
+              </a:lnSpc>
+            </a:pPr>
+            <a:endParaRPr b="0" lang="en-US" sz="1100" spc="-1" strike="noStrike">
+              <a:latin typeface="Arial"/>
+            </a:endParaRPr>
+          </a:p>
+        </p:txBody>
+      </p:sp>
+      <p:sp>
+        <p:nvSpPr>
+          <p:cNvPr id="178" name="TextBox 1_18"/>
+          <p:cNvSpPr/>
+          <p:nvPr/>
+        </p:nvSpPr>
+        <p:spPr>
+          <a:xfrm>
+            <a:off x="4668120" y="7177320"/>
+            <a:ext cx="952560" cy="272160"/>
+          </a:xfrm>
+          <a:prstGeom prst="rect">
+            <a:avLst/>
+          </a:prstGeom>
+          <a:noFill/>
+          <a:ln w="0">
+            <a:noFill/>
+          </a:ln>
+        </p:spPr>
+        <p:style>
+          <a:lnRef idx="0"/>
+          <a:fillRef idx="0"/>
+          <a:effectRef idx="0"/>
+          <a:fontRef idx="minor"/>
+        </p:style>
+        <p:txBody>
+          <a:bodyPr lIns="90000" rIns="90000" tIns="45000" bIns="45000">
+            <a:spAutoFit/>
+          </a:bodyPr>
+          <a:p>
+            <a:pPr algn="ctr">
+              <a:lnSpc>
+                <a:spcPct val="100000"/>
+              </a:lnSpc>
+            </a:pPr>
+            <a:r>
+              <a:rPr b="0" lang="en-US" sz="1200" spc="-1" strike="noStrike">
+                <a:solidFill>
+                  <a:srgbClr val="000000"/>
+                </a:solidFill>
+                <a:latin typeface="현대하모니 L"/>
+                <a:ea typeface="현대하모니 L"/>
+              </a:rPr>
+              <a:t>00/00</a:t>
+            </a:r>
+            <a:endParaRPr b="0" lang="en-US" sz="1200" spc="-1" strike="noStrike">
+              <a:latin typeface="Arial"/>
+            </a:endParaRPr>
+          </a:p>
+        </p:txBody>
+      </p:sp>
+      <p:sp>
+        <p:nvSpPr>
+          <p:cNvPr id="179" name="TextBox 5_18"/>
+          <p:cNvSpPr/>
+          <p:nvPr/>
+        </p:nvSpPr>
+        <p:spPr>
+          <a:xfrm>
+            <a:off x="327600" y="45000"/>
+            <a:ext cx="4653720" cy="546480"/>
+          </a:xfrm>
+          <a:prstGeom prst="rect">
+            <a:avLst/>
+          </a:prstGeom>
+          <a:noFill/>
+          <a:ln w="0">
+            <a:noFill/>
+          </a:ln>
+        </p:spPr>
+        <p:style>
+          <a:lnRef idx="0"/>
+          <a:fillRef idx="0"/>
+          <a:effectRef idx="0"/>
+          <a:fontRef idx="minor"/>
+        </p:style>
+        <p:txBody>
+          <a:bodyPr lIns="90000" rIns="90000" tIns="45000" bIns="45000">
+            <a:spAutoFit/>
+          </a:bodyPr>
+          <a:p>
+            <a:pPr>
+              <a:lnSpc>
+                <a:spcPct val="100000"/>
+              </a:lnSpc>
+            </a:pPr>
+            <a:r>
+              <a:rPr b="0" lang="en-US" sz="3000" spc="-1" strike="noStrike">
+                <a:solidFill>
+                  <a:srgbClr val="000000"/>
+                </a:solidFill>
+                <a:latin typeface="현대하모니 L"/>
+                <a:ea typeface="현대하모니 L"/>
+              </a:rPr>
+              <a:t>2. </a:t>
+            </a:r>
+            <a:r>
+              <a:rPr b="0" lang="ko-KR" sz="3000" spc="-1" strike="noStrike">
+                <a:solidFill>
+                  <a:srgbClr val="000000"/>
+                </a:solidFill>
+                <a:latin typeface="현대하모니 L"/>
+                <a:ea typeface="현대하모니 L"/>
+              </a:rPr>
+              <a:t>데이터 타입</a:t>
+            </a:r>
+            <a:endParaRPr b="0" lang="en-US" sz="3000" spc="-1" strike="noStrike">
+              <a:latin typeface="Arial"/>
+            </a:endParaRPr>
+          </a:p>
+        </p:txBody>
+      </p:sp>
+      <p:pic>
+        <p:nvPicPr>
+          <p:cNvPr id="180" name="" descr=""/>
+          <p:cNvPicPr/>
+          <p:nvPr/>
+        </p:nvPicPr>
+        <p:blipFill>
+          <a:blip r:embed="rId1"/>
+          <a:stretch/>
+        </p:blipFill>
+        <p:spPr>
+          <a:xfrm>
+            <a:off x="777960" y="1260000"/>
+            <a:ext cx="6961680" cy="3027960"/>
+          </a:xfrm>
+          <a:prstGeom prst="rect">
+            <a:avLst/>
+          </a:prstGeom>
+          <a:ln w="0">
+            <a:noFill/>
+          </a:ln>
+        </p:spPr>
+      </p:pic>
+    </p:spTree>
+  </p:cSld>
+  <mc:AlternateContent>
+    <mc:Choice Requires="p14">
+      <p:transition spd="slow" p14:dur="2000"/>
+    </mc:Choice>
+    <mc:Fallback>
+      <p:transition spd="slow"/>
+    </mc:Fallback>
+  </mc:AlternateContent>
+</p:sld>
+</file>
+
+<file path=ppt/slides/slide21.xml><?xml version="1.0" encoding="utf-8"?>
+<p:sld xmlns:a="http://schemas.openxmlformats.org/drawingml/2006/main" xmlns:p="http://schemas.openxmlformats.org/presentationml/2006/main" xmlns:r="http://schemas.openxmlformats.org/officeDocument/2006/relationships" xmlns:p14="http://schemas.microsoft.com/office/powerpoint/2010/main" xmlns:p15="http://schemas.microsoft.com/office/powerpoint/2012/main" xmlns:mc="http://schemas.openxmlformats.org/markup-compatibility/2006">
+  <p:cSld>
+    <p:spTree>
+      <p:nvGrpSpPr>
+        <p:cNvPr id="1" name=""/>
+        <p:cNvGrpSpPr/>
+        <p:nvPr/>
+      </p:nvGrpSpPr>
+      <p:grpSpPr>
+        <a:xfrm>
+          <a:off x="0" y="0"/>
+          <a:ext cx="0" cy="0"/>
+          <a:chOff x="0" y="0"/>
+          <a:chExt cx="0" cy="0"/>
+        </a:xfrm>
+      </p:grpSpPr>
+      <p:sp>
+        <p:nvSpPr>
+          <p:cNvPr id="181" name="TextBox 21_19"/>
+          <p:cNvSpPr/>
+          <p:nvPr/>
+        </p:nvSpPr>
+        <p:spPr>
+          <a:xfrm>
+            <a:off x="621000" y="849240"/>
+            <a:ext cx="9817200" cy="730080"/>
+          </a:xfrm>
+          <a:prstGeom prst="rect">
+            <a:avLst/>
+          </a:prstGeom>
+          <a:noFill/>
+          <a:ln w="0">
+            <a:noFill/>
+          </a:ln>
+        </p:spPr>
+        <p:style>
+          <a:lnRef idx="0"/>
+          <a:fillRef idx="0"/>
+          <a:effectRef idx="0"/>
+          <a:fontRef idx="minor"/>
+        </p:style>
+        <p:txBody>
+          <a:bodyPr lIns="90000" rIns="90000" tIns="45000" bIns="45000">
+            <a:spAutoFit/>
+          </a:bodyPr>
+          <a:p>
+            <a:pPr>
+              <a:lnSpc>
+                <a:spcPct val="100000"/>
+              </a:lnSpc>
+            </a:pPr>
+            <a:endParaRPr b="0" lang="en-US" sz="1800" spc="-1" strike="noStrike">
+              <a:latin typeface="Arial"/>
+            </a:endParaRPr>
+          </a:p>
+          <a:p>
+            <a:pPr>
+              <a:lnSpc>
+                <a:spcPct val="100000"/>
+              </a:lnSpc>
+            </a:pPr>
+            <a:endParaRPr b="0" lang="en-US" sz="1800" spc="-1" strike="noStrike">
+              <a:latin typeface="Arial"/>
+            </a:endParaRPr>
+          </a:p>
+          <a:p>
+            <a:pPr>
+              <a:lnSpc>
+                <a:spcPct val="100000"/>
+              </a:lnSpc>
+            </a:pPr>
+            <a:endParaRPr b="0" lang="en-US" sz="1800" spc="-1" strike="noStrike">
+              <a:latin typeface="Arial"/>
+            </a:endParaRPr>
+          </a:p>
+        </p:txBody>
+      </p:sp>
+      <p:sp>
+        <p:nvSpPr>
+          <p:cNvPr id="182" name="TextBox 1_19"/>
+          <p:cNvSpPr/>
+          <p:nvPr/>
+        </p:nvSpPr>
+        <p:spPr>
+          <a:xfrm>
+            <a:off x="4668120" y="7177320"/>
+            <a:ext cx="952560" cy="272160"/>
+          </a:xfrm>
+          <a:prstGeom prst="rect">
+            <a:avLst/>
+          </a:prstGeom>
+          <a:noFill/>
+          <a:ln w="0">
+            <a:noFill/>
+          </a:ln>
+        </p:spPr>
+        <p:style>
+          <a:lnRef idx="0"/>
+          <a:fillRef idx="0"/>
+          <a:effectRef idx="0"/>
+          <a:fontRef idx="minor"/>
+        </p:style>
+        <p:txBody>
+          <a:bodyPr lIns="90000" rIns="90000" tIns="45000" bIns="45000">
+            <a:spAutoFit/>
+          </a:bodyPr>
+          <a:p>
+            <a:pPr algn="ctr">
+              <a:lnSpc>
+                <a:spcPct val="100000"/>
+              </a:lnSpc>
+            </a:pPr>
+            <a:r>
+              <a:rPr b="0" lang="en-US" sz="1200" spc="-1" strike="noStrike">
+                <a:solidFill>
+                  <a:srgbClr val="000000"/>
+                </a:solidFill>
+                <a:latin typeface="현대하모니 L"/>
+                <a:ea typeface="현대하모니 L"/>
+              </a:rPr>
+              <a:t>00/00</a:t>
+            </a:r>
+            <a:endParaRPr b="0" lang="en-US" sz="1200" spc="-1" strike="noStrike">
+              <a:latin typeface="Arial"/>
+            </a:endParaRPr>
+          </a:p>
+        </p:txBody>
+      </p:sp>
+      <p:sp>
+        <p:nvSpPr>
+          <p:cNvPr id="183" name="TextBox 5_19"/>
+          <p:cNvSpPr/>
+          <p:nvPr/>
+        </p:nvSpPr>
+        <p:spPr>
+          <a:xfrm>
+            <a:off x="327600" y="45000"/>
+            <a:ext cx="4653720" cy="546480"/>
+          </a:xfrm>
+          <a:prstGeom prst="rect">
+            <a:avLst/>
+          </a:prstGeom>
+          <a:noFill/>
+          <a:ln w="0">
+            <a:noFill/>
+          </a:ln>
+        </p:spPr>
+        <p:style>
+          <a:lnRef idx="0"/>
+          <a:fillRef idx="0"/>
+          <a:effectRef idx="0"/>
+          <a:fontRef idx="minor"/>
+        </p:style>
+        <p:txBody>
+          <a:bodyPr lIns="90000" rIns="90000" tIns="45000" bIns="45000">
+            <a:spAutoFit/>
+          </a:bodyPr>
+          <a:p>
+            <a:pPr>
+              <a:lnSpc>
+                <a:spcPct val="100000"/>
+              </a:lnSpc>
+            </a:pPr>
+            <a:r>
+              <a:rPr b="0" lang="en-US" sz="3000" spc="-1" strike="noStrike">
+                <a:solidFill>
+                  <a:srgbClr val="000000"/>
+                </a:solidFill>
+                <a:latin typeface="현대하모니 L"/>
+                <a:ea typeface="현대하모니 L"/>
+              </a:rPr>
+              <a:t>3. </a:t>
+            </a:r>
+            <a:r>
+              <a:rPr b="0" lang="ko-KR" sz="3000" spc="-1" strike="noStrike">
+                <a:solidFill>
+                  <a:srgbClr val="000000"/>
+                </a:solidFill>
+                <a:latin typeface="현대하모니 L"/>
+                <a:ea typeface="현대하모니 L"/>
+              </a:rPr>
+              <a:t>메모리 계층 구조</a:t>
+            </a:r>
+            <a:endParaRPr b="0" lang="en-US" sz="3000" spc="-1" strike="noStrike">
+              <a:latin typeface="Arial"/>
+            </a:endParaRPr>
+          </a:p>
+        </p:txBody>
+      </p:sp>
+      <p:sp>
+        <p:nvSpPr>
+          <p:cNvPr id="184" name=""/>
+          <p:cNvSpPr txBox="1"/>
+          <p:nvPr/>
+        </p:nvSpPr>
+        <p:spPr>
+          <a:xfrm>
+            <a:off x="720000" y="900000"/>
+            <a:ext cx="9467280" cy="5714640"/>
+          </a:xfrm>
+          <a:prstGeom prst="rect">
+            <a:avLst/>
+          </a:prstGeom>
+          <a:noFill/>
+          <a:ln w="0">
+            <a:noFill/>
+          </a:ln>
+        </p:spPr>
+        <p:txBody>
+          <a:bodyPr lIns="90000" rIns="90000" tIns="45000" bIns="45000">
+            <a:noAutofit/>
+          </a:bodyPr>
+          <a:p>
+            <a:r>
+              <a:rPr b="0" lang="en-US" sz="1800" spc="-1" strike="noStrike">
+                <a:latin typeface="Arial"/>
+              </a:rPr>
+              <a:t>CPU</a:t>
+            </a:r>
+            <a:r>
+              <a:rPr b="0" lang="ko-KR" sz="1800" spc="-1" strike="noStrike">
+                <a:latin typeface="Arial"/>
+              </a:rPr>
+              <a:t>가 메모리에서 데이터를 가져오는 속도는 대략 레지스터 </a:t>
+            </a:r>
+            <a:r>
+              <a:rPr b="0" lang="en-US" sz="1800" spc="-1" strike="noStrike">
+                <a:latin typeface="Arial"/>
+              </a:rPr>
+              <a:t>&gt; </a:t>
+            </a:r>
+            <a:r>
+              <a:rPr b="0" lang="ko-KR" sz="1800" spc="-1" strike="noStrike">
+                <a:latin typeface="Arial"/>
+              </a:rPr>
+              <a:t>캐시 </a:t>
+            </a:r>
+            <a:r>
+              <a:rPr b="0" lang="en-US" sz="1800" spc="-1" strike="noStrike">
+                <a:latin typeface="Arial"/>
+              </a:rPr>
+              <a:t>&gt; </a:t>
+            </a:r>
+            <a:r>
+              <a:rPr b="0" lang="ko-KR" sz="1800" spc="-1" strike="noStrike">
+                <a:latin typeface="Arial"/>
+              </a:rPr>
+              <a:t>메모리 </a:t>
+            </a:r>
+            <a:r>
+              <a:rPr b="0" lang="en-US" sz="1800" spc="-1" strike="noStrike">
+                <a:latin typeface="Arial"/>
+              </a:rPr>
+              <a:t>&gt; </a:t>
+            </a:r>
+            <a:r>
+              <a:rPr b="0" lang="ko-KR" sz="1800" spc="-1" strike="noStrike">
+                <a:latin typeface="Arial"/>
+              </a:rPr>
+              <a:t>하드디스크 순으로</a:t>
+            </a:r>
+            <a:endParaRPr b="0" lang="en-US" sz="1800" spc="-1" strike="noStrike">
+              <a:latin typeface="Arial"/>
+            </a:endParaRPr>
+          </a:p>
+          <a:p>
+            <a:r>
+              <a:rPr b="0" lang="ko-KR" sz="1800" spc="-1" strike="noStrike">
+                <a:latin typeface="Arial"/>
+              </a:rPr>
+              <a:t>빠르며 비용은 이와 반대로 레지스터순으로 가장 비싸다 이에 비용절감과 속도 저하를 막기위해 </a:t>
+            </a:r>
+            <a:endParaRPr b="0" lang="en-US" sz="1800" spc="-1" strike="noStrike">
+              <a:latin typeface="Arial"/>
+            </a:endParaRPr>
+          </a:p>
+          <a:p>
+            <a:r>
+              <a:rPr b="0" lang="ko-KR" sz="1800" spc="-1" strike="noStrike">
+                <a:latin typeface="Arial"/>
+              </a:rPr>
+              <a:t>각 메모리를 계층별로 놓았다</a:t>
+            </a:r>
+            <a:r>
+              <a:rPr b="0" lang="en-US" sz="1800" spc="-1" strike="noStrike">
+                <a:latin typeface="Arial"/>
+              </a:rPr>
+              <a:t>.</a:t>
+            </a:r>
+            <a:endParaRPr b="0" lang="en-US" sz="1800" spc="-1" strike="noStrike">
+              <a:latin typeface="Arial"/>
+            </a:endParaRPr>
+          </a:p>
+          <a:p>
+            <a:endParaRPr b="0" lang="en-US" sz="1800" spc="-1" strike="noStrike">
+              <a:latin typeface="Arial"/>
+            </a:endParaRPr>
+          </a:p>
+          <a:p>
+            <a:endParaRPr b="0" lang="en-US" sz="1800" spc="-1" strike="noStrike">
+              <a:latin typeface="Arial"/>
+            </a:endParaRPr>
+          </a:p>
+          <a:p>
+            <a:endParaRPr b="0" lang="en-US" sz="1800" spc="-1" strike="noStrike">
+              <a:latin typeface="Arial"/>
+            </a:endParaRPr>
+          </a:p>
+          <a:p>
+            <a:endParaRPr b="0" lang="en-US" sz="1800" spc="-1" strike="noStrike">
+              <a:latin typeface="Arial"/>
+            </a:endParaRPr>
+          </a:p>
+          <a:p>
+            <a:endParaRPr b="0" lang="en-US" sz="1800" spc="-1" strike="noStrike">
+              <a:latin typeface="Arial"/>
+            </a:endParaRPr>
+          </a:p>
+          <a:p>
+            <a:endParaRPr b="0" lang="en-US" sz="1800" spc="-1" strike="noStrike">
+              <a:latin typeface="Arial"/>
+            </a:endParaRPr>
+          </a:p>
+          <a:p>
+            <a:endParaRPr b="0" lang="en-US" sz="1800" spc="-1" strike="noStrike">
+              <a:latin typeface="Arial"/>
+            </a:endParaRPr>
+          </a:p>
+          <a:p>
+            <a:endParaRPr b="0" lang="en-US" sz="1800" spc="-1" strike="noStrike">
+              <a:latin typeface="Arial"/>
+            </a:endParaRPr>
+          </a:p>
+          <a:p>
+            <a:endParaRPr b="0" lang="en-US" sz="1800" spc="-1" strike="noStrike">
+              <a:latin typeface="Arial"/>
+            </a:endParaRPr>
+          </a:p>
+          <a:p>
+            <a:endParaRPr b="0" lang="en-US" sz="1800" spc="-1" strike="noStrike">
+              <a:latin typeface="Arial"/>
+            </a:endParaRPr>
+          </a:p>
+          <a:p>
+            <a:endParaRPr b="0" lang="en-US" sz="1800" spc="-1" strike="noStrike">
+              <a:latin typeface="Arial"/>
+            </a:endParaRPr>
+          </a:p>
+          <a:p>
+            <a:endParaRPr b="0" lang="en-US" sz="1800" spc="-1" strike="noStrike">
+              <a:latin typeface="Arial"/>
+            </a:endParaRPr>
+          </a:p>
+          <a:p>
+            <a:endParaRPr b="0" lang="en-US" sz="1800" spc="-1" strike="noStrike">
+              <a:latin typeface="Arial"/>
+            </a:endParaRPr>
+          </a:p>
+          <a:p>
+            <a:r>
+              <a:rPr b="0" lang="ko-KR" sz="1800" spc="-1" strike="noStrike">
+                <a:latin typeface="Arial"/>
+              </a:rPr>
+              <a:t>출처 </a:t>
+            </a:r>
+            <a:r>
+              <a:rPr b="0" lang="en-US" sz="1800" spc="-1" strike="noStrike">
+                <a:latin typeface="Arial"/>
+              </a:rPr>
+              <a:t>: https://constructor.tistory.com/18 </a:t>
+            </a:r>
+            <a:endParaRPr b="0" lang="en-US" sz="1800" spc="-1" strike="noStrike">
+              <a:latin typeface="Arial"/>
+            </a:endParaRPr>
+          </a:p>
+        </p:txBody>
+      </p:sp>
+      <p:pic>
+        <p:nvPicPr>
+          <p:cNvPr id="185" name="" descr=""/>
+          <p:cNvPicPr/>
+          <p:nvPr/>
+        </p:nvPicPr>
+        <p:blipFill>
+          <a:blip r:embed="rId1"/>
+          <a:stretch/>
+        </p:blipFill>
+        <p:spPr>
+          <a:xfrm>
+            <a:off x="2723400" y="2160000"/>
+            <a:ext cx="5376600" cy="3780000"/>
           </a:xfrm>
           <a:prstGeom prst="rect">
             <a:avLst/>
@@ -13862,7 +14887,7 @@
         <p:spPr>
           <a:xfrm>
             <a:off x="327600" y="45000"/>
-            <a:ext cx="4654440" cy="546480"/>
+            <a:ext cx="4653720" cy="546480"/>
           </a:xfrm>
           <a:prstGeom prst="rect">
             <a:avLst/>
@@ -13923,7 +14948,7 @@
         <p:spPr>
           <a:xfrm>
             <a:off x="621000" y="849240"/>
-            <a:ext cx="9457560" cy="3102840"/>
+            <a:ext cx="9456840" cy="3102840"/>
           </a:xfrm>
           <a:prstGeom prst="rect">
             <a:avLst/>
@@ -14294,7 +15319,7 @@
         <p:spPr>
           <a:xfrm>
             <a:off x="4668120" y="7177320"/>
-            <a:ext cx="953280" cy="272160"/>
+            <a:ext cx="952560" cy="272160"/>
           </a:xfrm>
           <a:prstGeom prst="rect">
             <a:avLst/>
@@ -14349,7 +15374,7 @@
         <p:spPr>
           <a:xfrm>
             <a:off x="720000" y="1119240"/>
-            <a:ext cx="6999480" cy="1579680"/>
+            <a:ext cx="6998760" cy="1578960"/>
           </a:xfrm>
           <a:prstGeom prst="rect">
             <a:avLst/>
@@ -14398,7 +15423,7 @@
         <p:spPr>
           <a:xfrm>
             <a:off x="621000" y="849240"/>
-            <a:ext cx="9817920" cy="1004400"/>
+            <a:ext cx="9817200" cy="1004400"/>
           </a:xfrm>
           <a:prstGeom prst="rect">
             <a:avLst/>
@@ -14499,7 +15524,7 @@
         <p:spPr>
           <a:xfrm>
             <a:off x="4668120" y="7177320"/>
-            <a:ext cx="953280" cy="272160"/>
+            <a:ext cx="952560" cy="272160"/>
           </a:xfrm>
           <a:prstGeom prst="rect">
             <a:avLst/>
@@ -14550,7 +15575,7 @@
         <p:spPr>
           <a:xfrm>
             <a:off x="327600" y="45000"/>
-            <a:ext cx="4654440" cy="546480"/>
+            <a:ext cx="4653720" cy="546480"/>
           </a:xfrm>
           <a:prstGeom prst="rect">
             <a:avLst/>
@@ -14615,7 +15640,7 @@
         <p:spPr>
           <a:xfrm>
             <a:off x="529200" y="2181960"/>
-            <a:ext cx="4329720" cy="3756960"/>
+            <a:ext cx="4329000" cy="3756240"/>
           </a:xfrm>
           <a:prstGeom prst="rect">
             <a:avLst/>
@@ -14638,7 +15663,7 @@
         <p:spPr>
           <a:xfrm>
             <a:off x="5760000" y="2160000"/>
-            <a:ext cx="4349520" cy="3756960"/>
+            <a:ext cx="4348800" cy="3756240"/>
           </a:xfrm>
           <a:prstGeom prst="rect">
             <a:avLst/>
@@ -14657,7 +15682,7 @@
         <p:spPr>
           <a:xfrm>
             <a:off x="4860000" y="3780000"/>
-            <a:ext cx="898920" cy="358920"/>
+            <a:ext cx="898200" cy="358200"/>
           </a:xfrm>
           <a:custGeom>
             <a:avLst/>
@@ -14773,7 +15798,7 @@
         <p:spPr>
           <a:xfrm>
             <a:off x="621000" y="849240"/>
-            <a:ext cx="9817920" cy="3946320"/>
+            <a:ext cx="9817200" cy="3945960"/>
           </a:xfrm>
           <a:prstGeom prst="rect">
             <a:avLst/>
@@ -15174,7 +16199,7 @@
         <p:spPr>
           <a:xfrm>
             <a:off x="4668120" y="7177320"/>
-            <a:ext cx="953280" cy="272160"/>
+            <a:ext cx="952560" cy="272160"/>
           </a:xfrm>
           <a:prstGeom prst="rect">
             <a:avLst/>
@@ -15225,7 +16250,7 @@
         <p:spPr>
           <a:xfrm>
             <a:off x="327600" y="45000"/>
-            <a:ext cx="4654440" cy="546480"/>
+            <a:ext cx="4653720" cy="546480"/>
           </a:xfrm>
           <a:prstGeom prst="rect">
             <a:avLst/>
@@ -15290,7 +16315,7 @@
         <p:spPr>
           <a:xfrm>
             <a:off x="1872720" y="1980000"/>
-            <a:ext cx="6971400" cy="1923120"/>
+            <a:ext cx="6970680" cy="1922400"/>
           </a:xfrm>
           <a:prstGeom prst="rect">
             <a:avLst/>
@@ -15313,7 +16338,7 @@
         <p:spPr>
           <a:xfrm>
             <a:off x="1819440" y="5040000"/>
-            <a:ext cx="6999840" cy="1818360"/>
+            <a:ext cx="6999120" cy="1817640"/>
           </a:xfrm>
           <a:prstGeom prst="rect">
             <a:avLst/>
@@ -15362,7 +16387,7 @@
         <p:spPr>
           <a:xfrm>
             <a:off x="621000" y="849240"/>
-            <a:ext cx="9817920" cy="3473640"/>
+            <a:ext cx="9817200" cy="3473640"/>
           </a:xfrm>
           <a:prstGeom prst="rect">
             <a:avLst/>
@@ -15633,7 +16658,7 @@
         <p:spPr>
           <a:xfrm>
             <a:off x="4668120" y="7177320"/>
-            <a:ext cx="953280" cy="272160"/>
+            <a:ext cx="952560" cy="272160"/>
           </a:xfrm>
           <a:prstGeom prst="rect">
             <a:avLst/>
@@ -15684,7 +16709,7 @@
         <p:spPr>
           <a:xfrm>
             <a:off x="327600" y="45000"/>
-            <a:ext cx="4654440" cy="546480"/>
+            <a:ext cx="4653720" cy="546480"/>
           </a:xfrm>
           <a:prstGeom prst="rect">
             <a:avLst/>
@@ -15749,7 +16774,7 @@
         <p:spPr>
           <a:xfrm>
             <a:off x="720000" y="2039400"/>
-            <a:ext cx="7009200" cy="1379880"/>
+            <a:ext cx="7008480" cy="1379160"/>
           </a:xfrm>
           <a:prstGeom prst="rect">
             <a:avLst/>
@@ -15771,8 +16796,8 @@
         </p:blipFill>
         <p:spPr>
           <a:xfrm rot="9600">
-            <a:off x="734040" y="4275000"/>
-            <a:ext cx="6942600" cy="2572920"/>
+            <a:off x="733320" y="4274280"/>
+            <a:ext cx="6941880" cy="2572200"/>
           </a:xfrm>
           <a:prstGeom prst="rect">
             <a:avLst/>
@@ -15821,7 +16846,7 @@
         <p:spPr>
           <a:xfrm>
             <a:off x="621000" y="849240"/>
-            <a:ext cx="9817920" cy="4340880"/>
+            <a:ext cx="9817200" cy="4340520"/>
           </a:xfrm>
           <a:prstGeom prst="rect">
             <a:avLst/>
@@ -16172,7 +17197,7 @@
         <p:spPr>
           <a:xfrm>
             <a:off x="4668120" y="7177320"/>
-            <a:ext cx="953280" cy="272160"/>
+            <a:ext cx="952560" cy="272160"/>
           </a:xfrm>
           <a:prstGeom prst="rect">
             <a:avLst/>
@@ -16223,7 +17248,7 @@
         <p:spPr>
           <a:xfrm>
             <a:off x="327600" y="45000"/>
-            <a:ext cx="4654440" cy="546480"/>
+            <a:ext cx="4653720" cy="546480"/>
           </a:xfrm>
           <a:prstGeom prst="rect">
             <a:avLst/>
@@ -16288,7 +17313,7 @@
         <p:spPr>
           <a:xfrm>
             <a:off x="720000" y="1980000"/>
-            <a:ext cx="6990120" cy="1618200"/>
+            <a:ext cx="6989400" cy="1617480"/>
           </a:xfrm>
           <a:prstGeom prst="rect">
             <a:avLst/>
@@ -16311,7 +17336,7 @@
         <p:spPr>
           <a:xfrm>
             <a:off x="720000" y="3960000"/>
-            <a:ext cx="6961680" cy="1456200"/>
+            <a:ext cx="6960960" cy="1455480"/>
           </a:xfrm>
           <a:prstGeom prst="rect">
             <a:avLst/>
@@ -16360,7 +17385,7 @@
         <p:spPr>
           <a:xfrm>
             <a:off x="621000" y="849240"/>
-            <a:ext cx="9817920" cy="4358520"/>
+            <a:ext cx="9817200" cy="4358520"/>
           </a:xfrm>
           <a:prstGeom prst="rect">
             <a:avLst/>
@@ -16571,7 +17596,7 @@
         <p:spPr>
           <a:xfrm>
             <a:off x="4668120" y="7177320"/>
-            <a:ext cx="953280" cy="272160"/>
+            <a:ext cx="952560" cy="272160"/>
           </a:xfrm>
           <a:prstGeom prst="rect">
             <a:avLst/>
@@ -16622,7 +17647,7 @@
         <p:spPr>
           <a:xfrm>
             <a:off x="327600" y="45000"/>
-            <a:ext cx="4654440" cy="546480"/>
+            <a:ext cx="4653720" cy="546480"/>
           </a:xfrm>
           <a:prstGeom prst="rect">
             <a:avLst/>
@@ -16687,7 +17712,7 @@
         <p:spPr>
           <a:xfrm>
             <a:off x="720000" y="1980000"/>
-            <a:ext cx="7486200" cy="1439280"/>
+            <a:ext cx="7485480" cy="1438560"/>
           </a:xfrm>
           <a:prstGeom prst="rect">
             <a:avLst/>
@@ -16736,7 +17761,7 @@
         <p:spPr>
           <a:xfrm>
             <a:off x="621000" y="849240"/>
-            <a:ext cx="9817920" cy="5942880"/>
+            <a:ext cx="9817200" cy="5942880"/>
           </a:xfrm>
           <a:prstGeom prst="rect">
             <a:avLst/>
@@ -17107,7 +18132,7 @@
         <p:spPr>
           <a:xfrm>
             <a:off x="4668120" y="7177320"/>
-            <a:ext cx="953280" cy="272160"/>
+            <a:ext cx="952560" cy="272160"/>
           </a:xfrm>
           <a:prstGeom prst="rect">
             <a:avLst/>
@@ -17158,7 +18183,7 @@
         <p:spPr>
           <a:xfrm>
             <a:off x="327600" y="45000"/>
-            <a:ext cx="4654440" cy="546480"/>
+            <a:ext cx="4653720" cy="546480"/>
           </a:xfrm>
           <a:prstGeom prst="rect">
             <a:avLst/>
@@ -17223,7 +18248,7 @@
         <p:spPr>
           <a:xfrm>
             <a:off x="720000" y="2217960"/>
-            <a:ext cx="6923520" cy="3361320"/>
+            <a:ext cx="6922800" cy="3360600"/>
           </a:xfrm>
           <a:prstGeom prst="rect">
             <a:avLst/>
